--- a/BancoNacion/documentos/Reclamos.pptx
+++ b/BancoNacion/documentos/Reclamos.pptx
@@ -5,12 +5,15 @@
     <p:sldMasterId id="2147483660" r:id="rId1"/>
   </p:sldMasterIdLst>
   <p:notesMasterIdLst>
-    <p:notesMasterId r:id="rId5"/>
+    <p:notesMasterId r:id="rId8"/>
   </p:notesMasterIdLst>
   <p:sldIdLst>
     <p:sldId id="371" r:id="rId2"/>
     <p:sldId id="373" r:id="rId3"/>
     <p:sldId id="374" r:id="rId4"/>
+    <p:sldId id="375" r:id="rId5"/>
+    <p:sldId id="377" r:id="rId6"/>
+    <p:sldId id="378" r:id="rId7"/>
   </p:sldIdLst>
   <p:sldSz cx="12192000" cy="6858000"/>
   <p:notesSz cx="6858000" cy="9144000"/>
@@ -122,7 +125,7 @@
   <pc:docChgLst>
     <pc:chgData name="John K. Barrera" userId="ff20ac3aac775278" providerId="LiveId" clId="{D2B16D9E-8DC3-4D4C-927D-0F5AA29F5383}"/>
     <pc:docChg chg="undo custSel addSld delSld modSld">
-      <pc:chgData name="John K. Barrera" userId="ff20ac3aac775278" providerId="LiveId" clId="{D2B16D9E-8DC3-4D4C-927D-0F5AA29F5383}" dt="2022-02-16T01:35:42.024" v="1264" actId="47"/>
+      <pc:chgData name="John K. Barrera" userId="ff20ac3aac775278" providerId="LiveId" clId="{D2B16D9E-8DC3-4D4C-927D-0F5AA29F5383}" dt="2022-02-22T18:28:10.675" v="3401" actId="12385"/>
       <pc:docMkLst>
         <pc:docMk/>
       </pc:docMkLst>
@@ -371,6 +374,569 @@
           </ac:spMkLst>
         </pc:spChg>
       </pc:sldChg>
+      <pc:sldChg chg="addSp delSp modSp add mod">
+        <pc:chgData name="John K. Barrera" userId="ff20ac3aac775278" providerId="LiveId" clId="{D2B16D9E-8DC3-4D4C-927D-0F5AA29F5383}" dt="2022-02-22T18:06:22.035" v="3375" actId="1036"/>
+        <pc:sldMkLst>
+          <pc:docMk/>
+          <pc:sldMk cId="3203440581" sldId="375"/>
+        </pc:sldMkLst>
+        <pc:spChg chg="mod">
+          <ac:chgData name="John K. Barrera" userId="ff20ac3aac775278" providerId="LiveId" clId="{D2B16D9E-8DC3-4D4C-927D-0F5AA29F5383}" dt="2022-02-22T18:05:20.915" v="3351" actId="14100"/>
+          <ac:spMkLst>
+            <pc:docMk/>
+            <pc:sldMk cId="3203440581" sldId="375"/>
+            <ac:spMk id="5" creationId="{48D2A9BD-EBF3-4CF7-A61E-49631D4D1DBB}"/>
+          </ac:spMkLst>
+        </pc:spChg>
+        <pc:spChg chg="mod">
+          <ac:chgData name="John K. Barrera" userId="ff20ac3aac775278" providerId="LiveId" clId="{D2B16D9E-8DC3-4D4C-927D-0F5AA29F5383}" dt="2022-02-22T18:06:12.661" v="3370" actId="113"/>
+          <ac:spMkLst>
+            <pc:docMk/>
+            <pc:sldMk cId="3203440581" sldId="375"/>
+            <ac:spMk id="12" creationId="{002F249E-01CD-4A15-802F-2FC4DE855BEF}"/>
+          </ac:spMkLst>
+        </pc:spChg>
+        <pc:spChg chg="mod">
+          <ac:chgData name="John K. Barrera" userId="ff20ac3aac775278" providerId="LiveId" clId="{D2B16D9E-8DC3-4D4C-927D-0F5AA29F5383}" dt="2022-02-22T18:04:26.332" v="3343" actId="1076"/>
+          <ac:spMkLst>
+            <pc:docMk/>
+            <pc:sldMk cId="3203440581" sldId="375"/>
+            <ac:spMk id="15" creationId="{DA903829-C857-466F-8663-51CF8927D68D}"/>
+          </ac:spMkLst>
+        </pc:spChg>
+        <pc:spChg chg="del">
+          <ac:chgData name="John K. Barrera" userId="ff20ac3aac775278" providerId="LiveId" clId="{D2B16D9E-8DC3-4D4C-927D-0F5AA29F5383}" dt="2022-02-22T15:08:03.368" v="1512" actId="478"/>
+          <ac:spMkLst>
+            <pc:docMk/>
+            <pc:sldMk cId="3203440581" sldId="375"/>
+            <ac:spMk id="17" creationId="{D09F57A8-1B92-4628-AEB7-5CB072C0CCC0}"/>
+          </ac:spMkLst>
+        </pc:spChg>
+        <pc:spChg chg="del">
+          <ac:chgData name="John K. Barrera" userId="ff20ac3aac775278" providerId="LiveId" clId="{D2B16D9E-8DC3-4D4C-927D-0F5AA29F5383}" dt="2022-02-22T15:07:58.471" v="1511" actId="478"/>
+          <ac:spMkLst>
+            <pc:docMk/>
+            <pc:sldMk cId="3203440581" sldId="375"/>
+            <ac:spMk id="18" creationId="{7BA70B3A-D28F-4568-B21F-EDEC67C3A51A}"/>
+          </ac:spMkLst>
+        </pc:spChg>
+        <pc:spChg chg="del">
+          <ac:chgData name="John K. Barrera" userId="ff20ac3aac775278" providerId="LiveId" clId="{D2B16D9E-8DC3-4D4C-927D-0F5AA29F5383}" dt="2022-02-22T15:08:06.516" v="1513" actId="478"/>
+          <ac:spMkLst>
+            <pc:docMk/>
+            <pc:sldMk cId="3203440581" sldId="375"/>
+            <ac:spMk id="19" creationId="{98F8ED88-04ED-4DB1-9638-E322BC8F1173}"/>
+          </ac:spMkLst>
+        </pc:spChg>
+        <pc:spChg chg="del">
+          <ac:chgData name="John K. Barrera" userId="ff20ac3aac775278" providerId="LiveId" clId="{D2B16D9E-8DC3-4D4C-927D-0F5AA29F5383}" dt="2022-02-22T15:08:03.368" v="1512" actId="478"/>
+          <ac:spMkLst>
+            <pc:docMk/>
+            <pc:sldMk cId="3203440581" sldId="375"/>
+            <ac:spMk id="20" creationId="{A3A9181E-C296-4283-97D7-B6F12491FAE6}"/>
+          </ac:spMkLst>
+        </pc:spChg>
+        <pc:spChg chg="add mod">
+          <ac:chgData name="John K. Barrera" userId="ff20ac3aac775278" providerId="LiveId" clId="{D2B16D9E-8DC3-4D4C-927D-0F5AA29F5383}" dt="2022-02-22T18:06:22.035" v="3375" actId="1036"/>
+          <ac:spMkLst>
+            <pc:docMk/>
+            <pc:sldMk cId="3203440581" sldId="375"/>
+            <ac:spMk id="22" creationId="{C89DB2A0-1EF6-4E1F-8C52-F1B20078FA77}"/>
+          </ac:spMkLst>
+        </pc:spChg>
+        <pc:spChg chg="del">
+          <ac:chgData name="John K. Barrera" userId="ff20ac3aac775278" providerId="LiveId" clId="{D2B16D9E-8DC3-4D4C-927D-0F5AA29F5383}" dt="2022-02-22T15:08:03.368" v="1512" actId="478"/>
+          <ac:spMkLst>
+            <pc:docMk/>
+            <pc:sldMk cId="3203440581" sldId="375"/>
+            <ac:spMk id="24" creationId="{C0A27345-298D-4971-8ADA-DAD2DFA91B63}"/>
+          </ac:spMkLst>
+        </pc:spChg>
+        <pc:spChg chg="del">
+          <ac:chgData name="John K. Barrera" userId="ff20ac3aac775278" providerId="LiveId" clId="{D2B16D9E-8DC3-4D4C-927D-0F5AA29F5383}" dt="2022-02-22T15:08:03.368" v="1512" actId="478"/>
+          <ac:spMkLst>
+            <pc:docMk/>
+            <pc:sldMk cId="3203440581" sldId="375"/>
+            <ac:spMk id="25" creationId="{7DC511A2-8C5B-41E3-96F3-3FFEDB1E688A}"/>
+          </ac:spMkLst>
+        </pc:spChg>
+        <pc:spChg chg="add mod">
+          <ac:chgData name="John K. Barrera" userId="ff20ac3aac775278" providerId="LiveId" clId="{D2B16D9E-8DC3-4D4C-927D-0F5AA29F5383}" dt="2022-02-22T17:53:56.348" v="2881" actId="1035"/>
+          <ac:spMkLst>
+            <pc:docMk/>
+            <pc:sldMk cId="3203440581" sldId="375"/>
+            <ac:spMk id="26" creationId="{6DD68FDC-BF7A-4FC2-BD9C-CB3E6A95347D}"/>
+          </ac:spMkLst>
+        </pc:spChg>
+        <pc:spChg chg="add mod">
+          <ac:chgData name="John K. Barrera" userId="ff20ac3aac775278" providerId="LiveId" clId="{D2B16D9E-8DC3-4D4C-927D-0F5AA29F5383}" dt="2022-02-22T18:00:40.797" v="3155" actId="20577"/>
+          <ac:spMkLst>
+            <pc:docMk/>
+            <pc:sldMk cId="3203440581" sldId="375"/>
+            <ac:spMk id="28" creationId="{8D66AAF9-8D22-4DDA-A2A4-5A100794DEE7}"/>
+          </ac:spMkLst>
+        </pc:spChg>
+        <pc:spChg chg="mod">
+          <ac:chgData name="John K. Barrera" userId="ff20ac3aac775278" providerId="LiveId" clId="{D2B16D9E-8DC3-4D4C-927D-0F5AA29F5383}" dt="2022-02-22T18:04:00.841" v="3341" actId="20577"/>
+          <ac:spMkLst>
+            <pc:docMk/>
+            <pc:sldMk cId="3203440581" sldId="375"/>
+            <ac:spMk id="32" creationId="{5990BE50-D7B2-47ED-8046-9277499D707B}"/>
+          </ac:spMkLst>
+        </pc:spChg>
+        <pc:graphicFrameChg chg="del">
+          <ac:chgData name="John K. Barrera" userId="ff20ac3aac775278" providerId="LiveId" clId="{D2B16D9E-8DC3-4D4C-927D-0F5AA29F5383}" dt="2022-02-22T15:07:58.471" v="1511" actId="478"/>
+          <ac:graphicFrameMkLst>
+            <pc:docMk/>
+            <pc:sldMk cId="3203440581" sldId="375"/>
+            <ac:graphicFrameMk id="7" creationId="{7E353892-CDD1-4C23-A4C7-EBB2BF4BAFB3}"/>
+          </ac:graphicFrameMkLst>
+        </pc:graphicFrameChg>
+        <pc:graphicFrameChg chg="del">
+          <ac:chgData name="John K. Barrera" userId="ff20ac3aac775278" providerId="LiveId" clId="{D2B16D9E-8DC3-4D4C-927D-0F5AA29F5383}" dt="2022-02-22T15:08:03.368" v="1512" actId="478"/>
+          <ac:graphicFrameMkLst>
+            <pc:docMk/>
+            <pc:sldMk cId="3203440581" sldId="375"/>
+            <ac:graphicFrameMk id="8" creationId="{0D0C1DFF-4BF8-4EDA-ABC6-89ADBC095558}"/>
+          </ac:graphicFrameMkLst>
+        </pc:graphicFrameChg>
+        <pc:graphicFrameChg chg="del">
+          <ac:chgData name="John K. Barrera" userId="ff20ac3aac775278" providerId="LiveId" clId="{D2B16D9E-8DC3-4D4C-927D-0F5AA29F5383}" dt="2022-02-22T15:08:03.368" v="1512" actId="478"/>
+          <ac:graphicFrameMkLst>
+            <pc:docMk/>
+            <pc:sldMk cId="3203440581" sldId="375"/>
+            <ac:graphicFrameMk id="13" creationId="{424EBEB8-B9D1-472E-97CD-81E30D5C965E}"/>
+          </ac:graphicFrameMkLst>
+        </pc:graphicFrameChg>
+        <pc:picChg chg="add del mod">
+          <ac:chgData name="John K. Barrera" userId="ff20ac3aac775278" providerId="LiveId" clId="{D2B16D9E-8DC3-4D4C-927D-0F5AA29F5383}" dt="2022-02-22T17:48:40.788" v="2556" actId="478"/>
+          <ac:picMkLst>
+            <pc:docMk/>
+            <pc:sldMk cId="3203440581" sldId="375"/>
+            <ac:picMk id="1026" creationId="{C6A4AEFC-A5B2-49E8-BF23-40A5A5FB27EA}"/>
+          </ac:picMkLst>
+        </pc:picChg>
+        <pc:picChg chg="add mod">
+          <ac:chgData name="John K. Barrera" userId="ff20ac3aac775278" providerId="LiveId" clId="{D2B16D9E-8DC3-4D4C-927D-0F5AA29F5383}" dt="2022-02-22T17:51:02.582" v="2575" actId="1076"/>
+          <ac:picMkLst>
+            <pc:docMk/>
+            <pc:sldMk cId="3203440581" sldId="375"/>
+            <ac:picMk id="1028" creationId="{3A1B5AFC-66BF-435B-BC84-0C69FB577C92}"/>
+          </ac:picMkLst>
+        </pc:picChg>
+        <pc:picChg chg="add mod">
+          <ac:chgData name="John K. Barrera" userId="ff20ac3aac775278" providerId="LiveId" clId="{D2B16D9E-8DC3-4D4C-927D-0F5AA29F5383}" dt="2022-02-22T18:06:19.368" v="3373" actId="1036"/>
+          <ac:picMkLst>
+            <pc:docMk/>
+            <pc:sldMk cId="3203440581" sldId="375"/>
+            <ac:picMk id="1030" creationId="{18928A40-8883-416D-8694-72B81948718A}"/>
+          </ac:picMkLst>
+        </pc:picChg>
+        <pc:cxnChg chg="add mod">
+          <ac:chgData name="John K. Barrera" userId="ff20ac3aac775278" providerId="LiveId" clId="{D2B16D9E-8DC3-4D4C-927D-0F5AA29F5383}" dt="2022-02-22T17:46:48.119" v="2546" actId="1076"/>
+          <ac:cxnSpMkLst>
+            <pc:docMk/>
+            <pc:sldMk cId="3203440581" sldId="375"/>
+            <ac:cxnSpMk id="3" creationId="{F8C5515E-8B92-449B-9B18-53631E44E942}"/>
+          </ac:cxnSpMkLst>
+        </pc:cxnChg>
+        <pc:cxnChg chg="del">
+          <ac:chgData name="John K. Barrera" userId="ff20ac3aac775278" providerId="LiveId" clId="{D2B16D9E-8DC3-4D4C-927D-0F5AA29F5383}" dt="2022-02-22T15:08:03.368" v="1512" actId="478"/>
+          <ac:cxnSpMkLst>
+            <pc:docMk/>
+            <pc:sldMk cId="3203440581" sldId="375"/>
+            <ac:cxnSpMk id="21" creationId="{0B26FA66-F660-43C9-8F8A-A9061CAE126F}"/>
+          </ac:cxnSpMkLst>
+        </pc:cxnChg>
+        <pc:cxnChg chg="del">
+          <ac:chgData name="John K. Barrera" userId="ff20ac3aac775278" providerId="LiveId" clId="{D2B16D9E-8DC3-4D4C-927D-0F5AA29F5383}" dt="2022-02-22T15:08:03.368" v="1512" actId="478"/>
+          <ac:cxnSpMkLst>
+            <pc:docMk/>
+            <pc:sldMk cId="3203440581" sldId="375"/>
+            <ac:cxnSpMk id="29" creationId="{84CE7B66-FC11-4341-949E-E86A14BB2E1C}"/>
+          </ac:cxnSpMkLst>
+        </pc:cxnChg>
+      </pc:sldChg>
+      <pc:sldChg chg="addSp delSp modSp add del mod">
+        <pc:chgData name="John K. Barrera" userId="ff20ac3aac775278" providerId="LiveId" clId="{D2B16D9E-8DC3-4D4C-927D-0F5AA29F5383}" dt="2022-02-22T15:51:34.910" v="2216" actId="47"/>
+        <pc:sldMkLst>
+          <pc:docMk/>
+          <pc:sldMk cId="828289151" sldId="376"/>
+        </pc:sldMkLst>
+        <pc:spChg chg="mod">
+          <ac:chgData name="John K. Barrera" userId="ff20ac3aac775278" providerId="LiveId" clId="{D2B16D9E-8DC3-4D4C-927D-0F5AA29F5383}" dt="2022-02-22T15:37:49.153" v="1601" actId="20577"/>
+          <ac:spMkLst>
+            <pc:docMk/>
+            <pc:sldMk cId="828289151" sldId="376"/>
+            <ac:spMk id="5" creationId="{48D2A9BD-EBF3-4CF7-A61E-49631D4D1DBB}"/>
+          </ac:spMkLst>
+        </pc:spChg>
+        <pc:spChg chg="del mod">
+          <ac:chgData name="John K. Barrera" userId="ff20ac3aac775278" providerId="LiveId" clId="{D2B16D9E-8DC3-4D4C-927D-0F5AA29F5383}" dt="2022-02-22T15:37:17.500" v="1549" actId="478"/>
+          <ac:spMkLst>
+            <pc:docMk/>
+            <pc:sldMk cId="828289151" sldId="376"/>
+            <ac:spMk id="12" creationId="{002F249E-01CD-4A15-802F-2FC4DE855BEF}"/>
+          </ac:spMkLst>
+        </pc:spChg>
+        <pc:spChg chg="del">
+          <ac:chgData name="John K. Barrera" userId="ff20ac3aac775278" providerId="LiveId" clId="{D2B16D9E-8DC3-4D4C-927D-0F5AA29F5383}" dt="2022-02-22T15:37:15.206" v="1547" actId="478"/>
+          <ac:spMkLst>
+            <pc:docMk/>
+            <pc:sldMk cId="828289151" sldId="376"/>
+            <ac:spMk id="17" creationId="{D09F57A8-1B92-4628-AEB7-5CB072C0CCC0}"/>
+          </ac:spMkLst>
+        </pc:spChg>
+        <pc:spChg chg="del">
+          <ac:chgData name="John K. Barrera" userId="ff20ac3aac775278" providerId="LiveId" clId="{D2B16D9E-8DC3-4D4C-927D-0F5AA29F5383}" dt="2022-02-22T15:37:15.206" v="1547" actId="478"/>
+          <ac:spMkLst>
+            <pc:docMk/>
+            <pc:sldMk cId="828289151" sldId="376"/>
+            <ac:spMk id="18" creationId="{7BA70B3A-D28F-4568-B21F-EDEC67C3A51A}"/>
+          </ac:spMkLst>
+        </pc:spChg>
+        <pc:spChg chg="del">
+          <ac:chgData name="John K. Barrera" userId="ff20ac3aac775278" providerId="LiveId" clId="{D2B16D9E-8DC3-4D4C-927D-0F5AA29F5383}" dt="2022-02-22T15:37:15.206" v="1547" actId="478"/>
+          <ac:spMkLst>
+            <pc:docMk/>
+            <pc:sldMk cId="828289151" sldId="376"/>
+            <ac:spMk id="19" creationId="{98F8ED88-04ED-4DB1-9638-E322BC8F1173}"/>
+          </ac:spMkLst>
+        </pc:spChg>
+        <pc:spChg chg="del">
+          <ac:chgData name="John K. Barrera" userId="ff20ac3aac775278" providerId="LiveId" clId="{D2B16D9E-8DC3-4D4C-927D-0F5AA29F5383}" dt="2022-02-22T15:37:15.206" v="1547" actId="478"/>
+          <ac:spMkLst>
+            <pc:docMk/>
+            <pc:sldMk cId="828289151" sldId="376"/>
+            <ac:spMk id="20" creationId="{A3A9181E-C296-4283-97D7-B6F12491FAE6}"/>
+          </ac:spMkLst>
+        </pc:spChg>
+        <pc:spChg chg="del">
+          <ac:chgData name="John K. Barrera" userId="ff20ac3aac775278" providerId="LiveId" clId="{D2B16D9E-8DC3-4D4C-927D-0F5AA29F5383}" dt="2022-02-22T15:37:15.206" v="1547" actId="478"/>
+          <ac:spMkLst>
+            <pc:docMk/>
+            <pc:sldMk cId="828289151" sldId="376"/>
+            <ac:spMk id="24" creationId="{C0A27345-298D-4971-8ADA-DAD2DFA91B63}"/>
+          </ac:spMkLst>
+        </pc:spChg>
+        <pc:spChg chg="del">
+          <ac:chgData name="John K. Barrera" userId="ff20ac3aac775278" providerId="LiveId" clId="{D2B16D9E-8DC3-4D4C-927D-0F5AA29F5383}" dt="2022-02-22T15:37:15.206" v="1547" actId="478"/>
+          <ac:spMkLst>
+            <pc:docMk/>
+            <pc:sldMk cId="828289151" sldId="376"/>
+            <ac:spMk id="25" creationId="{7DC511A2-8C5B-41E3-96F3-3FFEDB1E688A}"/>
+          </ac:spMkLst>
+        </pc:spChg>
+        <pc:spChg chg="del">
+          <ac:chgData name="John K. Barrera" userId="ff20ac3aac775278" providerId="LiveId" clId="{D2B16D9E-8DC3-4D4C-927D-0F5AA29F5383}" dt="2022-02-22T15:37:15.206" v="1547" actId="478"/>
+          <ac:spMkLst>
+            <pc:docMk/>
+            <pc:sldMk cId="828289151" sldId="376"/>
+            <ac:spMk id="32" creationId="{5990BE50-D7B2-47ED-8046-9277499D707B}"/>
+          </ac:spMkLst>
+        </pc:spChg>
+        <pc:graphicFrameChg chg="del">
+          <ac:chgData name="John K. Barrera" userId="ff20ac3aac775278" providerId="LiveId" clId="{D2B16D9E-8DC3-4D4C-927D-0F5AA29F5383}" dt="2022-02-22T15:37:15.206" v="1547" actId="478"/>
+          <ac:graphicFrameMkLst>
+            <pc:docMk/>
+            <pc:sldMk cId="828289151" sldId="376"/>
+            <ac:graphicFrameMk id="7" creationId="{7E353892-CDD1-4C23-A4C7-EBB2BF4BAFB3}"/>
+          </ac:graphicFrameMkLst>
+        </pc:graphicFrameChg>
+        <pc:graphicFrameChg chg="del">
+          <ac:chgData name="John K. Barrera" userId="ff20ac3aac775278" providerId="LiveId" clId="{D2B16D9E-8DC3-4D4C-927D-0F5AA29F5383}" dt="2022-02-22T15:37:15.206" v="1547" actId="478"/>
+          <ac:graphicFrameMkLst>
+            <pc:docMk/>
+            <pc:sldMk cId="828289151" sldId="376"/>
+            <ac:graphicFrameMk id="8" creationId="{0D0C1DFF-4BF8-4EDA-ABC6-89ADBC095558}"/>
+          </ac:graphicFrameMkLst>
+        </pc:graphicFrameChg>
+        <pc:graphicFrameChg chg="del">
+          <ac:chgData name="John K. Barrera" userId="ff20ac3aac775278" providerId="LiveId" clId="{D2B16D9E-8DC3-4D4C-927D-0F5AA29F5383}" dt="2022-02-22T15:37:15.206" v="1547" actId="478"/>
+          <ac:graphicFrameMkLst>
+            <pc:docMk/>
+            <pc:sldMk cId="828289151" sldId="376"/>
+            <ac:graphicFrameMk id="13" creationId="{424EBEB8-B9D1-472E-97CD-81E30D5C965E}"/>
+          </ac:graphicFrameMkLst>
+        </pc:graphicFrameChg>
+        <pc:picChg chg="add del mod">
+          <ac:chgData name="John K. Barrera" userId="ff20ac3aac775278" providerId="LiveId" clId="{D2B16D9E-8DC3-4D4C-927D-0F5AA29F5383}" dt="2022-02-22T15:40:00.579" v="1611" actId="478"/>
+          <ac:picMkLst>
+            <pc:docMk/>
+            <pc:sldMk cId="828289151" sldId="376"/>
+            <ac:picMk id="3" creationId="{5AC9E645-E6E6-4131-A0F3-A3A66052B847}"/>
+          </ac:picMkLst>
+        </pc:picChg>
+        <pc:picChg chg="add mod">
+          <ac:chgData name="John K. Barrera" userId="ff20ac3aac775278" providerId="LiveId" clId="{D2B16D9E-8DC3-4D4C-927D-0F5AA29F5383}" dt="2022-02-22T15:40:09.034" v="1613" actId="1076"/>
+          <ac:picMkLst>
+            <pc:docMk/>
+            <pc:sldMk cId="828289151" sldId="376"/>
+            <ac:picMk id="11" creationId="{91BBCEA9-6EE8-4DBE-AE12-F826811B3D1F}"/>
+          </ac:picMkLst>
+        </pc:picChg>
+        <pc:picChg chg="add">
+          <ac:chgData name="John K. Barrera" userId="ff20ac3aac775278" providerId="LiveId" clId="{D2B16D9E-8DC3-4D4C-927D-0F5AA29F5383}" dt="2022-02-22T15:41:13.424" v="1614" actId="22"/>
+          <ac:picMkLst>
+            <pc:docMk/>
+            <pc:sldMk cId="828289151" sldId="376"/>
+            <ac:picMk id="16" creationId="{2F5C4631-2155-41E3-AB59-2FA47F7866EB}"/>
+          </ac:picMkLst>
+        </pc:picChg>
+        <pc:cxnChg chg="del">
+          <ac:chgData name="John K. Barrera" userId="ff20ac3aac775278" providerId="LiveId" clId="{D2B16D9E-8DC3-4D4C-927D-0F5AA29F5383}" dt="2022-02-22T15:37:15.206" v="1547" actId="478"/>
+          <ac:cxnSpMkLst>
+            <pc:docMk/>
+            <pc:sldMk cId="828289151" sldId="376"/>
+            <ac:cxnSpMk id="21" creationId="{0B26FA66-F660-43C9-8F8A-A9061CAE126F}"/>
+          </ac:cxnSpMkLst>
+        </pc:cxnChg>
+        <pc:cxnChg chg="del">
+          <ac:chgData name="John K. Barrera" userId="ff20ac3aac775278" providerId="LiveId" clId="{D2B16D9E-8DC3-4D4C-927D-0F5AA29F5383}" dt="2022-02-22T15:37:15.206" v="1547" actId="478"/>
+          <ac:cxnSpMkLst>
+            <pc:docMk/>
+            <pc:sldMk cId="828289151" sldId="376"/>
+            <ac:cxnSpMk id="29" creationId="{84CE7B66-FC11-4341-949E-E86A14BB2E1C}"/>
+          </ac:cxnSpMkLst>
+        </pc:cxnChg>
+      </pc:sldChg>
+      <pc:sldChg chg="addSp delSp modSp add mod">
+        <pc:chgData name="John K. Barrera" userId="ff20ac3aac775278" providerId="LiveId" clId="{D2B16D9E-8DC3-4D4C-927D-0F5AA29F5383}" dt="2022-02-22T18:06:49.447" v="3376" actId="6549"/>
+        <pc:sldMkLst>
+          <pc:docMk/>
+          <pc:sldMk cId="470657544" sldId="377"/>
+        </pc:sldMkLst>
+        <pc:spChg chg="mod">
+          <ac:chgData name="John K. Barrera" userId="ff20ac3aac775278" providerId="LiveId" clId="{D2B16D9E-8DC3-4D4C-927D-0F5AA29F5383}" dt="2022-02-22T17:43:47.359" v="2443" actId="313"/>
+          <ac:spMkLst>
+            <pc:docMk/>
+            <pc:sldMk cId="470657544" sldId="377"/>
+            <ac:spMk id="15" creationId="{DA903829-C857-466F-8663-51CF8927D68D}"/>
+          </ac:spMkLst>
+        </pc:spChg>
+        <pc:spChg chg="add del mod">
+          <ac:chgData name="John K. Barrera" userId="ff20ac3aac775278" providerId="LiveId" clId="{D2B16D9E-8DC3-4D4C-927D-0F5AA29F5383}" dt="2022-02-22T15:50:42.703" v="2190" actId="478"/>
+          <ac:spMkLst>
+            <pc:docMk/>
+            <pc:sldMk cId="470657544" sldId="377"/>
+            <ac:spMk id="21" creationId="{2A47F683-9B0E-4BEF-8762-6F120C5147D7}"/>
+          </ac:spMkLst>
+        </pc:spChg>
+        <pc:spChg chg="add del mod">
+          <ac:chgData name="John K. Barrera" userId="ff20ac3aac775278" providerId="LiveId" clId="{D2B16D9E-8DC3-4D4C-927D-0F5AA29F5383}" dt="2022-02-22T15:51:19.734" v="2213" actId="478"/>
+          <ac:spMkLst>
+            <pc:docMk/>
+            <pc:sldMk cId="470657544" sldId="377"/>
+            <ac:spMk id="22" creationId="{57DED973-F56F-41E9-9015-0D8D54FA0092}"/>
+          </ac:spMkLst>
+        </pc:spChg>
+        <pc:spChg chg="add del mod">
+          <ac:chgData name="John K. Barrera" userId="ff20ac3aac775278" providerId="LiveId" clId="{D2B16D9E-8DC3-4D4C-927D-0F5AA29F5383}" dt="2022-02-22T15:49:35.304" v="2112"/>
+          <ac:spMkLst>
+            <pc:docMk/>
+            <pc:sldMk cId="470657544" sldId="377"/>
+            <ac:spMk id="23" creationId="{5580275E-748B-4286-9324-2E209FF98C37}"/>
+          </ac:spMkLst>
+        </pc:spChg>
+        <pc:spChg chg="add mod">
+          <ac:chgData name="John K. Barrera" userId="ff20ac3aac775278" providerId="LiveId" clId="{D2B16D9E-8DC3-4D4C-927D-0F5AA29F5383}" dt="2022-02-22T17:41:34.441" v="2288" actId="20577"/>
+          <ac:spMkLst>
+            <pc:docMk/>
+            <pc:sldMk cId="470657544" sldId="377"/>
+            <ac:spMk id="24" creationId="{7EC6C5A2-F6A2-4B30-A9C3-E00E11793E4D}"/>
+          </ac:spMkLst>
+        </pc:spChg>
+        <pc:spChg chg="add mod">
+          <ac:chgData name="John K. Barrera" userId="ff20ac3aac775278" providerId="LiveId" clId="{D2B16D9E-8DC3-4D4C-927D-0F5AA29F5383}" dt="2022-02-22T17:41:50.682" v="2294" actId="20577"/>
+          <ac:spMkLst>
+            <pc:docMk/>
+            <pc:sldMk cId="470657544" sldId="377"/>
+            <ac:spMk id="25" creationId="{95899957-ABD2-4F82-9C6D-06FCC5EF10CF}"/>
+          </ac:spMkLst>
+        </pc:spChg>
+        <pc:spChg chg="add mod">
+          <ac:chgData name="John K. Barrera" userId="ff20ac3aac775278" providerId="LiveId" clId="{D2B16D9E-8DC3-4D4C-927D-0F5AA29F5383}" dt="2022-02-22T18:06:49.447" v="3376" actId="6549"/>
+          <ac:spMkLst>
+            <pc:docMk/>
+            <pc:sldMk cId="470657544" sldId="377"/>
+            <ac:spMk id="26" creationId="{A4590AA9-D8B6-4BB8-845B-4503E5C5B24E}"/>
+          </ac:spMkLst>
+        </pc:spChg>
+        <pc:picChg chg="add mod">
+          <ac:chgData name="John K. Barrera" userId="ff20ac3aac775278" providerId="LiveId" clId="{D2B16D9E-8DC3-4D4C-927D-0F5AA29F5383}" dt="2022-02-22T15:47:12.031" v="1999" actId="1036"/>
+          <ac:picMkLst>
+            <pc:docMk/>
+            <pc:sldMk cId="470657544" sldId="377"/>
+            <ac:picMk id="3" creationId="{D4109C8B-B310-40CD-8315-6732F28C33CE}"/>
+          </ac:picMkLst>
+        </pc:picChg>
+        <pc:picChg chg="add mod">
+          <ac:chgData name="John K. Barrera" userId="ff20ac3aac775278" providerId="LiveId" clId="{D2B16D9E-8DC3-4D4C-927D-0F5AA29F5383}" dt="2022-02-22T15:48:32.850" v="2068" actId="1036"/>
+          <ac:picMkLst>
+            <pc:docMk/>
+            <pc:sldMk cId="470657544" sldId="377"/>
+            <ac:picMk id="7" creationId="{B0C5100B-44D5-4660-9729-2978AD4977C4}"/>
+          </ac:picMkLst>
+        </pc:picChg>
+        <pc:picChg chg="del">
+          <ac:chgData name="John K. Barrera" userId="ff20ac3aac775278" providerId="LiveId" clId="{D2B16D9E-8DC3-4D4C-927D-0F5AA29F5383}" dt="2022-02-22T15:41:17.954" v="1616" actId="478"/>
+          <ac:picMkLst>
+            <pc:docMk/>
+            <pc:sldMk cId="470657544" sldId="377"/>
+            <ac:picMk id="11" creationId="{91BBCEA9-6EE8-4DBE-AE12-F826811B3D1F}"/>
+          </ac:picMkLst>
+        </pc:picChg>
+        <pc:picChg chg="add mod">
+          <ac:chgData name="John K. Barrera" userId="ff20ac3aac775278" providerId="LiveId" clId="{D2B16D9E-8DC3-4D4C-927D-0F5AA29F5383}" dt="2022-02-22T15:48:35.807" v="2082" actId="1035"/>
+          <ac:picMkLst>
+            <pc:docMk/>
+            <pc:sldMk cId="470657544" sldId="377"/>
+            <ac:picMk id="12" creationId="{4F24F389-ED42-4971-9654-D72BA63D819F}"/>
+          </ac:picMkLst>
+        </pc:picChg>
+        <pc:picChg chg="add mod">
+          <ac:chgData name="John K. Barrera" userId="ff20ac3aac775278" providerId="LiveId" clId="{D2B16D9E-8DC3-4D4C-927D-0F5AA29F5383}" dt="2022-02-22T15:47:12.031" v="1999" actId="1036"/>
+          <ac:picMkLst>
+            <pc:docMk/>
+            <pc:sldMk cId="470657544" sldId="377"/>
+            <ac:picMk id="14" creationId="{6284143E-8FAE-4FD3-9433-8A9A8A236046}"/>
+          </ac:picMkLst>
+        </pc:picChg>
+        <pc:picChg chg="mod">
+          <ac:chgData name="John K. Barrera" userId="ff20ac3aac775278" providerId="LiveId" clId="{D2B16D9E-8DC3-4D4C-927D-0F5AA29F5383}" dt="2022-02-22T15:47:12.031" v="1999" actId="1036"/>
+          <ac:picMkLst>
+            <pc:docMk/>
+            <pc:sldMk cId="470657544" sldId="377"/>
+            <ac:picMk id="16" creationId="{2F5C4631-2155-41E3-AB59-2FA47F7866EB}"/>
+          </ac:picMkLst>
+        </pc:picChg>
+        <pc:picChg chg="add del">
+          <ac:chgData name="John K. Barrera" userId="ff20ac3aac775278" providerId="LiveId" clId="{D2B16D9E-8DC3-4D4C-927D-0F5AA29F5383}" dt="2022-02-22T15:44:26.840" v="1629" actId="478"/>
+          <ac:picMkLst>
+            <pc:docMk/>
+            <pc:sldMk cId="470657544" sldId="377"/>
+            <ac:picMk id="18" creationId="{69F484B6-6545-4D0E-A951-65E762A8F3E2}"/>
+          </ac:picMkLst>
+        </pc:picChg>
+        <pc:picChg chg="add mod">
+          <ac:chgData name="John K. Barrera" userId="ff20ac3aac775278" providerId="LiveId" clId="{D2B16D9E-8DC3-4D4C-927D-0F5AA29F5383}" dt="2022-02-22T15:47:12.031" v="1999" actId="1036"/>
+          <ac:picMkLst>
+            <pc:docMk/>
+            <pc:sldMk cId="470657544" sldId="377"/>
+            <ac:picMk id="20" creationId="{7CCC1653-66F2-4093-B8CC-0ECC65A1C408}"/>
+          </ac:picMkLst>
+        </pc:picChg>
+      </pc:sldChg>
+      <pc:sldChg chg="addSp delSp modSp add mod">
+        <pc:chgData name="John K. Barrera" userId="ff20ac3aac775278" providerId="LiveId" clId="{D2B16D9E-8DC3-4D4C-927D-0F5AA29F5383}" dt="2022-02-22T18:28:10.675" v="3401" actId="12385"/>
+        <pc:sldMkLst>
+          <pc:docMk/>
+          <pc:sldMk cId="3105899673" sldId="378"/>
+        </pc:sldMkLst>
+        <pc:spChg chg="del">
+          <ac:chgData name="John K. Barrera" userId="ff20ac3aac775278" providerId="LiveId" clId="{D2B16D9E-8DC3-4D4C-927D-0F5AA29F5383}" dt="2022-02-22T18:20:21.355" v="3378" actId="478"/>
+          <ac:spMkLst>
+            <pc:docMk/>
+            <pc:sldMk cId="3105899673" sldId="378"/>
+            <ac:spMk id="24" creationId="{7EC6C5A2-F6A2-4B30-A9C3-E00E11793E4D}"/>
+          </ac:spMkLst>
+        </pc:spChg>
+        <pc:spChg chg="del">
+          <ac:chgData name="John K. Barrera" userId="ff20ac3aac775278" providerId="LiveId" clId="{D2B16D9E-8DC3-4D4C-927D-0F5AA29F5383}" dt="2022-02-22T18:20:21.355" v="3378" actId="478"/>
+          <ac:spMkLst>
+            <pc:docMk/>
+            <pc:sldMk cId="3105899673" sldId="378"/>
+            <ac:spMk id="25" creationId="{95899957-ABD2-4F82-9C6D-06FCC5EF10CF}"/>
+          </ac:spMkLst>
+        </pc:spChg>
+        <pc:spChg chg="del">
+          <ac:chgData name="John K. Barrera" userId="ff20ac3aac775278" providerId="LiveId" clId="{D2B16D9E-8DC3-4D4C-927D-0F5AA29F5383}" dt="2022-02-22T18:20:21.355" v="3378" actId="478"/>
+          <ac:spMkLst>
+            <pc:docMk/>
+            <pc:sldMk cId="3105899673" sldId="378"/>
+            <ac:spMk id="26" creationId="{A4590AA9-D8B6-4BB8-845B-4503E5C5B24E}"/>
+          </ac:spMkLst>
+        </pc:spChg>
+        <pc:graphicFrameChg chg="add mod modGraphic">
+          <ac:chgData name="John K. Barrera" userId="ff20ac3aac775278" providerId="LiveId" clId="{D2B16D9E-8DC3-4D4C-927D-0F5AA29F5383}" dt="2022-02-22T18:22:36.649" v="3394" actId="1076"/>
+          <ac:graphicFrameMkLst>
+            <pc:docMk/>
+            <pc:sldMk cId="3105899673" sldId="378"/>
+            <ac:graphicFrameMk id="2" creationId="{B11E51BD-1BF9-4790-A47A-698303BB48E1}"/>
+          </ac:graphicFrameMkLst>
+        </pc:graphicFrameChg>
+        <pc:graphicFrameChg chg="add mod modGraphic">
+          <ac:chgData name="John K. Barrera" userId="ff20ac3aac775278" providerId="LiveId" clId="{D2B16D9E-8DC3-4D4C-927D-0F5AA29F5383}" dt="2022-02-22T18:27:45.594" v="3400" actId="1076"/>
+          <ac:graphicFrameMkLst>
+            <pc:docMk/>
+            <pc:sldMk cId="3105899673" sldId="378"/>
+            <ac:graphicFrameMk id="6" creationId="{9B0B4ADF-C727-41BA-960E-3845D4E26651}"/>
+          </ac:graphicFrameMkLst>
+        </pc:graphicFrameChg>
+        <pc:graphicFrameChg chg="add mod modGraphic">
+          <ac:chgData name="John K. Barrera" userId="ff20ac3aac775278" providerId="LiveId" clId="{D2B16D9E-8DC3-4D4C-927D-0F5AA29F5383}" dt="2022-02-22T18:28:10.675" v="3401" actId="12385"/>
+          <ac:graphicFrameMkLst>
+            <pc:docMk/>
+            <pc:sldMk cId="3105899673" sldId="378"/>
+            <ac:graphicFrameMk id="8" creationId="{3E82F6D1-22D9-4307-970A-D3974ECDE116}"/>
+          </ac:graphicFrameMkLst>
+        </pc:graphicFrameChg>
+        <pc:picChg chg="del">
+          <ac:chgData name="John K. Barrera" userId="ff20ac3aac775278" providerId="LiveId" clId="{D2B16D9E-8DC3-4D4C-927D-0F5AA29F5383}" dt="2022-02-22T18:21:24.546" v="3384" actId="478"/>
+          <ac:picMkLst>
+            <pc:docMk/>
+            <pc:sldMk cId="3105899673" sldId="378"/>
+            <ac:picMk id="3" creationId="{D4109C8B-B310-40CD-8315-6732F28C33CE}"/>
+          </ac:picMkLst>
+        </pc:picChg>
+        <pc:picChg chg="del">
+          <ac:chgData name="John K. Barrera" userId="ff20ac3aac775278" providerId="LiveId" clId="{D2B16D9E-8DC3-4D4C-927D-0F5AA29F5383}" dt="2022-02-22T18:20:21.355" v="3378" actId="478"/>
+          <ac:picMkLst>
+            <pc:docMk/>
+            <pc:sldMk cId="3105899673" sldId="378"/>
+            <ac:picMk id="7" creationId="{B0C5100B-44D5-4660-9729-2978AD4977C4}"/>
+          </ac:picMkLst>
+        </pc:picChg>
+        <pc:picChg chg="del">
+          <ac:chgData name="John K. Barrera" userId="ff20ac3aac775278" providerId="LiveId" clId="{D2B16D9E-8DC3-4D4C-927D-0F5AA29F5383}" dt="2022-02-22T18:20:21.355" v="3378" actId="478"/>
+          <ac:picMkLst>
+            <pc:docMk/>
+            <pc:sldMk cId="3105899673" sldId="378"/>
+            <ac:picMk id="12" creationId="{4F24F389-ED42-4971-9654-D72BA63D819F}"/>
+          </ac:picMkLst>
+        </pc:picChg>
+        <pc:picChg chg="del">
+          <ac:chgData name="John K. Barrera" userId="ff20ac3aac775278" providerId="LiveId" clId="{D2B16D9E-8DC3-4D4C-927D-0F5AA29F5383}" dt="2022-02-22T18:20:21.355" v="3378" actId="478"/>
+          <ac:picMkLst>
+            <pc:docMk/>
+            <pc:sldMk cId="3105899673" sldId="378"/>
+            <ac:picMk id="14" creationId="{6284143E-8FAE-4FD3-9433-8A9A8A236046}"/>
+          </ac:picMkLst>
+        </pc:picChg>
+        <pc:picChg chg="del">
+          <ac:chgData name="John K. Barrera" userId="ff20ac3aac775278" providerId="LiveId" clId="{D2B16D9E-8DC3-4D4C-927D-0F5AA29F5383}" dt="2022-02-22T18:20:21.355" v="3378" actId="478"/>
+          <ac:picMkLst>
+            <pc:docMk/>
+            <pc:sldMk cId="3105899673" sldId="378"/>
+            <ac:picMk id="16" creationId="{2F5C4631-2155-41E3-AB59-2FA47F7866EB}"/>
+          </ac:picMkLst>
+        </pc:picChg>
+        <pc:picChg chg="del">
+          <ac:chgData name="John K. Barrera" userId="ff20ac3aac775278" providerId="LiveId" clId="{D2B16D9E-8DC3-4D4C-927D-0F5AA29F5383}" dt="2022-02-22T18:21:23.612" v="3383" actId="478"/>
+          <ac:picMkLst>
+            <pc:docMk/>
+            <pc:sldMk cId="3105899673" sldId="378"/>
+            <ac:picMk id="20" creationId="{7CCC1653-66F2-4093-B8CC-0ECC65A1C408}"/>
+          </ac:picMkLst>
+        </pc:picChg>
+      </pc:sldChg>
+      <pc:sldChg chg="add del">
+        <pc:chgData name="John K. Barrera" userId="ff20ac3aac775278" providerId="LiveId" clId="{D2B16D9E-8DC3-4D4C-927D-0F5AA29F5383}" dt="2022-02-22T18:20:24.515" v="3380"/>
+        <pc:sldMkLst>
+          <pc:docMk/>
+          <pc:sldMk cId="4021282513" sldId="379"/>
+        </pc:sldMkLst>
+      </pc:sldChg>
     </pc:docChg>
   </pc:docChgLst>
 </pc:chgInfo>
@@ -458,7 +1024,7 @@
           <a:p>
             <a:fld id="{4AA3995C-CEF4-46C5-822A-4E0ABA58EA45}" type="datetimeFigureOut">
               <a:rPr lang="en-US" smtClean="0"/>
-              <a:t>2/15/2022</a:t>
+              <a:t>2/22/2022</a:t>
             </a:fld>
             <a:endParaRPr lang="en-US"/>
           </a:p>
@@ -912,7 +1478,7 @@
           <a:p>
             <a:fld id="{903304DD-1A9B-465F-A981-8B6D85F33039}" type="datetimeFigureOut">
               <a:rPr lang="en-US" smtClean="0"/>
-              <a:t>2/15/2022</a:t>
+              <a:t>2/22/2022</a:t>
             </a:fld>
             <a:endParaRPr lang="en-US"/>
           </a:p>
@@ -1215,7 +1781,7 @@
           <a:p>
             <a:fld id="{903304DD-1A9B-465F-A981-8B6D85F33039}" type="datetimeFigureOut">
               <a:rPr lang="en-US" smtClean="0"/>
-              <a:t>2/15/2022</a:t>
+              <a:t>2/22/2022</a:t>
             </a:fld>
             <a:endParaRPr lang="en-US"/>
           </a:p>
@@ -1385,7 +1951,7 @@
           <a:p>
             <a:fld id="{903304DD-1A9B-465F-A981-8B6D85F33039}" type="datetimeFigureOut">
               <a:rPr lang="en-US" smtClean="0"/>
-              <a:t>2/15/2022</a:t>
+              <a:t>2/22/2022</a:t>
             </a:fld>
             <a:endParaRPr lang="en-US"/>
           </a:p>
@@ -1565,7 +2131,7 @@
           <a:p>
             <a:fld id="{903304DD-1A9B-465F-A981-8B6D85F33039}" type="datetimeFigureOut">
               <a:rPr lang="en-US" smtClean="0"/>
-              <a:t>2/15/2022</a:t>
+              <a:t>2/22/2022</a:t>
             </a:fld>
             <a:endParaRPr lang="en-US"/>
           </a:p>
@@ -1799,7 +2365,7 @@
           <a:p>
             <a:fld id="{903304DD-1A9B-465F-A981-8B6D85F33039}" type="datetimeFigureOut">
               <a:rPr lang="en-US" smtClean="0"/>
-              <a:t>2/15/2022</a:t>
+              <a:t>2/22/2022</a:t>
             </a:fld>
             <a:endParaRPr lang="en-US"/>
           </a:p>
@@ -1997,7 +2563,7 @@
           <a:p>
             <a:fld id="{903304DD-1A9B-465F-A981-8B6D85F33039}" type="datetimeFigureOut">
               <a:rPr lang="en-US" smtClean="0"/>
-              <a:t>2/15/2022</a:t>
+              <a:t>2/22/2022</a:t>
             </a:fld>
             <a:endParaRPr lang="en-US"/>
           </a:p>
@@ -2243,7 +2809,7 @@
           <a:p>
             <a:fld id="{903304DD-1A9B-465F-A981-8B6D85F33039}" type="datetimeFigureOut">
               <a:rPr lang="en-US" smtClean="0"/>
-              <a:t>2/15/2022</a:t>
+              <a:t>2/22/2022</a:t>
             </a:fld>
             <a:endParaRPr lang="en-US"/>
           </a:p>
@@ -2475,7 +3041,7 @@
           <a:p>
             <a:fld id="{903304DD-1A9B-465F-A981-8B6D85F33039}" type="datetimeFigureOut">
               <a:rPr lang="en-US" smtClean="0"/>
-              <a:t>2/15/2022</a:t>
+              <a:t>2/22/2022</a:t>
             </a:fld>
             <a:endParaRPr lang="en-US"/>
           </a:p>
@@ -2842,7 +3408,7 @@
           <a:p>
             <a:fld id="{903304DD-1A9B-465F-A981-8B6D85F33039}" type="datetimeFigureOut">
               <a:rPr lang="en-US" smtClean="0"/>
-              <a:t>2/15/2022</a:t>
+              <a:t>2/22/2022</a:t>
             </a:fld>
             <a:endParaRPr lang="en-US"/>
           </a:p>
@@ -2960,7 +3526,7 @@
           <a:p>
             <a:fld id="{903304DD-1A9B-465F-A981-8B6D85F33039}" type="datetimeFigureOut">
               <a:rPr lang="en-US" smtClean="0"/>
-              <a:t>2/15/2022</a:t>
+              <a:t>2/22/2022</a:t>
             </a:fld>
             <a:endParaRPr lang="en-US"/>
           </a:p>
@@ -3055,7 +3621,7 @@
           <a:p>
             <a:fld id="{903304DD-1A9B-465F-A981-8B6D85F33039}" type="datetimeFigureOut">
               <a:rPr lang="en-US" smtClean="0"/>
-              <a:t>2/15/2022</a:t>
+              <a:t>2/22/2022</a:t>
             </a:fld>
             <a:endParaRPr lang="en-US"/>
           </a:p>
@@ -3332,7 +3898,7 @@
           <a:p>
             <a:fld id="{903304DD-1A9B-465F-A981-8B6D85F33039}" type="datetimeFigureOut">
               <a:rPr lang="en-US" smtClean="0"/>
-              <a:t>2/15/2022</a:t>
+              <a:t>2/22/2022</a:t>
             </a:fld>
             <a:endParaRPr lang="en-US"/>
           </a:p>
@@ -3545,7 +4111,7 @@
           <a:p>
             <a:fld id="{903304DD-1A9B-465F-A981-8B6D85F33039}" type="datetimeFigureOut">
               <a:rPr lang="en-US" smtClean="0"/>
-              <a:t>2/15/2022</a:t>
+              <a:t>2/22/2022</a:t>
             </a:fld>
             <a:endParaRPr lang="en-US"/>
           </a:p>
@@ -6467,6 +7033,3366 @@
 </p:sld>
 </file>
 
+<file path=ppt/slides/slide4.xml><?xml version="1.0" encoding="utf-8"?>
+<p:sld xmlns:a="http://schemas.openxmlformats.org/drawingml/2006/main" xmlns:r="http://schemas.openxmlformats.org/officeDocument/2006/relationships" xmlns:p="http://schemas.openxmlformats.org/presentationml/2006/main">
+  <p:cSld>
+    <p:spTree>
+      <p:nvGrpSpPr>
+        <p:cNvPr id="1" name=""/>
+        <p:cNvGrpSpPr/>
+        <p:nvPr/>
+      </p:nvGrpSpPr>
+      <p:grpSpPr>
+        <a:xfrm>
+          <a:off x="0" y="0"/>
+          <a:ext cx="0" cy="0"/>
+          <a:chOff x="0" y="0"/>
+          <a:chExt cx="0" cy="0"/>
+        </a:xfrm>
+      </p:grpSpPr>
+      <p:sp>
+        <p:nvSpPr>
+          <p:cNvPr id="4" name="Rectángulo: esquinas superiores redondeadas 4">
+            <a:extLst>
+              <a:ext uri="{FF2B5EF4-FFF2-40B4-BE49-F238E27FC236}">
+                <a16:creationId xmlns:a16="http://schemas.microsoft.com/office/drawing/2014/main" id="{CF789E0E-816C-4223-84EC-DC9D690B87EA}"/>
+              </a:ext>
+            </a:extLst>
+          </p:cNvPr>
+          <p:cNvSpPr/>
+          <p:nvPr/>
+        </p:nvSpPr>
+        <p:spPr>
+          <a:xfrm rot="10800000">
+            <a:off x="355599" y="0"/>
+            <a:ext cx="7813039" cy="640080"/>
+          </a:xfrm>
+          <a:prstGeom prst="round2SameRect">
+            <a:avLst/>
+          </a:prstGeom>
+          <a:solidFill>
+            <a:schemeClr val="tx2">
+              <a:lumMod val="75000"/>
+            </a:schemeClr>
+          </a:solidFill>
+        </p:spPr>
+        <p:style>
+          <a:lnRef idx="2">
+            <a:schemeClr val="accent1">
+              <a:shade val="50000"/>
+            </a:schemeClr>
+          </a:lnRef>
+          <a:fillRef idx="1">
+            <a:schemeClr val="accent1"/>
+          </a:fillRef>
+          <a:effectRef idx="0">
+            <a:schemeClr val="accent1"/>
+          </a:effectRef>
+          <a:fontRef idx="minor">
+            <a:schemeClr val="lt1"/>
+          </a:fontRef>
+        </p:style>
+        <p:txBody>
+          <a:bodyPr rtlCol="0" anchor="ctr"/>
+          <a:lstStyle/>
+          <a:p>
+            <a:pPr algn="ctr"/>
+            <a:endParaRPr lang="es-PE" dirty="0"/>
+          </a:p>
+        </p:txBody>
+      </p:sp>
+      <p:sp>
+        <p:nvSpPr>
+          <p:cNvPr id="5" name="CuadroTexto 4">
+            <a:extLst>
+              <a:ext uri="{FF2B5EF4-FFF2-40B4-BE49-F238E27FC236}">
+                <a16:creationId xmlns:a16="http://schemas.microsoft.com/office/drawing/2014/main" id="{48D2A9BD-EBF3-4CF7-A61E-49631D4D1DBB}"/>
+              </a:ext>
+            </a:extLst>
+          </p:cNvPr>
+          <p:cNvSpPr txBox="1"/>
+          <p:nvPr/>
+        </p:nvSpPr>
+        <p:spPr>
+          <a:xfrm>
+            <a:off x="558799" y="134927"/>
+            <a:ext cx="6597779" cy="400110"/>
+          </a:xfrm>
+          <a:prstGeom prst="rect">
+            <a:avLst/>
+          </a:prstGeom>
+          <a:noFill/>
+        </p:spPr>
+        <p:txBody>
+          <a:bodyPr wrap="square" rtlCol="0">
+            <a:spAutoFit/>
+          </a:bodyPr>
+          <a:lstStyle/>
+          <a:p>
+            <a:r>
+              <a:rPr lang="es-MX" sz="2000" dirty="0">
+                <a:solidFill>
+                  <a:schemeClr val="bg1"/>
+                </a:solidFill>
+                <a:latin typeface="Open Sans" panose="020B0606030504020204" pitchFamily="34" charset="0"/>
+                <a:ea typeface="Open Sans" panose="020B0606030504020204" pitchFamily="34" charset="0"/>
+                <a:cs typeface="Open Sans" panose="020B0606030504020204" pitchFamily="34" charset="0"/>
+              </a:rPr>
+              <a:t>Análisis descriptivo </a:t>
+            </a:r>
+            <a:r>
+              <a:rPr lang="es-PE" sz="2000" dirty="0">
+                <a:solidFill>
+                  <a:schemeClr val="bg1"/>
+                </a:solidFill>
+                <a:latin typeface="Open Sans" panose="020B0606030504020204" pitchFamily="34" charset="0"/>
+                <a:ea typeface="Open Sans" panose="020B0606030504020204" pitchFamily="34" charset="0"/>
+                <a:cs typeface="Open Sans" panose="020B0606030504020204" pitchFamily="34" charset="0"/>
+              </a:rPr>
+              <a:t>de las fuentes </a:t>
+            </a:r>
+            <a:r>
+              <a:rPr lang="es-PE" sz="2000" dirty="0" err="1">
+                <a:solidFill>
+                  <a:schemeClr val="bg1"/>
+                </a:solidFill>
+                <a:latin typeface="Open Sans" panose="020B0606030504020204" pitchFamily="34" charset="0"/>
+                <a:ea typeface="Open Sans" panose="020B0606030504020204" pitchFamily="34" charset="0"/>
+                <a:cs typeface="Open Sans" panose="020B0606030504020204" pitchFamily="34" charset="0"/>
+              </a:rPr>
+              <a:t>pre-procesadas</a:t>
+            </a:r>
+            <a:endParaRPr lang="es-PE" sz="2000" dirty="0">
+              <a:solidFill>
+                <a:schemeClr val="bg1"/>
+              </a:solidFill>
+              <a:latin typeface="Open Sans" panose="020B0606030504020204" pitchFamily="34" charset="0"/>
+              <a:ea typeface="Open Sans" panose="020B0606030504020204" pitchFamily="34" charset="0"/>
+              <a:cs typeface="Open Sans" panose="020B0606030504020204" pitchFamily="34" charset="0"/>
+            </a:endParaRPr>
+          </a:p>
+        </p:txBody>
+      </p:sp>
+      <p:sp>
+        <p:nvSpPr>
+          <p:cNvPr id="9" name="Rectángulo 8">
+            <a:extLst>
+              <a:ext uri="{FF2B5EF4-FFF2-40B4-BE49-F238E27FC236}">
+                <a16:creationId xmlns:a16="http://schemas.microsoft.com/office/drawing/2014/main" id="{17D5E67A-13F6-4283-8297-CC8F5E053535}"/>
+              </a:ext>
+            </a:extLst>
+          </p:cNvPr>
+          <p:cNvSpPr/>
+          <p:nvPr/>
+        </p:nvSpPr>
+        <p:spPr>
+          <a:xfrm>
+            <a:off x="355600" y="5943600"/>
+            <a:ext cx="203200" cy="914399"/>
+          </a:xfrm>
+          <a:prstGeom prst="rect">
+            <a:avLst/>
+          </a:prstGeom>
+          <a:solidFill>
+            <a:schemeClr val="tx2">
+              <a:lumMod val="75000"/>
+            </a:schemeClr>
+          </a:solidFill>
+        </p:spPr>
+        <p:style>
+          <a:lnRef idx="2">
+            <a:schemeClr val="dk1">
+              <a:shade val="50000"/>
+            </a:schemeClr>
+          </a:lnRef>
+          <a:fillRef idx="1">
+            <a:schemeClr val="dk1"/>
+          </a:fillRef>
+          <a:effectRef idx="0">
+            <a:schemeClr val="dk1"/>
+          </a:effectRef>
+          <a:fontRef idx="minor">
+            <a:schemeClr val="lt1"/>
+          </a:fontRef>
+        </p:style>
+        <p:txBody>
+          <a:bodyPr rtlCol="0" anchor="ctr"/>
+          <a:lstStyle/>
+          <a:p>
+            <a:pPr algn="ctr"/>
+            <a:endParaRPr lang="es-PE"/>
+          </a:p>
+        </p:txBody>
+      </p:sp>
+      <p:sp>
+        <p:nvSpPr>
+          <p:cNvPr id="10" name="Rectángulo 9">
+            <a:extLst>
+              <a:ext uri="{FF2B5EF4-FFF2-40B4-BE49-F238E27FC236}">
+                <a16:creationId xmlns:a16="http://schemas.microsoft.com/office/drawing/2014/main" id="{54D73149-C250-47CB-B10E-EEADC5D5A38D}"/>
+              </a:ext>
+            </a:extLst>
+          </p:cNvPr>
+          <p:cNvSpPr/>
+          <p:nvPr/>
+        </p:nvSpPr>
+        <p:spPr>
+          <a:xfrm>
+            <a:off x="640234" y="6385364"/>
+            <a:ext cx="203200" cy="472635"/>
+          </a:xfrm>
+          <a:prstGeom prst="rect">
+            <a:avLst/>
+          </a:prstGeom>
+          <a:solidFill>
+            <a:srgbClr val="C00000"/>
+          </a:solidFill>
+          <a:ln>
+            <a:noFill/>
+          </a:ln>
+        </p:spPr>
+        <p:style>
+          <a:lnRef idx="2">
+            <a:schemeClr val="dk1">
+              <a:shade val="50000"/>
+            </a:schemeClr>
+          </a:lnRef>
+          <a:fillRef idx="1">
+            <a:schemeClr val="dk1"/>
+          </a:fillRef>
+          <a:effectRef idx="0">
+            <a:schemeClr val="dk1"/>
+          </a:effectRef>
+          <a:fontRef idx="minor">
+            <a:schemeClr val="lt1"/>
+          </a:fontRef>
+        </p:style>
+        <p:txBody>
+          <a:bodyPr rtlCol="0" anchor="ctr"/>
+          <a:lstStyle/>
+          <a:p>
+            <a:pPr algn="ctr"/>
+            <a:endParaRPr lang="es-PE"/>
+          </a:p>
+        </p:txBody>
+      </p:sp>
+      <p:sp>
+        <p:nvSpPr>
+          <p:cNvPr id="12" name="Google Shape;111;p2">
+            <a:extLst>
+              <a:ext uri="{FF2B5EF4-FFF2-40B4-BE49-F238E27FC236}">
+                <a16:creationId xmlns:a16="http://schemas.microsoft.com/office/drawing/2014/main" id="{002F249E-01CD-4A15-802F-2FC4DE855BEF}"/>
+              </a:ext>
+            </a:extLst>
+          </p:cNvPr>
+          <p:cNvSpPr txBox="1"/>
+          <p:nvPr/>
+        </p:nvSpPr>
+        <p:spPr>
+          <a:xfrm>
+            <a:off x="640235" y="979110"/>
+            <a:ext cx="4930142" cy="1892785"/>
+          </a:xfrm>
+          <a:prstGeom prst="rect">
+            <a:avLst/>
+          </a:prstGeom>
+          <a:noFill/>
+          <a:ln>
+            <a:noFill/>
+          </a:ln>
+        </p:spPr>
+        <p:txBody>
+          <a:bodyPr spcFirstLastPara="1" wrap="square" lIns="91425" tIns="45700" rIns="91425" bIns="45700" anchor="t" anchorCtr="0">
+            <a:spAutoFit/>
+          </a:bodyPr>
+          <a:lstStyle/>
+          <a:p>
+            <a:pPr lvl="0" algn="just" eaLnBrk="0" fontAlgn="base" hangingPunct="0">
+              <a:spcBef>
+                <a:spcPct val="0"/>
+              </a:spcBef>
+              <a:spcAft>
+                <a:spcPct val="0"/>
+              </a:spcAft>
+            </a:pPr>
+            <a:r>
+              <a:rPr lang="es-PE" altLang="es-PE" dirty="0">
+                <a:solidFill>
+                  <a:srgbClr val="000000"/>
+                </a:solidFill>
+                <a:latin typeface="Calibri" panose="020F0502020204030204" pitchFamily="34" charset="0"/>
+                <a:cs typeface="Calibri" panose="020F0502020204030204" pitchFamily="34" charset="0"/>
+              </a:rPr>
+              <a:t>El origen actual de </a:t>
+            </a:r>
+            <a:r>
+              <a:rPr lang="es-PE" altLang="es-PE" b="1" dirty="0">
+                <a:solidFill>
+                  <a:srgbClr val="000000"/>
+                </a:solidFill>
+                <a:latin typeface="Calibri" panose="020F0502020204030204" pitchFamily="34" charset="0"/>
+                <a:cs typeface="Calibri" panose="020F0502020204030204" pitchFamily="34" charset="0"/>
+              </a:rPr>
+              <a:t>los datos de reclamos </a:t>
+            </a:r>
+            <a:r>
+              <a:rPr lang="es-PE" altLang="es-PE" dirty="0">
+                <a:solidFill>
+                  <a:srgbClr val="000000"/>
+                </a:solidFill>
+                <a:latin typeface="Calibri" panose="020F0502020204030204" pitchFamily="34" charset="0"/>
+                <a:cs typeface="Calibri" panose="020F0502020204030204" pitchFamily="34" charset="0"/>
+              </a:rPr>
+              <a:t>es un archivo Excel que mediante un procesos en Python es limpiado y se cruza con los catálogos: </a:t>
+            </a:r>
+          </a:p>
+          <a:p>
+            <a:pPr marL="742950" lvl="1" indent="-285750" eaLnBrk="0" fontAlgn="base" hangingPunct="0">
+              <a:spcBef>
+                <a:spcPct val="0"/>
+              </a:spcBef>
+              <a:spcAft>
+                <a:spcPct val="0"/>
+              </a:spcAft>
+              <a:buFont typeface="Arial" panose="020B0604020202020204" pitchFamily="34" charset="0"/>
+              <a:buChar char="•"/>
+            </a:pPr>
+            <a:r>
+              <a:rPr lang="es-PE" altLang="es-PE" b="1" dirty="0">
+                <a:solidFill>
+                  <a:srgbClr val="000000"/>
+                </a:solidFill>
+                <a:latin typeface="Calibri" panose="020F0502020204030204" pitchFamily="34" charset="0"/>
+                <a:cs typeface="Calibri" panose="020F0502020204030204" pitchFamily="34" charset="0"/>
+              </a:rPr>
+              <a:t>Catalogo BN</a:t>
+            </a:r>
+          </a:p>
+          <a:p>
+            <a:pPr marL="742950" lvl="1" indent="-285750" eaLnBrk="0" fontAlgn="base" hangingPunct="0">
+              <a:spcBef>
+                <a:spcPct val="0"/>
+              </a:spcBef>
+              <a:spcAft>
+                <a:spcPct val="0"/>
+              </a:spcAft>
+              <a:buFont typeface="Arial" panose="020B0604020202020204" pitchFamily="34" charset="0"/>
+              <a:buChar char="•"/>
+            </a:pPr>
+            <a:r>
+              <a:rPr lang="es-PE" altLang="es-PE" b="1" dirty="0">
+                <a:solidFill>
+                  <a:srgbClr val="000000"/>
+                </a:solidFill>
+                <a:latin typeface="Calibri" panose="020F0502020204030204" pitchFamily="34" charset="0"/>
+                <a:cs typeface="Calibri" panose="020F0502020204030204" pitchFamily="34" charset="0"/>
+              </a:rPr>
+              <a:t>Catalogo SBS</a:t>
+            </a:r>
+          </a:p>
+          <a:p>
+            <a:pPr lvl="0" eaLnBrk="0" fontAlgn="base" hangingPunct="0">
+              <a:spcBef>
+                <a:spcPct val="0"/>
+              </a:spcBef>
+              <a:spcAft>
+                <a:spcPct val="0"/>
+              </a:spcAft>
+            </a:pPr>
+            <a:endParaRPr lang="es-PE" altLang="es-PE" dirty="0">
+              <a:solidFill>
+                <a:srgbClr val="000000"/>
+              </a:solidFill>
+              <a:latin typeface="Calibri" panose="020F0502020204030204" pitchFamily="34" charset="0"/>
+              <a:cs typeface="Calibri" panose="020F0502020204030204" pitchFamily="34" charset="0"/>
+            </a:endParaRPr>
+          </a:p>
+          <a:p>
+            <a:pPr lvl="0" eaLnBrk="0" fontAlgn="base" hangingPunct="0">
+              <a:spcBef>
+                <a:spcPct val="0"/>
+              </a:spcBef>
+              <a:spcAft>
+                <a:spcPct val="0"/>
+              </a:spcAft>
+            </a:pPr>
+            <a:endParaRPr kumimoji="0" lang="es-PE" altLang="es-PE" sz="900" i="0" u="none" strike="noStrike" cap="none" normalizeH="0" baseline="0" dirty="0">
+              <a:ln>
+                <a:noFill/>
+              </a:ln>
+              <a:solidFill>
+                <a:schemeClr val="tx1"/>
+              </a:solidFill>
+              <a:effectLst/>
+            </a:endParaRPr>
+          </a:p>
+        </p:txBody>
+      </p:sp>
+      <p:sp>
+        <p:nvSpPr>
+          <p:cNvPr id="15" name="Google Shape;111;p2">
+            <a:extLst>
+              <a:ext uri="{FF2B5EF4-FFF2-40B4-BE49-F238E27FC236}">
+                <a16:creationId xmlns:a16="http://schemas.microsoft.com/office/drawing/2014/main" id="{DA903829-C857-466F-8663-51CF8927D68D}"/>
+              </a:ext>
+            </a:extLst>
+          </p:cNvPr>
+          <p:cNvSpPr txBox="1"/>
+          <p:nvPr/>
+        </p:nvSpPr>
+        <p:spPr>
+          <a:xfrm>
+            <a:off x="6570781" y="6334889"/>
+            <a:ext cx="5876256" cy="292347"/>
+          </a:xfrm>
+          <a:prstGeom prst="rect">
+            <a:avLst/>
+          </a:prstGeom>
+          <a:noFill/>
+          <a:ln>
+            <a:noFill/>
+          </a:ln>
+        </p:spPr>
+        <p:txBody>
+          <a:bodyPr spcFirstLastPara="1" wrap="square" lIns="91425" tIns="45700" rIns="91425" bIns="45700" anchor="t" anchorCtr="0">
+            <a:spAutoFit/>
+          </a:bodyPr>
+          <a:lstStyle/>
+          <a:p>
+            <a:pPr marL="0" marR="0" lvl="0" indent="0" algn="l" defTabSz="914400" rtl="0" eaLnBrk="0" fontAlgn="base" latinLnBrk="0" hangingPunct="0">
+              <a:lnSpc>
+                <a:spcPct val="100000"/>
+              </a:lnSpc>
+              <a:spcBef>
+                <a:spcPct val="0"/>
+              </a:spcBef>
+              <a:spcAft>
+                <a:spcPct val="0"/>
+              </a:spcAft>
+              <a:buClrTx/>
+              <a:buSzTx/>
+              <a:buFontTx/>
+              <a:buNone/>
+              <a:tabLst/>
+            </a:pPr>
+            <a:r>
+              <a:rPr kumimoji="0" lang="es-PE" altLang="es-PE" sz="1300" b="1" i="0" u="none" strike="noStrike" cap="none" normalizeH="0" baseline="0" dirty="0">
+                <a:ln>
+                  <a:noFill/>
+                </a:ln>
+                <a:solidFill>
+                  <a:srgbClr val="000000"/>
+                </a:solidFill>
+                <a:effectLst/>
+                <a:latin typeface="Calibri" panose="020F0502020204030204" pitchFamily="34" charset="0"/>
+                <a:cs typeface="Calibri" panose="020F0502020204030204" pitchFamily="34" charset="0"/>
+              </a:rPr>
+              <a:t>Se procederá con la ejecución del modelo LDA basado en </a:t>
+            </a:r>
+            <a:r>
+              <a:rPr lang="es-PE" altLang="es-PE" sz="1300" b="1" dirty="0">
+                <a:solidFill>
+                  <a:srgbClr val="000000"/>
+                </a:solidFill>
+                <a:latin typeface="Calibri" panose="020F0502020204030204" pitchFamily="34" charset="0"/>
+                <a:cs typeface="Calibri" panose="020F0502020204030204" pitchFamily="34" charset="0"/>
+              </a:rPr>
+              <a:t>los datos de entrada</a:t>
+            </a:r>
+            <a:endParaRPr kumimoji="0" lang="es-PE" altLang="es-PE" sz="600" b="0" i="0" u="none" strike="noStrike" cap="none" normalizeH="0" baseline="0" dirty="0">
+              <a:ln>
+                <a:noFill/>
+              </a:ln>
+              <a:solidFill>
+                <a:schemeClr val="tx1"/>
+              </a:solidFill>
+              <a:effectLst/>
+            </a:endParaRPr>
+          </a:p>
+        </p:txBody>
+      </p:sp>
+      <p:sp>
+        <p:nvSpPr>
+          <p:cNvPr id="32" name="CuadroTexto 31">
+            <a:extLst>
+              <a:ext uri="{FF2B5EF4-FFF2-40B4-BE49-F238E27FC236}">
+                <a16:creationId xmlns:a16="http://schemas.microsoft.com/office/drawing/2014/main" id="{5990BE50-D7B2-47ED-8046-9277499D707B}"/>
+              </a:ext>
+            </a:extLst>
+          </p:cNvPr>
+          <p:cNvSpPr txBox="1"/>
+          <p:nvPr/>
+        </p:nvSpPr>
+        <p:spPr>
+          <a:xfrm>
+            <a:off x="7059013" y="4318305"/>
+            <a:ext cx="4324843" cy="1200329"/>
+          </a:xfrm>
+          <a:prstGeom prst="rect">
+            <a:avLst/>
+          </a:prstGeom>
+          <a:noFill/>
+        </p:spPr>
+        <p:txBody>
+          <a:bodyPr wrap="square" rtlCol="0">
+            <a:spAutoFit/>
+          </a:bodyPr>
+          <a:lstStyle/>
+          <a:p>
+            <a:pPr algn="just"/>
+            <a:r>
+              <a:rPr lang="es-MX" dirty="0"/>
+              <a:t>Debido a la naturaleza del análisis y en base a las reuniones que se tuvo con negocio el modelo estará enfocado en los reclamos de “Nivel 1” con categoría “RECLAMO” </a:t>
+            </a:r>
+            <a:endParaRPr lang="es-PE" dirty="0"/>
+          </a:p>
+        </p:txBody>
+      </p:sp>
+      <p:pic>
+        <p:nvPicPr>
+          <p:cNvPr id="1028" name="Picture 4">
+            <a:extLst>
+              <a:ext uri="{FF2B5EF4-FFF2-40B4-BE49-F238E27FC236}">
+                <a16:creationId xmlns:a16="http://schemas.microsoft.com/office/drawing/2014/main" id="{3A1B5AFC-66BF-435B-BC84-0C69FB577C92}"/>
+              </a:ext>
+            </a:extLst>
+          </p:cNvPr>
+          <p:cNvPicPr>
+            <a:picLocks noChangeAspect="1" noChangeArrowheads="1"/>
+          </p:cNvPicPr>
+          <p:nvPr/>
+        </p:nvPicPr>
+        <p:blipFill>
+          <a:blip r:embed="rId2">
+            <a:extLst>
+              <a:ext uri="{28A0092B-C50C-407E-A947-70E740481C1C}">
+                <a14:useLocalDpi xmlns:a14="http://schemas.microsoft.com/office/drawing/2010/main" val="0"/>
+              </a:ext>
+            </a:extLst>
+          </a:blip>
+          <a:srcRect/>
+          <a:stretch>
+            <a:fillRect/>
+          </a:stretch>
+        </p:blipFill>
+        <p:spPr bwMode="auto">
+          <a:xfrm>
+            <a:off x="6975567" y="1459682"/>
+            <a:ext cx="4324843" cy="2743200"/>
+          </a:xfrm>
+          <a:prstGeom prst="rect">
+            <a:avLst/>
+          </a:prstGeom>
+          <a:noFill/>
+          <a:extLst>
+            <a:ext uri="{909E8E84-426E-40DD-AFC4-6F175D3DCCD1}">
+              <a14:hiddenFill xmlns:a14="http://schemas.microsoft.com/office/drawing/2010/main">
+                <a:solidFill>
+                  <a:srgbClr val="FFFFFF"/>
+                </a:solidFill>
+              </a14:hiddenFill>
+            </a:ext>
+          </a:extLst>
+        </p:spPr>
+      </p:pic>
+      <p:sp>
+        <p:nvSpPr>
+          <p:cNvPr id="22" name="Google Shape;111;p2">
+            <a:extLst>
+              <a:ext uri="{FF2B5EF4-FFF2-40B4-BE49-F238E27FC236}">
+                <a16:creationId xmlns:a16="http://schemas.microsoft.com/office/drawing/2014/main" id="{C89DB2A0-1EF6-4E1F-8C52-F1B20078FA77}"/>
+              </a:ext>
+            </a:extLst>
+          </p:cNvPr>
+          <p:cNvSpPr txBox="1"/>
+          <p:nvPr/>
+        </p:nvSpPr>
+        <p:spPr>
+          <a:xfrm>
+            <a:off x="1763154" y="2478442"/>
+            <a:ext cx="3186155" cy="430847"/>
+          </a:xfrm>
+          <a:prstGeom prst="rect">
+            <a:avLst/>
+          </a:prstGeom>
+          <a:noFill/>
+          <a:ln>
+            <a:noFill/>
+          </a:ln>
+        </p:spPr>
+        <p:txBody>
+          <a:bodyPr spcFirstLastPara="1" wrap="square" lIns="91425" tIns="45700" rIns="91425" bIns="45700" anchor="t" anchorCtr="0">
+            <a:spAutoFit/>
+          </a:bodyPr>
+          <a:lstStyle/>
+          <a:p>
+            <a:pPr marL="0" marR="0" lvl="0" indent="0" algn="ctr" defTabSz="914400" rtl="0" eaLnBrk="0" fontAlgn="base" latinLnBrk="0" hangingPunct="0">
+              <a:lnSpc>
+                <a:spcPct val="100000"/>
+              </a:lnSpc>
+              <a:spcBef>
+                <a:spcPct val="0"/>
+              </a:spcBef>
+              <a:spcAft>
+                <a:spcPct val="0"/>
+              </a:spcAft>
+              <a:buClrTx/>
+              <a:buSzTx/>
+              <a:buFontTx/>
+              <a:buNone/>
+              <a:tabLst/>
+            </a:pPr>
+            <a:r>
+              <a:rPr lang="es-PE" altLang="es-PE" sz="1600" b="1" dirty="0">
+                <a:solidFill>
+                  <a:srgbClr val="000000"/>
+                </a:solidFill>
+                <a:latin typeface="Calibri" panose="020F0502020204030204" pitchFamily="34" charset="0"/>
+                <a:cs typeface="Calibri" panose="020F0502020204030204" pitchFamily="34" charset="0"/>
+              </a:rPr>
+              <a:t>Evolución trimestral de reclamos</a:t>
+            </a:r>
+            <a:endParaRPr kumimoji="0" lang="es-PE" altLang="es-PE" sz="1600" b="1" i="0" u="none" strike="noStrike" cap="none" normalizeH="0" baseline="0" dirty="0">
+              <a:ln>
+                <a:noFill/>
+              </a:ln>
+              <a:solidFill>
+                <a:srgbClr val="000000"/>
+              </a:solidFill>
+              <a:effectLst/>
+              <a:latin typeface="Calibri" panose="020F0502020204030204" pitchFamily="34" charset="0"/>
+              <a:cs typeface="Calibri" panose="020F0502020204030204" pitchFamily="34" charset="0"/>
+            </a:endParaRPr>
+          </a:p>
+          <a:p>
+            <a:pPr marL="0" marR="0" lvl="0" indent="0" algn="ctr" defTabSz="914400" rtl="0" eaLnBrk="0" fontAlgn="base" latinLnBrk="0" hangingPunct="0">
+              <a:lnSpc>
+                <a:spcPct val="100000"/>
+              </a:lnSpc>
+              <a:spcBef>
+                <a:spcPct val="0"/>
+              </a:spcBef>
+              <a:spcAft>
+                <a:spcPct val="0"/>
+              </a:spcAft>
+              <a:buClrTx/>
+              <a:buSzTx/>
+              <a:buFontTx/>
+              <a:buNone/>
+              <a:tabLst/>
+            </a:pPr>
+            <a:endParaRPr kumimoji="0" lang="es-PE" altLang="es-PE" sz="600" b="0" i="0" u="none" strike="noStrike" cap="none" normalizeH="0" baseline="0" dirty="0">
+              <a:ln>
+                <a:noFill/>
+              </a:ln>
+              <a:solidFill>
+                <a:schemeClr val="tx1"/>
+              </a:solidFill>
+              <a:effectLst/>
+            </a:endParaRPr>
+          </a:p>
+        </p:txBody>
+      </p:sp>
+      <p:cxnSp>
+        <p:nvCxnSpPr>
+          <p:cNvPr id="3" name="Conector recto 2">
+            <a:extLst>
+              <a:ext uri="{FF2B5EF4-FFF2-40B4-BE49-F238E27FC236}">
+                <a16:creationId xmlns:a16="http://schemas.microsoft.com/office/drawing/2014/main" id="{F8C5515E-8B92-449B-9B18-53631E44E942}"/>
+              </a:ext>
+            </a:extLst>
+          </p:cNvPr>
+          <p:cNvCxnSpPr/>
+          <p:nvPr/>
+        </p:nvCxnSpPr>
+        <p:spPr>
+          <a:xfrm>
+            <a:off x="6288833" y="899436"/>
+            <a:ext cx="0" cy="5215812"/>
+          </a:xfrm>
+          <a:prstGeom prst="line">
+            <a:avLst/>
+          </a:prstGeom>
+        </p:spPr>
+        <p:style>
+          <a:lnRef idx="1">
+            <a:schemeClr val="accent1"/>
+          </a:lnRef>
+          <a:fillRef idx="0">
+            <a:schemeClr val="accent1"/>
+          </a:fillRef>
+          <a:effectRef idx="0">
+            <a:schemeClr val="accent1"/>
+          </a:effectRef>
+          <a:fontRef idx="minor">
+            <a:schemeClr val="tx1"/>
+          </a:fontRef>
+        </p:style>
+      </p:cxnSp>
+      <p:pic>
+        <p:nvPicPr>
+          <p:cNvPr id="1030" name="Picture 6">
+            <a:extLst>
+              <a:ext uri="{FF2B5EF4-FFF2-40B4-BE49-F238E27FC236}">
+                <a16:creationId xmlns:a16="http://schemas.microsoft.com/office/drawing/2014/main" id="{18928A40-8883-416D-8694-72B81948718A}"/>
+              </a:ext>
+            </a:extLst>
+          </p:cNvPr>
+          <p:cNvPicPr>
+            <a:picLocks noChangeAspect="1" noChangeArrowheads="1"/>
+          </p:cNvPicPr>
+          <p:nvPr/>
+        </p:nvPicPr>
+        <p:blipFill>
+          <a:blip r:embed="rId3">
+            <a:extLst>
+              <a:ext uri="{28A0092B-C50C-407E-A947-70E740481C1C}">
+                <a14:useLocalDpi xmlns:a14="http://schemas.microsoft.com/office/drawing/2010/main" val="0"/>
+              </a:ext>
+            </a:extLst>
+          </a:blip>
+          <a:srcRect/>
+          <a:stretch>
+            <a:fillRect/>
+          </a:stretch>
+        </p:blipFill>
+        <p:spPr bwMode="auto">
+          <a:xfrm>
+            <a:off x="1018029" y="2834780"/>
+            <a:ext cx="4174554" cy="2771775"/>
+          </a:xfrm>
+          <a:prstGeom prst="rect">
+            <a:avLst/>
+          </a:prstGeom>
+          <a:noFill/>
+          <a:extLst>
+            <a:ext uri="{909E8E84-426E-40DD-AFC4-6F175D3DCCD1}">
+              <a14:hiddenFill xmlns:a14="http://schemas.microsoft.com/office/drawing/2010/main">
+                <a:solidFill>
+                  <a:srgbClr val="FFFFFF"/>
+                </a:solidFill>
+              </a14:hiddenFill>
+            </a:ext>
+          </a:extLst>
+        </p:spPr>
+      </p:pic>
+      <p:sp>
+        <p:nvSpPr>
+          <p:cNvPr id="26" name="Google Shape;111;p2">
+            <a:extLst>
+              <a:ext uri="{FF2B5EF4-FFF2-40B4-BE49-F238E27FC236}">
+                <a16:creationId xmlns:a16="http://schemas.microsoft.com/office/drawing/2014/main" id="{6DD68FDC-BF7A-4FC2-BD9C-CB3E6A95347D}"/>
+              </a:ext>
+            </a:extLst>
+          </p:cNvPr>
+          <p:cNvSpPr txBox="1"/>
+          <p:nvPr/>
+        </p:nvSpPr>
+        <p:spPr>
+          <a:xfrm>
+            <a:off x="7628358" y="1096190"/>
+            <a:ext cx="3186155" cy="430847"/>
+          </a:xfrm>
+          <a:prstGeom prst="rect">
+            <a:avLst/>
+          </a:prstGeom>
+          <a:noFill/>
+          <a:ln>
+            <a:noFill/>
+          </a:ln>
+        </p:spPr>
+        <p:txBody>
+          <a:bodyPr spcFirstLastPara="1" wrap="square" lIns="91425" tIns="45700" rIns="91425" bIns="45700" anchor="t" anchorCtr="0">
+            <a:spAutoFit/>
+          </a:bodyPr>
+          <a:lstStyle/>
+          <a:p>
+            <a:pPr marL="0" marR="0" lvl="0" indent="0" algn="ctr" defTabSz="914400" rtl="0" eaLnBrk="0" fontAlgn="base" latinLnBrk="0" hangingPunct="0">
+              <a:lnSpc>
+                <a:spcPct val="100000"/>
+              </a:lnSpc>
+              <a:spcBef>
+                <a:spcPct val="0"/>
+              </a:spcBef>
+              <a:spcAft>
+                <a:spcPct val="0"/>
+              </a:spcAft>
+              <a:buClrTx/>
+              <a:buSzTx/>
+              <a:buFontTx/>
+              <a:buNone/>
+              <a:tabLst/>
+            </a:pPr>
+            <a:r>
+              <a:rPr lang="es-PE" altLang="es-PE" sz="1600" b="1" dirty="0">
+                <a:solidFill>
+                  <a:srgbClr val="000000"/>
+                </a:solidFill>
+                <a:latin typeface="Calibri" panose="020F0502020204030204" pitchFamily="34" charset="0"/>
+                <a:cs typeface="Calibri" panose="020F0502020204030204" pitchFamily="34" charset="0"/>
+              </a:rPr>
+              <a:t>Reclamos de Nivel 1 (2018-2021)</a:t>
+            </a:r>
+            <a:endParaRPr kumimoji="0" lang="es-PE" altLang="es-PE" sz="1600" b="1" i="0" u="none" strike="noStrike" cap="none" normalizeH="0" baseline="0" dirty="0">
+              <a:ln>
+                <a:noFill/>
+              </a:ln>
+              <a:solidFill>
+                <a:srgbClr val="000000"/>
+              </a:solidFill>
+              <a:effectLst/>
+              <a:latin typeface="Calibri" panose="020F0502020204030204" pitchFamily="34" charset="0"/>
+              <a:cs typeface="Calibri" panose="020F0502020204030204" pitchFamily="34" charset="0"/>
+            </a:endParaRPr>
+          </a:p>
+          <a:p>
+            <a:pPr marL="0" marR="0" lvl="0" indent="0" algn="ctr" defTabSz="914400" rtl="0" eaLnBrk="0" fontAlgn="base" latinLnBrk="0" hangingPunct="0">
+              <a:lnSpc>
+                <a:spcPct val="100000"/>
+              </a:lnSpc>
+              <a:spcBef>
+                <a:spcPct val="0"/>
+              </a:spcBef>
+              <a:spcAft>
+                <a:spcPct val="0"/>
+              </a:spcAft>
+              <a:buClrTx/>
+              <a:buSzTx/>
+              <a:buFontTx/>
+              <a:buNone/>
+              <a:tabLst/>
+            </a:pPr>
+            <a:endParaRPr kumimoji="0" lang="es-PE" altLang="es-PE" sz="600" b="0" i="0" u="none" strike="noStrike" cap="none" normalizeH="0" baseline="0" dirty="0">
+              <a:ln>
+                <a:noFill/>
+              </a:ln>
+              <a:solidFill>
+                <a:schemeClr val="tx1"/>
+              </a:solidFill>
+              <a:effectLst/>
+            </a:endParaRPr>
+          </a:p>
+        </p:txBody>
+      </p:sp>
+      <p:sp>
+        <p:nvSpPr>
+          <p:cNvPr id="28" name="CuadroTexto 27">
+            <a:extLst>
+              <a:ext uri="{FF2B5EF4-FFF2-40B4-BE49-F238E27FC236}">
+                <a16:creationId xmlns:a16="http://schemas.microsoft.com/office/drawing/2014/main" id="{8D66AAF9-8D22-4DDA-A2A4-5A100794DEE7}"/>
+              </a:ext>
+            </a:extLst>
+          </p:cNvPr>
+          <p:cNvSpPr txBox="1"/>
+          <p:nvPr/>
+        </p:nvSpPr>
+        <p:spPr>
+          <a:xfrm>
+            <a:off x="450191" y="5648057"/>
+            <a:ext cx="5310230" cy="646331"/>
+          </a:xfrm>
+          <a:prstGeom prst="rect">
+            <a:avLst/>
+          </a:prstGeom>
+          <a:noFill/>
+        </p:spPr>
+        <p:txBody>
+          <a:bodyPr wrap="square">
+            <a:spAutoFit/>
+          </a:bodyPr>
+          <a:lstStyle/>
+          <a:p>
+            <a:pPr marL="742950" lvl="1" indent="-285750" eaLnBrk="0" fontAlgn="base" hangingPunct="0">
+              <a:spcBef>
+                <a:spcPct val="0"/>
+              </a:spcBef>
+              <a:spcAft>
+                <a:spcPct val="0"/>
+              </a:spcAft>
+              <a:buFont typeface="Arial" panose="020B0604020202020204" pitchFamily="34" charset="0"/>
+              <a:buChar char="•"/>
+            </a:pPr>
+            <a:r>
+              <a:rPr lang="es-PE" altLang="es-PE" sz="1200" dirty="0">
+                <a:solidFill>
+                  <a:srgbClr val="000000"/>
+                </a:solidFill>
+                <a:latin typeface="Calibri" panose="020F0502020204030204" pitchFamily="34" charset="0"/>
+                <a:cs typeface="Calibri" panose="020F0502020204030204" pitchFamily="34" charset="0"/>
+              </a:rPr>
+              <a:t>Nivel 1: Reclamo con complejidad de respuesta simple.</a:t>
+            </a:r>
+          </a:p>
+          <a:p>
+            <a:pPr marL="742950" lvl="1" indent="-285750" eaLnBrk="0" fontAlgn="base" hangingPunct="0">
+              <a:spcBef>
+                <a:spcPct val="0"/>
+              </a:spcBef>
+              <a:spcAft>
+                <a:spcPct val="0"/>
+              </a:spcAft>
+              <a:buFont typeface="Arial" panose="020B0604020202020204" pitchFamily="34" charset="0"/>
+              <a:buChar char="•"/>
+            </a:pPr>
+            <a:r>
+              <a:rPr lang="es-PE" altLang="es-PE" sz="1200" dirty="0">
+                <a:solidFill>
+                  <a:srgbClr val="000000"/>
+                </a:solidFill>
+                <a:latin typeface="Calibri" panose="020F0502020204030204" pitchFamily="34" charset="0"/>
+                <a:cs typeface="Calibri" panose="020F0502020204030204" pitchFamily="34" charset="0"/>
+              </a:rPr>
+              <a:t>Nivel 2: Reclamo con respuesta que requiere ser consultada con otras áreas.</a:t>
+            </a:r>
+          </a:p>
+        </p:txBody>
+      </p:sp>
+    </p:spTree>
+    <p:extLst>
+      <p:ext uri="{BB962C8B-B14F-4D97-AF65-F5344CB8AC3E}">
+        <p14:creationId xmlns:p14="http://schemas.microsoft.com/office/powerpoint/2010/main" val="3203440581"/>
+      </p:ext>
+    </p:extLst>
+  </p:cSld>
+  <p:clrMapOvr>
+    <a:masterClrMapping/>
+  </p:clrMapOvr>
+</p:sld>
+</file>
+
+<file path=ppt/slides/slide5.xml><?xml version="1.0" encoding="utf-8"?>
+<p:sld xmlns:a="http://schemas.openxmlformats.org/drawingml/2006/main" xmlns:r="http://schemas.openxmlformats.org/officeDocument/2006/relationships" xmlns:p="http://schemas.openxmlformats.org/presentationml/2006/main">
+  <p:cSld>
+    <p:spTree>
+      <p:nvGrpSpPr>
+        <p:cNvPr id="1" name=""/>
+        <p:cNvGrpSpPr/>
+        <p:nvPr/>
+      </p:nvGrpSpPr>
+      <p:grpSpPr>
+        <a:xfrm>
+          <a:off x="0" y="0"/>
+          <a:ext cx="0" cy="0"/>
+          <a:chOff x="0" y="0"/>
+          <a:chExt cx="0" cy="0"/>
+        </a:xfrm>
+      </p:grpSpPr>
+      <p:sp>
+        <p:nvSpPr>
+          <p:cNvPr id="4" name="Rectángulo: esquinas superiores redondeadas 4">
+            <a:extLst>
+              <a:ext uri="{FF2B5EF4-FFF2-40B4-BE49-F238E27FC236}">
+                <a16:creationId xmlns:a16="http://schemas.microsoft.com/office/drawing/2014/main" id="{CF789E0E-816C-4223-84EC-DC9D690B87EA}"/>
+              </a:ext>
+            </a:extLst>
+          </p:cNvPr>
+          <p:cNvSpPr/>
+          <p:nvPr/>
+        </p:nvSpPr>
+        <p:spPr>
+          <a:xfrm rot="10800000">
+            <a:off x="355599" y="0"/>
+            <a:ext cx="7813039" cy="640080"/>
+          </a:xfrm>
+          <a:prstGeom prst="round2SameRect">
+            <a:avLst/>
+          </a:prstGeom>
+          <a:solidFill>
+            <a:schemeClr val="tx2">
+              <a:lumMod val="75000"/>
+            </a:schemeClr>
+          </a:solidFill>
+        </p:spPr>
+        <p:style>
+          <a:lnRef idx="2">
+            <a:schemeClr val="accent1">
+              <a:shade val="50000"/>
+            </a:schemeClr>
+          </a:lnRef>
+          <a:fillRef idx="1">
+            <a:schemeClr val="accent1"/>
+          </a:fillRef>
+          <a:effectRef idx="0">
+            <a:schemeClr val="accent1"/>
+          </a:effectRef>
+          <a:fontRef idx="minor">
+            <a:schemeClr val="lt1"/>
+          </a:fontRef>
+        </p:style>
+        <p:txBody>
+          <a:bodyPr rtlCol="0" anchor="ctr"/>
+          <a:lstStyle/>
+          <a:p>
+            <a:pPr algn="ctr"/>
+            <a:endParaRPr lang="es-PE" dirty="0"/>
+          </a:p>
+        </p:txBody>
+      </p:sp>
+      <p:sp>
+        <p:nvSpPr>
+          <p:cNvPr id="5" name="CuadroTexto 4">
+            <a:extLst>
+              <a:ext uri="{FF2B5EF4-FFF2-40B4-BE49-F238E27FC236}">
+                <a16:creationId xmlns:a16="http://schemas.microsoft.com/office/drawing/2014/main" id="{48D2A9BD-EBF3-4CF7-A61E-49631D4D1DBB}"/>
+              </a:ext>
+            </a:extLst>
+          </p:cNvPr>
+          <p:cNvSpPr txBox="1"/>
+          <p:nvPr/>
+        </p:nvSpPr>
+        <p:spPr>
+          <a:xfrm>
+            <a:off x="558800" y="134927"/>
+            <a:ext cx="5594865" cy="400110"/>
+          </a:xfrm>
+          <a:prstGeom prst="rect">
+            <a:avLst/>
+          </a:prstGeom>
+          <a:noFill/>
+        </p:spPr>
+        <p:txBody>
+          <a:bodyPr wrap="square" rtlCol="0">
+            <a:spAutoFit/>
+          </a:bodyPr>
+          <a:lstStyle/>
+          <a:p>
+            <a:r>
+              <a:rPr lang="es-PE" sz="2000" dirty="0">
+                <a:solidFill>
+                  <a:schemeClr val="bg1"/>
+                </a:solidFill>
+                <a:latin typeface="Open Sans" panose="020B0606030504020204" pitchFamily="34" charset="0"/>
+                <a:ea typeface="Open Sans" panose="020B0606030504020204" pitchFamily="34" charset="0"/>
+                <a:cs typeface="Open Sans" panose="020B0606030504020204" pitchFamily="34" charset="0"/>
+              </a:rPr>
+              <a:t>Observaciones en reclamos de Primer nivel</a:t>
+            </a:r>
+          </a:p>
+        </p:txBody>
+      </p:sp>
+      <p:sp>
+        <p:nvSpPr>
+          <p:cNvPr id="9" name="Rectángulo 8">
+            <a:extLst>
+              <a:ext uri="{FF2B5EF4-FFF2-40B4-BE49-F238E27FC236}">
+                <a16:creationId xmlns:a16="http://schemas.microsoft.com/office/drawing/2014/main" id="{17D5E67A-13F6-4283-8297-CC8F5E053535}"/>
+              </a:ext>
+            </a:extLst>
+          </p:cNvPr>
+          <p:cNvSpPr/>
+          <p:nvPr/>
+        </p:nvSpPr>
+        <p:spPr>
+          <a:xfrm>
+            <a:off x="355600" y="5943600"/>
+            <a:ext cx="203200" cy="914399"/>
+          </a:xfrm>
+          <a:prstGeom prst="rect">
+            <a:avLst/>
+          </a:prstGeom>
+          <a:solidFill>
+            <a:schemeClr val="tx2">
+              <a:lumMod val="75000"/>
+            </a:schemeClr>
+          </a:solidFill>
+        </p:spPr>
+        <p:style>
+          <a:lnRef idx="2">
+            <a:schemeClr val="dk1">
+              <a:shade val="50000"/>
+            </a:schemeClr>
+          </a:lnRef>
+          <a:fillRef idx="1">
+            <a:schemeClr val="dk1"/>
+          </a:fillRef>
+          <a:effectRef idx="0">
+            <a:schemeClr val="dk1"/>
+          </a:effectRef>
+          <a:fontRef idx="minor">
+            <a:schemeClr val="lt1"/>
+          </a:fontRef>
+        </p:style>
+        <p:txBody>
+          <a:bodyPr rtlCol="0" anchor="ctr"/>
+          <a:lstStyle/>
+          <a:p>
+            <a:pPr algn="ctr"/>
+            <a:endParaRPr lang="es-PE"/>
+          </a:p>
+        </p:txBody>
+      </p:sp>
+      <p:sp>
+        <p:nvSpPr>
+          <p:cNvPr id="10" name="Rectángulo 9">
+            <a:extLst>
+              <a:ext uri="{FF2B5EF4-FFF2-40B4-BE49-F238E27FC236}">
+                <a16:creationId xmlns:a16="http://schemas.microsoft.com/office/drawing/2014/main" id="{54D73149-C250-47CB-B10E-EEADC5D5A38D}"/>
+              </a:ext>
+            </a:extLst>
+          </p:cNvPr>
+          <p:cNvSpPr/>
+          <p:nvPr/>
+        </p:nvSpPr>
+        <p:spPr>
+          <a:xfrm>
+            <a:off x="640234" y="6385364"/>
+            <a:ext cx="203200" cy="472635"/>
+          </a:xfrm>
+          <a:prstGeom prst="rect">
+            <a:avLst/>
+          </a:prstGeom>
+          <a:solidFill>
+            <a:srgbClr val="C00000"/>
+          </a:solidFill>
+          <a:ln>
+            <a:noFill/>
+          </a:ln>
+        </p:spPr>
+        <p:style>
+          <a:lnRef idx="2">
+            <a:schemeClr val="dk1">
+              <a:shade val="50000"/>
+            </a:schemeClr>
+          </a:lnRef>
+          <a:fillRef idx="1">
+            <a:schemeClr val="dk1"/>
+          </a:fillRef>
+          <a:effectRef idx="0">
+            <a:schemeClr val="dk1"/>
+          </a:effectRef>
+          <a:fontRef idx="minor">
+            <a:schemeClr val="lt1"/>
+          </a:fontRef>
+        </p:style>
+        <p:txBody>
+          <a:bodyPr rtlCol="0" anchor="ctr"/>
+          <a:lstStyle/>
+          <a:p>
+            <a:pPr algn="ctr"/>
+            <a:endParaRPr lang="es-PE"/>
+          </a:p>
+        </p:txBody>
+      </p:sp>
+      <p:sp>
+        <p:nvSpPr>
+          <p:cNvPr id="15" name="Google Shape;111;p2">
+            <a:extLst>
+              <a:ext uri="{FF2B5EF4-FFF2-40B4-BE49-F238E27FC236}">
+                <a16:creationId xmlns:a16="http://schemas.microsoft.com/office/drawing/2014/main" id="{DA903829-C857-466F-8663-51CF8927D68D}"/>
+              </a:ext>
+            </a:extLst>
+          </p:cNvPr>
+          <p:cNvSpPr txBox="1"/>
+          <p:nvPr/>
+        </p:nvSpPr>
+        <p:spPr>
+          <a:xfrm>
+            <a:off x="924868" y="6230671"/>
+            <a:ext cx="7243770" cy="492402"/>
+          </a:xfrm>
+          <a:prstGeom prst="rect">
+            <a:avLst/>
+          </a:prstGeom>
+          <a:noFill/>
+          <a:ln>
+            <a:noFill/>
+          </a:ln>
+        </p:spPr>
+        <p:txBody>
+          <a:bodyPr spcFirstLastPara="1" wrap="square" lIns="91425" tIns="45700" rIns="91425" bIns="45700" anchor="t" anchorCtr="0">
+            <a:spAutoFit/>
+          </a:bodyPr>
+          <a:lstStyle/>
+          <a:p>
+            <a:pPr marL="0" marR="0" lvl="0" indent="0" algn="l" defTabSz="914400" rtl="0" eaLnBrk="0" fontAlgn="base" latinLnBrk="0" hangingPunct="0">
+              <a:lnSpc>
+                <a:spcPct val="100000"/>
+              </a:lnSpc>
+              <a:spcBef>
+                <a:spcPct val="0"/>
+              </a:spcBef>
+              <a:spcAft>
+                <a:spcPct val="0"/>
+              </a:spcAft>
+              <a:buClrTx/>
+              <a:buSzTx/>
+              <a:buFontTx/>
+              <a:buNone/>
+              <a:tabLst/>
+            </a:pPr>
+            <a:r>
+              <a:rPr kumimoji="0" lang="es-PE" altLang="es-PE" sz="1300" b="1" i="0" u="none" strike="noStrike" cap="none" normalizeH="0" baseline="0" dirty="0">
+                <a:ln>
+                  <a:noFill/>
+                </a:ln>
+                <a:solidFill>
+                  <a:srgbClr val="000000"/>
+                </a:solidFill>
+                <a:effectLst/>
+                <a:latin typeface="Calibri" panose="020F0502020204030204" pitchFamily="34" charset="0"/>
+                <a:cs typeface="Calibri" panose="020F0502020204030204" pitchFamily="34" charset="0"/>
+              </a:rPr>
+              <a:t>Al tratar de identificar los código de servicios, motivo de la fuentes en los catálogos de la SBS, algunos no son encontrados (</a:t>
+            </a:r>
+            <a:r>
+              <a:rPr kumimoji="0" lang="es-PE" altLang="es-PE" sz="1300" b="1" i="0" u="none" strike="noStrike" cap="none" normalizeH="0" baseline="0" dirty="0" err="1">
+                <a:ln>
+                  <a:noFill/>
+                </a:ln>
+                <a:solidFill>
+                  <a:srgbClr val="000000"/>
+                </a:solidFill>
+                <a:effectLst/>
+                <a:latin typeface="Calibri" panose="020F0502020204030204" pitchFamily="34" charset="0"/>
+                <a:cs typeface="Calibri" panose="020F0502020204030204" pitchFamily="34" charset="0"/>
+              </a:rPr>
+              <a:t>eg</a:t>
+            </a:r>
+            <a:r>
+              <a:rPr kumimoji="0" lang="es-PE" altLang="es-PE" sz="1300" b="1" i="0" u="none" strike="noStrike" cap="none" normalizeH="0" baseline="0" dirty="0">
+                <a:ln>
+                  <a:noFill/>
+                </a:ln>
+                <a:solidFill>
+                  <a:srgbClr val="000000"/>
+                </a:solidFill>
+                <a:effectLst/>
+                <a:latin typeface="Calibri" panose="020F0502020204030204" pitchFamily="34" charset="0"/>
+                <a:cs typeface="Calibri" panose="020F0502020204030204" pitchFamily="34" charset="0"/>
+              </a:rPr>
+              <a:t>, 102 (servicio))  </a:t>
+            </a:r>
+            <a:endParaRPr kumimoji="0" lang="es-PE" altLang="es-PE" sz="600" b="0" i="0" u="none" strike="noStrike" cap="none" normalizeH="0" baseline="0" dirty="0">
+              <a:ln>
+                <a:noFill/>
+              </a:ln>
+              <a:solidFill>
+                <a:schemeClr val="tx1"/>
+              </a:solidFill>
+              <a:effectLst/>
+            </a:endParaRPr>
+          </a:p>
+        </p:txBody>
+      </p:sp>
+      <p:pic>
+        <p:nvPicPr>
+          <p:cNvPr id="16" name="Imagen 15">
+            <a:extLst>
+              <a:ext uri="{FF2B5EF4-FFF2-40B4-BE49-F238E27FC236}">
+                <a16:creationId xmlns:a16="http://schemas.microsoft.com/office/drawing/2014/main" id="{2F5C4631-2155-41E3-AB59-2FA47F7866EB}"/>
+              </a:ext>
+            </a:extLst>
+          </p:cNvPr>
+          <p:cNvPicPr>
+            <a:picLocks noChangeAspect="1"/>
+          </p:cNvPicPr>
+          <p:nvPr/>
+        </p:nvPicPr>
+        <p:blipFill>
+          <a:blip r:embed="rId2"/>
+          <a:stretch>
+            <a:fillRect/>
+          </a:stretch>
+        </p:blipFill>
+        <p:spPr>
+          <a:xfrm>
+            <a:off x="8246401" y="1632224"/>
+            <a:ext cx="2911092" cy="3025402"/>
+          </a:xfrm>
+          <a:prstGeom prst="rect">
+            <a:avLst/>
+          </a:prstGeom>
+        </p:spPr>
+      </p:pic>
+      <p:pic>
+        <p:nvPicPr>
+          <p:cNvPr id="3" name="Imagen 2">
+            <a:extLst>
+              <a:ext uri="{FF2B5EF4-FFF2-40B4-BE49-F238E27FC236}">
+                <a16:creationId xmlns:a16="http://schemas.microsoft.com/office/drawing/2014/main" id="{D4109C8B-B310-40CD-8315-6732F28C33CE}"/>
+              </a:ext>
+            </a:extLst>
+          </p:cNvPr>
+          <p:cNvPicPr>
+            <a:picLocks noChangeAspect="1"/>
+          </p:cNvPicPr>
+          <p:nvPr/>
+        </p:nvPicPr>
+        <p:blipFill>
+          <a:blip r:embed="rId3"/>
+          <a:stretch>
+            <a:fillRect/>
+          </a:stretch>
+        </p:blipFill>
+        <p:spPr>
+          <a:xfrm>
+            <a:off x="8443712" y="4578715"/>
+            <a:ext cx="3581710" cy="990686"/>
+          </a:xfrm>
+          <a:prstGeom prst="rect">
+            <a:avLst/>
+          </a:prstGeom>
+        </p:spPr>
+      </p:pic>
+      <p:pic>
+        <p:nvPicPr>
+          <p:cNvPr id="7" name="Imagen 6">
+            <a:extLst>
+              <a:ext uri="{FF2B5EF4-FFF2-40B4-BE49-F238E27FC236}">
+                <a16:creationId xmlns:a16="http://schemas.microsoft.com/office/drawing/2014/main" id="{B0C5100B-44D5-4660-9729-2978AD4977C4}"/>
+              </a:ext>
+            </a:extLst>
+          </p:cNvPr>
+          <p:cNvPicPr>
+            <a:picLocks noChangeAspect="1"/>
+          </p:cNvPicPr>
+          <p:nvPr/>
+        </p:nvPicPr>
+        <p:blipFill>
+          <a:blip r:embed="rId4"/>
+          <a:stretch>
+            <a:fillRect/>
+          </a:stretch>
+        </p:blipFill>
+        <p:spPr>
+          <a:xfrm>
+            <a:off x="4383408" y="1293537"/>
+            <a:ext cx="2827265" cy="2949196"/>
+          </a:xfrm>
+          <a:prstGeom prst="rect">
+            <a:avLst/>
+          </a:prstGeom>
+        </p:spPr>
+      </p:pic>
+      <p:pic>
+        <p:nvPicPr>
+          <p:cNvPr id="12" name="Imagen 11">
+            <a:extLst>
+              <a:ext uri="{FF2B5EF4-FFF2-40B4-BE49-F238E27FC236}">
+                <a16:creationId xmlns:a16="http://schemas.microsoft.com/office/drawing/2014/main" id="{4F24F389-ED42-4971-9654-D72BA63D819F}"/>
+              </a:ext>
+            </a:extLst>
+          </p:cNvPr>
+          <p:cNvPicPr>
+            <a:picLocks noChangeAspect="1"/>
+          </p:cNvPicPr>
+          <p:nvPr/>
+        </p:nvPicPr>
+        <p:blipFill>
+          <a:blip r:embed="rId5"/>
+          <a:stretch>
+            <a:fillRect/>
+          </a:stretch>
+        </p:blipFill>
+        <p:spPr>
+          <a:xfrm>
+            <a:off x="4293630" y="4374163"/>
+            <a:ext cx="3939881" cy="1143099"/>
+          </a:xfrm>
+          <a:prstGeom prst="rect">
+            <a:avLst/>
+          </a:prstGeom>
+        </p:spPr>
+      </p:pic>
+      <p:pic>
+        <p:nvPicPr>
+          <p:cNvPr id="14" name="Imagen 13">
+            <a:extLst>
+              <a:ext uri="{FF2B5EF4-FFF2-40B4-BE49-F238E27FC236}">
+                <a16:creationId xmlns:a16="http://schemas.microsoft.com/office/drawing/2014/main" id="{6284143E-8FAE-4FD3-9433-8A9A8A236046}"/>
+              </a:ext>
+            </a:extLst>
+          </p:cNvPr>
+          <p:cNvPicPr>
+            <a:picLocks noChangeAspect="1"/>
+          </p:cNvPicPr>
+          <p:nvPr/>
+        </p:nvPicPr>
+        <p:blipFill>
+          <a:blip r:embed="rId6"/>
+          <a:stretch>
+            <a:fillRect/>
+          </a:stretch>
+        </p:blipFill>
+        <p:spPr>
+          <a:xfrm>
+            <a:off x="705469" y="1620425"/>
+            <a:ext cx="2865368" cy="3330229"/>
+          </a:xfrm>
+          <a:prstGeom prst="rect">
+            <a:avLst/>
+          </a:prstGeom>
+        </p:spPr>
+      </p:pic>
+      <p:pic>
+        <p:nvPicPr>
+          <p:cNvPr id="20" name="Imagen 19">
+            <a:extLst>
+              <a:ext uri="{FF2B5EF4-FFF2-40B4-BE49-F238E27FC236}">
+                <a16:creationId xmlns:a16="http://schemas.microsoft.com/office/drawing/2014/main" id="{7CCC1653-66F2-4093-B8CC-0ECC65A1C408}"/>
+              </a:ext>
+            </a:extLst>
+          </p:cNvPr>
+          <p:cNvPicPr>
+            <a:picLocks noChangeAspect="1"/>
+          </p:cNvPicPr>
+          <p:nvPr/>
+        </p:nvPicPr>
+        <p:blipFill>
+          <a:blip r:embed="rId7"/>
+          <a:stretch>
+            <a:fillRect/>
+          </a:stretch>
+        </p:blipFill>
+        <p:spPr>
+          <a:xfrm>
+            <a:off x="956439" y="4987978"/>
+            <a:ext cx="2949196" cy="967824"/>
+          </a:xfrm>
+          <a:prstGeom prst="rect">
+            <a:avLst/>
+          </a:prstGeom>
+        </p:spPr>
+      </p:pic>
+      <p:sp>
+        <p:nvSpPr>
+          <p:cNvPr id="24" name="Google Shape;111;p2">
+            <a:extLst>
+              <a:ext uri="{FF2B5EF4-FFF2-40B4-BE49-F238E27FC236}">
+                <a16:creationId xmlns:a16="http://schemas.microsoft.com/office/drawing/2014/main" id="{7EC6C5A2-F6A2-4B30-A9C3-E00E11793E4D}"/>
+              </a:ext>
+            </a:extLst>
+          </p:cNvPr>
+          <p:cNvSpPr txBox="1"/>
+          <p:nvPr/>
+        </p:nvSpPr>
+        <p:spPr>
+          <a:xfrm>
+            <a:off x="891656" y="1016823"/>
+            <a:ext cx="2663920" cy="738623"/>
+          </a:xfrm>
+          <a:prstGeom prst="rect">
+            <a:avLst/>
+          </a:prstGeom>
+          <a:noFill/>
+          <a:ln>
+            <a:noFill/>
+          </a:ln>
+        </p:spPr>
+        <p:txBody>
+          <a:bodyPr spcFirstLastPara="1" wrap="square" lIns="91425" tIns="45700" rIns="91425" bIns="45700" anchor="t" anchorCtr="0">
+            <a:spAutoFit/>
+          </a:bodyPr>
+          <a:lstStyle/>
+          <a:p>
+            <a:pPr marL="0" marR="0" lvl="0" indent="0" algn="ctr" defTabSz="914400" rtl="0" eaLnBrk="0" fontAlgn="base" latinLnBrk="0" hangingPunct="0">
+              <a:lnSpc>
+                <a:spcPct val="100000"/>
+              </a:lnSpc>
+              <a:spcBef>
+                <a:spcPct val="0"/>
+              </a:spcBef>
+              <a:spcAft>
+                <a:spcPct val="0"/>
+              </a:spcAft>
+              <a:buClrTx/>
+              <a:buSzTx/>
+              <a:buFontTx/>
+              <a:buNone/>
+              <a:tabLst/>
+            </a:pPr>
+            <a:r>
+              <a:rPr lang="es-PE" altLang="es-PE" b="1" dirty="0">
+                <a:solidFill>
+                  <a:srgbClr val="000000"/>
+                </a:solidFill>
+                <a:latin typeface="Calibri" panose="020F0502020204030204" pitchFamily="34" charset="0"/>
+                <a:cs typeface="Calibri" panose="020F0502020204030204" pitchFamily="34" charset="0"/>
+              </a:rPr>
+              <a:t>R</a:t>
+            </a:r>
+            <a:r>
+              <a:rPr kumimoji="0" lang="es-PE" altLang="es-PE" b="1" i="0" u="none" strike="noStrike" cap="none" normalizeH="0" baseline="0" dirty="0">
+                <a:ln>
+                  <a:noFill/>
+                </a:ln>
+                <a:solidFill>
+                  <a:srgbClr val="000000"/>
+                </a:solidFill>
+                <a:effectLst/>
+                <a:latin typeface="Calibri" panose="020F0502020204030204" pitchFamily="34" charset="0"/>
+                <a:cs typeface="Calibri" panose="020F0502020204030204" pitchFamily="34" charset="0"/>
+              </a:rPr>
+              <a:t>eclamos por canal de ingreso (%)</a:t>
+            </a:r>
+          </a:p>
+          <a:p>
+            <a:pPr marL="0" marR="0" lvl="0" indent="0" algn="ctr" defTabSz="914400" rtl="0" eaLnBrk="0" fontAlgn="base" latinLnBrk="0" hangingPunct="0">
+              <a:lnSpc>
+                <a:spcPct val="100000"/>
+              </a:lnSpc>
+              <a:spcBef>
+                <a:spcPct val="0"/>
+              </a:spcBef>
+              <a:spcAft>
+                <a:spcPct val="0"/>
+              </a:spcAft>
+              <a:buClrTx/>
+              <a:buSzTx/>
+              <a:buFontTx/>
+              <a:buNone/>
+              <a:tabLst/>
+            </a:pPr>
+            <a:endParaRPr kumimoji="0" lang="es-PE" altLang="es-PE" sz="600" b="0" i="0" u="none" strike="noStrike" cap="none" normalizeH="0" baseline="0" dirty="0">
+              <a:ln>
+                <a:noFill/>
+              </a:ln>
+              <a:solidFill>
+                <a:schemeClr val="tx1"/>
+              </a:solidFill>
+              <a:effectLst/>
+            </a:endParaRPr>
+          </a:p>
+        </p:txBody>
+      </p:sp>
+      <p:sp>
+        <p:nvSpPr>
+          <p:cNvPr id="25" name="Google Shape;111;p2">
+            <a:extLst>
+              <a:ext uri="{FF2B5EF4-FFF2-40B4-BE49-F238E27FC236}">
+                <a16:creationId xmlns:a16="http://schemas.microsoft.com/office/drawing/2014/main" id="{95899957-ABD2-4F82-9C6D-06FCC5EF10CF}"/>
+              </a:ext>
+            </a:extLst>
+          </p:cNvPr>
+          <p:cNvSpPr txBox="1"/>
+          <p:nvPr/>
+        </p:nvSpPr>
+        <p:spPr>
+          <a:xfrm>
+            <a:off x="4465080" y="914950"/>
+            <a:ext cx="2663920" cy="461624"/>
+          </a:xfrm>
+          <a:prstGeom prst="rect">
+            <a:avLst/>
+          </a:prstGeom>
+          <a:noFill/>
+          <a:ln>
+            <a:noFill/>
+          </a:ln>
+        </p:spPr>
+        <p:txBody>
+          <a:bodyPr spcFirstLastPara="1" wrap="square" lIns="91425" tIns="45700" rIns="91425" bIns="45700" anchor="t" anchorCtr="0">
+            <a:spAutoFit/>
+          </a:bodyPr>
+          <a:lstStyle/>
+          <a:p>
+            <a:pPr marL="0" marR="0" lvl="0" indent="0" algn="ctr" defTabSz="914400" rtl="0" eaLnBrk="0" fontAlgn="base" latinLnBrk="0" hangingPunct="0">
+              <a:lnSpc>
+                <a:spcPct val="100000"/>
+              </a:lnSpc>
+              <a:spcBef>
+                <a:spcPct val="0"/>
+              </a:spcBef>
+              <a:spcAft>
+                <a:spcPct val="0"/>
+              </a:spcAft>
+              <a:buClrTx/>
+              <a:buSzTx/>
+              <a:buFontTx/>
+              <a:buNone/>
+              <a:tabLst/>
+            </a:pPr>
+            <a:r>
+              <a:rPr kumimoji="0" lang="es-PE" altLang="es-PE" b="1" i="0" u="none" strike="noStrike" cap="none" normalizeH="0" baseline="0" dirty="0">
+                <a:ln>
+                  <a:noFill/>
+                </a:ln>
+                <a:solidFill>
+                  <a:srgbClr val="000000"/>
+                </a:solidFill>
+                <a:effectLst/>
+                <a:latin typeface="Calibri" panose="020F0502020204030204" pitchFamily="34" charset="0"/>
+                <a:cs typeface="Calibri" panose="020F0502020204030204" pitchFamily="34" charset="0"/>
+              </a:rPr>
+              <a:t>Reclamos por motivo (%)</a:t>
+            </a:r>
+          </a:p>
+          <a:p>
+            <a:pPr marL="0" marR="0" lvl="0" indent="0" algn="ctr" defTabSz="914400" rtl="0" eaLnBrk="0" fontAlgn="base" latinLnBrk="0" hangingPunct="0">
+              <a:lnSpc>
+                <a:spcPct val="100000"/>
+              </a:lnSpc>
+              <a:spcBef>
+                <a:spcPct val="0"/>
+              </a:spcBef>
+              <a:spcAft>
+                <a:spcPct val="0"/>
+              </a:spcAft>
+              <a:buClrTx/>
+              <a:buSzTx/>
+              <a:buFontTx/>
+              <a:buNone/>
+              <a:tabLst/>
+            </a:pPr>
+            <a:endParaRPr kumimoji="0" lang="es-PE" altLang="es-PE" sz="600" b="0" i="0" u="none" strike="noStrike" cap="none" normalizeH="0" baseline="0" dirty="0">
+              <a:ln>
+                <a:noFill/>
+              </a:ln>
+              <a:solidFill>
+                <a:schemeClr val="tx1"/>
+              </a:solidFill>
+              <a:effectLst/>
+            </a:endParaRPr>
+          </a:p>
+        </p:txBody>
+      </p:sp>
+      <p:sp>
+        <p:nvSpPr>
+          <p:cNvPr id="26" name="Google Shape;111;p2">
+            <a:extLst>
+              <a:ext uri="{FF2B5EF4-FFF2-40B4-BE49-F238E27FC236}">
+                <a16:creationId xmlns:a16="http://schemas.microsoft.com/office/drawing/2014/main" id="{A4590AA9-D8B6-4BB8-845B-4503E5C5B24E}"/>
+              </a:ext>
+            </a:extLst>
+          </p:cNvPr>
+          <p:cNvSpPr txBox="1"/>
+          <p:nvPr/>
+        </p:nvSpPr>
+        <p:spPr>
+          <a:xfrm>
+            <a:off x="8369987" y="1111918"/>
+            <a:ext cx="2827264" cy="461624"/>
+          </a:xfrm>
+          <a:prstGeom prst="rect">
+            <a:avLst/>
+          </a:prstGeom>
+          <a:noFill/>
+          <a:ln>
+            <a:noFill/>
+          </a:ln>
+        </p:spPr>
+        <p:txBody>
+          <a:bodyPr spcFirstLastPara="1" wrap="square" lIns="91425" tIns="45700" rIns="91425" bIns="45700" anchor="t" anchorCtr="0">
+            <a:spAutoFit/>
+          </a:bodyPr>
+          <a:lstStyle/>
+          <a:p>
+            <a:pPr marL="0" marR="0" lvl="0" indent="0" algn="ctr" defTabSz="914400" rtl="0" eaLnBrk="0" fontAlgn="base" latinLnBrk="0" hangingPunct="0">
+              <a:lnSpc>
+                <a:spcPct val="100000"/>
+              </a:lnSpc>
+              <a:spcBef>
+                <a:spcPct val="0"/>
+              </a:spcBef>
+              <a:spcAft>
+                <a:spcPct val="0"/>
+              </a:spcAft>
+              <a:buClrTx/>
+              <a:buSzTx/>
+              <a:buFontTx/>
+              <a:buNone/>
+              <a:tabLst/>
+            </a:pPr>
+            <a:r>
+              <a:rPr kumimoji="0" lang="es-PE" altLang="es-PE" b="1" i="0" u="none" strike="noStrike" cap="none" normalizeH="0" baseline="0" dirty="0">
+                <a:ln>
+                  <a:noFill/>
+                </a:ln>
+                <a:solidFill>
+                  <a:srgbClr val="000000"/>
+                </a:solidFill>
+                <a:effectLst/>
+                <a:latin typeface="Calibri" panose="020F0502020204030204" pitchFamily="34" charset="0"/>
+                <a:cs typeface="Calibri" panose="020F0502020204030204" pitchFamily="34" charset="0"/>
+              </a:rPr>
+              <a:t>Reclamos por servicio (%)</a:t>
+            </a:r>
+          </a:p>
+          <a:p>
+            <a:pPr marL="0" marR="0" lvl="0" indent="0" algn="ctr" defTabSz="914400" rtl="0" eaLnBrk="0" fontAlgn="base" latinLnBrk="0" hangingPunct="0">
+              <a:lnSpc>
+                <a:spcPct val="100000"/>
+              </a:lnSpc>
+              <a:spcBef>
+                <a:spcPct val="0"/>
+              </a:spcBef>
+              <a:spcAft>
+                <a:spcPct val="0"/>
+              </a:spcAft>
+              <a:buClrTx/>
+              <a:buSzTx/>
+              <a:buFontTx/>
+              <a:buNone/>
+              <a:tabLst/>
+            </a:pPr>
+            <a:endParaRPr kumimoji="0" lang="es-PE" altLang="es-PE" sz="600" b="0" i="0" u="none" strike="noStrike" cap="none" normalizeH="0" baseline="0" dirty="0">
+              <a:ln>
+                <a:noFill/>
+              </a:ln>
+              <a:solidFill>
+                <a:schemeClr val="tx1"/>
+              </a:solidFill>
+              <a:effectLst/>
+            </a:endParaRPr>
+          </a:p>
+        </p:txBody>
+      </p:sp>
+    </p:spTree>
+    <p:extLst>
+      <p:ext uri="{BB962C8B-B14F-4D97-AF65-F5344CB8AC3E}">
+        <p14:creationId xmlns:p14="http://schemas.microsoft.com/office/powerpoint/2010/main" val="470657544"/>
+      </p:ext>
+    </p:extLst>
+  </p:cSld>
+  <p:clrMapOvr>
+    <a:masterClrMapping/>
+  </p:clrMapOvr>
+</p:sld>
+</file>
+
+<file path=ppt/slides/slide6.xml><?xml version="1.0" encoding="utf-8"?>
+<p:sld xmlns:a="http://schemas.openxmlformats.org/drawingml/2006/main" xmlns:r="http://schemas.openxmlformats.org/officeDocument/2006/relationships" xmlns:p="http://schemas.openxmlformats.org/presentationml/2006/main">
+  <p:cSld>
+    <p:spTree>
+      <p:nvGrpSpPr>
+        <p:cNvPr id="1" name=""/>
+        <p:cNvGrpSpPr/>
+        <p:nvPr/>
+      </p:nvGrpSpPr>
+      <p:grpSpPr>
+        <a:xfrm>
+          <a:off x="0" y="0"/>
+          <a:ext cx="0" cy="0"/>
+          <a:chOff x="0" y="0"/>
+          <a:chExt cx="0" cy="0"/>
+        </a:xfrm>
+      </p:grpSpPr>
+      <p:sp>
+        <p:nvSpPr>
+          <p:cNvPr id="4" name="Rectángulo: esquinas superiores redondeadas 4">
+            <a:extLst>
+              <a:ext uri="{FF2B5EF4-FFF2-40B4-BE49-F238E27FC236}">
+                <a16:creationId xmlns:a16="http://schemas.microsoft.com/office/drawing/2014/main" id="{CF789E0E-816C-4223-84EC-DC9D690B87EA}"/>
+              </a:ext>
+            </a:extLst>
+          </p:cNvPr>
+          <p:cNvSpPr/>
+          <p:nvPr/>
+        </p:nvSpPr>
+        <p:spPr>
+          <a:xfrm rot="10800000">
+            <a:off x="355599" y="0"/>
+            <a:ext cx="7813039" cy="640080"/>
+          </a:xfrm>
+          <a:prstGeom prst="round2SameRect">
+            <a:avLst/>
+          </a:prstGeom>
+          <a:solidFill>
+            <a:schemeClr val="tx2">
+              <a:lumMod val="75000"/>
+            </a:schemeClr>
+          </a:solidFill>
+        </p:spPr>
+        <p:style>
+          <a:lnRef idx="2">
+            <a:schemeClr val="accent1">
+              <a:shade val="50000"/>
+            </a:schemeClr>
+          </a:lnRef>
+          <a:fillRef idx="1">
+            <a:schemeClr val="accent1"/>
+          </a:fillRef>
+          <a:effectRef idx="0">
+            <a:schemeClr val="accent1"/>
+          </a:effectRef>
+          <a:fontRef idx="minor">
+            <a:schemeClr val="lt1"/>
+          </a:fontRef>
+        </p:style>
+        <p:txBody>
+          <a:bodyPr rtlCol="0" anchor="ctr"/>
+          <a:lstStyle/>
+          <a:p>
+            <a:pPr algn="ctr"/>
+            <a:endParaRPr lang="es-PE" dirty="0"/>
+          </a:p>
+        </p:txBody>
+      </p:sp>
+      <p:sp>
+        <p:nvSpPr>
+          <p:cNvPr id="5" name="CuadroTexto 4">
+            <a:extLst>
+              <a:ext uri="{FF2B5EF4-FFF2-40B4-BE49-F238E27FC236}">
+                <a16:creationId xmlns:a16="http://schemas.microsoft.com/office/drawing/2014/main" id="{48D2A9BD-EBF3-4CF7-A61E-49631D4D1DBB}"/>
+              </a:ext>
+            </a:extLst>
+          </p:cNvPr>
+          <p:cNvSpPr txBox="1"/>
+          <p:nvPr/>
+        </p:nvSpPr>
+        <p:spPr>
+          <a:xfrm>
+            <a:off x="558800" y="134927"/>
+            <a:ext cx="5594865" cy="400110"/>
+          </a:xfrm>
+          <a:prstGeom prst="rect">
+            <a:avLst/>
+          </a:prstGeom>
+          <a:noFill/>
+        </p:spPr>
+        <p:txBody>
+          <a:bodyPr wrap="square" rtlCol="0">
+            <a:spAutoFit/>
+          </a:bodyPr>
+          <a:lstStyle/>
+          <a:p>
+            <a:r>
+              <a:rPr lang="es-PE" sz="2000" dirty="0">
+                <a:solidFill>
+                  <a:schemeClr val="bg1"/>
+                </a:solidFill>
+                <a:latin typeface="Open Sans" panose="020B0606030504020204" pitchFamily="34" charset="0"/>
+                <a:ea typeface="Open Sans" panose="020B0606030504020204" pitchFamily="34" charset="0"/>
+                <a:cs typeface="Open Sans" panose="020B0606030504020204" pitchFamily="34" charset="0"/>
+              </a:rPr>
+              <a:t>Observaciones en reclamos de Primer nivel</a:t>
+            </a:r>
+          </a:p>
+        </p:txBody>
+      </p:sp>
+      <p:sp>
+        <p:nvSpPr>
+          <p:cNvPr id="9" name="Rectángulo 8">
+            <a:extLst>
+              <a:ext uri="{FF2B5EF4-FFF2-40B4-BE49-F238E27FC236}">
+                <a16:creationId xmlns:a16="http://schemas.microsoft.com/office/drawing/2014/main" id="{17D5E67A-13F6-4283-8297-CC8F5E053535}"/>
+              </a:ext>
+            </a:extLst>
+          </p:cNvPr>
+          <p:cNvSpPr/>
+          <p:nvPr/>
+        </p:nvSpPr>
+        <p:spPr>
+          <a:xfrm>
+            <a:off x="355600" y="5943600"/>
+            <a:ext cx="203200" cy="914399"/>
+          </a:xfrm>
+          <a:prstGeom prst="rect">
+            <a:avLst/>
+          </a:prstGeom>
+          <a:solidFill>
+            <a:schemeClr val="tx2">
+              <a:lumMod val="75000"/>
+            </a:schemeClr>
+          </a:solidFill>
+        </p:spPr>
+        <p:style>
+          <a:lnRef idx="2">
+            <a:schemeClr val="dk1">
+              <a:shade val="50000"/>
+            </a:schemeClr>
+          </a:lnRef>
+          <a:fillRef idx="1">
+            <a:schemeClr val="dk1"/>
+          </a:fillRef>
+          <a:effectRef idx="0">
+            <a:schemeClr val="dk1"/>
+          </a:effectRef>
+          <a:fontRef idx="minor">
+            <a:schemeClr val="lt1"/>
+          </a:fontRef>
+        </p:style>
+        <p:txBody>
+          <a:bodyPr rtlCol="0" anchor="ctr"/>
+          <a:lstStyle/>
+          <a:p>
+            <a:pPr algn="ctr"/>
+            <a:endParaRPr lang="es-PE"/>
+          </a:p>
+        </p:txBody>
+      </p:sp>
+      <p:sp>
+        <p:nvSpPr>
+          <p:cNvPr id="10" name="Rectángulo 9">
+            <a:extLst>
+              <a:ext uri="{FF2B5EF4-FFF2-40B4-BE49-F238E27FC236}">
+                <a16:creationId xmlns:a16="http://schemas.microsoft.com/office/drawing/2014/main" id="{54D73149-C250-47CB-B10E-EEADC5D5A38D}"/>
+              </a:ext>
+            </a:extLst>
+          </p:cNvPr>
+          <p:cNvSpPr/>
+          <p:nvPr/>
+        </p:nvSpPr>
+        <p:spPr>
+          <a:xfrm>
+            <a:off x="640234" y="6385364"/>
+            <a:ext cx="203200" cy="472635"/>
+          </a:xfrm>
+          <a:prstGeom prst="rect">
+            <a:avLst/>
+          </a:prstGeom>
+          <a:solidFill>
+            <a:srgbClr val="C00000"/>
+          </a:solidFill>
+          <a:ln>
+            <a:noFill/>
+          </a:ln>
+        </p:spPr>
+        <p:style>
+          <a:lnRef idx="2">
+            <a:schemeClr val="dk1">
+              <a:shade val="50000"/>
+            </a:schemeClr>
+          </a:lnRef>
+          <a:fillRef idx="1">
+            <a:schemeClr val="dk1"/>
+          </a:fillRef>
+          <a:effectRef idx="0">
+            <a:schemeClr val="dk1"/>
+          </a:effectRef>
+          <a:fontRef idx="minor">
+            <a:schemeClr val="lt1"/>
+          </a:fontRef>
+        </p:style>
+        <p:txBody>
+          <a:bodyPr rtlCol="0" anchor="ctr"/>
+          <a:lstStyle/>
+          <a:p>
+            <a:pPr algn="ctr"/>
+            <a:endParaRPr lang="es-PE"/>
+          </a:p>
+        </p:txBody>
+      </p:sp>
+      <p:sp>
+        <p:nvSpPr>
+          <p:cNvPr id="15" name="Google Shape;111;p2">
+            <a:extLst>
+              <a:ext uri="{FF2B5EF4-FFF2-40B4-BE49-F238E27FC236}">
+                <a16:creationId xmlns:a16="http://schemas.microsoft.com/office/drawing/2014/main" id="{DA903829-C857-466F-8663-51CF8927D68D}"/>
+              </a:ext>
+            </a:extLst>
+          </p:cNvPr>
+          <p:cNvSpPr txBox="1"/>
+          <p:nvPr/>
+        </p:nvSpPr>
+        <p:spPr>
+          <a:xfrm>
+            <a:off x="924868" y="6230671"/>
+            <a:ext cx="7243770" cy="492402"/>
+          </a:xfrm>
+          <a:prstGeom prst="rect">
+            <a:avLst/>
+          </a:prstGeom>
+          <a:noFill/>
+          <a:ln>
+            <a:noFill/>
+          </a:ln>
+        </p:spPr>
+        <p:txBody>
+          <a:bodyPr spcFirstLastPara="1" wrap="square" lIns="91425" tIns="45700" rIns="91425" bIns="45700" anchor="t" anchorCtr="0">
+            <a:spAutoFit/>
+          </a:bodyPr>
+          <a:lstStyle/>
+          <a:p>
+            <a:pPr marL="0" marR="0" lvl="0" indent="0" algn="l" defTabSz="914400" rtl="0" eaLnBrk="0" fontAlgn="base" latinLnBrk="0" hangingPunct="0">
+              <a:lnSpc>
+                <a:spcPct val="100000"/>
+              </a:lnSpc>
+              <a:spcBef>
+                <a:spcPct val="0"/>
+              </a:spcBef>
+              <a:spcAft>
+                <a:spcPct val="0"/>
+              </a:spcAft>
+              <a:buClrTx/>
+              <a:buSzTx/>
+              <a:buFontTx/>
+              <a:buNone/>
+              <a:tabLst/>
+            </a:pPr>
+            <a:r>
+              <a:rPr kumimoji="0" lang="es-PE" altLang="es-PE" sz="1300" b="1" i="0" u="none" strike="noStrike" cap="none" normalizeH="0" baseline="0" dirty="0">
+                <a:ln>
+                  <a:noFill/>
+                </a:ln>
+                <a:solidFill>
+                  <a:srgbClr val="000000"/>
+                </a:solidFill>
+                <a:effectLst/>
+                <a:latin typeface="Calibri" panose="020F0502020204030204" pitchFamily="34" charset="0"/>
+                <a:cs typeface="Calibri" panose="020F0502020204030204" pitchFamily="34" charset="0"/>
+              </a:rPr>
+              <a:t>Al tratar de identificar los código de servicios, motivo de la fuentes en los catálogos de la SBS, algunos no son encontrados (</a:t>
+            </a:r>
+            <a:r>
+              <a:rPr kumimoji="0" lang="es-PE" altLang="es-PE" sz="1300" b="1" i="0" u="none" strike="noStrike" cap="none" normalizeH="0" baseline="0" dirty="0" err="1">
+                <a:ln>
+                  <a:noFill/>
+                </a:ln>
+                <a:solidFill>
+                  <a:srgbClr val="000000"/>
+                </a:solidFill>
+                <a:effectLst/>
+                <a:latin typeface="Calibri" panose="020F0502020204030204" pitchFamily="34" charset="0"/>
+                <a:cs typeface="Calibri" panose="020F0502020204030204" pitchFamily="34" charset="0"/>
+              </a:rPr>
+              <a:t>eg</a:t>
+            </a:r>
+            <a:r>
+              <a:rPr kumimoji="0" lang="es-PE" altLang="es-PE" sz="1300" b="1" i="0" u="none" strike="noStrike" cap="none" normalizeH="0" baseline="0" dirty="0">
+                <a:ln>
+                  <a:noFill/>
+                </a:ln>
+                <a:solidFill>
+                  <a:srgbClr val="000000"/>
+                </a:solidFill>
+                <a:effectLst/>
+                <a:latin typeface="Calibri" panose="020F0502020204030204" pitchFamily="34" charset="0"/>
+                <a:cs typeface="Calibri" panose="020F0502020204030204" pitchFamily="34" charset="0"/>
+              </a:rPr>
+              <a:t>, 102 (servicio))  </a:t>
+            </a:r>
+            <a:endParaRPr kumimoji="0" lang="es-PE" altLang="es-PE" sz="600" b="0" i="0" u="none" strike="noStrike" cap="none" normalizeH="0" baseline="0" dirty="0">
+              <a:ln>
+                <a:noFill/>
+              </a:ln>
+              <a:solidFill>
+                <a:schemeClr val="tx1"/>
+              </a:solidFill>
+              <a:effectLst/>
+            </a:endParaRPr>
+          </a:p>
+        </p:txBody>
+      </p:sp>
+      <p:graphicFrame>
+        <p:nvGraphicFramePr>
+          <p:cNvPr id="2" name="Tabla 1">
+            <a:extLst>
+              <a:ext uri="{FF2B5EF4-FFF2-40B4-BE49-F238E27FC236}">
+                <a16:creationId xmlns:a16="http://schemas.microsoft.com/office/drawing/2014/main" id="{B11E51BD-1BF9-4790-A47A-698303BB48E1}"/>
+              </a:ext>
+            </a:extLst>
+          </p:cNvPr>
+          <p:cNvGraphicFramePr>
+            <a:graphicFrameLocks noGrp="1"/>
+          </p:cNvGraphicFramePr>
+          <p:nvPr>
+            <p:extLst>
+              <p:ext uri="{D42A27DB-BD31-4B8C-83A1-F6EECF244321}">
+                <p14:modId xmlns:p14="http://schemas.microsoft.com/office/powerpoint/2010/main" val="3005122174"/>
+              </p:ext>
+            </p:extLst>
+          </p:nvPr>
+        </p:nvGraphicFramePr>
+        <p:xfrm>
+          <a:off x="1036318" y="1240816"/>
+          <a:ext cx="6451600" cy="1463040"/>
+        </p:xfrm>
+        <a:graphic>
+          <a:graphicData uri="http://schemas.openxmlformats.org/drawingml/2006/table">
+            <a:tbl>
+              <a:tblPr>
+                <a:tableStyleId>{3B4B98B0-60AC-42C2-AFA5-B58CD77FA1E5}</a:tableStyleId>
+              </a:tblPr>
+              <a:tblGrid>
+                <a:gridCol w="5626100">
+                  <a:extLst>
+                    <a:ext uri="{9D8B030D-6E8A-4147-A177-3AD203B41FA5}">
+                      <a16:colId xmlns:a16="http://schemas.microsoft.com/office/drawing/2014/main" val="3881471455"/>
+                    </a:ext>
+                  </a:extLst>
+                </a:gridCol>
+                <a:gridCol w="825500">
+                  <a:extLst>
+                    <a:ext uri="{9D8B030D-6E8A-4147-A177-3AD203B41FA5}">
+                      <a16:colId xmlns:a16="http://schemas.microsoft.com/office/drawing/2014/main" val="3897898905"/>
+                    </a:ext>
+                  </a:extLst>
+                </a:gridCol>
+              </a:tblGrid>
+              <a:tr h="182880">
+                <a:tc>
+                  <a:txBody>
+                    <a:bodyPr/>
+                    <a:lstStyle/>
+                    <a:p>
+                      <a:pPr algn="ctr" fontAlgn="t"/>
+                      <a:r>
+                        <a:rPr lang="es-PE" sz="1100" b="1" u="none" strike="noStrike" dirty="0">
+                          <a:effectLst/>
+                        </a:rPr>
+                        <a:t>MOTIVO</a:t>
+                      </a:r>
+                      <a:endParaRPr lang="es-PE" sz="1100" b="1" i="0" u="none" strike="noStrike" dirty="0">
+                        <a:solidFill>
+                          <a:srgbClr val="000000"/>
+                        </a:solidFill>
+                        <a:effectLst/>
+                        <a:latin typeface="Calibri" panose="020F0502020204030204" pitchFamily="34" charset="0"/>
+                      </a:endParaRPr>
+                    </a:p>
+                  </a:txBody>
+                  <a:tcPr marL="7620" marR="7620" marT="7620" marB="0"/>
+                </a:tc>
+                <a:tc>
+                  <a:txBody>
+                    <a:bodyPr/>
+                    <a:lstStyle/>
+                    <a:p>
+                      <a:pPr algn="ctr" fontAlgn="t"/>
+                      <a:r>
+                        <a:rPr lang="es-PE" sz="1100" b="1" u="none" strike="noStrike" dirty="0">
+                          <a:effectLst/>
+                        </a:rPr>
+                        <a:t>PORCENTAJE</a:t>
+                      </a:r>
+                      <a:endParaRPr lang="es-PE" sz="1100" b="1" i="0" u="none" strike="noStrike" dirty="0">
+                        <a:solidFill>
+                          <a:srgbClr val="000000"/>
+                        </a:solidFill>
+                        <a:effectLst/>
+                        <a:latin typeface="Calibri" panose="020F0502020204030204" pitchFamily="34" charset="0"/>
+                      </a:endParaRPr>
+                    </a:p>
+                  </a:txBody>
+                  <a:tcPr marL="7620" marR="7620" marT="7620" marB="0"/>
+                </a:tc>
+                <a:extLst>
+                  <a:ext uri="{0D108BD9-81ED-4DB2-BD59-A6C34878D82A}">
+                    <a16:rowId xmlns:a16="http://schemas.microsoft.com/office/drawing/2014/main" val="788005048"/>
+                  </a:ext>
+                </a:extLst>
+              </a:tr>
+              <a:tr h="182880">
+                <a:tc>
+                  <a:txBody>
+                    <a:bodyPr/>
+                    <a:lstStyle/>
+                    <a:p>
+                      <a:pPr algn="l" fontAlgn="b"/>
+                      <a:r>
+                        <a:rPr lang="es-PE" sz="1100" u="none" strike="noStrike">
+                          <a:effectLst/>
+                        </a:rPr>
+                        <a:t>PRCA - NO DISPENSÓ EFECTIVO Y/O VOUCHER</a:t>
+                      </a:r>
+                      <a:endParaRPr lang="es-PE" sz="1100" b="0" i="0" u="none" strike="noStrike">
+                        <a:solidFill>
+                          <a:srgbClr val="000000"/>
+                        </a:solidFill>
+                        <a:effectLst/>
+                        <a:latin typeface="Calibri" panose="020F0502020204030204" pitchFamily="34" charset="0"/>
+                      </a:endParaRPr>
+                    </a:p>
+                  </a:txBody>
+                  <a:tcPr marL="7620" marR="7620" marT="7620" marB="0" anchor="b"/>
+                </a:tc>
+                <a:tc>
+                  <a:txBody>
+                    <a:bodyPr/>
+                    <a:lstStyle/>
+                    <a:p>
+                      <a:pPr algn="r" fontAlgn="b"/>
+                      <a:r>
+                        <a:rPr lang="es-PE" sz="1100" u="none" strike="noStrike">
+                          <a:effectLst/>
+                        </a:rPr>
+                        <a:t>52%</a:t>
+                      </a:r>
+                      <a:endParaRPr lang="es-PE" sz="1100" b="0" i="0" u="none" strike="noStrike">
+                        <a:solidFill>
+                          <a:srgbClr val="000000"/>
+                        </a:solidFill>
+                        <a:effectLst/>
+                        <a:latin typeface="Calibri" panose="020F0502020204030204" pitchFamily="34" charset="0"/>
+                      </a:endParaRPr>
+                    </a:p>
+                  </a:txBody>
+                  <a:tcPr marL="7620" marR="7620" marT="7620" marB="0" anchor="b"/>
+                </a:tc>
+                <a:extLst>
+                  <a:ext uri="{0D108BD9-81ED-4DB2-BD59-A6C34878D82A}">
+                    <a16:rowId xmlns:a16="http://schemas.microsoft.com/office/drawing/2014/main" val="1466377914"/>
+                  </a:ext>
+                </a:extLst>
+              </a:tr>
+              <a:tr h="182880">
+                <a:tc>
+                  <a:txBody>
+                    <a:bodyPr/>
+                    <a:lstStyle/>
+                    <a:p>
+                      <a:pPr algn="l" fontAlgn="b"/>
+                      <a:r>
+                        <a:rPr lang="es-PE" sz="1100" u="none" strike="noStrike">
+                          <a:effectLst/>
+                        </a:rPr>
+                        <a:t>TRANSACCION NO PROCESADA / MAL REALIZADA</a:t>
+                      </a:r>
+                      <a:endParaRPr lang="es-PE" sz="1100" b="0" i="0" u="none" strike="noStrike">
+                        <a:solidFill>
+                          <a:srgbClr val="000000"/>
+                        </a:solidFill>
+                        <a:effectLst/>
+                        <a:latin typeface="Calibri" panose="020F0502020204030204" pitchFamily="34" charset="0"/>
+                      </a:endParaRPr>
+                    </a:p>
+                  </a:txBody>
+                  <a:tcPr marL="7620" marR="7620" marT="7620" marB="0" anchor="b"/>
+                </a:tc>
+                <a:tc>
+                  <a:txBody>
+                    <a:bodyPr/>
+                    <a:lstStyle/>
+                    <a:p>
+                      <a:pPr algn="r" fontAlgn="b"/>
+                      <a:r>
+                        <a:rPr lang="es-PE" sz="1100" u="none" strike="noStrike">
+                          <a:effectLst/>
+                        </a:rPr>
+                        <a:t>19%</a:t>
+                      </a:r>
+                      <a:endParaRPr lang="es-PE" sz="1100" b="0" i="0" u="none" strike="noStrike">
+                        <a:solidFill>
+                          <a:srgbClr val="000000"/>
+                        </a:solidFill>
+                        <a:effectLst/>
+                        <a:latin typeface="Calibri" panose="020F0502020204030204" pitchFamily="34" charset="0"/>
+                      </a:endParaRPr>
+                    </a:p>
+                  </a:txBody>
+                  <a:tcPr marL="7620" marR="7620" marT="7620" marB="0" anchor="b"/>
+                </a:tc>
+                <a:extLst>
+                  <a:ext uri="{0D108BD9-81ED-4DB2-BD59-A6C34878D82A}">
+                    <a16:rowId xmlns:a16="http://schemas.microsoft.com/office/drawing/2014/main" val="1067079239"/>
+                  </a:ext>
+                </a:extLst>
+              </a:tr>
+              <a:tr h="182880">
+                <a:tc>
+                  <a:txBody>
+                    <a:bodyPr/>
+                    <a:lstStyle/>
+                    <a:p>
+                      <a:pPr algn="l" fontAlgn="b"/>
+                      <a:r>
+                        <a:rPr lang="es-MX" sz="1100" u="none" strike="noStrike" dirty="0">
+                          <a:effectLst/>
+                        </a:rPr>
+                        <a:t>COBRO INDEBIDO DE INTERESES,COMISIONES,PORTES,TARIFAS Y OTROS CARGOS</a:t>
+                      </a:r>
+                      <a:endParaRPr lang="es-MX" sz="1100" b="0" i="0" u="none" strike="noStrike" dirty="0">
+                        <a:solidFill>
+                          <a:srgbClr val="000000"/>
+                        </a:solidFill>
+                        <a:effectLst/>
+                        <a:latin typeface="Calibri" panose="020F0502020204030204" pitchFamily="34" charset="0"/>
+                      </a:endParaRPr>
+                    </a:p>
+                  </a:txBody>
+                  <a:tcPr marL="7620" marR="7620" marT="7620" marB="0" anchor="b"/>
+                </a:tc>
+                <a:tc>
+                  <a:txBody>
+                    <a:bodyPr/>
+                    <a:lstStyle/>
+                    <a:p>
+                      <a:pPr algn="r" fontAlgn="b"/>
+                      <a:r>
+                        <a:rPr lang="es-PE" sz="1100" u="none" strike="noStrike">
+                          <a:effectLst/>
+                        </a:rPr>
+                        <a:t>14%</a:t>
+                      </a:r>
+                      <a:endParaRPr lang="es-PE" sz="1100" b="0" i="0" u="none" strike="noStrike">
+                        <a:solidFill>
+                          <a:srgbClr val="000000"/>
+                        </a:solidFill>
+                        <a:effectLst/>
+                        <a:latin typeface="Calibri" panose="020F0502020204030204" pitchFamily="34" charset="0"/>
+                      </a:endParaRPr>
+                    </a:p>
+                  </a:txBody>
+                  <a:tcPr marL="7620" marR="7620" marT="7620" marB="0" anchor="b"/>
+                </a:tc>
+                <a:extLst>
+                  <a:ext uri="{0D108BD9-81ED-4DB2-BD59-A6C34878D82A}">
+                    <a16:rowId xmlns:a16="http://schemas.microsoft.com/office/drawing/2014/main" val="1988898569"/>
+                  </a:ext>
+                </a:extLst>
+              </a:tr>
+              <a:tr h="182880">
+                <a:tc>
+                  <a:txBody>
+                    <a:bodyPr/>
+                    <a:lstStyle/>
+                    <a:p>
+                      <a:pPr algn="l" fontAlgn="b"/>
+                      <a:r>
+                        <a:rPr lang="es-PE" sz="1100" u="none" strike="noStrike">
+                          <a:effectLst/>
+                        </a:rPr>
+                        <a:t>INADECUADA ATENCION AL USUARIO</a:t>
+                      </a:r>
+                      <a:endParaRPr lang="es-PE" sz="1100" b="0" i="0" u="none" strike="noStrike">
+                        <a:solidFill>
+                          <a:srgbClr val="000000"/>
+                        </a:solidFill>
+                        <a:effectLst/>
+                        <a:latin typeface="Calibri" panose="020F0502020204030204" pitchFamily="34" charset="0"/>
+                      </a:endParaRPr>
+                    </a:p>
+                  </a:txBody>
+                  <a:tcPr marL="7620" marR="7620" marT="7620" marB="0" anchor="b"/>
+                </a:tc>
+                <a:tc>
+                  <a:txBody>
+                    <a:bodyPr/>
+                    <a:lstStyle/>
+                    <a:p>
+                      <a:pPr algn="r" fontAlgn="b"/>
+                      <a:r>
+                        <a:rPr lang="es-PE" sz="1100" u="none" strike="noStrike">
+                          <a:effectLst/>
+                        </a:rPr>
+                        <a:t>6%</a:t>
+                      </a:r>
+                      <a:endParaRPr lang="es-PE" sz="1100" b="0" i="0" u="none" strike="noStrike">
+                        <a:solidFill>
+                          <a:srgbClr val="000000"/>
+                        </a:solidFill>
+                        <a:effectLst/>
+                        <a:latin typeface="Calibri" panose="020F0502020204030204" pitchFamily="34" charset="0"/>
+                      </a:endParaRPr>
+                    </a:p>
+                  </a:txBody>
+                  <a:tcPr marL="7620" marR="7620" marT="7620" marB="0" anchor="b"/>
+                </a:tc>
+                <a:extLst>
+                  <a:ext uri="{0D108BD9-81ED-4DB2-BD59-A6C34878D82A}">
+                    <a16:rowId xmlns:a16="http://schemas.microsoft.com/office/drawing/2014/main" val="860450483"/>
+                  </a:ext>
+                </a:extLst>
+              </a:tr>
+              <a:tr h="182880">
+                <a:tc>
+                  <a:txBody>
+                    <a:bodyPr/>
+                    <a:lstStyle/>
+                    <a:p>
+                      <a:pPr algn="l" fontAlgn="b"/>
+                      <a:r>
+                        <a:rPr lang="es-MX" sz="1100" u="none" strike="noStrike">
+                          <a:effectLst/>
+                        </a:rPr>
+                        <a:t>INADECUADA O INSUFICIENTE INFORMACION SOBRE OPERACIONES, PRODUCTOS Y/O SERVICIOS</a:t>
+                      </a:r>
+                      <a:endParaRPr lang="es-MX" sz="1100" b="0" i="0" u="none" strike="noStrike">
+                        <a:solidFill>
+                          <a:srgbClr val="000000"/>
+                        </a:solidFill>
+                        <a:effectLst/>
+                        <a:latin typeface="Calibri" panose="020F0502020204030204" pitchFamily="34" charset="0"/>
+                      </a:endParaRPr>
+                    </a:p>
+                  </a:txBody>
+                  <a:tcPr marL="7620" marR="7620" marT="7620" marB="0" anchor="b"/>
+                </a:tc>
+                <a:tc>
+                  <a:txBody>
+                    <a:bodyPr/>
+                    <a:lstStyle/>
+                    <a:p>
+                      <a:pPr algn="r" fontAlgn="b"/>
+                      <a:r>
+                        <a:rPr lang="es-PE" sz="1100" u="none" strike="noStrike">
+                          <a:effectLst/>
+                        </a:rPr>
+                        <a:t>4%</a:t>
+                      </a:r>
+                      <a:endParaRPr lang="es-PE" sz="1100" b="0" i="0" u="none" strike="noStrike">
+                        <a:solidFill>
+                          <a:srgbClr val="000000"/>
+                        </a:solidFill>
+                        <a:effectLst/>
+                        <a:latin typeface="Calibri" panose="020F0502020204030204" pitchFamily="34" charset="0"/>
+                      </a:endParaRPr>
+                    </a:p>
+                  </a:txBody>
+                  <a:tcPr marL="7620" marR="7620" marT="7620" marB="0" anchor="b"/>
+                </a:tc>
+                <a:extLst>
+                  <a:ext uri="{0D108BD9-81ED-4DB2-BD59-A6C34878D82A}">
+                    <a16:rowId xmlns:a16="http://schemas.microsoft.com/office/drawing/2014/main" val="154671832"/>
+                  </a:ext>
+                </a:extLst>
+              </a:tr>
+              <a:tr h="182880">
+                <a:tc>
+                  <a:txBody>
+                    <a:bodyPr/>
+                    <a:lstStyle/>
+                    <a:p>
+                      <a:pPr algn="l" fontAlgn="b"/>
+                      <a:r>
+                        <a:rPr lang="es-MX" sz="1100" u="none" strike="noStrike">
+                          <a:effectLst/>
+                        </a:rPr>
+                        <a:t>FALLAS DEL SISTEMA INFORMATICO QUE DIFICULTAN OPERACIONES Y SERVICIOS</a:t>
+                      </a:r>
+                      <a:endParaRPr lang="es-MX" sz="1100" b="0" i="0" u="none" strike="noStrike">
+                        <a:solidFill>
+                          <a:srgbClr val="000000"/>
+                        </a:solidFill>
+                        <a:effectLst/>
+                        <a:latin typeface="Calibri" panose="020F0502020204030204" pitchFamily="34" charset="0"/>
+                      </a:endParaRPr>
+                    </a:p>
+                  </a:txBody>
+                  <a:tcPr marL="7620" marR="7620" marT="7620" marB="0" anchor="b"/>
+                </a:tc>
+                <a:tc>
+                  <a:txBody>
+                    <a:bodyPr/>
+                    <a:lstStyle/>
+                    <a:p>
+                      <a:pPr algn="r" fontAlgn="b"/>
+                      <a:r>
+                        <a:rPr lang="es-PE" sz="1100" u="none" strike="noStrike">
+                          <a:effectLst/>
+                        </a:rPr>
+                        <a:t>3%</a:t>
+                      </a:r>
+                      <a:endParaRPr lang="es-PE" sz="1100" b="0" i="0" u="none" strike="noStrike">
+                        <a:solidFill>
+                          <a:srgbClr val="000000"/>
+                        </a:solidFill>
+                        <a:effectLst/>
+                        <a:latin typeface="Calibri" panose="020F0502020204030204" pitchFamily="34" charset="0"/>
+                      </a:endParaRPr>
+                    </a:p>
+                  </a:txBody>
+                  <a:tcPr marL="7620" marR="7620" marT="7620" marB="0" anchor="b"/>
+                </a:tc>
+                <a:extLst>
+                  <a:ext uri="{0D108BD9-81ED-4DB2-BD59-A6C34878D82A}">
+                    <a16:rowId xmlns:a16="http://schemas.microsoft.com/office/drawing/2014/main" val="1124097955"/>
+                  </a:ext>
+                </a:extLst>
+              </a:tr>
+              <a:tr h="182880">
+                <a:tc>
+                  <a:txBody>
+                    <a:bodyPr/>
+                    <a:lstStyle/>
+                    <a:p>
+                      <a:pPr algn="l" fontAlgn="b"/>
+                      <a:r>
+                        <a:rPr lang="es-PE" sz="1100" u="none" strike="noStrike">
+                          <a:effectLst/>
+                        </a:rPr>
+                        <a:t>OTRO</a:t>
+                      </a:r>
+                      <a:endParaRPr lang="es-PE" sz="1100" b="0" i="0" u="none" strike="noStrike">
+                        <a:solidFill>
+                          <a:srgbClr val="000000"/>
+                        </a:solidFill>
+                        <a:effectLst/>
+                        <a:latin typeface="Calibri" panose="020F0502020204030204" pitchFamily="34" charset="0"/>
+                      </a:endParaRPr>
+                    </a:p>
+                  </a:txBody>
+                  <a:tcPr marL="7620" marR="7620" marT="7620" marB="0" anchor="b"/>
+                </a:tc>
+                <a:tc>
+                  <a:txBody>
+                    <a:bodyPr/>
+                    <a:lstStyle/>
+                    <a:p>
+                      <a:pPr algn="r" fontAlgn="b"/>
+                      <a:r>
+                        <a:rPr lang="es-PE" sz="1100" u="none" strike="noStrike" dirty="0">
+                          <a:effectLst/>
+                        </a:rPr>
+                        <a:t>2%</a:t>
+                      </a:r>
+                      <a:endParaRPr lang="es-PE" sz="1100" b="0" i="0" u="none" strike="noStrike" dirty="0">
+                        <a:solidFill>
+                          <a:srgbClr val="000000"/>
+                        </a:solidFill>
+                        <a:effectLst/>
+                        <a:latin typeface="Calibri" panose="020F0502020204030204" pitchFamily="34" charset="0"/>
+                      </a:endParaRPr>
+                    </a:p>
+                  </a:txBody>
+                  <a:tcPr marL="7620" marR="7620" marT="7620" marB="0" anchor="b"/>
+                </a:tc>
+                <a:extLst>
+                  <a:ext uri="{0D108BD9-81ED-4DB2-BD59-A6C34878D82A}">
+                    <a16:rowId xmlns:a16="http://schemas.microsoft.com/office/drawing/2014/main" val="3459656269"/>
+                  </a:ext>
+                </a:extLst>
+              </a:tr>
+            </a:tbl>
+          </a:graphicData>
+        </a:graphic>
+      </p:graphicFrame>
+      <p:graphicFrame>
+        <p:nvGraphicFramePr>
+          <p:cNvPr id="6" name="Tabla 5">
+            <a:extLst>
+              <a:ext uri="{FF2B5EF4-FFF2-40B4-BE49-F238E27FC236}">
+                <a16:creationId xmlns:a16="http://schemas.microsoft.com/office/drawing/2014/main" id="{9B0B4ADF-C727-41BA-960E-3845D4E26651}"/>
+              </a:ext>
+            </a:extLst>
+          </p:cNvPr>
+          <p:cNvGraphicFramePr>
+            <a:graphicFrameLocks noGrp="1"/>
+          </p:cNvGraphicFramePr>
+          <p:nvPr>
+            <p:extLst>
+              <p:ext uri="{D42A27DB-BD31-4B8C-83A1-F6EECF244321}">
+                <p14:modId xmlns:p14="http://schemas.microsoft.com/office/powerpoint/2010/main" val="1889862850"/>
+              </p:ext>
+            </p:extLst>
+          </p:nvPr>
+        </p:nvGraphicFramePr>
+        <p:xfrm>
+          <a:off x="1456455" y="3827183"/>
+          <a:ext cx="4902200" cy="1280160"/>
+        </p:xfrm>
+        <a:graphic>
+          <a:graphicData uri="http://schemas.openxmlformats.org/drawingml/2006/table">
+            <a:tbl>
+              <a:tblPr>
+                <a:tableStyleId>{0E3FDE45-AF77-4B5C-9715-49D594BDF05E}</a:tableStyleId>
+              </a:tblPr>
+              <a:tblGrid>
+                <a:gridCol w="4089400">
+                  <a:extLst>
+                    <a:ext uri="{9D8B030D-6E8A-4147-A177-3AD203B41FA5}">
+                      <a16:colId xmlns:a16="http://schemas.microsoft.com/office/drawing/2014/main" val="3586003271"/>
+                    </a:ext>
+                  </a:extLst>
+                </a:gridCol>
+                <a:gridCol w="812800">
+                  <a:extLst>
+                    <a:ext uri="{9D8B030D-6E8A-4147-A177-3AD203B41FA5}">
+                      <a16:colId xmlns:a16="http://schemas.microsoft.com/office/drawing/2014/main" val="1912585468"/>
+                    </a:ext>
+                  </a:extLst>
+                </a:gridCol>
+              </a:tblGrid>
+              <a:tr h="182880">
+                <a:tc>
+                  <a:txBody>
+                    <a:bodyPr/>
+                    <a:lstStyle/>
+                    <a:p>
+                      <a:pPr algn="ctr" fontAlgn="t"/>
+                      <a:r>
+                        <a:rPr lang="es-PE" sz="1100" u="none" strike="noStrike">
+                          <a:effectLst/>
+                        </a:rPr>
+                        <a:t>SERVICIO</a:t>
+                      </a:r>
+                      <a:endParaRPr lang="es-PE" sz="1100" b="1" i="0" u="none" strike="noStrike">
+                        <a:solidFill>
+                          <a:srgbClr val="000000"/>
+                        </a:solidFill>
+                        <a:effectLst/>
+                        <a:latin typeface="Calibri" panose="020F0502020204030204" pitchFamily="34" charset="0"/>
+                      </a:endParaRPr>
+                    </a:p>
+                  </a:txBody>
+                  <a:tcPr marL="7620" marR="7620" marT="7620" marB="0"/>
+                </a:tc>
+                <a:tc>
+                  <a:txBody>
+                    <a:bodyPr/>
+                    <a:lstStyle/>
+                    <a:p>
+                      <a:pPr algn="ctr" fontAlgn="t"/>
+                      <a:r>
+                        <a:rPr lang="es-PE" sz="1100" u="none" strike="noStrike">
+                          <a:effectLst/>
+                        </a:rPr>
+                        <a:t>PORCENTAJE</a:t>
+                      </a:r>
+                      <a:endParaRPr lang="es-PE" sz="1100" b="1" i="0" u="none" strike="noStrike">
+                        <a:solidFill>
+                          <a:srgbClr val="000000"/>
+                        </a:solidFill>
+                        <a:effectLst/>
+                        <a:latin typeface="Calibri" panose="020F0502020204030204" pitchFamily="34" charset="0"/>
+                      </a:endParaRPr>
+                    </a:p>
+                  </a:txBody>
+                  <a:tcPr marL="7620" marR="7620" marT="7620" marB="0"/>
+                </a:tc>
+                <a:extLst>
+                  <a:ext uri="{0D108BD9-81ED-4DB2-BD59-A6C34878D82A}">
+                    <a16:rowId xmlns:a16="http://schemas.microsoft.com/office/drawing/2014/main" val="2035468127"/>
+                  </a:ext>
+                </a:extLst>
+              </a:tr>
+              <a:tr h="182880">
+                <a:tc>
+                  <a:txBody>
+                    <a:bodyPr/>
+                    <a:lstStyle/>
+                    <a:p>
+                      <a:pPr algn="l" fontAlgn="b"/>
+                      <a:r>
+                        <a:rPr lang="es-PE" sz="1100" u="none" strike="noStrike">
+                          <a:effectLst/>
+                        </a:rPr>
+                        <a:t>CUENTA DE AHORRO (DESTINADA A DEPÓSITO DE REMUNERACIONES)</a:t>
+                      </a:r>
+                      <a:endParaRPr lang="es-PE" sz="1100" b="0" i="0" u="none" strike="noStrike">
+                        <a:solidFill>
+                          <a:srgbClr val="000000"/>
+                        </a:solidFill>
+                        <a:effectLst/>
+                        <a:latin typeface="Calibri" panose="020F0502020204030204" pitchFamily="34" charset="0"/>
+                      </a:endParaRPr>
+                    </a:p>
+                  </a:txBody>
+                  <a:tcPr marL="7620" marR="7620" marT="7620" marB="0" anchor="b"/>
+                </a:tc>
+                <a:tc>
+                  <a:txBody>
+                    <a:bodyPr/>
+                    <a:lstStyle/>
+                    <a:p>
+                      <a:pPr algn="r" fontAlgn="b"/>
+                      <a:r>
+                        <a:rPr lang="es-PE" sz="1100" u="none" strike="noStrike">
+                          <a:effectLst/>
+                        </a:rPr>
+                        <a:t>60%</a:t>
+                      </a:r>
+                      <a:endParaRPr lang="es-PE" sz="1100" b="0" i="0" u="none" strike="noStrike">
+                        <a:solidFill>
+                          <a:srgbClr val="000000"/>
+                        </a:solidFill>
+                        <a:effectLst/>
+                        <a:latin typeface="Calibri" panose="020F0502020204030204" pitchFamily="34" charset="0"/>
+                      </a:endParaRPr>
+                    </a:p>
+                  </a:txBody>
+                  <a:tcPr marL="7620" marR="7620" marT="7620" marB="0" anchor="b"/>
+                </a:tc>
+                <a:extLst>
+                  <a:ext uri="{0D108BD9-81ED-4DB2-BD59-A6C34878D82A}">
+                    <a16:rowId xmlns:a16="http://schemas.microsoft.com/office/drawing/2014/main" val="2225495203"/>
+                  </a:ext>
+                </a:extLst>
+              </a:tr>
+              <a:tr h="182880">
+                <a:tc>
+                  <a:txBody>
+                    <a:bodyPr/>
+                    <a:lstStyle/>
+                    <a:p>
+                      <a:pPr algn="l" fontAlgn="b"/>
+                      <a:r>
+                        <a:rPr lang="es-PE" sz="1100" u="none" strike="noStrike">
+                          <a:effectLst/>
+                        </a:rPr>
+                        <a:t>TARJETA DE DEBITO - VISA</a:t>
+                      </a:r>
+                      <a:endParaRPr lang="es-PE" sz="1100" b="0" i="0" u="none" strike="noStrike">
+                        <a:solidFill>
+                          <a:srgbClr val="000000"/>
+                        </a:solidFill>
+                        <a:effectLst/>
+                        <a:latin typeface="Calibri" panose="020F0502020204030204" pitchFamily="34" charset="0"/>
+                      </a:endParaRPr>
+                    </a:p>
+                  </a:txBody>
+                  <a:tcPr marL="7620" marR="7620" marT="7620" marB="0" anchor="b"/>
+                </a:tc>
+                <a:tc>
+                  <a:txBody>
+                    <a:bodyPr/>
+                    <a:lstStyle/>
+                    <a:p>
+                      <a:pPr algn="r" fontAlgn="b"/>
+                      <a:r>
+                        <a:rPr lang="es-PE" sz="1100" u="none" strike="noStrike">
+                          <a:effectLst/>
+                        </a:rPr>
+                        <a:t>15%</a:t>
+                      </a:r>
+                      <a:endParaRPr lang="es-PE" sz="1100" b="0" i="0" u="none" strike="noStrike">
+                        <a:solidFill>
+                          <a:srgbClr val="000000"/>
+                        </a:solidFill>
+                        <a:effectLst/>
+                        <a:latin typeface="Calibri" panose="020F0502020204030204" pitchFamily="34" charset="0"/>
+                      </a:endParaRPr>
+                    </a:p>
+                  </a:txBody>
+                  <a:tcPr marL="7620" marR="7620" marT="7620" marB="0" anchor="b"/>
+                </a:tc>
+                <a:extLst>
+                  <a:ext uri="{0D108BD9-81ED-4DB2-BD59-A6C34878D82A}">
+                    <a16:rowId xmlns:a16="http://schemas.microsoft.com/office/drawing/2014/main" val="2074162046"/>
+                  </a:ext>
+                </a:extLst>
+              </a:tr>
+              <a:tr h="182880">
+                <a:tc>
+                  <a:txBody>
+                    <a:bodyPr/>
+                    <a:lstStyle/>
+                    <a:p>
+                      <a:pPr algn="l" fontAlgn="b"/>
+                      <a:r>
+                        <a:rPr lang="es-PE" sz="1100" u="none" strike="noStrike">
+                          <a:effectLst/>
+                        </a:rPr>
+                        <a:t>SERVICIOS VARIOS   </a:t>
+                      </a:r>
+                      <a:endParaRPr lang="es-PE" sz="1100" b="0" i="0" u="none" strike="noStrike">
+                        <a:solidFill>
+                          <a:srgbClr val="000000"/>
+                        </a:solidFill>
+                        <a:effectLst/>
+                        <a:latin typeface="Calibri" panose="020F0502020204030204" pitchFamily="34" charset="0"/>
+                      </a:endParaRPr>
+                    </a:p>
+                  </a:txBody>
+                  <a:tcPr marL="7620" marR="7620" marT="7620" marB="0" anchor="b"/>
+                </a:tc>
+                <a:tc>
+                  <a:txBody>
+                    <a:bodyPr/>
+                    <a:lstStyle/>
+                    <a:p>
+                      <a:pPr algn="r" fontAlgn="b"/>
+                      <a:r>
+                        <a:rPr lang="es-PE" sz="1100" u="none" strike="noStrike">
+                          <a:effectLst/>
+                        </a:rPr>
+                        <a:t>11%</a:t>
+                      </a:r>
+                      <a:endParaRPr lang="es-PE" sz="1100" b="0" i="0" u="none" strike="noStrike">
+                        <a:solidFill>
+                          <a:srgbClr val="000000"/>
+                        </a:solidFill>
+                        <a:effectLst/>
+                        <a:latin typeface="Calibri" panose="020F0502020204030204" pitchFamily="34" charset="0"/>
+                      </a:endParaRPr>
+                    </a:p>
+                  </a:txBody>
+                  <a:tcPr marL="7620" marR="7620" marT="7620" marB="0" anchor="b"/>
+                </a:tc>
+                <a:extLst>
+                  <a:ext uri="{0D108BD9-81ED-4DB2-BD59-A6C34878D82A}">
+                    <a16:rowId xmlns:a16="http://schemas.microsoft.com/office/drawing/2014/main" val="2328019924"/>
+                  </a:ext>
+                </a:extLst>
+              </a:tr>
+              <a:tr h="182880">
+                <a:tc>
+                  <a:txBody>
+                    <a:bodyPr/>
+                    <a:lstStyle/>
+                    <a:p>
+                      <a:pPr algn="l" fontAlgn="b"/>
+                      <a:r>
+                        <a:rPr lang="es-MX" sz="1100" u="none" strike="noStrike">
+                          <a:effectLst/>
+                        </a:rPr>
+                        <a:t>SERVICIO DE ATENCION AL USUARIO</a:t>
+                      </a:r>
+                      <a:endParaRPr lang="es-MX" sz="1100" b="0" i="0" u="none" strike="noStrike">
+                        <a:solidFill>
+                          <a:srgbClr val="000000"/>
+                        </a:solidFill>
+                        <a:effectLst/>
+                        <a:latin typeface="Calibri" panose="020F0502020204030204" pitchFamily="34" charset="0"/>
+                      </a:endParaRPr>
+                    </a:p>
+                  </a:txBody>
+                  <a:tcPr marL="7620" marR="7620" marT="7620" marB="0" anchor="b"/>
+                </a:tc>
+                <a:tc>
+                  <a:txBody>
+                    <a:bodyPr/>
+                    <a:lstStyle/>
+                    <a:p>
+                      <a:pPr algn="r" fontAlgn="b"/>
+                      <a:r>
+                        <a:rPr lang="es-PE" sz="1100" u="none" strike="noStrike">
+                          <a:effectLst/>
+                        </a:rPr>
+                        <a:t>9%</a:t>
+                      </a:r>
+                      <a:endParaRPr lang="es-PE" sz="1100" b="0" i="0" u="none" strike="noStrike">
+                        <a:solidFill>
+                          <a:srgbClr val="000000"/>
+                        </a:solidFill>
+                        <a:effectLst/>
+                        <a:latin typeface="Calibri" panose="020F0502020204030204" pitchFamily="34" charset="0"/>
+                      </a:endParaRPr>
+                    </a:p>
+                  </a:txBody>
+                  <a:tcPr marL="7620" marR="7620" marT="7620" marB="0" anchor="b"/>
+                </a:tc>
+                <a:extLst>
+                  <a:ext uri="{0D108BD9-81ED-4DB2-BD59-A6C34878D82A}">
+                    <a16:rowId xmlns:a16="http://schemas.microsoft.com/office/drawing/2014/main" val="1665448089"/>
+                  </a:ext>
+                </a:extLst>
+              </a:tr>
+              <a:tr h="182880">
+                <a:tc>
+                  <a:txBody>
+                    <a:bodyPr/>
+                    <a:lstStyle/>
+                    <a:p>
+                      <a:pPr algn="l" fontAlgn="b"/>
+                      <a:r>
+                        <a:rPr lang="es-PE" sz="1100" u="none" strike="noStrike">
+                          <a:effectLst/>
+                        </a:rPr>
+                        <a:t>OTRO</a:t>
+                      </a:r>
+                      <a:endParaRPr lang="es-PE" sz="1100" b="0" i="0" u="none" strike="noStrike">
+                        <a:solidFill>
+                          <a:srgbClr val="000000"/>
+                        </a:solidFill>
+                        <a:effectLst/>
+                        <a:latin typeface="Calibri" panose="020F0502020204030204" pitchFamily="34" charset="0"/>
+                      </a:endParaRPr>
+                    </a:p>
+                  </a:txBody>
+                  <a:tcPr marL="7620" marR="7620" marT="7620" marB="0" anchor="b"/>
+                </a:tc>
+                <a:tc>
+                  <a:txBody>
+                    <a:bodyPr/>
+                    <a:lstStyle/>
+                    <a:p>
+                      <a:pPr algn="r" fontAlgn="b"/>
+                      <a:r>
+                        <a:rPr lang="es-PE" sz="1100" u="none" strike="noStrike">
+                          <a:effectLst/>
+                        </a:rPr>
+                        <a:t>4%</a:t>
+                      </a:r>
+                      <a:endParaRPr lang="es-PE" sz="1100" b="0" i="0" u="none" strike="noStrike">
+                        <a:solidFill>
+                          <a:srgbClr val="000000"/>
+                        </a:solidFill>
+                        <a:effectLst/>
+                        <a:latin typeface="Calibri" panose="020F0502020204030204" pitchFamily="34" charset="0"/>
+                      </a:endParaRPr>
+                    </a:p>
+                  </a:txBody>
+                  <a:tcPr marL="7620" marR="7620" marT="7620" marB="0" anchor="b"/>
+                </a:tc>
+                <a:extLst>
+                  <a:ext uri="{0D108BD9-81ED-4DB2-BD59-A6C34878D82A}">
+                    <a16:rowId xmlns:a16="http://schemas.microsoft.com/office/drawing/2014/main" val="1743916491"/>
+                  </a:ext>
+                </a:extLst>
+              </a:tr>
+              <a:tr h="182880">
+                <a:tc>
+                  <a:txBody>
+                    <a:bodyPr/>
+                    <a:lstStyle/>
+                    <a:p>
+                      <a:pPr algn="l" fontAlgn="b"/>
+                      <a:r>
+                        <a:rPr lang="es-PE" sz="1100" u="none" strike="noStrike">
+                          <a:effectLst/>
+                        </a:rPr>
+                        <a:t>CREDITOS DE CONSUMO - PRESTAMOS MULTIRED</a:t>
+                      </a:r>
+                      <a:endParaRPr lang="es-PE" sz="1100" b="0" i="0" u="none" strike="noStrike">
+                        <a:solidFill>
+                          <a:srgbClr val="000000"/>
+                        </a:solidFill>
+                        <a:effectLst/>
+                        <a:latin typeface="Calibri" panose="020F0502020204030204" pitchFamily="34" charset="0"/>
+                      </a:endParaRPr>
+                    </a:p>
+                  </a:txBody>
+                  <a:tcPr marL="7620" marR="7620" marT="7620" marB="0" anchor="b"/>
+                </a:tc>
+                <a:tc>
+                  <a:txBody>
+                    <a:bodyPr/>
+                    <a:lstStyle/>
+                    <a:p>
+                      <a:pPr algn="r" fontAlgn="b"/>
+                      <a:r>
+                        <a:rPr lang="es-PE" sz="1100" u="none" strike="noStrike" dirty="0">
+                          <a:effectLst/>
+                        </a:rPr>
+                        <a:t>2%</a:t>
+                      </a:r>
+                      <a:endParaRPr lang="es-PE" sz="1100" b="0" i="0" u="none" strike="noStrike" dirty="0">
+                        <a:solidFill>
+                          <a:srgbClr val="000000"/>
+                        </a:solidFill>
+                        <a:effectLst/>
+                        <a:latin typeface="Calibri" panose="020F0502020204030204" pitchFamily="34" charset="0"/>
+                      </a:endParaRPr>
+                    </a:p>
+                  </a:txBody>
+                  <a:tcPr marL="7620" marR="7620" marT="7620" marB="0" anchor="b"/>
+                </a:tc>
+                <a:extLst>
+                  <a:ext uri="{0D108BD9-81ED-4DB2-BD59-A6C34878D82A}">
+                    <a16:rowId xmlns:a16="http://schemas.microsoft.com/office/drawing/2014/main" val="479579324"/>
+                  </a:ext>
+                </a:extLst>
+              </a:tr>
+            </a:tbl>
+          </a:graphicData>
+        </a:graphic>
+      </p:graphicFrame>
+      <p:graphicFrame>
+        <p:nvGraphicFramePr>
+          <p:cNvPr id="8" name="Tabla 7">
+            <a:extLst>
+              <a:ext uri="{FF2B5EF4-FFF2-40B4-BE49-F238E27FC236}">
+                <a16:creationId xmlns:a16="http://schemas.microsoft.com/office/drawing/2014/main" id="{3E82F6D1-22D9-4307-970A-D3974ECDE116}"/>
+              </a:ext>
+            </a:extLst>
+          </p:cNvPr>
+          <p:cNvGraphicFramePr>
+            <a:graphicFrameLocks noGrp="1"/>
+          </p:cNvGraphicFramePr>
+          <p:nvPr>
+            <p:extLst>
+              <p:ext uri="{D42A27DB-BD31-4B8C-83A1-F6EECF244321}">
+                <p14:modId xmlns:p14="http://schemas.microsoft.com/office/powerpoint/2010/main" val="3191371238"/>
+              </p:ext>
+            </p:extLst>
+          </p:nvPr>
+        </p:nvGraphicFramePr>
+        <p:xfrm>
+          <a:off x="7379348" y="3291373"/>
+          <a:ext cx="4076700" cy="1280160"/>
+        </p:xfrm>
+        <a:graphic>
+          <a:graphicData uri="http://schemas.openxmlformats.org/drawingml/2006/table">
+            <a:tbl>
+              <a:tblPr>
+                <a:tableStyleId>{68D230F3-CF80-4859-8CE7-A43EE81993B5}</a:tableStyleId>
+              </a:tblPr>
+              <a:tblGrid>
+                <a:gridCol w="3263900">
+                  <a:extLst>
+                    <a:ext uri="{9D8B030D-6E8A-4147-A177-3AD203B41FA5}">
+                      <a16:colId xmlns:a16="http://schemas.microsoft.com/office/drawing/2014/main" val="972810744"/>
+                    </a:ext>
+                  </a:extLst>
+                </a:gridCol>
+                <a:gridCol w="812800">
+                  <a:extLst>
+                    <a:ext uri="{9D8B030D-6E8A-4147-A177-3AD203B41FA5}">
+                      <a16:colId xmlns:a16="http://schemas.microsoft.com/office/drawing/2014/main" val="3153578711"/>
+                    </a:ext>
+                  </a:extLst>
+                </a:gridCol>
+              </a:tblGrid>
+              <a:tr h="182880">
+                <a:tc>
+                  <a:txBody>
+                    <a:bodyPr/>
+                    <a:lstStyle/>
+                    <a:p>
+                      <a:pPr algn="ctr" fontAlgn="t"/>
+                      <a:r>
+                        <a:rPr lang="es-PE" sz="1100" u="none" strike="noStrike" dirty="0">
+                          <a:effectLst/>
+                        </a:rPr>
+                        <a:t>CANAL DE INCIDENCIA</a:t>
+                      </a:r>
+                      <a:endParaRPr lang="es-PE" sz="1100" b="1" i="0" u="none" strike="noStrike" dirty="0">
+                        <a:solidFill>
+                          <a:srgbClr val="000000"/>
+                        </a:solidFill>
+                        <a:effectLst/>
+                        <a:latin typeface="Calibri" panose="020F0502020204030204" pitchFamily="34" charset="0"/>
+                      </a:endParaRPr>
+                    </a:p>
+                  </a:txBody>
+                  <a:tcPr marL="7620" marR="7620" marT="7620" marB="0"/>
+                </a:tc>
+                <a:tc>
+                  <a:txBody>
+                    <a:bodyPr/>
+                    <a:lstStyle/>
+                    <a:p>
+                      <a:pPr algn="ctr" fontAlgn="t"/>
+                      <a:r>
+                        <a:rPr lang="es-PE" sz="1100" u="none" strike="noStrike">
+                          <a:effectLst/>
+                        </a:rPr>
+                        <a:t>PORCENTAJE</a:t>
+                      </a:r>
+                      <a:endParaRPr lang="es-PE" sz="1100" b="1" i="0" u="none" strike="noStrike">
+                        <a:solidFill>
+                          <a:srgbClr val="000000"/>
+                        </a:solidFill>
+                        <a:effectLst/>
+                        <a:latin typeface="Calibri" panose="020F0502020204030204" pitchFamily="34" charset="0"/>
+                      </a:endParaRPr>
+                    </a:p>
+                  </a:txBody>
+                  <a:tcPr marL="7620" marR="7620" marT="7620" marB="0"/>
+                </a:tc>
+                <a:extLst>
+                  <a:ext uri="{0D108BD9-81ED-4DB2-BD59-A6C34878D82A}">
+                    <a16:rowId xmlns:a16="http://schemas.microsoft.com/office/drawing/2014/main" val="3725271226"/>
+                  </a:ext>
+                </a:extLst>
+              </a:tr>
+              <a:tr h="182880">
+                <a:tc>
+                  <a:txBody>
+                    <a:bodyPr/>
+                    <a:lstStyle/>
+                    <a:p>
+                      <a:pPr algn="l" fontAlgn="b"/>
+                      <a:r>
+                        <a:rPr lang="es-PE" sz="1100" u="none" strike="noStrike">
+                          <a:effectLst/>
+                        </a:rPr>
+                        <a:t>PÁGINA WEB BN</a:t>
+                      </a:r>
+                      <a:endParaRPr lang="es-PE" sz="1100" b="0" i="0" u="none" strike="noStrike">
+                        <a:solidFill>
+                          <a:srgbClr val="000000"/>
+                        </a:solidFill>
+                        <a:effectLst/>
+                        <a:latin typeface="Calibri" panose="020F0502020204030204" pitchFamily="34" charset="0"/>
+                      </a:endParaRPr>
+                    </a:p>
+                  </a:txBody>
+                  <a:tcPr marL="7620" marR="7620" marT="7620" marB="0" anchor="b"/>
+                </a:tc>
+                <a:tc>
+                  <a:txBody>
+                    <a:bodyPr/>
+                    <a:lstStyle/>
+                    <a:p>
+                      <a:pPr algn="r" fontAlgn="b"/>
+                      <a:r>
+                        <a:rPr lang="es-PE" sz="1100" u="none" strike="noStrike">
+                          <a:effectLst/>
+                        </a:rPr>
+                        <a:t>51%</a:t>
+                      </a:r>
+                      <a:endParaRPr lang="es-PE" sz="1100" b="0" i="0" u="none" strike="noStrike">
+                        <a:solidFill>
+                          <a:srgbClr val="000000"/>
+                        </a:solidFill>
+                        <a:effectLst/>
+                        <a:latin typeface="Calibri" panose="020F0502020204030204" pitchFamily="34" charset="0"/>
+                      </a:endParaRPr>
+                    </a:p>
+                  </a:txBody>
+                  <a:tcPr marL="7620" marR="7620" marT="7620" marB="0" anchor="b"/>
+                </a:tc>
+                <a:extLst>
+                  <a:ext uri="{0D108BD9-81ED-4DB2-BD59-A6C34878D82A}">
+                    <a16:rowId xmlns:a16="http://schemas.microsoft.com/office/drawing/2014/main" val="1207810642"/>
+                  </a:ext>
+                </a:extLst>
+              </a:tr>
+              <a:tr h="182880">
+                <a:tc>
+                  <a:txBody>
+                    <a:bodyPr/>
+                    <a:lstStyle/>
+                    <a:p>
+                      <a:pPr algn="l" fontAlgn="b"/>
+                      <a:r>
+                        <a:rPr lang="es-PE" sz="1100" u="none" strike="noStrike">
+                          <a:effectLst/>
+                        </a:rPr>
+                        <a:t>AGENCIA BN</a:t>
+                      </a:r>
+                      <a:endParaRPr lang="es-PE" sz="1100" b="0" i="0" u="none" strike="noStrike">
+                        <a:solidFill>
+                          <a:srgbClr val="000000"/>
+                        </a:solidFill>
+                        <a:effectLst/>
+                        <a:latin typeface="Calibri" panose="020F0502020204030204" pitchFamily="34" charset="0"/>
+                      </a:endParaRPr>
+                    </a:p>
+                  </a:txBody>
+                  <a:tcPr marL="7620" marR="7620" marT="7620" marB="0" anchor="b"/>
+                </a:tc>
+                <a:tc>
+                  <a:txBody>
+                    <a:bodyPr/>
+                    <a:lstStyle/>
+                    <a:p>
+                      <a:pPr algn="r" fontAlgn="b"/>
+                      <a:r>
+                        <a:rPr lang="es-PE" sz="1100" u="none" strike="noStrike">
+                          <a:effectLst/>
+                        </a:rPr>
+                        <a:t>32%</a:t>
+                      </a:r>
+                      <a:endParaRPr lang="es-PE" sz="1100" b="0" i="0" u="none" strike="noStrike">
+                        <a:solidFill>
+                          <a:srgbClr val="000000"/>
+                        </a:solidFill>
+                        <a:effectLst/>
+                        <a:latin typeface="Calibri" panose="020F0502020204030204" pitchFamily="34" charset="0"/>
+                      </a:endParaRPr>
+                    </a:p>
+                  </a:txBody>
+                  <a:tcPr marL="7620" marR="7620" marT="7620" marB="0" anchor="b"/>
+                </a:tc>
+                <a:extLst>
+                  <a:ext uri="{0D108BD9-81ED-4DB2-BD59-A6C34878D82A}">
+                    <a16:rowId xmlns:a16="http://schemas.microsoft.com/office/drawing/2014/main" val="896065405"/>
+                  </a:ext>
+                </a:extLst>
+              </a:tr>
+              <a:tr h="182880">
+                <a:tc>
+                  <a:txBody>
+                    <a:bodyPr/>
+                    <a:lstStyle/>
+                    <a:p>
+                      <a:pPr algn="l" fontAlgn="b"/>
+                      <a:r>
+                        <a:rPr lang="es-PE" sz="1100" u="none" strike="noStrike">
+                          <a:effectLst/>
+                        </a:rPr>
+                        <a:t>MESA DE AYUDA (TELEFÓNO)</a:t>
+                      </a:r>
+                      <a:endParaRPr lang="es-PE" sz="1100" b="0" i="0" u="none" strike="noStrike">
+                        <a:solidFill>
+                          <a:srgbClr val="000000"/>
+                        </a:solidFill>
+                        <a:effectLst/>
+                        <a:latin typeface="Calibri" panose="020F0502020204030204" pitchFamily="34" charset="0"/>
+                      </a:endParaRPr>
+                    </a:p>
+                  </a:txBody>
+                  <a:tcPr marL="7620" marR="7620" marT="7620" marB="0" anchor="b"/>
+                </a:tc>
+                <a:tc>
+                  <a:txBody>
+                    <a:bodyPr/>
+                    <a:lstStyle/>
+                    <a:p>
+                      <a:pPr algn="r" fontAlgn="b"/>
+                      <a:r>
+                        <a:rPr lang="es-PE" sz="1100" u="none" strike="noStrike">
+                          <a:effectLst/>
+                        </a:rPr>
+                        <a:t>15%</a:t>
+                      </a:r>
+                      <a:endParaRPr lang="es-PE" sz="1100" b="0" i="0" u="none" strike="noStrike">
+                        <a:solidFill>
+                          <a:srgbClr val="000000"/>
+                        </a:solidFill>
+                        <a:effectLst/>
+                        <a:latin typeface="Calibri" panose="020F0502020204030204" pitchFamily="34" charset="0"/>
+                      </a:endParaRPr>
+                    </a:p>
+                  </a:txBody>
+                  <a:tcPr marL="7620" marR="7620" marT="7620" marB="0" anchor="b"/>
+                </a:tc>
+                <a:extLst>
+                  <a:ext uri="{0D108BD9-81ED-4DB2-BD59-A6C34878D82A}">
+                    <a16:rowId xmlns:a16="http://schemas.microsoft.com/office/drawing/2014/main" val="4067135591"/>
+                  </a:ext>
+                </a:extLst>
+              </a:tr>
+              <a:tr h="182880">
+                <a:tc>
+                  <a:txBody>
+                    <a:bodyPr/>
+                    <a:lstStyle/>
+                    <a:p>
+                      <a:pPr algn="l" fontAlgn="b"/>
+                      <a:r>
+                        <a:rPr lang="es-PE" sz="1100" u="none" strike="noStrike">
+                          <a:effectLst/>
+                        </a:rPr>
+                        <a:t>MESA DE PARTES DE LA OF. PRINCIPAL</a:t>
+                      </a:r>
+                      <a:endParaRPr lang="es-PE" sz="1100" b="0" i="0" u="none" strike="noStrike">
+                        <a:solidFill>
+                          <a:srgbClr val="000000"/>
+                        </a:solidFill>
+                        <a:effectLst/>
+                        <a:latin typeface="Calibri" panose="020F0502020204030204" pitchFamily="34" charset="0"/>
+                      </a:endParaRPr>
+                    </a:p>
+                  </a:txBody>
+                  <a:tcPr marL="7620" marR="7620" marT="7620" marB="0" anchor="b"/>
+                </a:tc>
+                <a:tc>
+                  <a:txBody>
+                    <a:bodyPr/>
+                    <a:lstStyle/>
+                    <a:p>
+                      <a:pPr algn="r" fontAlgn="b"/>
+                      <a:r>
+                        <a:rPr lang="es-PE" sz="1100" u="none" strike="noStrike">
+                          <a:effectLst/>
+                        </a:rPr>
+                        <a:t>2%</a:t>
+                      </a:r>
+                      <a:endParaRPr lang="es-PE" sz="1100" b="0" i="0" u="none" strike="noStrike">
+                        <a:solidFill>
+                          <a:srgbClr val="000000"/>
+                        </a:solidFill>
+                        <a:effectLst/>
+                        <a:latin typeface="Calibri" panose="020F0502020204030204" pitchFamily="34" charset="0"/>
+                      </a:endParaRPr>
+                    </a:p>
+                  </a:txBody>
+                  <a:tcPr marL="7620" marR="7620" marT="7620" marB="0" anchor="b"/>
+                </a:tc>
+                <a:extLst>
+                  <a:ext uri="{0D108BD9-81ED-4DB2-BD59-A6C34878D82A}">
+                    <a16:rowId xmlns:a16="http://schemas.microsoft.com/office/drawing/2014/main" val="3526781770"/>
+                  </a:ext>
+                </a:extLst>
+              </a:tr>
+              <a:tr h="182880">
+                <a:tc>
+                  <a:txBody>
+                    <a:bodyPr/>
+                    <a:lstStyle/>
+                    <a:p>
+                      <a:pPr algn="l" fontAlgn="b"/>
+                      <a:r>
+                        <a:rPr lang="es-PE" sz="1100" u="none" strike="noStrike">
+                          <a:effectLst/>
+                        </a:rPr>
+                        <a:t>ÁREAS OPERATIVAS DE LA OFICINA PRINCIPAL</a:t>
+                      </a:r>
+                      <a:endParaRPr lang="es-PE" sz="1100" b="0" i="0" u="none" strike="noStrike">
+                        <a:solidFill>
+                          <a:srgbClr val="000000"/>
+                        </a:solidFill>
+                        <a:effectLst/>
+                        <a:latin typeface="Calibri" panose="020F0502020204030204" pitchFamily="34" charset="0"/>
+                      </a:endParaRPr>
+                    </a:p>
+                  </a:txBody>
+                  <a:tcPr marL="7620" marR="7620" marT="7620" marB="0" anchor="b"/>
+                </a:tc>
+                <a:tc>
+                  <a:txBody>
+                    <a:bodyPr/>
+                    <a:lstStyle/>
+                    <a:p>
+                      <a:pPr algn="r" fontAlgn="b"/>
+                      <a:r>
+                        <a:rPr lang="es-PE" sz="1100" u="none" strike="noStrike">
+                          <a:effectLst/>
+                        </a:rPr>
+                        <a:t>0%</a:t>
+                      </a:r>
+                      <a:endParaRPr lang="es-PE" sz="1100" b="0" i="0" u="none" strike="noStrike">
+                        <a:solidFill>
+                          <a:srgbClr val="000000"/>
+                        </a:solidFill>
+                        <a:effectLst/>
+                        <a:latin typeface="Calibri" panose="020F0502020204030204" pitchFamily="34" charset="0"/>
+                      </a:endParaRPr>
+                    </a:p>
+                  </a:txBody>
+                  <a:tcPr marL="7620" marR="7620" marT="7620" marB="0" anchor="b"/>
+                </a:tc>
+                <a:extLst>
+                  <a:ext uri="{0D108BD9-81ED-4DB2-BD59-A6C34878D82A}">
+                    <a16:rowId xmlns:a16="http://schemas.microsoft.com/office/drawing/2014/main" val="1847337748"/>
+                  </a:ext>
+                </a:extLst>
+              </a:tr>
+              <a:tr h="182880">
+                <a:tc>
+                  <a:txBody>
+                    <a:bodyPr/>
+                    <a:lstStyle/>
+                    <a:p>
+                      <a:pPr algn="l" fontAlgn="b"/>
+                      <a:r>
+                        <a:rPr lang="es-MX" sz="1100" u="none" strike="noStrike">
+                          <a:effectLst/>
+                        </a:rPr>
+                        <a:t>ORGANISMOS EXTERNOS (SBS,INDECOPI,SUNAT,OTROS)</a:t>
+                      </a:r>
+                      <a:endParaRPr lang="es-MX" sz="1100" b="0" i="0" u="none" strike="noStrike">
+                        <a:solidFill>
+                          <a:srgbClr val="000000"/>
+                        </a:solidFill>
+                        <a:effectLst/>
+                        <a:latin typeface="Calibri" panose="020F0502020204030204" pitchFamily="34" charset="0"/>
+                      </a:endParaRPr>
+                    </a:p>
+                  </a:txBody>
+                  <a:tcPr marL="7620" marR="7620" marT="7620" marB="0" anchor="b"/>
+                </a:tc>
+                <a:tc>
+                  <a:txBody>
+                    <a:bodyPr/>
+                    <a:lstStyle/>
+                    <a:p>
+                      <a:pPr algn="r" fontAlgn="b"/>
+                      <a:r>
+                        <a:rPr lang="es-PE" sz="1100" u="none" strike="noStrike" dirty="0">
+                          <a:effectLst/>
+                        </a:rPr>
+                        <a:t>0%</a:t>
+                      </a:r>
+                      <a:endParaRPr lang="es-PE" sz="1100" b="0" i="0" u="none" strike="noStrike" dirty="0">
+                        <a:solidFill>
+                          <a:srgbClr val="000000"/>
+                        </a:solidFill>
+                        <a:effectLst/>
+                        <a:latin typeface="Calibri" panose="020F0502020204030204" pitchFamily="34" charset="0"/>
+                      </a:endParaRPr>
+                    </a:p>
+                  </a:txBody>
+                  <a:tcPr marL="7620" marR="7620" marT="7620" marB="0" anchor="b"/>
+                </a:tc>
+                <a:extLst>
+                  <a:ext uri="{0D108BD9-81ED-4DB2-BD59-A6C34878D82A}">
+                    <a16:rowId xmlns:a16="http://schemas.microsoft.com/office/drawing/2014/main" val="3682904929"/>
+                  </a:ext>
+                </a:extLst>
+              </a:tr>
+            </a:tbl>
+          </a:graphicData>
+        </a:graphic>
+      </p:graphicFrame>
+    </p:spTree>
+    <p:extLst>
+      <p:ext uri="{BB962C8B-B14F-4D97-AF65-F5344CB8AC3E}">
+        <p14:creationId xmlns:p14="http://schemas.microsoft.com/office/powerpoint/2010/main" val="3105899673"/>
+      </p:ext>
+    </p:extLst>
+  </p:cSld>
+  <p:clrMapOvr>
+    <a:masterClrMapping/>
+  </p:clrMapOvr>
+</p:sld>
+</file>
+
 <file path=ppt/theme/theme1.xml><?xml version="1.0" encoding="utf-8"?>
 <a:theme xmlns:a="http://schemas.openxmlformats.org/drawingml/2006/main" name="TEMA_PPT_PRUEBA">
   <a:themeElements>

--- a/BancoNacion/documentos/Reclamos.pptx
+++ b/BancoNacion/documentos/Reclamos.pptx
@@ -5,15 +5,20 @@
     <p:sldMasterId id="2147483660" r:id="rId1"/>
   </p:sldMasterIdLst>
   <p:notesMasterIdLst>
-    <p:notesMasterId r:id="rId8"/>
+    <p:notesMasterId r:id="rId13"/>
   </p:notesMasterIdLst>
   <p:sldIdLst>
     <p:sldId id="371" r:id="rId2"/>
     <p:sldId id="373" r:id="rId3"/>
     <p:sldId id="374" r:id="rId4"/>
     <p:sldId id="375" r:id="rId5"/>
-    <p:sldId id="377" r:id="rId6"/>
-    <p:sldId id="378" r:id="rId7"/>
+    <p:sldId id="378" r:id="rId6"/>
+    <p:sldId id="382" r:id="rId7"/>
+    <p:sldId id="383" r:id="rId8"/>
+    <p:sldId id="379" r:id="rId9"/>
+    <p:sldId id="384" r:id="rId10"/>
+    <p:sldId id="377" r:id="rId11"/>
+    <p:sldId id="381" r:id="rId12"/>
   </p:sldIdLst>
   <p:sldSz cx="12192000" cy="6858000"/>
   <p:notesSz cx="6858000" cy="9144000"/>
@@ -124,8 +129,8 @@
 <pc:chgInfo xmlns:a="http://schemas.openxmlformats.org/drawingml/2006/main" xmlns:r="http://schemas.openxmlformats.org/officeDocument/2006/relationships" xmlns:ac="http://schemas.microsoft.com/office/drawing/2013/main/command" xmlns:pc="http://schemas.microsoft.com/office/powerpoint/2013/main/command">
   <pc:docChgLst>
     <pc:chgData name="John K. Barrera" userId="ff20ac3aac775278" providerId="LiveId" clId="{D2B16D9E-8DC3-4D4C-927D-0F5AA29F5383}"/>
-    <pc:docChg chg="undo custSel addSld delSld modSld">
-      <pc:chgData name="John K. Barrera" userId="ff20ac3aac775278" providerId="LiveId" clId="{D2B16D9E-8DC3-4D4C-927D-0F5AA29F5383}" dt="2022-02-22T18:28:10.675" v="3401" actId="12385"/>
+    <pc:docChg chg="undo redo custSel addSld delSld modSld sldOrd">
+      <pc:chgData name="John K. Barrera" userId="ff20ac3aac775278" providerId="LiveId" clId="{D2B16D9E-8DC3-4D4C-927D-0F5AA29F5383}" dt="2022-03-02T03:07:38.751" v="5021" actId="20578"/>
       <pc:docMkLst>
         <pc:docMk/>
       </pc:docMkLst>
@@ -145,7 +150,7 @@
         </pc:spChg>
       </pc:sldChg>
       <pc:sldChg chg="addSp delSp modSp add del mod">
-        <pc:chgData name="John K. Barrera" userId="ff20ac3aac775278" providerId="LiveId" clId="{D2B16D9E-8DC3-4D4C-927D-0F5AA29F5383}" dt="2022-02-16T01:34:02.064" v="1103" actId="14100"/>
+        <pc:chgData name="John K. Barrera" userId="ff20ac3aac775278" providerId="LiveId" clId="{D2B16D9E-8DC3-4D4C-927D-0F5AA29F5383}" dt="2022-03-02T03:07:26.095" v="5009" actId="47"/>
         <pc:sldMkLst>
           <pc:docMk/>
           <pc:sldMk cId="727295871" sldId="373"/>
@@ -359,8 +364,8 @@
           </ac:cxnSpMkLst>
         </pc:cxnChg>
       </pc:sldChg>
-      <pc:sldChg chg="modSp add mod">
-        <pc:chgData name="John K. Barrera" userId="ff20ac3aac775278" providerId="LiveId" clId="{D2B16D9E-8DC3-4D4C-927D-0F5AA29F5383}" dt="2022-02-16T01:35:18.358" v="1262" actId="20577"/>
+      <pc:sldChg chg="modSp add del mod">
+        <pc:chgData name="John K. Barrera" userId="ff20ac3aac775278" providerId="LiveId" clId="{D2B16D9E-8DC3-4D4C-927D-0F5AA29F5383}" dt="2022-03-02T03:07:26.043" v="5008" actId="47"/>
         <pc:sldMkLst>
           <pc:docMk/>
           <pc:sldMk cId="1743830554" sldId="374"/>
@@ -374,8 +379,8 @@
           </ac:spMkLst>
         </pc:spChg>
       </pc:sldChg>
-      <pc:sldChg chg="addSp delSp modSp add mod">
-        <pc:chgData name="John K. Barrera" userId="ff20ac3aac775278" providerId="LiveId" clId="{D2B16D9E-8DC3-4D4C-927D-0F5AA29F5383}" dt="2022-02-22T18:06:22.035" v="3375" actId="1036"/>
+      <pc:sldChg chg="addSp delSp modSp add del mod">
+        <pc:chgData name="John K. Barrera" userId="ff20ac3aac775278" providerId="LiveId" clId="{D2B16D9E-8DC3-4D4C-927D-0F5AA29F5383}" dt="2022-03-02T03:07:26.006" v="5007" actId="47"/>
         <pc:sldMkLst>
           <pc:docMk/>
           <pc:sldMk cId="3203440581" sldId="375"/>
@@ -700,8 +705,8 @@
           </ac:cxnSpMkLst>
         </pc:cxnChg>
       </pc:sldChg>
-      <pc:sldChg chg="addSp delSp modSp add mod">
-        <pc:chgData name="John K. Barrera" userId="ff20ac3aac775278" providerId="LiveId" clId="{D2B16D9E-8DC3-4D4C-927D-0F5AA29F5383}" dt="2022-02-22T18:06:49.447" v="3376" actId="6549"/>
+      <pc:sldChg chg="addSp delSp modSp add del mod ord">
+        <pc:chgData name="John K. Barrera" userId="ff20ac3aac775278" providerId="LiveId" clId="{D2B16D9E-8DC3-4D4C-927D-0F5AA29F5383}" dt="2022-03-02T03:07:38.751" v="5021" actId="20578"/>
         <pc:sldMkLst>
           <pc:docMk/>
           <pc:sldMk cId="470657544" sldId="377"/>
@@ -827,8 +832,8 @@
           </ac:picMkLst>
         </pc:picChg>
       </pc:sldChg>
-      <pc:sldChg chg="addSp delSp modSp add mod">
-        <pc:chgData name="John K. Barrera" userId="ff20ac3aac775278" providerId="LiveId" clId="{D2B16D9E-8DC3-4D4C-927D-0F5AA29F5383}" dt="2022-02-22T18:28:10.675" v="3401" actId="12385"/>
+      <pc:sldChg chg="addSp delSp modSp add del mod">
+        <pc:chgData name="John K. Barrera" userId="ff20ac3aac775278" providerId="LiveId" clId="{D2B16D9E-8DC3-4D4C-927D-0F5AA29F5383}" dt="2022-03-02T03:07:25.976" v="5006" actId="47"/>
         <pc:sldMkLst>
           <pc:docMk/>
           <pc:sldMk cId="3105899673" sldId="378"/>
@@ -930,11 +935,427 @@
           </ac:picMkLst>
         </pc:picChg>
       </pc:sldChg>
+      <pc:sldChg chg="delSp modSp add del mod">
+        <pc:chgData name="John K. Barrera" userId="ff20ac3aac775278" providerId="LiveId" clId="{D2B16D9E-8DC3-4D4C-927D-0F5AA29F5383}" dt="2022-03-02T03:07:25.952" v="5005" actId="47"/>
+        <pc:sldMkLst>
+          <pc:docMk/>
+          <pc:sldMk cId="2340975762" sldId="379"/>
+        </pc:sldMkLst>
+        <pc:spChg chg="mod">
+          <ac:chgData name="John K. Barrera" userId="ff20ac3aac775278" providerId="LiveId" clId="{D2B16D9E-8DC3-4D4C-927D-0F5AA29F5383}" dt="2022-03-02T02:05:29.866" v="4380" actId="313"/>
+          <ac:spMkLst>
+            <pc:docMk/>
+            <pc:sldMk cId="2340975762" sldId="379"/>
+            <ac:spMk id="5" creationId="{48D2A9BD-EBF3-4CF7-A61E-49631D4D1DBB}"/>
+          </ac:spMkLst>
+        </pc:spChg>
+        <pc:graphicFrameChg chg="del mod">
+          <ac:chgData name="John K. Barrera" userId="ff20ac3aac775278" providerId="LiveId" clId="{D2B16D9E-8DC3-4D4C-927D-0F5AA29F5383}" dt="2022-03-02T02:06:08.335" v="4393" actId="478"/>
+          <ac:graphicFrameMkLst>
+            <pc:docMk/>
+            <pc:sldMk cId="2340975762" sldId="379"/>
+            <ac:graphicFrameMk id="2" creationId="{B11E51BD-1BF9-4790-A47A-698303BB48E1}"/>
+          </ac:graphicFrameMkLst>
+        </pc:graphicFrameChg>
+        <pc:graphicFrameChg chg="del">
+          <ac:chgData name="John K. Barrera" userId="ff20ac3aac775278" providerId="LiveId" clId="{D2B16D9E-8DC3-4D4C-927D-0F5AA29F5383}" dt="2022-03-02T02:06:08.335" v="4393" actId="478"/>
+          <ac:graphicFrameMkLst>
+            <pc:docMk/>
+            <pc:sldMk cId="2340975762" sldId="379"/>
+            <ac:graphicFrameMk id="6" creationId="{9B0B4ADF-C727-41BA-960E-3845D4E26651}"/>
+          </ac:graphicFrameMkLst>
+        </pc:graphicFrameChg>
+        <pc:graphicFrameChg chg="del">
+          <ac:chgData name="John K. Barrera" userId="ff20ac3aac775278" providerId="LiveId" clId="{D2B16D9E-8DC3-4D4C-927D-0F5AA29F5383}" dt="2022-03-02T02:06:08.335" v="4393" actId="478"/>
+          <ac:graphicFrameMkLst>
+            <pc:docMk/>
+            <pc:sldMk cId="2340975762" sldId="379"/>
+            <ac:graphicFrameMk id="8" creationId="{3E82F6D1-22D9-4307-970A-D3974ECDE116}"/>
+          </ac:graphicFrameMkLst>
+        </pc:graphicFrameChg>
+      </pc:sldChg>
       <pc:sldChg chg="add del">
         <pc:chgData name="John K. Barrera" userId="ff20ac3aac775278" providerId="LiveId" clId="{D2B16D9E-8DC3-4D4C-927D-0F5AA29F5383}" dt="2022-02-22T18:20:24.515" v="3380"/>
         <pc:sldMkLst>
           <pc:docMk/>
           <pc:sldMk cId="4021282513" sldId="379"/>
+        </pc:sldMkLst>
+      </pc:sldChg>
+      <pc:sldChg chg="addSp delSp modSp add del mod ord">
+        <pc:chgData name="John K. Barrera" userId="ff20ac3aac775278" providerId="LiveId" clId="{D2B16D9E-8DC3-4D4C-927D-0F5AA29F5383}" dt="2022-03-02T01:43:49.301" v="4303" actId="47"/>
+        <pc:sldMkLst>
+          <pc:docMk/>
+          <pc:sldMk cId="3892891888" sldId="380"/>
+        </pc:sldMkLst>
+        <pc:spChg chg="mod">
+          <ac:chgData name="John K. Barrera" userId="ff20ac3aac775278" providerId="LiveId" clId="{D2B16D9E-8DC3-4D4C-927D-0F5AA29F5383}" dt="2022-03-02T01:29:51.347" v="3480"/>
+          <ac:spMkLst>
+            <pc:docMk/>
+            <pc:sldMk cId="3892891888" sldId="380"/>
+            <ac:spMk id="5" creationId="{48D2A9BD-EBF3-4CF7-A61E-49631D4D1DBB}"/>
+          </ac:spMkLst>
+        </pc:spChg>
+        <pc:spChg chg="mod">
+          <ac:chgData name="John K. Barrera" userId="ff20ac3aac775278" providerId="LiveId" clId="{D2B16D9E-8DC3-4D4C-927D-0F5AA29F5383}" dt="2022-03-02T01:32:59.089" v="3775" actId="313"/>
+          <ac:spMkLst>
+            <pc:docMk/>
+            <pc:sldMk cId="3892891888" sldId="380"/>
+            <ac:spMk id="12" creationId="{002F249E-01CD-4A15-802F-2FC4DE855BEF}"/>
+          </ac:spMkLst>
+        </pc:spChg>
+        <pc:spChg chg="mod">
+          <ac:chgData name="John K. Barrera" userId="ff20ac3aac775278" providerId="LiveId" clId="{D2B16D9E-8DC3-4D4C-927D-0F5AA29F5383}" dt="2022-03-02T01:32:23.009" v="3734" actId="1076"/>
+          <ac:spMkLst>
+            <pc:docMk/>
+            <pc:sldMk cId="3892891888" sldId="380"/>
+            <ac:spMk id="22" creationId="{C89DB2A0-1EF6-4E1F-8C52-F1B20078FA77}"/>
+          </ac:spMkLst>
+        </pc:spChg>
+        <pc:spChg chg="mod">
+          <ac:chgData name="John K. Barrera" userId="ff20ac3aac775278" providerId="LiveId" clId="{D2B16D9E-8DC3-4D4C-927D-0F5AA29F5383}" dt="2022-03-02T01:32:30.852" v="3736" actId="1076"/>
+          <ac:spMkLst>
+            <pc:docMk/>
+            <pc:sldMk cId="3892891888" sldId="380"/>
+            <ac:spMk id="28" creationId="{8D66AAF9-8D22-4DDA-A2A4-5A100794DEE7}"/>
+          </ac:spMkLst>
+        </pc:spChg>
+        <pc:picChg chg="add del mod">
+          <ac:chgData name="John K. Barrera" userId="ff20ac3aac775278" providerId="LiveId" clId="{D2B16D9E-8DC3-4D4C-927D-0F5AA29F5383}" dt="2022-03-02T01:33:48.358" v="3780"/>
+          <ac:picMkLst>
+            <pc:docMk/>
+            <pc:sldMk cId="3892891888" sldId="380"/>
+            <ac:picMk id="1026" creationId="{47845D9E-C749-4DE3-A0AD-0D5025FF4340}"/>
+          </ac:picMkLst>
+        </pc:picChg>
+        <pc:picChg chg="add del">
+          <ac:chgData name="John K. Barrera" userId="ff20ac3aac775278" providerId="LiveId" clId="{D2B16D9E-8DC3-4D4C-927D-0F5AA29F5383}" dt="2022-03-02T01:33:48.817" v="3781" actId="478"/>
+          <ac:picMkLst>
+            <pc:docMk/>
+            <pc:sldMk cId="3892891888" sldId="380"/>
+            <ac:picMk id="1030" creationId="{18928A40-8883-416D-8694-72B81948718A}"/>
+          </ac:picMkLst>
+        </pc:picChg>
+      </pc:sldChg>
+      <pc:sldChg chg="addSp delSp modSp add del mod ord">
+        <pc:chgData name="John K. Barrera" userId="ff20ac3aac775278" providerId="LiveId" clId="{D2B16D9E-8DC3-4D4C-927D-0F5AA29F5383}" dt="2022-03-02T03:07:37.373" v="5019" actId="20578"/>
+        <pc:sldMkLst>
+          <pc:docMk/>
+          <pc:sldMk cId="1548355188" sldId="381"/>
+        </pc:sldMkLst>
+        <pc:spChg chg="mod">
+          <ac:chgData name="John K. Barrera" userId="ff20ac3aac775278" providerId="LiveId" clId="{D2B16D9E-8DC3-4D4C-927D-0F5AA29F5383}" dt="2022-03-02T02:05:39.409" v="4391" actId="20577"/>
+          <ac:spMkLst>
+            <pc:docMk/>
+            <pc:sldMk cId="1548355188" sldId="381"/>
+            <ac:spMk id="5" creationId="{48D2A9BD-EBF3-4CF7-A61E-49631D4D1DBB}"/>
+          </ac:spMkLst>
+        </pc:spChg>
+        <pc:spChg chg="mod">
+          <ac:chgData name="John K. Barrera" userId="ff20ac3aac775278" providerId="LiveId" clId="{D2B16D9E-8DC3-4D4C-927D-0F5AA29F5383}" dt="2022-03-02T01:44:20.575" v="4308" actId="1076"/>
+          <ac:spMkLst>
+            <pc:docMk/>
+            <pc:sldMk cId="1548355188" sldId="381"/>
+            <ac:spMk id="12" creationId="{002F249E-01CD-4A15-802F-2FC4DE855BEF}"/>
+          </ac:spMkLst>
+        </pc:spChg>
+        <pc:spChg chg="mod">
+          <ac:chgData name="John K. Barrera" userId="ff20ac3aac775278" providerId="LiveId" clId="{D2B16D9E-8DC3-4D4C-927D-0F5AA29F5383}" dt="2022-03-02T01:40:55.016" v="4252" actId="313"/>
+          <ac:spMkLst>
+            <pc:docMk/>
+            <pc:sldMk cId="1548355188" sldId="381"/>
+            <ac:spMk id="15" creationId="{DA903829-C857-466F-8663-51CF8927D68D}"/>
+          </ac:spMkLst>
+        </pc:spChg>
+        <pc:spChg chg="add del mod">
+          <ac:chgData name="John K. Barrera" userId="ff20ac3aac775278" providerId="LiveId" clId="{D2B16D9E-8DC3-4D4C-927D-0F5AA29F5383}" dt="2022-03-02T01:38:13.569" v="4121" actId="478"/>
+          <ac:spMkLst>
+            <pc:docMk/>
+            <pc:sldMk cId="1548355188" sldId="381"/>
+            <ac:spMk id="16" creationId="{6B7D22E2-9B4B-40DD-BEAC-25A29816812F}"/>
+          </ac:spMkLst>
+        </pc:spChg>
+        <pc:spChg chg="mod">
+          <ac:chgData name="John K. Barrera" userId="ff20ac3aac775278" providerId="LiveId" clId="{D2B16D9E-8DC3-4D4C-927D-0F5AA29F5383}" dt="2022-03-02T01:43:20.914" v="4302" actId="404"/>
+          <ac:spMkLst>
+            <pc:docMk/>
+            <pc:sldMk cId="1548355188" sldId="381"/>
+            <ac:spMk id="22" creationId="{C89DB2A0-1EF6-4E1F-8C52-F1B20078FA77}"/>
+          </ac:spMkLst>
+        </pc:spChg>
+        <pc:spChg chg="add mod">
+          <ac:chgData name="John K. Barrera" userId="ff20ac3aac775278" providerId="LiveId" clId="{D2B16D9E-8DC3-4D4C-927D-0F5AA29F5383}" dt="2022-03-02T02:19:04.510" v="4440" actId="1035"/>
+          <ac:spMkLst>
+            <pc:docMk/>
+            <pc:sldMk cId="1548355188" sldId="381"/>
+            <ac:spMk id="23" creationId="{C4FFAB8F-7156-445F-89D2-7C88F8EAAB32}"/>
+          </ac:spMkLst>
+        </pc:spChg>
+        <pc:spChg chg="del">
+          <ac:chgData name="John K. Barrera" userId="ff20ac3aac775278" providerId="LiveId" clId="{D2B16D9E-8DC3-4D4C-927D-0F5AA29F5383}" dt="2022-03-02T01:33:59.197" v="3786" actId="478"/>
+          <ac:spMkLst>
+            <pc:docMk/>
+            <pc:sldMk cId="1548355188" sldId="381"/>
+            <ac:spMk id="26" creationId="{6DD68FDC-BF7A-4FC2-BD9C-CB3E6A95347D}"/>
+          </ac:spMkLst>
+        </pc:spChg>
+        <pc:spChg chg="mod">
+          <ac:chgData name="John K. Barrera" userId="ff20ac3aac775278" providerId="LiveId" clId="{D2B16D9E-8DC3-4D4C-927D-0F5AA29F5383}" dt="2022-03-02T01:42:57.597" v="4295" actId="1036"/>
+          <ac:spMkLst>
+            <pc:docMk/>
+            <pc:sldMk cId="1548355188" sldId="381"/>
+            <ac:spMk id="28" creationId="{8D66AAF9-8D22-4DDA-A2A4-5A100794DEE7}"/>
+          </ac:spMkLst>
+        </pc:spChg>
+        <pc:spChg chg="del">
+          <ac:chgData name="John K. Barrera" userId="ff20ac3aac775278" providerId="LiveId" clId="{D2B16D9E-8DC3-4D4C-927D-0F5AA29F5383}" dt="2022-03-02T01:34:18.465" v="3791" actId="478"/>
+          <ac:spMkLst>
+            <pc:docMk/>
+            <pc:sldMk cId="1548355188" sldId="381"/>
+            <ac:spMk id="32" creationId="{5990BE50-D7B2-47ED-8046-9277499D707B}"/>
+          </ac:spMkLst>
+        </pc:spChg>
+        <pc:picChg chg="del">
+          <ac:chgData name="John K. Barrera" userId="ff20ac3aac775278" providerId="LiveId" clId="{D2B16D9E-8DC3-4D4C-927D-0F5AA29F5383}" dt="2022-03-02T01:33:57.519" v="3785" actId="478"/>
+          <ac:picMkLst>
+            <pc:docMk/>
+            <pc:sldMk cId="1548355188" sldId="381"/>
+            <ac:picMk id="1028" creationId="{3A1B5AFC-66BF-435B-BC84-0C69FB577C92}"/>
+          </ac:picMkLst>
+        </pc:picChg>
+        <pc:picChg chg="del">
+          <ac:chgData name="John K. Barrera" userId="ff20ac3aac775278" providerId="LiveId" clId="{D2B16D9E-8DC3-4D4C-927D-0F5AA29F5383}" dt="2022-03-02T01:33:52.859" v="3783" actId="478"/>
+          <ac:picMkLst>
+            <pc:docMk/>
+            <pc:sldMk cId="1548355188" sldId="381"/>
+            <ac:picMk id="1030" creationId="{18928A40-8883-416D-8694-72B81948718A}"/>
+          </ac:picMkLst>
+        </pc:picChg>
+        <pc:picChg chg="add mod">
+          <ac:chgData name="John K. Barrera" userId="ff20ac3aac775278" providerId="LiveId" clId="{D2B16D9E-8DC3-4D4C-927D-0F5AA29F5383}" dt="2022-03-02T01:44:03.470" v="4305" actId="1076"/>
+          <ac:picMkLst>
+            <pc:docMk/>
+            <pc:sldMk cId="1548355188" sldId="381"/>
+            <ac:picMk id="2050" creationId="{A90DCCD8-33D3-4E47-91DD-BF4DD2A91A14}"/>
+          </ac:picMkLst>
+        </pc:picChg>
+        <pc:picChg chg="add mod">
+          <ac:chgData name="John K. Barrera" userId="ff20ac3aac775278" providerId="LiveId" clId="{D2B16D9E-8DC3-4D4C-927D-0F5AA29F5383}" dt="2022-03-02T02:19:04.398" v="4437" actId="1076"/>
+          <ac:picMkLst>
+            <pc:docMk/>
+            <pc:sldMk cId="1548355188" sldId="381"/>
+            <ac:picMk id="2052" creationId="{E421684F-753B-4DE1-8DD7-3C0A127CD548}"/>
+          </ac:picMkLst>
+        </pc:picChg>
+        <pc:cxnChg chg="del">
+          <ac:chgData name="John K. Barrera" userId="ff20ac3aac775278" providerId="LiveId" clId="{D2B16D9E-8DC3-4D4C-927D-0F5AA29F5383}" dt="2022-03-02T01:34:15.175" v="3789" actId="478"/>
+          <ac:cxnSpMkLst>
+            <pc:docMk/>
+            <pc:sldMk cId="1548355188" sldId="381"/>
+            <ac:cxnSpMk id="3" creationId="{F8C5515E-8B92-449B-9B18-53631E44E942}"/>
+          </ac:cxnSpMkLst>
+        </pc:cxnChg>
+        <pc:cxnChg chg="add mod">
+          <ac:chgData name="John K. Barrera" userId="ff20ac3aac775278" providerId="LiveId" clId="{D2B16D9E-8DC3-4D4C-927D-0F5AA29F5383}" dt="2022-03-02T01:44:25.753" v="4309" actId="14100"/>
+          <ac:cxnSpMkLst>
+            <pc:docMk/>
+            <pc:sldMk cId="1548355188" sldId="381"/>
+            <ac:cxnSpMk id="17" creationId="{EB6A114C-92DB-4F3A-A3E8-D3DA8DF1AAF8}"/>
+          </ac:cxnSpMkLst>
+        </pc:cxnChg>
+      </pc:sldChg>
+      <pc:sldChg chg="add del">
+        <pc:chgData name="John K. Barrera" userId="ff20ac3aac775278" providerId="LiveId" clId="{D2B16D9E-8DC3-4D4C-927D-0F5AA29F5383}" dt="2022-03-02T02:19:03.862" v="4435"/>
+        <pc:sldMkLst>
+          <pc:docMk/>
+          <pc:sldMk cId="650694490" sldId="382"/>
+        </pc:sldMkLst>
+      </pc:sldChg>
+      <pc:sldChg chg="add del">
+        <pc:chgData name="John K. Barrera" userId="ff20ac3aac775278" providerId="LiveId" clId="{D2B16D9E-8DC3-4D4C-927D-0F5AA29F5383}" dt="2022-03-02T01:34:02.631" v="3788"/>
+        <pc:sldMkLst>
+          <pc:docMk/>
+          <pc:sldMk cId="1043803713" sldId="382"/>
+        </pc:sldMkLst>
+      </pc:sldChg>
+      <pc:sldChg chg="addSp delSp modSp add mod">
+        <pc:chgData name="John K. Barrera" userId="ff20ac3aac775278" providerId="LiveId" clId="{D2B16D9E-8DC3-4D4C-927D-0F5AA29F5383}" dt="2022-03-02T03:07:36.916" v="5018" actId="20577"/>
+        <pc:sldMkLst>
+          <pc:docMk/>
+          <pc:sldMk cId="2191034399" sldId="382"/>
+        </pc:sldMkLst>
+        <pc:spChg chg="mod">
+          <ac:chgData name="John K. Barrera" userId="ff20ac3aac775278" providerId="LiveId" clId="{D2B16D9E-8DC3-4D4C-927D-0F5AA29F5383}" dt="2022-03-02T02:19:40.774" v="4450" actId="313"/>
+          <ac:spMkLst>
+            <pc:docMk/>
+            <pc:sldMk cId="2191034399" sldId="382"/>
+            <ac:spMk id="12" creationId="{002F249E-01CD-4A15-802F-2FC4DE855BEF}"/>
+          </ac:spMkLst>
+        </pc:spChg>
+        <pc:spChg chg="mod">
+          <ac:chgData name="John K. Barrera" userId="ff20ac3aac775278" providerId="LiveId" clId="{D2B16D9E-8DC3-4D4C-927D-0F5AA29F5383}" dt="2022-03-02T03:07:36.916" v="5018" actId="20577"/>
+          <ac:spMkLst>
+            <pc:docMk/>
+            <pc:sldMk cId="2191034399" sldId="382"/>
+            <ac:spMk id="15" creationId="{DA903829-C857-466F-8663-51CF8927D68D}"/>
+          </ac:spMkLst>
+        </pc:spChg>
+        <pc:spChg chg="mod">
+          <ac:chgData name="John K. Barrera" userId="ff20ac3aac775278" providerId="LiveId" clId="{D2B16D9E-8DC3-4D4C-927D-0F5AA29F5383}" dt="2022-03-02T02:31:10.168" v="4493" actId="1035"/>
+          <ac:spMkLst>
+            <pc:docMk/>
+            <pc:sldMk cId="2191034399" sldId="382"/>
+            <ac:spMk id="22" creationId="{C89DB2A0-1EF6-4E1F-8C52-F1B20078FA77}"/>
+          </ac:spMkLst>
+        </pc:spChg>
+        <pc:spChg chg="del">
+          <ac:chgData name="John K. Barrera" userId="ff20ac3aac775278" providerId="LiveId" clId="{D2B16D9E-8DC3-4D4C-927D-0F5AA29F5383}" dt="2022-03-02T02:19:11.921" v="4443" actId="478"/>
+          <ac:spMkLst>
+            <pc:docMk/>
+            <pc:sldMk cId="2191034399" sldId="382"/>
+            <ac:spMk id="23" creationId="{C4FFAB8F-7156-445F-89D2-7C88F8EAAB32}"/>
+          </ac:spMkLst>
+        </pc:spChg>
+        <pc:spChg chg="del">
+          <ac:chgData name="John K. Barrera" userId="ff20ac3aac775278" providerId="LiveId" clId="{D2B16D9E-8DC3-4D4C-927D-0F5AA29F5383}" dt="2022-03-02T02:30:15.237" v="4466" actId="478"/>
+          <ac:spMkLst>
+            <pc:docMk/>
+            <pc:sldMk cId="2191034399" sldId="382"/>
+            <ac:spMk id="28" creationId="{8D66AAF9-8D22-4DDA-A2A4-5A100794DEE7}"/>
+          </ac:spMkLst>
+        </pc:spChg>
+        <pc:picChg chg="del">
+          <ac:chgData name="John K. Barrera" userId="ff20ac3aac775278" providerId="LiveId" clId="{D2B16D9E-8DC3-4D4C-927D-0F5AA29F5383}" dt="2022-03-02T02:19:13.150" v="4444" actId="478"/>
+          <ac:picMkLst>
+            <pc:docMk/>
+            <pc:sldMk cId="2191034399" sldId="382"/>
+            <ac:picMk id="2050" creationId="{A90DCCD8-33D3-4E47-91DD-BF4DD2A91A14}"/>
+          </ac:picMkLst>
+        </pc:picChg>
+        <pc:picChg chg="del">
+          <ac:chgData name="John K. Barrera" userId="ff20ac3aac775278" providerId="LiveId" clId="{D2B16D9E-8DC3-4D4C-927D-0F5AA29F5383}" dt="2022-03-02T02:19:10.008" v="4442" actId="478"/>
+          <ac:picMkLst>
+            <pc:docMk/>
+            <pc:sldMk cId="2191034399" sldId="382"/>
+            <ac:picMk id="2052" creationId="{E421684F-753B-4DE1-8DD7-3C0A127CD548}"/>
+          </ac:picMkLst>
+        </pc:picChg>
+        <pc:picChg chg="add del mod">
+          <ac:chgData name="John K. Barrera" userId="ff20ac3aac775278" providerId="LiveId" clId="{D2B16D9E-8DC3-4D4C-927D-0F5AA29F5383}" dt="2022-03-02T02:27:30.519" v="4454" actId="478"/>
+          <ac:picMkLst>
+            <pc:docMk/>
+            <pc:sldMk cId="2191034399" sldId="382"/>
+            <ac:picMk id="3074" creationId="{F30379C4-477B-4B14-9B92-BB408E1E5F7A}"/>
+          </ac:picMkLst>
+        </pc:picChg>
+        <pc:picChg chg="add del">
+          <ac:chgData name="John K. Barrera" userId="ff20ac3aac775278" providerId="LiveId" clId="{D2B16D9E-8DC3-4D4C-927D-0F5AA29F5383}" dt="2022-03-02T02:28:25.568" v="4456" actId="478"/>
+          <ac:picMkLst>
+            <pc:docMk/>
+            <pc:sldMk cId="2191034399" sldId="382"/>
+            <ac:picMk id="3076" creationId="{262EF73A-C1DB-4499-BC48-EF0A619F4A16}"/>
+          </ac:picMkLst>
+        </pc:picChg>
+        <pc:picChg chg="add mod">
+          <ac:chgData name="John K. Barrera" userId="ff20ac3aac775278" providerId="LiveId" clId="{D2B16D9E-8DC3-4D4C-927D-0F5AA29F5383}" dt="2022-03-02T02:31:12.848" v="4495" actId="1035"/>
+          <ac:picMkLst>
+            <pc:docMk/>
+            <pc:sldMk cId="2191034399" sldId="382"/>
+            <ac:picMk id="3078" creationId="{9AB9DC79-7B15-49F6-802C-2CB88241FD0F}"/>
+          </ac:picMkLst>
+        </pc:picChg>
+        <pc:cxnChg chg="del">
+          <ac:chgData name="John K. Barrera" userId="ff20ac3aac775278" providerId="LiveId" clId="{D2B16D9E-8DC3-4D4C-927D-0F5AA29F5383}" dt="2022-03-02T02:19:14.689" v="4445" actId="478"/>
+          <ac:cxnSpMkLst>
+            <pc:docMk/>
+            <pc:sldMk cId="2191034399" sldId="382"/>
+            <ac:cxnSpMk id="17" creationId="{EB6A114C-92DB-4F3A-A3E8-D3DA8DF1AAF8}"/>
+          </ac:cxnSpMkLst>
+        </pc:cxnChg>
+        <pc:cxnChg chg="add mod">
+          <ac:chgData name="John K. Barrera" userId="ff20ac3aac775278" providerId="LiveId" clId="{D2B16D9E-8DC3-4D4C-927D-0F5AA29F5383}" dt="2022-03-02T03:04:49.399" v="4958" actId="1076"/>
+          <ac:cxnSpMkLst>
+            <pc:docMk/>
+            <pc:sldMk cId="2191034399" sldId="382"/>
+            <ac:cxnSpMk id="18" creationId="{1A4C22F2-7E66-4596-8D99-65F67FE21C94}"/>
+          </ac:cxnSpMkLst>
+        </pc:cxnChg>
+      </pc:sldChg>
+      <pc:sldChg chg="addSp delSp modSp add mod">
+        <pc:chgData name="John K. Barrera" userId="ff20ac3aac775278" providerId="LiveId" clId="{D2B16D9E-8DC3-4D4C-927D-0F5AA29F5383}" dt="2022-03-02T03:04:41.135" v="4956" actId="1076"/>
+        <pc:sldMkLst>
+          <pc:docMk/>
+          <pc:sldMk cId="3453056613" sldId="383"/>
+        </pc:sldMkLst>
+        <pc:spChg chg="mod">
+          <ac:chgData name="John K. Barrera" userId="ff20ac3aac775278" providerId="LiveId" clId="{D2B16D9E-8DC3-4D4C-927D-0F5AA29F5383}" dt="2022-03-02T02:32:52.579" v="4569" actId="20577"/>
+          <ac:spMkLst>
+            <pc:docMk/>
+            <pc:sldMk cId="3453056613" sldId="383"/>
+            <ac:spMk id="5" creationId="{48D2A9BD-EBF3-4CF7-A61E-49631D4D1DBB}"/>
+          </ac:spMkLst>
+        </pc:spChg>
+        <pc:spChg chg="mod">
+          <ac:chgData name="John K. Barrera" userId="ff20ac3aac775278" providerId="LiveId" clId="{D2B16D9E-8DC3-4D4C-927D-0F5AA29F5383}" dt="2022-03-02T03:03:19.918" v="4933" actId="20577"/>
+          <ac:spMkLst>
+            <pc:docMk/>
+            <pc:sldMk cId="3453056613" sldId="383"/>
+            <ac:spMk id="12" creationId="{002F249E-01CD-4A15-802F-2FC4DE855BEF}"/>
+          </ac:spMkLst>
+        </pc:spChg>
+        <pc:spChg chg="del">
+          <ac:chgData name="John K. Barrera" userId="ff20ac3aac775278" providerId="LiveId" clId="{D2B16D9E-8DC3-4D4C-927D-0F5AA29F5383}" dt="2022-03-02T02:33:19.485" v="4577" actId="478"/>
+          <ac:spMkLst>
+            <pc:docMk/>
+            <pc:sldMk cId="3453056613" sldId="383"/>
+            <ac:spMk id="15" creationId="{DA903829-C857-466F-8663-51CF8927D68D}"/>
+          </ac:spMkLst>
+        </pc:spChg>
+        <pc:spChg chg="mod">
+          <ac:chgData name="John K. Barrera" userId="ff20ac3aac775278" providerId="LiveId" clId="{D2B16D9E-8DC3-4D4C-927D-0F5AA29F5383}" dt="2022-03-02T03:03:28.887" v="4950" actId="1036"/>
+          <ac:spMkLst>
+            <pc:docMk/>
+            <pc:sldMk cId="3453056613" sldId="383"/>
+            <ac:spMk id="22" creationId="{C89DB2A0-1EF6-4E1F-8C52-F1B20078FA77}"/>
+          </ac:spMkLst>
+        </pc:spChg>
+        <pc:spChg chg="mod">
+          <ac:chgData name="John K. Barrera" userId="ff20ac3aac775278" providerId="LiveId" clId="{D2B16D9E-8DC3-4D4C-927D-0F5AA29F5383}" dt="2022-03-02T02:33:27.150" v="4579" actId="1076"/>
+          <ac:spMkLst>
+            <pc:docMk/>
+            <pc:sldMk cId="3453056613" sldId="383"/>
+            <ac:spMk id="28" creationId="{8D66AAF9-8D22-4DDA-A2A4-5A100794DEE7}"/>
+          </ac:spMkLst>
+        </pc:spChg>
+        <pc:picChg chg="del">
+          <ac:chgData name="John K. Barrera" userId="ff20ac3aac775278" providerId="LiveId" clId="{D2B16D9E-8DC3-4D4C-927D-0F5AA29F5383}" dt="2022-03-02T02:30:07.034" v="4465" actId="478"/>
+          <ac:picMkLst>
+            <pc:docMk/>
+            <pc:sldMk cId="3453056613" sldId="383"/>
+            <ac:picMk id="3078" creationId="{9AB9DC79-7B15-49F6-802C-2CB88241FD0F}"/>
+          </ac:picMkLst>
+        </pc:picChg>
+        <pc:picChg chg="add mod">
+          <ac:chgData name="John K. Barrera" userId="ff20ac3aac775278" providerId="LiveId" clId="{D2B16D9E-8DC3-4D4C-927D-0F5AA29F5383}" dt="2022-03-02T03:03:25.494" v="4941" actId="1036"/>
+          <ac:picMkLst>
+            <pc:docMk/>
+            <pc:sldMk cId="3453056613" sldId="383"/>
+            <ac:picMk id="4098" creationId="{93E07E0B-F039-4E25-A02A-6779421AC886}"/>
+          </ac:picMkLst>
+        </pc:picChg>
+        <pc:cxnChg chg="add mod">
+          <ac:chgData name="John K. Barrera" userId="ff20ac3aac775278" providerId="LiveId" clId="{D2B16D9E-8DC3-4D4C-927D-0F5AA29F5383}" dt="2022-03-02T03:04:41.135" v="4956" actId="1076"/>
+          <ac:cxnSpMkLst>
+            <pc:docMk/>
+            <pc:sldMk cId="3453056613" sldId="383"/>
+            <ac:cxnSpMk id="3" creationId="{369A2810-35FC-4DA4-A144-7CD453854A7C}"/>
+          </ac:cxnSpMkLst>
+        </pc:cxnChg>
+      </pc:sldChg>
+      <pc:sldChg chg="new add del">
+        <pc:chgData name="John K. Barrera" userId="ff20ac3aac775278" providerId="LiveId" clId="{D2B16D9E-8DC3-4D4C-927D-0F5AA29F5383}" dt="2022-03-02T03:07:37.904" v="5020" actId="680"/>
+        <pc:sldMkLst>
+          <pc:docMk/>
+          <pc:sldMk cId="3414945872" sldId="384"/>
         </pc:sldMkLst>
       </pc:sldChg>
     </pc:docChg>
@@ -1024,7 +1445,7 @@
           <a:p>
             <a:fld id="{4AA3995C-CEF4-46C5-822A-4E0ABA58EA45}" type="datetimeFigureOut">
               <a:rPr lang="en-US" smtClean="0"/>
-              <a:t>2/22/2022</a:t>
+              <a:t>3/1/2022</a:t>
             </a:fld>
             <a:endParaRPr lang="en-US"/>
           </a:p>
@@ -1478,7 +1899,7 @@
           <a:p>
             <a:fld id="{903304DD-1A9B-465F-A981-8B6D85F33039}" type="datetimeFigureOut">
               <a:rPr lang="en-US" smtClean="0"/>
-              <a:t>2/22/2022</a:t>
+              <a:t>3/1/2022</a:t>
             </a:fld>
             <a:endParaRPr lang="en-US"/>
           </a:p>
@@ -1781,7 +2202,7 @@
           <a:p>
             <a:fld id="{903304DD-1A9B-465F-A981-8B6D85F33039}" type="datetimeFigureOut">
               <a:rPr lang="en-US" smtClean="0"/>
-              <a:t>2/22/2022</a:t>
+              <a:t>3/1/2022</a:t>
             </a:fld>
             <a:endParaRPr lang="en-US"/>
           </a:p>
@@ -1951,7 +2372,7 @@
           <a:p>
             <a:fld id="{903304DD-1A9B-465F-A981-8B6D85F33039}" type="datetimeFigureOut">
               <a:rPr lang="en-US" smtClean="0"/>
-              <a:t>2/22/2022</a:t>
+              <a:t>3/1/2022</a:t>
             </a:fld>
             <a:endParaRPr lang="en-US"/>
           </a:p>
@@ -2131,7 +2552,7 @@
           <a:p>
             <a:fld id="{903304DD-1A9B-465F-A981-8B6D85F33039}" type="datetimeFigureOut">
               <a:rPr lang="en-US" smtClean="0"/>
-              <a:t>2/22/2022</a:t>
+              <a:t>3/1/2022</a:t>
             </a:fld>
             <a:endParaRPr lang="en-US"/>
           </a:p>
@@ -2365,7 +2786,7 @@
           <a:p>
             <a:fld id="{903304DD-1A9B-465F-A981-8B6D85F33039}" type="datetimeFigureOut">
               <a:rPr lang="en-US" smtClean="0"/>
-              <a:t>2/22/2022</a:t>
+              <a:t>3/1/2022</a:t>
             </a:fld>
             <a:endParaRPr lang="en-US"/>
           </a:p>
@@ -2563,7 +2984,7 @@
           <a:p>
             <a:fld id="{903304DD-1A9B-465F-A981-8B6D85F33039}" type="datetimeFigureOut">
               <a:rPr lang="en-US" smtClean="0"/>
-              <a:t>2/22/2022</a:t>
+              <a:t>3/1/2022</a:t>
             </a:fld>
             <a:endParaRPr lang="en-US"/>
           </a:p>
@@ -2809,7 +3230,7 @@
           <a:p>
             <a:fld id="{903304DD-1A9B-465F-A981-8B6D85F33039}" type="datetimeFigureOut">
               <a:rPr lang="en-US" smtClean="0"/>
-              <a:t>2/22/2022</a:t>
+              <a:t>3/1/2022</a:t>
             </a:fld>
             <a:endParaRPr lang="en-US"/>
           </a:p>
@@ -3041,7 +3462,7 @@
           <a:p>
             <a:fld id="{903304DD-1A9B-465F-A981-8B6D85F33039}" type="datetimeFigureOut">
               <a:rPr lang="en-US" smtClean="0"/>
-              <a:t>2/22/2022</a:t>
+              <a:t>3/1/2022</a:t>
             </a:fld>
             <a:endParaRPr lang="en-US"/>
           </a:p>
@@ -3408,7 +3829,7 @@
           <a:p>
             <a:fld id="{903304DD-1A9B-465F-A981-8B6D85F33039}" type="datetimeFigureOut">
               <a:rPr lang="en-US" smtClean="0"/>
-              <a:t>2/22/2022</a:t>
+              <a:t>3/1/2022</a:t>
             </a:fld>
             <a:endParaRPr lang="en-US"/>
           </a:p>
@@ -3526,7 +3947,7 @@
           <a:p>
             <a:fld id="{903304DD-1A9B-465F-A981-8B6D85F33039}" type="datetimeFigureOut">
               <a:rPr lang="en-US" smtClean="0"/>
-              <a:t>2/22/2022</a:t>
+              <a:t>3/1/2022</a:t>
             </a:fld>
             <a:endParaRPr lang="en-US"/>
           </a:p>
@@ -3621,7 +4042,7 @@
           <a:p>
             <a:fld id="{903304DD-1A9B-465F-A981-8B6D85F33039}" type="datetimeFigureOut">
               <a:rPr lang="en-US" smtClean="0"/>
-              <a:t>2/22/2022</a:t>
+              <a:t>3/1/2022</a:t>
             </a:fld>
             <a:endParaRPr lang="en-US"/>
           </a:p>
@@ -3898,7 +4319,7 @@
           <a:p>
             <a:fld id="{903304DD-1A9B-465F-A981-8B6D85F33039}" type="datetimeFigureOut">
               <a:rPr lang="en-US" smtClean="0"/>
-              <a:t>2/22/2022</a:t>
+              <a:t>3/1/2022</a:t>
             </a:fld>
             <a:endParaRPr lang="en-US"/>
           </a:p>
@@ -4111,7 +4532,7 @@
           <a:p>
             <a:fld id="{903304DD-1A9B-465F-A981-8B6D85F33039}" type="datetimeFigureOut">
               <a:rPr lang="en-US" smtClean="0"/>
-              <a:t>2/22/2022</a:t>
+              <a:t>3/1/2022</a:t>
             </a:fld>
             <a:endParaRPr lang="en-US"/>
           </a:p>
@@ -4811,6 +5232,1604 @@
     <p:extLst>
       <p:ext uri="{BB962C8B-B14F-4D97-AF65-F5344CB8AC3E}">
         <p14:creationId xmlns:p14="http://schemas.microsoft.com/office/powerpoint/2010/main" val="4105470041"/>
+      </p:ext>
+    </p:extLst>
+  </p:cSld>
+  <p:clrMapOvr>
+    <a:masterClrMapping/>
+  </p:clrMapOvr>
+</p:sld>
+</file>
+
+<file path=ppt/slides/slide10.xml><?xml version="1.0" encoding="utf-8"?>
+<p:sld xmlns:a="http://schemas.openxmlformats.org/drawingml/2006/main" xmlns:r="http://schemas.openxmlformats.org/officeDocument/2006/relationships" xmlns:p="http://schemas.openxmlformats.org/presentationml/2006/main">
+  <p:cSld>
+    <p:spTree>
+      <p:nvGrpSpPr>
+        <p:cNvPr id="1" name=""/>
+        <p:cNvGrpSpPr/>
+        <p:nvPr/>
+      </p:nvGrpSpPr>
+      <p:grpSpPr>
+        <a:xfrm>
+          <a:off x="0" y="0"/>
+          <a:ext cx="0" cy="0"/>
+          <a:chOff x="0" y="0"/>
+          <a:chExt cx="0" cy="0"/>
+        </a:xfrm>
+      </p:grpSpPr>
+      <p:sp>
+        <p:nvSpPr>
+          <p:cNvPr id="4" name="Rectángulo: esquinas superiores redondeadas 4">
+            <a:extLst>
+              <a:ext uri="{FF2B5EF4-FFF2-40B4-BE49-F238E27FC236}">
+                <a16:creationId xmlns:a16="http://schemas.microsoft.com/office/drawing/2014/main" id="{CF789E0E-816C-4223-84EC-DC9D690B87EA}"/>
+              </a:ext>
+            </a:extLst>
+          </p:cNvPr>
+          <p:cNvSpPr/>
+          <p:nvPr/>
+        </p:nvSpPr>
+        <p:spPr>
+          <a:xfrm rot="10800000">
+            <a:off x="355599" y="0"/>
+            <a:ext cx="7813039" cy="640080"/>
+          </a:xfrm>
+          <a:prstGeom prst="round2SameRect">
+            <a:avLst/>
+          </a:prstGeom>
+          <a:solidFill>
+            <a:schemeClr val="tx2">
+              <a:lumMod val="75000"/>
+            </a:schemeClr>
+          </a:solidFill>
+        </p:spPr>
+        <p:style>
+          <a:lnRef idx="2">
+            <a:schemeClr val="accent1">
+              <a:shade val="50000"/>
+            </a:schemeClr>
+          </a:lnRef>
+          <a:fillRef idx="1">
+            <a:schemeClr val="accent1"/>
+          </a:fillRef>
+          <a:effectRef idx="0">
+            <a:schemeClr val="accent1"/>
+          </a:effectRef>
+          <a:fontRef idx="minor">
+            <a:schemeClr val="lt1"/>
+          </a:fontRef>
+        </p:style>
+        <p:txBody>
+          <a:bodyPr rtlCol="0" anchor="ctr"/>
+          <a:lstStyle/>
+          <a:p>
+            <a:pPr algn="ctr"/>
+            <a:endParaRPr lang="es-PE" dirty="0"/>
+          </a:p>
+        </p:txBody>
+      </p:sp>
+      <p:sp>
+        <p:nvSpPr>
+          <p:cNvPr id="5" name="CuadroTexto 4">
+            <a:extLst>
+              <a:ext uri="{FF2B5EF4-FFF2-40B4-BE49-F238E27FC236}">
+                <a16:creationId xmlns:a16="http://schemas.microsoft.com/office/drawing/2014/main" id="{48D2A9BD-EBF3-4CF7-A61E-49631D4D1DBB}"/>
+              </a:ext>
+            </a:extLst>
+          </p:cNvPr>
+          <p:cNvSpPr txBox="1"/>
+          <p:nvPr/>
+        </p:nvSpPr>
+        <p:spPr>
+          <a:xfrm>
+            <a:off x="558800" y="134927"/>
+            <a:ext cx="5594865" cy="400110"/>
+          </a:xfrm>
+          <a:prstGeom prst="rect">
+            <a:avLst/>
+          </a:prstGeom>
+          <a:noFill/>
+        </p:spPr>
+        <p:txBody>
+          <a:bodyPr wrap="square" rtlCol="0">
+            <a:spAutoFit/>
+          </a:bodyPr>
+          <a:lstStyle/>
+          <a:p>
+            <a:r>
+              <a:rPr lang="es-PE" sz="2000" dirty="0">
+                <a:solidFill>
+                  <a:schemeClr val="bg1"/>
+                </a:solidFill>
+                <a:latin typeface="Open Sans" panose="020B0606030504020204" pitchFamily="34" charset="0"/>
+                <a:ea typeface="Open Sans" panose="020B0606030504020204" pitchFamily="34" charset="0"/>
+                <a:cs typeface="Open Sans" panose="020B0606030504020204" pitchFamily="34" charset="0"/>
+              </a:rPr>
+              <a:t>Observaciones en reclamos de Primer nivel</a:t>
+            </a:r>
+          </a:p>
+        </p:txBody>
+      </p:sp>
+      <p:sp>
+        <p:nvSpPr>
+          <p:cNvPr id="9" name="Rectángulo 8">
+            <a:extLst>
+              <a:ext uri="{FF2B5EF4-FFF2-40B4-BE49-F238E27FC236}">
+                <a16:creationId xmlns:a16="http://schemas.microsoft.com/office/drawing/2014/main" id="{17D5E67A-13F6-4283-8297-CC8F5E053535}"/>
+              </a:ext>
+            </a:extLst>
+          </p:cNvPr>
+          <p:cNvSpPr/>
+          <p:nvPr/>
+        </p:nvSpPr>
+        <p:spPr>
+          <a:xfrm>
+            <a:off x="355600" y="5943600"/>
+            <a:ext cx="203200" cy="914399"/>
+          </a:xfrm>
+          <a:prstGeom prst="rect">
+            <a:avLst/>
+          </a:prstGeom>
+          <a:solidFill>
+            <a:schemeClr val="tx2">
+              <a:lumMod val="75000"/>
+            </a:schemeClr>
+          </a:solidFill>
+        </p:spPr>
+        <p:style>
+          <a:lnRef idx="2">
+            <a:schemeClr val="dk1">
+              <a:shade val="50000"/>
+            </a:schemeClr>
+          </a:lnRef>
+          <a:fillRef idx="1">
+            <a:schemeClr val="dk1"/>
+          </a:fillRef>
+          <a:effectRef idx="0">
+            <a:schemeClr val="dk1"/>
+          </a:effectRef>
+          <a:fontRef idx="minor">
+            <a:schemeClr val="lt1"/>
+          </a:fontRef>
+        </p:style>
+        <p:txBody>
+          <a:bodyPr rtlCol="0" anchor="ctr"/>
+          <a:lstStyle/>
+          <a:p>
+            <a:pPr algn="ctr"/>
+            <a:endParaRPr lang="es-PE"/>
+          </a:p>
+        </p:txBody>
+      </p:sp>
+      <p:sp>
+        <p:nvSpPr>
+          <p:cNvPr id="10" name="Rectángulo 9">
+            <a:extLst>
+              <a:ext uri="{FF2B5EF4-FFF2-40B4-BE49-F238E27FC236}">
+                <a16:creationId xmlns:a16="http://schemas.microsoft.com/office/drawing/2014/main" id="{54D73149-C250-47CB-B10E-EEADC5D5A38D}"/>
+              </a:ext>
+            </a:extLst>
+          </p:cNvPr>
+          <p:cNvSpPr/>
+          <p:nvPr/>
+        </p:nvSpPr>
+        <p:spPr>
+          <a:xfrm>
+            <a:off x="640234" y="6385364"/>
+            <a:ext cx="203200" cy="472635"/>
+          </a:xfrm>
+          <a:prstGeom prst="rect">
+            <a:avLst/>
+          </a:prstGeom>
+          <a:solidFill>
+            <a:srgbClr val="C00000"/>
+          </a:solidFill>
+          <a:ln>
+            <a:noFill/>
+          </a:ln>
+        </p:spPr>
+        <p:style>
+          <a:lnRef idx="2">
+            <a:schemeClr val="dk1">
+              <a:shade val="50000"/>
+            </a:schemeClr>
+          </a:lnRef>
+          <a:fillRef idx="1">
+            <a:schemeClr val="dk1"/>
+          </a:fillRef>
+          <a:effectRef idx="0">
+            <a:schemeClr val="dk1"/>
+          </a:effectRef>
+          <a:fontRef idx="minor">
+            <a:schemeClr val="lt1"/>
+          </a:fontRef>
+        </p:style>
+        <p:txBody>
+          <a:bodyPr rtlCol="0" anchor="ctr"/>
+          <a:lstStyle/>
+          <a:p>
+            <a:pPr algn="ctr"/>
+            <a:endParaRPr lang="es-PE"/>
+          </a:p>
+        </p:txBody>
+      </p:sp>
+      <p:sp>
+        <p:nvSpPr>
+          <p:cNvPr id="15" name="Google Shape;111;p2">
+            <a:extLst>
+              <a:ext uri="{FF2B5EF4-FFF2-40B4-BE49-F238E27FC236}">
+                <a16:creationId xmlns:a16="http://schemas.microsoft.com/office/drawing/2014/main" id="{DA903829-C857-466F-8663-51CF8927D68D}"/>
+              </a:ext>
+            </a:extLst>
+          </p:cNvPr>
+          <p:cNvSpPr txBox="1"/>
+          <p:nvPr/>
+        </p:nvSpPr>
+        <p:spPr>
+          <a:xfrm>
+            <a:off x="924868" y="6230671"/>
+            <a:ext cx="7243770" cy="492402"/>
+          </a:xfrm>
+          <a:prstGeom prst="rect">
+            <a:avLst/>
+          </a:prstGeom>
+          <a:noFill/>
+          <a:ln>
+            <a:noFill/>
+          </a:ln>
+        </p:spPr>
+        <p:txBody>
+          <a:bodyPr spcFirstLastPara="1" wrap="square" lIns="91425" tIns="45700" rIns="91425" bIns="45700" anchor="t" anchorCtr="0">
+            <a:spAutoFit/>
+          </a:bodyPr>
+          <a:lstStyle/>
+          <a:p>
+            <a:pPr marL="0" marR="0" lvl="0" indent="0" algn="l" defTabSz="914400" rtl="0" eaLnBrk="0" fontAlgn="base" latinLnBrk="0" hangingPunct="0">
+              <a:lnSpc>
+                <a:spcPct val="100000"/>
+              </a:lnSpc>
+              <a:spcBef>
+                <a:spcPct val="0"/>
+              </a:spcBef>
+              <a:spcAft>
+                <a:spcPct val="0"/>
+              </a:spcAft>
+              <a:buClrTx/>
+              <a:buSzTx/>
+              <a:buFontTx/>
+              <a:buNone/>
+              <a:tabLst/>
+            </a:pPr>
+            <a:r>
+              <a:rPr kumimoji="0" lang="es-PE" altLang="es-PE" sz="1300" b="1" i="0" u="none" strike="noStrike" cap="none" normalizeH="0" baseline="0" dirty="0">
+                <a:ln>
+                  <a:noFill/>
+                </a:ln>
+                <a:solidFill>
+                  <a:srgbClr val="000000"/>
+                </a:solidFill>
+                <a:effectLst/>
+                <a:latin typeface="Calibri" panose="020F0502020204030204" pitchFamily="34" charset="0"/>
+                <a:cs typeface="Calibri" panose="020F0502020204030204" pitchFamily="34" charset="0"/>
+              </a:rPr>
+              <a:t>Al tratar de identificar los código de servicios, motivo de la fuentes en los catálogos de la SBS, algunos no son encontrados (</a:t>
+            </a:r>
+            <a:r>
+              <a:rPr kumimoji="0" lang="es-PE" altLang="es-PE" sz="1300" b="1" i="0" u="none" strike="noStrike" cap="none" normalizeH="0" baseline="0" dirty="0" err="1">
+                <a:ln>
+                  <a:noFill/>
+                </a:ln>
+                <a:solidFill>
+                  <a:srgbClr val="000000"/>
+                </a:solidFill>
+                <a:effectLst/>
+                <a:latin typeface="Calibri" panose="020F0502020204030204" pitchFamily="34" charset="0"/>
+                <a:cs typeface="Calibri" panose="020F0502020204030204" pitchFamily="34" charset="0"/>
+              </a:rPr>
+              <a:t>eg</a:t>
+            </a:r>
+            <a:r>
+              <a:rPr kumimoji="0" lang="es-PE" altLang="es-PE" sz="1300" b="1" i="0" u="none" strike="noStrike" cap="none" normalizeH="0" baseline="0" dirty="0">
+                <a:ln>
+                  <a:noFill/>
+                </a:ln>
+                <a:solidFill>
+                  <a:srgbClr val="000000"/>
+                </a:solidFill>
+                <a:effectLst/>
+                <a:latin typeface="Calibri" panose="020F0502020204030204" pitchFamily="34" charset="0"/>
+                <a:cs typeface="Calibri" panose="020F0502020204030204" pitchFamily="34" charset="0"/>
+              </a:rPr>
+              <a:t>, 102 (servicio))  </a:t>
+            </a:r>
+            <a:endParaRPr kumimoji="0" lang="es-PE" altLang="es-PE" sz="600" b="0" i="0" u="none" strike="noStrike" cap="none" normalizeH="0" baseline="0" dirty="0">
+              <a:ln>
+                <a:noFill/>
+              </a:ln>
+              <a:solidFill>
+                <a:schemeClr val="tx1"/>
+              </a:solidFill>
+              <a:effectLst/>
+            </a:endParaRPr>
+          </a:p>
+        </p:txBody>
+      </p:sp>
+      <p:pic>
+        <p:nvPicPr>
+          <p:cNvPr id="16" name="Imagen 15">
+            <a:extLst>
+              <a:ext uri="{FF2B5EF4-FFF2-40B4-BE49-F238E27FC236}">
+                <a16:creationId xmlns:a16="http://schemas.microsoft.com/office/drawing/2014/main" id="{2F5C4631-2155-41E3-AB59-2FA47F7866EB}"/>
+              </a:ext>
+            </a:extLst>
+          </p:cNvPr>
+          <p:cNvPicPr>
+            <a:picLocks noChangeAspect="1"/>
+          </p:cNvPicPr>
+          <p:nvPr/>
+        </p:nvPicPr>
+        <p:blipFill>
+          <a:blip r:embed="rId2"/>
+          <a:stretch>
+            <a:fillRect/>
+          </a:stretch>
+        </p:blipFill>
+        <p:spPr>
+          <a:xfrm>
+            <a:off x="8246401" y="1632224"/>
+            <a:ext cx="2911092" cy="3025402"/>
+          </a:xfrm>
+          <a:prstGeom prst="rect">
+            <a:avLst/>
+          </a:prstGeom>
+        </p:spPr>
+      </p:pic>
+      <p:pic>
+        <p:nvPicPr>
+          <p:cNvPr id="3" name="Imagen 2">
+            <a:extLst>
+              <a:ext uri="{FF2B5EF4-FFF2-40B4-BE49-F238E27FC236}">
+                <a16:creationId xmlns:a16="http://schemas.microsoft.com/office/drawing/2014/main" id="{D4109C8B-B310-40CD-8315-6732F28C33CE}"/>
+              </a:ext>
+            </a:extLst>
+          </p:cNvPr>
+          <p:cNvPicPr>
+            <a:picLocks noChangeAspect="1"/>
+          </p:cNvPicPr>
+          <p:nvPr/>
+        </p:nvPicPr>
+        <p:blipFill>
+          <a:blip r:embed="rId3"/>
+          <a:stretch>
+            <a:fillRect/>
+          </a:stretch>
+        </p:blipFill>
+        <p:spPr>
+          <a:xfrm>
+            <a:off x="8443712" y="4578715"/>
+            <a:ext cx="3581710" cy="990686"/>
+          </a:xfrm>
+          <a:prstGeom prst="rect">
+            <a:avLst/>
+          </a:prstGeom>
+        </p:spPr>
+      </p:pic>
+      <p:pic>
+        <p:nvPicPr>
+          <p:cNvPr id="7" name="Imagen 6">
+            <a:extLst>
+              <a:ext uri="{FF2B5EF4-FFF2-40B4-BE49-F238E27FC236}">
+                <a16:creationId xmlns:a16="http://schemas.microsoft.com/office/drawing/2014/main" id="{B0C5100B-44D5-4660-9729-2978AD4977C4}"/>
+              </a:ext>
+            </a:extLst>
+          </p:cNvPr>
+          <p:cNvPicPr>
+            <a:picLocks noChangeAspect="1"/>
+          </p:cNvPicPr>
+          <p:nvPr/>
+        </p:nvPicPr>
+        <p:blipFill>
+          <a:blip r:embed="rId4"/>
+          <a:stretch>
+            <a:fillRect/>
+          </a:stretch>
+        </p:blipFill>
+        <p:spPr>
+          <a:xfrm>
+            <a:off x="4383408" y="1293537"/>
+            <a:ext cx="2827265" cy="2949196"/>
+          </a:xfrm>
+          <a:prstGeom prst="rect">
+            <a:avLst/>
+          </a:prstGeom>
+        </p:spPr>
+      </p:pic>
+      <p:pic>
+        <p:nvPicPr>
+          <p:cNvPr id="12" name="Imagen 11">
+            <a:extLst>
+              <a:ext uri="{FF2B5EF4-FFF2-40B4-BE49-F238E27FC236}">
+                <a16:creationId xmlns:a16="http://schemas.microsoft.com/office/drawing/2014/main" id="{4F24F389-ED42-4971-9654-D72BA63D819F}"/>
+              </a:ext>
+            </a:extLst>
+          </p:cNvPr>
+          <p:cNvPicPr>
+            <a:picLocks noChangeAspect="1"/>
+          </p:cNvPicPr>
+          <p:nvPr/>
+        </p:nvPicPr>
+        <p:blipFill>
+          <a:blip r:embed="rId5"/>
+          <a:stretch>
+            <a:fillRect/>
+          </a:stretch>
+        </p:blipFill>
+        <p:spPr>
+          <a:xfrm>
+            <a:off x="4293630" y="4374163"/>
+            <a:ext cx="3939881" cy="1143099"/>
+          </a:xfrm>
+          <a:prstGeom prst="rect">
+            <a:avLst/>
+          </a:prstGeom>
+        </p:spPr>
+      </p:pic>
+      <p:pic>
+        <p:nvPicPr>
+          <p:cNvPr id="14" name="Imagen 13">
+            <a:extLst>
+              <a:ext uri="{FF2B5EF4-FFF2-40B4-BE49-F238E27FC236}">
+                <a16:creationId xmlns:a16="http://schemas.microsoft.com/office/drawing/2014/main" id="{6284143E-8FAE-4FD3-9433-8A9A8A236046}"/>
+              </a:ext>
+            </a:extLst>
+          </p:cNvPr>
+          <p:cNvPicPr>
+            <a:picLocks noChangeAspect="1"/>
+          </p:cNvPicPr>
+          <p:nvPr/>
+        </p:nvPicPr>
+        <p:blipFill>
+          <a:blip r:embed="rId6"/>
+          <a:stretch>
+            <a:fillRect/>
+          </a:stretch>
+        </p:blipFill>
+        <p:spPr>
+          <a:xfrm>
+            <a:off x="705469" y="1620425"/>
+            <a:ext cx="2865368" cy="3330229"/>
+          </a:xfrm>
+          <a:prstGeom prst="rect">
+            <a:avLst/>
+          </a:prstGeom>
+        </p:spPr>
+      </p:pic>
+      <p:pic>
+        <p:nvPicPr>
+          <p:cNvPr id="20" name="Imagen 19">
+            <a:extLst>
+              <a:ext uri="{FF2B5EF4-FFF2-40B4-BE49-F238E27FC236}">
+                <a16:creationId xmlns:a16="http://schemas.microsoft.com/office/drawing/2014/main" id="{7CCC1653-66F2-4093-B8CC-0ECC65A1C408}"/>
+              </a:ext>
+            </a:extLst>
+          </p:cNvPr>
+          <p:cNvPicPr>
+            <a:picLocks noChangeAspect="1"/>
+          </p:cNvPicPr>
+          <p:nvPr/>
+        </p:nvPicPr>
+        <p:blipFill>
+          <a:blip r:embed="rId7"/>
+          <a:stretch>
+            <a:fillRect/>
+          </a:stretch>
+        </p:blipFill>
+        <p:spPr>
+          <a:xfrm>
+            <a:off x="956439" y="4987978"/>
+            <a:ext cx="2949196" cy="967824"/>
+          </a:xfrm>
+          <a:prstGeom prst="rect">
+            <a:avLst/>
+          </a:prstGeom>
+        </p:spPr>
+      </p:pic>
+      <p:sp>
+        <p:nvSpPr>
+          <p:cNvPr id="24" name="Google Shape;111;p2">
+            <a:extLst>
+              <a:ext uri="{FF2B5EF4-FFF2-40B4-BE49-F238E27FC236}">
+                <a16:creationId xmlns:a16="http://schemas.microsoft.com/office/drawing/2014/main" id="{7EC6C5A2-F6A2-4B30-A9C3-E00E11793E4D}"/>
+              </a:ext>
+            </a:extLst>
+          </p:cNvPr>
+          <p:cNvSpPr txBox="1"/>
+          <p:nvPr/>
+        </p:nvSpPr>
+        <p:spPr>
+          <a:xfrm>
+            <a:off x="891656" y="1016823"/>
+            <a:ext cx="2663920" cy="738623"/>
+          </a:xfrm>
+          <a:prstGeom prst="rect">
+            <a:avLst/>
+          </a:prstGeom>
+          <a:noFill/>
+          <a:ln>
+            <a:noFill/>
+          </a:ln>
+        </p:spPr>
+        <p:txBody>
+          <a:bodyPr spcFirstLastPara="1" wrap="square" lIns="91425" tIns="45700" rIns="91425" bIns="45700" anchor="t" anchorCtr="0">
+            <a:spAutoFit/>
+          </a:bodyPr>
+          <a:lstStyle/>
+          <a:p>
+            <a:pPr marL="0" marR="0" lvl="0" indent="0" algn="ctr" defTabSz="914400" rtl="0" eaLnBrk="0" fontAlgn="base" latinLnBrk="0" hangingPunct="0">
+              <a:lnSpc>
+                <a:spcPct val="100000"/>
+              </a:lnSpc>
+              <a:spcBef>
+                <a:spcPct val="0"/>
+              </a:spcBef>
+              <a:spcAft>
+                <a:spcPct val="0"/>
+              </a:spcAft>
+              <a:buClrTx/>
+              <a:buSzTx/>
+              <a:buFontTx/>
+              <a:buNone/>
+              <a:tabLst/>
+            </a:pPr>
+            <a:r>
+              <a:rPr lang="es-PE" altLang="es-PE" b="1" dirty="0">
+                <a:solidFill>
+                  <a:srgbClr val="000000"/>
+                </a:solidFill>
+                <a:latin typeface="Calibri" panose="020F0502020204030204" pitchFamily="34" charset="0"/>
+                <a:cs typeface="Calibri" panose="020F0502020204030204" pitchFamily="34" charset="0"/>
+              </a:rPr>
+              <a:t>R</a:t>
+            </a:r>
+            <a:r>
+              <a:rPr kumimoji="0" lang="es-PE" altLang="es-PE" b="1" i="0" u="none" strike="noStrike" cap="none" normalizeH="0" baseline="0" dirty="0">
+                <a:ln>
+                  <a:noFill/>
+                </a:ln>
+                <a:solidFill>
+                  <a:srgbClr val="000000"/>
+                </a:solidFill>
+                <a:effectLst/>
+                <a:latin typeface="Calibri" panose="020F0502020204030204" pitchFamily="34" charset="0"/>
+                <a:cs typeface="Calibri" panose="020F0502020204030204" pitchFamily="34" charset="0"/>
+              </a:rPr>
+              <a:t>eclamos por canal de ingreso (%)</a:t>
+            </a:r>
+          </a:p>
+          <a:p>
+            <a:pPr marL="0" marR="0" lvl="0" indent="0" algn="ctr" defTabSz="914400" rtl="0" eaLnBrk="0" fontAlgn="base" latinLnBrk="0" hangingPunct="0">
+              <a:lnSpc>
+                <a:spcPct val="100000"/>
+              </a:lnSpc>
+              <a:spcBef>
+                <a:spcPct val="0"/>
+              </a:spcBef>
+              <a:spcAft>
+                <a:spcPct val="0"/>
+              </a:spcAft>
+              <a:buClrTx/>
+              <a:buSzTx/>
+              <a:buFontTx/>
+              <a:buNone/>
+              <a:tabLst/>
+            </a:pPr>
+            <a:endParaRPr kumimoji="0" lang="es-PE" altLang="es-PE" sz="600" b="0" i="0" u="none" strike="noStrike" cap="none" normalizeH="0" baseline="0" dirty="0">
+              <a:ln>
+                <a:noFill/>
+              </a:ln>
+              <a:solidFill>
+                <a:schemeClr val="tx1"/>
+              </a:solidFill>
+              <a:effectLst/>
+            </a:endParaRPr>
+          </a:p>
+        </p:txBody>
+      </p:sp>
+      <p:sp>
+        <p:nvSpPr>
+          <p:cNvPr id="25" name="Google Shape;111;p2">
+            <a:extLst>
+              <a:ext uri="{FF2B5EF4-FFF2-40B4-BE49-F238E27FC236}">
+                <a16:creationId xmlns:a16="http://schemas.microsoft.com/office/drawing/2014/main" id="{95899957-ABD2-4F82-9C6D-06FCC5EF10CF}"/>
+              </a:ext>
+            </a:extLst>
+          </p:cNvPr>
+          <p:cNvSpPr txBox="1"/>
+          <p:nvPr/>
+        </p:nvSpPr>
+        <p:spPr>
+          <a:xfrm>
+            <a:off x="4465080" y="914950"/>
+            <a:ext cx="2663920" cy="461624"/>
+          </a:xfrm>
+          <a:prstGeom prst="rect">
+            <a:avLst/>
+          </a:prstGeom>
+          <a:noFill/>
+          <a:ln>
+            <a:noFill/>
+          </a:ln>
+        </p:spPr>
+        <p:txBody>
+          <a:bodyPr spcFirstLastPara="1" wrap="square" lIns="91425" tIns="45700" rIns="91425" bIns="45700" anchor="t" anchorCtr="0">
+            <a:spAutoFit/>
+          </a:bodyPr>
+          <a:lstStyle/>
+          <a:p>
+            <a:pPr marL="0" marR="0" lvl="0" indent="0" algn="ctr" defTabSz="914400" rtl="0" eaLnBrk="0" fontAlgn="base" latinLnBrk="0" hangingPunct="0">
+              <a:lnSpc>
+                <a:spcPct val="100000"/>
+              </a:lnSpc>
+              <a:spcBef>
+                <a:spcPct val="0"/>
+              </a:spcBef>
+              <a:spcAft>
+                <a:spcPct val="0"/>
+              </a:spcAft>
+              <a:buClrTx/>
+              <a:buSzTx/>
+              <a:buFontTx/>
+              <a:buNone/>
+              <a:tabLst/>
+            </a:pPr>
+            <a:r>
+              <a:rPr kumimoji="0" lang="es-PE" altLang="es-PE" b="1" i="0" u="none" strike="noStrike" cap="none" normalizeH="0" baseline="0" dirty="0">
+                <a:ln>
+                  <a:noFill/>
+                </a:ln>
+                <a:solidFill>
+                  <a:srgbClr val="000000"/>
+                </a:solidFill>
+                <a:effectLst/>
+                <a:latin typeface="Calibri" panose="020F0502020204030204" pitchFamily="34" charset="0"/>
+                <a:cs typeface="Calibri" panose="020F0502020204030204" pitchFamily="34" charset="0"/>
+              </a:rPr>
+              <a:t>Reclamos por motivo (%)</a:t>
+            </a:r>
+          </a:p>
+          <a:p>
+            <a:pPr marL="0" marR="0" lvl="0" indent="0" algn="ctr" defTabSz="914400" rtl="0" eaLnBrk="0" fontAlgn="base" latinLnBrk="0" hangingPunct="0">
+              <a:lnSpc>
+                <a:spcPct val="100000"/>
+              </a:lnSpc>
+              <a:spcBef>
+                <a:spcPct val="0"/>
+              </a:spcBef>
+              <a:spcAft>
+                <a:spcPct val="0"/>
+              </a:spcAft>
+              <a:buClrTx/>
+              <a:buSzTx/>
+              <a:buFontTx/>
+              <a:buNone/>
+              <a:tabLst/>
+            </a:pPr>
+            <a:endParaRPr kumimoji="0" lang="es-PE" altLang="es-PE" sz="600" b="0" i="0" u="none" strike="noStrike" cap="none" normalizeH="0" baseline="0" dirty="0">
+              <a:ln>
+                <a:noFill/>
+              </a:ln>
+              <a:solidFill>
+                <a:schemeClr val="tx1"/>
+              </a:solidFill>
+              <a:effectLst/>
+            </a:endParaRPr>
+          </a:p>
+        </p:txBody>
+      </p:sp>
+      <p:sp>
+        <p:nvSpPr>
+          <p:cNvPr id="26" name="Google Shape;111;p2">
+            <a:extLst>
+              <a:ext uri="{FF2B5EF4-FFF2-40B4-BE49-F238E27FC236}">
+                <a16:creationId xmlns:a16="http://schemas.microsoft.com/office/drawing/2014/main" id="{A4590AA9-D8B6-4BB8-845B-4503E5C5B24E}"/>
+              </a:ext>
+            </a:extLst>
+          </p:cNvPr>
+          <p:cNvSpPr txBox="1"/>
+          <p:nvPr/>
+        </p:nvSpPr>
+        <p:spPr>
+          <a:xfrm>
+            <a:off x="8369987" y="1111918"/>
+            <a:ext cx="2827264" cy="461624"/>
+          </a:xfrm>
+          <a:prstGeom prst="rect">
+            <a:avLst/>
+          </a:prstGeom>
+          <a:noFill/>
+          <a:ln>
+            <a:noFill/>
+          </a:ln>
+        </p:spPr>
+        <p:txBody>
+          <a:bodyPr spcFirstLastPara="1" wrap="square" lIns="91425" tIns="45700" rIns="91425" bIns="45700" anchor="t" anchorCtr="0">
+            <a:spAutoFit/>
+          </a:bodyPr>
+          <a:lstStyle/>
+          <a:p>
+            <a:pPr marL="0" marR="0" lvl="0" indent="0" algn="ctr" defTabSz="914400" rtl="0" eaLnBrk="0" fontAlgn="base" latinLnBrk="0" hangingPunct="0">
+              <a:lnSpc>
+                <a:spcPct val="100000"/>
+              </a:lnSpc>
+              <a:spcBef>
+                <a:spcPct val="0"/>
+              </a:spcBef>
+              <a:spcAft>
+                <a:spcPct val="0"/>
+              </a:spcAft>
+              <a:buClrTx/>
+              <a:buSzTx/>
+              <a:buFontTx/>
+              <a:buNone/>
+              <a:tabLst/>
+            </a:pPr>
+            <a:r>
+              <a:rPr kumimoji="0" lang="es-PE" altLang="es-PE" b="1" i="0" u="none" strike="noStrike" cap="none" normalizeH="0" baseline="0" dirty="0">
+                <a:ln>
+                  <a:noFill/>
+                </a:ln>
+                <a:solidFill>
+                  <a:srgbClr val="000000"/>
+                </a:solidFill>
+                <a:effectLst/>
+                <a:latin typeface="Calibri" panose="020F0502020204030204" pitchFamily="34" charset="0"/>
+                <a:cs typeface="Calibri" panose="020F0502020204030204" pitchFamily="34" charset="0"/>
+              </a:rPr>
+              <a:t>Reclamos por servicio (%)</a:t>
+            </a:r>
+          </a:p>
+          <a:p>
+            <a:pPr marL="0" marR="0" lvl="0" indent="0" algn="ctr" defTabSz="914400" rtl="0" eaLnBrk="0" fontAlgn="base" latinLnBrk="0" hangingPunct="0">
+              <a:lnSpc>
+                <a:spcPct val="100000"/>
+              </a:lnSpc>
+              <a:spcBef>
+                <a:spcPct val="0"/>
+              </a:spcBef>
+              <a:spcAft>
+                <a:spcPct val="0"/>
+              </a:spcAft>
+              <a:buClrTx/>
+              <a:buSzTx/>
+              <a:buFontTx/>
+              <a:buNone/>
+              <a:tabLst/>
+            </a:pPr>
+            <a:endParaRPr kumimoji="0" lang="es-PE" altLang="es-PE" sz="600" b="0" i="0" u="none" strike="noStrike" cap="none" normalizeH="0" baseline="0" dirty="0">
+              <a:ln>
+                <a:noFill/>
+              </a:ln>
+              <a:solidFill>
+                <a:schemeClr val="tx1"/>
+              </a:solidFill>
+              <a:effectLst/>
+            </a:endParaRPr>
+          </a:p>
+        </p:txBody>
+      </p:sp>
+    </p:spTree>
+    <p:extLst>
+      <p:ext uri="{BB962C8B-B14F-4D97-AF65-F5344CB8AC3E}">
+        <p14:creationId xmlns:p14="http://schemas.microsoft.com/office/powerpoint/2010/main" val="470657544"/>
+      </p:ext>
+    </p:extLst>
+  </p:cSld>
+  <p:clrMapOvr>
+    <a:masterClrMapping/>
+  </p:clrMapOvr>
+</p:sld>
+</file>
+
+<file path=ppt/slides/slide11.xml><?xml version="1.0" encoding="utf-8"?>
+<p:sld xmlns:a="http://schemas.openxmlformats.org/drawingml/2006/main" xmlns:r="http://schemas.openxmlformats.org/officeDocument/2006/relationships" xmlns:p="http://schemas.openxmlformats.org/presentationml/2006/main">
+  <p:cSld>
+    <p:spTree>
+      <p:nvGrpSpPr>
+        <p:cNvPr id="1" name=""/>
+        <p:cNvGrpSpPr/>
+        <p:nvPr/>
+      </p:nvGrpSpPr>
+      <p:grpSpPr>
+        <a:xfrm>
+          <a:off x="0" y="0"/>
+          <a:ext cx="0" cy="0"/>
+          <a:chOff x="0" y="0"/>
+          <a:chExt cx="0" cy="0"/>
+        </a:xfrm>
+      </p:grpSpPr>
+      <p:sp>
+        <p:nvSpPr>
+          <p:cNvPr id="4" name="Rectángulo: esquinas superiores redondeadas 4">
+            <a:extLst>
+              <a:ext uri="{FF2B5EF4-FFF2-40B4-BE49-F238E27FC236}">
+                <a16:creationId xmlns:a16="http://schemas.microsoft.com/office/drawing/2014/main" id="{CF789E0E-816C-4223-84EC-DC9D690B87EA}"/>
+              </a:ext>
+            </a:extLst>
+          </p:cNvPr>
+          <p:cNvSpPr/>
+          <p:nvPr/>
+        </p:nvSpPr>
+        <p:spPr>
+          <a:xfrm rot="10800000">
+            <a:off x="355599" y="0"/>
+            <a:ext cx="7813039" cy="640080"/>
+          </a:xfrm>
+          <a:prstGeom prst="round2SameRect">
+            <a:avLst/>
+          </a:prstGeom>
+          <a:solidFill>
+            <a:schemeClr val="tx2">
+              <a:lumMod val="75000"/>
+            </a:schemeClr>
+          </a:solidFill>
+        </p:spPr>
+        <p:style>
+          <a:lnRef idx="2">
+            <a:schemeClr val="accent1">
+              <a:shade val="50000"/>
+            </a:schemeClr>
+          </a:lnRef>
+          <a:fillRef idx="1">
+            <a:schemeClr val="accent1"/>
+          </a:fillRef>
+          <a:effectRef idx="0">
+            <a:schemeClr val="accent1"/>
+          </a:effectRef>
+          <a:fontRef idx="minor">
+            <a:schemeClr val="lt1"/>
+          </a:fontRef>
+        </p:style>
+        <p:txBody>
+          <a:bodyPr rtlCol="0" anchor="ctr"/>
+          <a:lstStyle/>
+          <a:p>
+            <a:pPr algn="ctr"/>
+            <a:endParaRPr lang="es-PE" dirty="0"/>
+          </a:p>
+        </p:txBody>
+      </p:sp>
+      <p:sp>
+        <p:nvSpPr>
+          <p:cNvPr id="5" name="CuadroTexto 4">
+            <a:extLst>
+              <a:ext uri="{FF2B5EF4-FFF2-40B4-BE49-F238E27FC236}">
+                <a16:creationId xmlns:a16="http://schemas.microsoft.com/office/drawing/2014/main" id="{48D2A9BD-EBF3-4CF7-A61E-49631D4D1DBB}"/>
+              </a:ext>
+            </a:extLst>
+          </p:cNvPr>
+          <p:cNvSpPr txBox="1"/>
+          <p:nvPr/>
+        </p:nvSpPr>
+        <p:spPr>
+          <a:xfrm>
+            <a:off x="558799" y="134927"/>
+            <a:ext cx="6597779" cy="400110"/>
+          </a:xfrm>
+          <a:prstGeom prst="rect">
+            <a:avLst/>
+          </a:prstGeom>
+          <a:noFill/>
+        </p:spPr>
+        <p:txBody>
+          <a:bodyPr wrap="square" rtlCol="0">
+            <a:spAutoFit/>
+          </a:bodyPr>
+          <a:lstStyle/>
+          <a:p>
+            <a:r>
+              <a:rPr lang="es-MX" sz="2000" dirty="0">
+                <a:solidFill>
+                  <a:schemeClr val="bg1"/>
+                </a:solidFill>
+                <a:latin typeface="Open Sans" panose="020B0606030504020204" pitchFamily="34" charset="0"/>
+                <a:ea typeface="Open Sans" panose="020B0606030504020204" pitchFamily="34" charset="0"/>
+                <a:cs typeface="Open Sans" panose="020B0606030504020204" pitchFamily="34" charset="0"/>
+              </a:rPr>
+              <a:t>Criterios para priorizar el modelo (Servicio)</a:t>
+            </a:r>
+          </a:p>
+        </p:txBody>
+      </p:sp>
+      <p:sp>
+        <p:nvSpPr>
+          <p:cNvPr id="9" name="Rectángulo 8">
+            <a:extLst>
+              <a:ext uri="{FF2B5EF4-FFF2-40B4-BE49-F238E27FC236}">
+                <a16:creationId xmlns:a16="http://schemas.microsoft.com/office/drawing/2014/main" id="{17D5E67A-13F6-4283-8297-CC8F5E053535}"/>
+              </a:ext>
+            </a:extLst>
+          </p:cNvPr>
+          <p:cNvSpPr/>
+          <p:nvPr/>
+        </p:nvSpPr>
+        <p:spPr>
+          <a:xfrm>
+            <a:off x="355600" y="5943600"/>
+            <a:ext cx="203200" cy="914399"/>
+          </a:xfrm>
+          <a:prstGeom prst="rect">
+            <a:avLst/>
+          </a:prstGeom>
+          <a:solidFill>
+            <a:schemeClr val="tx2">
+              <a:lumMod val="75000"/>
+            </a:schemeClr>
+          </a:solidFill>
+        </p:spPr>
+        <p:style>
+          <a:lnRef idx="2">
+            <a:schemeClr val="dk1">
+              <a:shade val="50000"/>
+            </a:schemeClr>
+          </a:lnRef>
+          <a:fillRef idx="1">
+            <a:schemeClr val="dk1"/>
+          </a:fillRef>
+          <a:effectRef idx="0">
+            <a:schemeClr val="dk1"/>
+          </a:effectRef>
+          <a:fontRef idx="minor">
+            <a:schemeClr val="lt1"/>
+          </a:fontRef>
+        </p:style>
+        <p:txBody>
+          <a:bodyPr rtlCol="0" anchor="ctr"/>
+          <a:lstStyle/>
+          <a:p>
+            <a:pPr algn="ctr"/>
+            <a:endParaRPr lang="es-PE"/>
+          </a:p>
+        </p:txBody>
+      </p:sp>
+      <p:sp>
+        <p:nvSpPr>
+          <p:cNvPr id="10" name="Rectángulo 9">
+            <a:extLst>
+              <a:ext uri="{FF2B5EF4-FFF2-40B4-BE49-F238E27FC236}">
+                <a16:creationId xmlns:a16="http://schemas.microsoft.com/office/drawing/2014/main" id="{54D73149-C250-47CB-B10E-EEADC5D5A38D}"/>
+              </a:ext>
+            </a:extLst>
+          </p:cNvPr>
+          <p:cNvSpPr/>
+          <p:nvPr/>
+        </p:nvSpPr>
+        <p:spPr>
+          <a:xfrm>
+            <a:off x="640234" y="6385364"/>
+            <a:ext cx="203200" cy="472635"/>
+          </a:xfrm>
+          <a:prstGeom prst="rect">
+            <a:avLst/>
+          </a:prstGeom>
+          <a:solidFill>
+            <a:srgbClr val="C00000"/>
+          </a:solidFill>
+          <a:ln>
+            <a:noFill/>
+          </a:ln>
+        </p:spPr>
+        <p:style>
+          <a:lnRef idx="2">
+            <a:schemeClr val="dk1">
+              <a:shade val="50000"/>
+            </a:schemeClr>
+          </a:lnRef>
+          <a:fillRef idx="1">
+            <a:schemeClr val="dk1"/>
+          </a:fillRef>
+          <a:effectRef idx="0">
+            <a:schemeClr val="dk1"/>
+          </a:effectRef>
+          <a:fontRef idx="minor">
+            <a:schemeClr val="lt1"/>
+          </a:fontRef>
+        </p:style>
+        <p:txBody>
+          <a:bodyPr rtlCol="0" anchor="ctr"/>
+          <a:lstStyle/>
+          <a:p>
+            <a:pPr algn="ctr"/>
+            <a:endParaRPr lang="es-PE"/>
+          </a:p>
+        </p:txBody>
+      </p:sp>
+      <p:sp>
+        <p:nvSpPr>
+          <p:cNvPr id="12" name="Google Shape;111;p2">
+            <a:extLst>
+              <a:ext uri="{FF2B5EF4-FFF2-40B4-BE49-F238E27FC236}">
+                <a16:creationId xmlns:a16="http://schemas.microsoft.com/office/drawing/2014/main" id="{002F249E-01CD-4A15-802F-2FC4DE855BEF}"/>
+              </a:ext>
+            </a:extLst>
+          </p:cNvPr>
+          <p:cNvSpPr txBox="1"/>
+          <p:nvPr/>
+        </p:nvSpPr>
+        <p:spPr>
+          <a:xfrm>
+            <a:off x="738223" y="866805"/>
+            <a:ext cx="6621600" cy="969456"/>
+          </a:xfrm>
+          <a:prstGeom prst="rect">
+            <a:avLst/>
+          </a:prstGeom>
+          <a:noFill/>
+          <a:ln>
+            <a:noFill/>
+          </a:ln>
+        </p:spPr>
+        <p:txBody>
+          <a:bodyPr spcFirstLastPara="1" wrap="square" lIns="91425" tIns="45700" rIns="91425" bIns="45700" anchor="t" anchorCtr="0">
+            <a:spAutoFit/>
+          </a:bodyPr>
+          <a:lstStyle/>
+          <a:p>
+            <a:pPr lvl="0" algn="just" eaLnBrk="0" fontAlgn="base" hangingPunct="0">
+              <a:spcBef>
+                <a:spcPct val="0"/>
+              </a:spcBef>
+              <a:spcAft>
+                <a:spcPct val="0"/>
+              </a:spcAft>
+            </a:pPr>
+            <a:r>
+              <a:rPr lang="es-PE" altLang="es-PE" sz="1600" dirty="0">
+                <a:solidFill>
+                  <a:srgbClr val="000000"/>
+                </a:solidFill>
+                <a:latin typeface="Calibri" panose="020F0502020204030204" pitchFamily="34" charset="0"/>
+                <a:cs typeface="Calibri" panose="020F0502020204030204" pitchFamily="34" charset="0"/>
+              </a:rPr>
+              <a:t>Des pues de hacer un análisis descriptivo de los datos preprocesados, y con el </a:t>
+            </a:r>
+            <a:r>
+              <a:rPr lang="es-PE" altLang="es-PE" sz="1600" i="1" dirty="0" err="1">
+                <a:solidFill>
+                  <a:srgbClr val="000000"/>
+                </a:solidFill>
+                <a:latin typeface="Calibri" panose="020F0502020204030204" pitchFamily="34" charset="0"/>
+                <a:cs typeface="Calibri" panose="020F0502020204030204" pitchFamily="34" charset="0"/>
+              </a:rPr>
+              <a:t>feedback</a:t>
+            </a:r>
+            <a:r>
+              <a:rPr lang="es-PE" altLang="es-PE" sz="1600" dirty="0">
+                <a:solidFill>
+                  <a:srgbClr val="000000"/>
+                </a:solidFill>
+                <a:latin typeface="Calibri" panose="020F0502020204030204" pitchFamily="34" charset="0"/>
+                <a:cs typeface="Calibri" panose="020F0502020204030204" pitchFamily="34" charset="0"/>
+              </a:rPr>
+              <a:t> de Negocio, hemos seleccionado un servicio piloto para ejecutar el modelo. </a:t>
+            </a:r>
+            <a:r>
+              <a:rPr lang="es-PE" altLang="es-PE" sz="1600" b="1" dirty="0">
+                <a:solidFill>
+                  <a:srgbClr val="000000"/>
+                </a:solidFill>
+                <a:latin typeface="Calibri" panose="020F0502020204030204" pitchFamily="34" charset="0"/>
+                <a:cs typeface="Calibri" panose="020F0502020204030204" pitchFamily="34" charset="0"/>
+              </a:rPr>
+              <a:t>Atención al usuario (*)</a:t>
+            </a:r>
+            <a:endParaRPr lang="es-PE" altLang="es-PE" sz="1600" dirty="0">
+              <a:solidFill>
+                <a:srgbClr val="000000"/>
+              </a:solidFill>
+              <a:latin typeface="Calibri" panose="020F0502020204030204" pitchFamily="34" charset="0"/>
+              <a:cs typeface="Calibri" panose="020F0502020204030204" pitchFamily="34" charset="0"/>
+            </a:endParaRPr>
+          </a:p>
+          <a:p>
+            <a:pPr lvl="0" eaLnBrk="0" fontAlgn="base" hangingPunct="0">
+              <a:spcBef>
+                <a:spcPct val="0"/>
+              </a:spcBef>
+              <a:spcAft>
+                <a:spcPct val="0"/>
+              </a:spcAft>
+            </a:pPr>
+            <a:endParaRPr kumimoji="0" lang="es-PE" altLang="es-PE" sz="900" i="0" u="none" strike="noStrike" cap="none" normalizeH="0" baseline="0" dirty="0">
+              <a:ln>
+                <a:noFill/>
+              </a:ln>
+              <a:solidFill>
+                <a:schemeClr val="tx1"/>
+              </a:solidFill>
+              <a:effectLst/>
+            </a:endParaRPr>
+          </a:p>
+        </p:txBody>
+      </p:sp>
+      <p:sp>
+        <p:nvSpPr>
+          <p:cNvPr id="15" name="Google Shape;111;p2">
+            <a:extLst>
+              <a:ext uri="{FF2B5EF4-FFF2-40B4-BE49-F238E27FC236}">
+                <a16:creationId xmlns:a16="http://schemas.microsoft.com/office/drawing/2014/main" id="{DA903829-C857-466F-8663-51CF8927D68D}"/>
+              </a:ext>
+            </a:extLst>
+          </p:cNvPr>
+          <p:cNvSpPr txBox="1"/>
+          <p:nvPr/>
+        </p:nvSpPr>
+        <p:spPr>
+          <a:xfrm>
+            <a:off x="7830736" y="6277697"/>
+            <a:ext cx="4418773" cy="492402"/>
+          </a:xfrm>
+          <a:prstGeom prst="rect">
+            <a:avLst/>
+          </a:prstGeom>
+          <a:noFill/>
+          <a:ln>
+            <a:noFill/>
+          </a:ln>
+        </p:spPr>
+        <p:txBody>
+          <a:bodyPr spcFirstLastPara="1" wrap="square" lIns="91425" tIns="45700" rIns="91425" bIns="45700" anchor="t" anchorCtr="0">
+            <a:spAutoFit/>
+          </a:bodyPr>
+          <a:lstStyle/>
+          <a:p>
+            <a:pPr marL="0" marR="0" lvl="0" indent="0" algn="l" defTabSz="914400" rtl="0" eaLnBrk="0" fontAlgn="base" latinLnBrk="0" hangingPunct="0">
+              <a:lnSpc>
+                <a:spcPct val="100000"/>
+              </a:lnSpc>
+              <a:spcBef>
+                <a:spcPct val="0"/>
+              </a:spcBef>
+              <a:spcAft>
+                <a:spcPct val="0"/>
+              </a:spcAft>
+              <a:buClrTx/>
+              <a:buSzTx/>
+              <a:buFontTx/>
+              <a:buNone/>
+              <a:tabLst/>
+            </a:pPr>
+            <a:r>
+              <a:rPr kumimoji="0" lang="es-PE" altLang="es-PE" sz="1300" b="1" i="0" u="none" strike="noStrike" cap="none" normalizeH="0" baseline="0" dirty="0">
+                <a:ln>
+                  <a:noFill/>
+                </a:ln>
+                <a:solidFill>
+                  <a:srgbClr val="000000"/>
+                </a:solidFill>
+                <a:effectLst/>
+                <a:latin typeface="Calibri" panose="020F0502020204030204" pitchFamily="34" charset="0"/>
+                <a:cs typeface="Calibri" panose="020F0502020204030204" pitchFamily="34" charset="0"/>
+              </a:rPr>
+              <a:t>(*) Después de este piloto extendernos el modelo a otros servicios.</a:t>
+            </a:r>
+            <a:endParaRPr kumimoji="0" lang="es-PE" altLang="es-PE" sz="600" b="0" i="0" u="none" strike="noStrike" cap="none" normalizeH="0" baseline="0" dirty="0">
+              <a:ln>
+                <a:noFill/>
+              </a:ln>
+              <a:solidFill>
+                <a:schemeClr val="tx1"/>
+              </a:solidFill>
+              <a:effectLst/>
+            </a:endParaRPr>
+          </a:p>
+        </p:txBody>
+      </p:sp>
+      <p:sp>
+        <p:nvSpPr>
+          <p:cNvPr id="22" name="Google Shape;111;p2">
+            <a:extLst>
+              <a:ext uri="{FF2B5EF4-FFF2-40B4-BE49-F238E27FC236}">
+                <a16:creationId xmlns:a16="http://schemas.microsoft.com/office/drawing/2014/main" id="{C89DB2A0-1EF6-4E1F-8C52-F1B20078FA77}"/>
+              </a:ext>
+            </a:extLst>
+          </p:cNvPr>
+          <p:cNvSpPr txBox="1"/>
+          <p:nvPr/>
+        </p:nvSpPr>
+        <p:spPr>
+          <a:xfrm>
+            <a:off x="1594909" y="1917792"/>
+            <a:ext cx="4908228" cy="461624"/>
+          </a:xfrm>
+          <a:prstGeom prst="rect">
+            <a:avLst/>
+          </a:prstGeom>
+          <a:noFill/>
+          <a:ln>
+            <a:noFill/>
+          </a:ln>
+        </p:spPr>
+        <p:txBody>
+          <a:bodyPr spcFirstLastPara="1" wrap="square" lIns="91425" tIns="45700" rIns="91425" bIns="45700" anchor="t" anchorCtr="0">
+            <a:spAutoFit/>
+          </a:bodyPr>
+          <a:lstStyle/>
+          <a:p>
+            <a:pPr marL="0" marR="0" lvl="0" indent="0" algn="ctr" defTabSz="914400" rtl="0" eaLnBrk="0" fontAlgn="base" latinLnBrk="0" hangingPunct="0">
+              <a:lnSpc>
+                <a:spcPct val="100000"/>
+              </a:lnSpc>
+              <a:spcBef>
+                <a:spcPct val="0"/>
+              </a:spcBef>
+              <a:spcAft>
+                <a:spcPct val="0"/>
+              </a:spcAft>
+              <a:buClrTx/>
+              <a:buSzTx/>
+              <a:buFontTx/>
+              <a:buNone/>
+              <a:tabLst/>
+            </a:pPr>
+            <a:r>
+              <a:rPr lang="es-PE" altLang="es-PE" b="1" dirty="0">
+                <a:solidFill>
+                  <a:srgbClr val="000000"/>
+                </a:solidFill>
+                <a:latin typeface="Calibri" panose="020F0502020204030204" pitchFamily="34" charset="0"/>
+                <a:cs typeface="Calibri" panose="020F0502020204030204" pitchFamily="34" charset="0"/>
+              </a:rPr>
+              <a:t>Evolución trimestral de reclamos por servicio</a:t>
+            </a:r>
+            <a:endParaRPr kumimoji="0" lang="es-PE" altLang="es-PE" b="1" i="0" u="none" strike="noStrike" cap="none" normalizeH="0" baseline="0" dirty="0">
+              <a:ln>
+                <a:noFill/>
+              </a:ln>
+              <a:solidFill>
+                <a:srgbClr val="000000"/>
+              </a:solidFill>
+              <a:effectLst/>
+              <a:latin typeface="Calibri" panose="020F0502020204030204" pitchFamily="34" charset="0"/>
+              <a:cs typeface="Calibri" panose="020F0502020204030204" pitchFamily="34" charset="0"/>
+            </a:endParaRPr>
+          </a:p>
+          <a:p>
+            <a:pPr marL="0" marR="0" lvl="0" indent="0" algn="ctr" defTabSz="914400" rtl="0" eaLnBrk="0" fontAlgn="base" latinLnBrk="0" hangingPunct="0">
+              <a:lnSpc>
+                <a:spcPct val="100000"/>
+              </a:lnSpc>
+              <a:spcBef>
+                <a:spcPct val="0"/>
+              </a:spcBef>
+              <a:spcAft>
+                <a:spcPct val="0"/>
+              </a:spcAft>
+              <a:buClrTx/>
+              <a:buSzTx/>
+              <a:buFontTx/>
+              <a:buNone/>
+              <a:tabLst/>
+            </a:pPr>
+            <a:endParaRPr kumimoji="0" lang="es-PE" altLang="es-PE" sz="600" b="0" i="0" u="none" strike="noStrike" cap="none" normalizeH="0" baseline="0" dirty="0">
+              <a:ln>
+                <a:noFill/>
+              </a:ln>
+              <a:solidFill>
+                <a:schemeClr val="tx1"/>
+              </a:solidFill>
+              <a:effectLst/>
+            </a:endParaRPr>
+          </a:p>
+        </p:txBody>
+      </p:sp>
+      <p:sp>
+        <p:nvSpPr>
+          <p:cNvPr id="28" name="CuadroTexto 27">
+            <a:extLst>
+              <a:ext uri="{FF2B5EF4-FFF2-40B4-BE49-F238E27FC236}">
+                <a16:creationId xmlns:a16="http://schemas.microsoft.com/office/drawing/2014/main" id="{8D66AAF9-8D22-4DDA-A2A4-5A100794DEE7}"/>
+              </a:ext>
+            </a:extLst>
+          </p:cNvPr>
+          <p:cNvSpPr txBox="1"/>
+          <p:nvPr/>
+        </p:nvSpPr>
+        <p:spPr>
+          <a:xfrm>
+            <a:off x="640234" y="6059240"/>
+            <a:ext cx="6003848" cy="646331"/>
+          </a:xfrm>
+          <a:prstGeom prst="rect">
+            <a:avLst/>
+          </a:prstGeom>
+          <a:noFill/>
+        </p:spPr>
+        <p:txBody>
+          <a:bodyPr wrap="square">
+            <a:spAutoFit/>
+          </a:bodyPr>
+          <a:lstStyle/>
+          <a:p>
+            <a:pPr marL="742950" lvl="1" indent="-285750" eaLnBrk="0" fontAlgn="base" hangingPunct="0">
+              <a:spcBef>
+                <a:spcPct val="0"/>
+              </a:spcBef>
+              <a:spcAft>
+                <a:spcPct val="0"/>
+              </a:spcAft>
+              <a:buFont typeface="Arial" panose="020B0604020202020204" pitchFamily="34" charset="0"/>
+              <a:buChar char="•"/>
+            </a:pPr>
+            <a:r>
+              <a:rPr lang="es-PE" altLang="es-PE" sz="1200" dirty="0">
+                <a:solidFill>
+                  <a:srgbClr val="000000"/>
+                </a:solidFill>
+                <a:latin typeface="Calibri" panose="020F0502020204030204" pitchFamily="34" charset="0"/>
+                <a:cs typeface="Calibri" panose="020F0502020204030204" pitchFamily="34" charset="0"/>
+              </a:rPr>
+              <a:t>Atención al usuario: se encuentra en el top 3 de Reclamos con mas incidencias.</a:t>
+            </a:r>
+          </a:p>
+          <a:p>
+            <a:pPr marL="742950" lvl="1" indent="-285750" eaLnBrk="0" fontAlgn="base" hangingPunct="0">
+              <a:spcBef>
+                <a:spcPct val="0"/>
+              </a:spcBef>
+              <a:spcAft>
+                <a:spcPct val="0"/>
+              </a:spcAft>
+              <a:buFont typeface="Arial" panose="020B0604020202020204" pitchFamily="34" charset="0"/>
+              <a:buChar char="•"/>
+            </a:pPr>
+            <a:r>
+              <a:rPr lang="es-PE" altLang="es-PE" sz="1200" dirty="0">
+                <a:solidFill>
+                  <a:srgbClr val="000000"/>
+                </a:solidFill>
+                <a:latin typeface="Calibri" panose="020F0502020204030204" pitchFamily="34" charset="0"/>
+                <a:cs typeface="Calibri" panose="020F0502020204030204" pitchFamily="34" charset="0"/>
+              </a:rPr>
+              <a:t>Además la solución de la carta no requiere involucrase (consulta u otras dependencias) con otros servicio financieros.</a:t>
+            </a:r>
+          </a:p>
+        </p:txBody>
+      </p:sp>
+      <p:pic>
+        <p:nvPicPr>
+          <p:cNvPr id="2050" name="Picture 2">
+            <a:extLst>
+              <a:ext uri="{FF2B5EF4-FFF2-40B4-BE49-F238E27FC236}">
+                <a16:creationId xmlns:a16="http://schemas.microsoft.com/office/drawing/2014/main" id="{A90DCCD8-33D3-4E47-91DD-BF4DD2A91A14}"/>
+              </a:ext>
+            </a:extLst>
+          </p:cNvPr>
+          <p:cNvPicPr>
+            <a:picLocks noChangeAspect="1" noChangeArrowheads="1"/>
+          </p:cNvPicPr>
+          <p:nvPr/>
+        </p:nvPicPr>
+        <p:blipFill>
+          <a:blip r:embed="rId2">
+            <a:extLst>
+              <a:ext uri="{28A0092B-C50C-407E-A947-70E740481C1C}">
+                <a14:useLocalDpi xmlns:a14="http://schemas.microsoft.com/office/drawing/2010/main" val="0"/>
+              </a:ext>
+            </a:extLst>
+          </a:blip>
+          <a:srcRect/>
+          <a:stretch>
+            <a:fillRect/>
+          </a:stretch>
+        </p:blipFill>
+        <p:spPr bwMode="auto">
+          <a:xfrm>
+            <a:off x="843434" y="2311485"/>
+            <a:ext cx="5991651" cy="3584693"/>
+          </a:xfrm>
+          <a:prstGeom prst="rect">
+            <a:avLst/>
+          </a:prstGeom>
+          <a:noFill/>
+          <a:extLst>
+            <a:ext uri="{909E8E84-426E-40DD-AFC4-6F175D3DCCD1}">
+              <a14:hiddenFill xmlns:a14="http://schemas.microsoft.com/office/drawing/2010/main">
+                <a:solidFill>
+                  <a:srgbClr val="FFFFFF"/>
+                </a:solidFill>
+              </a14:hiddenFill>
+            </a:ext>
+          </a:extLst>
+        </p:spPr>
+      </p:pic>
+      <p:cxnSp>
+        <p:nvCxnSpPr>
+          <p:cNvPr id="17" name="Conector recto 16">
+            <a:extLst>
+              <a:ext uri="{FF2B5EF4-FFF2-40B4-BE49-F238E27FC236}">
+                <a16:creationId xmlns:a16="http://schemas.microsoft.com/office/drawing/2014/main" id="{EB6A114C-92DB-4F3A-A3E8-D3DA8DF1AAF8}"/>
+              </a:ext>
+            </a:extLst>
+          </p:cNvPr>
+          <p:cNvCxnSpPr>
+            <a:cxnSpLocks/>
+          </p:cNvCxnSpPr>
+          <p:nvPr/>
+        </p:nvCxnSpPr>
+        <p:spPr>
+          <a:xfrm>
+            <a:off x="7624068" y="908186"/>
+            <a:ext cx="0" cy="5252101"/>
+          </a:xfrm>
+          <a:prstGeom prst="line">
+            <a:avLst/>
+          </a:prstGeom>
+        </p:spPr>
+        <p:style>
+          <a:lnRef idx="1">
+            <a:schemeClr val="accent1"/>
+          </a:lnRef>
+          <a:fillRef idx="0">
+            <a:schemeClr val="accent1"/>
+          </a:fillRef>
+          <a:effectRef idx="0">
+            <a:schemeClr val="accent1"/>
+          </a:effectRef>
+          <a:fontRef idx="minor">
+            <a:schemeClr val="tx1"/>
+          </a:fontRef>
+        </p:style>
+      </p:cxnSp>
+      <p:pic>
+        <p:nvPicPr>
+          <p:cNvPr id="2052" name="Picture 4">
+            <a:extLst>
+              <a:ext uri="{FF2B5EF4-FFF2-40B4-BE49-F238E27FC236}">
+                <a16:creationId xmlns:a16="http://schemas.microsoft.com/office/drawing/2014/main" id="{E421684F-753B-4DE1-8DD7-3C0A127CD548}"/>
+              </a:ext>
+            </a:extLst>
+          </p:cNvPr>
+          <p:cNvPicPr>
+            <a:picLocks noChangeAspect="1" noChangeArrowheads="1"/>
+          </p:cNvPicPr>
+          <p:nvPr/>
+        </p:nvPicPr>
+        <p:blipFill>
+          <a:blip r:embed="rId3">
+            <a:extLst>
+              <a:ext uri="{28A0092B-C50C-407E-A947-70E740481C1C}">
+                <a14:useLocalDpi xmlns:a14="http://schemas.microsoft.com/office/drawing/2010/main" val="0"/>
+              </a:ext>
+            </a:extLst>
+          </a:blip>
+          <a:srcRect/>
+          <a:stretch>
+            <a:fillRect/>
+          </a:stretch>
+        </p:blipFill>
+        <p:spPr bwMode="auto">
+          <a:xfrm>
+            <a:off x="8160249" y="1291905"/>
+            <a:ext cx="3366644" cy="4532822"/>
+          </a:xfrm>
+          <a:prstGeom prst="rect">
+            <a:avLst/>
+          </a:prstGeom>
+          <a:noFill/>
+          <a:extLst>
+            <a:ext uri="{909E8E84-426E-40DD-AFC4-6F175D3DCCD1}">
+              <a14:hiddenFill xmlns:a14="http://schemas.microsoft.com/office/drawing/2010/main">
+                <a:solidFill>
+                  <a:srgbClr val="FFFFFF"/>
+                </a:solidFill>
+              </a14:hiddenFill>
+            </a:ext>
+          </a:extLst>
+        </p:spPr>
+      </p:pic>
+      <p:sp>
+        <p:nvSpPr>
+          <p:cNvPr id="23" name="Google Shape;111;p2">
+            <a:extLst>
+              <a:ext uri="{FF2B5EF4-FFF2-40B4-BE49-F238E27FC236}">
+                <a16:creationId xmlns:a16="http://schemas.microsoft.com/office/drawing/2014/main" id="{C4FFAB8F-7156-445F-89D2-7C88F8EAAB32}"/>
+              </a:ext>
+            </a:extLst>
+          </p:cNvPr>
+          <p:cNvSpPr txBox="1"/>
+          <p:nvPr/>
+        </p:nvSpPr>
+        <p:spPr>
+          <a:xfrm>
+            <a:off x="8276010" y="1196618"/>
+            <a:ext cx="3186155" cy="430847"/>
+          </a:xfrm>
+          <a:prstGeom prst="rect">
+            <a:avLst/>
+          </a:prstGeom>
+          <a:noFill/>
+          <a:ln>
+            <a:noFill/>
+          </a:ln>
+        </p:spPr>
+        <p:txBody>
+          <a:bodyPr spcFirstLastPara="1" wrap="square" lIns="91425" tIns="45700" rIns="91425" bIns="45700" anchor="t" anchorCtr="0">
+            <a:spAutoFit/>
+          </a:bodyPr>
+          <a:lstStyle/>
+          <a:p>
+            <a:pPr marL="0" marR="0" lvl="0" indent="0" algn="ctr" defTabSz="914400" rtl="0" eaLnBrk="0" fontAlgn="base" latinLnBrk="0" hangingPunct="0">
+              <a:lnSpc>
+                <a:spcPct val="100000"/>
+              </a:lnSpc>
+              <a:spcBef>
+                <a:spcPct val="0"/>
+              </a:spcBef>
+              <a:spcAft>
+                <a:spcPct val="0"/>
+              </a:spcAft>
+              <a:buClrTx/>
+              <a:buSzTx/>
+              <a:buFontTx/>
+              <a:buNone/>
+              <a:tabLst/>
+            </a:pPr>
+            <a:r>
+              <a:rPr lang="es-PE" altLang="es-PE" sz="1600" b="1" dirty="0">
+                <a:solidFill>
+                  <a:srgbClr val="000000"/>
+                </a:solidFill>
+                <a:latin typeface="Calibri" panose="020F0502020204030204" pitchFamily="34" charset="0"/>
+                <a:cs typeface="Calibri" panose="020F0502020204030204" pitchFamily="34" charset="0"/>
+              </a:rPr>
+              <a:t>Top 3 de Servicios (2018-2021)</a:t>
+            </a:r>
+            <a:endParaRPr kumimoji="0" lang="es-PE" altLang="es-PE" sz="1600" b="1" i="0" u="none" strike="noStrike" cap="none" normalizeH="0" baseline="0" dirty="0">
+              <a:ln>
+                <a:noFill/>
+              </a:ln>
+              <a:solidFill>
+                <a:srgbClr val="000000"/>
+              </a:solidFill>
+              <a:effectLst/>
+              <a:latin typeface="Calibri" panose="020F0502020204030204" pitchFamily="34" charset="0"/>
+              <a:cs typeface="Calibri" panose="020F0502020204030204" pitchFamily="34" charset="0"/>
+            </a:endParaRPr>
+          </a:p>
+          <a:p>
+            <a:pPr marL="0" marR="0" lvl="0" indent="0" algn="ctr" defTabSz="914400" rtl="0" eaLnBrk="0" fontAlgn="base" latinLnBrk="0" hangingPunct="0">
+              <a:lnSpc>
+                <a:spcPct val="100000"/>
+              </a:lnSpc>
+              <a:spcBef>
+                <a:spcPct val="0"/>
+              </a:spcBef>
+              <a:spcAft>
+                <a:spcPct val="0"/>
+              </a:spcAft>
+              <a:buClrTx/>
+              <a:buSzTx/>
+              <a:buFontTx/>
+              <a:buNone/>
+              <a:tabLst/>
+            </a:pPr>
+            <a:endParaRPr kumimoji="0" lang="es-PE" altLang="es-PE" sz="600" b="0" i="0" u="none" strike="noStrike" cap="none" normalizeH="0" baseline="0" dirty="0">
+              <a:ln>
+                <a:noFill/>
+              </a:ln>
+              <a:solidFill>
+                <a:schemeClr val="tx1"/>
+              </a:solidFill>
+              <a:effectLst/>
+            </a:endParaRPr>
+          </a:p>
+        </p:txBody>
+      </p:sp>
+    </p:spTree>
+    <p:extLst>
+      <p:ext uri="{BB962C8B-B14F-4D97-AF65-F5344CB8AC3E}">
+        <p14:creationId xmlns:p14="http://schemas.microsoft.com/office/powerpoint/2010/main" val="1548355188"/>
       </p:ext>
     </p:extLst>
   </p:cSld>
@@ -7961,796 +9980,6 @@
 </file>
 
 <file path=ppt/slides/slide5.xml><?xml version="1.0" encoding="utf-8"?>
-<p:sld xmlns:a="http://schemas.openxmlformats.org/drawingml/2006/main" xmlns:r="http://schemas.openxmlformats.org/officeDocument/2006/relationships" xmlns:p="http://schemas.openxmlformats.org/presentationml/2006/main">
-  <p:cSld>
-    <p:spTree>
-      <p:nvGrpSpPr>
-        <p:cNvPr id="1" name=""/>
-        <p:cNvGrpSpPr/>
-        <p:nvPr/>
-      </p:nvGrpSpPr>
-      <p:grpSpPr>
-        <a:xfrm>
-          <a:off x="0" y="0"/>
-          <a:ext cx="0" cy="0"/>
-          <a:chOff x="0" y="0"/>
-          <a:chExt cx="0" cy="0"/>
-        </a:xfrm>
-      </p:grpSpPr>
-      <p:sp>
-        <p:nvSpPr>
-          <p:cNvPr id="4" name="Rectángulo: esquinas superiores redondeadas 4">
-            <a:extLst>
-              <a:ext uri="{FF2B5EF4-FFF2-40B4-BE49-F238E27FC236}">
-                <a16:creationId xmlns:a16="http://schemas.microsoft.com/office/drawing/2014/main" id="{CF789E0E-816C-4223-84EC-DC9D690B87EA}"/>
-              </a:ext>
-            </a:extLst>
-          </p:cNvPr>
-          <p:cNvSpPr/>
-          <p:nvPr/>
-        </p:nvSpPr>
-        <p:spPr>
-          <a:xfrm rot="10800000">
-            <a:off x="355599" y="0"/>
-            <a:ext cx="7813039" cy="640080"/>
-          </a:xfrm>
-          <a:prstGeom prst="round2SameRect">
-            <a:avLst/>
-          </a:prstGeom>
-          <a:solidFill>
-            <a:schemeClr val="tx2">
-              <a:lumMod val="75000"/>
-            </a:schemeClr>
-          </a:solidFill>
-        </p:spPr>
-        <p:style>
-          <a:lnRef idx="2">
-            <a:schemeClr val="accent1">
-              <a:shade val="50000"/>
-            </a:schemeClr>
-          </a:lnRef>
-          <a:fillRef idx="1">
-            <a:schemeClr val="accent1"/>
-          </a:fillRef>
-          <a:effectRef idx="0">
-            <a:schemeClr val="accent1"/>
-          </a:effectRef>
-          <a:fontRef idx="minor">
-            <a:schemeClr val="lt1"/>
-          </a:fontRef>
-        </p:style>
-        <p:txBody>
-          <a:bodyPr rtlCol="0" anchor="ctr"/>
-          <a:lstStyle/>
-          <a:p>
-            <a:pPr algn="ctr"/>
-            <a:endParaRPr lang="es-PE" dirty="0"/>
-          </a:p>
-        </p:txBody>
-      </p:sp>
-      <p:sp>
-        <p:nvSpPr>
-          <p:cNvPr id="5" name="CuadroTexto 4">
-            <a:extLst>
-              <a:ext uri="{FF2B5EF4-FFF2-40B4-BE49-F238E27FC236}">
-                <a16:creationId xmlns:a16="http://schemas.microsoft.com/office/drawing/2014/main" id="{48D2A9BD-EBF3-4CF7-A61E-49631D4D1DBB}"/>
-              </a:ext>
-            </a:extLst>
-          </p:cNvPr>
-          <p:cNvSpPr txBox="1"/>
-          <p:nvPr/>
-        </p:nvSpPr>
-        <p:spPr>
-          <a:xfrm>
-            <a:off x="558800" y="134927"/>
-            <a:ext cx="5594865" cy="400110"/>
-          </a:xfrm>
-          <a:prstGeom prst="rect">
-            <a:avLst/>
-          </a:prstGeom>
-          <a:noFill/>
-        </p:spPr>
-        <p:txBody>
-          <a:bodyPr wrap="square" rtlCol="0">
-            <a:spAutoFit/>
-          </a:bodyPr>
-          <a:lstStyle/>
-          <a:p>
-            <a:r>
-              <a:rPr lang="es-PE" sz="2000" dirty="0">
-                <a:solidFill>
-                  <a:schemeClr val="bg1"/>
-                </a:solidFill>
-                <a:latin typeface="Open Sans" panose="020B0606030504020204" pitchFamily="34" charset="0"/>
-                <a:ea typeface="Open Sans" panose="020B0606030504020204" pitchFamily="34" charset="0"/>
-                <a:cs typeface="Open Sans" panose="020B0606030504020204" pitchFamily="34" charset="0"/>
-              </a:rPr>
-              <a:t>Observaciones en reclamos de Primer nivel</a:t>
-            </a:r>
-          </a:p>
-        </p:txBody>
-      </p:sp>
-      <p:sp>
-        <p:nvSpPr>
-          <p:cNvPr id="9" name="Rectángulo 8">
-            <a:extLst>
-              <a:ext uri="{FF2B5EF4-FFF2-40B4-BE49-F238E27FC236}">
-                <a16:creationId xmlns:a16="http://schemas.microsoft.com/office/drawing/2014/main" id="{17D5E67A-13F6-4283-8297-CC8F5E053535}"/>
-              </a:ext>
-            </a:extLst>
-          </p:cNvPr>
-          <p:cNvSpPr/>
-          <p:nvPr/>
-        </p:nvSpPr>
-        <p:spPr>
-          <a:xfrm>
-            <a:off x="355600" y="5943600"/>
-            <a:ext cx="203200" cy="914399"/>
-          </a:xfrm>
-          <a:prstGeom prst="rect">
-            <a:avLst/>
-          </a:prstGeom>
-          <a:solidFill>
-            <a:schemeClr val="tx2">
-              <a:lumMod val="75000"/>
-            </a:schemeClr>
-          </a:solidFill>
-        </p:spPr>
-        <p:style>
-          <a:lnRef idx="2">
-            <a:schemeClr val="dk1">
-              <a:shade val="50000"/>
-            </a:schemeClr>
-          </a:lnRef>
-          <a:fillRef idx="1">
-            <a:schemeClr val="dk1"/>
-          </a:fillRef>
-          <a:effectRef idx="0">
-            <a:schemeClr val="dk1"/>
-          </a:effectRef>
-          <a:fontRef idx="minor">
-            <a:schemeClr val="lt1"/>
-          </a:fontRef>
-        </p:style>
-        <p:txBody>
-          <a:bodyPr rtlCol="0" anchor="ctr"/>
-          <a:lstStyle/>
-          <a:p>
-            <a:pPr algn="ctr"/>
-            <a:endParaRPr lang="es-PE"/>
-          </a:p>
-        </p:txBody>
-      </p:sp>
-      <p:sp>
-        <p:nvSpPr>
-          <p:cNvPr id="10" name="Rectángulo 9">
-            <a:extLst>
-              <a:ext uri="{FF2B5EF4-FFF2-40B4-BE49-F238E27FC236}">
-                <a16:creationId xmlns:a16="http://schemas.microsoft.com/office/drawing/2014/main" id="{54D73149-C250-47CB-B10E-EEADC5D5A38D}"/>
-              </a:ext>
-            </a:extLst>
-          </p:cNvPr>
-          <p:cNvSpPr/>
-          <p:nvPr/>
-        </p:nvSpPr>
-        <p:spPr>
-          <a:xfrm>
-            <a:off x="640234" y="6385364"/>
-            <a:ext cx="203200" cy="472635"/>
-          </a:xfrm>
-          <a:prstGeom prst="rect">
-            <a:avLst/>
-          </a:prstGeom>
-          <a:solidFill>
-            <a:srgbClr val="C00000"/>
-          </a:solidFill>
-          <a:ln>
-            <a:noFill/>
-          </a:ln>
-        </p:spPr>
-        <p:style>
-          <a:lnRef idx="2">
-            <a:schemeClr val="dk1">
-              <a:shade val="50000"/>
-            </a:schemeClr>
-          </a:lnRef>
-          <a:fillRef idx="1">
-            <a:schemeClr val="dk1"/>
-          </a:fillRef>
-          <a:effectRef idx="0">
-            <a:schemeClr val="dk1"/>
-          </a:effectRef>
-          <a:fontRef idx="minor">
-            <a:schemeClr val="lt1"/>
-          </a:fontRef>
-        </p:style>
-        <p:txBody>
-          <a:bodyPr rtlCol="0" anchor="ctr"/>
-          <a:lstStyle/>
-          <a:p>
-            <a:pPr algn="ctr"/>
-            <a:endParaRPr lang="es-PE"/>
-          </a:p>
-        </p:txBody>
-      </p:sp>
-      <p:sp>
-        <p:nvSpPr>
-          <p:cNvPr id="15" name="Google Shape;111;p2">
-            <a:extLst>
-              <a:ext uri="{FF2B5EF4-FFF2-40B4-BE49-F238E27FC236}">
-                <a16:creationId xmlns:a16="http://schemas.microsoft.com/office/drawing/2014/main" id="{DA903829-C857-466F-8663-51CF8927D68D}"/>
-              </a:ext>
-            </a:extLst>
-          </p:cNvPr>
-          <p:cNvSpPr txBox="1"/>
-          <p:nvPr/>
-        </p:nvSpPr>
-        <p:spPr>
-          <a:xfrm>
-            <a:off x="924868" y="6230671"/>
-            <a:ext cx="7243770" cy="492402"/>
-          </a:xfrm>
-          <a:prstGeom prst="rect">
-            <a:avLst/>
-          </a:prstGeom>
-          <a:noFill/>
-          <a:ln>
-            <a:noFill/>
-          </a:ln>
-        </p:spPr>
-        <p:txBody>
-          <a:bodyPr spcFirstLastPara="1" wrap="square" lIns="91425" tIns="45700" rIns="91425" bIns="45700" anchor="t" anchorCtr="0">
-            <a:spAutoFit/>
-          </a:bodyPr>
-          <a:lstStyle/>
-          <a:p>
-            <a:pPr marL="0" marR="0" lvl="0" indent="0" algn="l" defTabSz="914400" rtl="0" eaLnBrk="0" fontAlgn="base" latinLnBrk="0" hangingPunct="0">
-              <a:lnSpc>
-                <a:spcPct val="100000"/>
-              </a:lnSpc>
-              <a:spcBef>
-                <a:spcPct val="0"/>
-              </a:spcBef>
-              <a:spcAft>
-                <a:spcPct val="0"/>
-              </a:spcAft>
-              <a:buClrTx/>
-              <a:buSzTx/>
-              <a:buFontTx/>
-              <a:buNone/>
-              <a:tabLst/>
-            </a:pPr>
-            <a:r>
-              <a:rPr kumimoji="0" lang="es-PE" altLang="es-PE" sz="1300" b="1" i="0" u="none" strike="noStrike" cap="none" normalizeH="0" baseline="0" dirty="0">
-                <a:ln>
-                  <a:noFill/>
-                </a:ln>
-                <a:solidFill>
-                  <a:srgbClr val="000000"/>
-                </a:solidFill>
-                <a:effectLst/>
-                <a:latin typeface="Calibri" panose="020F0502020204030204" pitchFamily="34" charset="0"/>
-                <a:cs typeface="Calibri" panose="020F0502020204030204" pitchFamily="34" charset="0"/>
-              </a:rPr>
-              <a:t>Al tratar de identificar los código de servicios, motivo de la fuentes en los catálogos de la SBS, algunos no son encontrados (</a:t>
-            </a:r>
-            <a:r>
-              <a:rPr kumimoji="0" lang="es-PE" altLang="es-PE" sz="1300" b="1" i="0" u="none" strike="noStrike" cap="none" normalizeH="0" baseline="0" dirty="0" err="1">
-                <a:ln>
-                  <a:noFill/>
-                </a:ln>
-                <a:solidFill>
-                  <a:srgbClr val="000000"/>
-                </a:solidFill>
-                <a:effectLst/>
-                <a:latin typeface="Calibri" panose="020F0502020204030204" pitchFamily="34" charset="0"/>
-                <a:cs typeface="Calibri" panose="020F0502020204030204" pitchFamily="34" charset="0"/>
-              </a:rPr>
-              <a:t>eg</a:t>
-            </a:r>
-            <a:r>
-              <a:rPr kumimoji="0" lang="es-PE" altLang="es-PE" sz="1300" b="1" i="0" u="none" strike="noStrike" cap="none" normalizeH="0" baseline="0" dirty="0">
-                <a:ln>
-                  <a:noFill/>
-                </a:ln>
-                <a:solidFill>
-                  <a:srgbClr val="000000"/>
-                </a:solidFill>
-                <a:effectLst/>
-                <a:latin typeface="Calibri" panose="020F0502020204030204" pitchFamily="34" charset="0"/>
-                <a:cs typeface="Calibri" panose="020F0502020204030204" pitchFamily="34" charset="0"/>
-              </a:rPr>
-              <a:t>, 102 (servicio))  </a:t>
-            </a:r>
-            <a:endParaRPr kumimoji="0" lang="es-PE" altLang="es-PE" sz="600" b="0" i="0" u="none" strike="noStrike" cap="none" normalizeH="0" baseline="0" dirty="0">
-              <a:ln>
-                <a:noFill/>
-              </a:ln>
-              <a:solidFill>
-                <a:schemeClr val="tx1"/>
-              </a:solidFill>
-              <a:effectLst/>
-            </a:endParaRPr>
-          </a:p>
-        </p:txBody>
-      </p:sp>
-      <p:pic>
-        <p:nvPicPr>
-          <p:cNvPr id="16" name="Imagen 15">
-            <a:extLst>
-              <a:ext uri="{FF2B5EF4-FFF2-40B4-BE49-F238E27FC236}">
-                <a16:creationId xmlns:a16="http://schemas.microsoft.com/office/drawing/2014/main" id="{2F5C4631-2155-41E3-AB59-2FA47F7866EB}"/>
-              </a:ext>
-            </a:extLst>
-          </p:cNvPr>
-          <p:cNvPicPr>
-            <a:picLocks noChangeAspect="1"/>
-          </p:cNvPicPr>
-          <p:nvPr/>
-        </p:nvPicPr>
-        <p:blipFill>
-          <a:blip r:embed="rId2"/>
-          <a:stretch>
-            <a:fillRect/>
-          </a:stretch>
-        </p:blipFill>
-        <p:spPr>
-          <a:xfrm>
-            <a:off x="8246401" y="1632224"/>
-            <a:ext cx="2911092" cy="3025402"/>
-          </a:xfrm>
-          <a:prstGeom prst="rect">
-            <a:avLst/>
-          </a:prstGeom>
-        </p:spPr>
-      </p:pic>
-      <p:pic>
-        <p:nvPicPr>
-          <p:cNvPr id="3" name="Imagen 2">
-            <a:extLst>
-              <a:ext uri="{FF2B5EF4-FFF2-40B4-BE49-F238E27FC236}">
-                <a16:creationId xmlns:a16="http://schemas.microsoft.com/office/drawing/2014/main" id="{D4109C8B-B310-40CD-8315-6732F28C33CE}"/>
-              </a:ext>
-            </a:extLst>
-          </p:cNvPr>
-          <p:cNvPicPr>
-            <a:picLocks noChangeAspect="1"/>
-          </p:cNvPicPr>
-          <p:nvPr/>
-        </p:nvPicPr>
-        <p:blipFill>
-          <a:blip r:embed="rId3"/>
-          <a:stretch>
-            <a:fillRect/>
-          </a:stretch>
-        </p:blipFill>
-        <p:spPr>
-          <a:xfrm>
-            <a:off x="8443712" y="4578715"/>
-            <a:ext cx="3581710" cy="990686"/>
-          </a:xfrm>
-          <a:prstGeom prst="rect">
-            <a:avLst/>
-          </a:prstGeom>
-        </p:spPr>
-      </p:pic>
-      <p:pic>
-        <p:nvPicPr>
-          <p:cNvPr id="7" name="Imagen 6">
-            <a:extLst>
-              <a:ext uri="{FF2B5EF4-FFF2-40B4-BE49-F238E27FC236}">
-                <a16:creationId xmlns:a16="http://schemas.microsoft.com/office/drawing/2014/main" id="{B0C5100B-44D5-4660-9729-2978AD4977C4}"/>
-              </a:ext>
-            </a:extLst>
-          </p:cNvPr>
-          <p:cNvPicPr>
-            <a:picLocks noChangeAspect="1"/>
-          </p:cNvPicPr>
-          <p:nvPr/>
-        </p:nvPicPr>
-        <p:blipFill>
-          <a:blip r:embed="rId4"/>
-          <a:stretch>
-            <a:fillRect/>
-          </a:stretch>
-        </p:blipFill>
-        <p:spPr>
-          <a:xfrm>
-            <a:off x="4383408" y="1293537"/>
-            <a:ext cx="2827265" cy="2949196"/>
-          </a:xfrm>
-          <a:prstGeom prst="rect">
-            <a:avLst/>
-          </a:prstGeom>
-        </p:spPr>
-      </p:pic>
-      <p:pic>
-        <p:nvPicPr>
-          <p:cNvPr id="12" name="Imagen 11">
-            <a:extLst>
-              <a:ext uri="{FF2B5EF4-FFF2-40B4-BE49-F238E27FC236}">
-                <a16:creationId xmlns:a16="http://schemas.microsoft.com/office/drawing/2014/main" id="{4F24F389-ED42-4971-9654-D72BA63D819F}"/>
-              </a:ext>
-            </a:extLst>
-          </p:cNvPr>
-          <p:cNvPicPr>
-            <a:picLocks noChangeAspect="1"/>
-          </p:cNvPicPr>
-          <p:nvPr/>
-        </p:nvPicPr>
-        <p:blipFill>
-          <a:blip r:embed="rId5"/>
-          <a:stretch>
-            <a:fillRect/>
-          </a:stretch>
-        </p:blipFill>
-        <p:spPr>
-          <a:xfrm>
-            <a:off x="4293630" y="4374163"/>
-            <a:ext cx="3939881" cy="1143099"/>
-          </a:xfrm>
-          <a:prstGeom prst="rect">
-            <a:avLst/>
-          </a:prstGeom>
-        </p:spPr>
-      </p:pic>
-      <p:pic>
-        <p:nvPicPr>
-          <p:cNvPr id="14" name="Imagen 13">
-            <a:extLst>
-              <a:ext uri="{FF2B5EF4-FFF2-40B4-BE49-F238E27FC236}">
-                <a16:creationId xmlns:a16="http://schemas.microsoft.com/office/drawing/2014/main" id="{6284143E-8FAE-4FD3-9433-8A9A8A236046}"/>
-              </a:ext>
-            </a:extLst>
-          </p:cNvPr>
-          <p:cNvPicPr>
-            <a:picLocks noChangeAspect="1"/>
-          </p:cNvPicPr>
-          <p:nvPr/>
-        </p:nvPicPr>
-        <p:blipFill>
-          <a:blip r:embed="rId6"/>
-          <a:stretch>
-            <a:fillRect/>
-          </a:stretch>
-        </p:blipFill>
-        <p:spPr>
-          <a:xfrm>
-            <a:off x="705469" y="1620425"/>
-            <a:ext cx="2865368" cy="3330229"/>
-          </a:xfrm>
-          <a:prstGeom prst="rect">
-            <a:avLst/>
-          </a:prstGeom>
-        </p:spPr>
-      </p:pic>
-      <p:pic>
-        <p:nvPicPr>
-          <p:cNvPr id="20" name="Imagen 19">
-            <a:extLst>
-              <a:ext uri="{FF2B5EF4-FFF2-40B4-BE49-F238E27FC236}">
-                <a16:creationId xmlns:a16="http://schemas.microsoft.com/office/drawing/2014/main" id="{7CCC1653-66F2-4093-B8CC-0ECC65A1C408}"/>
-              </a:ext>
-            </a:extLst>
-          </p:cNvPr>
-          <p:cNvPicPr>
-            <a:picLocks noChangeAspect="1"/>
-          </p:cNvPicPr>
-          <p:nvPr/>
-        </p:nvPicPr>
-        <p:blipFill>
-          <a:blip r:embed="rId7"/>
-          <a:stretch>
-            <a:fillRect/>
-          </a:stretch>
-        </p:blipFill>
-        <p:spPr>
-          <a:xfrm>
-            <a:off x="956439" y="4987978"/>
-            <a:ext cx="2949196" cy="967824"/>
-          </a:xfrm>
-          <a:prstGeom prst="rect">
-            <a:avLst/>
-          </a:prstGeom>
-        </p:spPr>
-      </p:pic>
-      <p:sp>
-        <p:nvSpPr>
-          <p:cNvPr id="24" name="Google Shape;111;p2">
-            <a:extLst>
-              <a:ext uri="{FF2B5EF4-FFF2-40B4-BE49-F238E27FC236}">
-                <a16:creationId xmlns:a16="http://schemas.microsoft.com/office/drawing/2014/main" id="{7EC6C5A2-F6A2-4B30-A9C3-E00E11793E4D}"/>
-              </a:ext>
-            </a:extLst>
-          </p:cNvPr>
-          <p:cNvSpPr txBox="1"/>
-          <p:nvPr/>
-        </p:nvSpPr>
-        <p:spPr>
-          <a:xfrm>
-            <a:off x="891656" y="1016823"/>
-            <a:ext cx="2663920" cy="738623"/>
-          </a:xfrm>
-          <a:prstGeom prst="rect">
-            <a:avLst/>
-          </a:prstGeom>
-          <a:noFill/>
-          <a:ln>
-            <a:noFill/>
-          </a:ln>
-        </p:spPr>
-        <p:txBody>
-          <a:bodyPr spcFirstLastPara="1" wrap="square" lIns="91425" tIns="45700" rIns="91425" bIns="45700" anchor="t" anchorCtr="0">
-            <a:spAutoFit/>
-          </a:bodyPr>
-          <a:lstStyle/>
-          <a:p>
-            <a:pPr marL="0" marR="0" lvl="0" indent="0" algn="ctr" defTabSz="914400" rtl="0" eaLnBrk="0" fontAlgn="base" latinLnBrk="0" hangingPunct="0">
-              <a:lnSpc>
-                <a:spcPct val="100000"/>
-              </a:lnSpc>
-              <a:spcBef>
-                <a:spcPct val="0"/>
-              </a:spcBef>
-              <a:spcAft>
-                <a:spcPct val="0"/>
-              </a:spcAft>
-              <a:buClrTx/>
-              <a:buSzTx/>
-              <a:buFontTx/>
-              <a:buNone/>
-              <a:tabLst/>
-            </a:pPr>
-            <a:r>
-              <a:rPr lang="es-PE" altLang="es-PE" b="1" dirty="0">
-                <a:solidFill>
-                  <a:srgbClr val="000000"/>
-                </a:solidFill>
-                <a:latin typeface="Calibri" panose="020F0502020204030204" pitchFamily="34" charset="0"/>
-                <a:cs typeface="Calibri" panose="020F0502020204030204" pitchFamily="34" charset="0"/>
-              </a:rPr>
-              <a:t>R</a:t>
-            </a:r>
-            <a:r>
-              <a:rPr kumimoji="0" lang="es-PE" altLang="es-PE" b="1" i="0" u="none" strike="noStrike" cap="none" normalizeH="0" baseline="0" dirty="0">
-                <a:ln>
-                  <a:noFill/>
-                </a:ln>
-                <a:solidFill>
-                  <a:srgbClr val="000000"/>
-                </a:solidFill>
-                <a:effectLst/>
-                <a:latin typeface="Calibri" panose="020F0502020204030204" pitchFamily="34" charset="0"/>
-                <a:cs typeface="Calibri" panose="020F0502020204030204" pitchFamily="34" charset="0"/>
-              </a:rPr>
-              <a:t>eclamos por canal de ingreso (%)</a:t>
-            </a:r>
-          </a:p>
-          <a:p>
-            <a:pPr marL="0" marR="0" lvl="0" indent="0" algn="ctr" defTabSz="914400" rtl="0" eaLnBrk="0" fontAlgn="base" latinLnBrk="0" hangingPunct="0">
-              <a:lnSpc>
-                <a:spcPct val="100000"/>
-              </a:lnSpc>
-              <a:spcBef>
-                <a:spcPct val="0"/>
-              </a:spcBef>
-              <a:spcAft>
-                <a:spcPct val="0"/>
-              </a:spcAft>
-              <a:buClrTx/>
-              <a:buSzTx/>
-              <a:buFontTx/>
-              <a:buNone/>
-              <a:tabLst/>
-            </a:pPr>
-            <a:endParaRPr kumimoji="0" lang="es-PE" altLang="es-PE" sz="600" b="0" i="0" u="none" strike="noStrike" cap="none" normalizeH="0" baseline="0" dirty="0">
-              <a:ln>
-                <a:noFill/>
-              </a:ln>
-              <a:solidFill>
-                <a:schemeClr val="tx1"/>
-              </a:solidFill>
-              <a:effectLst/>
-            </a:endParaRPr>
-          </a:p>
-        </p:txBody>
-      </p:sp>
-      <p:sp>
-        <p:nvSpPr>
-          <p:cNvPr id="25" name="Google Shape;111;p2">
-            <a:extLst>
-              <a:ext uri="{FF2B5EF4-FFF2-40B4-BE49-F238E27FC236}">
-                <a16:creationId xmlns:a16="http://schemas.microsoft.com/office/drawing/2014/main" id="{95899957-ABD2-4F82-9C6D-06FCC5EF10CF}"/>
-              </a:ext>
-            </a:extLst>
-          </p:cNvPr>
-          <p:cNvSpPr txBox="1"/>
-          <p:nvPr/>
-        </p:nvSpPr>
-        <p:spPr>
-          <a:xfrm>
-            <a:off x="4465080" y="914950"/>
-            <a:ext cx="2663920" cy="461624"/>
-          </a:xfrm>
-          <a:prstGeom prst="rect">
-            <a:avLst/>
-          </a:prstGeom>
-          <a:noFill/>
-          <a:ln>
-            <a:noFill/>
-          </a:ln>
-        </p:spPr>
-        <p:txBody>
-          <a:bodyPr spcFirstLastPara="1" wrap="square" lIns="91425" tIns="45700" rIns="91425" bIns="45700" anchor="t" anchorCtr="0">
-            <a:spAutoFit/>
-          </a:bodyPr>
-          <a:lstStyle/>
-          <a:p>
-            <a:pPr marL="0" marR="0" lvl="0" indent="0" algn="ctr" defTabSz="914400" rtl="0" eaLnBrk="0" fontAlgn="base" latinLnBrk="0" hangingPunct="0">
-              <a:lnSpc>
-                <a:spcPct val="100000"/>
-              </a:lnSpc>
-              <a:spcBef>
-                <a:spcPct val="0"/>
-              </a:spcBef>
-              <a:spcAft>
-                <a:spcPct val="0"/>
-              </a:spcAft>
-              <a:buClrTx/>
-              <a:buSzTx/>
-              <a:buFontTx/>
-              <a:buNone/>
-              <a:tabLst/>
-            </a:pPr>
-            <a:r>
-              <a:rPr kumimoji="0" lang="es-PE" altLang="es-PE" b="1" i="0" u="none" strike="noStrike" cap="none" normalizeH="0" baseline="0" dirty="0">
-                <a:ln>
-                  <a:noFill/>
-                </a:ln>
-                <a:solidFill>
-                  <a:srgbClr val="000000"/>
-                </a:solidFill>
-                <a:effectLst/>
-                <a:latin typeface="Calibri" panose="020F0502020204030204" pitchFamily="34" charset="0"/>
-                <a:cs typeface="Calibri" panose="020F0502020204030204" pitchFamily="34" charset="0"/>
-              </a:rPr>
-              <a:t>Reclamos por motivo (%)</a:t>
-            </a:r>
-          </a:p>
-          <a:p>
-            <a:pPr marL="0" marR="0" lvl="0" indent="0" algn="ctr" defTabSz="914400" rtl="0" eaLnBrk="0" fontAlgn="base" latinLnBrk="0" hangingPunct="0">
-              <a:lnSpc>
-                <a:spcPct val="100000"/>
-              </a:lnSpc>
-              <a:spcBef>
-                <a:spcPct val="0"/>
-              </a:spcBef>
-              <a:spcAft>
-                <a:spcPct val="0"/>
-              </a:spcAft>
-              <a:buClrTx/>
-              <a:buSzTx/>
-              <a:buFontTx/>
-              <a:buNone/>
-              <a:tabLst/>
-            </a:pPr>
-            <a:endParaRPr kumimoji="0" lang="es-PE" altLang="es-PE" sz="600" b="0" i="0" u="none" strike="noStrike" cap="none" normalizeH="0" baseline="0" dirty="0">
-              <a:ln>
-                <a:noFill/>
-              </a:ln>
-              <a:solidFill>
-                <a:schemeClr val="tx1"/>
-              </a:solidFill>
-              <a:effectLst/>
-            </a:endParaRPr>
-          </a:p>
-        </p:txBody>
-      </p:sp>
-      <p:sp>
-        <p:nvSpPr>
-          <p:cNvPr id="26" name="Google Shape;111;p2">
-            <a:extLst>
-              <a:ext uri="{FF2B5EF4-FFF2-40B4-BE49-F238E27FC236}">
-                <a16:creationId xmlns:a16="http://schemas.microsoft.com/office/drawing/2014/main" id="{A4590AA9-D8B6-4BB8-845B-4503E5C5B24E}"/>
-              </a:ext>
-            </a:extLst>
-          </p:cNvPr>
-          <p:cNvSpPr txBox="1"/>
-          <p:nvPr/>
-        </p:nvSpPr>
-        <p:spPr>
-          <a:xfrm>
-            <a:off x="8369987" y="1111918"/>
-            <a:ext cx="2827264" cy="461624"/>
-          </a:xfrm>
-          <a:prstGeom prst="rect">
-            <a:avLst/>
-          </a:prstGeom>
-          <a:noFill/>
-          <a:ln>
-            <a:noFill/>
-          </a:ln>
-        </p:spPr>
-        <p:txBody>
-          <a:bodyPr spcFirstLastPara="1" wrap="square" lIns="91425" tIns="45700" rIns="91425" bIns="45700" anchor="t" anchorCtr="0">
-            <a:spAutoFit/>
-          </a:bodyPr>
-          <a:lstStyle/>
-          <a:p>
-            <a:pPr marL="0" marR="0" lvl="0" indent="0" algn="ctr" defTabSz="914400" rtl="0" eaLnBrk="0" fontAlgn="base" latinLnBrk="0" hangingPunct="0">
-              <a:lnSpc>
-                <a:spcPct val="100000"/>
-              </a:lnSpc>
-              <a:spcBef>
-                <a:spcPct val="0"/>
-              </a:spcBef>
-              <a:spcAft>
-                <a:spcPct val="0"/>
-              </a:spcAft>
-              <a:buClrTx/>
-              <a:buSzTx/>
-              <a:buFontTx/>
-              <a:buNone/>
-              <a:tabLst/>
-            </a:pPr>
-            <a:r>
-              <a:rPr kumimoji="0" lang="es-PE" altLang="es-PE" b="1" i="0" u="none" strike="noStrike" cap="none" normalizeH="0" baseline="0" dirty="0">
-                <a:ln>
-                  <a:noFill/>
-                </a:ln>
-                <a:solidFill>
-                  <a:srgbClr val="000000"/>
-                </a:solidFill>
-                <a:effectLst/>
-                <a:latin typeface="Calibri" panose="020F0502020204030204" pitchFamily="34" charset="0"/>
-                <a:cs typeface="Calibri" panose="020F0502020204030204" pitchFamily="34" charset="0"/>
-              </a:rPr>
-              <a:t>Reclamos por servicio (%)</a:t>
-            </a:r>
-          </a:p>
-          <a:p>
-            <a:pPr marL="0" marR="0" lvl="0" indent="0" algn="ctr" defTabSz="914400" rtl="0" eaLnBrk="0" fontAlgn="base" latinLnBrk="0" hangingPunct="0">
-              <a:lnSpc>
-                <a:spcPct val="100000"/>
-              </a:lnSpc>
-              <a:spcBef>
-                <a:spcPct val="0"/>
-              </a:spcBef>
-              <a:spcAft>
-                <a:spcPct val="0"/>
-              </a:spcAft>
-              <a:buClrTx/>
-              <a:buSzTx/>
-              <a:buFontTx/>
-              <a:buNone/>
-              <a:tabLst/>
-            </a:pPr>
-            <a:endParaRPr kumimoji="0" lang="es-PE" altLang="es-PE" sz="600" b="0" i="0" u="none" strike="noStrike" cap="none" normalizeH="0" baseline="0" dirty="0">
-              <a:ln>
-                <a:noFill/>
-              </a:ln>
-              <a:solidFill>
-                <a:schemeClr val="tx1"/>
-              </a:solidFill>
-              <a:effectLst/>
-            </a:endParaRPr>
-          </a:p>
-        </p:txBody>
-      </p:sp>
-    </p:spTree>
-    <p:extLst>
-      <p:ext uri="{BB962C8B-B14F-4D97-AF65-F5344CB8AC3E}">
-        <p14:creationId xmlns:p14="http://schemas.microsoft.com/office/powerpoint/2010/main" val="470657544"/>
-      </p:ext>
-    </p:extLst>
-  </p:cSld>
-  <p:clrMapOvr>
-    <a:masterClrMapping/>
-  </p:clrMapOvr>
-</p:sld>
-</file>
-
-<file path=ppt/slides/slide6.xml><?xml version="1.0" encoding="utf-8"?>
 <p:sld xmlns:a="http://schemas.openxmlformats.org/drawingml/2006/main" xmlns:r="http://schemas.openxmlformats.org/officeDocument/2006/relationships" xmlns:p="http://schemas.openxmlformats.org/presentationml/2006/main">
   <p:cSld>
     <p:spTree>
@@ -10393,6 +11622,1606 @@
 </p:sld>
 </file>
 
+<file path=ppt/slides/slide6.xml><?xml version="1.0" encoding="utf-8"?>
+<p:sld xmlns:a="http://schemas.openxmlformats.org/drawingml/2006/main" xmlns:r="http://schemas.openxmlformats.org/officeDocument/2006/relationships" xmlns:p="http://schemas.openxmlformats.org/presentationml/2006/main">
+  <p:cSld>
+    <p:spTree>
+      <p:nvGrpSpPr>
+        <p:cNvPr id="1" name=""/>
+        <p:cNvGrpSpPr/>
+        <p:nvPr/>
+      </p:nvGrpSpPr>
+      <p:grpSpPr>
+        <a:xfrm>
+          <a:off x="0" y="0"/>
+          <a:ext cx="0" cy="0"/>
+          <a:chOff x="0" y="0"/>
+          <a:chExt cx="0" cy="0"/>
+        </a:xfrm>
+      </p:grpSpPr>
+      <p:sp>
+        <p:nvSpPr>
+          <p:cNvPr id="4" name="Rectángulo: esquinas superiores redondeadas 4">
+            <a:extLst>
+              <a:ext uri="{FF2B5EF4-FFF2-40B4-BE49-F238E27FC236}">
+                <a16:creationId xmlns:a16="http://schemas.microsoft.com/office/drawing/2014/main" id="{CF789E0E-816C-4223-84EC-DC9D690B87EA}"/>
+              </a:ext>
+            </a:extLst>
+          </p:cNvPr>
+          <p:cNvSpPr/>
+          <p:nvPr/>
+        </p:nvSpPr>
+        <p:spPr>
+          <a:xfrm rot="10800000">
+            <a:off x="355599" y="0"/>
+            <a:ext cx="7813039" cy="640080"/>
+          </a:xfrm>
+          <a:prstGeom prst="round2SameRect">
+            <a:avLst/>
+          </a:prstGeom>
+          <a:solidFill>
+            <a:schemeClr val="tx2">
+              <a:lumMod val="75000"/>
+            </a:schemeClr>
+          </a:solidFill>
+        </p:spPr>
+        <p:style>
+          <a:lnRef idx="2">
+            <a:schemeClr val="accent1">
+              <a:shade val="50000"/>
+            </a:schemeClr>
+          </a:lnRef>
+          <a:fillRef idx="1">
+            <a:schemeClr val="accent1"/>
+          </a:fillRef>
+          <a:effectRef idx="0">
+            <a:schemeClr val="accent1"/>
+          </a:effectRef>
+          <a:fontRef idx="minor">
+            <a:schemeClr val="lt1"/>
+          </a:fontRef>
+        </p:style>
+        <p:txBody>
+          <a:bodyPr rtlCol="0" anchor="ctr"/>
+          <a:lstStyle/>
+          <a:p>
+            <a:pPr algn="ctr"/>
+            <a:endParaRPr lang="es-PE" dirty="0"/>
+          </a:p>
+        </p:txBody>
+      </p:sp>
+      <p:sp>
+        <p:nvSpPr>
+          <p:cNvPr id="5" name="CuadroTexto 4">
+            <a:extLst>
+              <a:ext uri="{FF2B5EF4-FFF2-40B4-BE49-F238E27FC236}">
+                <a16:creationId xmlns:a16="http://schemas.microsoft.com/office/drawing/2014/main" id="{48D2A9BD-EBF3-4CF7-A61E-49631D4D1DBB}"/>
+              </a:ext>
+            </a:extLst>
+          </p:cNvPr>
+          <p:cNvSpPr txBox="1"/>
+          <p:nvPr/>
+        </p:nvSpPr>
+        <p:spPr>
+          <a:xfrm>
+            <a:off x="558799" y="134927"/>
+            <a:ext cx="6597779" cy="400110"/>
+          </a:xfrm>
+          <a:prstGeom prst="rect">
+            <a:avLst/>
+          </a:prstGeom>
+          <a:noFill/>
+        </p:spPr>
+        <p:txBody>
+          <a:bodyPr wrap="square" rtlCol="0">
+            <a:spAutoFit/>
+          </a:bodyPr>
+          <a:lstStyle/>
+          <a:p>
+            <a:r>
+              <a:rPr lang="es-MX" sz="2000" dirty="0">
+                <a:solidFill>
+                  <a:schemeClr val="bg1"/>
+                </a:solidFill>
+                <a:latin typeface="Open Sans" panose="020B0606030504020204" pitchFamily="34" charset="0"/>
+                <a:ea typeface="Open Sans" panose="020B0606030504020204" pitchFamily="34" charset="0"/>
+                <a:cs typeface="Open Sans" panose="020B0606030504020204" pitchFamily="34" charset="0"/>
+              </a:rPr>
+              <a:t>Criterios para priorizar el modelo (Servicio)</a:t>
+            </a:r>
+          </a:p>
+        </p:txBody>
+      </p:sp>
+      <p:sp>
+        <p:nvSpPr>
+          <p:cNvPr id="9" name="Rectángulo 8">
+            <a:extLst>
+              <a:ext uri="{FF2B5EF4-FFF2-40B4-BE49-F238E27FC236}">
+                <a16:creationId xmlns:a16="http://schemas.microsoft.com/office/drawing/2014/main" id="{17D5E67A-13F6-4283-8297-CC8F5E053535}"/>
+              </a:ext>
+            </a:extLst>
+          </p:cNvPr>
+          <p:cNvSpPr/>
+          <p:nvPr/>
+        </p:nvSpPr>
+        <p:spPr>
+          <a:xfrm>
+            <a:off x="355600" y="5943600"/>
+            <a:ext cx="203200" cy="914399"/>
+          </a:xfrm>
+          <a:prstGeom prst="rect">
+            <a:avLst/>
+          </a:prstGeom>
+          <a:solidFill>
+            <a:schemeClr val="tx2">
+              <a:lumMod val="75000"/>
+            </a:schemeClr>
+          </a:solidFill>
+        </p:spPr>
+        <p:style>
+          <a:lnRef idx="2">
+            <a:schemeClr val="dk1">
+              <a:shade val="50000"/>
+            </a:schemeClr>
+          </a:lnRef>
+          <a:fillRef idx="1">
+            <a:schemeClr val="dk1"/>
+          </a:fillRef>
+          <a:effectRef idx="0">
+            <a:schemeClr val="dk1"/>
+          </a:effectRef>
+          <a:fontRef idx="minor">
+            <a:schemeClr val="lt1"/>
+          </a:fontRef>
+        </p:style>
+        <p:txBody>
+          <a:bodyPr rtlCol="0" anchor="ctr"/>
+          <a:lstStyle/>
+          <a:p>
+            <a:pPr algn="ctr"/>
+            <a:endParaRPr lang="es-PE"/>
+          </a:p>
+        </p:txBody>
+      </p:sp>
+      <p:sp>
+        <p:nvSpPr>
+          <p:cNvPr id="10" name="Rectángulo 9">
+            <a:extLst>
+              <a:ext uri="{FF2B5EF4-FFF2-40B4-BE49-F238E27FC236}">
+                <a16:creationId xmlns:a16="http://schemas.microsoft.com/office/drawing/2014/main" id="{54D73149-C250-47CB-B10E-EEADC5D5A38D}"/>
+              </a:ext>
+            </a:extLst>
+          </p:cNvPr>
+          <p:cNvSpPr/>
+          <p:nvPr/>
+        </p:nvSpPr>
+        <p:spPr>
+          <a:xfrm>
+            <a:off x="640234" y="6385364"/>
+            <a:ext cx="203200" cy="472635"/>
+          </a:xfrm>
+          <a:prstGeom prst="rect">
+            <a:avLst/>
+          </a:prstGeom>
+          <a:solidFill>
+            <a:srgbClr val="C00000"/>
+          </a:solidFill>
+          <a:ln>
+            <a:noFill/>
+          </a:ln>
+        </p:spPr>
+        <p:style>
+          <a:lnRef idx="2">
+            <a:schemeClr val="dk1">
+              <a:shade val="50000"/>
+            </a:schemeClr>
+          </a:lnRef>
+          <a:fillRef idx="1">
+            <a:schemeClr val="dk1"/>
+          </a:fillRef>
+          <a:effectRef idx="0">
+            <a:schemeClr val="dk1"/>
+          </a:effectRef>
+          <a:fontRef idx="minor">
+            <a:schemeClr val="lt1"/>
+          </a:fontRef>
+        </p:style>
+        <p:txBody>
+          <a:bodyPr rtlCol="0" anchor="ctr"/>
+          <a:lstStyle/>
+          <a:p>
+            <a:pPr algn="ctr"/>
+            <a:endParaRPr lang="es-PE"/>
+          </a:p>
+        </p:txBody>
+      </p:sp>
+      <p:sp>
+        <p:nvSpPr>
+          <p:cNvPr id="12" name="Google Shape;111;p2">
+            <a:extLst>
+              <a:ext uri="{FF2B5EF4-FFF2-40B4-BE49-F238E27FC236}">
+                <a16:creationId xmlns:a16="http://schemas.microsoft.com/office/drawing/2014/main" id="{002F249E-01CD-4A15-802F-2FC4DE855BEF}"/>
+              </a:ext>
+            </a:extLst>
+          </p:cNvPr>
+          <p:cNvSpPr txBox="1"/>
+          <p:nvPr/>
+        </p:nvSpPr>
+        <p:spPr>
+          <a:xfrm>
+            <a:off x="738222" y="866805"/>
+            <a:ext cx="10779861" cy="784790"/>
+          </a:xfrm>
+          <a:prstGeom prst="rect">
+            <a:avLst/>
+          </a:prstGeom>
+          <a:noFill/>
+          <a:ln>
+            <a:noFill/>
+          </a:ln>
+        </p:spPr>
+        <p:txBody>
+          <a:bodyPr spcFirstLastPara="1" wrap="square" lIns="91425" tIns="45700" rIns="91425" bIns="45700" anchor="t" anchorCtr="0">
+            <a:spAutoFit/>
+          </a:bodyPr>
+          <a:lstStyle/>
+          <a:p>
+            <a:pPr lvl="0" algn="just" eaLnBrk="0" fontAlgn="base" hangingPunct="0">
+              <a:spcBef>
+                <a:spcPct val="0"/>
+              </a:spcBef>
+              <a:spcAft>
+                <a:spcPct val="0"/>
+              </a:spcAft>
+            </a:pPr>
+            <a:r>
+              <a:rPr lang="es-PE" altLang="es-PE" dirty="0">
+                <a:solidFill>
+                  <a:srgbClr val="000000"/>
+                </a:solidFill>
+                <a:latin typeface="Calibri" panose="020F0502020204030204" pitchFamily="34" charset="0"/>
+                <a:cs typeface="Calibri" panose="020F0502020204030204" pitchFamily="34" charset="0"/>
+              </a:rPr>
+              <a:t>Después de hacer un análisis descriptivo de los datos preprocesados, y con el </a:t>
+            </a:r>
+            <a:r>
+              <a:rPr lang="es-PE" altLang="es-PE" i="1" dirty="0" err="1">
+                <a:solidFill>
+                  <a:srgbClr val="000000"/>
+                </a:solidFill>
+                <a:latin typeface="Calibri" panose="020F0502020204030204" pitchFamily="34" charset="0"/>
+                <a:cs typeface="Calibri" panose="020F0502020204030204" pitchFamily="34" charset="0"/>
+              </a:rPr>
+              <a:t>feedback</a:t>
+            </a:r>
+            <a:r>
+              <a:rPr lang="es-PE" altLang="es-PE" dirty="0">
+                <a:solidFill>
+                  <a:srgbClr val="000000"/>
+                </a:solidFill>
+                <a:latin typeface="Calibri" panose="020F0502020204030204" pitchFamily="34" charset="0"/>
+                <a:cs typeface="Calibri" panose="020F0502020204030204" pitchFamily="34" charset="0"/>
+              </a:rPr>
+              <a:t> de Negocio, hemos seleccionado un servicio piloto para ejecutar el modelo. </a:t>
+            </a:r>
+            <a:r>
+              <a:rPr lang="es-PE" altLang="es-PE" b="1" dirty="0">
+                <a:solidFill>
+                  <a:srgbClr val="000000"/>
+                </a:solidFill>
+                <a:latin typeface="Calibri" panose="020F0502020204030204" pitchFamily="34" charset="0"/>
+                <a:cs typeface="Calibri" panose="020F0502020204030204" pitchFamily="34" charset="0"/>
+              </a:rPr>
+              <a:t>Atención al usuario (*)</a:t>
+            </a:r>
+            <a:endParaRPr lang="es-PE" altLang="es-PE" dirty="0">
+              <a:solidFill>
+                <a:srgbClr val="000000"/>
+              </a:solidFill>
+              <a:latin typeface="Calibri" panose="020F0502020204030204" pitchFamily="34" charset="0"/>
+              <a:cs typeface="Calibri" panose="020F0502020204030204" pitchFamily="34" charset="0"/>
+            </a:endParaRPr>
+          </a:p>
+          <a:p>
+            <a:pPr lvl="0" eaLnBrk="0" fontAlgn="base" hangingPunct="0">
+              <a:spcBef>
+                <a:spcPct val="0"/>
+              </a:spcBef>
+              <a:spcAft>
+                <a:spcPct val="0"/>
+              </a:spcAft>
+            </a:pPr>
+            <a:endParaRPr kumimoji="0" lang="es-PE" altLang="es-PE" sz="900" i="0" u="none" strike="noStrike" cap="none" normalizeH="0" baseline="0" dirty="0">
+              <a:ln>
+                <a:noFill/>
+              </a:ln>
+              <a:solidFill>
+                <a:schemeClr val="tx1"/>
+              </a:solidFill>
+              <a:effectLst/>
+            </a:endParaRPr>
+          </a:p>
+        </p:txBody>
+      </p:sp>
+      <p:sp>
+        <p:nvSpPr>
+          <p:cNvPr id="15" name="Google Shape;111;p2">
+            <a:extLst>
+              <a:ext uri="{FF2B5EF4-FFF2-40B4-BE49-F238E27FC236}">
+                <a16:creationId xmlns:a16="http://schemas.microsoft.com/office/drawing/2014/main" id="{DA903829-C857-466F-8663-51CF8927D68D}"/>
+              </a:ext>
+            </a:extLst>
+          </p:cNvPr>
+          <p:cNvSpPr txBox="1"/>
+          <p:nvPr/>
+        </p:nvSpPr>
+        <p:spPr>
+          <a:xfrm>
+            <a:off x="1049838" y="6430726"/>
+            <a:ext cx="4906345" cy="292347"/>
+          </a:xfrm>
+          <a:prstGeom prst="rect">
+            <a:avLst/>
+          </a:prstGeom>
+          <a:noFill/>
+          <a:ln>
+            <a:noFill/>
+          </a:ln>
+        </p:spPr>
+        <p:txBody>
+          <a:bodyPr spcFirstLastPara="1" wrap="square" lIns="91425" tIns="45700" rIns="91425" bIns="45700" anchor="t" anchorCtr="0">
+            <a:spAutoFit/>
+          </a:bodyPr>
+          <a:lstStyle/>
+          <a:p>
+            <a:pPr marL="0" marR="0" lvl="0" indent="0" algn="l" defTabSz="914400" rtl="0" eaLnBrk="0" fontAlgn="base" latinLnBrk="0" hangingPunct="0">
+              <a:lnSpc>
+                <a:spcPct val="100000"/>
+              </a:lnSpc>
+              <a:spcBef>
+                <a:spcPct val="0"/>
+              </a:spcBef>
+              <a:spcAft>
+                <a:spcPct val="0"/>
+              </a:spcAft>
+              <a:buClrTx/>
+              <a:buSzTx/>
+              <a:buFontTx/>
+              <a:buNone/>
+              <a:tabLst/>
+            </a:pPr>
+            <a:r>
+              <a:rPr kumimoji="0" lang="es-PE" altLang="es-PE" sz="1300" b="1" i="0" u="none" strike="noStrike" cap="none" normalizeH="0" baseline="0" dirty="0">
+                <a:ln>
+                  <a:noFill/>
+                </a:ln>
+                <a:solidFill>
+                  <a:srgbClr val="000000"/>
+                </a:solidFill>
+                <a:effectLst/>
+                <a:latin typeface="Calibri" panose="020F0502020204030204" pitchFamily="34" charset="0"/>
+                <a:cs typeface="Calibri" panose="020F0502020204030204" pitchFamily="34" charset="0"/>
+              </a:rPr>
+              <a:t>(*) Después de este piloto </a:t>
+            </a:r>
+            <a:r>
+              <a:rPr kumimoji="0" lang="es-PE" altLang="es-PE" sz="1300" b="1" i="0" u="none" strike="noStrike" cap="none" normalizeH="0" baseline="0" dirty="0" err="1">
+                <a:ln>
+                  <a:noFill/>
+                </a:ln>
+                <a:solidFill>
+                  <a:srgbClr val="000000"/>
+                </a:solidFill>
+                <a:effectLst/>
+                <a:latin typeface="Calibri" panose="020F0502020204030204" pitchFamily="34" charset="0"/>
+                <a:cs typeface="Calibri" panose="020F0502020204030204" pitchFamily="34" charset="0"/>
+              </a:rPr>
+              <a:t>extendermos</a:t>
+            </a:r>
+            <a:r>
+              <a:rPr kumimoji="0" lang="es-PE" altLang="es-PE" sz="1300" b="1" i="0" u="none" strike="noStrike" cap="none" normalizeH="0" baseline="0" dirty="0">
+                <a:ln>
+                  <a:noFill/>
+                </a:ln>
+                <a:solidFill>
+                  <a:srgbClr val="000000"/>
+                </a:solidFill>
+                <a:effectLst/>
+                <a:latin typeface="Calibri" panose="020F0502020204030204" pitchFamily="34" charset="0"/>
+                <a:cs typeface="Calibri" panose="020F0502020204030204" pitchFamily="34" charset="0"/>
+              </a:rPr>
+              <a:t> el modelo a otros servicios.</a:t>
+            </a:r>
+            <a:endParaRPr kumimoji="0" lang="es-PE" altLang="es-PE" sz="600" b="0" i="0" u="none" strike="noStrike" cap="none" normalizeH="0" baseline="0" dirty="0">
+              <a:ln>
+                <a:noFill/>
+              </a:ln>
+              <a:solidFill>
+                <a:schemeClr val="tx1"/>
+              </a:solidFill>
+              <a:effectLst/>
+            </a:endParaRPr>
+          </a:p>
+        </p:txBody>
+      </p:sp>
+      <p:sp>
+        <p:nvSpPr>
+          <p:cNvPr id="22" name="Google Shape;111;p2">
+            <a:extLst>
+              <a:ext uri="{FF2B5EF4-FFF2-40B4-BE49-F238E27FC236}">
+                <a16:creationId xmlns:a16="http://schemas.microsoft.com/office/drawing/2014/main" id="{C89DB2A0-1EF6-4E1F-8C52-F1B20078FA77}"/>
+              </a:ext>
+            </a:extLst>
+          </p:cNvPr>
+          <p:cNvSpPr txBox="1"/>
+          <p:nvPr/>
+        </p:nvSpPr>
+        <p:spPr>
+          <a:xfrm>
+            <a:off x="3641885" y="1716016"/>
+            <a:ext cx="4908228" cy="492402"/>
+          </a:xfrm>
+          <a:prstGeom prst="rect">
+            <a:avLst/>
+          </a:prstGeom>
+          <a:noFill/>
+          <a:ln>
+            <a:noFill/>
+          </a:ln>
+        </p:spPr>
+        <p:txBody>
+          <a:bodyPr spcFirstLastPara="1" wrap="square" lIns="91425" tIns="45700" rIns="91425" bIns="45700" anchor="t" anchorCtr="0">
+            <a:spAutoFit/>
+          </a:bodyPr>
+          <a:lstStyle/>
+          <a:p>
+            <a:pPr marL="0" marR="0" lvl="0" indent="0" algn="ctr" defTabSz="914400" rtl="0" eaLnBrk="0" fontAlgn="base" latinLnBrk="0" hangingPunct="0">
+              <a:lnSpc>
+                <a:spcPct val="100000"/>
+              </a:lnSpc>
+              <a:spcBef>
+                <a:spcPct val="0"/>
+              </a:spcBef>
+              <a:spcAft>
+                <a:spcPct val="0"/>
+              </a:spcAft>
+              <a:buClrTx/>
+              <a:buSzTx/>
+              <a:buFontTx/>
+              <a:buNone/>
+              <a:tabLst/>
+            </a:pPr>
+            <a:r>
+              <a:rPr lang="es-PE" altLang="es-PE" sz="2000" b="1" dirty="0">
+                <a:solidFill>
+                  <a:srgbClr val="000000"/>
+                </a:solidFill>
+                <a:latin typeface="Calibri" panose="020F0502020204030204" pitchFamily="34" charset="0"/>
+                <a:cs typeface="Calibri" panose="020F0502020204030204" pitchFamily="34" charset="0"/>
+              </a:rPr>
+              <a:t>Evolución trimestral de reclamos por servicio</a:t>
+            </a:r>
+            <a:endParaRPr kumimoji="0" lang="es-PE" altLang="es-PE" sz="2000" b="1" i="0" u="none" strike="noStrike" cap="none" normalizeH="0" baseline="0" dirty="0">
+              <a:ln>
+                <a:noFill/>
+              </a:ln>
+              <a:solidFill>
+                <a:srgbClr val="000000"/>
+              </a:solidFill>
+              <a:effectLst/>
+              <a:latin typeface="Calibri" panose="020F0502020204030204" pitchFamily="34" charset="0"/>
+              <a:cs typeface="Calibri" panose="020F0502020204030204" pitchFamily="34" charset="0"/>
+            </a:endParaRPr>
+          </a:p>
+          <a:p>
+            <a:pPr marL="0" marR="0" lvl="0" indent="0" algn="ctr" defTabSz="914400" rtl="0" eaLnBrk="0" fontAlgn="base" latinLnBrk="0" hangingPunct="0">
+              <a:lnSpc>
+                <a:spcPct val="100000"/>
+              </a:lnSpc>
+              <a:spcBef>
+                <a:spcPct val="0"/>
+              </a:spcBef>
+              <a:spcAft>
+                <a:spcPct val="0"/>
+              </a:spcAft>
+              <a:buClrTx/>
+              <a:buSzTx/>
+              <a:buFontTx/>
+              <a:buNone/>
+              <a:tabLst/>
+            </a:pPr>
+            <a:endParaRPr kumimoji="0" lang="es-PE" altLang="es-PE" sz="600" b="0" i="0" u="none" strike="noStrike" cap="none" normalizeH="0" baseline="0" dirty="0">
+              <a:ln>
+                <a:noFill/>
+              </a:ln>
+              <a:solidFill>
+                <a:schemeClr val="tx1"/>
+              </a:solidFill>
+              <a:effectLst/>
+            </a:endParaRPr>
+          </a:p>
+        </p:txBody>
+      </p:sp>
+      <p:pic>
+        <p:nvPicPr>
+          <p:cNvPr id="3078" name="Picture 6">
+            <a:extLst>
+              <a:ext uri="{FF2B5EF4-FFF2-40B4-BE49-F238E27FC236}">
+                <a16:creationId xmlns:a16="http://schemas.microsoft.com/office/drawing/2014/main" id="{9AB9DC79-7B15-49F6-802C-2CB88241FD0F}"/>
+              </a:ext>
+            </a:extLst>
+          </p:cNvPr>
+          <p:cNvPicPr>
+            <a:picLocks noChangeAspect="1" noChangeArrowheads="1"/>
+          </p:cNvPicPr>
+          <p:nvPr/>
+        </p:nvPicPr>
+        <p:blipFill>
+          <a:blip r:embed="rId2">
+            <a:extLst>
+              <a:ext uri="{28A0092B-C50C-407E-A947-70E740481C1C}">
+                <a14:useLocalDpi xmlns:a14="http://schemas.microsoft.com/office/drawing/2010/main" val="0"/>
+              </a:ext>
+            </a:extLst>
+          </a:blip>
+          <a:srcRect/>
+          <a:stretch>
+            <a:fillRect/>
+          </a:stretch>
+        </p:blipFill>
+        <p:spPr bwMode="auto">
+          <a:xfrm>
+            <a:off x="1662112" y="2147215"/>
+            <a:ext cx="8867775" cy="3933825"/>
+          </a:xfrm>
+          <a:prstGeom prst="rect">
+            <a:avLst/>
+          </a:prstGeom>
+          <a:noFill/>
+          <a:extLst>
+            <a:ext uri="{909E8E84-426E-40DD-AFC4-6F175D3DCCD1}">
+              <a14:hiddenFill xmlns:a14="http://schemas.microsoft.com/office/drawing/2010/main">
+                <a:solidFill>
+                  <a:srgbClr val="FFFFFF"/>
+                </a:solidFill>
+              </a14:hiddenFill>
+            </a:ext>
+          </a:extLst>
+        </p:spPr>
+      </p:pic>
+      <p:cxnSp>
+        <p:nvCxnSpPr>
+          <p:cNvPr id="18" name="Conector recto de flecha 17">
+            <a:extLst>
+              <a:ext uri="{FF2B5EF4-FFF2-40B4-BE49-F238E27FC236}">
+                <a16:creationId xmlns:a16="http://schemas.microsoft.com/office/drawing/2014/main" id="{1A4C22F2-7E66-4596-8D99-65F67FE21C94}"/>
+              </a:ext>
+            </a:extLst>
+          </p:cNvPr>
+          <p:cNvCxnSpPr>
+            <a:cxnSpLocks/>
+          </p:cNvCxnSpPr>
+          <p:nvPr/>
+        </p:nvCxnSpPr>
+        <p:spPr>
+          <a:xfrm flipV="1">
+            <a:off x="1468074" y="2491530"/>
+            <a:ext cx="931178" cy="176169"/>
+          </a:xfrm>
+          <a:prstGeom prst="straightConnector1">
+            <a:avLst/>
+          </a:prstGeom>
+          <a:ln>
+            <a:solidFill>
+              <a:srgbClr val="C00000"/>
+            </a:solidFill>
+            <a:tailEnd type="triangle"/>
+          </a:ln>
+        </p:spPr>
+        <p:style>
+          <a:lnRef idx="3">
+            <a:schemeClr val="accent2"/>
+          </a:lnRef>
+          <a:fillRef idx="0">
+            <a:schemeClr val="accent2"/>
+          </a:fillRef>
+          <a:effectRef idx="2">
+            <a:schemeClr val="accent2"/>
+          </a:effectRef>
+          <a:fontRef idx="minor">
+            <a:schemeClr val="tx1"/>
+          </a:fontRef>
+        </p:style>
+      </p:cxnSp>
+    </p:spTree>
+    <p:extLst>
+      <p:ext uri="{BB962C8B-B14F-4D97-AF65-F5344CB8AC3E}">
+        <p14:creationId xmlns:p14="http://schemas.microsoft.com/office/powerpoint/2010/main" val="2191034399"/>
+      </p:ext>
+    </p:extLst>
+  </p:cSld>
+  <p:clrMapOvr>
+    <a:masterClrMapping/>
+  </p:clrMapOvr>
+</p:sld>
+</file>
+
+<file path=ppt/slides/slide7.xml><?xml version="1.0" encoding="utf-8"?>
+<p:sld xmlns:a="http://schemas.openxmlformats.org/drawingml/2006/main" xmlns:r="http://schemas.openxmlformats.org/officeDocument/2006/relationships" xmlns:p="http://schemas.openxmlformats.org/presentationml/2006/main">
+  <p:cSld>
+    <p:spTree>
+      <p:nvGrpSpPr>
+        <p:cNvPr id="1" name=""/>
+        <p:cNvGrpSpPr/>
+        <p:nvPr/>
+      </p:nvGrpSpPr>
+      <p:grpSpPr>
+        <a:xfrm>
+          <a:off x="0" y="0"/>
+          <a:ext cx="0" cy="0"/>
+          <a:chOff x="0" y="0"/>
+          <a:chExt cx="0" cy="0"/>
+        </a:xfrm>
+      </p:grpSpPr>
+      <p:sp>
+        <p:nvSpPr>
+          <p:cNvPr id="4" name="Rectángulo: esquinas superiores redondeadas 4">
+            <a:extLst>
+              <a:ext uri="{FF2B5EF4-FFF2-40B4-BE49-F238E27FC236}">
+                <a16:creationId xmlns:a16="http://schemas.microsoft.com/office/drawing/2014/main" id="{CF789E0E-816C-4223-84EC-DC9D690B87EA}"/>
+              </a:ext>
+            </a:extLst>
+          </p:cNvPr>
+          <p:cNvSpPr/>
+          <p:nvPr/>
+        </p:nvSpPr>
+        <p:spPr>
+          <a:xfrm rot="10800000">
+            <a:off x="355599" y="0"/>
+            <a:ext cx="7813039" cy="640080"/>
+          </a:xfrm>
+          <a:prstGeom prst="round2SameRect">
+            <a:avLst/>
+          </a:prstGeom>
+          <a:solidFill>
+            <a:schemeClr val="tx2">
+              <a:lumMod val="75000"/>
+            </a:schemeClr>
+          </a:solidFill>
+        </p:spPr>
+        <p:style>
+          <a:lnRef idx="2">
+            <a:schemeClr val="accent1">
+              <a:shade val="50000"/>
+            </a:schemeClr>
+          </a:lnRef>
+          <a:fillRef idx="1">
+            <a:schemeClr val="accent1"/>
+          </a:fillRef>
+          <a:effectRef idx="0">
+            <a:schemeClr val="accent1"/>
+          </a:effectRef>
+          <a:fontRef idx="minor">
+            <a:schemeClr val="lt1"/>
+          </a:fontRef>
+        </p:style>
+        <p:txBody>
+          <a:bodyPr rtlCol="0" anchor="ctr"/>
+          <a:lstStyle/>
+          <a:p>
+            <a:pPr algn="ctr"/>
+            <a:endParaRPr lang="es-PE" dirty="0"/>
+          </a:p>
+        </p:txBody>
+      </p:sp>
+      <p:sp>
+        <p:nvSpPr>
+          <p:cNvPr id="5" name="CuadroTexto 4">
+            <a:extLst>
+              <a:ext uri="{FF2B5EF4-FFF2-40B4-BE49-F238E27FC236}">
+                <a16:creationId xmlns:a16="http://schemas.microsoft.com/office/drawing/2014/main" id="{48D2A9BD-EBF3-4CF7-A61E-49631D4D1DBB}"/>
+              </a:ext>
+            </a:extLst>
+          </p:cNvPr>
+          <p:cNvSpPr txBox="1"/>
+          <p:nvPr/>
+        </p:nvSpPr>
+        <p:spPr>
+          <a:xfrm>
+            <a:off x="558799" y="134927"/>
+            <a:ext cx="6597779" cy="400110"/>
+          </a:xfrm>
+          <a:prstGeom prst="rect">
+            <a:avLst/>
+          </a:prstGeom>
+          <a:noFill/>
+        </p:spPr>
+        <p:txBody>
+          <a:bodyPr wrap="square" rtlCol="0">
+            <a:spAutoFit/>
+          </a:bodyPr>
+          <a:lstStyle/>
+          <a:p>
+            <a:r>
+              <a:rPr lang="es-MX" sz="2000" dirty="0">
+                <a:solidFill>
+                  <a:schemeClr val="bg1"/>
+                </a:solidFill>
+                <a:latin typeface="Open Sans" panose="020B0606030504020204" pitchFamily="34" charset="0"/>
+                <a:ea typeface="Open Sans" panose="020B0606030504020204" pitchFamily="34" charset="0"/>
+                <a:cs typeface="Open Sans" panose="020B0606030504020204" pitchFamily="34" charset="0"/>
+              </a:rPr>
+              <a:t>Top 3 de reclamos por servicios (%)</a:t>
+            </a:r>
+          </a:p>
+        </p:txBody>
+      </p:sp>
+      <p:sp>
+        <p:nvSpPr>
+          <p:cNvPr id="9" name="Rectángulo 8">
+            <a:extLst>
+              <a:ext uri="{FF2B5EF4-FFF2-40B4-BE49-F238E27FC236}">
+                <a16:creationId xmlns:a16="http://schemas.microsoft.com/office/drawing/2014/main" id="{17D5E67A-13F6-4283-8297-CC8F5E053535}"/>
+              </a:ext>
+            </a:extLst>
+          </p:cNvPr>
+          <p:cNvSpPr/>
+          <p:nvPr/>
+        </p:nvSpPr>
+        <p:spPr>
+          <a:xfrm>
+            <a:off x="355600" y="5943600"/>
+            <a:ext cx="203200" cy="914399"/>
+          </a:xfrm>
+          <a:prstGeom prst="rect">
+            <a:avLst/>
+          </a:prstGeom>
+          <a:solidFill>
+            <a:schemeClr val="tx2">
+              <a:lumMod val="75000"/>
+            </a:schemeClr>
+          </a:solidFill>
+        </p:spPr>
+        <p:style>
+          <a:lnRef idx="2">
+            <a:schemeClr val="dk1">
+              <a:shade val="50000"/>
+            </a:schemeClr>
+          </a:lnRef>
+          <a:fillRef idx="1">
+            <a:schemeClr val="dk1"/>
+          </a:fillRef>
+          <a:effectRef idx="0">
+            <a:schemeClr val="dk1"/>
+          </a:effectRef>
+          <a:fontRef idx="minor">
+            <a:schemeClr val="lt1"/>
+          </a:fontRef>
+        </p:style>
+        <p:txBody>
+          <a:bodyPr rtlCol="0" anchor="ctr"/>
+          <a:lstStyle/>
+          <a:p>
+            <a:pPr algn="ctr"/>
+            <a:endParaRPr lang="es-PE"/>
+          </a:p>
+        </p:txBody>
+      </p:sp>
+      <p:sp>
+        <p:nvSpPr>
+          <p:cNvPr id="10" name="Rectángulo 9">
+            <a:extLst>
+              <a:ext uri="{FF2B5EF4-FFF2-40B4-BE49-F238E27FC236}">
+                <a16:creationId xmlns:a16="http://schemas.microsoft.com/office/drawing/2014/main" id="{54D73149-C250-47CB-B10E-EEADC5D5A38D}"/>
+              </a:ext>
+            </a:extLst>
+          </p:cNvPr>
+          <p:cNvSpPr/>
+          <p:nvPr/>
+        </p:nvSpPr>
+        <p:spPr>
+          <a:xfrm>
+            <a:off x="640234" y="6385364"/>
+            <a:ext cx="203200" cy="472635"/>
+          </a:xfrm>
+          <a:prstGeom prst="rect">
+            <a:avLst/>
+          </a:prstGeom>
+          <a:solidFill>
+            <a:srgbClr val="C00000"/>
+          </a:solidFill>
+          <a:ln>
+            <a:noFill/>
+          </a:ln>
+        </p:spPr>
+        <p:style>
+          <a:lnRef idx="2">
+            <a:schemeClr val="dk1">
+              <a:shade val="50000"/>
+            </a:schemeClr>
+          </a:lnRef>
+          <a:fillRef idx="1">
+            <a:schemeClr val="dk1"/>
+          </a:fillRef>
+          <a:effectRef idx="0">
+            <a:schemeClr val="dk1"/>
+          </a:effectRef>
+          <a:fontRef idx="minor">
+            <a:schemeClr val="lt1"/>
+          </a:fontRef>
+        </p:style>
+        <p:txBody>
+          <a:bodyPr rtlCol="0" anchor="ctr"/>
+          <a:lstStyle/>
+          <a:p>
+            <a:pPr algn="ctr"/>
+            <a:endParaRPr lang="es-PE"/>
+          </a:p>
+        </p:txBody>
+      </p:sp>
+      <p:sp>
+        <p:nvSpPr>
+          <p:cNvPr id="12" name="Google Shape;111;p2">
+            <a:extLst>
+              <a:ext uri="{FF2B5EF4-FFF2-40B4-BE49-F238E27FC236}">
+                <a16:creationId xmlns:a16="http://schemas.microsoft.com/office/drawing/2014/main" id="{002F249E-01CD-4A15-802F-2FC4DE855BEF}"/>
+              </a:ext>
+            </a:extLst>
+          </p:cNvPr>
+          <p:cNvSpPr txBox="1"/>
+          <p:nvPr/>
+        </p:nvSpPr>
+        <p:spPr>
+          <a:xfrm>
+            <a:off x="738222" y="866805"/>
+            <a:ext cx="10779861" cy="923289"/>
+          </a:xfrm>
+          <a:prstGeom prst="rect">
+            <a:avLst/>
+          </a:prstGeom>
+          <a:noFill/>
+          <a:ln>
+            <a:noFill/>
+          </a:ln>
+        </p:spPr>
+        <p:txBody>
+          <a:bodyPr spcFirstLastPara="1" wrap="square" lIns="91425" tIns="45700" rIns="91425" bIns="45700" anchor="t" anchorCtr="0">
+            <a:spAutoFit/>
+          </a:bodyPr>
+          <a:lstStyle/>
+          <a:p>
+            <a:pPr algn="just" eaLnBrk="0" fontAlgn="base" hangingPunct="0">
+              <a:spcBef>
+                <a:spcPct val="0"/>
+              </a:spcBef>
+              <a:spcAft>
+                <a:spcPct val="0"/>
+              </a:spcAft>
+            </a:pPr>
+            <a:r>
+              <a:rPr lang="es-PE" altLang="es-PE" dirty="0">
+                <a:solidFill>
+                  <a:srgbClr val="000000"/>
+                </a:solidFill>
+                <a:latin typeface="Calibri" panose="020F0502020204030204" pitchFamily="34" charset="0"/>
+                <a:cs typeface="Calibri" panose="020F0502020204030204" pitchFamily="34" charset="0"/>
+              </a:rPr>
+              <a:t>El servicio seleccionado: </a:t>
+            </a:r>
+            <a:r>
+              <a:rPr lang="es-PE" altLang="es-PE" b="1" dirty="0">
+                <a:solidFill>
+                  <a:srgbClr val="000000"/>
+                </a:solidFill>
+                <a:latin typeface="Calibri" panose="020F0502020204030204" pitchFamily="34" charset="0"/>
+                <a:cs typeface="Calibri" panose="020F0502020204030204" pitchFamily="34" charset="0"/>
+              </a:rPr>
+              <a:t>Atención al usuario, </a:t>
+            </a:r>
+            <a:r>
+              <a:rPr lang="es-PE" altLang="es-PE" dirty="0">
+                <a:solidFill>
+                  <a:srgbClr val="000000"/>
+                </a:solidFill>
+                <a:latin typeface="Calibri" panose="020F0502020204030204" pitchFamily="34" charset="0"/>
+                <a:cs typeface="Calibri" panose="020F0502020204030204" pitchFamily="34" charset="0"/>
+              </a:rPr>
+              <a:t>representa un 15% (aprox.) de las transacciones mensuales de acuerdo con los gráficos descriptivos y podemos corroborar esa proporción con el “Informe de atención de reclamos III trimestres 2021”</a:t>
+            </a:r>
+            <a:endParaRPr kumimoji="0" lang="es-PE" altLang="es-PE" sz="900" i="0" u="none" strike="noStrike" cap="none" normalizeH="0" baseline="0" dirty="0">
+              <a:ln>
+                <a:noFill/>
+              </a:ln>
+              <a:solidFill>
+                <a:schemeClr val="tx1"/>
+              </a:solidFill>
+              <a:effectLst/>
+            </a:endParaRPr>
+          </a:p>
+        </p:txBody>
+      </p:sp>
+      <p:sp>
+        <p:nvSpPr>
+          <p:cNvPr id="22" name="Google Shape;111;p2">
+            <a:extLst>
+              <a:ext uri="{FF2B5EF4-FFF2-40B4-BE49-F238E27FC236}">
+                <a16:creationId xmlns:a16="http://schemas.microsoft.com/office/drawing/2014/main" id="{C89DB2A0-1EF6-4E1F-8C52-F1B20078FA77}"/>
+              </a:ext>
+            </a:extLst>
+          </p:cNvPr>
+          <p:cNvSpPr txBox="1"/>
+          <p:nvPr/>
+        </p:nvSpPr>
+        <p:spPr>
+          <a:xfrm>
+            <a:off x="3641885" y="1741183"/>
+            <a:ext cx="4908228" cy="492402"/>
+          </a:xfrm>
+          <a:prstGeom prst="rect">
+            <a:avLst/>
+          </a:prstGeom>
+          <a:noFill/>
+          <a:ln>
+            <a:noFill/>
+          </a:ln>
+        </p:spPr>
+        <p:txBody>
+          <a:bodyPr spcFirstLastPara="1" wrap="square" lIns="91425" tIns="45700" rIns="91425" bIns="45700" anchor="t" anchorCtr="0">
+            <a:spAutoFit/>
+          </a:bodyPr>
+          <a:lstStyle/>
+          <a:p>
+            <a:pPr marL="0" marR="0" lvl="0" indent="0" algn="ctr" defTabSz="914400" rtl="0" eaLnBrk="0" fontAlgn="base" latinLnBrk="0" hangingPunct="0">
+              <a:lnSpc>
+                <a:spcPct val="100000"/>
+              </a:lnSpc>
+              <a:spcBef>
+                <a:spcPct val="0"/>
+              </a:spcBef>
+              <a:spcAft>
+                <a:spcPct val="0"/>
+              </a:spcAft>
+              <a:buClrTx/>
+              <a:buSzTx/>
+              <a:buFontTx/>
+              <a:buNone/>
+              <a:tabLst/>
+            </a:pPr>
+            <a:r>
+              <a:rPr lang="es-PE" altLang="es-PE" sz="2000" b="1" dirty="0">
+                <a:solidFill>
+                  <a:srgbClr val="000000"/>
+                </a:solidFill>
+                <a:latin typeface="Calibri" panose="020F0502020204030204" pitchFamily="34" charset="0"/>
+                <a:cs typeface="Calibri" panose="020F0502020204030204" pitchFamily="34" charset="0"/>
+              </a:rPr>
+              <a:t>Reclamos Top-3 por servicio (%)</a:t>
+            </a:r>
+            <a:endParaRPr kumimoji="0" lang="es-PE" altLang="es-PE" sz="2000" b="1" i="0" u="none" strike="noStrike" cap="none" normalizeH="0" baseline="0" dirty="0">
+              <a:ln>
+                <a:noFill/>
+              </a:ln>
+              <a:solidFill>
+                <a:srgbClr val="000000"/>
+              </a:solidFill>
+              <a:effectLst/>
+              <a:latin typeface="Calibri" panose="020F0502020204030204" pitchFamily="34" charset="0"/>
+              <a:cs typeface="Calibri" panose="020F0502020204030204" pitchFamily="34" charset="0"/>
+            </a:endParaRPr>
+          </a:p>
+          <a:p>
+            <a:pPr marL="0" marR="0" lvl="0" indent="0" algn="ctr" defTabSz="914400" rtl="0" eaLnBrk="0" fontAlgn="base" latinLnBrk="0" hangingPunct="0">
+              <a:lnSpc>
+                <a:spcPct val="100000"/>
+              </a:lnSpc>
+              <a:spcBef>
+                <a:spcPct val="0"/>
+              </a:spcBef>
+              <a:spcAft>
+                <a:spcPct val="0"/>
+              </a:spcAft>
+              <a:buClrTx/>
+              <a:buSzTx/>
+              <a:buFontTx/>
+              <a:buNone/>
+              <a:tabLst/>
+            </a:pPr>
+            <a:endParaRPr kumimoji="0" lang="es-PE" altLang="es-PE" sz="600" b="0" i="0" u="none" strike="noStrike" cap="none" normalizeH="0" baseline="0" dirty="0">
+              <a:ln>
+                <a:noFill/>
+              </a:ln>
+              <a:solidFill>
+                <a:schemeClr val="tx1"/>
+              </a:solidFill>
+              <a:effectLst/>
+            </a:endParaRPr>
+          </a:p>
+        </p:txBody>
+      </p:sp>
+      <p:sp>
+        <p:nvSpPr>
+          <p:cNvPr id="28" name="CuadroTexto 27">
+            <a:extLst>
+              <a:ext uri="{FF2B5EF4-FFF2-40B4-BE49-F238E27FC236}">
+                <a16:creationId xmlns:a16="http://schemas.microsoft.com/office/drawing/2014/main" id="{8D66AAF9-8D22-4DDA-A2A4-5A100794DEE7}"/>
+              </a:ext>
+            </a:extLst>
+          </p:cNvPr>
+          <p:cNvSpPr txBox="1"/>
+          <p:nvPr/>
+        </p:nvSpPr>
+        <p:spPr>
+          <a:xfrm>
+            <a:off x="640234" y="6252827"/>
+            <a:ext cx="10122841" cy="461665"/>
+          </a:xfrm>
+          <a:prstGeom prst="rect">
+            <a:avLst/>
+          </a:prstGeom>
+          <a:noFill/>
+        </p:spPr>
+        <p:txBody>
+          <a:bodyPr wrap="square">
+            <a:spAutoFit/>
+          </a:bodyPr>
+          <a:lstStyle/>
+          <a:p>
+            <a:pPr marL="742950" lvl="1" indent="-285750" eaLnBrk="0" fontAlgn="base" hangingPunct="0">
+              <a:spcBef>
+                <a:spcPct val="0"/>
+              </a:spcBef>
+              <a:spcAft>
+                <a:spcPct val="0"/>
+              </a:spcAft>
+              <a:buFont typeface="Arial" panose="020B0604020202020204" pitchFamily="34" charset="0"/>
+              <a:buChar char="•"/>
+            </a:pPr>
+            <a:r>
+              <a:rPr lang="es-PE" altLang="es-PE" sz="1200" dirty="0">
+                <a:solidFill>
+                  <a:srgbClr val="000000"/>
+                </a:solidFill>
+                <a:latin typeface="Calibri" panose="020F0502020204030204" pitchFamily="34" charset="0"/>
+                <a:cs typeface="Calibri" panose="020F0502020204030204" pitchFamily="34" charset="0"/>
+              </a:rPr>
+              <a:t>Atención al usuario: se encuentra en el top 3 de Reclamos con mas incidencias.</a:t>
+            </a:r>
+          </a:p>
+          <a:p>
+            <a:pPr marL="742950" lvl="1" indent="-285750" eaLnBrk="0" fontAlgn="base" hangingPunct="0">
+              <a:spcBef>
+                <a:spcPct val="0"/>
+              </a:spcBef>
+              <a:spcAft>
+                <a:spcPct val="0"/>
+              </a:spcAft>
+              <a:buFont typeface="Arial" panose="020B0604020202020204" pitchFamily="34" charset="0"/>
+              <a:buChar char="•"/>
+            </a:pPr>
+            <a:r>
+              <a:rPr lang="es-PE" altLang="es-PE" sz="1200" dirty="0">
+                <a:solidFill>
+                  <a:srgbClr val="000000"/>
+                </a:solidFill>
+                <a:latin typeface="Calibri" panose="020F0502020204030204" pitchFamily="34" charset="0"/>
+                <a:cs typeface="Calibri" panose="020F0502020204030204" pitchFamily="34" charset="0"/>
+              </a:rPr>
+              <a:t>Además la solución de la carta no requiere involucrase (consulta u otras dependencias) con otros servicio financieros.</a:t>
+            </a:r>
+          </a:p>
+        </p:txBody>
+      </p:sp>
+      <p:pic>
+        <p:nvPicPr>
+          <p:cNvPr id="4098" name="Picture 2">
+            <a:extLst>
+              <a:ext uri="{FF2B5EF4-FFF2-40B4-BE49-F238E27FC236}">
+                <a16:creationId xmlns:a16="http://schemas.microsoft.com/office/drawing/2014/main" id="{93E07E0B-F039-4E25-A02A-6779421AC886}"/>
+              </a:ext>
+            </a:extLst>
+          </p:cNvPr>
+          <p:cNvPicPr>
+            <a:picLocks noChangeAspect="1" noChangeArrowheads="1"/>
+          </p:cNvPicPr>
+          <p:nvPr/>
+        </p:nvPicPr>
+        <p:blipFill>
+          <a:blip r:embed="rId2">
+            <a:extLst>
+              <a:ext uri="{28A0092B-C50C-407E-A947-70E740481C1C}">
+                <a14:useLocalDpi xmlns:a14="http://schemas.microsoft.com/office/drawing/2010/main" val="0"/>
+              </a:ext>
+            </a:extLst>
+          </a:blip>
+          <a:srcRect/>
+          <a:stretch>
+            <a:fillRect/>
+          </a:stretch>
+        </p:blipFill>
+        <p:spPr bwMode="auto">
+          <a:xfrm>
+            <a:off x="1784752" y="2241974"/>
+            <a:ext cx="8686800" cy="3933825"/>
+          </a:xfrm>
+          <a:prstGeom prst="rect">
+            <a:avLst/>
+          </a:prstGeom>
+          <a:noFill/>
+          <a:extLst>
+            <a:ext uri="{909E8E84-426E-40DD-AFC4-6F175D3DCCD1}">
+              <a14:hiddenFill xmlns:a14="http://schemas.microsoft.com/office/drawing/2010/main">
+                <a:solidFill>
+                  <a:srgbClr val="FFFFFF"/>
+                </a:solidFill>
+              </a14:hiddenFill>
+            </a:ext>
+          </a:extLst>
+        </p:spPr>
+      </p:pic>
+      <p:cxnSp>
+        <p:nvCxnSpPr>
+          <p:cNvPr id="3" name="Conector recto de flecha 2">
+            <a:extLst>
+              <a:ext uri="{FF2B5EF4-FFF2-40B4-BE49-F238E27FC236}">
+                <a16:creationId xmlns:a16="http://schemas.microsoft.com/office/drawing/2014/main" id="{369A2810-35FC-4DA4-A144-7CD453854A7C}"/>
+              </a:ext>
+            </a:extLst>
+          </p:cNvPr>
+          <p:cNvCxnSpPr>
+            <a:cxnSpLocks/>
+          </p:cNvCxnSpPr>
+          <p:nvPr/>
+        </p:nvCxnSpPr>
+        <p:spPr>
+          <a:xfrm flipV="1">
+            <a:off x="1384184" y="5176007"/>
+            <a:ext cx="931178" cy="176169"/>
+          </a:xfrm>
+          <a:prstGeom prst="straightConnector1">
+            <a:avLst/>
+          </a:prstGeom>
+          <a:ln>
+            <a:solidFill>
+              <a:srgbClr val="C00000"/>
+            </a:solidFill>
+            <a:tailEnd type="triangle"/>
+          </a:ln>
+        </p:spPr>
+        <p:style>
+          <a:lnRef idx="3">
+            <a:schemeClr val="accent2"/>
+          </a:lnRef>
+          <a:fillRef idx="0">
+            <a:schemeClr val="accent2"/>
+          </a:fillRef>
+          <a:effectRef idx="2">
+            <a:schemeClr val="accent2"/>
+          </a:effectRef>
+          <a:fontRef idx="minor">
+            <a:schemeClr val="tx1"/>
+          </a:fontRef>
+        </p:style>
+      </p:cxnSp>
+    </p:spTree>
+    <p:extLst>
+      <p:ext uri="{BB962C8B-B14F-4D97-AF65-F5344CB8AC3E}">
+        <p14:creationId xmlns:p14="http://schemas.microsoft.com/office/powerpoint/2010/main" val="3453056613"/>
+      </p:ext>
+    </p:extLst>
+  </p:cSld>
+  <p:clrMapOvr>
+    <a:masterClrMapping/>
+  </p:clrMapOvr>
+</p:sld>
+</file>
+
+<file path=ppt/slides/slide8.xml><?xml version="1.0" encoding="utf-8"?>
+<p:sld xmlns:a="http://schemas.openxmlformats.org/drawingml/2006/main" xmlns:r="http://schemas.openxmlformats.org/officeDocument/2006/relationships" xmlns:p="http://schemas.openxmlformats.org/presentationml/2006/main">
+  <p:cSld>
+    <p:spTree>
+      <p:nvGrpSpPr>
+        <p:cNvPr id="1" name=""/>
+        <p:cNvGrpSpPr/>
+        <p:nvPr/>
+      </p:nvGrpSpPr>
+      <p:grpSpPr>
+        <a:xfrm>
+          <a:off x="0" y="0"/>
+          <a:ext cx="0" cy="0"/>
+          <a:chOff x="0" y="0"/>
+          <a:chExt cx="0" cy="0"/>
+        </a:xfrm>
+      </p:grpSpPr>
+      <p:sp>
+        <p:nvSpPr>
+          <p:cNvPr id="4" name="Rectángulo: esquinas superiores redondeadas 4">
+            <a:extLst>
+              <a:ext uri="{FF2B5EF4-FFF2-40B4-BE49-F238E27FC236}">
+                <a16:creationId xmlns:a16="http://schemas.microsoft.com/office/drawing/2014/main" id="{CF789E0E-816C-4223-84EC-DC9D690B87EA}"/>
+              </a:ext>
+            </a:extLst>
+          </p:cNvPr>
+          <p:cNvSpPr/>
+          <p:nvPr/>
+        </p:nvSpPr>
+        <p:spPr>
+          <a:xfrm rot="10800000">
+            <a:off x="355599" y="0"/>
+            <a:ext cx="7813039" cy="640080"/>
+          </a:xfrm>
+          <a:prstGeom prst="round2SameRect">
+            <a:avLst/>
+          </a:prstGeom>
+          <a:solidFill>
+            <a:schemeClr val="tx2">
+              <a:lumMod val="75000"/>
+            </a:schemeClr>
+          </a:solidFill>
+        </p:spPr>
+        <p:style>
+          <a:lnRef idx="2">
+            <a:schemeClr val="accent1">
+              <a:shade val="50000"/>
+            </a:schemeClr>
+          </a:lnRef>
+          <a:fillRef idx="1">
+            <a:schemeClr val="accent1"/>
+          </a:fillRef>
+          <a:effectRef idx="0">
+            <a:schemeClr val="accent1"/>
+          </a:effectRef>
+          <a:fontRef idx="minor">
+            <a:schemeClr val="lt1"/>
+          </a:fontRef>
+        </p:style>
+        <p:txBody>
+          <a:bodyPr rtlCol="0" anchor="ctr"/>
+          <a:lstStyle/>
+          <a:p>
+            <a:pPr algn="ctr"/>
+            <a:endParaRPr lang="es-PE" dirty="0"/>
+          </a:p>
+        </p:txBody>
+      </p:sp>
+      <p:sp>
+        <p:nvSpPr>
+          <p:cNvPr id="5" name="CuadroTexto 4">
+            <a:extLst>
+              <a:ext uri="{FF2B5EF4-FFF2-40B4-BE49-F238E27FC236}">
+                <a16:creationId xmlns:a16="http://schemas.microsoft.com/office/drawing/2014/main" id="{48D2A9BD-EBF3-4CF7-A61E-49631D4D1DBB}"/>
+              </a:ext>
+            </a:extLst>
+          </p:cNvPr>
+          <p:cNvSpPr txBox="1"/>
+          <p:nvPr/>
+        </p:nvSpPr>
+        <p:spPr>
+          <a:xfrm>
+            <a:off x="558800" y="134927"/>
+            <a:ext cx="5594865" cy="400110"/>
+          </a:xfrm>
+          <a:prstGeom prst="rect">
+            <a:avLst/>
+          </a:prstGeom>
+          <a:noFill/>
+        </p:spPr>
+        <p:txBody>
+          <a:bodyPr wrap="square" rtlCol="0">
+            <a:spAutoFit/>
+          </a:bodyPr>
+          <a:lstStyle/>
+          <a:p>
+            <a:r>
+              <a:rPr lang="es-PE" sz="2000" dirty="0">
+                <a:solidFill>
+                  <a:schemeClr val="bg1"/>
+                </a:solidFill>
+                <a:latin typeface="Open Sans" panose="020B0606030504020204" pitchFamily="34" charset="0"/>
+                <a:ea typeface="Open Sans" panose="020B0606030504020204" pitchFamily="34" charset="0"/>
+                <a:cs typeface="Open Sans" panose="020B0606030504020204" pitchFamily="34" charset="0"/>
+              </a:rPr>
+              <a:t>Procesamiento de Atención al usuario</a:t>
+            </a:r>
+          </a:p>
+        </p:txBody>
+      </p:sp>
+      <p:sp>
+        <p:nvSpPr>
+          <p:cNvPr id="9" name="Rectángulo 8">
+            <a:extLst>
+              <a:ext uri="{FF2B5EF4-FFF2-40B4-BE49-F238E27FC236}">
+                <a16:creationId xmlns:a16="http://schemas.microsoft.com/office/drawing/2014/main" id="{17D5E67A-13F6-4283-8297-CC8F5E053535}"/>
+              </a:ext>
+            </a:extLst>
+          </p:cNvPr>
+          <p:cNvSpPr/>
+          <p:nvPr/>
+        </p:nvSpPr>
+        <p:spPr>
+          <a:xfrm>
+            <a:off x="355600" y="5943600"/>
+            <a:ext cx="203200" cy="914399"/>
+          </a:xfrm>
+          <a:prstGeom prst="rect">
+            <a:avLst/>
+          </a:prstGeom>
+          <a:solidFill>
+            <a:schemeClr val="tx2">
+              <a:lumMod val="75000"/>
+            </a:schemeClr>
+          </a:solidFill>
+        </p:spPr>
+        <p:style>
+          <a:lnRef idx="2">
+            <a:schemeClr val="dk1">
+              <a:shade val="50000"/>
+            </a:schemeClr>
+          </a:lnRef>
+          <a:fillRef idx="1">
+            <a:schemeClr val="dk1"/>
+          </a:fillRef>
+          <a:effectRef idx="0">
+            <a:schemeClr val="dk1"/>
+          </a:effectRef>
+          <a:fontRef idx="minor">
+            <a:schemeClr val="lt1"/>
+          </a:fontRef>
+        </p:style>
+        <p:txBody>
+          <a:bodyPr rtlCol="0" anchor="ctr"/>
+          <a:lstStyle/>
+          <a:p>
+            <a:pPr algn="ctr"/>
+            <a:endParaRPr lang="es-PE"/>
+          </a:p>
+        </p:txBody>
+      </p:sp>
+      <p:sp>
+        <p:nvSpPr>
+          <p:cNvPr id="10" name="Rectángulo 9">
+            <a:extLst>
+              <a:ext uri="{FF2B5EF4-FFF2-40B4-BE49-F238E27FC236}">
+                <a16:creationId xmlns:a16="http://schemas.microsoft.com/office/drawing/2014/main" id="{54D73149-C250-47CB-B10E-EEADC5D5A38D}"/>
+              </a:ext>
+            </a:extLst>
+          </p:cNvPr>
+          <p:cNvSpPr/>
+          <p:nvPr/>
+        </p:nvSpPr>
+        <p:spPr>
+          <a:xfrm>
+            <a:off x="640234" y="6385364"/>
+            <a:ext cx="203200" cy="472635"/>
+          </a:xfrm>
+          <a:prstGeom prst="rect">
+            <a:avLst/>
+          </a:prstGeom>
+          <a:solidFill>
+            <a:srgbClr val="C00000"/>
+          </a:solidFill>
+          <a:ln>
+            <a:noFill/>
+          </a:ln>
+        </p:spPr>
+        <p:style>
+          <a:lnRef idx="2">
+            <a:schemeClr val="dk1">
+              <a:shade val="50000"/>
+            </a:schemeClr>
+          </a:lnRef>
+          <a:fillRef idx="1">
+            <a:schemeClr val="dk1"/>
+          </a:fillRef>
+          <a:effectRef idx="0">
+            <a:schemeClr val="dk1"/>
+          </a:effectRef>
+          <a:fontRef idx="minor">
+            <a:schemeClr val="lt1"/>
+          </a:fontRef>
+        </p:style>
+        <p:txBody>
+          <a:bodyPr rtlCol="0" anchor="ctr"/>
+          <a:lstStyle/>
+          <a:p>
+            <a:pPr algn="ctr"/>
+            <a:endParaRPr lang="es-PE"/>
+          </a:p>
+        </p:txBody>
+      </p:sp>
+      <p:sp>
+        <p:nvSpPr>
+          <p:cNvPr id="15" name="Google Shape;111;p2">
+            <a:extLst>
+              <a:ext uri="{FF2B5EF4-FFF2-40B4-BE49-F238E27FC236}">
+                <a16:creationId xmlns:a16="http://schemas.microsoft.com/office/drawing/2014/main" id="{DA903829-C857-466F-8663-51CF8927D68D}"/>
+              </a:ext>
+            </a:extLst>
+          </p:cNvPr>
+          <p:cNvSpPr txBox="1"/>
+          <p:nvPr/>
+        </p:nvSpPr>
+        <p:spPr>
+          <a:xfrm>
+            <a:off x="924868" y="6230671"/>
+            <a:ext cx="7243770" cy="492402"/>
+          </a:xfrm>
+          <a:prstGeom prst="rect">
+            <a:avLst/>
+          </a:prstGeom>
+          <a:noFill/>
+          <a:ln>
+            <a:noFill/>
+          </a:ln>
+        </p:spPr>
+        <p:txBody>
+          <a:bodyPr spcFirstLastPara="1" wrap="square" lIns="91425" tIns="45700" rIns="91425" bIns="45700" anchor="t" anchorCtr="0">
+            <a:spAutoFit/>
+          </a:bodyPr>
+          <a:lstStyle/>
+          <a:p>
+            <a:pPr marL="0" marR="0" lvl="0" indent="0" algn="l" defTabSz="914400" rtl="0" eaLnBrk="0" fontAlgn="base" latinLnBrk="0" hangingPunct="0">
+              <a:lnSpc>
+                <a:spcPct val="100000"/>
+              </a:lnSpc>
+              <a:spcBef>
+                <a:spcPct val="0"/>
+              </a:spcBef>
+              <a:spcAft>
+                <a:spcPct val="0"/>
+              </a:spcAft>
+              <a:buClrTx/>
+              <a:buSzTx/>
+              <a:buFontTx/>
+              <a:buNone/>
+              <a:tabLst/>
+            </a:pPr>
+            <a:r>
+              <a:rPr kumimoji="0" lang="es-PE" altLang="es-PE" sz="1300" b="1" i="0" u="none" strike="noStrike" cap="none" normalizeH="0" baseline="0" dirty="0">
+                <a:ln>
+                  <a:noFill/>
+                </a:ln>
+                <a:solidFill>
+                  <a:srgbClr val="000000"/>
+                </a:solidFill>
+                <a:effectLst/>
+                <a:latin typeface="Calibri" panose="020F0502020204030204" pitchFamily="34" charset="0"/>
+                <a:cs typeface="Calibri" panose="020F0502020204030204" pitchFamily="34" charset="0"/>
+              </a:rPr>
+              <a:t>Al tratar de identificar los código de servicios, motivo de la fuentes en los catálogos de la SBS, algunos no son encontrados (</a:t>
+            </a:r>
+            <a:r>
+              <a:rPr kumimoji="0" lang="es-PE" altLang="es-PE" sz="1300" b="1" i="0" u="none" strike="noStrike" cap="none" normalizeH="0" baseline="0" dirty="0" err="1">
+                <a:ln>
+                  <a:noFill/>
+                </a:ln>
+                <a:solidFill>
+                  <a:srgbClr val="000000"/>
+                </a:solidFill>
+                <a:effectLst/>
+                <a:latin typeface="Calibri" panose="020F0502020204030204" pitchFamily="34" charset="0"/>
+                <a:cs typeface="Calibri" panose="020F0502020204030204" pitchFamily="34" charset="0"/>
+              </a:rPr>
+              <a:t>eg</a:t>
+            </a:r>
+            <a:r>
+              <a:rPr kumimoji="0" lang="es-PE" altLang="es-PE" sz="1300" b="1" i="0" u="none" strike="noStrike" cap="none" normalizeH="0" baseline="0" dirty="0">
+                <a:ln>
+                  <a:noFill/>
+                </a:ln>
+                <a:solidFill>
+                  <a:srgbClr val="000000"/>
+                </a:solidFill>
+                <a:effectLst/>
+                <a:latin typeface="Calibri" panose="020F0502020204030204" pitchFamily="34" charset="0"/>
+                <a:cs typeface="Calibri" panose="020F0502020204030204" pitchFamily="34" charset="0"/>
+              </a:rPr>
+              <a:t>, 102 (servicio))  </a:t>
+            </a:r>
+            <a:endParaRPr kumimoji="0" lang="es-PE" altLang="es-PE" sz="600" b="0" i="0" u="none" strike="noStrike" cap="none" normalizeH="0" baseline="0" dirty="0">
+              <a:ln>
+                <a:noFill/>
+              </a:ln>
+              <a:solidFill>
+                <a:schemeClr val="tx1"/>
+              </a:solidFill>
+              <a:effectLst/>
+            </a:endParaRPr>
+          </a:p>
+        </p:txBody>
+      </p:sp>
+    </p:spTree>
+    <p:extLst>
+      <p:ext uri="{BB962C8B-B14F-4D97-AF65-F5344CB8AC3E}">
+        <p14:creationId xmlns:p14="http://schemas.microsoft.com/office/powerpoint/2010/main" val="2340975762"/>
+      </p:ext>
+    </p:extLst>
+  </p:cSld>
+  <p:clrMapOvr>
+    <a:masterClrMapping/>
+  </p:clrMapOvr>
+</p:sld>
+</file>
+
+<file path=ppt/slides/slide9.xml><?xml version="1.0" encoding="utf-8"?>
+<p:sld xmlns:a="http://schemas.openxmlformats.org/drawingml/2006/main" xmlns:r="http://schemas.openxmlformats.org/officeDocument/2006/relationships" xmlns:p="http://schemas.openxmlformats.org/presentationml/2006/main">
+  <p:cSld>
+    <p:spTree>
+      <p:nvGrpSpPr>
+        <p:cNvPr id="1" name=""/>
+        <p:cNvGrpSpPr/>
+        <p:nvPr/>
+      </p:nvGrpSpPr>
+      <p:grpSpPr>
+        <a:xfrm>
+          <a:off x="0" y="0"/>
+          <a:ext cx="0" cy="0"/>
+          <a:chOff x="0" y="0"/>
+          <a:chExt cx="0" cy="0"/>
+        </a:xfrm>
+      </p:grpSpPr>
+      <p:sp>
+        <p:nvSpPr>
+          <p:cNvPr id="2" name="Título 1">
+            <a:extLst>
+              <a:ext uri="{FF2B5EF4-FFF2-40B4-BE49-F238E27FC236}">
+                <a16:creationId xmlns:a16="http://schemas.microsoft.com/office/drawing/2014/main" id="{6A21EC77-5480-4024-A752-8E19D9151495}"/>
+              </a:ext>
+            </a:extLst>
+          </p:cNvPr>
+          <p:cNvSpPr>
+            <a:spLocks noGrp="1"/>
+          </p:cNvSpPr>
+          <p:nvPr>
+            <p:ph type="title"/>
+          </p:nvPr>
+        </p:nvSpPr>
+        <p:spPr/>
+        <p:txBody>
+          <a:bodyPr/>
+          <a:lstStyle/>
+          <a:p>
+            <a:endParaRPr lang="es-PE"/>
+          </a:p>
+        </p:txBody>
+      </p:sp>
+      <p:sp>
+        <p:nvSpPr>
+          <p:cNvPr id="3" name="Marcador de texto 2">
+            <a:extLst>
+              <a:ext uri="{FF2B5EF4-FFF2-40B4-BE49-F238E27FC236}">
+                <a16:creationId xmlns:a16="http://schemas.microsoft.com/office/drawing/2014/main" id="{E621A9AA-8F51-4523-A069-A2B30C6D0FF6}"/>
+              </a:ext>
+            </a:extLst>
+          </p:cNvPr>
+          <p:cNvSpPr>
+            <a:spLocks noGrp="1"/>
+          </p:cNvSpPr>
+          <p:nvPr>
+            <p:ph type="body" idx="1"/>
+          </p:nvPr>
+        </p:nvSpPr>
+        <p:spPr/>
+        <p:txBody>
+          <a:bodyPr/>
+          <a:lstStyle/>
+          <a:p>
+            <a:endParaRPr lang="es-PE"/>
+          </a:p>
+        </p:txBody>
+      </p:sp>
+    </p:spTree>
+    <p:extLst>
+      <p:ext uri="{BB962C8B-B14F-4D97-AF65-F5344CB8AC3E}">
+        <p14:creationId xmlns:p14="http://schemas.microsoft.com/office/powerpoint/2010/main" val="3414945872"/>
+      </p:ext>
+    </p:extLst>
+  </p:cSld>
+  <p:clrMapOvr>
+    <a:masterClrMapping/>
+  </p:clrMapOvr>
+</p:sld>
+</file>
+
 <file path=ppt/theme/theme1.xml><?xml version="1.0" encoding="utf-8"?>
 <a:theme xmlns:a="http://schemas.openxmlformats.org/drawingml/2006/main" name="TEMA_PPT_PRUEBA">
   <a:themeElements>

--- a/BancoNacion/documentos/Reclamos.pptx
+++ b/BancoNacion/documentos/Reclamos.pptx
@@ -5,7 +5,7 @@
     <p:sldMasterId id="2147483660" r:id="rId1"/>
   </p:sldMasterIdLst>
   <p:notesMasterIdLst>
-    <p:notesMasterId r:id="rId13"/>
+    <p:notesMasterId r:id="rId16"/>
   </p:notesMasterIdLst>
   <p:sldIdLst>
     <p:sldId id="371" r:id="rId2"/>
@@ -15,10 +15,13 @@
     <p:sldId id="378" r:id="rId6"/>
     <p:sldId id="382" r:id="rId7"/>
     <p:sldId id="383" r:id="rId8"/>
-    <p:sldId id="379" r:id="rId9"/>
-    <p:sldId id="384" r:id="rId10"/>
-    <p:sldId id="377" r:id="rId11"/>
-    <p:sldId id="381" r:id="rId12"/>
+    <p:sldId id="385" r:id="rId9"/>
+    <p:sldId id="387" r:id="rId10"/>
+    <p:sldId id="386" r:id="rId11"/>
+    <p:sldId id="379" r:id="rId12"/>
+    <p:sldId id="384" r:id="rId13"/>
+    <p:sldId id="377" r:id="rId14"/>
+    <p:sldId id="381" r:id="rId15"/>
   </p:sldIdLst>
   <p:sldSz cx="12192000" cy="6858000"/>
   <p:notesSz cx="6858000" cy="9144000"/>
@@ -130,7 +133,7 @@
   <pc:docChgLst>
     <pc:chgData name="John K. Barrera" userId="ff20ac3aac775278" providerId="LiveId" clId="{D2B16D9E-8DC3-4D4C-927D-0F5AA29F5383}"/>
     <pc:docChg chg="undo redo custSel addSld delSld modSld sldOrd">
-      <pc:chgData name="John K. Barrera" userId="ff20ac3aac775278" providerId="LiveId" clId="{D2B16D9E-8DC3-4D4C-927D-0F5AA29F5383}" dt="2022-03-02T03:07:38.751" v="5021" actId="20578"/>
+      <pc:chgData name="John K. Barrera" userId="ff20ac3aac775278" providerId="LiveId" clId="{D2B16D9E-8DC3-4D4C-927D-0F5AA29F5383}" dt="2022-03-09T12:01:53.539" v="6967" actId="1076"/>
       <pc:docMkLst>
         <pc:docMk/>
       </pc:docMkLst>
@@ -1358,6 +1361,378 @@
           <pc:sldMk cId="3414945872" sldId="384"/>
         </pc:sldMkLst>
       </pc:sldChg>
+      <pc:sldChg chg="addSp delSp modSp add mod">
+        <pc:chgData name="John K. Barrera" userId="ff20ac3aac775278" providerId="LiveId" clId="{D2B16D9E-8DC3-4D4C-927D-0F5AA29F5383}" dt="2022-03-09T11:37:09.672" v="6013" actId="13822"/>
+        <pc:sldMkLst>
+          <pc:docMk/>
+          <pc:sldMk cId="3879261182" sldId="385"/>
+        </pc:sldMkLst>
+        <pc:spChg chg="mod">
+          <ac:chgData name="John K. Barrera" userId="ff20ac3aac775278" providerId="LiveId" clId="{D2B16D9E-8DC3-4D4C-927D-0F5AA29F5383}" dt="2022-03-09T09:16:08.785" v="5078" actId="313"/>
+          <ac:spMkLst>
+            <pc:docMk/>
+            <pc:sldMk cId="3879261182" sldId="385"/>
+            <ac:spMk id="5" creationId="{48D2A9BD-EBF3-4CF7-A61E-49631D4D1DBB}"/>
+          </ac:spMkLst>
+        </pc:spChg>
+        <pc:spChg chg="add mod">
+          <ac:chgData name="John K. Barrera" userId="ff20ac3aac775278" providerId="LiveId" clId="{D2B16D9E-8DC3-4D4C-927D-0F5AA29F5383}" dt="2022-03-09T11:32:36.571" v="5788" actId="1035"/>
+          <ac:spMkLst>
+            <pc:docMk/>
+            <pc:sldMk cId="3879261182" sldId="385"/>
+            <ac:spMk id="7" creationId="{E16F2D60-BC2C-4C9E-8C34-68F88E2BC9CD}"/>
+          </ac:spMkLst>
+        </pc:spChg>
+        <pc:spChg chg="add del">
+          <ac:chgData name="John K. Barrera" userId="ff20ac3aac775278" providerId="LiveId" clId="{D2B16D9E-8DC3-4D4C-927D-0F5AA29F5383}" dt="2022-03-09T11:15:08.449" v="5550" actId="478"/>
+          <ac:spMkLst>
+            <pc:docMk/>
+            <pc:sldMk cId="3879261182" sldId="385"/>
+            <ac:spMk id="8" creationId="{5B44FD99-58CB-4E65-A069-FDD386EF44F0}"/>
+          </ac:spMkLst>
+        </pc:spChg>
+        <pc:spChg chg="add del mod">
+          <ac:chgData name="John K. Barrera" userId="ff20ac3aac775278" providerId="LiveId" clId="{D2B16D9E-8DC3-4D4C-927D-0F5AA29F5383}" dt="2022-03-09T11:16:12.610" v="5558" actId="478"/>
+          <ac:spMkLst>
+            <pc:docMk/>
+            <pc:sldMk cId="3879261182" sldId="385"/>
+            <ac:spMk id="11" creationId="{01E30A5B-B8B0-4947-84C5-F8EC934B1CE0}"/>
+          </ac:spMkLst>
+        </pc:spChg>
+        <pc:spChg chg="mod">
+          <ac:chgData name="John K. Barrera" userId="ff20ac3aac775278" providerId="LiveId" clId="{D2B16D9E-8DC3-4D4C-927D-0F5AA29F5383}" dt="2022-03-09T11:10:34.288" v="5527" actId="14100"/>
+          <ac:spMkLst>
+            <pc:docMk/>
+            <pc:sldMk cId="3879261182" sldId="385"/>
+            <ac:spMk id="12" creationId="{002F249E-01CD-4A15-802F-2FC4DE855BEF}"/>
+          </ac:spMkLst>
+        </pc:spChg>
+        <pc:spChg chg="add del mod">
+          <ac:chgData name="John K. Barrera" userId="ff20ac3aac775278" providerId="LiveId" clId="{D2B16D9E-8DC3-4D4C-927D-0F5AA29F5383}" dt="2022-03-09T11:24:25.257" v="5663" actId="478"/>
+          <ac:spMkLst>
+            <pc:docMk/>
+            <pc:sldMk cId="3879261182" sldId="385"/>
+            <ac:spMk id="13" creationId="{1C275BC1-19B3-47BB-A7DB-D34B425E4F21}"/>
+          </ac:spMkLst>
+        </pc:spChg>
+        <pc:spChg chg="add del mod">
+          <ac:chgData name="John K. Barrera" userId="ff20ac3aac775278" providerId="LiveId" clId="{D2B16D9E-8DC3-4D4C-927D-0F5AA29F5383}" dt="2022-03-09T11:07:07.517" v="5498" actId="478"/>
+          <ac:spMkLst>
+            <pc:docMk/>
+            <pc:sldMk cId="3879261182" sldId="385"/>
+            <ac:spMk id="14" creationId="{980CBEAB-6C3E-46A8-A6F3-17FEF36A433E}"/>
+          </ac:spMkLst>
+        </pc:spChg>
+        <pc:spChg chg="mod">
+          <ac:chgData name="John K. Barrera" userId="ff20ac3aac775278" providerId="LiveId" clId="{D2B16D9E-8DC3-4D4C-927D-0F5AA29F5383}" dt="2022-03-09T11:35:25.033" v="5981" actId="1076"/>
+          <ac:spMkLst>
+            <pc:docMk/>
+            <pc:sldMk cId="3879261182" sldId="385"/>
+            <ac:spMk id="15" creationId="{DA903829-C857-466F-8663-51CF8927D68D}"/>
+          </ac:spMkLst>
+        </pc:spChg>
+        <pc:spChg chg="add del">
+          <ac:chgData name="John K. Barrera" userId="ff20ac3aac775278" providerId="LiveId" clId="{D2B16D9E-8DC3-4D4C-927D-0F5AA29F5383}" dt="2022-03-09T11:24:13.342" v="5662" actId="478"/>
+          <ac:spMkLst>
+            <pc:docMk/>
+            <pc:sldMk cId="3879261182" sldId="385"/>
+            <ac:spMk id="16" creationId="{94815CAF-429E-42E4-9FA2-F58C51BF96AC}"/>
+          </ac:spMkLst>
+        </pc:spChg>
+        <pc:spChg chg="add mod">
+          <ac:chgData name="John K. Barrera" userId="ff20ac3aac775278" providerId="LiveId" clId="{D2B16D9E-8DC3-4D4C-927D-0F5AA29F5383}" dt="2022-03-09T11:35:39.407" v="6003" actId="1038"/>
+          <ac:spMkLst>
+            <pc:docMk/>
+            <pc:sldMk cId="3879261182" sldId="385"/>
+            <ac:spMk id="17" creationId="{34F8657C-D213-4E11-9EC3-19F8C085075A}"/>
+          </ac:spMkLst>
+        </pc:spChg>
+        <pc:spChg chg="add mod">
+          <ac:chgData name="John K. Barrera" userId="ff20ac3aac775278" providerId="LiveId" clId="{D2B16D9E-8DC3-4D4C-927D-0F5AA29F5383}" dt="2022-03-09T11:35:41.453" v="6004" actId="1038"/>
+          <ac:spMkLst>
+            <pc:docMk/>
+            <pc:sldMk cId="3879261182" sldId="385"/>
+            <ac:spMk id="19" creationId="{15D42EE5-BA93-489A-AF31-A69819F38D9D}"/>
+          </ac:spMkLst>
+        </pc:spChg>
+        <pc:spChg chg="add mod">
+          <ac:chgData name="John K. Barrera" userId="ff20ac3aac775278" providerId="LiveId" clId="{D2B16D9E-8DC3-4D4C-927D-0F5AA29F5383}" dt="2022-03-09T11:32:57.969" v="5794" actId="1076"/>
+          <ac:spMkLst>
+            <pc:docMk/>
+            <pc:sldMk cId="3879261182" sldId="385"/>
+            <ac:spMk id="20" creationId="{93DBA4B8-87D0-4D67-8235-C991B44331B8}"/>
+          </ac:spMkLst>
+        </pc:spChg>
+        <pc:spChg chg="add del mod">
+          <ac:chgData name="John K. Barrera" userId="ff20ac3aac775278" providerId="LiveId" clId="{D2B16D9E-8DC3-4D4C-927D-0F5AA29F5383}" dt="2022-03-09T11:26:07.999" v="5688" actId="478"/>
+          <ac:spMkLst>
+            <pc:docMk/>
+            <pc:sldMk cId="3879261182" sldId="385"/>
+            <ac:spMk id="21" creationId="{4336A14F-1EAD-4234-8DF2-AAF3E2810BBD}"/>
+          </ac:spMkLst>
+        </pc:spChg>
+        <pc:spChg chg="del mod">
+          <ac:chgData name="John K. Barrera" userId="ff20ac3aac775278" providerId="LiveId" clId="{D2B16D9E-8DC3-4D4C-927D-0F5AA29F5383}" dt="2022-03-09T11:07:11.657" v="5500" actId="478"/>
+          <ac:spMkLst>
+            <pc:docMk/>
+            <pc:sldMk cId="3879261182" sldId="385"/>
+            <ac:spMk id="22" creationId="{C89DB2A0-1EF6-4E1F-8C52-F1B20078FA77}"/>
+          </ac:spMkLst>
+        </pc:spChg>
+        <pc:spChg chg="add del mod">
+          <ac:chgData name="John K. Barrera" userId="ff20ac3aac775278" providerId="LiveId" clId="{D2B16D9E-8DC3-4D4C-927D-0F5AA29F5383}" dt="2022-03-09T11:26:09.585" v="5689" actId="478"/>
+          <ac:spMkLst>
+            <pc:docMk/>
+            <pc:sldMk cId="3879261182" sldId="385"/>
+            <ac:spMk id="23" creationId="{99C693C3-DE33-4169-96BF-A23A2759A18D}"/>
+          </ac:spMkLst>
+        </pc:spChg>
+        <pc:spChg chg="add mod">
+          <ac:chgData name="John K. Barrera" userId="ff20ac3aac775278" providerId="LiveId" clId="{D2B16D9E-8DC3-4D4C-927D-0F5AA29F5383}" dt="2022-03-09T11:32:36.571" v="5788" actId="1035"/>
+          <ac:spMkLst>
+            <pc:docMk/>
+            <pc:sldMk cId="3879261182" sldId="385"/>
+            <ac:spMk id="26" creationId="{DD01CE75-A86A-4E88-A6D6-B78F895FFFF1}"/>
+          </ac:spMkLst>
+        </pc:spChg>
+        <pc:spChg chg="add del mod">
+          <ac:chgData name="John K. Barrera" userId="ff20ac3aac775278" providerId="LiveId" clId="{D2B16D9E-8DC3-4D4C-927D-0F5AA29F5383}" dt="2022-03-09T11:27:24.593" v="5708" actId="478"/>
+          <ac:spMkLst>
+            <pc:docMk/>
+            <pc:sldMk cId="3879261182" sldId="385"/>
+            <ac:spMk id="27" creationId="{A6F73388-D048-47E5-956A-08FB23E156E1}"/>
+          </ac:spMkLst>
+        </pc:spChg>
+        <pc:spChg chg="add mod">
+          <ac:chgData name="John K. Barrera" userId="ff20ac3aac775278" providerId="LiveId" clId="{D2B16D9E-8DC3-4D4C-927D-0F5AA29F5383}" dt="2022-03-09T11:32:36.571" v="5788" actId="1035"/>
+          <ac:spMkLst>
+            <pc:docMk/>
+            <pc:sldMk cId="3879261182" sldId="385"/>
+            <ac:spMk id="28" creationId="{314D838B-F93E-4267-94EA-A48F2F11FAA2}"/>
+          </ac:spMkLst>
+        </pc:spChg>
+        <pc:spChg chg="add mod">
+          <ac:chgData name="John K. Barrera" userId="ff20ac3aac775278" providerId="LiveId" clId="{D2B16D9E-8DC3-4D4C-927D-0F5AA29F5383}" dt="2022-03-09T11:35:34.050" v="6001" actId="1038"/>
+          <ac:spMkLst>
+            <pc:docMk/>
+            <pc:sldMk cId="3879261182" sldId="385"/>
+            <ac:spMk id="29" creationId="{6C19B810-4E7C-4992-8FD8-9F45F91FAFD0}"/>
+          </ac:spMkLst>
+        </pc:spChg>
+        <pc:graphicFrameChg chg="add mod modGraphic">
+          <ac:chgData name="John K. Barrera" userId="ff20ac3aac775278" providerId="LiveId" clId="{D2B16D9E-8DC3-4D4C-927D-0F5AA29F5383}" dt="2022-03-09T11:36:00.879" v="6007" actId="12385"/>
+          <ac:graphicFrameMkLst>
+            <pc:docMk/>
+            <pc:sldMk cId="3879261182" sldId="385"/>
+            <ac:graphicFrameMk id="2" creationId="{C3F8EEE8-3856-4109-91B8-5A4B35348EFB}"/>
+          </ac:graphicFrameMkLst>
+        </pc:graphicFrameChg>
+        <pc:picChg chg="add del mod">
+          <ac:chgData name="John K. Barrera" userId="ff20ac3aac775278" providerId="LiveId" clId="{D2B16D9E-8DC3-4D4C-927D-0F5AA29F5383}" dt="2022-03-09T11:07:08.903" v="5499" actId="478"/>
+          <ac:picMkLst>
+            <pc:docMk/>
+            <pc:sldMk cId="3879261182" sldId="385"/>
+            <ac:picMk id="6" creationId="{16E8B1FF-C3C6-440C-80A5-FB6A937B534E}"/>
+          </ac:picMkLst>
+        </pc:picChg>
+        <pc:picChg chg="del">
+          <ac:chgData name="John K. Barrera" userId="ff20ac3aac775278" providerId="LiveId" clId="{D2B16D9E-8DC3-4D4C-927D-0F5AA29F5383}" dt="2022-03-09T09:16:18.162" v="5079" actId="478"/>
+          <ac:picMkLst>
+            <pc:docMk/>
+            <pc:sldMk cId="3879261182" sldId="385"/>
+            <ac:picMk id="3078" creationId="{9AB9DC79-7B15-49F6-802C-2CB88241FD0F}"/>
+          </ac:picMkLst>
+        </pc:picChg>
+        <pc:cxnChg chg="del">
+          <ac:chgData name="John K. Barrera" userId="ff20ac3aac775278" providerId="LiveId" clId="{D2B16D9E-8DC3-4D4C-927D-0F5AA29F5383}" dt="2022-03-09T09:51:54.373" v="5278" actId="478"/>
+          <ac:cxnSpMkLst>
+            <pc:docMk/>
+            <pc:sldMk cId="3879261182" sldId="385"/>
+            <ac:cxnSpMk id="18" creationId="{1A4C22F2-7E66-4596-8D99-65F67FE21C94}"/>
+          </ac:cxnSpMkLst>
+        </pc:cxnChg>
+        <pc:cxnChg chg="add mod">
+          <ac:chgData name="John K. Barrera" userId="ff20ac3aac775278" providerId="LiveId" clId="{D2B16D9E-8DC3-4D4C-927D-0F5AA29F5383}" dt="2022-03-09T11:37:09.672" v="6013" actId="13822"/>
+          <ac:cxnSpMkLst>
+            <pc:docMk/>
+            <pc:sldMk cId="3879261182" sldId="385"/>
+            <ac:cxnSpMk id="30" creationId="{51F1CF5C-3F46-4DE2-8821-8960B7CCFC74}"/>
+          </ac:cxnSpMkLst>
+        </pc:cxnChg>
+      </pc:sldChg>
+      <pc:sldChg chg="addSp delSp modSp add mod">
+        <pc:chgData name="John K. Barrera" userId="ff20ac3aac775278" providerId="LiveId" clId="{D2B16D9E-8DC3-4D4C-927D-0F5AA29F5383}" dt="2022-03-09T12:01:53.539" v="6967" actId="1076"/>
+        <pc:sldMkLst>
+          <pc:docMk/>
+          <pc:sldMk cId="589919183" sldId="386"/>
+        </pc:sldMkLst>
+        <pc:spChg chg="del mod">
+          <ac:chgData name="John K. Barrera" userId="ff20ac3aac775278" providerId="LiveId" clId="{D2B16D9E-8DC3-4D4C-927D-0F5AA29F5383}" dt="2022-03-09T11:06:39.580" v="5489" actId="478"/>
+          <ac:spMkLst>
+            <pc:docMk/>
+            <pc:sldMk cId="589919183" sldId="386"/>
+            <ac:spMk id="12" creationId="{002F249E-01CD-4A15-802F-2FC4DE855BEF}"/>
+          </ac:spMkLst>
+        </pc:spChg>
+        <pc:spChg chg="mod">
+          <ac:chgData name="John K. Barrera" userId="ff20ac3aac775278" providerId="LiveId" clId="{D2B16D9E-8DC3-4D4C-927D-0F5AA29F5383}" dt="2022-03-09T12:01:09.823" v="6965" actId="1076"/>
+          <ac:spMkLst>
+            <pc:docMk/>
+            <pc:sldMk cId="589919183" sldId="386"/>
+            <ac:spMk id="14" creationId="{980CBEAB-6C3E-46A8-A6F3-17FEF36A433E}"/>
+          </ac:spMkLst>
+        </pc:spChg>
+        <pc:spChg chg="mod">
+          <ac:chgData name="John K. Barrera" userId="ff20ac3aac775278" providerId="LiveId" clId="{D2B16D9E-8DC3-4D4C-927D-0F5AA29F5383}" dt="2022-03-09T11:47:54.426" v="6382" actId="313"/>
+          <ac:spMkLst>
+            <pc:docMk/>
+            <pc:sldMk cId="589919183" sldId="386"/>
+            <ac:spMk id="15" creationId="{DA903829-C857-466F-8663-51CF8927D68D}"/>
+          </ac:spMkLst>
+        </pc:spChg>
+        <pc:spChg chg="add mod">
+          <ac:chgData name="John K. Barrera" userId="ff20ac3aac775278" providerId="LiveId" clId="{D2B16D9E-8DC3-4D4C-927D-0F5AA29F5383}" dt="2022-03-09T11:52:55.978" v="6550" actId="1076"/>
+          <ac:spMkLst>
+            <pc:docMk/>
+            <pc:sldMk cId="589919183" sldId="386"/>
+            <ac:spMk id="16" creationId="{9E8C0DFE-F61B-46F0-AF04-DB1400539FFA}"/>
+          </ac:spMkLst>
+        </pc:spChg>
+        <pc:spChg chg="add mod">
+          <ac:chgData name="John K. Barrera" userId="ff20ac3aac775278" providerId="LiveId" clId="{D2B16D9E-8DC3-4D4C-927D-0F5AA29F5383}" dt="2022-03-09T12:00:33.785" v="6940" actId="20577"/>
+          <ac:spMkLst>
+            <pc:docMk/>
+            <pc:sldMk cId="589919183" sldId="386"/>
+            <ac:spMk id="17" creationId="{F0497EF3-586B-4673-B866-730A9F140836}"/>
+          </ac:spMkLst>
+        </pc:spChg>
+        <pc:spChg chg="mod">
+          <ac:chgData name="John K. Barrera" userId="ff20ac3aac775278" providerId="LiveId" clId="{D2B16D9E-8DC3-4D4C-927D-0F5AA29F5383}" dt="2022-03-09T12:01:07.014" v="6964" actId="1076"/>
+          <ac:spMkLst>
+            <pc:docMk/>
+            <pc:sldMk cId="589919183" sldId="386"/>
+            <ac:spMk id="22" creationId="{C89DB2A0-1EF6-4E1F-8C52-F1B20078FA77}"/>
+          </ac:spMkLst>
+        </pc:spChg>
+        <pc:graphicFrameChg chg="del mod">
+          <ac:chgData name="John K. Barrera" userId="ff20ac3aac775278" providerId="LiveId" clId="{D2B16D9E-8DC3-4D4C-927D-0F5AA29F5383}" dt="2022-03-09T11:33:44.588" v="5812" actId="478"/>
+          <ac:graphicFrameMkLst>
+            <pc:docMk/>
+            <pc:sldMk cId="589919183" sldId="386"/>
+            <ac:graphicFrameMk id="2" creationId="{C3F8EEE8-3856-4109-91B8-5A4B35348EFB}"/>
+          </ac:graphicFrameMkLst>
+        </pc:graphicFrameChg>
+        <pc:picChg chg="del">
+          <ac:chgData name="John K. Barrera" userId="ff20ac3aac775278" providerId="LiveId" clId="{D2B16D9E-8DC3-4D4C-927D-0F5AA29F5383}" dt="2022-03-09T11:05:20.006" v="5474" actId="478"/>
+          <ac:picMkLst>
+            <pc:docMk/>
+            <pc:sldMk cId="589919183" sldId="386"/>
+            <ac:picMk id="6" creationId="{16E8B1FF-C3C6-440C-80A5-FB6A937B534E}"/>
+          </ac:picMkLst>
+        </pc:picChg>
+        <pc:picChg chg="add mod">
+          <ac:chgData name="John K. Barrera" userId="ff20ac3aac775278" providerId="LiveId" clId="{D2B16D9E-8DC3-4D4C-927D-0F5AA29F5383}" dt="2022-03-09T12:01:53.539" v="6967" actId="1076"/>
+          <ac:picMkLst>
+            <pc:docMk/>
+            <pc:sldMk cId="589919183" sldId="386"/>
+            <ac:picMk id="7" creationId="{5B0AC798-60E9-4734-AEEF-3F600013BA2B}"/>
+          </ac:picMkLst>
+        </pc:picChg>
+      </pc:sldChg>
+      <pc:sldChg chg="add del">
+        <pc:chgData name="John K. Barrera" userId="ff20ac3aac775278" providerId="LiveId" clId="{D2B16D9E-8DC3-4D4C-927D-0F5AA29F5383}" dt="2022-03-09T11:07:02.455" v="5497" actId="47"/>
+        <pc:sldMkLst>
+          <pc:docMk/>
+          <pc:sldMk cId="116468457" sldId="387"/>
+        </pc:sldMkLst>
+      </pc:sldChg>
+      <pc:sldChg chg="addSp modSp add mod">
+        <pc:chgData name="John K. Barrera" userId="ff20ac3aac775278" providerId="LiveId" clId="{D2B16D9E-8DC3-4D4C-927D-0F5AA29F5383}" dt="2022-03-09T11:51:06.013" v="6404" actId="20577"/>
+        <pc:sldMkLst>
+          <pc:docMk/>
+          <pc:sldMk cId="684866759" sldId="387"/>
+        </pc:sldMkLst>
+        <pc:spChg chg="mod">
+          <ac:chgData name="John K. Barrera" userId="ff20ac3aac775278" providerId="LiveId" clId="{D2B16D9E-8DC3-4D4C-927D-0F5AA29F5383}" dt="2022-03-09T11:49:08.401" v="6397" actId="1036"/>
+          <ac:spMkLst>
+            <pc:docMk/>
+            <pc:sldMk cId="684866759" sldId="387"/>
+            <ac:spMk id="7" creationId="{E16F2D60-BC2C-4C9E-8C34-68F88E2BC9CD}"/>
+          </ac:spMkLst>
+        </pc:spChg>
+        <pc:spChg chg="mod">
+          <ac:chgData name="John K. Barrera" userId="ff20ac3aac775278" providerId="LiveId" clId="{D2B16D9E-8DC3-4D4C-927D-0F5AA29F5383}" dt="2022-03-09T11:49:08.401" v="6397" actId="1036"/>
+          <ac:spMkLst>
+            <pc:docMk/>
+            <pc:sldMk cId="684866759" sldId="387"/>
+            <ac:spMk id="17" creationId="{34F8657C-D213-4E11-9EC3-19F8C085075A}"/>
+          </ac:spMkLst>
+        </pc:spChg>
+        <pc:spChg chg="mod">
+          <ac:chgData name="John K. Barrera" userId="ff20ac3aac775278" providerId="LiveId" clId="{D2B16D9E-8DC3-4D4C-927D-0F5AA29F5383}" dt="2022-03-09T11:49:08.401" v="6397" actId="1036"/>
+          <ac:spMkLst>
+            <pc:docMk/>
+            <pc:sldMk cId="684866759" sldId="387"/>
+            <ac:spMk id="19" creationId="{15D42EE5-BA93-489A-AF31-A69819F38D9D}"/>
+          </ac:spMkLst>
+        </pc:spChg>
+        <pc:spChg chg="mod">
+          <ac:chgData name="John K. Barrera" userId="ff20ac3aac775278" providerId="LiveId" clId="{D2B16D9E-8DC3-4D4C-927D-0F5AA29F5383}" dt="2022-03-09T11:42:53.868" v="6308" actId="1076"/>
+          <ac:spMkLst>
+            <pc:docMk/>
+            <pc:sldMk cId="684866759" sldId="387"/>
+            <ac:spMk id="20" creationId="{93DBA4B8-87D0-4D67-8235-C991B44331B8}"/>
+          </ac:spMkLst>
+        </pc:spChg>
+        <pc:spChg chg="add mod">
+          <ac:chgData name="John K. Barrera" userId="ff20ac3aac775278" providerId="LiveId" clId="{D2B16D9E-8DC3-4D4C-927D-0F5AA29F5383}" dt="2022-03-09T11:51:06.013" v="6404" actId="20577"/>
+          <ac:spMkLst>
+            <pc:docMk/>
+            <pc:sldMk cId="684866759" sldId="387"/>
+            <ac:spMk id="21" creationId="{D7E9A53A-254C-4D14-A88F-956665D850C9}"/>
+          </ac:spMkLst>
+        </pc:spChg>
+        <pc:spChg chg="mod">
+          <ac:chgData name="John K. Barrera" userId="ff20ac3aac775278" providerId="LiveId" clId="{D2B16D9E-8DC3-4D4C-927D-0F5AA29F5383}" dt="2022-03-09T11:49:08.401" v="6397" actId="1036"/>
+          <ac:spMkLst>
+            <pc:docMk/>
+            <pc:sldMk cId="684866759" sldId="387"/>
+            <ac:spMk id="26" creationId="{DD01CE75-A86A-4E88-A6D6-B78F895FFFF1}"/>
+          </ac:spMkLst>
+        </pc:spChg>
+        <pc:spChg chg="mod">
+          <ac:chgData name="John K. Barrera" userId="ff20ac3aac775278" providerId="LiveId" clId="{D2B16D9E-8DC3-4D4C-927D-0F5AA29F5383}" dt="2022-03-09T11:49:08.401" v="6397" actId="1036"/>
+          <ac:spMkLst>
+            <pc:docMk/>
+            <pc:sldMk cId="684866759" sldId="387"/>
+            <ac:spMk id="28" creationId="{314D838B-F93E-4267-94EA-A48F2F11FAA2}"/>
+          </ac:spMkLst>
+        </pc:spChg>
+        <pc:spChg chg="mod">
+          <ac:chgData name="John K. Barrera" userId="ff20ac3aac775278" providerId="LiveId" clId="{D2B16D9E-8DC3-4D4C-927D-0F5AA29F5383}" dt="2022-03-09T11:49:08.401" v="6397" actId="1036"/>
+          <ac:spMkLst>
+            <pc:docMk/>
+            <pc:sldMk cId="684866759" sldId="387"/>
+            <ac:spMk id="29" creationId="{6C19B810-4E7C-4992-8FD8-9F45F91FAFD0}"/>
+          </ac:spMkLst>
+        </pc:spChg>
+        <pc:graphicFrameChg chg="mod">
+          <ac:chgData name="John K. Barrera" userId="ff20ac3aac775278" providerId="LiveId" clId="{D2B16D9E-8DC3-4D4C-927D-0F5AA29F5383}" dt="2022-03-09T11:42:51.334" v="6307" actId="1076"/>
+          <ac:graphicFrameMkLst>
+            <pc:docMk/>
+            <pc:sldMk cId="684866759" sldId="387"/>
+            <ac:graphicFrameMk id="2" creationId="{C3F8EEE8-3856-4109-91B8-5A4B35348EFB}"/>
+          </ac:graphicFrameMkLst>
+        </pc:graphicFrameChg>
+        <pc:cxnChg chg="mod">
+          <ac:chgData name="John K. Barrera" userId="ff20ac3aac775278" providerId="LiveId" clId="{D2B16D9E-8DC3-4D4C-927D-0F5AA29F5383}" dt="2022-03-09T11:43:01.685" v="6310" actId="14100"/>
+          <ac:cxnSpMkLst>
+            <pc:docMk/>
+            <pc:sldMk cId="684866759" sldId="387"/>
+            <ac:cxnSpMk id="30" creationId="{51F1CF5C-3F46-4DE2-8821-8960B7CCFC74}"/>
+          </ac:cxnSpMkLst>
+        </pc:cxnChg>
+      </pc:sldChg>
     </pc:docChg>
   </pc:docChgLst>
 </pc:chgInfo>
@@ -1445,7 +1820,7 @@
           <a:p>
             <a:fld id="{4AA3995C-CEF4-46C5-822A-4E0ABA58EA45}" type="datetimeFigureOut">
               <a:rPr lang="en-US" smtClean="0"/>
-              <a:t>3/1/2022</a:t>
+              <a:t>3/8/2022</a:t>
             </a:fld>
             <a:endParaRPr lang="en-US"/>
           </a:p>
@@ -1899,7 +2274,7 @@
           <a:p>
             <a:fld id="{903304DD-1A9B-465F-A981-8B6D85F33039}" type="datetimeFigureOut">
               <a:rPr lang="en-US" smtClean="0"/>
-              <a:t>3/1/2022</a:t>
+              <a:t>3/8/2022</a:t>
             </a:fld>
             <a:endParaRPr lang="en-US"/>
           </a:p>
@@ -2202,7 +2577,7 @@
           <a:p>
             <a:fld id="{903304DD-1A9B-465F-A981-8B6D85F33039}" type="datetimeFigureOut">
               <a:rPr lang="en-US" smtClean="0"/>
-              <a:t>3/1/2022</a:t>
+              <a:t>3/8/2022</a:t>
             </a:fld>
             <a:endParaRPr lang="en-US"/>
           </a:p>
@@ -2372,7 +2747,7 @@
           <a:p>
             <a:fld id="{903304DD-1A9B-465F-A981-8B6D85F33039}" type="datetimeFigureOut">
               <a:rPr lang="en-US" smtClean="0"/>
-              <a:t>3/1/2022</a:t>
+              <a:t>3/8/2022</a:t>
             </a:fld>
             <a:endParaRPr lang="en-US"/>
           </a:p>
@@ -2552,7 +2927,7 @@
           <a:p>
             <a:fld id="{903304DD-1A9B-465F-A981-8B6D85F33039}" type="datetimeFigureOut">
               <a:rPr lang="en-US" smtClean="0"/>
-              <a:t>3/1/2022</a:t>
+              <a:t>3/8/2022</a:t>
             </a:fld>
             <a:endParaRPr lang="en-US"/>
           </a:p>
@@ -2786,7 +3161,7 @@
           <a:p>
             <a:fld id="{903304DD-1A9B-465F-A981-8B6D85F33039}" type="datetimeFigureOut">
               <a:rPr lang="en-US" smtClean="0"/>
-              <a:t>3/1/2022</a:t>
+              <a:t>3/8/2022</a:t>
             </a:fld>
             <a:endParaRPr lang="en-US"/>
           </a:p>
@@ -2984,7 +3359,7 @@
           <a:p>
             <a:fld id="{903304DD-1A9B-465F-A981-8B6D85F33039}" type="datetimeFigureOut">
               <a:rPr lang="en-US" smtClean="0"/>
-              <a:t>3/1/2022</a:t>
+              <a:t>3/8/2022</a:t>
             </a:fld>
             <a:endParaRPr lang="en-US"/>
           </a:p>
@@ -3230,7 +3605,7 @@
           <a:p>
             <a:fld id="{903304DD-1A9B-465F-A981-8B6D85F33039}" type="datetimeFigureOut">
               <a:rPr lang="en-US" smtClean="0"/>
-              <a:t>3/1/2022</a:t>
+              <a:t>3/8/2022</a:t>
             </a:fld>
             <a:endParaRPr lang="en-US"/>
           </a:p>
@@ -3462,7 +3837,7 @@
           <a:p>
             <a:fld id="{903304DD-1A9B-465F-A981-8B6D85F33039}" type="datetimeFigureOut">
               <a:rPr lang="en-US" smtClean="0"/>
-              <a:t>3/1/2022</a:t>
+              <a:t>3/8/2022</a:t>
             </a:fld>
             <a:endParaRPr lang="en-US"/>
           </a:p>
@@ -3829,7 +4204,7 @@
           <a:p>
             <a:fld id="{903304DD-1A9B-465F-A981-8B6D85F33039}" type="datetimeFigureOut">
               <a:rPr lang="en-US" smtClean="0"/>
-              <a:t>3/1/2022</a:t>
+              <a:t>3/8/2022</a:t>
             </a:fld>
             <a:endParaRPr lang="en-US"/>
           </a:p>
@@ -3947,7 +4322,7 @@
           <a:p>
             <a:fld id="{903304DD-1A9B-465F-A981-8B6D85F33039}" type="datetimeFigureOut">
               <a:rPr lang="en-US" smtClean="0"/>
-              <a:t>3/1/2022</a:t>
+              <a:t>3/8/2022</a:t>
             </a:fld>
             <a:endParaRPr lang="en-US"/>
           </a:p>
@@ -4042,7 +4417,7 @@
           <a:p>
             <a:fld id="{903304DD-1A9B-465F-A981-8B6D85F33039}" type="datetimeFigureOut">
               <a:rPr lang="en-US" smtClean="0"/>
-              <a:t>3/1/2022</a:t>
+              <a:t>3/8/2022</a:t>
             </a:fld>
             <a:endParaRPr lang="en-US"/>
           </a:p>
@@ -4319,7 +4694,7 @@
           <a:p>
             <a:fld id="{903304DD-1A9B-465F-A981-8B6D85F33039}" type="datetimeFigureOut">
               <a:rPr lang="en-US" smtClean="0"/>
-              <a:t>3/1/2022</a:t>
+              <a:t>3/8/2022</a:t>
             </a:fld>
             <a:endParaRPr lang="en-US"/>
           </a:p>
@@ -4532,7 +4907,7 @@
           <a:p>
             <a:fld id="{903304DD-1A9B-465F-A981-8B6D85F33039}" type="datetimeFigureOut">
               <a:rPr lang="en-US" smtClean="0"/>
-              <a:t>3/1/2022</a:t>
+              <a:t>3/8/2022</a:t>
             </a:fld>
             <a:endParaRPr lang="en-US"/>
           </a:p>
@@ -5323,6 +5698,1167 @@
         </p:nvSpPr>
         <p:spPr>
           <a:xfrm>
+            <a:off x="558799" y="134927"/>
+            <a:ext cx="6597779" cy="400110"/>
+          </a:xfrm>
+          <a:prstGeom prst="rect">
+            <a:avLst/>
+          </a:prstGeom>
+          <a:noFill/>
+        </p:spPr>
+        <p:txBody>
+          <a:bodyPr wrap="square" rtlCol="0">
+            <a:spAutoFit/>
+          </a:bodyPr>
+          <a:lstStyle/>
+          <a:p>
+            <a:r>
+              <a:rPr lang="es-MX" sz="2000" dirty="0">
+                <a:solidFill>
+                  <a:schemeClr val="bg1"/>
+                </a:solidFill>
+                <a:latin typeface="Open Sans" panose="020B0606030504020204" pitchFamily="34" charset="0"/>
+                <a:ea typeface="Open Sans" panose="020B0606030504020204" pitchFamily="34" charset="0"/>
+                <a:cs typeface="Open Sans" panose="020B0606030504020204" pitchFamily="34" charset="0"/>
+              </a:rPr>
+              <a:t>Servicio de “Atención al Usuario”</a:t>
+            </a:r>
+          </a:p>
+        </p:txBody>
+      </p:sp>
+      <p:sp>
+        <p:nvSpPr>
+          <p:cNvPr id="9" name="Rectángulo 8">
+            <a:extLst>
+              <a:ext uri="{FF2B5EF4-FFF2-40B4-BE49-F238E27FC236}">
+                <a16:creationId xmlns:a16="http://schemas.microsoft.com/office/drawing/2014/main" id="{17D5E67A-13F6-4283-8297-CC8F5E053535}"/>
+              </a:ext>
+            </a:extLst>
+          </p:cNvPr>
+          <p:cNvSpPr/>
+          <p:nvPr/>
+        </p:nvSpPr>
+        <p:spPr>
+          <a:xfrm>
+            <a:off x="355600" y="5943600"/>
+            <a:ext cx="203200" cy="914399"/>
+          </a:xfrm>
+          <a:prstGeom prst="rect">
+            <a:avLst/>
+          </a:prstGeom>
+          <a:solidFill>
+            <a:schemeClr val="tx2">
+              <a:lumMod val="75000"/>
+            </a:schemeClr>
+          </a:solidFill>
+        </p:spPr>
+        <p:style>
+          <a:lnRef idx="2">
+            <a:schemeClr val="dk1">
+              <a:shade val="50000"/>
+            </a:schemeClr>
+          </a:lnRef>
+          <a:fillRef idx="1">
+            <a:schemeClr val="dk1"/>
+          </a:fillRef>
+          <a:effectRef idx="0">
+            <a:schemeClr val="dk1"/>
+          </a:effectRef>
+          <a:fontRef idx="minor">
+            <a:schemeClr val="lt1"/>
+          </a:fontRef>
+        </p:style>
+        <p:txBody>
+          <a:bodyPr rtlCol="0" anchor="ctr"/>
+          <a:lstStyle/>
+          <a:p>
+            <a:pPr algn="ctr"/>
+            <a:endParaRPr lang="es-PE"/>
+          </a:p>
+        </p:txBody>
+      </p:sp>
+      <p:sp>
+        <p:nvSpPr>
+          <p:cNvPr id="10" name="Rectángulo 9">
+            <a:extLst>
+              <a:ext uri="{FF2B5EF4-FFF2-40B4-BE49-F238E27FC236}">
+                <a16:creationId xmlns:a16="http://schemas.microsoft.com/office/drawing/2014/main" id="{54D73149-C250-47CB-B10E-EEADC5D5A38D}"/>
+              </a:ext>
+            </a:extLst>
+          </p:cNvPr>
+          <p:cNvSpPr/>
+          <p:nvPr/>
+        </p:nvSpPr>
+        <p:spPr>
+          <a:xfrm>
+            <a:off x="640234" y="6385364"/>
+            <a:ext cx="203200" cy="472635"/>
+          </a:xfrm>
+          <a:prstGeom prst="rect">
+            <a:avLst/>
+          </a:prstGeom>
+          <a:solidFill>
+            <a:srgbClr val="C00000"/>
+          </a:solidFill>
+          <a:ln>
+            <a:noFill/>
+          </a:ln>
+        </p:spPr>
+        <p:style>
+          <a:lnRef idx="2">
+            <a:schemeClr val="dk1">
+              <a:shade val="50000"/>
+            </a:schemeClr>
+          </a:lnRef>
+          <a:fillRef idx="1">
+            <a:schemeClr val="dk1"/>
+          </a:fillRef>
+          <a:effectRef idx="0">
+            <a:schemeClr val="dk1"/>
+          </a:effectRef>
+          <a:fontRef idx="minor">
+            <a:schemeClr val="lt1"/>
+          </a:fontRef>
+        </p:style>
+        <p:txBody>
+          <a:bodyPr rtlCol="0" anchor="ctr"/>
+          <a:lstStyle/>
+          <a:p>
+            <a:pPr algn="ctr"/>
+            <a:endParaRPr lang="es-PE"/>
+          </a:p>
+        </p:txBody>
+      </p:sp>
+      <p:sp>
+        <p:nvSpPr>
+          <p:cNvPr id="15" name="Google Shape;111;p2">
+            <a:extLst>
+              <a:ext uri="{FF2B5EF4-FFF2-40B4-BE49-F238E27FC236}">
+                <a16:creationId xmlns:a16="http://schemas.microsoft.com/office/drawing/2014/main" id="{DA903829-C857-466F-8663-51CF8927D68D}"/>
+              </a:ext>
+            </a:extLst>
+          </p:cNvPr>
+          <p:cNvSpPr txBox="1"/>
+          <p:nvPr/>
+        </p:nvSpPr>
+        <p:spPr>
+          <a:xfrm>
+            <a:off x="1049838" y="6430726"/>
+            <a:ext cx="4906345" cy="292347"/>
+          </a:xfrm>
+          <a:prstGeom prst="rect">
+            <a:avLst/>
+          </a:prstGeom>
+          <a:noFill/>
+          <a:ln>
+            <a:noFill/>
+          </a:ln>
+        </p:spPr>
+        <p:txBody>
+          <a:bodyPr spcFirstLastPara="1" wrap="square" lIns="91425" tIns="45700" rIns="91425" bIns="45700" anchor="t" anchorCtr="0">
+            <a:spAutoFit/>
+          </a:bodyPr>
+          <a:lstStyle/>
+          <a:p>
+            <a:pPr marL="0" marR="0" lvl="0" indent="0" algn="l" defTabSz="914400" rtl="0" eaLnBrk="0" fontAlgn="base" latinLnBrk="0" hangingPunct="0">
+              <a:lnSpc>
+                <a:spcPct val="100000"/>
+              </a:lnSpc>
+              <a:spcBef>
+                <a:spcPct val="0"/>
+              </a:spcBef>
+              <a:spcAft>
+                <a:spcPct val="0"/>
+              </a:spcAft>
+              <a:buClrTx/>
+              <a:buSzTx/>
+              <a:buFontTx/>
+              <a:buNone/>
+              <a:tabLst/>
+            </a:pPr>
+            <a:r>
+              <a:rPr kumimoji="0" lang="es-PE" altLang="es-PE" sz="1300" b="1" i="0" u="none" strike="noStrike" cap="none" normalizeH="0" baseline="0" dirty="0">
+                <a:ln>
+                  <a:noFill/>
+                </a:ln>
+                <a:solidFill>
+                  <a:srgbClr val="000000"/>
+                </a:solidFill>
+                <a:effectLst/>
+                <a:latin typeface="Calibri" panose="020F0502020204030204" pitchFamily="34" charset="0"/>
+                <a:cs typeface="Calibri" panose="020F0502020204030204" pitchFamily="34" charset="0"/>
+              </a:rPr>
+              <a:t>(*) Después de este piloto extenderemos el modelo a otros servicios.</a:t>
+            </a:r>
+            <a:endParaRPr kumimoji="0" lang="es-PE" altLang="es-PE" sz="600" b="0" i="0" u="none" strike="noStrike" cap="none" normalizeH="0" baseline="0" dirty="0">
+              <a:ln>
+                <a:noFill/>
+              </a:ln>
+              <a:solidFill>
+                <a:schemeClr val="tx1"/>
+              </a:solidFill>
+              <a:effectLst/>
+            </a:endParaRPr>
+          </a:p>
+        </p:txBody>
+      </p:sp>
+      <p:sp>
+        <p:nvSpPr>
+          <p:cNvPr id="22" name="Google Shape;111;p2">
+            <a:extLst>
+              <a:ext uri="{FF2B5EF4-FFF2-40B4-BE49-F238E27FC236}">
+                <a16:creationId xmlns:a16="http://schemas.microsoft.com/office/drawing/2014/main" id="{C89DB2A0-1EF6-4E1F-8C52-F1B20078FA77}"/>
+              </a:ext>
+            </a:extLst>
+          </p:cNvPr>
+          <p:cNvSpPr txBox="1"/>
+          <p:nvPr/>
+        </p:nvSpPr>
+        <p:spPr>
+          <a:xfrm>
+            <a:off x="1398913" y="1218916"/>
+            <a:ext cx="3361536" cy="461624"/>
+          </a:xfrm>
+          <a:prstGeom prst="rect">
+            <a:avLst/>
+          </a:prstGeom>
+          <a:noFill/>
+          <a:ln>
+            <a:noFill/>
+          </a:ln>
+        </p:spPr>
+        <p:txBody>
+          <a:bodyPr spcFirstLastPara="1" wrap="square" lIns="91425" tIns="45700" rIns="91425" bIns="45700" anchor="t" anchorCtr="0">
+            <a:spAutoFit/>
+          </a:bodyPr>
+          <a:lstStyle/>
+          <a:p>
+            <a:pPr marL="0" marR="0" lvl="0" indent="0" algn="ctr" defTabSz="914400" rtl="0" eaLnBrk="0" fontAlgn="base" latinLnBrk="0" hangingPunct="0">
+              <a:lnSpc>
+                <a:spcPct val="100000"/>
+              </a:lnSpc>
+              <a:spcBef>
+                <a:spcPct val="0"/>
+              </a:spcBef>
+              <a:spcAft>
+                <a:spcPct val="0"/>
+              </a:spcAft>
+              <a:buClrTx/>
+              <a:buSzTx/>
+              <a:buFontTx/>
+              <a:buNone/>
+              <a:tabLst/>
+            </a:pPr>
+            <a:r>
+              <a:rPr lang="es-PE" altLang="es-PE" b="1" dirty="0">
+                <a:solidFill>
+                  <a:srgbClr val="000000"/>
+                </a:solidFill>
+                <a:latin typeface="Calibri" panose="020F0502020204030204" pitchFamily="34" charset="0"/>
+                <a:cs typeface="Calibri" panose="020F0502020204030204" pitchFamily="34" charset="0"/>
+              </a:rPr>
+              <a:t>Bolsa de palabras - Bag </a:t>
+            </a:r>
+            <a:r>
+              <a:rPr lang="es-PE" altLang="es-PE" b="1" dirty="0" err="1">
+                <a:solidFill>
+                  <a:srgbClr val="000000"/>
+                </a:solidFill>
+                <a:latin typeface="Calibri" panose="020F0502020204030204" pitchFamily="34" charset="0"/>
+                <a:cs typeface="Calibri" panose="020F0502020204030204" pitchFamily="34" charset="0"/>
+              </a:rPr>
+              <a:t>of</a:t>
+            </a:r>
+            <a:r>
+              <a:rPr lang="es-PE" altLang="es-PE" b="1" dirty="0">
+                <a:solidFill>
+                  <a:srgbClr val="000000"/>
+                </a:solidFill>
+                <a:latin typeface="Calibri" panose="020F0502020204030204" pitchFamily="34" charset="0"/>
+                <a:cs typeface="Calibri" panose="020F0502020204030204" pitchFamily="34" charset="0"/>
+              </a:rPr>
+              <a:t> </a:t>
+            </a:r>
+            <a:r>
+              <a:rPr lang="es-PE" altLang="es-PE" b="1" dirty="0" err="1">
+                <a:solidFill>
+                  <a:srgbClr val="000000"/>
+                </a:solidFill>
+                <a:latin typeface="Calibri" panose="020F0502020204030204" pitchFamily="34" charset="0"/>
+                <a:cs typeface="Calibri" panose="020F0502020204030204" pitchFamily="34" charset="0"/>
+              </a:rPr>
+              <a:t>Words</a:t>
+            </a:r>
+            <a:endParaRPr kumimoji="0" lang="es-PE" altLang="es-PE" b="1" i="0" u="none" strike="noStrike" cap="none" normalizeH="0" baseline="0" dirty="0">
+              <a:ln>
+                <a:noFill/>
+              </a:ln>
+              <a:solidFill>
+                <a:srgbClr val="000000"/>
+              </a:solidFill>
+              <a:effectLst/>
+              <a:latin typeface="Calibri" panose="020F0502020204030204" pitchFamily="34" charset="0"/>
+              <a:cs typeface="Calibri" panose="020F0502020204030204" pitchFamily="34" charset="0"/>
+            </a:endParaRPr>
+          </a:p>
+          <a:p>
+            <a:pPr marL="0" marR="0" lvl="0" indent="0" algn="ctr" defTabSz="914400" rtl="0" eaLnBrk="0" fontAlgn="base" latinLnBrk="0" hangingPunct="0">
+              <a:lnSpc>
+                <a:spcPct val="100000"/>
+              </a:lnSpc>
+              <a:spcBef>
+                <a:spcPct val="0"/>
+              </a:spcBef>
+              <a:spcAft>
+                <a:spcPct val="0"/>
+              </a:spcAft>
+              <a:buClrTx/>
+              <a:buSzTx/>
+              <a:buFontTx/>
+              <a:buNone/>
+              <a:tabLst/>
+            </a:pPr>
+            <a:endParaRPr kumimoji="0" lang="es-PE" altLang="es-PE" sz="600" b="0" i="0" u="none" strike="noStrike" cap="none" normalizeH="0" baseline="0" dirty="0">
+              <a:ln>
+                <a:noFill/>
+              </a:ln>
+              <a:solidFill>
+                <a:schemeClr val="tx1"/>
+              </a:solidFill>
+              <a:effectLst/>
+            </a:endParaRPr>
+          </a:p>
+        </p:txBody>
+      </p:sp>
+      <p:sp>
+        <p:nvSpPr>
+          <p:cNvPr id="14" name="Google Shape;111;p2">
+            <a:extLst>
+              <a:ext uri="{FF2B5EF4-FFF2-40B4-BE49-F238E27FC236}">
+                <a16:creationId xmlns:a16="http://schemas.microsoft.com/office/drawing/2014/main" id="{980CBEAB-6C3E-46A8-A6F3-17FEF36A433E}"/>
+              </a:ext>
+            </a:extLst>
+          </p:cNvPr>
+          <p:cNvSpPr txBox="1"/>
+          <p:nvPr/>
+        </p:nvSpPr>
+        <p:spPr>
+          <a:xfrm>
+            <a:off x="1092385" y="1644695"/>
+            <a:ext cx="3974592" cy="1338788"/>
+          </a:xfrm>
+          <a:prstGeom prst="rect">
+            <a:avLst/>
+          </a:prstGeom>
+          <a:noFill/>
+          <a:ln>
+            <a:noFill/>
+          </a:ln>
+        </p:spPr>
+        <p:txBody>
+          <a:bodyPr spcFirstLastPara="1" wrap="square" lIns="91425" tIns="45700" rIns="91425" bIns="45700" anchor="t" anchorCtr="0">
+            <a:spAutoFit/>
+          </a:bodyPr>
+          <a:lstStyle/>
+          <a:p>
+            <a:pPr lvl="0" algn="just" eaLnBrk="0" fontAlgn="base" hangingPunct="0">
+              <a:spcBef>
+                <a:spcPct val="0"/>
+              </a:spcBef>
+              <a:spcAft>
+                <a:spcPct val="0"/>
+              </a:spcAft>
+            </a:pPr>
+            <a:r>
+              <a:rPr lang="es-PE" altLang="es-PE" dirty="0">
+                <a:solidFill>
+                  <a:srgbClr val="000000"/>
+                </a:solidFill>
+                <a:latin typeface="Calibri" panose="020F0502020204030204" pitchFamily="34" charset="0"/>
+                <a:cs typeface="Calibri" panose="020F0502020204030204" pitchFamily="34" charset="0"/>
+              </a:rPr>
+              <a:t>La calidad de las bolsas de palabras, depende de la funciones de limpieza del texto.</a:t>
+            </a:r>
+          </a:p>
+          <a:p>
+            <a:pPr lvl="0" algn="just" eaLnBrk="0" fontAlgn="base" hangingPunct="0">
+              <a:spcBef>
+                <a:spcPct val="0"/>
+              </a:spcBef>
+              <a:spcAft>
+                <a:spcPct val="0"/>
+              </a:spcAft>
+            </a:pPr>
+            <a:endParaRPr lang="es-PE" altLang="es-PE" dirty="0">
+              <a:solidFill>
+                <a:srgbClr val="000000"/>
+              </a:solidFill>
+              <a:latin typeface="Calibri" panose="020F0502020204030204" pitchFamily="34" charset="0"/>
+              <a:cs typeface="Calibri" panose="020F0502020204030204" pitchFamily="34" charset="0"/>
+            </a:endParaRPr>
+          </a:p>
+          <a:p>
+            <a:pPr lvl="0" eaLnBrk="0" fontAlgn="base" hangingPunct="0">
+              <a:spcBef>
+                <a:spcPct val="0"/>
+              </a:spcBef>
+              <a:spcAft>
+                <a:spcPct val="0"/>
+              </a:spcAft>
+            </a:pPr>
+            <a:endParaRPr kumimoji="0" lang="es-PE" altLang="es-PE" sz="900" i="0" u="none" strike="noStrike" cap="none" normalizeH="0" baseline="0" dirty="0">
+              <a:ln>
+                <a:noFill/>
+              </a:ln>
+              <a:solidFill>
+                <a:schemeClr val="tx1"/>
+              </a:solidFill>
+              <a:effectLst/>
+            </a:endParaRPr>
+          </a:p>
+        </p:txBody>
+      </p:sp>
+      <p:pic>
+        <p:nvPicPr>
+          <p:cNvPr id="7" name="Imagen 6">
+            <a:extLst>
+              <a:ext uri="{FF2B5EF4-FFF2-40B4-BE49-F238E27FC236}">
+                <a16:creationId xmlns:a16="http://schemas.microsoft.com/office/drawing/2014/main" id="{5B0AC798-60E9-4734-AEEF-3F600013BA2B}"/>
+              </a:ext>
+            </a:extLst>
+          </p:cNvPr>
+          <p:cNvPicPr>
+            <a:picLocks noChangeAspect="1"/>
+          </p:cNvPicPr>
+          <p:nvPr/>
+        </p:nvPicPr>
+        <p:blipFill>
+          <a:blip r:embed="rId2"/>
+          <a:stretch>
+            <a:fillRect/>
+          </a:stretch>
+        </p:blipFill>
+        <p:spPr>
+          <a:xfrm>
+            <a:off x="6162587" y="775009"/>
+            <a:ext cx="5809854" cy="5755725"/>
+          </a:xfrm>
+          <a:prstGeom prst="rect">
+            <a:avLst/>
+          </a:prstGeom>
+        </p:spPr>
+      </p:pic>
+      <p:sp>
+        <p:nvSpPr>
+          <p:cNvPr id="16" name="Google Shape;111;p2">
+            <a:extLst>
+              <a:ext uri="{FF2B5EF4-FFF2-40B4-BE49-F238E27FC236}">
+                <a16:creationId xmlns:a16="http://schemas.microsoft.com/office/drawing/2014/main" id="{9E8C0DFE-F61B-46F0-AF04-DB1400539FFA}"/>
+              </a:ext>
+            </a:extLst>
+          </p:cNvPr>
+          <p:cNvSpPr txBox="1"/>
+          <p:nvPr/>
+        </p:nvSpPr>
+        <p:spPr>
+          <a:xfrm>
+            <a:off x="8794841" y="3786620"/>
+            <a:ext cx="2769770" cy="1523454"/>
+          </a:xfrm>
+          <a:prstGeom prst="rect">
+            <a:avLst/>
+          </a:prstGeom>
+          <a:noFill/>
+          <a:ln>
+            <a:noFill/>
+          </a:ln>
+        </p:spPr>
+        <p:txBody>
+          <a:bodyPr spcFirstLastPara="1" wrap="square" lIns="91425" tIns="45700" rIns="91425" bIns="45700" anchor="t" anchorCtr="0">
+            <a:spAutoFit/>
+          </a:bodyPr>
+          <a:lstStyle/>
+          <a:p>
+            <a:pPr lvl="0" algn="ctr" eaLnBrk="0" fontAlgn="base" hangingPunct="0">
+              <a:spcBef>
+                <a:spcPct val="0"/>
+              </a:spcBef>
+              <a:spcAft>
+                <a:spcPct val="0"/>
+              </a:spcAft>
+            </a:pPr>
+            <a:r>
+              <a:rPr lang="es-PE" altLang="es-PE" sz="1400" dirty="0">
+                <a:solidFill>
+                  <a:srgbClr val="000000"/>
+                </a:solidFill>
+                <a:latin typeface="Calibri" panose="020F0502020204030204" pitchFamily="34" charset="0"/>
+                <a:cs typeface="Calibri" panose="020F0502020204030204" pitchFamily="34" charset="0"/>
+              </a:rPr>
+              <a:t>La funciones de limpieza y procesamiento de texto sirven para corregir palabras, eliminar texto innecesario, limpiar caracteres alfanuméricos, e inclusos simplificar el vocabulario.</a:t>
+            </a:r>
+          </a:p>
+          <a:p>
+            <a:pPr lvl="0" algn="ctr" eaLnBrk="0" fontAlgn="base" hangingPunct="0">
+              <a:spcBef>
+                <a:spcPct val="0"/>
+              </a:spcBef>
+              <a:spcAft>
+                <a:spcPct val="0"/>
+              </a:spcAft>
+            </a:pPr>
+            <a:endParaRPr kumimoji="0" lang="es-PE" altLang="es-PE" sz="900" i="0" u="none" strike="noStrike" cap="none" normalizeH="0" baseline="0" dirty="0">
+              <a:ln>
+                <a:noFill/>
+              </a:ln>
+              <a:solidFill>
+                <a:schemeClr val="tx1"/>
+              </a:solidFill>
+              <a:effectLst/>
+            </a:endParaRPr>
+          </a:p>
+        </p:txBody>
+      </p:sp>
+      <p:sp>
+        <p:nvSpPr>
+          <p:cNvPr id="17" name="Google Shape;111;p2">
+            <a:extLst>
+              <a:ext uri="{FF2B5EF4-FFF2-40B4-BE49-F238E27FC236}">
+                <a16:creationId xmlns:a16="http://schemas.microsoft.com/office/drawing/2014/main" id="{F0497EF3-586B-4673-B866-730A9F140836}"/>
+              </a:ext>
+            </a:extLst>
+          </p:cNvPr>
+          <p:cNvSpPr txBox="1"/>
+          <p:nvPr/>
+        </p:nvSpPr>
+        <p:spPr>
+          <a:xfrm>
+            <a:off x="843433" y="2947638"/>
+            <a:ext cx="4660220" cy="2723782"/>
+          </a:xfrm>
+          <a:prstGeom prst="rect">
+            <a:avLst/>
+          </a:prstGeom>
+          <a:noFill/>
+          <a:ln>
+            <a:noFill/>
+          </a:ln>
+        </p:spPr>
+        <p:txBody>
+          <a:bodyPr spcFirstLastPara="1" wrap="square" lIns="91425" tIns="45700" rIns="91425" bIns="45700" anchor="t" anchorCtr="0">
+            <a:spAutoFit/>
+          </a:bodyPr>
+          <a:lstStyle/>
+          <a:p>
+            <a:pPr lvl="0" algn="just" eaLnBrk="0" fontAlgn="base" hangingPunct="0">
+              <a:spcBef>
+                <a:spcPct val="0"/>
+              </a:spcBef>
+              <a:spcAft>
+                <a:spcPct val="0"/>
+              </a:spcAft>
+            </a:pPr>
+            <a:r>
+              <a:rPr lang="es-PE" altLang="es-PE" b="1" dirty="0">
+                <a:solidFill>
+                  <a:srgbClr val="000000"/>
+                </a:solidFill>
+                <a:latin typeface="Calibri" panose="020F0502020204030204" pitchFamily="34" charset="0"/>
+                <a:cs typeface="Calibri" panose="020F0502020204030204" pitchFamily="34" charset="0"/>
+              </a:rPr>
+              <a:t>NOTA: </a:t>
+            </a:r>
+            <a:r>
+              <a:rPr lang="es-PE" altLang="es-PE" dirty="0">
+                <a:solidFill>
+                  <a:srgbClr val="000000"/>
+                </a:solidFill>
+                <a:latin typeface="Calibri" panose="020F0502020204030204" pitchFamily="34" charset="0"/>
+                <a:cs typeface="Calibri" panose="020F0502020204030204" pitchFamily="34" charset="0"/>
+              </a:rPr>
+              <a:t>Al procesar las palabras se observaron en muchos casos la descripción del reclamo no se asocia con el Servicio y/o Motivo estudiado.</a:t>
+            </a:r>
+          </a:p>
+          <a:p>
+            <a:pPr lvl="0" algn="just" eaLnBrk="0" fontAlgn="base" hangingPunct="0">
+              <a:spcBef>
+                <a:spcPct val="0"/>
+              </a:spcBef>
+              <a:spcAft>
+                <a:spcPct val="0"/>
+              </a:spcAft>
+            </a:pPr>
+            <a:r>
+              <a:rPr lang="es-PE" altLang="es-PE" dirty="0">
+                <a:solidFill>
+                  <a:srgbClr val="000000"/>
+                </a:solidFill>
+                <a:latin typeface="Calibri" panose="020F0502020204030204" pitchFamily="34" charset="0"/>
+                <a:cs typeface="Calibri" panose="020F0502020204030204" pitchFamily="34" charset="0"/>
+              </a:rPr>
+              <a:t>Se converso con negocio y este fenómeno se debe a que los reclamos suelen hacer referencia al cargo de las personas que los atendió.</a:t>
+            </a:r>
+          </a:p>
+          <a:p>
+            <a:pPr lvl="0" algn="just" eaLnBrk="0" fontAlgn="base" hangingPunct="0">
+              <a:spcBef>
+                <a:spcPct val="0"/>
+              </a:spcBef>
+              <a:spcAft>
+                <a:spcPct val="0"/>
+              </a:spcAft>
+            </a:pPr>
+            <a:r>
+              <a:rPr lang="es-PE" altLang="es-PE" dirty="0">
+                <a:solidFill>
+                  <a:srgbClr val="000000"/>
+                </a:solidFill>
+                <a:latin typeface="Calibri" panose="020F0502020204030204" pitchFamily="34" charset="0"/>
+                <a:cs typeface="Calibri" panose="020F0502020204030204" pitchFamily="34" charset="0"/>
+              </a:rPr>
+              <a:t>Este fenómeno modifica nuestro método usado para identificar las bolsas de palabras.</a:t>
+            </a:r>
+          </a:p>
+          <a:p>
+            <a:pPr lvl="0" algn="just" eaLnBrk="0" fontAlgn="base" hangingPunct="0">
+              <a:spcBef>
+                <a:spcPct val="0"/>
+              </a:spcBef>
+              <a:spcAft>
+                <a:spcPct val="0"/>
+              </a:spcAft>
+            </a:pPr>
+            <a:endParaRPr lang="es-PE" altLang="es-PE" dirty="0">
+              <a:solidFill>
+                <a:srgbClr val="000000"/>
+              </a:solidFill>
+              <a:latin typeface="Calibri" panose="020F0502020204030204" pitchFamily="34" charset="0"/>
+              <a:cs typeface="Calibri" panose="020F0502020204030204" pitchFamily="34" charset="0"/>
+            </a:endParaRPr>
+          </a:p>
+          <a:p>
+            <a:pPr lvl="0" eaLnBrk="0" fontAlgn="base" hangingPunct="0">
+              <a:spcBef>
+                <a:spcPct val="0"/>
+              </a:spcBef>
+              <a:spcAft>
+                <a:spcPct val="0"/>
+              </a:spcAft>
+            </a:pPr>
+            <a:endParaRPr kumimoji="0" lang="es-PE" altLang="es-PE" sz="900" i="0" u="none" strike="noStrike" cap="none" normalizeH="0" baseline="0" dirty="0">
+              <a:ln>
+                <a:noFill/>
+              </a:ln>
+              <a:solidFill>
+                <a:schemeClr val="tx1"/>
+              </a:solidFill>
+              <a:effectLst/>
+            </a:endParaRPr>
+          </a:p>
+        </p:txBody>
+      </p:sp>
+    </p:spTree>
+    <p:extLst>
+      <p:ext uri="{BB962C8B-B14F-4D97-AF65-F5344CB8AC3E}">
+        <p14:creationId xmlns:p14="http://schemas.microsoft.com/office/powerpoint/2010/main" val="589919183"/>
+      </p:ext>
+    </p:extLst>
+  </p:cSld>
+  <p:clrMapOvr>
+    <a:masterClrMapping/>
+  </p:clrMapOvr>
+</p:sld>
+</file>
+
+<file path=ppt/slides/slide11.xml><?xml version="1.0" encoding="utf-8"?>
+<p:sld xmlns:a="http://schemas.openxmlformats.org/drawingml/2006/main" xmlns:r="http://schemas.openxmlformats.org/officeDocument/2006/relationships" xmlns:p="http://schemas.openxmlformats.org/presentationml/2006/main">
+  <p:cSld>
+    <p:spTree>
+      <p:nvGrpSpPr>
+        <p:cNvPr id="1" name=""/>
+        <p:cNvGrpSpPr/>
+        <p:nvPr/>
+      </p:nvGrpSpPr>
+      <p:grpSpPr>
+        <a:xfrm>
+          <a:off x="0" y="0"/>
+          <a:ext cx="0" cy="0"/>
+          <a:chOff x="0" y="0"/>
+          <a:chExt cx="0" cy="0"/>
+        </a:xfrm>
+      </p:grpSpPr>
+      <p:sp>
+        <p:nvSpPr>
+          <p:cNvPr id="4" name="Rectángulo: esquinas superiores redondeadas 4">
+            <a:extLst>
+              <a:ext uri="{FF2B5EF4-FFF2-40B4-BE49-F238E27FC236}">
+                <a16:creationId xmlns:a16="http://schemas.microsoft.com/office/drawing/2014/main" id="{CF789E0E-816C-4223-84EC-DC9D690B87EA}"/>
+              </a:ext>
+            </a:extLst>
+          </p:cNvPr>
+          <p:cNvSpPr/>
+          <p:nvPr/>
+        </p:nvSpPr>
+        <p:spPr>
+          <a:xfrm rot="10800000">
+            <a:off x="355599" y="0"/>
+            <a:ext cx="7813039" cy="640080"/>
+          </a:xfrm>
+          <a:prstGeom prst="round2SameRect">
+            <a:avLst/>
+          </a:prstGeom>
+          <a:solidFill>
+            <a:schemeClr val="tx2">
+              <a:lumMod val="75000"/>
+            </a:schemeClr>
+          </a:solidFill>
+        </p:spPr>
+        <p:style>
+          <a:lnRef idx="2">
+            <a:schemeClr val="accent1">
+              <a:shade val="50000"/>
+            </a:schemeClr>
+          </a:lnRef>
+          <a:fillRef idx="1">
+            <a:schemeClr val="accent1"/>
+          </a:fillRef>
+          <a:effectRef idx="0">
+            <a:schemeClr val="accent1"/>
+          </a:effectRef>
+          <a:fontRef idx="minor">
+            <a:schemeClr val="lt1"/>
+          </a:fontRef>
+        </p:style>
+        <p:txBody>
+          <a:bodyPr rtlCol="0" anchor="ctr"/>
+          <a:lstStyle/>
+          <a:p>
+            <a:pPr algn="ctr"/>
+            <a:endParaRPr lang="es-PE" dirty="0"/>
+          </a:p>
+        </p:txBody>
+      </p:sp>
+      <p:sp>
+        <p:nvSpPr>
+          <p:cNvPr id="5" name="CuadroTexto 4">
+            <a:extLst>
+              <a:ext uri="{FF2B5EF4-FFF2-40B4-BE49-F238E27FC236}">
+                <a16:creationId xmlns:a16="http://schemas.microsoft.com/office/drawing/2014/main" id="{48D2A9BD-EBF3-4CF7-A61E-49631D4D1DBB}"/>
+              </a:ext>
+            </a:extLst>
+          </p:cNvPr>
+          <p:cNvSpPr txBox="1"/>
+          <p:nvPr/>
+        </p:nvSpPr>
+        <p:spPr>
+          <a:xfrm>
+            <a:off x="558800" y="134927"/>
+            <a:ext cx="5594865" cy="400110"/>
+          </a:xfrm>
+          <a:prstGeom prst="rect">
+            <a:avLst/>
+          </a:prstGeom>
+          <a:noFill/>
+        </p:spPr>
+        <p:txBody>
+          <a:bodyPr wrap="square" rtlCol="0">
+            <a:spAutoFit/>
+          </a:bodyPr>
+          <a:lstStyle/>
+          <a:p>
+            <a:r>
+              <a:rPr lang="es-PE" sz="2000" dirty="0">
+                <a:solidFill>
+                  <a:schemeClr val="bg1"/>
+                </a:solidFill>
+                <a:latin typeface="Open Sans" panose="020B0606030504020204" pitchFamily="34" charset="0"/>
+                <a:ea typeface="Open Sans" panose="020B0606030504020204" pitchFamily="34" charset="0"/>
+                <a:cs typeface="Open Sans" panose="020B0606030504020204" pitchFamily="34" charset="0"/>
+              </a:rPr>
+              <a:t>Procesamiento de Atención al usuario</a:t>
+            </a:r>
+          </a:p>
+        </p:txBody>
+      </p:sp>
+      <p:sp>
+        <p:nvSpPr>
+          <p:cNvPr id="9" name="Rectángulo 8">
+            <a:extLst>
+              <a:ext uri="{FF2B5EF4-FFF2-40B4-BE49-F238E27FC236}">
+                <a16:creationId xmlns:a16="http://schemas.microsoft.com/office/drawing/2014/main" id="{17D5E67A-13F6-4283-8297-CC8F5E053535}"/>
+              </a:ext>
+            </a:extLst>
+          </p:cNvPr>
+          <p:cNvSpPr/>
+          <p:nvPr/>
+        </p:nvSpPr>
+        <p:spPr>
+          <a:xfrm>
+            <a:off x="355600" y="5943600"/>
+            <a:ext cx="203200" cy="914399"/>
+          </a:xfrm>
+          <a:prstGeom prst="rect">
+            <a:avLst/>
+          </a:prstGeom>
+          <a:solidFill>
+            <a:schemeClr val="tx2">
+              <a:lumMod val="75000"/>
+            </a:schemeClr>
+          </a:solidFill>
+        </p:spPr>
+        <p:style>
+          <a:lnRef idx="2">
+            <a:schemeClr val="dk1">
+              <a:shade val="50000"/>
+            </a:schemeClr>
+          </a:lnRef>
+          <a:fillRef idx="1">
+            <a:schemeClr val="dk1"/>
+          </a:fillRef>
+          <a:effectRef idx="0">
+            <a:schemeClr val="dk1"/>
+          </a:effectRef>
+          <a:fontRef idx="minor">
+            <a:schemeClr val="lt1"/>
+          </a:fontRef>
+        </p:style>
+        <p:txBody>
+          <a:bodyPr rtlCol="0" anchor="ctr"/>
+          <a:lstStyle/>
+          <a:p>
+            <a:pPr algn="ctr"/>
+            <a:endParaRPr lang="es-PE"/>
+          </a:p>
+        </p:txBody>
+      </p:sp>
+      <p:sp>
+        <p:nvSpPr>
+          <p:cNvPr id="10" name="Rectángulo 9">
+            <a:extLst>
+              <a:ext uri="{FF2B5EF4-FFF2-40B4-BE49-F238E27FC236}">
+                <a16:creationId xmlns:a16="http://schemas.microsoft.com/office/drawing/2014/main" id="{54D73149-C250-47CB-B10E-EEADC5D5A38D}"/>
+              </a:ext>
+            </a:extLst>
+          </p:cNvPr>
+          <p:cNvSpPr/>
+          <p:nvPr/>
+        </p:nvSpPr>
+        <p:spPr>
+          <a:xfrm>
+            <a:off x="640234" y="6385364"/>
+            <a:ext cx="203200" cy="472635"/>
+          </a:xfrm>
+          <a:prstGeom prst="rect">
+            <a:avLst/>
+          </a:prstGeom>
+          <a:solidFill>
+            <a:srgbClr val="C00000"/>
+          </a:solidFill>
+          <a:ln>
+            <a:noFill/>
+          </a:ln>
+        </p:spPr>
+        <p:style>
+          <a:lnRef idx="2">
+            <a:schemeClr val="dk1">
+              <a:shade val="50000"/>
+            </a:schemeClr>
+          </a:lnRef>
+          <a:fillRef idx="1">
+            <a:schemeClr val="dk1"/>
+          </a:fillRef>
+          <a:effectRef idx="0">
+            <a:schemeClr val="dk1"/>
+          </a:effectRef>
+          <a:fontRef idx="minor">
+            <a:schemeClr val="lt1"/>
+          </a:fontRef>
+        </p:style>
+        <p:txBody>
+          <a:bodyPr rtlCol="0" anchor="ctr"/>
+          <a:lstStyle/>
+          <a:p>
+            <a:pPr algn="ctr"/>
+            <a:endParaRPr lang="es-PE"/>
+          </a:p>
+        </p:txBody>
+      </p:sp>
+      <p:sp>
+        <p:nvSpPr>
+          <p:cNvPr id="15" name="Google Shape;111;p2">
+            <a:extLst>
+              <a:ext uri="{FF2B5EF4-FFF2-40B4-BE49-F238E27FC236}">
+                <a16:creationId xmlns:a16="http://schemas.microsoft.com/office/drawing/2014/main" id="{DA903829-C857-466F-8663-51CF8927D68D}"/>
+              </a:ext>
+            </a:extLst>
+          </p:cNvPr>
+          <p:cNvSpPr txBox="1"/>
+          <p:nvPr/>
+        </p:nvSpPr>
+        <p:spPr>
+          <a:xfrm>
+            <a:off x="924868" y="6230671"/>
+            <a:ext cx="7243770" cy="492402"/>
+          </a:xfrm>
+          <a:prstGeom prst="rect">
+            <a:avLst/>
+          </a:prstGeom>
+          <a:noFill/>
+          <a:ln>
+            <a:noFill/>
+          </a:ln>
+        </p:spPr>
+        <p:txBody>
+          <a:bodyPr spcFirstLastPara="1" wrap="square" lIns="91425" tIns="45700" rIns="91425" bIns="45700" anchor="t" anchorCtr="0">
+            <a:spAutoFit/>
+          </a:bodyPr>
+          <a:lstStyle/>
+          <a:p>
+            <a:pPr marL="0" marR="0" lvl="0" indent="0" algn="l" defTabSz="914400" rtl="0" eaLnBrk="0" fontAlgn="base" latinLnBrk="0" hangingPunct="0">
+              <a:lnSpc>
+                <a:spcPct val="100000"/>
+              </a:lnSpc>
+              <a:spcBef>
+                <a:spcPct val="0"/>
+              </a:spcBef>
+              <a:spcAft>
+                <a:spcPct val="0"/>
+              </a:spcAft>
+              <a:buClrTx/>
+              <a:buSzTx/>
+              <a:buFontTx/>
+              <a:buNone/>
+              <a:tabLst/>
+            </a:pPr>
+            <a:r>
+              <a:rPr kumimoji="0" lang="es-PE" altLang="es-PE" sz="1300" b="1" i="0" u="none" strike="noStrike" cap="none" normalizeH="0" baseline="0" dirty="0">
+                <a:ln>
+                  <a:noFill/>
+                </a:ln>
+                <a:solidFill>
+                  <a:srgbClr val="000000"/>
+                </a:solidFill>
+                <a:effectLst/>
+                <a:latin typeface="Calibri" panose="020F0502020204030204" pitchFamily="34" charset="0"/>
+                <a:cs typeface="Calibri" panose="020F0502020204030204" pitchFamily="34" charset="0"/>
+              </a:rPr>
+              <a:t>Al tratar de identificar los código de servicios, motivo de la fuentes en los catálogos de la SBS, algunos no son encontrados (</a:t>
+            </a:r>
+            <a:r>
+              <a:rPr kumimoji="0" lang="es-PE" altLang="es-PE" sz="1300" b="1" i="0" u="none" strike="noStrike" cap="none" normalizeH="0" baseline="0" dirty="0" err="1">
+                <a:ln>
+                  <a:noFill/>
+                </a:ln>
+                <a:solidFill>
+                  <a:srgbClr val="000000"/>
+                </a:solidFill>
+                <a:effectLst/>
+                <a:latin typeface="Calibri" panose="020F0502020204030204" pitchFamily="34" charset="0"/>
+                <a:cs typeface="Calibri" panose="020F0502020204030204" pitchFamily="34" charset="0"/>
+              </a:rPr>
+              <a:t>eg</a:t>
+            </a:r>
+            <a:r>
+              <a:rPr kumimoji="0" lang="es-PE" altLang="es-PE" sz="1300" b="1" i="0" u="none" strike="noStrike" cap="none" normalizeH="0" baseline="0" dirty="0">
+                <a:ln>
+                  <a:noFill/>
+                </a:ln>
+                <a:solidFill>
+                  <a:srgbClr val="000000"/>
+                </a:solidFill>
+                <a:effectLst/>
+                <a:latin typeface="Calibri" panose="020F0502020204030204" pitchFamily="34" charset="0"/>
+                <a:cs typeface="Calibri" panose="020F0502020204030204" pitchFamily="34" charset="0"/>
+              </a:rPr>
+              <a:t>, 102 (servicio))  </a:t>
+            </a:r>
+            <a:endParaRPr kumimoji="0" lang="es-PE" altLang="es-PE" sz="600" b="0" i="0" u="none" strike="noStrike" cap="none" normalizeH="0" baseline="0" dirty="0">
+              <a:ln>
+                <a:noFill/>
+              </a:ln>
+              <a:solidFill>
+                <a:schemeClr val="tx1"/>
+              </a:solidFill>
+              <a:effectLst/>
+            </a:endParaRPr>
+          </a:p>
+        </p:txBody>
+      </p:sp>
+    </p:spTree>
+    <p:extLst>
+      <p:ext uri="{BB962C8B-B14F-4D97-AF65-F5344CB8AC3E}">
+        <p14:creationId xmlns:p14="http://schemas.microsoft.com/office/powerpoint/2010/main" val="2340975762"/>
+      </p:ext>
+    </p:extLst>
+  </p:cSld>
+  <p:clrMapOvr>
+    <a:masterClrMapping/>
+  </p:clrMapOvr>
+</p:sld>
+</file>
+
+<file path=ppt/slides/slide12.xml><?xml version="1.0" encoding="utf-8"?>
+<p:sld xmlns:a="http://schemas.openxmlformats.org/drawingml/2006/main" xmlns:r="http://schemas.openxmlformats.org/officeDocument/2006/relationships" xmlns:p="http://schemas.openxmlformats.org/presentationml/2006/main">
+  <p:cSld>
+    <p:spTree>
+      <p:nvGrpSpPr>
+        <p:cNvPr id="1" name=""/>
+        <p:cNvGrpSpPr/>
+        <p:nvPr/>
+      </p:nvGrpSpPr>
+      <p:grpSpPr>
+        <a:xfrm>
+          <a:off x="0" y="0"/>
+          <a:ext cx="0" cy="0"/>
+          <a:chOff x="0" y="0"/>
+          <a:chExt cx="0" cy="0"/>
+        </a:xfrm>
+      </p:grpSpPr>
+      <p:sp>
+        <p:nvSpPr>
+          <p:cNvPr id="2" name="Título 1">
+            <a:extLst>
+              <a:ext uri="{FF2B5EF4-FFF2-40B4-BE49-F238E27FC236}">
+                <a16:creationId xmlns:a16="http://schemas.microsoft.com/office/drawing/2014/main" id="{6A21EC77-5480-4024-A752-8E19D9151495}"/>
+              </a:ext>
+            </a:extLst>
+          </p:cNvPr>
+          <p:cNvSpPr>
+            <a:spLocks noGrp="1"/>
+          </p:cNvSpPr>
+          <p:nvPr>
+            <p:ph type="title"/>
+          </p:nvPr>
+        </p:nvSpPr>
+        <p:spPr/>
+        <p:txBody>
+          <a:bodyPr/>
+          <a:lstStyle/>
+          <a:p>
+            <a:endParaRPr lang="es-PE"/>
+          </a:p>
+        </p:txBody>
+      </p:sp>
+      <p:sp>
+        <p:nvSpPr>
+          <p:cNvPr id="3" name="Marcador de texto 2">
+            <a:extLst>
+              <a:ext uri="{FF2B5EF4-FFF2-40B4-BE49-F238E27FC236}">
+                <a16:creationId xmlns:a16="http://schemas.microsoft.com/office/drawing/2014/main" id="{E621A9AA-8F51-4523-A069-A2B30C6D0FF6}"/>
+              </a:ext>
+            </a:extLst>
+          </p:cNvPr>
+          <p:cNvSpPr>
+            <a:spLocks noGrp="1"/>
+          </p:cNvSpPr>
+          <p:nvPr>
+            <p:ph type="body" idx="1"/>
+          </p:nvPr>
+        </p:nvSpPr>
+        <p:spPr/>
+        <p:txBody>
+          <a:bodyPr/>
+          <a:lstStyle/>
+          <a:p>
+            <a:endParaRPr lang="es-PE"/>
+          </a:p>
+        </p:txBody>
+      </p:sp>
+    </p:spTree>
+    <p:extLst>
+      <p:ext uri="{BB962C8B-B14F-4D97-AF65-F5344CB8AC3E}">
+        <p14:creationId xmlns:p14="http://schemas.microsoft.com/office/powerpoint/2010/main" val="3414945872"/>
+      </p:ext>
+    </p:extLst>
+  </p:cSld>
+  <p:clrMapOvr>
+    <a:masterClrMapping/>
+  </p:clrMapOvr>
+</p:sld>
+</file>
+
+<file path=ppt/slides/slide13.xml><?xml version="1.0" encoding="utf-8"?>
+<p:sld xmlns:a="http://schemas.openxmlformats.org/drawingml/2006/main" xmlns:r="http://schemas.openxmlformats.org/officeDocument/2006/relationships" xmlns:p="http://schemas.openxmlformats.org/presentationml/2006/main">
+  <p:cSld>
+    <p:spTree>
+      <p:nvGrpSpPr>
+        <p:cNvPr id="1" name=""/>
+        <p:cNvGrpSpPr/>
+        <p:nvPr/>
+      </p:nvGrpSpPr>
+      <p:grpSpPr>
+        <a:xfrm>
+          <a:off x="0" y="0"/>
+          <a:ext cx="0" cy="0"/>
+          <a:chOff x="0" y="0"/>
+          <a:chExt cx="0" cy="0"/>
+        </a:xfrm>
+      </p:grpSpPr>
+      <p:sp>
+        <p:nvSpPr>
+          <p:cNvPr id="4" name="Rectángulo: esquinas superiores redondeadas 4">
+            <a:extLst>
+              <a:ext uri="{FF2B5EF4-FFF2-40B4-BE49-F238E27FC236}">
+                <a16:creationId xmlns:a16="http://schemas.microsoft.com/office/drawing/2014/main" id="{CF789E0E-816C-4223-84EC-DC9D690B87EA}"/>
+              </a:ext>
+            </a:extLst>
+          </p:cNvPr>
+          <p:cNvSpPr/>
+          <p:nvPr/>
+        </p:nvSpPr>
+        <p:spPr>
+          <a:xfrm rot="10800000">
+            <a:off x="355599" y="0"/>
+            <a:ext cx="7813039" cy="640080"/>
+          </a:xfrm>
+          <a:prstGeom prst="round2SameRect">
+            <a:avLst/>
+          </a:prstGeom>
+          <a:solidFill>
+            <a:schemeClr val="tx2">
+              <a:lumMod val="75000"/>
+            </a:schemeClr>
+          </a:solidFill>
+        </p:spPr>
+        <p:style>
+          <a:lnRef idx="2">
+            <a:schemeClr val="accent1">
+              <a:shade val="50000"/>
+            </a:schemeClr>
+          </a:lnRef>
+          <a:fillRef idx="1">
+            <a:schemeClr val="accent1"/>
+          </a:fillRef>
+          <a:effectRef idx="0">
+            <a:schemeClr val="accent1"/>
+          </a:effectRef>
+          <a:fontRef idx="minor">
+            <a:schemeClr val="lt1"/>
+          </a:fontRef>
+        </p:style>
+        <p:txBody>
+          <a:bodyPr rtlCol="0" anchor="ctr"/>
+          <a:lstStyle/>
+          <a:p>
+            <a:pPr algn="ctr"/>
+            <a:endParaRPr lang="es-PE" dirty="0"/>
+          </a:p>
+        </p:txBody>
+      </p:sp>
+      <p:sp>
+        <p:nvSpPr>
+          <p:cNvPr id="5" name="CuadroTexto 4">
+            <a:extLst>
+              <a:ext uri="{FF2B5EF4-FFF2-40B4-BE49-F238E27FC236}">
+                <a16:creationId xmlns:a16="http://schemas.microsoft.com/office/drawing/2014/main" id="{48D2A9BD-EBF3-4CF7-A61E-49631D4D1DBB}"/>
+              </a:ext>
+            </a:extLst>
+          </p:cNvPr>
+          <p:cNvSpPr txBox="1"/>
+          <p:nvPr/>
+        </p:nvSpPr>
+        <p:spPr>
+          <a:xfrm>
             <a:off x="558800" y="134927"/>
             <a:ext cx="5594865" cy="400110"/>
           </a:xfrm>
@@ -6031,7 +7567,7 @@
 </p:sld>
 </file>
 
-<file path=ppt/slides/slide11.xml><?xml version="1.0" encoding="utf-8"?>
+<file path=ppt/slides/slide14.xml><?xml version="1.0" encoding="utf-8"?>
 <p:sld xmlns:a="http://schemas.openxmlformats.org/drawingml/2006/main" xmlns:r="http://schemas.openxmlformats.org/officeDocument/2006/relationships" xmlns:p="http://schemas.openxmlformats.org/presentationml/2006/main">
   <p:cSld>
     <p:spTree>
@@ -12897,8 +14433,8 @@
         </p:nvSpPr>
         <p:spPr>
           <a:xfrm>
-            <a:off x="558800" y="134927"/>
-            <a:ext cx="5594865" cy="400110"/>
+            <a:off x="558799" y="134927"/>
+            <a:ext cx="6597779" cy="400110"/>
           </a:xfrm>
           <a:prstGeom prst="rect">
             <a:avLst/>
@@ -12912,7 +14448,7 @@
           <a:lstStyle/>
           <a:p>
             <a:r>
-              <a:rPr lang="es-PE" sz="2000" dirty="0">
+              <a:rPr lang="es-MX" sz="2000" dirty="0">
                 <a:solidFill>
                   <a:schemeClr val="bg1"/>
                 </a:solidFill>
@@ -12920,7 +14456,7 @@
                 <a:ea typeface="Open Sans" panose="020B0606030504020204" pitchFamily="34" charset="0"/>
                 <a:cs typeface="Open Sans" panose="020B0606030504020204" pitchFamily="34" charset="0"/>
               </a:rPr>
-              <a:t>Procesamiento de Atención al usuario</a:t>
+              <a:t>Servicio de “Atención al Usuario”</a:t>
             </a:r>
           </a:p>
         </p:txBody>
@@ -13030,6 +14566,117 @@
       </p:sp>
       <p:sp>
         <p:nvSpPr>
+          <p:cNvPr id="12" name="Google Shape;111;p2">
+            <a:extLst>
+              <a:ext uri="{FF2B5EF4-FFF2-40B4-BE49-F238E27FC236}">
+                <a16:creationId xmlns:a16="http://schemas.microsoft.com/office/drawing/2014/main" id="{002F249E-01CD-4A15-802F-2FC4DE855BEF}"/>
+              </a:ext>
+            </a:extLst>
+          </p:cNvPr>
+          <p:cNvSpPr txBox="1"/>
+          <p:nvPr/>
+        </p:nvSpPr>
+        <p:spPr>
+          <a:xfrm>
+            <a:off x="738222" y="866805"/>
+            <a:ext cx="10779861" cy="784790"/>
+          </a:xfrm>
+          <a:prstGeom prst="rect">
+            <a:avLst/>
+          </a:prstGeom>
+          <a:noFill/>
+          <a:ln>
+            <a:noFill/>
+          </a:ln>
+        </p:spPr>
+        <p:txBody>
+          <a:bodyPr spcFirstLastPara="1" wrap="square" lIns="91425" tIns="45700" rIns="91425" bIns="45700" anchor="t" anchorCtr="0">
+            <a:spAutoFit/>
+          </a:bodyPr>
+          <a:lstStyle/>
+          <a:p>
+            <a:pPr lvl="0" algn="just" eaLnBrk="0" fontAlgn="base" hangingPunct="0">
+              <a:spcBef>
+                <a:spcPct val="0"/>
+              </a:spcBef>
+              <a:spcAft>
+                <a:spcPct val="0"/>
+              </a:spcAft>
+            </a:pPr>
+            <a:r>
+              <a:rPr lang="es-PE" altLang="es-PE" dirty="0">
+                <a:solidFill>
+                  <a:srgbClr val="000000"/>
+                </a:solidFill>
+                <a:latin typeface="Calibri" panose="020F0502020204030204" pitchFamily="34" charset="0"/>
+                <a:cs typeface="Calibri" panose="020F0502020204030204" pitchFamily="34" charset="0"/>
+              </a:rPr>
+              <a:t>Se ejecuto un proceso para limpiar las “Descripciones” de cada reclamo y construir el  “Bag </a:t>
+            </a:r>
+            <a:r>
+              <a:rPr lang="es-PE" altLang="es-PE" dirty="0" err="1">
+                <a:solidFill>
+                  <a:srgbClr val="000000"/>
+                </a:solidFill>
+                <a:latin typeface="Calibri" panose="020F0502020204030204" pitchFamily="34" charset="0"/>
+                <a:cs typeface="Calibri" panose="020F0502020204030204" pitchFamily="34" charset="0"/>
+              </a:rPr>
+              <a:t>of</a:t>
+            </a:r>
+            <a:r>
+              <a:rPr lang="es-PE" altLang="es-PE" dirty="0">
+                <a:solidFill>
+                  <a:srgbClr val="000000"/>
+                </a:solidFill>
+                <a:latin typeface="Calibri" panose="020F0502020204030204" pitchFamily="34" charset="0"/>
+                <a:cs typeface="Calibri" panose="020F0502020204030204" pitchFamily="34" charset="0"/>
+              </a:rPr>
+              <a:t> </a:t>
+            </a:r>
+            <a:r>
+              <a:rPr lang="es-PE" altLang="es-PE" dirty="0" err="1">
+                <a:solidFill>
+                  <a:srgbClr val="000000"/>
+                </a:solidFill>
+                <a:latin typeface="Calibri" panose="020F0502020204030204" pitchFamily="34" charset="0"/>
+                <a:cs typeface="Calibri" panose="020F0502020204030204" pitchFamily="34" charset="0"/>
+              </a:rPr>
+              <a:t>Words</a:t>
+            </a:r>
+            <a:r>
+              <a:rPr lang="es-PE" altLang="es-PE" dirty="0">
+                <a:solidFill>
+                  <a:srgbClr val="000000"/>
+                </a:solidFill>
+                <a:latin typeface="Calibri" panose="020F0502020204030204" pitchFamily="34" charset="0"/>
+                <a:cs typeface="Calibri" panose="020F0502020204030204" pitchFamily="34" charset="0"/>
+              </a:rPr>
+              <a:t>” de palabras para atención al usuario.</a:t>
+            </a:r>
+          </a:p>
+          <a:p>
+            <a:pPr lvl="0" eaLnBrk="0" fontAlgn="base" hangingPunct="0">
+              <a:spcBef>
+                <a:spcPct val="0"/>
+              </a:spcBef>
+              <a:spcAft>
+                <a:spcPct val="0"/>
+              </a:spcAft>
+            </a:pPr>
+            <a:endParaRPr kumimoji="0" lang="es-PE" altLang="es-PE" sz="900" i="0" u="none" strike="noStrike" cap="none" normalizeH="0" baseline="0" dirty="0">
+              <a:ln>
+                <a:noFill/>
+              </a:ln>
+              <a:solidFill>
+                <a:schemeClr val="tx1"/>
+              </a:solidFill>
+              <a:effectLst/>
+            </a:endParaRPr>
+          </a:p>
+        </p:txBody>
+      </p:sp>
+      <p:sp>
+        <p:nvSpPr>
           <p:cNvPr id="15" name="Google Shape;111;p2">
             <a:extLst>
               <a:ext uri="{FF2B5EF4-FFF2-40B4-BE49-F238E27FC236}">
@@ -13042,8 +14689,8 @@
         </p:nvSpPr>
         <p:spPr>
           <a:xfrm>
-            <a:off x="924868" y="6230671"/>
-            <a:ext cx="7243770" cy="492402"/>
+            <a:off x="1049838" y="6230671"/>
+            <a:ext cx="4906345" cy="492402"/>
           </a:xfrm>
           <a:prstGeom prst="rect">
             <a:avLst/>
@@ -13087,35 +14734,7 @@
                 <a:latin typeface="Calibri" panose="020F0502020204030204" pitchFamily="34" charset="0"/>
                 <a:cs typeface="Calibri" panose="020F0502020204030204" pitchFamily="34" charset="0"/>
               </a:rPr>
-              <a:t>Al tratar de identificar los código de servicios, motivo de la fuentes en los catálogos de la SBS, algunos no son encontrados (</a:t>
-            </a:r>
-            <a:r>
-              <a:rPr kumimoji="0" lang="es-PE" altLang="es-PE" sz="1300" b="1" i="0" u="none" strike="noStrike" cap="none" normalizeH="0" baseline="0" dirty="0" err="1">
-                <a:ln>
-                  <a:noFill/>
-                </a:ln>
-                <a:solidFill>
-                  <a:srgbClr val="000000"/>
-                </a:solidFill>
-                <a:effectLst/>
-                <a:latin typeface="Calibri" panose="020F0502020204030204" pitchFamily="34" charset="0"/>
-                <a:cs typeface="Calibri" panose="020F0502020204030204" pitchFamily="34" charset="0"/>
-              </a:rPr>
-              <a:t>eg</a:t>
-            </a:r>
-            <a:r>
-              <a:rPr kumimoji="0" lang="es-PE" altLang="es-PE" sz="1300" b="1" i="0" u="none" strike="noStrike" cap="none" normalizeH="0" baseline="0" dirty="0">
-                <a:ln>
-                  <a:noFill/>
-                </a:ln>
-                <a:solidFill>
-                  <a:srgbClr val="000000"/>
-                </a:solidFill>
-                <a:effectLst/>
-                <a:latin typeface="Calibri" panose="020F0502020204030204" pitchFamily="34" charset="0"/>
-                <a:cs typeface="Calibri" panose="020F0502020204030204" pitchFamily="34" charset="0"/>
-              </a:rPr>
-              <a:t>, 102 (servicio))  </a:t>
+              <a:t>(*) El universo del modelo actual es Atención de Usuario, la funciones de limpieza ahora construidas serán retroalimentadas.</a:t>
             </a:r>
             <a:endParaRPr kumimoji="0" lang="es-PE" altLang="es-PE" sz="600" b="0" i="0" u="none" strike="noStrike" cap="none" normalizeH="0" baseline="0" dirty="0">
               <a:ln>
@@ -13129,10 +14748,1112 @@
           </a:p>
         </p:txBody>
       </p:sp>
+      <p:graphicFrame>
+        <p:nvGraphicFramePr>
+          <p:cNvPr id="2" name="Tabla 1">
+            <a:extLst>
+              <a:ext uri="{FF2B5EF4-FFF2-40B4-BE49-F238E27FC236}">
+                <a16:creationId xmlns:a16="http://schemas.microsoft.com/office/drawing/2014/main" id="{C3F8EEE8-3856-4109-91B8-5A4B35348EFB}"/>
+              </a:ext>
+            </a:extLst>
+          </p:cNvPr>
+          <p:cNvGraphicFramePr>
+            <a:graphicFrameLocks noGrp="1"/>
+          </p:cNvGraphicFramePr>
+          <p:nvPr>
+            <p:extLst>
+              <p:ext uri="{D42A27DB-BD31-4B8C-83A1-F6EECF244321}">
+                <p14:modId xmlns:p14="http://schemas.microsoft.com/office/powerpoint/2010/main" val="3531718694"/>
+              </p:ext>
+            </p:extLst>
+          </p:nvPr>
+        </p:nvGraphicFramePr>
+        <p:xfrm>
+          <a:off x="1467230" y="2001910"/>
+          <a:ext cx="4296745" cy="1069580"/>
+        </p:xfrm>
+        <a:graphic>
+          <a:graphicData uri="http://schemas.openxmlformats.org/drawingml/2006/table">
+            <a:tbl>
+              <a:tblPr>
+                <a:tableStyleId>{0E3FDE45-AF77-4B5C-9715-49D594BDF05E}</a:tableStyleId>
+              </a:tblPr>
+              <a:tblGrid>
+                <a:gridCol w="3195015">
+                  <a:extLst>
+                    <a:ext uri="{9D8B030D-6E8A-4147-A177-3AD203B41FA5}">
+                      <a16:colId xmlns:a16="http://schemas.microsoft.com/office/drawing/2014/main" val="1128433964"/>
+                    </a:ext>
+                  </a:extLst>
+                </a:gridCol>
+                <a:gridCol w="1101730">
+                  <a:extLst>
+                    <a:ext uri="{9D8B030D-6E8A-4147-A177-3AD203B41FA5}">
+                      <a16:colId xmlns:a16="http://schemas.microsoft.com/office/drawing/2014/main" val="146827634"/>
+                    </a:ext>
+                  </a:extLst>
+                </a:gridCol>
+              </a:tblGrid>
+              <a:tr h="406640">
+                <a:tc>
+                  <a:txBody>
+                    <a:bodyPr/>
+                    <a:lstStyle/>
+                    <a:p>
+                      <a:pPr algn="ctr" fontAlgn="b"/>
+                      <a:r>
+                        <a:rPr lang="es-PE" sz="1600" b="1" u="none" strike="noStrike" dirty="0">
+                          <a:effectLst/>
+                        </a:rPr>
+                        <a:t> Universo de datos</a:t>
+                      </a:r>
+                      <a:endParaRPr lang="es-PE" sz="1600" b="1" i="0" u="none" strike="noStrike" dirty="0">
+                        <a:solidFill>
+                          <a:srgbClr val="000000"/>
+                        </a:solidFill>
+                        <a:effectLst/>
+                        <a:latin typeface="Calibri" panose="020F0502020204030204" pitchFamily="34" charset="0"/>
+                      </a:endParaRPr>
+                    </a:p>
+                  </a:txBody>
+                  <a:tcPr marL="9525" marR="9525" marT="9525" marB="0" anchor="b"/>
+                </a:tc>
+                <a:tc>
+                  <a:txBody>
+                    <a:bodyPr/>
+                    <a:lstStyle/>
+                    <a:p>
+                      <a:pPr algn="ctr" fontAlgn="b"/>
+                      <a:r>
+                        <a:rPr lang="es-PE" sz="1600" b="1" u="none" strike="noStrike" dirty="0">
+                          <a:effectLst/>
+                        </a:rPr>
+                        <a:t>Código SBS</a:t>
+                      </a:r>
+                      <a:endParaRPr lang="es-PE" sz="1600" b="1" i="0" u="none" strike="noStrike" dirty="0">
+                        <a:solidFill>
+                          <a:srgbClr val="000000"/>
+                        </a:solidFill>
+                        <a:effectLst/>
+                        <a:latin typeface="Calibri" panose="020F0502020204030204" pitchFamily="34" charset="0"/>
+                      </a:endParaRPr>
+                    </a:p>
+                  </a:txBody>
+                  <a:tcPr marL="9525" marR="9525" marT="9525" marB="0" anchor="b"/>
+                </a:tc>
+                <a:extLst>
+                  <a:ext uri="{0D108BD9-81ED-4DB2-BD59-A6C34878D82A}">
+                    <a16:rowId xmlns:a16="http://schemas.microsoft.com/office/drawing/2014/main" val="910197551"/>
+                  </a:ext>
+                </a:extLst>
+              </a:tr>
+              <a:tr h="331470">
+                <a:tc>
+                  <a:txBody>
+                    <a:bodyPr/>
+                    <a:lstStyle/>
+                    <a:p>
+                      <a:pPr algn="l" fontAlgn="b"/>
+                      <a:r>
+                        <a:rPr lang="es-MX" sz="1600" u="none" strike="noStrike" dirty="0">
+                          <a:effectLst/>
+                        </a:rPr>
+                        <a:t>SERVICIO DE ATENCION AL USUARIO</a:t>
+                      </a:r>
+                      <a:endParaRPr lang="es-MX" sz="1600" b="0" i="0" u="none" strike="noStrike" dirty="0">
+                        <a:solidFill>
+                          <a:srgbClr val="000000"/>
+                        </a:solidFill>
+                        <a:effectLst/>
+                        <a:latin typeface="Calibri" panose="020F0502020204030204" pitchFamily="34" charset="0"/>
+                      </a:endParaRPr>
+                    </a:p>
+                  </a:txBody>
+                  <a:tcPr marL="9525" marR="9525" marT="9525" marB="0" anchor="b"/>
+                </a:tc>
+                <a:tc>
+                  <a:txBody>
+                    <a:bodyPr/>
+                    <a:lstStyle/>
+                    <a:p>
+                      <a:pPr marL="0" marR="0" lvl="0" indent="0" algn="r" defTabSz="914400" rtl="0" eaLnBrk="1" fontAlgn="b" latinLnBrk="0" hangingPunct="1">
+                        <a:lnSpc>
+                          <a:spcPct val="100000"/>
+                        </a:lnSpc>
+                        <a:spcBef>
+                          <a:spcPts val="0"/>
+                        </a:spcBef>
+                        <a:spcAft>
+                          <a:spcPts val="0"/>
+                        </a:spcAft>
+                        <a:buClrTx/>
+                        <a:buSzTx/>
+                        <a:buFontTx/>
+                        <a:buNone/>
+                        <a:tabLst/>
+                        <a:defRPr/>
+                      </a:pPr>
+                      <a:r>
+                        <a:rPr lang="es-PE" sz="1600" u="none" strike="noStrike" dirty="0">
+                          <a:effectLst/>
+                        </a:rPr>
+                        <a:t>96</a:t>
+                      </a:r>
+                      <a:endParaRPr lang="es-PE" sz="1600" b="0" i="0" u="none" strike="noStrike" dirty="0">
+                        <a:solidFill>
+                          <a:srgbClr val="000000"/>
+                        </a:solidFill>
+                        <a:effectLst/>
+                        <a:latin typeface="Calibri" panose="020F0502020204030204" pitchFamily="34" charset="0"/>
+                      </a:endParaRPr>
+                    </a:p>
+                  </a:txBody>
+                  <a:tcPr marL="9525" marR="9525" marT="9525" marB="0" anchor="b"/>
+                </a:tc>
+                <a:extLst>
+                  <a:ext uri="{0D108BD9-81ED-4DB2-BD59-A6C34878D82A}">
+                    <a16:rowId xmlns:a16="http://schemas.microsoft.com/office/drawing/2014/main" val="954793539"/>
+                  </a:ext>
+                </a:extLst>
+              </a:tr>
+              <a:tr h="331470">
+                <a:tc>
+                  <a:txBody>
+                    <a:bodyPr/>
+                    <a:lstStyle/>
+                    <a:p>
+                      <a:pPr algn="l" fontAlgn="b"/>
+                      <a:r>
+                        <a:rPr lang="es-PE" sz="1600" u="none" strike="noStrike" dirty="0">
+                          <a:effectLst/>
+                        </a:rPr>
+                        <a:t>INADECUADA ATENCION AL USUARIO</a:t>
+                      </a:r>
+                      <a:endParaRPr lang="es-PE" sz="1600" b="0" i="0" u="none" strike="noStrike" dirty="0">
+                        <a:solidFill>
+                          <a:srgbClr val="000000"/>
+                        </a:solidFill>
+                        <a:effectLst/>
+                        <a:latin typeface="Calibri" panose="020F0502020204030204" pitchFamily="34" charset="0"/>
+                      </a:endParaRPr>
+                    </a:p>
+                  </a:txBody>
+                  <a:tcPr marL="9525" marR="9525" marT="9525" marB="0" anchor="b"/>
+                </a:tc>
+                <a:tc>
+                  <a:txBody>
+                    <a:bodyPr/>
+                    <a:lstStyle/>
+                    <a:p>
+                      <a:pPr algn="r" fontAlgn="b"/>
+                      <a:r>
+                        <a:rPr lang="es-PE" sz="1600" u="none" strike="noStrike" dirty="0">
+                          <a:effectLst/>
+                        </a:rPr>
+                        <a:t>39</a:t>
+                      </a:r>
+                      <a:endParaRPr lang="es-PE" sz="1600" b="0" i="0" u="none" strike="noStrike" dirty="0">
+                        <a:solidFill>
+                          <a:srgbClr val="000000"/>
+                        </a:solidFill>
+                        <a:effectLst/>
+                        <a:latin typeface="Calibri" panose="020F0502020204030204" pitchFamily="34" charset="0"/>
+                      </a:endParaRPr>
+                    </a:p>
+                  </a:txBody>
+                  <a:tcPr marL="9525" marR="9525" marT="9525" marB="0" anchor="b"/>
+                </a:tc>
+                <a:extLst>
+                  <a:ext uri="{0D108BD9-81ED-4DB2-BD59-A6C34878D82A}">
+                    <a16:rowId xmlns:a16="http://schemas.microsoft.com/office/drawing/2014/main" val="2224903038"/>
+                  </a:ext>
+                </a:extLst>
+              </a:tr>
+            </a:tbl>
+          </a:graphicData>
+        </a:graphic>
+      </p:graphicFrame>
+      <p:sp>
+        <p:nvSpPr>
+          <p:cNvPr id="7" name="Rectangle 1">
+            <a:extLst>
+              <a:ext uri="{FF2B5EF4-FFF2-40B4-BE49-F238E27FC236}">
+                <a16:creationId xmlns:a16="http://schemas.microsoft.com/office/drawing/2014/main" id="{E16F2D60-BC2C-4C9E-8C34-68F88E2BC9CD}"/>
+              </a:ext>
+            </a:extLst>
+          </p:cNvPr>
+          <p:cNvSpPr>
+            <a:spLocks noChangeArrowheads="1"/>
+          </p:cNvSpPr>
+          <p:nvPr/>
+        </p:nvSpPr>
+        <p:spPr bwMode="auto">
+          <a:xfrm>
+            <a:off x="1275023" y="4657636"/>
+            <a:ext cx="4681160" cy="738664"/>
+          </a:xfrm>
+          <a:prstGeom prst="rect">
+            <a:avLst/>
+          </a:prstGeom>
+          <a:solidFill>
+            <a:srgbClr val="FFFFFF"/>
+          </a:solidFill>
+          <a:ln>
+            <a:noFill/>
+          </a:ln>
+          <a:effectLst/>
+          <a:extLst>
+            <a:ext uri="{91240B29-F687-4F45-9708-019B960494DF}">
+              <a14:hiddenLine xmlns:a14="http://schemas.microsoft.com/office/drawing/2010/main" w="9525">
+                <a:solidFill>
+                  <a:schemeClr val="tx1"/>
+                </a:solidFill>
+                <a:miter lim="800000"/>
+                <a:headEnd/>
+                <a:tailEnd/>
+              </a14:hiddenLine>
+            </a:ext>
+            <a:ext uri="{AF507438-7753-43E0-B8FC-AC1667EBCBE1}">
+              <a14:hiddenEffects xmlns:a14="http://schemas.microsoft.com/office/drawing/2010/main">
+                <a:effectLst>
+                  <a:outerShdw dist="35921" dir="2700000" algn="ctr" rotWithShape="0">
+                    <a:schemeClr val="bg2"/>
+                  </a:outerShdw>
+                </a:effectLst>
+              </a14:hiddenEffects>
+            </a:ext>
+          </a:extLst>
+        </p:spPr>
+        <p:txBody>
+          <a:bodyPr vert="horz" wrap="square" lIns="0" tIns="0" rIns="0" bIns="0" numCol="1" anchor="ctr" anchorCtr="0" compatLnSpc="1">
+            <a:prstTxWarp prst="textNoShape">
+              <a:avLst/>
+            </a:prstTxWarp>
+            <a:spAutoFit/>
+          </a:bodyPr>
+          <a:lstStyle/>
+          <a:p>
+            <a:pPr marL="0" marR="0" lvl="0" indent="0" algn="ctr" defTabSz="914400" rtl="0" eaLnBrk="0" fontAlgn="base" latinLnBrk="0" hangingPunct="0">
+              <a:lnSpc>
+                <a:spcPct val="100000"/>
+              </a:lnSpc>
+              <a:spcBef>
+                <a:spcPct val="0"/>
+              </a:spcBef>
+              <a:spcAft>
+                <a:spcPct val="0"/>
+              </a:spcAft>
+              <a:buClrTx/>
+              <a:buSzTx/>
+              <a:buFontTx/>
+              <a:buNone/>
+              <a:tabLst/>
+            </a:pPr>
+            <a:r>
+              <a:rPr kumimoji="0" lang="es-PE" altLang="es-PE" sz="1200" i="0" u="none" strike="noStrike" cap="none" normalizeH="0" baseline="0" dirty="0">
+                <a:ln>
+                  <a:noFill/>
+                </a:ln>
+                <a:solidFill>
+                  <a:schemeClr val="accent4">
+                    <a:lumMod val="75000"/>
+                  </a:schemeClr>
+                </a:solidFill>
+                <a:effectLst/>
+                <a:latin typeface="Courier New" panose="02070309020205020404" pitchFamily="49" charset="0"/>
+              </a:rPr>
+              <a:t>'CARECEN DE VENTANILLAS DE ATENCION AL PUBLICO CAJERO DEMASIADO LENTO, FALTA DE EMPATIA.\r\n\r\</a:t>
+            </a:r>
+            <a:r>
+              <a:rPr kumimoji="0" lang="es-PE" altLang="es-PE" sz="1200" i="0" u="none" strike="noStrike" cap="none" normalizeH="0" baseline="0" dirty="0" err="1">
+                <a:ln>
+                  <a:noFill/>
+                </a:ln>
+                <a:solidFill>
+                  <a:schemeClr val="accent4">
+                    <a:lumMod val="75000"/>
+                  </a:schemeClr>
+                </a:solidFill>
+                <a:effectLst/>
+                <a:latin typeface="Courier New" panose="02070309020205020404" pitchFamily="49" charset="0"/>
+              </a:rPr>
+              <a:t>nINGRESADO</a:t>
+            </a:r>
+            <a:r>
+              <a:rPr kumimoji="0" lang="es-PE" altLang="es-PE" sz="1200" i="0" u="none" strike="noStrike" cap="none" normalizeH="0" baseline="0" dirty="0">
+                <a:ln>
+                  <a:noFill/>
+                </a:ln>
+                <a:solidFill>
+                  <a:schemeClr val="accent4">
+                    <a:lumMod val="75000"/>
+                  </a:schemeClr>
+                </a:solidFill>
+                <a:effectLst/>
+                <a:latin typeface="Courier New" panose="02070309020205020404" pitchFamily="49" charset="0"/>
+              </a:rPr>
+              <a:t> EN LIBRO DE RESPANDO FOL. 78221'</a:t>
+            </a:r>
+            <a:endParaRPr kumimoji="0" lang="es-PE" altLang="es-PE" sz="2800" i="0" u="none" strike="noStrike" cap="none" normalizeH="0" baseline="0" dirty="0">
+              <a:ln>
+                <a:noFill/>
+              </a:ln>
+              <a:solidFill>
+                <a:schemeClr val="accent4">
+                  <a:lumMod val="75000"/>
+                </a:schemeClr>
+              </a:solidFill>
+              <a:effectLst/>
+              <a:latin typeface="Arial" panose="020B0604020202020204" pitchFamily="34" charset="0"/>
+            </a:endParaRPr>
+          </a:p>
+        </p:txBody>
+      </p:sp>
+      <p:sp>
+        <p:nvSpPr>
+          <p:cNvPr id="17" name="Rectangle 1">
+            <a:extLst>
+              <a:ext uri="{FF2B5EF4-FFF2-40B4-BE49-F238E27FC236}">
+                <a16:creationId xmlns:a16="http://schemas.microsoft.com/office/drawing/2014/main" id="{34F8657C-D213-4E11-9EC3-19F8C085075A}"/>
+              </a:ext>
+            </a:extLst>
+          </p:cNvPr>
+          <p:cNvSpPr>
+            <a:spLocks noChangeArrowheads="1"/>
+          </p:cNvSpPr>
+          <p:nvPr/>
+        </p:nvSpPr>
+        <p:spPr bwMode="auto">
+          <a:xfrm>
+            <a:off x="6341219" y="4137989"/>
+            <a:ext cx="4681160" cy="553998"/>
+          </a:xfrm>
+          <a:prstGeom prst="rect">
+            <a:avLst/>
+          </a:prstGeom>
+          <a:solidFill>
+            <a:srgbClr val="FFFFFF"/>
+          </a:solidFill>
+          <a:ln>
+            <a:noFill/>
+          </a:ln>
+          <a:effectLst/>
+          <a:extLst>
+            <a:ext uri="{91240B29-F687-4F45-9708-019B960494DF}">
+              <a14:hiddenLine xmlns:a14="http://schemas.microsoft.com/office/drawing/2010/main" w="9525">
+                <a:solidFill>
+                  <a:schemeClr val="tx1"/>
+                </a:solidFill>
+                <a:miter lim="800000"/>
+                <a:headEnd/>
+                <a:tailEnd/>
+              </a14:hiddenLine>
+            </a:ext>
+            <a:ext uri="{AF507438-7753-43E0-B8FC-AC1667EBCBE1}">
+              <a14:hiddenEffects xmlns:a14="http://schemas.microsoft.com/office/drawing/2010/main">
+                <a:effectLst>
+                  <a:outerShdw dist="35921" dir="2700000" algn="ctr" rotWithShape="0">
+                    <a:schemeClr val="bg2"/>
+                  </a:outerShdw>
+                </a:effectLst>
+              </a14:hiddenEffects>
+            </a:ext>
+          </a:extLst>
+        </p:spPr>
+        <p:txBody>
+          <a:bodyPr vert="horz" wrap="square" lIns="0" tIns="0" rIns="0" bIns="0" numCol="1" anchor="ctr" anchorCtr="0" compatLnSpc="1">
+            <a:prstTxWarp prst="textNoShape">
+              <a:avLst/>
+            </a:prstTxWarp>
+            <a:spAutoFit/>
+          </a:bodyPr>
+          <a:lstStyle/>
+          <a:p>
+            <a:pPr marL="0" marR="0" lvl="0" indent="0" algn="ctr" defTabSz="914400" rtl="0" eaLnBrk="0" fontAlgn="base" latinLnBrk="0" hangingPunct="0">
+              <a:lnSpc>
+                <a:spcPct val="100000"/>
+              </a:lnSpc>
+              <a:spcBef>
+                <a:spcPct val="0"/>
+              </a:spcBef>
+              <a:spcAft>
+                <a:spcPct val="0"/>
+              </a:spcAft>
+              <a:buClrTx/>
+              <a:buSzTx/>
+              <a:buFontTx/>
+              <a:buNone/>
+              <a:tabLst/>
+            </a:pPr>
+            <a:r>
+              <a:rPr kumimoji="0" lang="es-MX" altLang="es-PE" sz="1200" i="0" u="none" strike="noStrike" cap="none" normalizeH="0" baseline="0" dirty="0">
+                <a:ln>
+                  <a:noFill/>
+                </a:ln>
+                <a:solidFill>
+                  <a:schemeClr val="accent6"/>
+                </a:solidFill>
+                <a:effectLst/>
+                <a:latin typeface="Courier New" panose="02070309020205020404" pitchFamily="49" charset="0"/>
+              </a:rPr>
+              <a:t>carecen de ventanillas de </a:t>
+            </a:r>
+            <a:r>
+              <a:rPr kumimoji="0" lang="es-MX" altLang="es-PE" sz="1200" i="0" u="none" strike="noStrike" cap="none" normalizeH="0" baseline="0" dirty="0" err="1">
+                <a:ln>
+                  <a:noFill/>
+                </a:ln>
+                <a:solidFill>
+                  <a:schemeClr val="accent6"/>
+                </a:solidFill>
+                <a:effectLst/>
+                <a:latin typeface="Courier New" panose="02070309020205020404" pitchFamily="49" charset="0"/>
+              </a:rPr>
+              <a:t>atencion</a:t>
+            </a:r>
+            <a:r>
+              <a:rPr kumimoji="0" lang="es-MX" altLang="es-PE" sz="1200" i="0" u="none" strike="noStrike" cap="none" normalizeH="0" baseline="0" dirty="0">
+                <a:ln>
+                  <a:noFill/>
+                </a:ln>
+                <a:solidFill>
+                  <a:schemeClr val="accent6"/>
+                </a:solidFill>
+                <a:effectLst/>
+                <a:latin typeface="Courier New" panose="02070309020205020404" pitchFamily="49" charset="0"/>
+              </a:rPr>
+              <a:t> al publico cajero demasiado lento, falta de </a:t>
+            </a:r>
+            <a:r>
+              <a:rPr kumimoji="0" lang="es-MX" altLang="es-PE" sz="1200" i="0" u="none" strike="noStrike" cap="none" normalizeH="0" baseline="0" dirty="0" err="1">
+                <a:ln>
+                  <a:noFill/>
+                </a:ln>
+                <a:solidFill>
+                  <a:schemeClr val="accent6"/>
+                </a:solidFill>
+                <a:effectLst/>
+                <a:latin typeface="Courier New" panose="02070309020205020404" pitchFamily="49" charset="0"/>
+              </a:rPr>
+              <a:t>empatia</a:t>
+            </a:r>
+            <a:r>
+              <a:rPr kumimoji="0" lang="es-MX" altLang="es-PE" sz="1200" i="0" u="none" strike="noStrike" cap="none" normalizeH="0" baseline="0" dirty="0">
+                <a:ln>
+                  <a:noFill/>
+                </a:ln>
+                <a:solidFill>
+                  <a:schemeClr val="accent6"/>
+                </a:solidFill>
+                <a:effectLst/>
+                <a:latin typeface="Courier New" panose="02070309020205020404" pitchFamily="49" charset="0"/>
+              </a:rPr>
+              <a:t>. ingresado en libro de </a:t>
+            </a:r>
+            <a:r>
+              <a:rPr kumimoji="0" lang="es-MX" altLang="es-PE" sz="1200" i="0" u="none" strike="noStrike" cap="none" normalizeH="0" baseline="0" dirty="0" err="1">
+                <a:ln>
+                  <a:noFill/>
+                </a:ln>
+                <a:solidFill>
+                  <a:schemeClr val="accent6"/>
+                </a:solidFill>
+                <a:effectLst/>
+                <a:latin typeface="Courier New" panose="02070309020205020404" pitchFamily="49" charset="0"/>
+              </a:rPr>
+              <a:t>respando</a:t>
+            </a:r>
+            <a:r>
+              <a:rPr kumimoji="0" lang="es-MX" altLang="es-PE" sz="1200" i="0" u="none" strike="noStrike" cap="none" normalizeH="0" baseline="0" dirty="0">
+                <a:ln>
+                  <a:noFill/>
+                </a:ln>
+                <a:solidFill>
+                  <a:schemeClr val="accent6"/>
+                </a:solidFill>
+                <a:effectLst/>
+                <a:latin typeface="Courier New" panose="02070309020205020404" pitchFamily="49" charset="0"/>
+              </a:rPr>
+              <a:t> fol. 78221 </a:t>
+            </a:r>
+          </a:p>
+        </p:txBody>
+      </p:sp>
+      <p:sp>
+        <p:nvSpPr>
+          <p:cNvPr id="19" name="Rectangle 1">
+            <a:extLst>
+              <a:ext uri="{FF2B5EF4-FFF2-40B4-BE49-F238E27FC236}">
+                <a16:creationId xmlns:a16="http://schemas.microsoft.com/office/drawing/2014/main" id="{15D42EE5-BA93-489A-AF31-A69819F38D9D}"/>
+              </a:ext>
+            </a:extLst>
+          </p:cNvPr>
+          <p:cNvSpPr>
+            <a:spLocks noChangeArrowheads="1"/>
+          </p:cNvSpPr>
+          <p:nvPr/>
+        </p:nvSpPr>
+        <p:spPr bwMode="auto">
+          <a:xfrm>
+            <a:off x="6214414" y="5377555"/>
+            <a:ext cx="4681160" cy="553998"/>
+          </a:xfrm>
+          <a:prstGeom prst="rect">
+            <a:avLst/>
+          </a:prstGeom>
+          <a:solidFill>
+            <a:srgbClr val="FFFFFF"/>
+          </a:solidFill>
+          <a:ln>
+            <a:noFill/>
+          </a:ln>
+          <a:effectLst/>
+          <a:extLst>
+            <a:ext uri="{91240B29-F687-4F45-9708-019B960494DF}">
+              <a14:hiddenLine xmlns:a14="http://schemas.microsoft.com/office/drawing/2010/main" w="9525">
+                <a:solidFill>
+                  <a:schemeClr val="tx1"/>
+                </a:solidFill>
+                <a:miter lim="800000"/>
+                <a:headEnd/>
+                <a:tailEnd/>
+              </a14:hiddenLine>
+            </a:ext>
+            <a:ext uri="{AF507438-7753-43E0-B8FC-AC1667EBCBE1}">
+              <a14:hiddenEffects xmlns:a14="http://schemas.microsoft.com/office/drawing/2010/main">
+                <a:effectLst>
+                  <a:outerShdw dist="35921" dir="2700000" algn="ctr" rotWithShape="0">
+                    <a:schemeClr val="bg2"/>
+                  </a:outerShdw>
+                </a:effectLst>
+              </a14:hiddenEffects>
+            </a:ext>
+          </a:extLst>
+        </p:spPr>
+        <p:txBody>
+          <a:bodyPr vert="horz" wrap="square" lIns="0" tIns="0" rIns="0" bIns="0" numCol="1" anchor="ctr" anchorCtr="0" compatLnSpc="1">
+            <a:prstTxWarp prst="textNoShape">
+              <a:avLst/>
+            </a:prstTxWarp>
+            <a:spAutoFit/>
+          </a:bodyPr>
+          <a:lstStyle/>
+          <a:p>
+            <a:pPr marL="0" marR="0" lvl="0" indent="0" algn="ctr" defTabSz="914400" rtl="0" eaLnBrk="0" fontAlgn="base" latinLnBrk="0" hangingPunct="0">
+              <a:lnSpc>
+                <a:spcPct val="100000"/>
+              </a:lnSpc>
+              <a:spcBef>
+                <a:spcPct val="0"/>
+              </a:spcBef>
+              <a:spcAft>
+                <a:spcPct val="0"/>
+              </a:spcAft>
+              <a:buClrTx/>
+              <a:buSzTx/>
+              <a:buFontTx/>
+              <a:buNone/>
+              <a:tabLst/>
+            </a:pPr>
+            <a:r>
+              <a:rPr kumimoji="0" lang="es-MX" altLang="es-PE" sz="1200" i="0" u="none" strike="noStrike" cap="none" normalizeH="0" baseline="0" dirty="0">
+                <a:ln>
+                  <a:noFill/>
+                </a:ln>
+                <a:solidFill>
+                  <a:schemeClr val="accent5"/>
+                </a:solidFill>
+                <a:effectLst/>
+                <a:latin typeface="Courier New" panose="02070309020205020404" pitchFamily="49" charset="0"/>
+              </a:rPr>
+              <a:t>['carecer', 'ventanilla', '</a:t>
+            </a:r>
+            <a:r>
+              <a:rPr kumimoji="0" lang="es-MX" altLang="es-PE" sz="1200" i="0" u="none" strike="noStrike" cap="none" normalizeH="0" baseline="0" dirty="0" err="1">
+                <a:ln>
+                  <a:noFill/>
+                </a:ln>
+                <a:solidFill>
+                  <a:schemeClr val="accent5"/>
+                </a:solidFill>
+                <a:effectLst/>
+                <a:latin typeface="Courier New" panose="02070309020205020404" pitchFamily="49" charset="0"/>
+              </a:rPr>
+              <a:t>atencion</a:t>
+            </a:r>
+            <a:r>
+              <a:rPr kumimoji="0" lang="es-MX" altLang="es-PE" sz="1200" i="0" u="none" strike="noStrike" cap="none" normalizeH="0" baseline="0" dirty="0">
+                <a:ln>
+                  <a:noFill/>
+                </a:ln>
+                <a:solidFill>
+                  <a:schemeClr val="accent5"/>
+                </a:solidFill>
+                <a:effectLst/>
+                <a:latin typeface="Courier New" panose="02070309020205020404" pitchFamily="49" charset="0"/>
+              </a:rPr>
+              <a:t>', 'publico', 'cajero', 'demasiado', 'lento', 'falta', '</a:t>
+            </a:r>
+            <a:r>
+              <a:rPr kumimoji="0" lang="es-MX" altLang="es-PE" sz="1200" i="0" u="none" strike="noStrike" cap="none" normalizeH="0" baseline="0" dirty="0" err="1">
+                <a:ln>
+                  <a:noFill/>
+                </a:ln>
+                <a:solidFill>
+                  <a:schemeClr val="accent5"/>
+                </a:solidFill>
+                <a:effectLst/>
+                <a:latin typeface="Courier New" panose="02070309020205020404" pitchFamily="49" charset="0"/>
+              </a:rPr>
+              <a:t>empatiar</a:t>
+            </a:r>
+            <a:r>
+              <a:rPr kumimoji="0" lang="es-MX" altLang="es-PE" sz="1200" i="0" u="none" strike="noStrike" cap="none" normalizeH="0" baseline="0" dirty="0">
+                <a:ln>
+                  <a:noFill/>
+                </a:ln>
+                <a:solidFill>
+                  <a:schemeClr val="accent5"/>
+                </a:solidFill>
+                <a:effectLst/>
+                <a:latin typeface="Courier New" panose="02070309020205020404" pitchFamily="49" charset="0"/>
+              </a:rPr>
+              <a:t>', 'ingresado', 'libro', '</a:t>
+            </a:r>
+            <a:r>
+              <a:rPr kumimoji="0" lang="es-MX" altLang="es-PE" sz="1200" i="0" u="none" strike="noStrike" cap="none" normalizeH="0" baseline="0" dirty="0" err="1">
+                <a:ln>
+                  <a:noFill/>
+                </a:ln>
+                <a:solidFill>
+                  <a:schemeClr val="accent5"/>
+                </a:solidFill>
+                <a:effectLst/>
+                <a:latin typeface="Courier New" panose="02070309020205020404" pitchFamily="49" charset="0"/>
+              </a:rPr>
+              <a:t>respar</a:t>
+            </a:r>
+            <a:r>
+              <a:rPr kumimoji="0" lang="es-MX" altLang="es-PE" sz="1200" i="0" u="none" strike="noStrike" cap="none" normalizeH="0" baseline="0" dirty="0">
+                <a:ln>
+                  <a:noFill/>
+                </a:ln>
+                <a:solidFill>
+                  <a:schemeClr val="accent5"/>
+                </a:solidFill>
+                <a:effectLst/>
+                <a:latin typeface="Courier New" panose="02070309020205020404" pitchFamily="49" charset="0"/>
+              </a:rPr>
+              <a:t>']</a:t>
+            </a:r>
+          </a:p>
+        </p:txBody>
+      </p:sp>
+      <p:sp>
+        <p:nvSpPr>
+          <p:cNvPr id="20" name="Google Shape;111;p2">
+            <a:extLst>
+              <a:ext uri="{FF2B5EF4-FFF2-40B4-BE49-F238E27FC236}">
+                <a16:creationId xmlns:a16="http://schemas.microsoft.com/office/drawing/2014/main" id="{93DBA4B8-87D0-4D67-8235-C991B44331B8}"/>
+              </a:ext>
+            </a:extLst>
+          </p:cNvPr>
+          <p:cNvSpPr txBox="1"/>
+          <p:nvPr/>
+        </p:nvSpPr>
+        <p:spPr>
+          <a:xfrm>
+            <a:off x="7459892" y="1878319"/>
+            <a:ext cx="3349420" cy="1292621"/>
+          </a:xfrm>
+          <a:prstGeom prst="rect">
+            <a:avLst/>
+          </a:prstGeom>
+          <a:noFill/>
+          <a:ln>
+            <a:noFill/>
+          </a:ln>
+        </p:spPr>
+        <p:txBody>
+          <a:bodyPr spcFirstLastPara="1" wrap="square" lIns="91425" tIns="45700" rIns="91425" bIns="45700" anchor="t" anchorCtr="0">
+            <a:spAutoFit/>
+          </a:bodyPr>
+          <a:lstStyle/>
+          <a:p>
+            <a:pPr marR="0" lvl="0" defTabSz="914400" rtl="0" eaLnBrk="0" fontAlgn="base" latinLnBrk="0" hangingPunct="0">
+              <a:lnSpc>
+                <a:spcPct val="100000"/>
+              </a:lnSpc>
+              <a:spcBef>
+                <a:spcPct val="0"/>
+              </a:spcBef>
+              <a:spcAft>
+                <a:spcPct val="0"/>
+              </a:spcAft>
+              <a:buClrTx/>
+              <a:buSzTx/>
+              <a:tabLst/>
+            </a:pPr>
+            <a:r>
+              <a:rPr lang="es-PE" altLang="es-PE" dirty="0">
+                <a:latin typeface="Calibri" panose="020F0502020204030204" pitchFamily="34" charset="0"/>
+                <a:cs typeface="Calibri" panose="020F0502020204030204" pitchFamily="34" charset="0"/>
+              </a:rPr>
+              <a:t>Pasos de procesamiento de datos:</a:t>
+            </a:r>
+          </a:p>
+          <a:p>
+            <a:pPr marL="342900" marR="0" lvl="0" indent="-342900" defTabSz="914400" rtl="0" eaLnBrk="0" fontAlgn="base" latinLnBrk="0" hangingPunct="0">
+              <a:lnSpc>
+                <a:spcPct val="100000"/>
+              </a:lnSpc>
+              <a:spcBef>
+                <a:spcPct val="0"/>
+              </a:spcBef>
+              <a:spcAft>
+                <a:spcPct val="0"/>
+              </a:spcAft>
+              <a:buClrTx/>
+              <a:buSzTx/>
+              <a:buFont typeface="+mj-lt"/>
+              <a:buAutoNum type="arabicPeriod"/>
+              <a:tabLst/>
+            </a:pPr>
+            <a:r>
+              <a:rPr lang="es-PE" altLang="es-PE" dirty="0">
+                <a:latin typeface="Calibri" panose="020F0502020204030204" pitchFamily="34" charset="0"/>
+                <a:cs typeface="Calibri" panose="020F0502020204030204" pitchFamily="34" charset="0"/>
+              </a:rPr>
+              <a:t>Descripción</a:t>
+            </a:r>
+          </a:p>
+          <a:p>
+            <a:pPr marL="342900" indent="-342900" eaLnBrk="0" fontAlgn="base" hangingPunct="0">
+              <a:spcBef>
+                <a:spcPct val="0"/>
+              </a:spcBef>
+              <a:spcAft>
+                <a:spcPct val="0"/>
+              </a:spcAft>
+              <a:buFont typeface="+mj-lt"/>
+              <a:buAutoNum type="arabicPeriod"/>
+            </a:pPr>
+            <a:r>
+              <a:rPr lang="es-PE" altLang="es-PE" dirty="0">
+                <a:latin typeface="Calibri" panose="020F0502020204030204" pitchFamily="34" charset="0"/>
+                <a:cs typeface="Calibri" panose="020F0502020204030204" pitchFamily="34" charset="0"/>
+              </a:rPr>
+              <a:t>Texto limpio</a:t>
+            </a:r>
+            <a:endParaRPr kumimoji="0" lang="es-PE" altLang="es-PE" i="0" u="none" strike="noStrike" cap="none" normalizeH="0" baseline="0" dirty="0">
+              <a:ln>
+                <a:noFill/>
+              </a:ln>
+              <a:effectLst/>
+              <a:latin typeface="Calibri" panose="020F0502020204030204" pitchFamily="34" charset="0"/>
+              <a:cs typeface="Calibri" panose="020F0502020204030204" pitchFamily="34" charset="0"/>
+            </a:endParaRPr>
+          </a:p>
+          <a:p>
+            <a:pPr marL="342900" marR="0" lvl="0" indent="-342900" defTabSz="914400" rtl="0" eaLnBrk="0" fontAlgn="base" latinLnBrk="0" hangingPunct="0">
+              <a:lnSpc>
+                <a:spcPct val="100000"/>
+              </a:lnSpc>
+              <a:spcBef>
+                <a:spcPct val="0"/>
+              </a:spcBef>
+              <a:spcAft>
+                <a:spcPct val="0"/>
+              </a:spcAft>
+              <a:buClrTx/>
+              <a:buSzTx/>
+              <a:buFont typeface="+mj-lt"/>
+              <a:buAutoNum type="arabicPeriod"/>
+              <a:tabLst/>
+            </a:pPr>
+            <a:r>
+              <a:rPr kumimoji="0" lang="es-PE" altLang="es-PE" i="0" u="none" strike="noStrike" cap="none" normalizeH="0" baseline="0" dirty="0">
+                <a:ln>
+                  <a:noFill/>
+                </a:ln>
+                <a:effectLst/>
+                <a:latin typeface="Calibri" panose="020F0502020204030204" pitchFamily="34" charset="0"/>
+                <a:cs typeface="Calibri" panose="020F0502020204030204" pitchFamily="34" charset="0"/>
+              </a:rPr>
+              <a:t>Lema</a:t>
+            </a:r>
+          </a:p>
+          <a:p>
+            <a:pPr marL="0" marR="0" lvl="0" indent="0" algn="ctr" defTabSz="914400" rtl="0" eaLnBrk="0" fontAlgn="base" latinLnBrk="0" hangingPunct="0">
+              <a:lnSpc>
+                <a:spcPct val="100000"/>
+              </a:lnSpc>
+              <a:spcBef>
+                <a:spcPct val="0"/>
+              </a:spcBef>
+              <a:spcAft>
+                <a:spcPct val="0"/>
+              </a:spcAft>
+              <a:buClrTx/>
+              <a:buSzTx/>
+              <a:buFontTx/>
+              <a:buNone/>
+              <a:tabLst/>
+            </a:pPr>
+            <a:endParaRPr kumimoji="0" lang="es-PE" altLang="es-PE" sz="600" b="0" i="0" u="none" strike="noStrike" cap="none" normalizeH="0" baseline="0" dirty="0">
+              <a:ln>
+                <a:noFill/>
+              </a:ln>
+              <a:effectLst/>
+            </a:endParaRPr>
+          </a:p>
+        </p:txBody>
+      </p:sp>
+      <p:sp>
+        <p:nvSpPr>
+          <p:cNvPr id="26" name="CuadroTexto 25">
+            <a:extLst>
+              <a:ext uri="{FF2B5EF4-FFF2-40B4-BE49-F238E27FC236}">
+                <a16:creationId xmlns:a16="http://schemas.microsoft.com/office/drawing/2014/main" id="{DD01CE75-A86A-4E88-A6D6-B78F895FFFF1}"/>
+              </a:ext>
+            </a:extLst>
+          </p:cNvPr>
+          <p:cNvSpPr txBox="1"/>
+          <p:nvPr/>
+        </p:nvSpPr>
+        <p:spPr>
+          <a:xfrm>
+            <a:off x="1162430" y="4691987"/>
+            <a:ext cx="225185" cy="374237"/>
+          </a:xfrm>
+          <a:prstGeom prst="rect">
+            <a:avLst/>
+          </a:prstGeom>
+          <a:solidFill>
+            <a:schemeClr val="tx1"/>
+          </a:solidFill>
+        </p:spPr>
+        <p:txBody>
+          <a:bodyPr wrap="square">
+            <a:spAutoFit/>
+          </a:bodyPr>
+          <a:lstStyle/>
+          <a:p>
+            <a:pPr marR="0" lvl="0" algn="ctr" defTabSz="914400" rtl="0" eaLnBrk="0" fontAlgn="base" latinLnBrk="0" hangingPunct="0">
+              <a:lnSpc>
+                <a:spcPct val="100000"/>
+              </a:lnSpc>
+              <a:spcBef>
+                <a:spcPct val="0"/>
+              </a:spcBef>
+              <a:spcAft>
+                <a:spcPct val="0"/>
+              </a:spcAft>
+              <a:buClrTx/>
+              <a:buSzTx/>
+              <a:tabLst/>
+            </a:pPr>
+            <a:r>
+              <a:rPr lang="es-MX" altLang="es-PE" b="1" dirty="0">
+                <a:solidFill>
+                  <a:schemeClr val="bg1"/>
+                </a:solidFill>
+                <a:latin typeface="Calibri" panose="020F0502020204030204" pitchFamily="34" charset="0"/>
+                <a:cs typeface="Calibri" panose="020F0502020204030204" pitchFamily="34" charset="0"/>
+              </a:rPr>
+              <a:t>1</a:t>
+            </a:r>
+            <a:endParaRPr kumimoji="0" lang="es-PE" altLang="es-PE" b="1" i="0" u="none" strike="noStrike" cap="none" normalizeH="0" baseline="0" dirty="0">
+              <a:ln>
+                <a:noFill/>
+              </a:ln>
+              <a:effectLst/>
+              <a:latin typeface="Calibri" panose="020F0502020204030204" pitchFamily="34" charset="0"/>
+              <a:cs typeface="Calibri" panose="020F0502020204030204" pitchFamily="34" charset="0"/>
+            </a:endParaRPr>
+          </a:p>
+        </p:txBody>
+      </p:sp>
+      <p:sp>
+        <p:nvSpPr>
+          <p:cNvPr id="28" name="CuadroTexto 27">
+            <a:extLst>
+              <a:ext uri="{FF2B5EF4-FFF2-40B4-BE49-F238E27FC236}">
+                <a16:creationId xmlns:a16="http://schemas.microsoft.com/office/drawing/2014/main" id="{314D838B-F93E-4267-94EA-A48F2F11FAA2}"/>
+              </a:ext>
+            </a:extLst>
+          </p:cNvPr>
+          <p:cNvSpPr txBox="1"/>
+          <p:nvPr/>
+        </p:nvSpPr>
+        <p:spPr>
+          <a:xfrm>
+            <a:off x="6317802" y="4281014"/>
+            <a:ext cx="225185" cy="374237"/>
+          </a:xfrm>
+          <a:prstGeom prst="rect">
+            <a:avLst/>
+          </a:prstGeom>
+          <a:solidFill>
+            <a:schemeClr val="tx1"/>
+          </a:solidFill>
+        </p:spPr>
+        <p:txBody>
+          <a:bodyPr wrap="square">
+            <a:spAutoFit/>
+          </a:bodyPr>
+          <a:lstStyle/>
+          <a:p>
+            <a:pPr marR="0" lvl="0" algn="ctr" defTabSz="914400" rtl="0" eaLnBrk="0" fontAlgn="base" latinLnBrk="0" hangingPunct="0">
+              <a:lnSpc>
+                <a:spcPct val="100000"/>
+              </a:lnSpc>
+              <a:spcBef>
+                <a:spcPct val="0"/>
+              </a:spcBef>
+              <a:spcAft>
+                <a:spcPct val="0"/>
+              </a:spcAft>
+              <a:buClrTx/>
+              <a:buSzTx/>
+              <a:tabLst/>
+            </a:pPr>
+            <a:r>
+              <a:rPr kumimoji="0" lang="es-MX" altLang="es-PE" b="1" i="0" u="none" strike="noStrike" cap="none" normalizeH="0" baseline="0" dirty="0">
+                <a:ln>
+                  <a:noFill/>
+                </a:ln>
+                <a:solidFill>
+                  <a:schemeClr val="bg1"/>
+                </a:solidFill>
+                <a:effectLst/>
+                <a:latin typeface="Calibri" panose="020F0502020204030204" pitchFamily="34" charset="0"/>
+                <a:cs typeface="Calibri" panose="020F0502020204030204" pitchFamily="34" charset="0"/>
+              </a:rPr>
+              <a:t>2</a:t>
+            </a:r>
+            <a:endParaRPr kumimoji="0" lang="es-PE" altLang="es-PE" b="1" i="0" u="none" strike="noStrike" cap="none" normalizeH="0" baseline="0" dirty="0">
+              <a:ln>
+                <a:noFill/>
+              </a:ln>
+              <a:effectLst/>
+              <a:latin typeface="Calibri" panose="020F0502020204030204" pitchFamily="34" charset="0"/>
+              <a:cs typeface="Calibri" panose="020F0502020204030204" pitchFamily="34" charset="0"/>
+            </a:endParaRPr>
+          </a:p>
+        </p:txBody>
+      </p:sp>
+      <p:sp>
+        <p:nvSpPr>
+          <p:cNvPr id="29" name="CuadroTexto 28">
+            <a:extLst>
+              <a:ext uri="{FF2B5EF4-FFF2-40B4-BE49-F238E27FC236}">
+                <a16:creationId xmlns:a16="http://schemas.microsoft.com/office/drawing/2014/main" id="{6C19B810-4E7C-4992-8FD8-9F45F91FAFD0}"/>
+              </a:ext>
+            </a:extLst>
+          </p:cNvPr>
+          <p:cNvSpPr txBox="1"/>
+          <p:nvPr/>
+        </p:nvSpPr>
+        <p:spPr>
+          <a:xfrm>
+            <a:off x="6061043" y="5516903"/>
+            <a:ext cx="225185" cy="374237"/>
+          </a:xfrm>
+          <a:prstGeom prst="rect">
+            <a:avLst/>
+          </a:prstGeom>
+          <a:solidFill>
+            <a:schemeClr val="tx1"/>
+          </a:solidFill>
+        </p:spPr>
+        <p:txBody>
+          <a:bodyPr wrap="square">
+            <a:spAutoFit/>
+          </a:bodyPr>
+          <a:lstStyle/>
+          <a:p>
+            <a:pPr marR="0" lvl="0" algn="ctr" defTabSz="914400" rtl="0" eaLnBrk="0" fontAlgn="base" latinLnBrk="0" hangingPunct="0">
+              <a:lnSpc>
+                <a:spcPct val="100000"/>
+              </a:lnSpc>
+              <a:spcBef>
+                <a:spcPct val="0"/>
+              </a:spcBef>
+              <a:spcAft>
+                <a:spcPct val="0"/>
+              </a:spcAft>
+              <a:buClrTx/>
+              <a:buSzTx/>
+              <a:tabLst/>
+            </a:pPr>
+            <a:r>
+              <a:rPr kumimoji="0" lang="es-MX" altLang="es-PE" b="1" i="0" u="none" strike="noStrike" cap="none" normalizeH="0" baseline="0" dirty="0">
+                <a:ln>
+                  <a:noFill/>
+                </a:ln>
+                <a:solidFill>
+                  <a:schemeClr val="bg1"/>
+                </a:solidFill>
+                <a:effectLst/>
+                <a:latin typeface="Calibri" panose="020F0502020204030204" pitchFamily="34" charset="0"/>
+                <a:cs typeface="Calibri" panose="020F0502020204030204" pitchFamily="34" charset="0"/>
+              </a:rPr>
+              <a:t>3</a:t>
+            </a:r>
+            <a:endParaRPr kumimoji="0" lang="es-PE" altLang="es-PE" b="1" i="0" u="none" strike="noStrike" cap="none" normalizeH="0" baseline="0" dirty="0">
+              <a:ln>
+                <a:noFill/>
+              </a:ln>
+              <a:effectLst/>
+              <a:latin typeface="Calibri" panose="020F0502020204030204" pitchFamily="34" charset="0"/>
+              <a:cs typeface="Calibri" panose="020F0502020204030204" pitchFamily="34" charset="0"/>
+            </a:endParaRPr>
+          </a:p>
+        </p:txBody>
+      </p:sp>
+      <p:cxnSp>
+        <p:nvCxnSpPr>
+          <p:cNvPr id="30" name="Conector recto 29">
+            <a:extLst>
+              <a:ext uri="{FF2B5EF4-FFF2-40B4-BE49-F238E27FC236}">
+                <a16:creationId xmlns:a16="http://schemas.microsoft.com/office/drawing/2014/main" id="{51F1CF5C-3F46-4DE2-8821-8960B7CCFC74}"/>
+              </a:ext>
+            </a:extLst>
+          </p:cNvPr>
+          <p:cNvCxnSpPr>
+            <a:cxnSpLocks/>
+          </p:cNvCxnSpPr>
+          <p:nvPr/>
+        </p:nvCxnSpPr>
+        <p:spPr>
+          <a:xfrm>
+            <a:off x="1162430" y="3692106"/>
+            <a:ext cx="9646882" cy="0"/>
+          </a:xfrm>
+          <a:prstGeom prst="line">
+            <a:avLst/>
+          </a:prstGeom>
+        </p:spPr>
+        <p:style>
+          <a:lnRef idx="1">
+            <a:schemeClr val="dk1"/>
+          </a:lnRef>
+          <a:fillRef idx="0">
+            <a:schemeClr val="dk1"/>
+          </a:fillRef>
+          <a:effectRef idx="0">
+            <a:schemeClr val="dk1"/>
+          </a:effectRef>
+          <a:fontRef idx="minor">
+            <a:schemeClr val="tx1"/>
+          </a:fontRef>
+        </p:style>
+      </p:cxnSp>
     </p:spTree>
     <p:extLst>
       <p:ext uri="{BB962C8B-B14F-4D97-AF65-F5344CB8AC3E}">
-        <p14:creationId xmlns:p14="http://schemas.microsoft.com/office/powerpoint/2010/main" val="2340975762"/>
+        <p14:creationId xmlns:p14="http://schemas.microsoft.com/office/powerpoint/2010/main" val="3879261182"/>
       </p:ext>
     </p:extLst>
   </p:cSld>
@@ -13161,58 +15882,1581 @@
       </p:grpSpPr>
       <p:sp>
         <p:nvSpPr>
-          <p:cNvPr id="2" name="Título 1">
+          <p:cNvPr id="4" name="Rectángulo: esquinas superiores redondeadas 4">
             <a:extLst>
               <a:ext uri="{FF2B5EF4-FFF2-40B4-BE49-F238E27FC236}">
-                <a16:creationId xmlns:a16="http://schemas.microsoft.com/office/drawing/2014/main" id="{6A21EC77-5480-4024-A752-8E19D9151495}"/>
+                <a16:creationId xmlns:a16="http://schemas.microsoft.com/office/drawing/2014/main" id="{CF789E0E-816C-4223-84EC-DC9D690B87EA}"/>
+              </a:ext>
+            </a:extLst>
+          </p:cNvPr>
+          <p:cNvSpPr/>
+          <p:nvPr/>
+        </p:nvSpPr>
+        <p:spPr>
+          <a:xfrm rot="10800000">
+            <a:off x="355599" y="0"/>
+            <a:ext cx="7813039" cy="640080"/>
+          </a:xfrm>
+          <a:prstGeom prst="round2SameRect">
+            <a:avLst/>
+          </a:prstGeom>
+          <a:solidFill>
+            <a:schemeClr val="tx2">
+              <a:lumMod val="75000"/>
+            </a:schemeClr>
+          </a:solidFill>
+        </p:spPr>
+        <p:style>
+          <a:lnRef idx="2">
+            <a:schemeClr val="accent1">
+              <a:shade val="50000"/>
+            </a:schemeClr>
+          </a:lnRef>
+          <a:fillRef idx="1">
+            <a:schemeClr val="accent1"/>
+          </a:fillRef>
+          <a:effectRef idx="0">
+            <a:schemeClr val="accent1"/>
+          </a:effectRef>
+          <a:fontRef idx="minor">
+            <a:schemeClr val="lt1"/>
+          </a:fontRef>
+        </p:style>
+        <p:txBody>
+          <a:bodyPr rtlCol="0" anchor="ctr"/>
+          <a:lstStyle/>
+          <a:p>
+            <a:pPr algn="ctr"/>
+            <a:endParaRPr lang="es-PE" dirty="0"/>
+          </a:p>
+        </p:txBody>
+      </p:sp>
+      <p:sp>
+        <p:nvSpPr>
+          <p:cNvPr id="5" name="CuadroTexto 4">
+            <a:extLst>
+              <a:ext uri="{FF2B5EF4-FFF2-40B4-BE49-F238E27FC236}">
+                <a16:creationId xmlns:a16="http://schemas.microsoft.com/office/drawing/2014/main" id="{48D2A9BD-EBF3-4CF7-A61E-49631D4D1DBB}"/>
+              </a:ext>
+            </a:extLst>
+          </p:cNvPr>
+          <p:cNvSpPr txBox="1"/>
+          <p:nvPr/>
+        </p:nvSpPr>
+        <p:spPr>
+          <a:xfrm>
+            <a:off x="558799" y="134927"/>
+            <a:ext cx="6597779" cy="400110"/>
+          </a:xfrm>
+          <a:prstGeom prst="rect">
+            <a:avLst/>
+          </a:prstGeom>
+          <a:noFill/>
+        </p:spPr>
+        <p:txBody>
+          <a:bodyPr wrap="square" rtlCol="0">
+            <a:spAutoFit/>
+          </a:bodyPr>
+          <a:lstStyle/>
+          <a:p>
+            <a:r>
+              <a:rPr lang="es-MX" sz="2000" dirty="0">
+                <a:solidFill>
+                  <a:schemeClr val="bg1"/>
+                </a:solidFill>
+                <a:latin typeface="Open Sans" panose="020B0606030504020204" pitchFamily="34" charset="0"/>
+                <a:ea typeface="Open Sans" panose="020B0606030504020204" pitchFamily="34" charset="0"/>
+                <a:cs typeface="Open Sans" panose="020B0606030504020204" pitchFamily="34" charset="0"/>
+              </a:rPr>
+              <a:t>Servicio de “Atención al Usuario”</a:t>
+            </a:r>
+          </a:p>
+        </p:txBody>
+      </p:sp>
+      <p:sp>
+        <p:nvSpPr>
+          <p:cNvPr id="9" name="Rectángulo 8">
+            <a:extLst>
+              <a:ext uri="{FF2B5EF4-FFF2-40B4-BE49-F238E27FC236}">
+                <a16:creationId xmlns:a16="http://schemas.microsoft.com/office/drawing/2014/main" id="{17D5E67A-13F6-4283-8297-CC8F5E053535}"/>
+              </a:ext>
+            </a:extLst>
+          </p:cNvPr>
+          <p:cNvSpPr/>
+          <p:nvPr/>
+        </p:nvSpPr>
+        <p:spPr>
+          <a:xfrm>
+            <a:off x="355600" y="5943600"/>
+            <a:ext cx="203200" cy="914399"/>
+          </a:xfrm>
+          <a:prstGeom prst="rect">
+            <a:avLst/>
+          </a:prstGeom>
+          <a:solidFill>
+            <a:schemeClr val="tx2">
+              <a:lumMod val="75000"/>
+            </a:schemeClr>
+          </a:solidFill>
+        </p:spPr>
+        <p:style>
+          <a:lnRef idx="2">
+            <a:schemeClr val="dk1">
+              <a:shade val="50000"/>
+            </a:schemeClr>
+          </a:lnRef>
+          <a:fillRef idx="1">
+            <a:schemeClr val="dk1"/>
+          </a:fillRef>
+          <a:effectRef idx="0">
+            <a:schemeClr val="dk1"/>
+          </a:effectRef>
+          <a:fontRef idx="minor">
+            <a:schemeClr val="lt1"/>
+          </a:fontRef>
+        </p:style>
+        <p:txBody>
+          <a:bodyPr rtlCol="0" anchor="ctr"/>
+          <a:lstStyle/>
+          <a:p>
+            <a:pPr algn="ctr"/>
+            <a:endParaRPr lang="es-PE"/>
+          </a:p>
+        </p:txBody>
+      </p:sp>
+      <p:sp>
+        <p:nvSpPr>
+          <p:cNvPr id="10" name="Rectángulo 9">
+            <a:extLst>
+              <a:ext uri="{FF2B5EF4-FFF2-40B4-BE49-F238E27FC236}">
+                <a16:creationId xmlns:a16="http://schemas.microsoft.com/office/drawing/2014/main" id="{54D73149-C250-47CB-B10E-EEADC5D5A38D}"/>
+              </a:ext>
+            </a:extLst>
+          </p:cNvPr>
+          <p:cNvSpPr/>
+          <p:nvPr/>
+        </p:nvSpPr>
+        <p:spPr>
+          <a:xfrm>
+            <a:off x="640234" y="6385364"/>
+            <a:ext cx="203200" cy="472635"/>
+          </a:xfrm>
+          <a:prstGeom prst="rect">
+            <a:avLst/>
+          </a:prstGeom>
+          <a:solidFill>
+            <a:srgbClr val="C00000"/>
+          </a:solidFill>
+          <a:ln>
+            <a:noFill/>
+          </a:ln>
+        </p:spPr>
+        <p:style>
+          <a:lnRef idx="2">
+            <a:schemeClr val="dk1">
+              <a:shade val="50000"/>
+            </a:schemeClr>
+          </a:lnRef>
+          <a:fillRef idx="1">
+            <a:schemeClr val="dk1"/>
+          </a:fillRef>
+          <a:effectRef idx="0">
+            <a:schemeClr val="dk1"/>
+          </a:effectRef>
+          <a:fontRef idx="minor">
+            <a:schemeClr val="lt1"/>
+          </a:fontRef>
+        </p:style>
+        <p:txBody>
+          <a:bodyPr rtlCol="0" anchor="ctr"/>
+          <a:lstStyle/>
+          <a:p>
+            <a:pPr algn="ctr"/>
+            <a:endParaRPr lang="es-PE"/>
+          </a:p>
+        </p:txBody>
+      </p:sp>
+      <p:sp>
+        <p:nvSpPr>
+          <p:cNvPr id="12" name="Google Shape;111;p2">
+            <a:extLst>
+              <a:ext uri="{FF2B5EF4-FFF2-40B4-BE49-F238E27FC236}">
+                <a16:creationId xmlns:a16="http://schemas.microsoft.com/office/drawing/2014/main" id="{002F249E-01CD-4A15-802F-2FC4DE855BEF}"/>
+              </a:ext>
+            </a:extLst>
+          </p:cNvPr>
+          <p:cNvSpPr txBox="1"/>
+          <p:nvPr/>
+        </p:nvSpPr>
+        <p:spPr>
+          <a:xfrm>
+            <a:off x="738222" y="866805"/>
+            <a:ext cx="10779861" cy="784790"/>
+          </a:xfrm>
+          <a:prstGeom prst="rect">
+            <a:avLst/>
+          </a:prstGeom>
+          <a:noFill/>
+          <a:ln>
+            <a:noFill/>
+          </a:ln>
+        </p:spPr>
+        <p:txBody>
+          <a:bodyPr spcFirstLastPara="1" wrap="square" lIns="91425" tIns="45700" rIns="91425" bIns="45700" anchor="t" anchorCtr="0">
+            <a:spAutoFit/>
+          </a:bodyPr>
+          <a:lstStyle/>
+          <a:p>
+            <a:pPr lvl="0" algn="just" eaLnBrk="0" fontAlgn="base" hangingPunct="0">
+              <a:spcBef>
+                <a:spcPct val="0"/>
+              </a:spcBef>
+              <a:spcAft>
+                <a:spcPct val="0"/>
+              </a:spcAft>
+            </a:pPr>
+            <a:r>
+              <a:rPr lang="es-PE" altLang="es-PE" dirty="0">
+                <a:solidFill>
+                  <a:srgbClr val="000000"/>
+                </a:solidFill>
+                <a:latin typeface="Calibri" panose="020F0502020204030204" pitchFamily="34" charset="0"/>
+                <a:cs typeface="Calibri" panose="020F0502020204030204" pitchFamily="34" charset="0"/>
+              </a:rPr>
+              <a:t>Se ejecuto un proceso para limpiar las “Descripciones” de cada reclamo y construir el  “Bag </a:t>
+            </a:r>
+            <a:r>
+              <a:rPr lang="es-PE" altLang="es-PE" dirty="0" err="1">
+                <a:solidFill>
+                  <a:srgbClr val="000000"/>
+                </a:solidFill>
+                <a:latin typeface="Calibri" panose="020F0502020204030204" pitchFamily="34" charset="0"/>
+                <a:cs typeface="Calibri" panose="020F0502020204030204" pitchFamily="34" charset="0"/>
+              </a:rPr>
+              <a:t>of</a:t>
+            </a:r>
+            <a:r>
+              <a:rPr lang="es-PE" altLang="es-PE" dirty="0">
+                <a:solidFill>
+                  <a:srgbClr val="000000"/>
+                </a:solidFill>
+                <a:latin typeface="Calibri" panose="020F0502020204030204" pitchFamily="34" charset="0"/>
+                <a:cs typeface="Calibri" panose="020F0502020204030204" pitchFamily="34" charset="0"/>
+              </a:rPr>
+              <a:t> </a:t>
+            </a:r>
+            <a:r>
+              <a:rPr lang="es-PE" altLang="es-PE" dirty="0" err="1">
+                <a:solidFill>
+                  <a:srgbClr val="000000"/>
+                </a:solidFill>
+                <a:latin typeface="Calibri" panose="020F0502020204030204" pitchFamily="34" charset="0"/>
+                <a:cs typeface="Calibri" panose="020F0502020204030204" pitchFamily="34" charset="0"/>
+              </a:rPr>
+              <a:t>Words</a:t>
+            </a:r>
+            <a:r>
+              <a:rPr lang="es-PE" altLang="es-PE" dirty="0">
+                <a:solidFill>
+                  <a:srgbClr val="000000"/>
+                </a:solidFill>
+                <a:latin typeface="Calibri" panose="020F0502020204030204" pitchFamily="34" charset="0"/>
+                <a:cs typeface="Calibri" panose="020F0502020204030204" pitchFamily="34" charset="0"/>
+              </a:rPr>
+              <a:t>” de palabras para atención al usuario.</a:t>
+            </a:r>
+          </a:p>
+          <a:p>
+            <a:pPr lvl="0" eaLnBrk="0" fontAlgn="base" hangingPunct="0">
+              <a:spcBef>
+                <a:spcPct val="0"/>
+              </a:spcBef>
+              <a:spcAft>
+                <a:spcPct val="0"/>
+              </a:spcAft>
+            </a:pPr>
+            <a:endParaRPr kumimoji="0" lang="es-PE" altLang="es-PE" sz="900" i="0" u="none" strike="noStrike" cap="none" normalizeH="0" baseline="0" dirty="0">
+              <a:ln>
+                <a:noFill/>
+              </a:ln>
+              <a:solidFill>
+                <a:schemeClr val="tx1"/>
+              </a:solidFill>
+              <a:effectLst/>
+            </a:endParaRPr>
+          </a:p>
+        </p:txBody>
+      </p:sp>
+      <p:sp>
+        <p:nvSpPr>
+          <p:cNvPr id="15" name="Google Shape;111;p2">
+            <a:extLst>
+              <a:ext uri="{FF2B5EF4-FFF2-40B4-BE49-F238E27FC236}">
+                <a16:creationId xmlns:a16="http://schemas.microsoft.com/office/drawing/2014/main" id="{DA903829-C857-466F-8663-51CF8927D68D}"/>
+              </a:ext>
+            </a:extLst>
+          </p:cNvPr>
+          <p:cNvSpPr txBox="1"/>
+          <p:nvPr/>
+        </p:nvSpPr>
+        <p:spPr>
+          <a:xfrm>
+            <a:off x="1049838" y="6230671"/>
+            <a:ext cx="4906345" cy="492402"/>
+          </a:xfrm>
+          <a:prstGeom prst="rect">
+            <a:avLst/>
+          </a:prstGeom>
+          <a:noFill/>
+          <a:ln>
+            <a:noFill/>
+          </a:ln>
+        </p:spPr>
+        <p:txBody>
+          <a:bodyPr spcFirstLastPara="1" wrap="square" lIns="91425" tIns="45700" rIns="91425" bIns="45700" anchor="t" anchorCtr="0">
+            <a:spAutoFit/>
+          </a:bodyPr>
+          <a:lstStyle/>
+          <a:p>
+            <a:pPr marL="0" marR="0" lvl="0" indent="0" algn="l" defTabSz="914400" rtl="0" eaLnBrk="0" fontAlgn="base" latinLnBrk="0" hangingPunct="0">
+              <a:lnSpc>
+                <a:spcPct val="100000"/>
+              </a:lnSpc>
+              <a:spcBef>
+                <a:spcPct val="0"/>
+              </a:spcBef>
+              <a:spcAft>
+                <a:spcPct val="0"/>
+              </a:spcAft>
+              <a:buClrTx/>
+              <a:buSzTx/>
+              <a:buFontTx/>
+              <a:buNone/>
+              <a:tabLst/>
+            </a:pPr>
+            <a:r>
+              <a:rPr kumimoji="0" lang="es-PE" altLang="es-PE" sz="1300" b="1" i="0" u="none" strike="noStrike" cap="none" normalizeH="0" baseline="0" dirty="0">
+                <a:ln>
+                  <a:noFill/>
+                </a:ln>
+                <a:solidFill>
+                  <a:srgbClr val="000000"/>
+                </a:solidFill>
+                <a:effectLst/>
+                <a:latin typeface="Calibri" panose="020F0502020204030204" pitchFamily="34" charset="0"/>
+                <a:cs typeface="Calibri" panose="020F0502020204030204" pitchFamily="34" charset="0"/>
+              </a:rPr>
+              <a:t>(*) El universo del modelo actual es Atención de Usuario, la funciones de limpieza ahora construidas serán retroalimentadas.</a:t>
+            </a:r>
+            <a:endParaRPr kumimoji="0" lang="es-PE" altLang="es-PE" sz="600" b="0" i="0" u="none" strike="noStrike" cap="none" normalizeH="0" baseline="0" dirty="0">
+              <a:ln>
+                <a:noFill/>
+              </a:ln>
+              <a:solidFill>
+                <a:schemeClr val="tx1"/>
+              </a:solidFill>
+              <a:effectLst/>
+            </a:endParaRPr>
+          </a:p>
+        </p:txBody>
+      </p:sp>
+      <p:graphicFrame>
+        <p:nvGraphicFramePr>
+          <p:cNvPr id="2" name="Tabla 1">
+            <a:extLst>
+              <a:ext uri="{FF2B5EF4-FFF2-40B4-BE49-F238E27FC236}">
+                <a16:creationId xmlns:a16="http://schemas.microsoft.com/office/drawing/2014/main" id="{C3F8EEE8-3856-4109-91B8-5A4B35348EFB}"/>
+              </a:ext>
+            </a:extLst>
+          </p:cNvPr>
+          <p:cNvGraphicFramePr>
+            <a:graphicFrameLocks noGrp="1"/>
+          </p:cNvGraphicFramePr>
+          <p:nvPr>
+            <p:extLst>
+              <p:ext uri="{D42A27DB-BD31-4B8C-83A1-F6EECF244321}">
+                <p14:modId xmlns:p14="http://schemas.microsoft.com/office/powerpoint/2010/main" val="1838845185"/>
+              </p:ext>
+            </p:extLst>
+          </p:nvPr>
+        </p:nvGraphicFramePr>
+        <p:xfrm>
+          <a:off x="1049838" y="2274328"/>
+          <a:ext cx="4296745" cy="1069580"/>
+        </p:xfrm>
+        <a:graphic>
+          <a:graphicData uri="http://schemas.openxmlformats.org/drawingml/2006/table">
+            <a:tbl>
+              <a:tblPr>
+                <a:tableStyleId>{0E3FDE45-AF77-4B5C-9715-49D594BDF05E}</a:tableStyleId>
+              </a:tblPr>
+              <a:tblGrid>
+                <a:gridCol w="3195015">
+                  <a:extLst>
+                    <a:ext uri="{9D8B030D-6E8A-4147-A177-3AD203B41FA5}">
+                      <a16:colId xmlns:a16="http://schemas.microsoft.com/office/drawing/2014/main" val="1128433964"/>
+                    </a:ext>
+                  </a:extLst>
+                </a:gridCol>
+                <a:gridCol w="1101730">
+                  <a:extLst>
+                    <a:ext uri="{9D8B030D-6E8A-4147-A177-3AD203B41FA5}">
+                      <a16:colId xmlns:a16="http://schemas.microsoft.com/office/drawing/2014/main" val="146827634"/>
+                    </a:ext>
+                  </a:extLst>
+                </a:gridCol>
+              </a:tblGrid>
+              <a:tr h="406640">
+                <a:tc>
+                  <a:txBody>
+                    <a:bodyPr/>
+                    <a:lstStyle/>
+                    <a:p>
+                      <a:pPr algn="ctr" fontAlgn="b"/>
+                      <a:r>
+                        <a:rPr lang="es-PE" sz="1600" b="1" u="none" strike="noStrike" dirty="0">
+                          <a:effectLst/>
+                        </a:rPr>
+                        <a:t> Universo de datos</a:t>
+                      </a:r>
+                      <a:endParaRPr lang="es-PE" sz="1600" b="1" i="0" u="none" strike="noStrike" dirty="0">
+                        <a:solidFill>
+                          <a:srgbClr val="000000"/>
+                        </a:solidFill>
+                        <a:effectLst/>
+                        <a:latin typeface="Calibri" panose="020F0502020204030204" pitchFamily="34" charset="0"/>
+                      </a:endParaRPr>
+                    </a:p>
+                  </a:txBody>
+                  <a:tcPr marL="9525" marR="9525" marT="9525" marB="0" anchor="b"/>
+                </a:tc>
+                <a:tc>
+                  <a:txBody>
+                    <a:bodyPr/>
+                    <a:lstStyle/>
+                    <a:p>
+                      <a:pPr algn="ctr" fontAlgn="b"/>
+                      <a:r>
+                        <a:rPr lang="es-PE" sz="1600" b="1" u="none" strike="noStrike" dirty="0">
+                          <a:effectLst/>
+                        </a:rPr>
+                        <a:t>Código SBS</a:t>
+                      </a:r>
+                      <a:endParaRPr lang="es-PE" sz="1600" b="1" i="0" u="none" strike="noStrike" dirty="0">
+                        <a:solidFill>
+                          <a:srgbClr val="000000"/>
+                        </a:solidFill>
+                        <a:effectLst/>
+                        <a:latin typeface="Calibri" panose="020F0502020204030204" pitchFamily="34" charset="0"/>
+                      </a:endParaRPr>
+                    </a:p>
+                  </a:txBody>
+                  <a:tcPr marL="9525" marR="9525" marT="9525" marB="0" anchor="b"/>
+                </a:tc>
+                <a:extLst>
+                  <a:ext uri="{0D108BD9-81ED-4DB2-BD59-A6C34878D82A}">
+                    <a16:rowId xmlns:a16="http://schemas.microsoft.com/office/drawing/2014/main" val="910197551"/>
+                  </a:ext>
+                </a:extLst>
+              </a:tr>
+              <a:tr h="331470">
+                <a:tc>
+                  <a:txBody>
+                    <a:bodyPr/>
+                    <a:lstStyle/>
+                    <a:p>
+                      <a:pPr algn="l" fontAlgn="b"/>
+                      <a:r>
+                        <a:rPr lang="es-MX" sz="1600" u="none" strike="noStrike" dirty="0">
+                          <a:effectLst/>
+                        </a:rPr>
+                        <a:t>SERVICIO DE ATENCION AL USUARIO</a:t>
+                      </a:r>
+                      <a:endParaRPr lang="es-MX" sz="1600" b="0" i="0" u="none" strike="noStrike" dirty="0">
+                        <a:solidFill>
+                          <a:srgbClr val="000000"/>
+                        </a:solidFill>
+                        <a:effectLst/>
+                        <a:latin typeface="Calibri" panose="020F0502020204030204" pitchFamily="34" charset="0"/>
+                      </a:endParaRPr>
+                    </a:p>
+                  </a:txBody>
+                  <a:tcPr marL="9525" marR="9525" marT="9525" marB="0" anchor="b"/>
+                </a:tc>
+                <a:tc>
+                  <a:txBody>
+                    <a:bodyPr/>
+                    <a:lstStyle/>
+                    <a:p>
+                      <a:pPr marL="0" marR="0" lvl="0" indent="0" algn="r" defTabSz="914400" rtl="0" eaLnBrk="1" fontAlgn="b" latinLnBrk="0" hangingPunct="1">
+                        <a:lnSpc>
+                          <a:spcPct val="100000"/>
+                        </a:lnSpc>
+                        <a:spcBef>
+                          <a:spcPts val="0"/>
+                        </a:spcBef>
+                        <a:spcAft>
+                          <a:spcPts val="0"/>
+                        </a:spcAft>
+                        <a:buClrTx/>
+                        <a:buSzTx/>
+                        <a:buFontTx/>
+                        <a:buNone/>
+                        <a:tabLst/>
+                        <a:defRPr/>
+                      </a:pPr>
+                      <a:r>
+                        <a:rPr lang="es-PE" sz="1600" u="none" strike="noStrike" dirty="0">
+                          <a:effectLst/>
+                        </a:rPr>
+                        <a:t>96</a:t>
+                      </a:r>
+                      <a:endParaRPr lang="es-PE" sz="1600" b="0" i="0" u="none" strike="noStrike" dirty="0">
+                        <a:solidFill>
+                          <a:srgbClr val="000000"/>
+                        </a:solidFill>
+                        <a:effectLst/>
+                        <a:latin typeface="Calibri" panose="020F0502020204030204" pitchFamily="34" charset="0"/>
+                      </a:endParaRPr>
+                    </a:p>
+                  </a:txBody>
+                  <a:tcPr marL="9525" marR="9525" marT="9525" marB="0" anchor="b"/>
+                </a:tc>
+                <a:extLst>
+                  <a:ext uri="{0D108BD9-81ED-4DB2-BD59-A6C34878D82A}">
+                    <a16:rowId xmlns:a16="http://schemas.microsoft.com/office/drawing/2014/main" val="954793539"/>
+                  </a:ext>
+                </a:extLst>
+              </a:tr>
+              <a:tr h="331470">
+                <a:tc>
+                  <a:txBody>
+                    <a:bodyPr/>
+                    <a:lstStyle/>
+                    <a:p>
+                      <a:pPr algn="l" fontAlgn="b"/>
+                      <a:r>
+                        <a:rPr lang="es-PE" sz="1600" u="none" strike="noStrike" dirty="0">
+                          <a:effectLst/>
+                        </a:rPr>
+                        <a:t>INADECUADA ATENCION AL USUARIO</a:t>
+                      </a:r>
+                      <a:endParaRPr lang="es-PE" sz="1600" b="0" i="0" u="none" strike="noStrike" dirty="0">
+                        <a:solidFill>
+                          <a:srgbClr val="000000"/>
+                        </a:solidFill>
+                        <a:effectLst/>
+                        <a:latin typeface="Calibri" panose="020F0502020204030204" pitchFamily="34" charset="0"/>
+                      </a:endParaRPr>
+                    </a:p>
+                  </a:txBody>
+                  <a:tcPr marL="9525" marR="9525" marT="9525" marB="0" anchor="b"/>
+                </a:tc>
+                <a:tc>
+                  <a:txBody>
+                    <a:bodyPr/>
+                    <a:lstStyle/>
+                    <a:p>
+                      <a:pPr algn="r" fontAlgn="b"/>
+                      <a:r>
+                        <a:rPr lang="es-PE" sz="1600" u="none" strike="noStrike" dirty="0">
+                          <a:effectLst/>
+                        </a:rPr>
+                        <a:t>39</a:t>
+                      </a:r>
+                      <a:endParaRPr lang="es-PE" sz="1600" b="0" i="0" u="none" strike="noStrike" dirty="0">
+                        <a:solidFill>
+                          <a:srgbClr val="000000"/>
+                        </a:solidFill>
+                        <a:effectLst/>
+                        <a:latin typeface="Calibri" panose="020F0502020204030204" pitchFamily="34" charset="0"/>
+                      </a:endParaRPr>
+                    </a:p>
+                  </a:txBody>
+                  <a:tcPr marL="9525" marR="9525" marT="9525" marB="0" anchor="b"/>
+                </a:tc>
+                <a:extLst>
+                  <a:ext uri="{0D108BD9-81ED-4DB2-BD59-A6C34878D82A}">
+                    <a16:rowId xmlns:a16="http://schemas.microsoft.com/office/drawing/2014/main" val="2224903038"/>
+                  </a:ext>
+                </a:extLst>
+              </a:tr>
+            </a:tbl>
+          </a:graphicData>
+        </a:graphic>
+      </p:graphicFrame>
+      <p:sp>
+        <p:nvSpPr>
+          <p:cNvPr id="7" name="Rectangle 1">
+            <a:extLst>
+              <a:ext uri="{FF2B5EF4-FFF2-40B4-BE49-F238E27FC236}">
+                <a16:creationId xmlns:a16="http://schemas.microsoft.com/office/drawing/2014/main" id="{E16F2D60-BC2C-4C9E-8C34-68F88E2BC9CD}"/>
               </a:ext>
             </a:extLst>
           </p:cNvPr>
           <p:cNvSpPr>
-            <a:spLocks noGrp="1"/>
+            <a:spLocks noChangeArrowheads="1"/>
           </p:cNvSpPr>
-          <p:nvPr>
-            <p:ph type="title"/>
-          </p:nvPr>
-        </p:nvSpPr>
-        <p:spPr/>
-        <p:txBody>
-          <a:bodyPr/>
+          <p:nvPr/>
+        </p:nvSpPr>
+        <p:spPr bwMode="auto">
+          <a:xfrm>
+            <a:off x="6846220" y="2610712"/>
+            <a:ext cx="4681160" cy="738664"/>
+          </a:xfrm>
+          <a:prstGeom prst="rect">
+            <a:avLst/>
+          </a:prstGeom>
+          <a:solidFill>
+            <a:srgbClr val="FFFFFF"/>
+          </a:solidFill>
+          <a:ln>
+            <a:noFill/>
+          </a:ln>
+          <a:effectLst/>
+          <a:extLst>
+            <a:ext uri="{91240B29-F687-4F45-9708-019B960494DF}">
+              <a14:hiddenLine xmlns:a14="http://schemas.microsoft.com/office/drawing/2010/main" w="9525">
+                <a:solidFill>
+                  <a:schemeClr val="tx1"/>
+                </a:solidFill>
+                <a:miter lim="800000"/>
+                <a:headEnd/>
+                <a:tailEnd/>
+              </a14:hiddenLine>
+            </a:ext>
+            <a:ext uri="{AF507438-7753-43E0-B8FC-AC1667EBCBE1}">
+              <a14:hiddenEffects xmlns:a14="http://schemas.microsoft.com/office/drawing/2010/main">
+                <a:effectLst>
+                  <a:outerShdw dist="35921" dir="2700000" algn="ctr" rotWithShape="0">
+                    <a:schemeClr val="bg2"/>
+                  </a:outerShdw>
+                </a:effectLst>
+              </a14:hiddenEffects>
+            </a:ext>
+          </a:extLst>
+        </p:spPr>
+        <p:txBody>
+          <a:bodyPr vert="horz" wrap="square" lIns="0" tIns="0" rIns="0" bIns="0" numCol="1" anchor="ctr" anchorCtr="0" compatLnSpc="1">
+            <a:prstTxWarp prst="textNoShape">
+              <a:avLst/>
+            </a:prstTxWarp>
+            <a:spAutoFit/>
+          </a:bodyPr>
           <a:lstStyle/>
           <a:p>
-            <a:endParaRPr lang="es-PE"/>
-          </a:p>
-        </p:txBody>
-      </p:sp>
-      <p:sp>
-        <p:nvSpPr>
-          <p:cNvPr id="3" name="Marcador de texto 2">
+            <a:pPr marL="0" marR="0" lvl="0" indent="0" algn="ctr" defTabSz="914400" rtl="0" eaLnBrk="0" fontAlgn="base" latinLnBrk="0" hangingPunct="0">
+              <a:lnSpc>
+                <a:spcPct val="100000"/>
+              </a:lnSpc>
+              <a:spcBef>
+                <a:spcPct val="0"/>
+              </a:spcBef>
+              <a:spcAft>
+                <a:spcPct val="0"/>
+              </a:spcAft>
+              <a:buClrTx/>
+              <a:buSzTx/>
+              <a:buFontTx/>
+              <a:buNone/>
+              <a:tabLst/>
+            </a:pPr>
+            <a:r>
+              <a:rPr kumimoji="0" lang="es-PE" altLang="es-PE" sz="1200" i="0" u="none" strike="noStrike" cap="none" normalizeH="0" baseline="0" dirty="0">
+                <a:ln>
+                  <a:noFill/>
+                </a:ln>
+                <a:solidFill>
+                  <a:schemeClr val="accent4">
+                    <a:lumMod val="75000"/>
+                  </a:schemeClr>
+                </a:solidFill>
+                <a:effectLst/>
+                <a:latin typeface="Courier New" panose="02070309020205020404" pitchFamily="49" charset="0"/>
+              </a:rPr>
+              <a:t>'CARECEN DE VENTANILLAS DE ATENCION AL PUBLICO CAJERO DEMASIADO LENTO, FALTA DE EMPATIA.\r\n\r\</a:t>
+            </a:r>
+            <a:r>
+              <a:rPr kumimoji="0" lang="es-PE" altLang="es-PE" sz="1200" i="0" u="none" strike="noStrike" cap="none" normalizeH="0" baseline="0" dirty="0" err="1">
+                <a:ln>
+                  <a:noFill/>
+                </a:ln>
+                <a:solidFill>
+                  <a:schemeClr val="accent4">
+                    <a:lumMod val="75000"/>
+                  </a:schemeClr>
+                </a:solidFill>
+                <a:effectLst/>
+                <a:latin typeface="Courier New" panose="02070309020205020404" pitchFamily="49" charset="0"/>
+              </a:rPr>
+              <a:t>nINGRESADO</a:t>
+            </a:r>
+            <a:r>
+              <a:rPr kumimoji="0" lang="es-PE" altLang="es-PE" sz="1200" i="0" u="none" strike="noStrike" cap="none" normalizeH="0" baseline="0" dirty="0">
+                <a:ln>
+                  <a:noFill/>
+                </a:ln>
+                <a:solidFill>
+                  <a:schemeClr val="accent4">
+                    <a:lumMod val="75000"/>
+                  </a:schemeClr>
+                </a:solidFill>
+                <a:effectLst/>
+                <a:latin typeface="Courier New" panose="02070309020205020404" pitchFamily="49" charset="0"/>
+              </a:rPr>
+              <a:t> EN LIBRO DE RESPANDO FOL. 78221'</a:t>
+            </a:r>
+            <a:endParaRPr kumimoji="0" lang="es-PE" altLang="es-PE" sz="2800" i="0" u="none" strike="noStrike" cap="none" normalizeH="0" baseline="0" dirty="0">
+              <a:ln>
+                <a:noFill/>
+              </a:ln>
+              <a:solidFill>
+                <a:schemeClr val="accent4">
+                  <a:lumMod val="75000"/>
+                </a:schemeClr>
+              </a:solidFill>
+              <a:effectLst/>
+              <a:latin typeface="Arial" panose="020B0604020202020204" pitchFamily="34" charset="0"/>
+            </a:endParaRPr>
+          </a:p>
+        </p:txBody>
+      </p:sp>
+      <p:sp>
+        <p:nvSpPr>
+          <p:cNvPr id="17" name="Rectangle 1">
             <a:extLst>
               <a:ext uri="{FF2B5EF4-FFF2-40B4-BE49-F238E27FC236}">
-                <a16:creationId xmlns:a16="http://schemas.microsoft.com/office/drawing/2014/main" id="{E621A9AA-8F51-4523-A069-A2B30C6D0FF6}"/>
+                <a16:creationId xmlns:a16="http://schemas.microsoft.com/office/drawing/2014/main" id="{34F8657C-D213-4E11-9EC3-19F8C085075A}"/>
               </a:ext>
             </a:extLst>
           </p:cNvPr>
           <p:cNvSpPr>
-            <a:spLocks noGrp="1"/>
+            <a:spLocks noChangeArrowheads="1"/>
           </p:cNvSpPr>
-          <p:nvPr>
-            <p:ph type="body" idx="1"/>
-          </p:nvPr>
-        </p:nvSpPr>
-        <p:spPr/>
-        <p:txBody>
-          <a:bodyPr/>
+          <p:nvPr/>
+        </p:nvSpPr>
+        <p:spPr bwMode="auto">
+          <a:xfrm>
+            <a:off x="6733627" y="3714625"/>
+            <a:ext cx="4681160" cy="553998"/>
+          </a:xfrm>
+          <a:prstGeom prst="rect">
+            <a:avLst/>
+          </a:prstGeom>
+          <a:solidFill>
+            <a:srgbClr val="FFFFFF"/>
+          </a:solidFill>
+          <a:ln>
+            <a:noFill/>
+          </a:ln>
+          <a:effectLst/>
+          <a:extLst>
+            <a:ext uri="{91240B29-F687-4F45-9708-019B960494DF}">
+              <a14:hiddenLine xmlns:a14="http://schemas.microsoft.com/office/drawing/2010/main" w="9525">
+                <a:solidFill>
+                  <a:schemeClr val="tx1"/>
+                </a:solidFill>
+                <a:miter lim="800000"/>
+                <a:headEnd/>
+                <a:tailEnd/>
+              </a14:hiddenLine>
+            </a:ext>
+            <a:ext uri="{AF507438-7753-43E0-B8FC-AC1667EBCBE1}">
+              <a14:hiddenEffects xmlns:a14="http://schemas.microsoft.com/office/drawing/2010/main">
+                <a:effectLst>
+                  <a:outerShdw dist="35921" dir="2700000" algn="ctr" rotWithShape="0">
+                    <a:schemeClr val="bg2"/>
+                  </a:outerShdw>
+                </a:effectLst>
+              </a14:hiddenEffects>
+            </a:ext>
+          </a:extLst>
+        </p:spPr>
+        <p:txBody>
+          <a:bodyPr vert="horz" wrap="square" lIns="0" tIns="0" rIns="0" bIns="0" numCol="1" anchor="ctr" anchorCtr="0" compatLnSpc="1">
+            <a:prstTxWarp prst="textNoShape">
+              <a:avLst/>
+            </a:prstTxWarp>
+            <a:spAutoFit/>
+          </a:bodyPr>
           <a:lstStyle/>
           <a:p>
-            <a:endParaRPr lang="es-PE"/>
+            <a:pPr marL="0" marR="0" lvl="0" indent="0" algn="ctr" defTabSz="914400" rtl="0" eaLnBrk="0" fontAlgn="base" latinLnBrk="0" hangingPunct="0">
+              <a:lnSpc>
+                <a:spcPct val="100000"/>
+              </a:lnSpc>
+              <a:spcBef>
+                <a:spcPct val="0"/>
+              </a:spcBef>
+              <a:spcAft>
+                <a:spcPct val="0"/>
+              </a:spcAft>
+              <a:buClrTx/>
+              <a:buSzTx/>
+              <a:buFontTx/>
+              <a:buNone/>
+              <a:tabLst/>
+            </a:pPr>
+            <a:r>
+              <a:rPr kumimoji="0" lang="es-MX" altLang="es-PE" sz="1200" i="0" u="none" strike="noStrike" cap="none" normalizeH="0" baseline="0" dirty="0">
+                <a:ln>
+                  <a:noFill/>
+                </a:ln>
+                <a:solidFill>
+                  <a:schemeClr val="accent6"/>
+                </a:solidFill>
+                <a:effectLst/>
+                <a:latin typeface="Courier New" panose="02070309020205020404" pitchFamily="49" charset="0"/>
+              </a:rPr>
+              <a:t>carecen de ventanillas de </a:t>
+            </a:r>
+            <a:r>
+              <a:rPr kumimoji="0" lang="es-MX" altLang="es-PE" sz="1200" i="0" u="none" strike="noStrike" cap="none" normalizeH="0" baseline="0" dirty="0" err="1">
+                <a:ln>
+                  <a:noFill/>
+                </a:ln>
+                <a:solidFill>
+                  <a:schemeClr val="accent6"/>
+                </a:solidFill>
+                <a:effectLst/>
+                <a:latin typeface="Courier New" panose="02070309020205020404" pitchFamily="49" charset="0"/>
+              </a:rPr>
+              <a:t>atencion</a:t>
+            </a:r>
+            <a:r>
+              <a:rPr kumimoji="0" lang="es-MX" altLang="es-PE" sz="1200" i="0" u="none" strike="noStrike" cap="none" normalizeH="0" baseline="0" dirty="0">
+                <a:ln>
+                  <a:noFill/>
+                </a:ln>
+                <a:solidFill>
+                  <a:schemeClr val="accent6"/>
+                </a:solidFill>
+                <a:effectLst/>
+                <a:latin typeface="Courier New" panose="02070309020205020404" pitchFamily="49" charset="0"/>
+              </a:rPr>
+              <a:t> al publico cajero demasiado lento, falta de </a:t>
+            </a:r>
+            <a:r>
+              <a:rPr kumimoji="0" lang="es-MX" altLang="es-PE" sz="1200" i="0" u="none" strike="noStrike" cap="none" normalizeH="0" baseline="0" dirty="0" err="1">
+                <a:ln>
+                  <a:noFill/>
+                </a:ln>
+                <a:solidFill>
+                  <a:schemeClr val="accent6"/>
+                </a:solidFill>
+                <a:effectLst/>
+                <a:latin typeface="Courier New" panose="02070309020205020404" pitchFamily="49" charset="0"/>
+              </a:rPr>
+              <a:t>empatia</a:t>
+            </a:r>
+            <a:r>
+              <a:rPr kumimoji="0" lang="es-MX" altLang="es-PE" sz="1200" i="0" u="none" strike="noStrike" cap="none" normalizeH="0" baseline="0" dirty="0">
+                <a:ln>
+                  <a:noFill/>
+                </a:ln>
+                <a:solidFill>
+                  <a:schemeClr val="accent6"/>
+                </a:solidFill>
+                <a:effectLst/>
+                <a:latin typeface="Courier New" panose="02070309020205020404" pitchFamily="49" charset="0"/>
+              </a:rPr>
+              <a:t>. ingresado en libro de </a:t>
+            </a:r>
+            <a:r>
+              <a:rPr kumimoji="0" lang="es-MX" altLang="es-PE" sz="1200" i="0" u="none" strike="noStrike" cap="none" normalizeH="0" baseline="0" dirty="0" err="1">
+                <a:ln>
+                  <a:noFill/>
+                </a:ln>
+                <a:solidFill>
+                  <a:schemeClr val="accent6"/>
+                </a:solidFill>
+                <a:effectLst/>
+                <a:latin typeface="Courier New" panose="02070309020205020404" pitchFamily="49" charset="0"/>
+              </a:rPr>
+              <a:t>respando</a:t>
+            </a:r>
+            <a:r>
+              <a:rPr kumimoji="0" lang="es-MX" altLang="es-PE" sz="1200" i="0" u="none" strike="noStrike" cap="none" normalizeH="0" baseline="0" dirty="0">
+                <a:ln>
+                  <a:noFill/>
+                </a:ln>
+                <a:solidFill>
+                  <a:schemeClr val="accent6"/>
+                </a:solidFill>
+                <a:effectLst/>
+                <a:latin typeface="Courier New" panose="02070309020205020404" pitchFamily="49" charset="0"/>
+              </a:rPr>
+              <a:t> fol. 78221 </a:t>
+            </a:r>
+          </a:p>
+        </p:txBody>
+      </p:sp>
+      <p:sp>
+        <p:nvSpPr>
+          <p:cNvPr id="19" name="Rectangle 1">
+            <a:extLst>
+              <a:ext uri="{FF2B5EF4-FFF2-40B4-BE49-F238E27FC236}">
+                <a16:creationId xmlns:a16="http://schemas.microsoft.com/office/drawing/2014/main" id="{15D42EE5-BA93-489A-AF31-A69819F38D9D}"/>
+              </a:ext>
+            </a:extLst>
+          </p:cNvPr>
+          <p:cNvSpPr>
+            <a:spLocks noChangeArrowheads="1"/>
+          </p:cNvSpPr>
+          <p:nvPr/>
+        </p:nvSpPr>
+        <p:spPr bwMode="auto">
+          <a:xfrm>
+            <a:off x="6846220" y="4782807"/>
+            <a:ext cx="4681160" cy="553998"/>
+          </a:xfrm>
+          <a:prstGeom prst="rect">
+            <a:avLst/>
+          </a:prstGeom>
+          <a:solidFill>
+            <a:srgbClr val="FFFFFF"/>
+          </a:solidFill>
+          <a:ln>
+            <a:noFill/>
+          </a:ln>
+          <a:effectLst/>
+          <a:extLst>
+            <a:ext uri="{91240B29-F687-4F45-9708-019B960494DF}">
+              <a14:hiddenLine xmlns:a14="http://schemas.microsoft.com/office/drawing/2010/main" w="9525">
+                <a:solidFill>
+                  <a:schemeClr val="tx1"/>
+                </a:solidFill>
+                <a:miter lim="800000"/>
+                <a:headEnd/>
+                <a:tailEnd/>
+              </a14:hiddenLine>
+            </a:ext>
+            <a:ext uri="{AF507438-7753-43E0-B8FC-AC1667EBCBE1}">
+              <a14:hiddenEffects xmlns:a14="http://schemas.microsoft.com/office/drawing/2010/main">
+                <a:effectLst>
+                  <a:outerShdw dist="35921" dir="2700000" algn="ctr" rotWithShape="0">
+                    <a:schemeClr val="bg2"/>
+                  </a:outerShdw>
+                </a:effectLst>
+              </a14:hiddenEffects>
+            </a:ext>
+          </a:extLst>
+        </p:spPr>
+        <p:txBody>
+          <a:bodyPr vert="horz" wrap="square" lIns="0" tIns="0" rIns="0" bIns="0" numCol="1" anchor="ctr" anchorCtr="0" compatLnSpc="1">
+            <a:prstTxWarp prst="textNoShape">
+              <a:avLst/>
+            </a:prstTxWarp>
+            <a:spAutoFit/>
+          </a:bodyPr>
+          <a:lstStyle/>
+          <a:p>
+            <a:pPr marL="0" marR="0" lvl="0" indent="0" algn="ctr" defTabSz="914400" rtl="0" eaLnBrk="0" fontAlgn="base" latinLnBrk="0" hangingPunct="0">
+              <a:lnSpc>
+                <a:spcPct val="100000"/>
+              </a:lnSpc>
+              <a:spcBef>
+                <a:spcPct val="0"/>
+              </a:spcBef>
+              <a:spcAft>
+                <a:spcPct val="0"/>
+              </a:spcAft>
+              <a:buClrTx/>
+              <a:buSzTx/>
+              <a:buFontTx/>
+              <a:buNone/>
+              <a:tabLst/>
+            </a:pPr>
+            <a:r>
+              <a:rPr kumimoji="0" lang="es-MX" altLang="es-PE" sz="1200" i="0" u="none" strike="noStrike" cap="none" normalizeH="0" baseline="0" dirty="0">
+                <a:ln>
+                  <a:noFill/>
+                </a:ln>
+                <a:solidFill>
+                  <a:schemeClr val="accent5"/>
+                </a:solidFill>
+                <a:effectLst/>
+                <a:latin typeface="Courier New" panose="02070309020205020404" pitchFamily="49" charset="0"/>
+              </a:rPr>
+              <a:t>['carecer', 'ventanilla', '</a:t>
+            </a:r>
+            <a:r>
+              <a:rPr kumimoji="0" lang="es-MX" altLang="es-PE" sz="1200" i="0" u="none" strike="noStrike" cap="none" normalizeH="0" baseline="0" dirty="0" err="1">
+                <a:ln>
+                  <a:noFill/>
+                </a:ln>
+                <a:solidFill>
+                  <a:schemeClr val="accent5"/>
+                </a:solidFill>
+                <a:effectLst/>
+                <a:latin typeface="Courier New" panose="02070309020205020404" pitchFamily="49" charset="0"/>
+              </a:rPr>
+              <a:t>atencion</a:t>
+            </a:r>
+            <a:r>
+              <a:rPr kumimoji="0" lang="es-MX" altLang="es-PE" sz="1200" i="0" u="none" strike="noStrike" cap="none" normalizeH="0" baseline="0" dirty="0">
+                <a:ln>
+                  <a:noFill/>
+                </a:ln>
+                <a:solidFill>
+                  <a:schemeClr val="accent5"/>
+                </a:solidFill>
+                <a:effectLst/>
+                <a:latin typeface="Courier New" panose="02070309020205020404" pitchFamily="49" charset="0"/>
+              </a:rPr>
+              <a:t>', 'publico', 'cajero', 'demasiado', 'lento', 'falta', '</a:t>
+            </a:r>
+            <a:r>
+              <a:rPr kumimoji="0" lang="es-MX" altLang="es-PE" sz="1200" i="0" u="none" strike="noStrike" cap="none" normalizeH="0" baseline="0" dirty="0" err="1">
+                <a:ln>
+                  <a:noFill/>
+                </a:ln>
+                <a:solidFill>
+                  <a:schemeClr val="accent5"/>
+                </a:solidFill>
+                <a:effectLst/>
+                <a:latin typeface="Courier New" panose="02070309020205020404" pitchFamily="49" charset="0"/>
+              </a:rPr>
+              <a:t>empatiar</a:t>
+            </a:r>
+            <a:r>
+              <a:rPr kumimoji="0" lang="es-MX" altLang="es-PE" sz="1200" i="0" u="none" strike="noStrike" cap="none" normalizeH="0" baseline="0" dirty="0">
+                <a:ln>
+                  <a:noFill/>
+                </a:ln>
+                <a:solidFill>
+                  <a:schemeClr val="accent5"/>
+                </a:solidFill>
+                <a:effectLst/>
+                <a:latin typeface="Courier New" panose="02070309020205020404" pitchFamily="49" charset="0"/>
+              </a:rPr>
+              <a:t>', 'ingresado', 'libro', '</a:t>
+            </a:r>
+            <a:r>
+              <a:rPr kumimoji="0" lang="es-MX" altLang="es-PE" sz="1200" i="0" u="none" strike="noStrike" cap="none" normalizeH="0" baseline="0" dirty="0" err="1">
+                <a:ln>
+                  <a:noFill/>
+                </a:ln>
+                <a:solidFill>
+                  <a:schemeClr val="accent5"/>
+                </a:solidFill>
+                <a:effectLst/>
+                <a:latin typeface="Courier New" panose="02070309020205020404" pitchFamily="49" charset="0"/>
+              </a:rPr>
+              <a:t>respar</a:t>
+            </a:r>
+            <a:r>
+              <a:rPr kumimoji="0" lang="es-MX" altLang="es-PE" sz="1200" i="0" u="none" strike="noStrike" cap="none" normalizeH="0" baseline="0" dirty="0">
+                <a:ln>
+                  <a:noFill/>
+                </a:ln>
+                <a:solidFill>
+                  <a:schemeClr val="accent5"/>
+                </a:solidFill>
+                <a:effectLst/>
+                <a:latin typeface="Courier New" panose="02070309020205020404" pitchFamily="49" charset="0"/>
+              </a:rPr>
+              <a:t>']</a:t>
+            </a:r>
+          </a:p>
+        </p:txBody>
+      </p:sp>
+      <p:sp>
+        <p:nvSpPr>
+          <p:cNvPr id="20" name="Google Shape;111;p2">
+            <a:extLst>
+              <a:ext uri="{FF2B5EF4-FFF2-40B4-BE49-F238E27FC236}">
+                <a16:creationId xmlns:a16="http://schemas.microsoft.com/office/drawing/2014/main" id="{93DBA4B8-87D0-4D67-8235-C991B44331B8}"/>
+              </a:ext>
+            </a:extLst>
+          </p:cNvPr>
+          <p:cNvSpPr txBox="1"/>
+          <p:nvPr/>
+        </p:nvSpPr>
+        <p:spPr>
+          <a:xfrm>
+            <a:off x="1489860" y="4035764"/>
+            <a:ext cx="3349420" cy="1292621"/>
+          </a:xfrm>
+          <a:prstGeom prst="rect">
+            <a:avLst/>
+          </a:prstGeom>
+          <a:noFill/>
+          <a:ln>
+            <a:noFill/>
+          </a:ln>
+        </p:spPr>
+        <p:txBody>
+          <a:bodyPr spcFirstLastPara="1" wrap="square" lIns="91425" tIns="45700" rIns="91425" bIns="45700" anchor="t" anchorCtr="0">
+            <a:spAutoFit/>
+          </a:bodyPr>
+          <a:lstStyle/>
+          <a:p>
+            <a:pPr marR="0" lvl="0" defTabSz="914400" rtl="0" eaLnBrk="0" fontAlgn="base" latinLnBrk="0" hangingPunct="0">
+              <a:lnSpc>
+                <a:spcPct val="100000"/>
+              </a:lnSpc>
+              <a:spcBef>
+                <a:spcPct val="0"/>
+              </a:spcBef>
+              <a:spcAft>
+                <a:spcPct val="0"/>
+              </a:spcAft>
+              <a:buClrTx/>
+              <a:buSzTx/>
+              <a:tabLst/>
+            </a:pPr>
+            <a:r>
+              <a:rPr lang="es-PE" altLang="es-PE" dirty="0">
+                <a:latin typeface="Calibri" panose="020F0502020204030204" pitchFamily="34" charset="0"/>
+                <a:cs typeface="Calibri" panose="020F0502020204030204" pitchFamily="34" charset="0"/>
+              </a:rPr>
+              <a:t>Pasos de procesamiento de datos:</a:t>
+            </a:r>
+          </a:p>
+          <a:p>
+            <a:pPr marL="342900" marR="0" lvl="0" indent="-342900" defTabSz="914400" rtl="0" eaLnBrk="0" fontAlgn="base" latinLnBrk="0" hangingPunct="0">
+              <a:lnSpc>
+                <a:spcPct val="100000"/>
+              </a:lnSpc>
+              <a:spcBef>
+                <a:spcPct val="0"/>
+              </a:spcBef>
+              <a:spcAft>
+                <a:spcPct val="0"/>
+              </a:spcAft>
+              <a:buClrTx/>
+              <a:buSzTx/>
+              <a:buFont typeface="+mj-lt"/>
+              <a:buAutoNum type="arabicPeriod"/>
+              <a:tabLst/>
+            </a:pPr>
+            <a:r>
+              <a:rPr lang="es-PE" altLang="es-PE" dirty="0">
+                <a:latin typeface="Calibri" panose="020F0502020204030204" pitchFamily="34" charset="0"/>
+                <a:cs typeface="Calibri" panose="020F0502020204030204" pitchFamily="34" charset="0"/>
+              </a:rPr>
+              <a:t>Descripción</a:t>
+            </a:r>
+          </a:p>
+          <a:p>
+            <a:pPr marL="342900" indent="-342900" eaLnBrk="0" fontAlgn="base" hangingPunct="0">
+              <a:spcBef>
+                <a:spcPct val="0"/>
+              </a:spcBef>
+              <a:spcAft>
+                <a:spcPct val="0"/>
+              </a:spcAft>
+              <a:buFont typeface="+mj-lt"/>
+              <a:buAutoNum type="arabicPeriod"/>
+            </a:pPr>
+            <a:r>
+              <a:rPr lang="es-PE" altLang="es-PE" dirty="0">
+                <a:latin typeface="Calibri" panose="020F0502020204030204" pitchFamily="34" charset="0"/>
+                <a:cs typeface="Calibri" panose="020F0502020204030204" pitchFamily="34" charset="0"/>
+              </a:rPr>
+              <a:t>Texto limpio</a:t>
+            </a:r>
+            <a:endParaRPr kumimoji="0" lang="es-PE" altLang="es-PE" i="0" u="none" strike="noStrike" cap="none" normalizeH="0" baseline="0" dirty="0">
+              <a:ln>
+                <a:noFill/>
+              </a:ln>
+              <a:effectLst/>
+              <a:latin typeface="Calibri" panose="020F0502020204030204" pitchFamily="34" charset="0"/>
+              <a:cs typeface="Calibri" panose="020F0502020204030204" pitchFamily="34" charset="0"/>
+            </a:endParaRPr>
+          </a:p>
+          <a:p>
+            <a:pPr marL="342900" marR="0" lvl="0" indent="-342900" defTabSz="914400" rtl="0" eaLnBrk="0" fontAlgn="base" latinLnBrk="0" hangingPunct="0">
+              <a:lnSpc>
+                <a:spcPct val="100000"/>
+              </a:lnSpc>
+              <a:spcBef>
+                <a:spcPct val="0"/>
+              </a:spcBef>
+              <a:spcAft>
+                <a:spcPct val="0"/>
+              </a:spcAft>
+              <a:buClrTx/>
+              <a:buSzTx/>
+              <a:buFont typeface="+mj-lt"/>
+              <a:buAutoNum type="arabicPeriod"/>
+              <a:tabLst/>
+            </a:pPr>
+            <a:r>
+              <a:rPr kumimoji="0" lang="es-PE" altLang="es-PE" i="0" u="none" strike="noStrike" cap="none" normalizeH="0" baseline="0" dirty="0">
+                <a:ln>
+                  <a:noFill/>
+                </a:ln>
+                <a:effectLst/>
+                <a:latin typeface="Calibri" panose="020F0502020204030204" pitchFamily="34" charset="0"/>
+                <a:cs typeface="Calibri" panose="020F0502020204030204" pitchFamily="34" charset="0"/>
+              </a:rPr>
+              <a:t>Lema</a:t>
+            </a:r>
+          </a:p>
+          <a:p>
+            <a:pPr marL="0" marR="0" lvl="0" indent="0" algn="ctr" defTabSz="914400" rtl="0" eaLnBrk="0" fontAlgn="base" latinLnBrk="0" hangingPunct="0">
+              <a:lnSpc>
+                <a:spcPct val="100000"/>
+              </a:lnSpc>
+              <a:spcBef>
+                <a:spcPct val="0"/>
+              </a:spcBef>
+              <a:spcAft>
+                <a:spcPct val="0"/>
+              </a:spcAft>
+              <a:buClrTx/>
+              <a:buSzTx/>
+              <a:buFontTx/>
+              <a:buNone/>
+              <a:tabLst/>
+            </a:pPr>
+            <a:endParaRPr kumimoji="0" lang="es-PE" altLang="es-PE" sz="600" b="0" i="0" u="none" strike="noStrike" cap="none" normalizeH="0" baseline="0" dirty="0">
+              <a:ln>
+                <a:noFill/>
+              </a:ln>
+              <a:effectLst/>
+            </a:endParaRPr>
+          </a:p>
+        </p:txBody>
+      </p:sp>
+      <p:sp>
+        <p:nvSpPr>
+          <p:cNvPr id="26" name="CuadroTexto 25">
+            <a:extLst>
+              <a:ext uri="{FF2B5EF4-FFF2-40B4-BE49-F238E27FC236}">
+                <a16:creationId xmlns:a16="http://schemas.microsoft.com/office/drawing/2014/main" id="{DD01CE75-A86A-4E88-A6D6-B78F895FFFF1}"/>
+              </a:ext>
+            </a:extLst>
+          </p:cNvPr>
+          <p:cNvSpPr txBox="1"/>
+          <p:nvPr/>
+        </p:nvSpPr>
+        <p:spPr>
+          <a:xfrm>
+            <a:off x="6621035" y="2713842"/>
+            <a:ext cx="225185" cy="374237"/>
+          </a:xfrm>
+          <a:prstGeom prst="rect">
+            <a:avLst/>
+          </a:prstGeom>
+          <a:solidFill>
+            <a:schemeClr val="tx1"/>
+          </a:solidFill>
+        </p:spPr>
+        <p:txBody>
+          <a:bodyPr wrap="square">
+            <a:spAutoFit/>
+          </a:bodyPr>
+          <a:lstStyle/>
+          <a:p>
+            <a:pPr marR="0" lvl="0" algn="ctr" defTabSz="914400" rtl="0" eaLnBrk="0" fontAlgn="base" latinLnBrk="0" hangingPunct="0">
+              <a:lnSpc>
+                <a:spcPct val="100000"/>
+              </a:lnSpc>
+              <a:spcBef>
+                <a:spcPct val="0"/>
+              </a:spcBef>
+              <a:spcAft>
+                <a:spcPct val="0"/>
+              </a:spcAft>
+              <a:buClrTx/>
+              <a:buSzTx/>
+              <a:tabLst/>
+            </a:pPr>
+            <a:r>
+              <a:rPr lang="es-MX" altLang="es-PE" b="1" dirty="0">
+                <a:solidFill>
+                  <a:schemeClr val="bg1"/>
+                </a:solidFill>
+                <a:latin typeface="Calibri" panose="020F0502020204030204" pitchFamily="34" charset="0"/>
+                <a:cs typeface="Calibri" panose="020F0502020204030204" pitchFamily="34" charset="0"/>
+              </a:rPr>
+              <a:t>1</a:t>
+            </a:r>
+            <a:endParaRPr kumimoji="0" lang="es-PE" altLang="es-PE" b="1" i="0" u="none" strike="noStrike" cap="none" normalizeH="0" baseline="0" dirty="0">
+              <a:ln>
+                <a:noFill/>
+              </a:ln>
+              <a:effectLst/>
+              <a:latin typeface="Calibri" panose="020F0502020204030204" pitchFamily="34" charset="0"/>
+              <a:cs typeface="Calibri" panose="020F0502020204030204" pitchFamily="34" charset="0"/>
+            </a:endParaRPr>
+          </a:p>
+        </p:txBody>
+      </p:sp>
+      <p:sp>
+        <p:nvSpPr>
+          <p:cNvPr id="28" name="CuadroTexto 27">
+            <a:extLst>
+              <a:ext uri="{FF2B5EF4-FFF2-40B4-BE49-F238E27FC236}">
+                <a16:creationId xmlns:a16="http://schemas.microsoft.com/office/drawing/2014/main" id="{314D838B-F93E-4267-94EA-A48F2F11FAA2}"/>
+              </a:ext>
+            </a:extLst>
+          </p:cNvPr>
+          <p:cNvSpPr txBox="1"/>
+          <p:nvPr/>
+        </p:nvSpPr>
+        <p:spPr>
+          <a:xfrm>
+            <a:off x="6621035" y="3818577"/>
+            <a:ext cx="225185" cy="374237"/>
+          </a:xfrm>
+          <a:prstGeom prst="rect">
+            <a:avLst/>
+          </a:prstGeom>
+          <a:solidFill>
+            <a:schemeClr val="tx1"/>
+          </a:solidFill>
+        </p:spPr>
+        <p:txBody>
+          <a:bodyPr wrap="square">
+            <a:spAutoFit/>
+          </a:bodyPr>
+          <a:lstStyle/>
+          <a:p>
+            <a:pPr marR="0" lvl="0" algn="ctr" defTabSz="914400" rtl="0" eaLnBrk="0" fontAlgn="base" latinLnBrk="0" hangingPunct="0">
+              <a:lnSpc>
+                <a:spcPct val="100000"/>
+              </a:lnSpc>
+              <a:spcBef>
+                <a:spcPct val="0"/>
+              </a:spcBef>
+              <a:spcAft>
+                <a:spcPct val="0"/>
+              </a:spcAft>
+              <a:buClrTx/>
+              <a:buSzTx/>
+              <a:tabLst/>
+            </a:pPr>
+            <a:r>
+              <a:rPr kumimoji="0" lang="es-MX" altLang="es-PE" b="1" i="0" u="none" strike="noStrike" cap="none" normalizeH="0" baseline="0" dirty="0">
+                <a:ln>
+                  <a:noFill/>
+                </a:ln>
+                <a:solidFill>
+                  <a:schemeClr val="bg1"/>
+                </a:solidFill>
+                <a:effectLst/>
+                <a:latin typeface="Calibri" panose="020F0502020204030204" pitchFamily="34" charset="0"/>
+                <a:cs typeface="Calibri" panose="020F0502020204030204" pitchFamily="34" charset="0"/>
+              </a:rPr>
+              <a:t>2</a:t>
+            </a:r>
+            <a:endParaRPr kumimoji="0" lang="es-PE" altLang="es-PE" b="1" i="0" u="none" strike="noStrike" cap="none" normalizeH="0" baseline="0" dirty="0">
+              <a:ln>
+                <a:noFill/>
+              </a:ln>
+              <a:effectLst/>
+              <a:latin typeface="Calibri" panose="020F0502020204030204" pitchFamily="34" charset="0"/>
+              <a:cs typeface="Calibri" panose="020F0502020204030204" pitchFamily="34" charset="0"/>
+            </a:endParaRPr>
+          </a:p>
+        </p:txBody>
+      </p:sp>
+      <p:sp>
+        <p:nvSpPr>
+          <p:cNvPr id="29" name="CuadroTexto 28">
+            <a:extLst>
+              <a:ext uri="{FF2B5EF4-FFF2-40B4-BE49-F238E27FC236}">
+                <a16:creationId xmlns:a16="http://schemas.microsoft.com/office/drawing/2014/main" id="{6C19B810-4E7C-4992-8FD8-9F45F91FAFD0}"/>
+              </a:ext>
+            </a:extLst>
+          </p:cNvPr>
+          <p:cNvSpPr txBox="1"/>
+          <p:nvPr/>
+        </p:nvSpPr>
+        <p:spPr>
+          <a:xfrm>
+            <a:off x="6621035" y="4962568"/>
+            <a:ext cx="225185" cy="374237"/>
+          </a:xfrm>
+          <a:prstGeom prst="rect">
+            <a:avLst/>
+          </a:prstGeom>
+          <a:solidFill>
+            <a:schemeClr val="tx1"/>
+          </a:solidFill>
+        </p:spPr>
+        <p:txBody>
+          <a:bodyPr wrap="square">
+            <a:spAutoFit/>
+          </a:bodyPr>
+          <a:lstStyle/>
+          <a:p>
+            <a:pPr marR="0" lvl="0" algn="ctr" defTabSz="914400" rtl="0" eaLnBrk="0" fontAlgn="base" latinLnBrk="0" hangingPunct="0">
+              <a:lnSpc>
+                <a:spcPct val="100000"/>
+              </a:lnSpc>
+              <a:spcBef>
+                <a:spcPct val="0"/>
+              </a:spcBef>
+              <a:spcAft>
+                <a:spcPct val="0"/>
+              </a:spcAft>
+              <a:buClrTx/>
+              <a:buSzTx/>
+              <a:tabLst/>
+            </a:pPr>
+            <a:r>
+              <a:rPr kumimoji="0" lang="es-MX" altLang="es-PE" b="1" i="0" u="none" strike="noStrike" cap="none" normalizeH="0" baseline="0" dirty="0">
+                <a:ln>
+                  <a:noFill/>
+                </a:ln>
+                <a:solidFill>
+                  <a:schemeClr val="bg1"/>
+                </a:solidFill>
+                <a:effectLst/>
+                <a:latin typeface="Calibri" panose="020F0502020204030204" pitchFamily="34" charset="0"/>
+                <a:cs typeface="Calibri" panose="020F0502020204030204" pitchFamily="34" charset="0"/>
+              </a:rPr>
+              <a:t>3</a:t>
+            </a:r>
+            <a:endParaRPr kumimoji="0" lang="es-PE" altLang="es-PE" b="1" i="0" u="none" strike="noStrike" cap="none" normalizeH="0" baseline="0" dirty="0">
+              <a:ln>
+                <a:noFill/>
+              </a:ln>
+              <a:effectLst/>
+              <a:latin typeface="Calibri" panose="020F0502020204030204" pitchFamily="34" charset="0"/>
+              <a:cs typeface="Calibri" panose="020F0502020204030204" pitchFamily="34" charset="0"/>
+            </a:endParaRPr>
+          </a:p>
+        </p:txBody>
+      </p:sp>
+      <p:cxnSp>
+        <p:nvCxnSpPr>
+          <p:cNvPr id="30" name="Conector recto 29">
+            <a:extLst>
+              <a:ext uri="{FF2B5EF4-FFF2-40B4-BE49-F238E27FC236}">
+                <a16:creationId xmlns:a16="http://schemas.microsoft.com/office/drawing/2014/main" id="{51F1CF5C-3F46-4DE2-8821-8960B7CCFC74}"/>
+              </a:ext>
+            </a:extLst>
+          </p:cNvPr>
+          <p:cNvCxnSpPr>
+            <a:cxnSpLocks/>
+          </p:cNvCxnSpPr>
+          <p:nvPr/>
+        </p:nvCxnSpPr>
+        <p:spPr>
+          <a:xfrm>
+            <a:off x="6088177" y="1778494"/>
+            <a:ext cx="7823" cy="4294502"/>
+          </a:xfrm>
+          <a:prstGeom prst="line">
+            <a:avLst/>
+          </a:prstGeom>
+        </p:spPr>
+        <p:style>
+          <a:lnRef idx="1">
+            <a:schemeClr val="dk1"/>
+          </a:lnRef>
+          <a:fillRef idx="0">
+            <a:schemeClr val="dk1"/>
+          </a:fillRef>
+          <a:effectRef idx="0">
+            <a:schemeClr val="dk1"/>
+          </a:effectRef>
+          <a:fontRef idx="minor">
+            <a:schemeClr val="tx1"/>
+          </a:fontRef>
+        </p:style>
+      </p:cxnSp>
+      <p:sp>
+        <p:nvSpPr>
+          <p:cNvPr id="21" name="Google Shape;111;p2">
+            <a:extLst>
+              <a:ext uri="{FF2B5EF4-FFF2-40B4-BE49-F238E27FC236}">
+                <a16:creationId xmlns:a16="http://schemas.microsoft.com/office/drawing/2014/main" id="{D7E9A53A-254C-4D14-A88F-956665D850C9}"/>
+              </a:ext>
+            </a:extLst>
+          </p:cNvPr>
+          <p:cNvSpPr txBox="1"/>
+          <p:nvPr/>
+        </p:nvSpPr>
+        <p:spPr>
+          <a:xfrm>
+            <a:off x="6846220" y="1938955"/>
+            <a:ext cx="4102499" cy="492402"/>
+          </a:xfrm>
+          <a:prstGeom prst="rect">
+            <a:avLst/>
+          </a:prstGeom>
+          <a:noFill/>
+          <a:ln>
+            <a:noFill/>
+          </a:ln>
+        </p:spPr>
+        <p:txBody>
+          <a:bodyPr spcFirstLastPara="1" wrap="square" lIns="91425" tIns="45700" rIns="91425" bIns="45700" anchor="t" anchorCtr="0">
+            <a:spAutoFit/>
+          </a:bodyPr>
+          <a:lstStyle/>
+          <a:p>
+            <a:pPr marL="0" marR="0" lvl="0" indent="0" algn="ctr" defTabSz="914400" rtl="0" eaLnBrk="0" fontAlgn="base" latinLnBrk="0" hangingPunct="0">
+              <a:lnSpc>
+                <a:spcPct val="100000"/>
+              </a:lnSpc>
+              <a:spcBef>
+                <a:spcPct val="0"/>
+              </a:spcBef>
+              <a:spcAft>
+                <a:spcPct val="0"/>
+              </a:spcAft>
+              <a:buClrTx/>
+              <a:buSzTx/>
+              <a:buFontTx/>
+              <a:buNone/>
+              <a:tabLst/>
+            </a:pPr>
+            <a:r>
+              <a:rPr kumimoji="0" lang="es-PE" altLang="es-PE" sz="2000" b="1" i="0" u="none" strike="noStrike" cap="none" normalizeH="0" baseline="0" dirty="0">
+                <a:ln>
+                  <a:noFill/>
+                </a:ln>
+                <a:solidFill>
+                  <a:srgbClr val="000000"/>
+                </a:solidFill>
+                <a:effectLst/>
+                <a:latin typeface="Calibri" panose="020F0502020204030204" pitchFamily="34" charset="0"/>
+                <a:cs typeface="Calibri" panose="020F0502020204030204" pitchFamily="34" charset="0"/>
+              </a:rPr>
+              <a:t>Procesamiento de texto</a:t>
+            </a:r>
+          </a:p>
+          <a:p>
+            <a:pPr marL="0" marR="0" lvl="0" indent="0" algn="ctr" defTabSz="914400" rtl="0" eaLnBrk="0" fontAlgn="base" latinLnBrk="0" hangingPunct="0">
+              <a:lnSpc>
+                <a:spcPct val="100000"/>
+              </a:lnSpc>
+              <a:spcBef>
+                <a:spcPct val="0"/>
+              </a:spcBef>
+              <a:spcAft>
+                <a:spcPct val="0"/>
+              </a:spcAft>
+              <a:buClrTx/>
+              <a:buSzTx/>
+              <a:buFontTx/>
+              <a:buNone/>
+              <a:tabLst/>
+            </a:pPr>
+            <a:endParaRPr kumimoji="0" lang="es-PE" altLang="es-PE" sz="600" b="0" i="0" u="none" strike="noStrike" cap="none" normalizeH="0" baseline="0" dirty="0">
+              <a:ln>
+                <a:noFill/>
+              </a:ln>
+              <a:solidFill>
+                <a:schemeClr val="tx1"/>
+              </a:solidFill>
+              <a:effectLst/>
+            </a:endParaRPr>
           </a:p>
         </p:txBody>
       </p:sp>
     </p:spTree>
     <p:extLst>
       <p:ext uri="{BB962C8B-B14F-4D97-AF65-F5344CB8AC3E}">
-        <p14:creationId xmlns:p14="http://schemas.microsoft.com/office/powerpoint/2010/main" val="3414945872"/>
+        <p14:creationId xmlns:p14="http://schemas.microsoft.com/office/powerpoint/2010/main" val="684866759"/>
       </p:ext>
     </p:extLst>
   </p:cSld>

--- a/BancoNacion/documentos/Reclamos.pptx
+++ b/BancoNacion/documentos/Reclamos.pptx
@@ -133,7 +133,7 @@
   <pc:docChgLst>
     <pc:chgData name="John K. Barrera" userId="ff20ac3aac775278" providerId="LiveId" clId="{D2B16D9E-8DC3-4D4C-927D-0F5AA29F5383}"/>
     <pc:docChg chg="undo redo custSel addSld delSld modSld sldOrd">
-      <pc:chgData name="John K. Barrera" userId="ff20ac3aac775278" providerId="LiveId" clId="{D2B16D9E-8DC3-4D4C-927D-0F5AA29F5383}" dt="2022-03-09T12:01:53.539" v="6967" actId="1076"/>
+      <pc:chgData name="John K. Barrera" userId="ff20ac3aac775278" providerId="LiveId" clId="{D2B16D9E-8DC3-4D4C-927D-0F5AA29F5383}" dt="2022-03-09T17:44:45.888" v="7030" actId="114"/>
       <pc:docMkLst>
         <pc:docMk/>
       </pc:docMkLst>
@@ -1561,7 +1561,7 @@
         </pc:cxnChg>
       </pc:sldChg>
       <pc:sldChg chg="addSp delSp modSp add mod">
-        <pc:chgData name="John K. Barrera" userId="ff20ac3aac775278" providerId="LiveId" clId="{D2B16D9E-8DC3-4D4C-927D-0F5AA29F5383}" dt="2022-03-09T12:01:53.539" v="6967" actId="1076"/>
+        <pc:chgData name="John K. Barrera" userId="ff20ac3aac775278" providerId="LiveId" clId="{D2B16D9E-8DC3-4D4C-927D-0F5AA29F5383}" dt="2022-03-09T17:44:45.888" v="7030" actId="114"/>
         <pc:sldMkLst>
           <pc:docMk/>
           <pc:sldMk cId="589919183" sldId="386"/>
@@ -1583,7 +1583,7 @@
           </ac:spMkLst>
         </pc:spChg>
         <pc:spChg chg="mod">
-          <ac:chgData name="John K. Barrera" userId="ff20ac3aac775278" providerId="LiveId" clId="{D2B16D9E-8DC3-4D4C-927D-0F5AA29F5383}" dt="2022-03-09T11:47:54.426" v="6382" actId="313"/>
+          <ac:chgData name="John K. Barrera" userId="ff20ac3aac775278" providerId="LiveId" clId="{D2B16D9E-8DC3-4D4C-927D-0F5AA29F5383}" dt="2022-03-09T17:44:38.493" v="7028" actId="20577"/>
           <ac:spMkLst>
             <pc:docMk/>
             <pc:sldMk cId="589919183" sldId="386"/>
@@ -1607,7 +1607,7 @@
           </ac:spMkLst>
         </pc:spChg>
         <pc:spChg chg="mod">
-          <ac:chgData name="John K. Barrera" userId="ff20ac3aac775278" providerId="LiveId" clId="{D2B16D9E-8DC3-4D4C-927D-0F5AA29F5383}" dt="2022-03-09T12:01:07.014" v="6964" actId="1076"/>
+          <ac:chgData name="John K. Barrera" userId="ff20ac3aac775278" providerId="LiveId" clId="{D2B16D9E-8DC3-4D4C-927D-0F5AA29F5383}" dt="2022-03-09T17:44:45.888" v="7030" actId="114"/>
           <ac:spMkLst>
             <pc:docMk/>
             <pc:sldMk cId="589919183" sldId="386"/>
@@ -1820,7 +1820,7 @@
           <a:p>
             <a:fld id="{4AA3995C-CEF4-46C5-822A-4E0ABA58EA45}" type="datetimeFigureOut">
               <a:rPr lang="en-US" smtClean="0"/>
-              <a:t>3/8/2022</a:t>
+              <a:t>3/9/2022</a:t>
             </a:fld>
             <a:endParaRPr lang="en-US"/>
           </a:p>
@@ -2274,7 +2274,7 @@
           <a:p>
             <a:fld id="{903304DD-1A9B-465F-A981-8B6D85F33039}" type="datetimeFigureOut">
               <a:rPr lang="en-US" smtClean="0"/>
-              <a:t>3/8/2022</a:t>
+              <a:t>3/9/2022</a:t>
             </a:fld>
             <a:endParaRPr lang="en-US"/>
           </a:p>
@@ -2577,7 +2577,7 @@
           <a:p>
             <a:fld id="{903304DD-1A9B-465F-A981-8B6D85F33039}" type="datetimeFigureOut">
               <a:rPr lang="en-US" smtClean="0"/>
-              <a:t>3/8/2022</a:t>
+              <a:t>3/9/2022</a:t>
             </a:fld>
             <a:endParaRPr lang="en-US"/>
           </a:p>
@@ -2747,7 +2747,7 @@
           <a:p>
             <a:fld id="{903304DD-1A9B-465F-A981-8B6D85F33039}" type="datetimeFigureOut">
               <a:rPr lang="en-US" smtClean="0"/>
-              <a:t>3/8/2022</a:t>
+              <a:t>3/9/2022</a:t>
             </a:fld>
             <a:endParaRPr lang="en-US"/>
           </a:p>
@@ -2927,7 +2927,7 @@
           <a:p>
             <a:fld id="{903304DD-1A9B-465F-A981-8B6D85F33039}" type="datetimeFigureOut">
               <a:rPr lang="en-US" smtClean="0"/>
-              <a:t>3/8/2022</a:t>
+              <a:t>3/9/2022</a:t>
             </a:fld>
             <a:endParaRPr lang="en-US"/>
           </a:p>
@@ -3161,7 +3161,7 @@
           <a:p>
             <a:fld id="{903304DD-1A9B-465F-A981-8B6D85F33039}" type="datetimeFigureOut">
               <a:rPr lang="en-US" smtClean="0"/>
-              <a:t>3/8/2022</a:t>
+              <a:t>3/9/2022</a:t>
             </a:fld>
             <a:endParaRPr lang="en-US"/>
           </a:p>
@@ -3359,7 +3359,7 @@
           <a:p>
             <a:fld id="{903304DD-1A9B-465F-A981-8B6D85F33039}" type="datetimeFigureOut">
               <a:rPr lang="en-US" smtClean="0"/>
-              <a:t>3/8/2022</a:t>
+              <a:t>3/9/2022</a:t>
             </a:fld>
             <a:endParaRPr lang="en-US"/>
           </a:p>
@@ -3605,7 +3605,7 @@
           <a:p>
             <a:fld id="{903304DD-1A9B-465F-A981-8B6D85F33039}" type="datetimeFigureOut">
               <a:rPr lang="en-US" smtClean="0"/>
-              <a:t>3/8/2022</a:t>
+              <a:t>3/9/2022</a:t>
             </a:fld>
             <a:endParaRPr lang="en-US"/>
           </a:p>
@@ -3837,7 +3837,7 @@
           <a:p>
             <a:fld id="{903304DD-1A9B-465F-A981-8B6D85F33039}" type="datetimeFigureOut">
               <a:rPr lang="en-US" smtClean="0"/>
-              <a:t>3/8/2022</a:t>
+              <a:t>3/9/2022</a:t>
             </a:fld>
             <a:endParaRPr lang="en-US"/>
           </a:p>
@@ -4204,7 +4204,7 @@
           <a:p>
             <a:fld id="{903304DD-1A9B-465F-A981-8B6D85F33039}" type="datetimeFigureOut">
               <a:rPr lang="en-US" smtClean="0"/>
-              <a:t>3/8/2022</a:t>
+              <a:t>3/9/2022</a:t>
             </a:fld>
             <a:endParaRPr lang="en-US"/>
           </a:p>
@@ -4322,7 +4322,7 @@
           <a:p>
             <a:fld id="{903304DD-1A9B-465F-A981-8B6D85F33039}" type="datetimeFigureOut">
               <a:rPr lang="en-US" smtClean="0"/>
-              <a:t>3/8/2022</a:t>
+              <a:t>3/9/2022</a:t>
             </a:fld>
             <a:endParaRPr lang="en-US"/>
           </a:p>
@@ -4417,7 +4417,7 @@
           <a:p>
             <a:fld id="{903304DD-1A9B-465F-A981-8B6D85F33039}" type="datetimeFigureOut">
               <a:rPr lang="en-US" smtClean="0"/>
-              <a:t>3/8/2022</a:t>
+              <a:t>3/9/2022</a:t>
             </a:fld>
             <a:endParaRPr lang="en-US"/>
           </a:p>
@@ -4694,7 +4694,7 @@
           <a:p>
             <a:fld id="{903304DD-1A9B-465F-A981-8B6D85F33039}" type="datetimeFigureOut">
               <a:rPr lang="en-US" smtClean="0"/>
-              <a:t>3/8/2022</a:t>
+              <a:t>3/9/2022</a:t>
             </a:fld>
             <a:endParaRPr lang="en-US"/>
           </a:p>
@@ -4907,7 +4907,7 @@
           <a:p>
             <a:fld id="{903304DD-1A9B-465F-A981-8B6D85F33039}" type="datetimeFigureOut">
               <a:rPr lang="en-US" smtClean="0"/>
-              <a:t>3/8/2022</a:t>
+              <a:t>3/9/2022</a:t>
             </a:fld>
             <a:endParaRPr lang="en-US"/>
           </a:p>
@@ -5843,8 +5843,8 @@
         </p:nvSpPr>
         <p:spPr>
           <a:xfrm>
-            <a:off x="1049838" y="6430726"/>
-            <a:ext cx="4906345" cy="292347"/>
+            <a:off x="971608" y="6093017"/>
+            <a:ext cx="4906345" cy="492402"/>
           </a:xfrm>
           <a:prstGeom prst="rect">
             <a:avLst/>
@@ -5888,7 +5888,7 @@
                 <a:latin typeface="Calibri" panose="020F0502020204030204" pitchFamily="34" charset="0"/>
                 <a:cs typeface="Calibri" panose="020F0502020204030204" pitchFamily="34" charset="0"/>
               </a:rPr>
-              <a:t>(*) Después de este piloto extenderemos el modelo a otros servicios.</a:t>
+              <a:t>(*) Después de este piloto extenderemos el modelo a otros servicios, y se comparara con la bolsa de palabras generada.</a:t>
             </a:r>
             <a:endParaRPr kumimoji="0" lang="es-PE" altLang="es-PE" sz="600" b="0" i="0" u="none" strike="noStrike" cap="none" normalizeH="0" baseline="0" dirty="0">
               <a:ln>
@@ -5916,7 +5916,7 @@
         </p:nvSpPr>
         <p:spPr>
           <a:xfrm>
-            <a:off x="1398913" y="1218916"/>
+            <a:off x="1398913" y="1203085"/>
             <a:ext cx="3361536" cy="461624"/>
           </a:xfrm>
           <a:prstGeom prst="rect">
@@ -5957,10 +5957,20 @@
                 <a:latin typeface="Calibri" panose="020F0502020204030204" pitchFamily="34" charset="0"/>
                 <a:cs typeface="Calibri" panose="020F0502020204030204" pitchFamily="34" charset="0"/>
               </a:rPr>
-              <a:t>Bolsa de palabras - Bag </a:t>
-            </a:r>
-            <a:r>
-              <a:rPr lang="es-PE" altLang="es-PE" b="1" dirty="0" err="1">
+              <a:t>Bolsa de palabras - </a:t>
+            </a:r>
+            <a:r>
+              <a:rPr lang="es-PE" altLang="es-PE" b="1" i="1" dirty="0">
+                <a:solidFill>
+                  <a:srgbClr val="000000"/>
+                </a:solidFill>
+                <a:latin typeface="Calibri" panose="020F0502020204030204" pitchFamily="34" charset="0"/>
+                <a:cs typeface="Calibri" panose="020F0502020204030204" pitchFamily="34" charset="0"/>
+              </a:rPr>
+              <a:t>Bag </a:t>
+            </a:r>
+            <a:r>
+              <a:rPr lang="es-PE" altLang="es-PE" b="1" i="1" dirty="0" err="1">
                 <a:solidFill>
                   <a:srgbClr val="000000"/>
                 </a:solidFill>
@@ -5970,7 +5980,7 @@
               <a:t>of</a:t>
             </a:r>
             <a:r>
-              <a:rPr lang="es-PE" altLang="es-PE" b="1" dirty="0">
+              <a:rPr lang="es-PE" altLang="es-PE" b="1" i="1" dirty="0">
                 <a:solidFill>
                   <a:srgbClr val="000000"/>
                 </a:solidFill>
@@ -5980,7 +5990,7 @@
               <a:t> </a:t>
             </a:r>
             <a:r>
-              <a:rPr lang="es-PE" altLang="es-PE" b="1" dirty="0" err="1">
+              <a:rPr lang="es-PE" altLang="es-PE" b="1" i="1" dirty="0" err="1">
                 <a:solidFill>
                   <a:srgbClr val="000000"/>
                 </a:solidFill>
@@ -5989,7 +5999,7 @@
               </a:rPr>
               <a:t>Words</a:t>
             </a:r>
-            <a:endParaRPr kumimoji="0" lang="es-PE" altLang="es-PE" b="1" i="0" u="none" strike="noStrike" cap="none" normalizeH="0" baseline="0" dirty="0">
+            <a:endParaRPr kumimoji="0" lang="es-PE" altLang="es-PE" b="1" i="1" u="none" strike="noStrike" cap="none" normalizeH="0" baseline="0" dirty="0">
               <a:ln>
                 <a:noFill/>
               </a:ln>

--- a/BancoNacion/documentos/Reclamos.pptx
+++ b/BancoNacion/documentos/Reclamos.pptx
@@ -5,7 +5,7 @@
     <p:sldMasterId id="2147483660" r:id="rId1"/>
   </p:sldMasterIdLst>
   <p:notesMasterIdLst>
-    <p:notesMasterId r:id="rId16"/>
+    <p:notesMasterId r:id="rId18"/>
   </p:notesMasterIdLst>
   <p:sldIdLst>
     <p:sldId id="371" r:id="rId2"/>
@@ -18,10 +18,12 @@
     <p:sldId id="385" r:id="rId9"/>
     <p:sldId id="387" r:id="rId10"/>
     <p:sldId id="386" r:id="rId11"/>
-    <p:sldId id="379" r:id="rId12"/>
-    <p:sldId id="384" r:id="rId13"/>
-    <p:sldId id="377" r:id="rId14"/>
-    <p:sldId id="381" r:id="rId15"/>
+    <p:sldId id="388" r:id="rId12"/>
+    <p:sldId id="389" r:id="rId13"/>
+    <p:sldId id="390" r:id="rId14"/>
+    <p:sldId id="384" r:id="rId15"/>
+    <p:sldId id="377" r:id="rId16"/>
+    <p:sldId id="381" r:id="rId17"/>
   </p:sldIdLst>
   <p:sldSz cx="12192000" cy="6858000"/>
   <p:notesSz cx="6858000" cy="9144000"/>
@@ -133,7 +135,7 @@
   <pc:docChgLst>
     <pc:chgData name="John K. Barrera" userId="ff20ac3aac775278" providerId="LiveId" clId="{D2B16D9E-8DC3-4D4C-927D-0F5AA29F5383}"/>
     <pc:docChg chg="undo redo custSel addSld delSld modSld sldOrd">
-      <pc:chgData name="John K. Barrera" userId="ff20ac3aac775278" providerId="LiveId" clId="{D2B16D9E-8DC3-4D4C-927D-0F5AA29F5383}" dt="2022-03-09T17:44:45.888" v="7030" actId="114"/>
+      <pc:chgData name="John K. Barrera" userId="ff20ac3aac775278" providerId="LiveId" clId="{D2B16D9E-8DC3-4D4C-927D-0F5AA29F5383}" dt="2022-03-16T05:49:50.906" v="11212" actId="20577"/>
       <pc:docMkLst>
         <pc:docMk/>
       </pc:docMkLst>
@@ -938,18 +940,34 @@
           </ac:picMkLst>
         </pc:picChg>
       </pc:sldChg>
-      <pc:sldChg chg="delSp modSp add del mod">
-        <pc:chgData name="John K. Barrera" userId="ff20ac3aac775278" providerId="LiveId" clId="{D2B16D9E-8DC3-4D4C-927D-0F5AA29F5383}" dt="2022-03-02T03:07:25.952" v="5005" actId="47"/>
+      <pc:sldChg chg="addSp delSp modSp add del mod">
+        <pc:chgData name="John K. Barrera" userId="ff20ac3aac775278" providerId="LiveId" clId="{D2B16D9E-8DC3-4D4C-927D-0F5AA29F5383}" dt="2022-03-16T05:23:22.948" v="8508" actId="47"/>
         <pc:sldMkLst>
           <pc:docMk/>
           <pc:sldMk cId="2340975762" sldId="379"/>
         </pc:sldMkLst>
+        <pc:spChg chg="add mod">
+          <ac:chgData name="John K. Barrera" userId="ff20ac3aac775278" providerId="LiveId" clId="{D2B16D9E-8DC3-4D4C-927D-0F5AA29F5383}" dt="2022-03-16T05:19:41.777" v="8451" actId="108"/>
+          <ac:spMkLst>
+            <pc:docMk/>
+            <pc:sldMk cId="2340975762" sldId="379"/>
+            <ac:spMk id="2" creationId="{90988243-245C-42FF-BBDB-00AC2F18C6D7}"/>
+          </ac:spMkLst>
+        </pc:spChg>
         <pc:spChg chg="mod">
           <ac:chgData name="John K. Barrera" userId="ff20ac3aac775278" providerId="LiveId" clId="{D2B16D9E-8DC3-4D4C-927D-0F5AA29F5383}" dt="2022-03-02T02:05:29.866" v="4380" actId="313"/>
           <ac:spMkLst>
             <pc:docMk/>
             <pc:sldMk cId="2340975762" sldId="379"/>
             <ac:spMk id="5" creationId="{48D2A9BD-EBF3-4CF7-A61E-49631D4D1DBB}"/>
+          </ac:spMkLst>
+        </pc:spChg>
+        <pc:spChg chg="add mod">
+          <ac:chgData name="John K. Barrera" userId="ff20ac3aac775278" providerId="LiveId" clId="{D2B16D9E-8DC3-4D4C-927D-0F5AA29F5383}" dt="2022-03-16T05:19:17.857" v="8446" actId="1076"/>
+          <ac:spMkLst>
+            <pc:docMk/>
+            <pc:sldMk cId="2340975762" sldId="379"/>
+            <ac:spMk id="8" creationId="{10C3885B-09C1-459F-953B-B5EA0721F982}"/>
           </ac:spMkLst>
         </pc:spChg>
         <pc:graphicFrameChg chg="del mod">
@@ -1733,6 +1751,547 @@
           </ac:cxnSpMkLst>
         </pc:cxnChg>
       </pc:sldChg>
+      <pc:sldChg chg="addSp delSp modSp add mod">
+        <pc:chgData name="John K. Barrera" userId="ff20ac3aac775278" providerId="LiveId" clId="{D2B16D9E-8DC3-4D4C-927D-0F5AA29F5383}" dt="2022-03-16T05:38:03.975" v="9644" actId="14100"/>
+        <pc:sldMkLst>
+          <pc:docMk/>
+          <pc:sldMk cId="1669639385" sldId="388"/>
+        </pc:sldMkLst>
+        <pc:spChg chg="mod">
+          <ac:chgData name="John K. Barrera" userId="ff20ac3aac775278" providerId="LiveId" clId="{D2B16D9E-8DC3-4D4C-927D-0F5AA29F5383}" dt="2022-03-16T05:03:22.887" v="7854" actId="20577"/>
+          <ac:spMkLst>
+            <pc:docMk/>
+            <pc:sldMk cId="1669639385" sldId="388"/>
+            <ac:spMk id="5" creationId="{48D2A9BD-EBF3-4CF7-A61E-49631D4D1DBB}"/>
+          </ac:spMkLst>
+        </pc:spChg>
+        <pc:spChg chg="del">
+          <ac:chgData name="John K. Barrera" userId="ff20ac3aac775278" providerId="LiveId" clId="{D2B16D9E-8DC3-4D4C-927D-0F5AA29F5383}" dt="2022-03-15T21:02:48.428" v="7044" actId="478"/>
+          <ac:spMkLst>
+            <pc:docMk/>
+            <pc:sldMk cId="1669639385" sldId="388"/>
+            <ac:spMk id="7" creationId="{E16F2D60-BC2C-4C9E-8C34-68F88E2BC9CD}"/>
+          </ac:spMkLst>
+        </pc:spChg>
+        <pc:spChg chg="mod">
+          <ac:chgData name="John K. Barrera" userId="ff20ac3aac775278" providerId="LiveId" clId="{D2B16D9E-8DC3-4D4C-927D-0F5AA29F5383}" dt="2022-03-16T05:02:59.850" v="7850" actId="313"/>
+          <ac:spMkLst>
+            <pc:docMk/>
+            <pc:sldMk cId="1669639385" sldId="388"/>
+            <ac:spMk id="12" creationId="{002F249E-01CD-4A15-802F-2FC4DE855BEF}"/>
+          </ac:spMkLst>
+        </pc:spChg>
+        <pc:spChg chg="del">
+          <ac:chgData name="John K. Barrera" userId="ff20ac3aac775278" providerId="LiveId" clId="{D2B16D9E-8DC3-4D4C-927D-0F5AA29F5383}" dt="2022-03-15T21:02:55.112" v="7045" actId="478"/>
+          <ac:spMkLst>
+            <pc:docMk/>
+            <pc:sldMk cId="1669639385" sldId="388"/>
+            <ac:spMk id="15" creationId="{DA903829-C857-466F-8663-51CF8927D68D}"/>
+          </ac:spMkLst>
+        </pc:spChg>
+        <pc:spChg chg="del">
+          <ac:chgData name="John K. Barrera" userId="ff20ac3aac775278" providerId="LiveId" clId="{D2B16D9E-8DC3-4D4C-927D-0F5AA29F5383}" dt="2022-03-15T21:02:48.428" v="7044" actId="478"/>
+          <ac:spMkLst>
+            <pc:docMk/>
+            <pc:sldMk cId="1669639385" sldId="388"/>
+            <ac:spMk id="17" creationId="{34F8657C-D213-4E11-9EC3-19F8C085075A}"/>
+          </ac:spMkLst>
+        </pc:spChg>
+        <pc:spChg chg="del">
+          <ac:chgData name="John K. Barrera" userId="ff20ac3aac775278" providerId="LiveId" clId="{D2B16D9E-8DC3-4D4C-927D-0F5AA29F5383}" dt="2022-03-15T21:02:48.428" v="7044" actId="478"/>
+          <ac:spMkLst>
+            <pc:docMk/>
+            <pc:sldMk cId="1669639385" sldId="388"/>
+            <ac:spMk id="19" creationId="{15D42EE5-BA93-489A-AF31-A69819F38D9D}"/>
+          </ac:spMkLst>
+        </pc:spChg>
+        <pc:spChg chg="del">
+          <ac:chgData name="John K. Barrera" userId="ff20ac3aac775278" providerId="LiveId" clId="{D2B16D9E-8DC3-4D4C-927D-0F5AA29F5383}" dt="2022-03-15T21:02:48.428" v="7044" actId="478"/>
+          <ac:spMkLst>
+            <pc:docMk/>
+            <pc:sldMk cId="1669639385" sldId="388"/>
+            <ac:spMk id="20" creationId="{93DBA4B8-87D0-4D67-8235-C991B44331B8}"/>
+          </ac:spMkLst>
+        </pc:spChg>
+        <pc:spChg chg="del">
+          <ac:chgData name="John K. Barrera" userId="ff20ac3aac775278" providerId="LiveId" clId="{D2B16D9E-8DC3-4D4C-927D-0F5AA29F5383}" dt="2022-03-15T21:02:48.428" v="7044" actId="478"/>
+          <ac:spMkLst>
+            <pc:docMk/>
+            <pc:sldMk cId="1669639385" sldId="388"/>
+            <ac:spMk id="21" creationId="{D7E9A53A-254C-4D14-A88F-956665D850C9}"/>
+          </ac:spMkLst>
+        </pc:spChg>
+        <pc:spChg chg="add mod">
+          <ac:chgData name="John K. Barrera" userId="ff20ac3aac775278" providerId="LiveId" clId="{D2B16D9E-8DC3-4D4C-927D-0F5AA29F5383}" dt="2022-03-16T05:11:26.614" v="8273" actId="1036"/>
+          <ac:spMkLst>
+            <pc:docMk/>
+            <pc:sldMk cId="1669639385" sldId="388"/>
+            <ac:spMk id="23" creationId="{CCA30781-67CE-47BA-B924-CB2F82302D11}"/>
+          </ac:spMkLst>
+        </pc:spChg>
+        <pc:spChg chg="add mod">
+          <ac:chgData name="John K. Barrera" userId="ff20ac3aac775278" providerId="LiveId" clId="{D2B16D9E-8DC3-4D4C-927D-0F5AA29F5383}" dt="2022-03-16T05:11:26.614" v="8273" actId="1036"/>
+          <ac:spMkLst>
+            <pc:docMk/>
+            <pc:sldMk cId="1669639385" sldId="388"/>
+            <ac:spMk id="24" creationId="{471E8434-25FE-4AF5-A8A4-8C34D02A5BC4}"/>
+          </ac:spMkLst>
+        </pc:spChg>
+        <pc:spChg chg="add del mod">
+          <ac:chgData name="John K. Barrera" userId="ff20ac3aac775278" providerId="LiveId" clId="{D2B16D9E-8DC3-4D4C-927D-0F5AA29F5383}" dt="2022-03-16T04:58:46.416" v="7798" actId="478"/>
+          <ac:spMkLst>
+            <pc:docMk/>
+            <pc:sldMk cId="1669639385" sldId="388"/>
+            <ac:spMk id="25" creationId="{58050091-0308-43FA-B045-262CC6FF1131}"/>
+          </ac:spMkLst>
+        </pc:spChg>
+        <pc:spChg chg="del">
+          <ac:chgData name="John K. Barrera" userId="ff20ac3aac775278" providerId="LiveId" clId="{D2B16D9E-8DC3-4D4C-927D-0F5AA29F5383}" dt="2022-03-15T21:02:48.428" v="7044" actId="478"/>
+          <ac:spMkLst>
+            <pc:docMk/>
+            <pc:sldMk cId="1669639385" sldId="388"/>
+            <ac:spMk id="26" creationId="{DD01CE75-A86A-4E88-A6D6-B78F895FFFF1}"/>
+          </ac:spMkLst>
+        </pc:spChg>
+        <pc:spChg chg="add del mod">
+          <ac:chgData name="John K. Barrera" userId="ff20ac3aac775278" providerId="LiveId" clId="{D2B16D9E-8DC3-4D4C-927D-0F5AA29F5383}" dt="2022-03-16T05:22:21.538" v="8499" actId="478"/>
+          <ac:spMkLst>
+            <pc:docMk/>
+            <pc:sldMk cId="1669639385" sldId="388"/>
+            <ac:spMk id="27" creationId="{1D6548EB-17B9-4972-A54E-BDB9D3C1D6D7}"/>
+          </ac:spMkLst>
+        </pc:spChg>
+        <pc:spChg chg="del">
+          <ac:chgData name="John K. Barrera" userId="ff20ac3aac775278" providerId="LiveId" clId="{D2B16D9E-8DC3-4D4C-927D-0F5AA29F5383}" dt="2022-03-15T21:02:48.428" v="7044" actId="478"/>
+          <ac:spMkLst>
+            <pc:docMk/>
+            <pc:sldMk cId="1669639385" sldId="388"/>
+            <ac:spMk id="28" creationId="{314D838B-F93E-4267-94EA-A48F2F11FAA2}"/>
+          </ac:spMkLst>
+        </pc:spChg>
+        <pc:spChg chg="del">
+          <ac:chgData name="John K. Barrera" userId="ff20ac3aac775278" providerId="LiveId" clId="{D2B16D9E-8DC3-4D4C-927D-0F5AA29F5383}" dt="2022-03-15T21:02:48.428" v="7044" actId="478"/>
+          <ac:spMkLst>
+            <pc:docMk/>
+            <pc:sldMk cId="1669639385" sldId="388"/>
+            <ac:spMk id="29" creationId="{6C19B810-4E7C-4992-8FD8-9F45F91FAFD0}"/>
+          </ac:spMkLst>
+        </pc:spChg>
+        <pc:spChg chg="add mod ord">
+          <ac:chgData name="John K. Barrera" userId="ff20ac3aac775278" providerId="LiveId" clId="{D2B16D9E-8DC3-4D4C-927D-0F5AA29F5383}" dt="2022-03-16T05:16:14.842" v="8419" actId="1036"/>
+          <ac:spMkLst>
+            <pc:docMk/>
+            <pc:sldMk cId="1669639385" sldId="388"/>
+            <ac:spMk id="31" creationId="{59E3D736-C75E-4EDE-9010-66ABC0EFAA23}"/>
+          </ac:spMkLst>
+        </pc:spChg>
+        <pc:spChg chg="add mod">
+          <ac:chgData name="John K. Barrera" userId="ff20ac3aac775278" providerId="LiveId" clId="{D2B16D9E-8DC3-4D4C-927D-0F5AA29F5383}" dt="2022-03-16T05:08:10.145" v="8132" actId="1036"/>
+          <ac:spMkLst>
+            <pc:docMk/>
+            <pc:sldMk cId="1669639385" sldId="388"/>
+            <ac:spMk id="32" creationId="{CFB1CFB1-4573-496A-8E39-53AFDF4E9233}"/>
+          </ac:spMkLst>
+        </pc:spChg>
+        <pc:spChg chg="add del mod">
+          <ac:chgData name="John K. Barrera" userId="ff20ac3aac775278" providerId="LiveId" clId="{D2B16D9E-8DC3-4D4C-927D-0F5AA29F5383}" dt="2022-03-16T05:16:20.497" v="8420" actId="1076"/>
+          <ac:spMkLst>
+            <pc:docMk/>
+            <pc:sldMk cId="1669639385" sldId="388"/>
+            <ac:spMk id="33" creationId="{68ACE9AB-A5EC-4A16-8641-13BEDD5770E8}"/>
+          </ac:spMkLst>
+        </pc:spChg>
+        <pc:spChg chg="add mod">
+          <ac:chgData name="John K. Barrera" userId="ff20ac3aac775278" providerId="LiveId" clId="{D2B16D9E-8DC3-4D4C-927D-0F5AA29F5383}" dt="2022-03-16T05:23:03.677" v="8507" actId="1037"/>
+          <ac:spMkLst>
+            <pc:docMk/>
+            <pc:sldMk cId="1669639385" sldId="388"/>
+            <ac:spMk id="38" creationId="{A79F5D43-9288-4BB8-AF51-281F58D97234}"/>
+          </ac:spMkLst>
+        </pc:spChg>
+        <pc:spChg chg="add mod">
+          <ac:chgData name="John K. Barrera" userId="ff20ac3aac775278" providerId="LiveId" clId="{D2B16D9E-8DC3-4D4C-927D-0F5AA29F5383}" dt="2022-03-16T05:23:03.677" v="8507" actId="1037"/>
+          <ac:spMkLst>
+            <pc:docMk/>
+            <pc:sldMk cId="1669639385" sldId="388"/>
+            <ac:spMk id="39" creationId="{69766AD5-AE8E-4AF2-B17B-07E3C147060D}"/>
+          </ac:spMkLst>
+        </pc:spChg>
+        <pc:spChg chg="add mod">
+          <ac:chgData name="John K. Barrera" userId="ff20ac3aac775278" providerId="LiveId" clId="{D2B16D9E-8DC3-4D4C-927D-0F5AA29F5383}" dt="2022-03-16T05:23:03.677" v="8507" actId="1037"/>
+          <ac:spMkLst>
+            <pc:docMk/>
+            <pc:sldMk cId="1669639385" sldId="388"/>
+            <ac:spMk id="40" creationId="{84E6319E-3E56-4994-8A84-213CC0AED736}"/>
+          </ac:spMkLst>
+        </pc:spChg>
+        <pc:spChg chg="add mod">
+          <ac:chgData name="John K. Barrera" userId="ff20ac3aac775278" providerId="LiveId" clId="{D2B16D9E-8DC3-4D4C-927D-0F5AA29F5383}" dt="2022-03-16T05:23:03.677" v="8507" actId="1037"/>
+          <ac:spMkLst>
+            <pc:docMk/>
+            <pc:sldMk cId="1669639385" sldId="388"/>
+            <ac:spMk id="41" creationId="{DA93B6EA-37D6-4471-A137-F3BEF27F9AAB}"/>
+          </ac:spMkLst>
+        </pc:spChg>
+        <pc:spChg chg="add del mod">
+          <ac:chgData name="John K. Barrera" userId="ff20ac3aac775278" providerId="LiveId" clId="{D2B16D9E-8DC3-4D4C-927D-0F5AA29F5383}" dt="2022-03-16T05:19:56.872" v="8453"/>
+          <ac:spMkLst>
+            <pc:docMk/>
+            <pc:sldMk cId="1669639385" sldId="388"/>
+            <ac:spMk id="42" creationId="{98005BE7-91E3-49DC-9E19-8D921F5EE805}"/>
+          </ac:spMkLst>
+        </pc:spChg>
+        <pc:spChg chg="add del mod">
+          <ac:chgData name="John K. Barrera" userId="ff20ac3aac775278" providerId="LiveId" clId="{D2B16D9E-8DC3-4D4C-927D-0F5AA29F5383}" dt="2022-03-16T05:20:26.777" v="8459" actId="478"/>
+          <ac:spMkLst>
+            <pc:docMk/>
+            <pc:sldMk cId="1669639385" sldId="388"/>
+            <ac:spMk id="44" creationId="{08B67099-F48C-4B5E-9EFA-A22D9DC636C2}"/>
+          </ac:spMkLst>
+        </pc:spChg>
+        <pc:spChg chg="add mod">
+          <ac:chgData name="John K. Barrera" userId="ff20ac3aac775278" providerId="LiveId" clId="{D2B16D9E-8DC3-4D4C-927D-0F5AA29F5383}" dt="2022-03-16T05:21:41.421" v="8486" actId="1035"/>
+          <ac:spMkLst>
+            <pc:docMk/>
+            <pc:sldMk cId="1669639385" sldId="388"/>
+            <ac:spMk id="46" creationId="{72E5E3E9-E09F-4490-BC0F-D8053EFE8E68}"/>
+          </ac:spMkLst>
+        </pc:spChg>
+        <pc:spChg chg="add mod">
+          <ac:chgData name="John K. Barrera" userId="ff20ac3aac775278" providerId="LiveId" clId="{D2B16D9E-8DC3-4D4C-927D-0F5AA29F5383}" dt="2022-03-16T05:22:00.619" v="8496"/>
+          <ac:spMkLst>
+            <pc:docMk/>
+            <pc:sldMk cId="1669639385" sldId="388"/>
+            <ac:spMk id="47" creationId="{D19F447C-190B-4421-859B-CC3CC4E7F3F6}"/>
+          </ac:spMkLst>
+        </pc:spChg>
+        <pc:spChg chg="add mod">
+          <ac:chgData name="John K. Barrera" userId="ff20ac3aac775278" providerId="LiveId" clId="{D2B16D9E-8DC3-4D4C-927D-0F5AA29F5383}" dt="2022-03-16T05:22:11.764" v="8497"/>
+          <ac:spMkLst>
+            <pc:docMk/>
+            <pc:sldMk cId="1669639385" sldId="388"/>
+            <ac:spMk id="48" creationId="{3A62280A-3E6E-4B90-96B1-1A3EE064C7E9}"/>
+          </ac:spMkLst>
+        </pc:spChg>
+        <pc:spChg chg="add mod">
+          <ac:chgData name="John K. Barrera" userId="ff20ac3aac775278" providerId="LiveId" clId="{D2B16D9E-8DC3-4D4C-927D-0F5AA29F5383}" dt="2022-03-16T05:22:18.350" v="8498"/>
+          <ac:spMkLst>
+            <pc:docMk/>
+            <pc:sldMk cId="1669639385" sldId="388"/>
+            <ac:spMk id="49" creationId="{5FFEDFCF-4A4E-4882-8BD4-3AF7FC179A43}"/>
+          </ac:spMkLst>
+        </pc:spChg>
+        <pc:graphicFrameChg chg="del">
+          <ac:chgData name="John K. Barrera" userId="ff20ac3aac775278" providerId="LiveId" clId="{D2B16D9E-8DC3-4D4C-927D-0F5AA29F5383}" dt="2022-03-15T21:02:48.428" v="7044" actId="478"/>
+          <ac:graphicFrameMkLst>
+            <pc:docMk/>
+            <pc:sldMk cId="1669639385" sldId="388"/>
+            <ac:graphicFrameMk id="2" creationId="{C3F8EEE8-3856-4109-91B8-5A4B35348EFB}"/>
+          </ac:graphicFrameMkLst>
+        </pc:graphicFrameChg>
+        <pc:picChg chg="add del mod">
+          <ac:chgData name="John K. Barrera" userId="ff20ac3aac775278" providerId="LiveId" clId="{D2B16D9E-8DC3-4D4C-927D-0F5AA29F5383}" dt="2022-03-16T04:58:52.485" v="7799" actId="478"/>
+          <ac:picMkLst>
+            <pc:docMk/>
+            <pc:sldMk cId="1669639385" sldId="388"/>
+            <ac:picMk id="6" creationId="{681D20E0-9172-44F9-9C34-38AC9E5DB10E}"/>
+          </ac:picMkLst>
+        </pc:picChg>
+        <pc:picChg chg="add del mod">
+          <ac:chgData name="John K. Barrera" userId="ff20ac3aac775278" providerId="LiveId" clId="{D2B16D9E-8DC3-4D4C-927D-0F5AA29F5383}" dt="2022-03-16T05:07:47.862" v="8116" actId="478"/>
+          <ac:picMkLst>
+            <pc:docMk/>
+            <pc:sldMk cId="1669639385" sldId="388"/>
+            <ac:picMk id="13" creationId="{345438B7-D98E-438A-BEE6-EA7499FCF323}"/>
+          </ac:picMkLst>
+        </pc:picChg>
+        <pc:picChg chg="add del mod">
+          <ac:chgData name="John K. Barrera" userId="ff20ac3aac775278" providerId="LiveId" clId="{D2B16D9E-8DC3-4D4C-927D-0F5AA29F5383}" dt="2022-03-16T05:13:42.206" v="8379" actId="478"/>
+          <ac:picMkLst>
+            <pc:docMk/>
+            <pc:sldMk cId="1669639385" sldId="388"/>
+            <ac:picMk id="16" creationId="{13D74EAB-9AE7-4422-BC81-6EDAC911B98B}"/>
+          </ac:picMkLst>
+        </pc:picChg>
+        <pc:picChg chg="add mod modCrop">
+          <ac:chgData name="John K. Barrera" userId="ff20ac3aac775278" providerId="LiveId" clId="{D2B16D9E-8DC3-4D4C-927D-0F5AA29F5383}" dt="2022-03-16T05:38:03.975" v="9644" actId="14100"/>
+          <ac:picMkLst>
+            <pc:docMk/>
+            <pc:sldMk cId="1669639385" sldId="388"/>
+            <ac:picMk id="35" creationId="{3A73E00B-BEA5-483F-AADD-1FD0D2E41824}"/>
+          </ac:picMkLst>
+        </pc:picChg>
+        <pc:cxnChg chg="add mod">
+          <ac:chgData name="John K. Barrera" userId="ff20ac3aac775278" providerId="LiveId" clId="{D2B16D9E-8DC3-4D4C-927D-0F5AA29F5383}" dt="2022-03-16T04:54:21.664" v="7462" actId="1076"/>
+          <ac:cxnSpMkLst>
+            <pc:docMk/>
+            <pc:sldMk cId="1669639385" sldId="388"/>
+            <ac:cxnSpMk id="18" creationId="{AA99C8EC-E6F9-4A6B-A599-B4CEB02B5AEC}"/>
+          </ac:cxnSpMkLst>
+        </pc:cxnChg>
+        <pc:cxnChg chg="add del mod">
+          <ac:chgData name="John K. Barrera" userId="ff20ac3aac775278" providerId="LiveId" clId="{D2B16D9E-8DC3-4D4C-927D-0F5AA29F5383}" dt="2022-03-16T04:40:39.942" v="7205"/>
+          <ac:cxnSpMkLst>
+            <pc:docMk/>
+            <pc:sldMk cId="1669639385" sldId="388"/>
+            <ac:cxnSpMk id="22" creationId="{EC5DE0C2-43A9-4BF6-BC73-2F20DEA93381}"/>
+          </ac:cxnSpMkLst>
+        </pc:cxnChg>
+        <pc:cxnChg chg="del">
+          <ac:chgData name="John K. Barrera" userId="ff20ac3aac775278" providerId="LiveId" clId="{D2B16D9E-8DC3-4D4C-927D-0F5AA29F5383}" dt="2022-03-15T21:02:48.428" v="7044" actId="478"/>
+          <ac:cxnSpMkLst>
+            <pc:docMk/>
+            <pc:sldMk cId="1669639385" sldId="388"/>
+            <ac:cxnSpMk id="30" creationId="{51F1CF5C-3F46-4DE2-8821-8960B7CCFC74}"/>
+          </ac:cxnSpMkLst>
+        </pc:cxnChg>
+        <pc:cxnChg chg="add mod">
+          <ac:chgData name="John K. Barrera" userId="ff20ac3aac775278" providerId="LiveId" clId="{D2B16D9E-8DC3-4D4C-927D-0F5AA29F5383}" dt="2022-03-16T05:16:14.842" v="8419" actId="1036"/>
+          <ac:cxnSpMkLst>
+            <pc:docMk/>
+            <pc:sldMk cId="1669639385" sldId="388"/>
+            <ac:cxnSpMk id="36" creationId="{78905DF4-9441-41CE-9AD8-12245A68FEA4}"/>
+          </ac:cxnSpMkLst>
+        </pc:cxnChg>
+      </pc:sldChg>
+      <pc:sldChg chg="addSp delSp modSp add mod">
+        <pc:chgData name="John K. Barrera" userId="ff20ac3aac775278" providerId="LiveId" clId="{D2B16D9E-8DC3-4D4C-927D-0F5AA29F5383}" dt="2022-03-16T05:37:33.051" v="9640" actId="6549"/>
+        <pc:sldMkLst>
+          <pc:docMk/>
+          <pc:sldMk cId="2882088050" sldId="389"/>
+        </pc:sldMkLst>
+        <pc:spChg chg="add del">
+          <ac:chgData name="John K. Barrera" userId="ff20ac3aac775278" providerId="LiveId" clId="{D2B16D9E-8DC3-4D4C-927D-0F5AA29F5383}" dt="2022-03-16T05:27:17.581" v="8839"/>
+          <ac:spMkLst>
+            <pc:docMk/>
+            <pc:sldMk cId="2882088050" sldId="389"/>
+            <ac:spMk id="3" creationId="{E1D5DEDF-540C-4E44-8C4A-B23D2471321F}"/>
+          </ac:spMkLst>
+        </pc:spChg>
+        <pc:spChg chg="del">
+          <ac:chgData name="John K. Barrera" userId="ff20ac3aac775278" providerId="LiveId" clId="{D2B16D9E-8DC3-4D4C-927D-0F5AA29F5383}" dt="2022-03-16T05:25:42.224" v="8829" actId="478"/>
+          <ac:spMkLst>
+            <pc:docMk/>
+            <pc:sldMk cId="2882088050" sldId="389"/>
+            <ac:spMk id="7" creationId="{E16F2D60-BC2C-4C9E-8C34-68F88E2BC9CD}"/>
+          </ac:spMkLst>
+        </pc:spChg>
+        <pc:spChg chg="mod">
+          <ac:chgData name="John K. Barrera" userId="ff20ac3aac775278" providerId="LiveId" clId="{D2B16D9E-8DC3-4D4C-927D-0F5AA29F5383}" dt="2022-03-16T05:29:43.033" v="8979" actId="113"/>
+          <ac:spMkLst>
+            <pc:docMk/>
+            <pc:sldMk cId="2882088050" sldId="389"/>
+            <ac:spMk id="12" creationId="{002F249E-01CD-4A15-802F-2FC4DE855BEF}"/>
+          </ac:spMkLst>
+        </pc:spChg>
+        <pc:spChg chg="mod">
+          <ac:chgData name="John K. Barrera" userId="ff20ac3aac775278" providerId="LiveId" clId="{D2B16D9E-8DC3-4D4C-927D-0F5AA29F5383}" dt="2022-03-16T05:37:33.051" v="9640" actId="6549"/>
+          <ac:spMkLst>
+            <pc:docMk/>
+            <pc:sldMk cId="2882088050" sldId="389"/>
+            <ac:spMk id="15" creationId="{DA903829-C857-466F-8663-51CF8927D68D}"/>
+          </ac:spMkLst>
+        </pc:spChg>
+        <pc:spChg chg="del">
+          <ac:chgData name="John K. Barrera" userId="ff20ac3aac775278" providerId="LiveId" clId="{D2B16D9E-8DC3-4D4C-927D-0F5AA29F5383}" dt="2022-03-16T05:25:42.224" v="8829" actId="478"/>
+          <ac:spMkLst>
+            <pc:docMk/>
+            <pc:sldMk cId="2882088050" sldId="389"/>
+            <ac:spMk id="17" creationId="{34F8657C-D213-4E11-9EC3-19F8C085075A}"/>
+          </ac:spMkLst>
+        </pc:spChg>
+        <pc:spChg chg="del mod">
+          <ac:chgData name="John K. Barrera" userId="ff20ac3aac775278" providerId="LiveId" clId="{D2B16D9E-8DC3-4D4C-927D-0F5AA29F5383}" dt="2022-03-16T05:25:46.188" v="8832" actId="478"/>
+          <ac:spMkLst>
+            <pc:docMk/>
+            <pc:sldMk cId="2882088050" sldId="389"/>
+            <ac:spMk id="19" creationId="{15D42EE5-BA93-489A-AF31-A69819F38D9D}"/>
+          </ac:spMkLst>
+        </pc:spChg>
+        <pc:spChg chg="mod">
+          <ac:chgData name="John K. Barrera" userId="ff20ac3aac775278" providerId="LiveId" clId="{D2B16D9E-8DC3-4D4C-927D-0F5AA29F5383}" dt="2022-03-16T05:34:31.807" v="9339" actId="1076"/>
+          <ac:spMkLst>
+            <pc:docMk/>
+            <pc:sldMk cId="2882088050" sldId="389"/>
+            <ac:spMk id="20" creationId="{93DBA4B8-87D0-4D67-8235-C991B44331B8}"/>
+          </ac:spMkLst>
+        </pc:spChg>
+        <pc:spChg chg="del">
+          <ac:chgData name="John K. Barrera" userId="ff20ac3aac775278" providerId="LiveId" clId="{D2B16D9E-8DC3-4D4C-927D-0F5AA29F5383}" dt="2022-03-16T05:25:39.549" v="8828" actId="478"/>
+          <ac:spMkLst>
+            <pc:docMk/>
+            <pc:sldMk cId="2882088050" sldId="389"/>
+            <ac:spMk id="21" creationId="{D7E9A53A-254C-4D14-A88F-956665D850C9}"/>
+          </ac:spMkLst>
+        </pc:spChg>
+        <pc:spChg chg="add mod">
+          <ac:chgData name="John K. Barrera" userId="ff20ac3aac775278" providerId="LiveId" clId="{D2B16D9E-8DC3-4D4C-927D-0F5AA29F5383}" dt="2022-03-16T05:35:28.305" v="9356" actId="313"/>
+          <ac:spMkLst>
+            <pc:docMk/>
+            <pc:sldMk cId="2882088050" sldId="389"/>
+            <ac:spMk id="22" creationId="{370D7F95-846D-45CD-8DBC-5032C1F577C6}"/>
+          </ac:spMkLst>
+        </pc:spChg>
+        <pc:spChg chg="add mod">
+          <ac:chgData name="John K. Barrera" userId="ff20ac3aac775278" providerId="LiveId" clId="{D2B16D9E-8DC3-4D4C-927D-0F5AA29F5383}" dt="2022-03-16T05:35:50.864" v="9358" actId="1076"/>
+          <ac:spMkLst>
+            <pc:docMk/>
+            <pc:sldMk cId="2882088050" sldId="389"/>
+            <ac:spMk id="23" creationId="{D3BD3F8C-BA50-41C4-8E12-61961F472F72}"/>
+          </ac:spMkLst>
+        </pc:spChg>
+        <pc:spChg chg="add mod">
+          <ac:chgData name="John K. Barrera" userId="ff20ac3aac775278" providerId="LiveId" clId="{D2B16D9E-8DC3-4D4C-927D-0F5AA29F5383}" dt="2022-03-16T05:36:07.329" v="9416" actId="1035"/>
+          <ac:spMkLst>
+            <pc:docMk/>
+            <pc:sldMk cId="2882088050" sldId="389"/>
+            <ac:spMk id="24" creationId="{D1A37AE3-E6EB-4647-A737-64DBB341E37D}"/>
+          </ac:spMkLst>
+        </pc:spChg>
+        <pc:spChg chg="del">
+          <ac:chgData name="John K. Barrera" userId="ff20ac3aac775278" providerId="LiveId" clId="{D2B16D9E-8DC3-4D4C-927D-0F5AA29F5383}" dt="2022-03-16T05:25:42.224" v="8829" actId="478"/>
+          <ac:spMkLst>
+            <pc:docMk/>
+            <pc:sldMk cId="2882088050" sldId="389"/>
+            <ac:spMk id="26" creationId="{DD01CE75-A86A-4E88-A6D6-B78F895FFFF1}"/>
+          </ac:spMkLst>
+        </pc:spChg>
+        <pc:spChg chg="del">
+          <ac:chgData name="John K. Barrera" userId="ff20ac3aac775278" providerId="LiveId" clId="{D2B16D9E-8DC3-4D4C-927D-0F5AA29F5383}" dt="2022-03-16T05:25:42.224" v="8829" actId="478"/>
+          <ac:spMkLst>
+            <pc:docMk/>
+            <pc:sldMk cId="2882088050" sldId="389"/>
+            <ac:spMk id="28" creationId="{314D838B-F93E-4267-94EA-A48F2F11FAA2}"/>
+          </ac:spMkLst>
+        </pc:spChg>
+        <pc:spChg chg="del">
+          <ac:chgData name="John K. Barrera" userId="ff20ac3aac775278" providerId="LiveId" clId="{D2B16D9E-8DC3-4D4C-927D-0F5AA29F5383}" dt="2022-03-16T05:25:42.224" v="8829" actId="478"/>
+          <ac:spMkLst>
+            <pc:docMk/>
+            <pc:sldMk cId="2882088050" sldId="389"/>
+            <ac:spMk id="29" creationId="{6C19B810-4E7C-4992-8FD8-9F45F91FAFD0}"/>
+          </ac:spMkLst>
+        </pc:spChg>
+        <pc:graphicFrameChg chg="del">
+          <ac:chgData name="John K. Barrera" userId="ff20ac3aac775278" providerId="LiveId" clId="{D2B16D9E-8DC3-4D4C-927D-0F5AA29F5383}" dt="2022-03-16T05:16:50.878" v="8421" actId="478"/>
+          <ac:graphicFrameMkLst>
+            <pc:docMk/>
+            <pc:sldMk cId="2882088050" sldId="389"/>
+            <ac:graphicFrameMk id="2" creationId="{C3F8EEE8-3856-4109-91B8-5A4B35348EFB}"/>
+          </ac:graphicFrameMkLst>
+        </pc:graphicFrameChg>
+        <pc:picChg chg="add mod">
+          <ac:chgData name="John K. Barrera" userId="ff20ac3aac775278" providerId="LiveId" clId="{D2B16D9E-8DC3-4D4C-927D-0F5AA29F5383}" dt="2022-03-16T05:30:13.260" v="9008" actId="1076"/>
+          <ac:picMkLst>
+            <pc:docMk/>
+            <pc:sldMk cId="2882088050" sldId="389"/>
+            <ac:picMk id="2050" creationId="{2C4CE30B-FE1C-4CBE-89CD-D2E05CA97C93}"/>
+          </ac:picMkLst>
+        </pc:picChg>
+        <pc:picChg chg="add del mod">
+          <ac:chgData name="John K. Barrera" userId="ff20ac3aac775278" providerId="LiveId" clId="{D2B16D9E-8DC3-4D4C-927D-0F5AA29F5383}" dt="2022-03-16T05:27:58.583" v="8848" actId="478"/>
+          <ac:picMkLst>
+            <pc:docMk/>
+            <pc:sldMk cId="2882088050" sldId="389"/>
+            <ac:picMk id="2053" creationId="{D141E83B-5508-4D55-B90E-3D30B7677E89}"/>
+          </ac:picMkLst>
+        </pc:picChg>
+        <pc:picChg chg="add mod">
+          <ac:chgData name="John K. Barrera" userId="ff20ac3aac775278" providerId="LiveId" clId="{D2B16D9E-8DC3-4D4C-927D-0F5AA29F5383}" dt="2022-03-16T05:30:17.079" v="9009" actId="1076"/>
+          <ac:picMkLst>
+            <pc:docMk/>
+            <pc:sldMk cId="2882088050" sldId="389"/>
+            <ac:picMk id="2055" creationId="{AFF9ABFF-4FC1-460B-AA43-6F8AAC604AE1}"/>
+          </ac:picMkLst>
+        </pc:picChg>
+        <pc:cxnChg chg="del">
+          <ac:chgData name="John K. Barrera" userId="ff20ac3aac775278" providerId="LiveId" clId="{D2B16D9E-8DC3-4D4C-927D-0F5AA29F5383}" dt="2022-03-16T05:25:38.376" v="8827" actId="478"/>
+          <ac:cxnSpMkLst>
+            <pc:docMk/>
+            <pc:sldMk cId="2882088050" sldId="389"/>
+            <ac:cxnSpMk id="30" creationId="{51F1CF5C-3F46-4DE2-8821-8960B7CCFC74}"/>
+          </ac:cxnSpMkLst>
+        </pc:cxnChg>
+      </pc:sldChg>
+      <pc:sldChg chg="delSp modSp add mod">
+        <pc:chgData name="John K. Barrera" userId="ff20ac3aac775278" providerId="LiveId" clId="{D2B16D9E-8DC3-4D4C-927D-0F5AA29F5383}" dt="2022-03-16T05:49:50.906" v="11212" actId="20577"/>
+        <pc:sldMkLst>
+          <pc:docMk/>
+          <pc:sldMk cId="2221495019" sldId="390"/>
+        </pc:sldMkLst>
+        <pc:spChg chg="mod">
+          <ac:chgData name="John K. Barrera" userId="ff20ac3aac775278" providerId="LiveId" clId="{D2B16D9E-8DC3-4D4C-927D-0F5AA29F5383}" dt="2022-03-16T05:38:27.695" v="9686" actId="20577"/>
+          <ac:spMkLst>
+            <pc:docMk/>
+            <pc:sldMk cId="2221495019" sldId="390"/>
+            <ac:spMk id="5" creationId="{48D2A9BD-EBF3-4CF7-A61E-49631D4D1DBB}"/>
+          </ac:spMkLst>
+        </pc:spChg>
+        <pc:spChg chg="mod">
+          <ac:chgData name="John K. Barrera" userId="ff20ac3aac775278" providerId="LiveId" clId="{D2B16D9E-8DC3-4D4C-927D-0F5AA29F5383}" dt="2022-03-16T05:49:50.906" v="11212" actId="20577"/>
+          <ac:spMkLst>
+            <pc:docMk/>
+            <pc:sldMk cId="2221495019" sldId="390"/>
+            <ac:spMk id="12" creationId="{002F249E-01CD-4A15-802F-2FC4DE855BEF}"/>
+          </ac:spMkLst>
+        </pc:spChg>
+        <pc:spChg chg="mod">
+          <ac:chgData name="John K. Barrera" userId="ff20ac3aac775278" providerId="LiveId" clId="{D2B16D9E-8DC3-4D4C-927D-0F5AA29F5383}" dt="2022-03-16T05:42:35.852" v="10281" actId="20577"/>
+          <ac:spMkLst>
+            <pc:docMk/>
+            <pc:sldMk cId="2221495019" sldId="390"/>
+            <ac:spMk id="15" creationId="{DA903829-C857-466F-8663-51CF8927D68D}"/>
+          </ac:spMkLst>
+        </pc:spChg>
+        <pc:spChg chg="del">
+          <ac:chgData name="John K. Barrera" userId="ff20ac3aac775278" providerId="LiveId" clId="{D2B16D9E-8DC3-4D4C-927D-0F5AA29F5383}" dt="2022-03-16T05:42:19.974" v="10242" actId="478"/>
+          <ac:spMkLst>
+            <pc:docMk/>
+            <pc:sldMk cId="2221495019" sldId="390"/>
+            <ac:spMk id="20" creationId="{93DBA4B8-87D0-4D67-8235-C991B44331B8}"/>
+          </ac:spMkLst>
+        </pc:spChg>
+        <pc:spChg chg="del">
+          <ac:chgData name="John K. Barrera" userId="ff20ac3aac775278" providerId="LiveId" clId="{D2B16D9E-8DC3-4D4C-927D-0F5AA29F5383}" dt="2022-03-16T05:41:20.051" v="10055" actId="478"/>
+          <ac:spMkLst>
+            <pc:docMk/>
+            <pc:sldMk cId="2221495019" sldId="390"/>
+            <ac:spMk id="22" creationId="{370D7F95-846D-45CD-8DBC-5032C1F577C6}"/>
+          </ac:spMkLst>
+        </pc:spChg>
+        <pc:spChg chg="del">
+          <ac:chgData name="John K. Barrera" userId="ff20ac3aac775278" providerId="LiveId" clId="{D2B16D9E-8DC3-4D4C-927D-0F5AA29F5383}" dt="2022-03-16T05:41:20.051" v="10055" actId="478"/>
+          <ac:spMkLst>
+            <pc:docMk/>
+            <pc:sldMk cId="2221495019" sldId="390"/>
+            <ac:spMk id="23" creationId="{D3BD3F8C-BA50-41C4-8E12-61961F472F72}"/>
+          </ac:spMkLst>
+        </pc:spChg>
+        <pc:spChg chg="del">
+          <ac:chgData name="John K. Barrera" userId="ff20ac3aac775278" providerId="LiveId" clId="{D2B16D9E-8DC3-4D4C-927D-0F5AA29F5383}" dt="2022-03-16T05:41:20.051" v="10055" actId="478"/>
+          <ac:spMkLst>
+            <pc:docMk/>
+            <pc:sldMk cId="2221495019" sldId="390"/>
+            <ac:spMk id="24" creationId="{D1A37AE3-E6EB-4647-A737-64DBB341E37D}"/>
+          </ac:spMkLst>
+        </pc:spChg>
+        <pc:picChg chg="del mod">
+          <ac:chgData name="John K. Barrera" userId="ff20ac3aac775278" providerId="LiveId" clId="{D2B16D9E-8DC3-4D4C-927D-0F5AA29F5383}" dt="2022-03-16T05:41:20.051" v="10055" actId="478"/>
+          <ac:picMkLst>
+            <pc:docMk/>
+            <pc:sldMk cId="2221495019" sldId="390"/>
+            <ac:picMk id="2050" creationId="{2C4CE30B-FE1C-4CBE-89CD-D2E05CA97C93}"/>
+          </ac:picMkLst>
+        </pc:picChg>
+        <pc:picChg chg="del">
+          <ac:chgData name="John K. Barrera" userId="ff20ac3aac775278" providerId="LiveId" clId="{D2B16D9E-8DC3-4D4C-927D-0F5AA29F5383}" dt="2022-03-16T05:41:20.051" v="10055" actId="478"/>
+          <ac:picMkLst>
+            <pc:docMk/>
+            <pc:sldMk cId="2221495019" sldId="390"/>
+            <ac:picMk id="2055" creationId="{AFF9ABFF-4FC1-460B-AA43-6F8AAC604AE1}"/>
+          </ac:picMkLst>
+        </pc:picChg>
+      </pc:sldChg>
     </pc:docChg>
   </pc:docChgLst>
 </pc:chgInfo>
@@ -1820,7 +2379,7 @@
           <a:p>
             <a:fld id="{4AA3995C-CEF4-46C5-822A-4E0ABA58EA45}" type="datetimeFigureOut">
               <a:rPr lang="en-US" smtClean="0"/>
-              <a:t>3/9/2022</a:t>
+              <a:t>3/15/2022</a:t>
             </a:fld>
             <a:endParaRPr lang="en-US"/>
           </a:p>
@@ -2274,7 +2833,7 @@
           <a:p>
             <a:fld id="{903304DD-1A9B-465F-A981-8B6D85F33039}" type="datetimeFigureOut">
               <a:rPr lang="en-US" smtClean="0"/>
-              <a:t>3/9/2022</a:t>
+              <a:t>3/15/2022</a:t>
             </a:fld>
             <a:endParaRPr lang="en-US"/>
           </a:p>
@@ -2577,7 +3136,7 @@
           <a:p>
             <a:fld id="{903304DD-1A9B-465F-A981-8B6D85F33039}" type="datetimeFigureOut">
               <a:rPr lang="en-US" smtClean="0"/>
-              <a:t>3/9/2022</a:t>
+              <a:t>3/15/2022</a:t>
             </a:fld>
             <a:endParaRPr lang="en-US"/>
           </a:p>
@@ -2747,7 +3306,7 @@
           <a:p>
             <a:fld id="{903304DD-1A9B-465F-A981-8B6D85F33039}" type="datetimeFigureOut">
               <a:rPr lang="en-US" smtClean="0"/>
-              <a:t>3/9/2022</a:t>
+              <a:t>3/15/2022</a:t>
             </a:fld>
             <a:endParaRPr lang="en-US"/>
           </a:p>
@@ -2927,7 +3486,7 @@
           <a:p>
             <a:fld id="{903304DD-1A9B-465F-A981-8B6D85F33039}" type="datetimeFigureOut">
               <a:rPr lang="en-US" smtClean="0"/>
-              <a:t>3/9/2022</a:t>
+              <a:t>3/15/2022</a:t>
             </a:fld>
             <a:endParaRPr lang="en-US"/>
           </a:p>
@@ -3161,7 +3720,7 @@
           <a:p>
             <a:fld id="{903304DD-1A9B-465F-A981-8B6D85F33039}" type="datetimeFigureOut">
               <a:rPr lang="en-US" smtClean="0"/>
-              <a:t>3/9/2022</a:t>
+              <a:t>3/15/2022</a:t>
             </a:fld>
             <a:endParaRPr lang="en-US"/>
           </a:p>
@@ -3359,7 +3918,7 @@
           <a:p>
             <a:fld id="{903304DD-1A9B-465F-A981-8B6D85F33039}" type="datetimeFigureOut">
               <a:rPr lang="en-US" smtClean="0"/>
-              <a:t>3/9/2022</a:t>
+              <a:t>3/15/2022</a:t>
             </a:fld>
             <a:endParaRPr lang="en-US"/>
           </a:p>
@@ -3605,7 +4164,7 @@
           <a:p>
             <a:fld id="{903304DD-1A9B-465F-A981-8B6D85F33039}" type="datetimeFigureOut">
               <a:rPr lang="en-US" smtClean="0"/>
-              <a:t>3/9/2022</a:t>
+              <a:t>3/15/2022</a:t>
             </a:fld>
             <a:endParaRPr lang="en-US"/>
           </a:p>
@@ -3837,7 +4396,7 @@
           <a:p>
             <a:fld id="{903304DD-1A9B-465F-A981-8B6D85F33039}" type="datetimeFigureOut">
               <a:rPr lang="en-US" smtClean="0"/>
-              <a:t>3/9/2022</a:t>
+              <a:t>3/15/2022</a:t>
             </a:fld>
             <a:endParaRPr lang="en-US"/>
           </a:p>
@@ -4204,7 +4763,7 @@
           <a:p>
             <a:fld id="{903304DD-1A9B-465F-A981-8B6D85F33039}" type="datetimeFigureOut">
               <a:rPr lang="en-US" smtClean="0"/>
-              <a:t>3/9/2022</a:t>
+              <a:t>3/15/2022</a:t>
             </a:fld>
             <a:endParaRPr lang="en-US"/>
           </a:p>
@@ -4322,7 +4881,7 @@
           <a:p>
             <a:fld id="{903304DD-1A9B-465F-A981-8B6D85F33039}" type="datetimeFigureOut">
               <a:rPr lang="en-US" smtClean="0"/>
-              <a:t>3/9/2022</a:t>
+              <a:t>3/15/2022</a:t>
             </a:fld>
             <a:endParaRPr lang="en-US"/>
           </a:p>
@@ -4417,7 +4976,7 @@
           <a:p>
             <a:fld id="{903304DD-1A9B-465F-A981-8B6D85F33039}" type="datetimeFigureOut">
               <a:rPr lang="en-US" smtClean="0"/>
-              <a:t>3/9/2022</a:t>
+              <a:t>3/15/2022</a:t>
             </a:fld>
             <a:endParaRPr lang="en-US"/>
           </a:p>
@@ -4694,7 +5253,7 @@
           <a:p>
             <a:fld id="{903304DD-1A9B-465F-A981-8B6D85F33039}" type="datetimeFigureOut">
               <a:rPr lang="en-US" smtClean="0"/>
-              <a:t>3/9/2022</a:t>
+              <a:t>3/15/2022</a:t>
             </a:fld>
             <a:endParaRPr lang="en-US"/>
           </a:p>
@@ -4907,7 +5466,7 @@
           <a:p>
             <a:fld id="{903304DD-1A9B-465F-A981-8B6D85F33039}" type="datetimeFigureOut">
               <a:rPr lang="en-US" smtClean="0"/>
-              <a:t>3/9/2022</a:t>
+              <a:t>3/15/2022</a:t>
             </a:fld>
             <a:endParaRPr lang="en-US"/>
           </a:p>
@@ -6462,8 +7021,8 @@
         </p:nvSpPr>
         <p:spPr>
           <a:xfrm>
-            <a:off x="558800" y="134927"/>
-            <a:ext cx="5594865" cy="400110"/>
+            <a:off x="558799" y="134927"/>
+            <a:ext cx="6597779" cy="400110"/>
           </a:xfrm>
           <a:prstGeom prst="rect">
             <a:avLst/>
@@ -6477,7 +7036,7 @@
           <a:lstStyle/>
           <a:p>
             <a:r>
-              <a:rPr lang="es-PE" sz="2000" dirty="0">
+              <a:rPr lang="es-MX" sz="2000" dirty="0">
                 <a:solidFill>
                   <a:schemeClr val="bg1"/>
                 </a:solidFill>
@@ -6485,7 +7044,7 @@
                 <a:ea typeface="Open Sans" panose="020B0606030504020204" pitchFamily="34" charset="0"/>
                 <a:cs typeface="Open Sans" panose="020B0606030504020204" pitchFamily="34" charset="0"/>
               </a:rPr>
-              <a:t>Procesamiento de Atención al usuario</a:t>
+              <a:t>Bolsas de palabras para “Atención al Usuario”</a:t>
             </a:r>
           </a:p>
         </p:txBody>
@@ -6595,10 +7154,10 @@
       </p:sp>
       <p:sp>
         <p:nvSpPr>
-          <p:cNvPr id="15" name="Google Shape;111;p2">
+          <p:cNvPr id="12" name="Google Shape;111;p2">
             <a:extLst>
               <a:ext uri="{FF2B5EF4-FFF2-40B4-BE49-F238E27FC236}">
-                <a16:creationId xmlns:a16="http://schemas.microsoft.com/office/drawing/2014/main" id="{DA903829-C857-466F-8663-51CF8927D68D}"/>
+                <a16:creationId xmlns:a16="http://schemas.microsoft.com/office/drawing/2014/main" id="{002F249E-01CD-4A15-802F-2FC4DE855BEF}"/>
               </a:ext>
             </a:extLst>
           </p:cNvPr>
@@ -6607,8 +7166,8 @@
         </p:nvSpPr>
         <p:spPr>
           <a:xfrm>
-            <a:off x="924868" y="6230671"/>
-            <a:ext cx="7243770" cy="492402"/>
+            <a:off x="738222" y="866805"/>
+            <a:ext cx="10779861" cy="784790"/>
           </a:xfrm>
           <a:prstGeom prst="rect">
             <a:avLst/>
@@ -6624,7 +7183,217 @@
           </a:bodyPr>
           <a:lstStyle/>
           <a:p>
-            <a:pPr marL="0" marR="0" lvl="0" indent="0" algn="l" defTabSz="914400" rtl="0" eaLnBrk="0" fontAlgn="base" latinLnBrk="0" hangingPunct="0">
+            <a:pPr lvl="0" algn="just" eaLnBrk="0" fontAlgn="base" hangingPunct="0">
+              <a:spcBef>
+                <a:spcPct val="0"/>
+              </a:spcBef>
+              <a:spcAft>
+                <a:spcPct val="0"/>
+              </a:spcAft>
+            </a:pPr>
+            <a:r>
+              <a:rPr lang="es-PE" altLang="es-PE" dirty="0">
+                <a:solidFill>
+                  <a:srgbClr val="000000"/>
+                </a:solidFill>
+                <a:latin typeface="Calibri" panose="020F0502020204030204" pitchFamily="34" charset="0"/>
+                <a:cs typeface="Calibri" panose="020F0502020204030204" pitchFamily="34" charset="0"/>
+              </a:rPr>
+              <a:t>Se ejecuto un LDA tomando como corpus “Atención del usuario”, donde se pudieron generar 4 (Tópicos) bolsas de palabra “Bag </a:t>
+            </a:r>
+            <a:r>
+              <a:rPr lang="es-PE" altLang="es-PE" dirty="0" err="1">
+                <a:solidFill>
+                  <a:srgbClr val="000000"/>
+                </a:solidFill>
+                <a:latin typeface="Calibri" panose="020F0502020204030204" pitchFamily="34" charset="0"/>
+                <a:cs typeface="Calibri" panose="020F0502020204030204" pitchFamily="34" charset="0"/>
+              </a:rPr>
+              <a:t>of</a:t>
+            </a:r>
+            <a:r>
+              <a:rPr lang="es-PE" altLang="es-PE" dirty="0">
+                <a:solidFill>
+                  <a:srgbClr val="000000"/>
+                </a:solidFill>
+                <a:latin typeface="Calibri" panose="020F0502020204030204" pitchFamily="34" charset="0"/>
+                <a:cs typeface="Calibri" panose="020F0502020204030204" pitchFamily="34" charset="0"/>
+              </a:rPr>
+              <a:t> </a:t>
+            </a:r>
+            <a:r>
+              <a:rPr lang="es-PE" altLang="es-PE" dirty="0" err="1">
+                <a:solidFill>
+                  <a:srgbClr val="000000"/>
+                </a:solidFill>
+                <a:latin typeface="Calibri" panose="020F0502020204030204" pitchFamily="34" charset="0"/>
+                <a:cs typeface="Calibri" panose="020F0502020204030204" pitchFamily="34" charset="0"/>
+              </a:rPr>
+              <a:t>Words</a:t>
+            </a:r>
+            <a:r>
+              <a:rPr lang="es-PE" altLang="es-PE" dirty="0">
+                <a:solidFill>
+                  <a:srgbClr val="000000"/>
+                </a:solidFill>
+                <a:latin typeface="Calibri" panose="020F0502020204030204" pitchFamily="34" charset="0"/>
+                <a:cs typeface="Calibri" panose="020F0502020204030204" pitchFamily="34" charset="0"/>
+              </a:rPr>
+              <a:t>”.</a:t>
+            </a:r>
+          </a:p>
+          <a:p>
+            <a:pPr lvl="0" eaLnBrk="0" fontAlgn="base" hangingPunct="0">
+              <a:spcBef>
+                <a:spcPct val="0"/>
+              </a:spcBef>
+              <a:spcAft>
+                <a:spcPct val="0"/>
+              </a:spcAft>
+            </a:pPr>
+            <a:endParaRPr kumimoji="0" lang="es-PE" altLang="es-PE" sz="900" i="0" u="none" strike="noStrike" cap="none" normalizeH="0" baseline="0" dirty="0">
+              <a:ln>
+                <a:noFill/>
+              </a:ln>
+              <a:solidFill>
+                <a:schemeClr val="tx1"/>
+              </a:solidFill>
+              <a:effectLst/>
+            </a:endParaRPr>
+          </a:p>
+        </p:txBody>
+      </p:sp>
+      <p:cxnSp>
+        <p:nvCxnSpPr>
+          <p:cNvPr id="18" name="Conector recto 17">
+            <a:extLst>
+              <a:ext uri="{FF2B5EF4-FFF2-40B4-BE49-F238E27FC236}">
+                <a16:creationId xmlns:a16="http://schemas.microsoft.com/office/drawing/2014/main" id="{AA99C8EC-E6F9-4A6B-A599-B4CEB02B5AEC}"/>
+              </a:ext>
+            </a:extLst>
+          </p:cNvPr>
+          <p:cNvCxnSpPr>
+            <a:cxnSpLocks/>
+          </p:cNvCxnSpPr>
+          <p:nvPr/>
+        </p:nvCxnSpPr>
+        <p:spPr>
+          <a:xfrm>
+            <a:off x="6088177" y="1778494"/>
+            <a:ext cx="7823" cy="4294502"/>
+          </a:xfrm>
+          <a:prstGeom prst="line">
+            <a:avLst/>
+          </a:prstGeom>
+        </p:spPr>
+        <p:style>
+          <a:lnRef idx="1">
+            <a:schemeClr val="dk1"/>
+          </a:lnRef>
+          <a:fillRef idx="0">
+            <a:schemeClr val="dk1"/>
+          </a:fillRef>
+          <a:effectRef idx="0">
+            <a:schemeClr val="dk1"/>
+          </a:effectRef>
+          <a:fontRef idx="minor">
+            <a:schemeClr val="tx1"/>
+          </a:fontRef>
+        </p:style>
+      </p:cxnSp>
+      <p:sp>
+        <p:nvSpPr>
+          <p:cNvPr id="23" name="Google Shape;111;p2">
+            <a:extLst>
+              <a:ext uri="{FF2B5EF4-FFF2-40B4-BE49-F238E27FC236}">
+                <a16:creationId xmlns:a16="http://schemas.microsoft.com/office/drawing/2014/main" id="{CCA30781-67CE-47BA-B924-CB2F82302D11}"/>
+              </a:ext>
+            </a:extLst>
+          </p:cNvPr>
+          <p:cNvSpPr txBox="1"/>
+          <p:nvPr/>
+        </p:nvSpPr>
+        <p:spPr>
+          <a:xfrm>
+            <a:off x="699043" y="2078858"/>
+            <a:ext cx="5123988" cy="1200288"/>
+          </a:xfrm>
+          <a:prstGeom prst="rect">
+            <a:avLst/>
+          </a:prstGeom>
+          <a:noFill/>
+          <a:ln>
+            <a:noFill/>
+          </a:ln>
+        </p:spPr>
+        <p:txBody>
+          <a:bodyPr spcFirstLastPara="1" wrap="square" lIns="91425" tIns="45700" rIns="91425" bIns="45700" anchor="t" anchorCtr="0">
+            <a:spAutoFit/>
+          </a:bodyPr>
+          <a:lstStyle/>
+          <a:p>
+            <a:pPr marR="0" lvl="0" algn="just" defTabSz="914400" rtl="0" eaLnBrk="0" fontAlgn="base" latinLnBrk="0" hangingPunct="0">
+              <a:lnSpc>
+                <a:spcPct val="100000"/>
+              </a:lnSpc>
+              <a:spcBef>
+                <a:spcPct val="0"/>
+              </a:spcBef>
+              <a:spcAft>
+                <a:spcPct val="0"/>
+              </a:spcAft>
+              <a:buClrTx/>
+              <a:buSzTx/>
+              <a:tabLst/>
+            </a:pPr>
+            <a:r>
+              <a:rPr lang="es-PE" altLang="es-PE" dirty="0">
+                <a:latin typeface="Calibri" panose="020F0502020204030204" pitchFamily="34" charset="0"/>
+                <a:cs typeface="Calibri" panose="020F0502020204030204" pitchFamily="34" charset="0"/>
+              </a:rPr>
+              <a:t>Cada tópico contiene palabras de las descripciones de reclamos mas frecuentes y un peso, con el que forma una ecuación para medir la probabilidad de similitud de un texto.</a:t>
+            </a:r>
+            <a:endParaRPr kumimoji="0" lang="es-PE" altLang="es-PE" sz="600" b="0" i="0" u="none" strike="noStrike" cap="none" normalizeH="0" baseline="0" dirty="0">
+              <a:ln>
+                <a:noFill/>
+              </a:ln>
+              <a:effectLst/>
+            </a:endParaRPr>
+          </a:p>
+        </p:txBody>
+      </p:sp>
+      <p:sp>
+        <p:nvSpPr>
+          <p:cNvPr id="24" name="Google Shape;111;p2">
+            <a:extLst>
+              <a:ext uri="{FF2B5EF4-FFF2-40B4-BE49-F238E27FC236}">
+                <a16:creationId xmlns:a16="http://schemas.microsoft.com/office/drawing/2014/main" id="{471E8434-25FE-4AF5-A8A4-8C34D02A5BC4}"/>
+              </a:ext>
+            </a:extLst>
+          </p:cNvPr>
+          <p:cNvSpPr txBox="1"/>
+          <p:nvPr/>
+        </p:nvSpPr>
+        <p:spPr>
+          <a:xfrm>
+            <a:off x="1667960" y="1709631"/>
+            <a:ext cx="3186155" cy="492402"/>
+          </a:xfrm>
+          <a:prstGeom prst="rect">
+            <a:avLst/>
+          </a:prstGeom>
+          <a:noFill/>
+          <a:ln>
+            <a:noFill/>
+          </a:ln>
+        </p:spPr>
+        <p:txBody>
+          <a:bodyPr spcFirstLastPara="1" wrap="square" lIns="91425" tIns="45700" rIns="91425" bIns="45700" anchor="t" anchorCtr="0">
+            <a:spAutoFit/>
+          </a:bodyPr>
+          <a:lstStyle/>
+          <a:p>
+            <a:pPr marL="0" marR="0" lvl="0" indent="0" algn="ctr" defTabSz="914400" rtl="0" eaLnBrk="0" fontAlgn="base" latinLnBrk="0" hangingPunct="0">
               <a:lnSpc>
                 <a:spcPct val="100000"/>
               </a:lnSpc>
@@ -6641,47 +7410,44 @@
               <a:tabLst/>
             </a:pPr>
             <a:r>
-              <a:rPr kumimoji="0" lang="es-PE" altLang="es-PE" sz="1300" b="1" i="0" u="none" strike="noStrike" cap="none" normalizeH="0" baseline="0" dirty="0">
-                <a:ln>
-                  <a:noFill/>
-                </a:ln>
+              <a:rPr lang="es-PE" altLang="es-PE" sz="2000" b="1" dirty="0">
                 <a:solidFill>
                   <a:srgbClr val="000000"/>
                 </a:solidFill>
-                <a:effectLst/>
                 <a:latin typeface="Calibri" panose="020F0502020204030204" pitchFamily="34" charset="0"/>
                 <a:cs typeface="Calibri" panose="020F0502020204030204" pitchFamily="34" charset="0"/>
               </a:rPr>
-              <a:t>Al tratar de identificar los código de servicios, motivo de la fuentes en los catálogos de la SBS, algunos no son encontrados (</a:t>
-            </a:r>
-            <a:r>
-              <a:rPr kumimoji="0" lang="es-PE" altLang="es-PE" sz="1300" b="1" i="0" u="none" strike="noStrike" cap="none" normalizeH="0" baseline="0" dirty="0" err="1">
-                <a:ln>
-                  <a:noFill/>
-                </a:ln>
-                <a:solidFill>
-                  <a:srgbClr val="000000"/>
-                </a:solidFill>
-                <a:effectLst/>
-                <a:latin typeface="Calibri" panose="020F0502020204030204" pitchFamily="34" charset="0"/>
-                <a:cs typeface="Calibri" panose="020F0502020204030204" pitchFamily="34" charset="0"/>
-              </a:rPr>
-              <a:t>eg</a:t>
-            </a:r>
-            <a:r>
-              <a:rPr kumimoji="0" lang="es-PE" altLang="es-PE" sz="1300" b="1" i="0" u="none" strike="noStrike" cap="none" normalizeH="0" baseline="0" dirty="0">
-                <a:ln>
-                  <a:noFill/>
-                </a:ln>
-                <a:solidFill>
-                  <a:srgbClr val="000000"/>
-                </a:solidFill>
-                <a:effectLst/>
-                <a:latin typeface="Calibri" panose="020F0502020204030204" pitchFamily="34" charset="0"/>
-                <a:cs typeface="Calibri" panose="020F0502020204030204" pitchFamily="34" charset="0"/>
-              </a:rPr>
-              <a:t>, 102 (servicio))  </a:t>
-            </a:r>
+              <a:t>Tópicos</a:t>
+            </a:r>
+            <a:endParaRPr kumimoji="0" lang="es-PE" altLang="es-PE" sz="2000" b="1" i="0" u="none" strike="noStrike" cap="none" normalizeH="0" baseline="0" dirty="0">
+              <a:ln>
+                <a:noFill/>
+              </a:ln>
+              <a:solidFill>
+                <a:srgbClr val="000000"/>
+              </a:solidFill>
+              <a:effectLst/>
+              <a:latin typeface="Calibri" panose="020F0502020204030204" pitchFamily="34" charset="0"/>
+              <a:cs typeface="Calibri" panose="020F0502020204030204" pitchFamily="34" charset="0"/>
+            </a:endParaRPr>
+          </a:p>
+          <a:p>
+            <a:pPr marL="0" marR="0" lvl="0" indent="0" algn="ctr" defTabSz="914400" rtl="0" eaLnBrk="0" fontAlgn="base" latinLnBrk="0" hangingPunct="0">
+              <a:lnSpc>
+                <a:spcPct val="100000"/>
+              </a:lnSpc>
+              <a:spcBef>
+                <a:spcPct val="0"/>
+              </a:spcBef>
+              <a:spcAft>
+                <a:spcPct val="0"/>
+              </a:spcAft>
+              <a:buClrTx/>
+              <a:buSzTx/>
+              <a:buFontTx/>
+              <a:buNone/>
+              <a:tabLst/>
+            </a:pPr>
             <a:endParaRPr kumimoji="0" lang="es-PE" altLang="es-PE" sz="600" b="0" i="0" u="none" strike="noStrike" cap="none" normalizeH="0" baseline="0" dirty="0">
               <a:ln>
                 <a:noFill/>
@@ -6694,10 +7460,1046 @@
           </a:p>
         </p:txBody>
       </p:sp>
+      <p:sp>
+        <p:nvSpPr>
+          <p:cNvPr id="32" name="Google Shape;111;p2">
+            <a:extLst>
+              <a:ext uri="{FF2B5EF4-FFF2-40B4-BE49-F238E27FC236}">
+                <a16:creationId xmlns:a16="http://schemas.microsoft.com/office/drawing/2014/main" id="{CFB1CFB1-4573-496A-8E39-53AFDF4E9233}"/>
+              </a:ext>
+            </a:extLst>
+          </p:cNvPr>
+          <p:cNvSpPr txBox="1"/>
+          <p:nvPr/>
+        </p:nvSpPr>
+        <p:spPr>
+          <a:xfrm>
+            <a:off x="971607" y="6202074"/>
+            <a:ext cx="11084503" cy="492402"/>
+          </a:xfrm>
+          <a:prstGeom prst="rect">
+            <a:avLst/>
+          </a:prstGeom>
+          <a:noFill/>
+          <a:ln>
+            <a:noFill/>
+          </a:ln>
+        </p:spPr>
+        <p:txBody>
+          <a:bodyPr spcFirstLastPara="1" wrap="square" lIns="91425" tIns="45700" rIns="91425" bIns="45700" anchor="t" anchorCtr="0">
+            <a:spAutoFit/>
+          </a:bodyPr>
+          <a:lstStyle/>
+          <a:p>
+            <a:pPr marL="0" marR="0" lvl="0" indent="0" algn="l" defTabSz="914400" rtl="0" eaLnBrk="0" fontAlgn="base" latinLnBrk="0" hangingPunct="0">
+              <a:lnSpc>
+                <a:spcPct val="100000"/>
+              </a:lnSpc>
+              <a:spcBef>
+                <a:spcPct val="0"/>
+              </a:spcBef>
+              <a:spcAft>
+                <a:spcPct val="0"/>
+              </a:spcAft>
+              <a:buClrTx/>
+              <a:buSzTx/>
+              <a:buFontTx/>
+              <a:buNone/>
+              <a:tabLst/>
+            </a:pPr>
+            <a:r>
+              <a:rPr kumimoji="0" lang="es-PE" altLang="es-PE" sz="1300" b="1" i="0" u="none" strike="noStrike" cap="none" normalizeH="0" baseline="0" dirty="0">
+                <a:ln>
+                  <a:noFill/>
+                </a:ln>
+                <a:solidFill>
+                  <a:srgbClr val="000000"/>
+                </a:solidFill>
+                <a:effectLst/>
+                <a:latin typeface="Calibri" panose="020F0502020204030204" pitchFamily="34" charset="0"/>
+                <a:cs typeface="Calibri" panose="020F0502020204030204" pitchFamily="34" charset="0"/>
+              </a:rPr>
+              <a:t>(*) Con esto generamos grupos de palabra que funcionarían bien para “Atención del usuario” – MVP, esto puede ser mejorado con una fuente de datos con menor errores y funciones de limpieza mas elaborados.</a:t>
+            </a:r>
+            <a:endParaRPr kumimoji="0" lang="es-PE" altLang="es-PE" sz="600" b="0" i="0" u="none" strike="noStrike" cap="none" normalizeH="0" baseline="0" dirty="0">
+              <a:ln>
+                <a:noFill/>
+              </a:ln>
+              <a:solidFill>
+                <a:schemeClr val="tx1"/>
+              </a:solidFill>
+              <a:effectLst/>
+            </a:endParaRPr>
+          </a:p>
+        </p:txBody>
+      </p:sp>
+      <p:sp>
+        <p:nvSpPr>
+          <p:cNvPr id="33" name="Google Shape;111;p2">
+            <a:extLst>
+              <a:ext uri="{FF2B5EF4-FFF2-40B4-BE49-F238E27FC236}">
+                <a16:creationId xmlns:a16="http://schemas.microsoft.com/office/drawing/2014/main" id="{68ACE9AB-A5EC-4A16-8641-13BEDD5770E8}"/>
+              </a:ext>
+            </a:extLst>
+          </p:cNvPr>
+          <p:cNvSpPr txBox="1"/>
+          <p:nvPr/>
+        </p:nvSpPr>
+        <p:spPr>
+          <a:xfrm>
+            <a:off x="7527977" y="1651595"/>
+            <a:ext cx="3186155" cy="492402"/>
+          </a:xfrm>
+          <a:prstGeom prst="rect">
+            <a:avLst/>
+          </a:prstGeom>
+          <a:noFill/>
+          <a:ln>
+            <a:noFill/>
+          </a:ln>
+        </p:spPr>
+        <p:txBody>
+          <a:bodyPr spcFirstLastPara="1" wrap="square" lIns="91425" tIns="45700" rIns="91425" bIns="45700" anchor="t" anchorCtr="0">
+            <a:spAutoFit/>
+          </a:bodyPr>
+          <a:lstStyle/>
+          <a:p>
+            <a:pPr marL="0" marR="0" lvl="0" indent="0" algn="ctr" defTabSz="914400" rtl="0" eaLnBrk="0" fontAlgn="base" latinLnBrk="0" hangingPunct="0">
+              <a:lnSpc>
+                <a:spcPct val="100000"/>
+              </a:lnSpc>
+              <a:spcBef>
+                <a:spcPct val="0"/>
+              </a:spcBef>
+              <a:spcAft>
+                <a:spcPct val="0"/>
+              </a:spcAft>
+              <a:buClrTx/>
+              <a:buSzTx/>
+              <a:buFontTx/>
+              <a:buNone/>
+              <a:tabLst/>
+            </a:pPr>
+            <a:r>
+              <a:rPr lang="es-PE" altLang="es-PE" sz="2000" b="1" dirty="0">
+                <a:solidFill>
+                  <a:srgbClr val="000000"/>
+                </a:solidFill>
+                <a:latin typeface="Calibri" panose="020F0502020204030204" pitchFamily="34" charset="0"/>
+                <a:cs typeface="Calibri" panose="020F0502020204030204" pitchFamily="34" charset="0"/>
+              </a:rPr>
+              <a:t>Ejemplo: </a:t>
+            </a:r>
+            <a:r>
+              <a:rPr lang="es-PE" altLang="es-PE" sz="2000" dirty="0">
+                <a:solidFill>
+                  <a:srgbClr val="000000"/>
+                </a:solidFill>
+                <a:latin typeface="Calibri" panose="020F0502020204030204" pitchFamily="34" charset="0"/>
+                <a:cs typeface="Calibri" panose="020F0502020204030204" pitchFamily="34" charset="0"/>
+              </a:rPr>
+              <a:t>Tópico 4</a:t>
+            </a:r>
+            <a:endParaRPr kumimoji="0" lang="es-PE" altLang="es-PE" sz="2000" i="0" u="none" strike="noStrike" cap="none" normalizeH="0" baseline="0" dirty="0">
+              <a:ln>
+                <a:noFill/>
+              </a:ln>
+              <a:solidFill>
+                <a:srgbClr val="000000"/>
+              </a:solidFill>
+              <a:effectLst/>
+              <a:latin typeface="Calibri" panose="020F0502020204030204" pitchFamily="34" charset="0"/>
+              <a:cs typeface="Calibri" panose="020F0502020204030204" pitchFamily="34" charset="0"/>
+            </a:endParaRPr>
+          </a:p>
+          <a:p>
+            <a:pPr marL="0" marR="0" lvl="0" indent="0" algn="ctr" defTabSz="914400" rtl="0" eaLnBrk="0" fontAlgn="base" latinLnBrk="0" hangingPunct="0">
+              <a:lnSpc>
+                <a:spcPct val="100000"/>
+              </a:lnSpc>
+              <a:spcBef>
+                <a:spcPct val="0"/>
+              </a:spcBef>
+              <a:spcAft>
+                <a:spcPct val="0"/>
+              </a:spcAft>
+              <a:buClrTx/>
+              <a:buSzTx/>
+              <a:buFontTx/>
+              <a:buNone/>
+              <a:tabLst/>
+            </a:pPr>
+            <a:endParaRPr kumimoji="0" lang="es-PE" altLang="es-PE" sz="600" b="0" i="0" u="none" strike="noStrike" cap="none" normalizeH="0" baseline="0" dirty="0">
+              <a:ln>
+                <a:noFill/>
+              </a:ln>
+              <a:solidFill>
+                <a:schemeClr val="tx1"/>
+              </a:solidFill>
+              <a:effectLst/>
+            </a:endParaRPr>
+          </a:p>
+        </p:txBody>
+      </p:sp>
+      <p:pic>
+        <p:nvPicPr>
+          <p:cNvPr id="35" name="Imagen 34">
+            <a:extLst>
+              <a:ext uri="{FF2B5EF4-FFF2-40B4-BE49-F238E27FC236}">
+                <a16:creationId xmlns:a16="http://schemas.microsoft.com/office/drawing/2014/main" id="{3A73E00B-BEA5-483F-AADD-1FD0D2E41824}"/>
+              </a:ext>
+            </a:extLst>
+          </p:cNvPr>
+          <p:cNvPicPr>
+            <a:picLocks noChangeAspect="1"/>
+          </p:cNvPicPr>
+          <p:nvPr/>
+        </p:nvPicPr>
+        <p:blipFill rotWithShape="1">
+          <a:blip r:embed="rId2"/>
+          <a:srcRect l="3705" t="-1" r="29122" b="38899"/>
+          <a:stretch/>
+        </p:blipFill>
+        <p:spPr>
+          <a:xfrm>
+            <a:off x="6616733" y="2300053"/>
+            <a:ext cx="5008644" cy="2666230"/>
+          </a:xfrm>
+          <a:prstGeom prst="rect">
+            <a:avLst/>
+          </a:prstGeom>
+        </p:spPr>
+      </p:pic>
+      <p:sp>
+        <p:nvSpPr>
+          <p:cNvPr id="31" name="CuadroTexto 30">
+            <a:extLst>
+              <a:ext uri="{FF2B5EF4-FFF2-40B4-BE49-F238E27FC236}">
+                <a16:creationId xmlns:a16="http://schemas.microsoft.com/office/drawing/2014/main" id="{59E3D736-C75E-4EDE-9010-66ABC0EFAA23}"/>
+              </a:ext>
+            </a:extLst>
+          </p:cNvPr>
+          <p:cNvSpPr txBox="1"/>
+          <p:nvPr/>
+        </p:nvSpPr>
+        <p:spPr>
+          <a:xfrm>
+            <a:off x="7449374" y="5135316"/>
+            <a:ext cx="1964776" cy="646331"/>
+          </a:xfrm>
+          <a:prstGeom prst="rect">
+            <a:avLst/>
+          </a:prstGeom>
+          <a:noFill/>
+        </p:spPr>
+        <p:txBody>
+          <a:bodyPr wrap="square">
+            <a:spAutoFit/>
+          </a:bodyPr>
+          <a:lstStyle/>
+          <a:p>
+            <a:pPr marR="0" lvl="0" algn="ctr" defTabSz="914400" rtl="0" eaLnBrk="0" fontAlgn="base" latinLnBrk="0" hangingPunct="0">
+              <a:lnSpc>
+                <a:spcPct val="100000"/>
+              </a:lnSpc>
+              <a:spcBef>
+                <a:spcPct val="0"/>
+              </a:spcBef>
+              <a:spcAft>
+                <a:spcPct val="0"/>
+              </a:spcAft>
+              <a:buClrTx/>
+              <a:buSzTx/>
+              <a:tabLst/>
+            </a:pPr>
+            <a:r>
+              <a:rPr lang="es-PE" altLang="es-PE" dirty="0">
+                <a:latin typeface="Calibri" panose="020F0502020204030204" pitchFamily="34" charset="0"/>
+                <a:cs typeface="Calibri" panose="020F0502020204030204" pitchFamily="34" charset="0"/>
+              </a:rPr>
+              <a:t>Bolsa de palabra del tópico 4</a:t>
+            </a:r>
+            <a:endParaRPr kumimoji="0" lang="es-PE" altLang="es-PE" i="0" u="none" strike="noStrike" cap="none" normalizeH="0" baseline="0" dirty="0">
+              <a:ln>
+                <a:noFill/>
+              </a:ln>
+              <a:effectLst/>
+              <a:latin typeface="Calibri" panose="020F0502020204030204" pitchFamily="34" charset="0"/>
+              <a:cs typeface="Calibri" panose="020F0502020204030204" pitchFamily="34" charset="0"/>
+            </a:endParaRPr>
+          </a:p>
+        </p:txBody>
+      </p:sp>
+      <p:cxnSp>
+        <p:nvCxnSpPr>
+          <p:cNvPr id="36" name="Conector recto de flecha 35">
+            <a:extLst>
+              <a:ext uri="{FF2B5EF4-FFF2-40B4-BE49-F238E27FC236}">
+                <a16:creationId xmlns:a16="http://schemas.microsoft.com/office/drawing/2014/main" id="{78905DF4-9441-41CE-9AD8-12245A68FEA4}"/>
+              </a:ext>
+            </a:extLst>
+          </p:cNvPr>
+          <p:cNvCxnSpPr>
+            <a:cxnSpLocks/>
+          </p:cNvCxnSpPr>
+          <p:nvPr/>
+        </p:nvCxnSpPr>
+        <p:spPr>
+          <a:xfrm flipV="1">
+            <a:off x="8816830" y="3795621"/>
+            <a:ext cx="1065401" cy="1275156"/>
+          </a:xfrm>
+          <a:prstGeom prst="straightConnector1">
+            <a:avLst/>
+          </a:prstGeom>
+          <a:ln>
+            <a:solidFill>
+              <a:srgbClr val="C00000"/>
+            </a:solidFill>
+            <a:tailEnd type="triangle"/>
+          </a:ln>
+        </p:spPr>
+        <p:style>
+          <a:lnRef idx="3">
+            <a:schemeClr val="accent2"/>
+          </a:lnRef>
+          <a:fillRef idx="0">
+            <a:schemeClr val="accent2"/>
+          </a:fillRef>
+          <a:effectRef idx="2">
+            <a:schemeClr val="accent2"/>
+          </a:effectRef>
+          <a:fontRef idx="minor">
+            <a:schemeClr val="tx1"/>
+          </a:fontRef>
+        </p:style>
+      </p:cxnSp>
+      <p:sp>
+        <p:nvSpPr>
+          <p:cNvPr id="38" name="CuadroTexto 37">
+            <a:extLst>
+              <a:ext uri="{FF2B5EF4-FFF2-40B4-BE49-F238E27FC236}">
+                <a16:creationId xmlns:a16="http://schemas.microsoft.com/office/drawing/2014/main" id="{A79F5D43-9288-4BB8-AF51-281F58D97234}"/>
+              </a:ext>
+            </a:extLst>
+          </p:cNvPr>
+          <p:cNvSpPr txBox="1"/>
+          <p:nvPr/>
+        </p:nvSpPr>
+        <p:spPr>
+          <a:xfrm>
+            <a:off x="954829" y="3608502"/>
+            <a:ext cx="225185" cy="374237"/>
+          </a:xfrm>
+          <a:prstGeom prst="rect">
+            <a:avLst/>
+          </a:prstGeom>
+          <a:solidFill>
+            <a:schemeClr val="tx1"/>
+          </a:solidFill>
+        </p:spPr>
+        <p:txBody>
+          <a:bodyPr wrap="square">
+            <a:spAutoFit/>
+          </a:bodyPr>
+          <a:lstStyle/>
+          <a:p>
+            <a:pPr marR="0" lvl="0" algn="ctr" defTabSz="914400" rtl="0" eaLnBrk="0" fontAlgn="base" latinLnBrk="0" hangingPunct="0">
+              <a:lnSpc>
+                <a:spcPct val="100000"/>
+              </a:lnSpc>
+              <a:spcBef>
+                <a:spcPct val="0"/>
+              </a:spcBef>
+              <a:spcAft>
+                <a:spcPct val="0"/>
+              </a:spcAft>
+              <a:buClrTx/>
+              <a:buSzTx/>
+              <a:tabLst/>
+            </a:pPr>
+            <a:r>
+              <a:rPr lang="es-MX" altLang="es-PE" b="1" dirty="0">
+                <a:solidFill>
+                  <a:schemeClr val="bg1"/>
+                </a:solidFill>
+                <a:latin typeface="Calibri" panose="020F0502020204030204" pitchFamily="34" charset="0"/>
+                <a:cs typeface="Calibri" panose="020F0502020204030204" pitchFamily="34" charset="0"/>
+              </a:rPr>
+              <a:t>1</a:t>
+            </a:r>
+            <a:endParaRPr kumimoji="0" lang="es-PE" altLang="es-PE" b="1" i="0" u="none" strike="noStrike" cap="none" normalizeH="0" baseline="0" dirty="0">
+              <a:ln>
+                <a:noFill/>
+              </a:ln>
+              <a:effectLst/>
+              <a:latin typeface="Calibri" panose="020F0502020204030204" pitchFamily="34" charset="0"/>
+              <a:cs typeface="Calibri" panose="020F0502020204030204" pitchFamily="34" charset="0"/>
+            </a:endParaRPr>
+          </a:p>
+        </p:txBody>
+      </p:sp>
+      <p:sp>
+        <p:nvSpPr>
+          <p:cNvPr id="39" name="CuadroTexto 38">
+            <a:extLst>
+              <a:ext uri="{FF2B5EF4-FFF2-40B4-BE49-F238E27FC236}">
+                <a16:creationId xmlns:a16="http://schemas.microsoft.com/office/drawing/2014/main" id="{69766AD5-AE8E-4AF2-B17B-07E3C147060D}"/>
+              </a:ext>
+            </a:extLst>
+          </p:cNvPr>
+          <p:cNvSpPr txBox="1"/>
+          <p:nvPr/>
+        </p:nvSpPr>
+        <p:spPr>
+          <a:xfrm>
+            <a:off x="960262" y="4073249"/>
+            <a:ext cx="225185" cy="374237"/>
+          </a:xfrm>
+          <a:prstGeom prst="rect">
+            <a:avLst/>
+          </a:prstGeom>
+          <a:solidFill>
+            <a:schemeClr val="tx1"/>
+          </a:solidFill>
+        </p:spPr>
+        <p:txBody>
+          <a:bodyPr wrap="square">
+            <a:spAutoFit/>
+          </a:bodyPr>
+          <a:lstStyle/>
+          <a:p>
+            <a:pPr marR="0" lvl="0" algn="ctr" defTabSz="914400" rtl="0" eaLnBrk="0" fontAlgn="base" latinLnBrk="0" hangingPunct="0">
+              <a:lnSpc>
+                <a:spcPct val="100000"/>
+              </a:lnSpc>
+              <a:spcBef>
+                <a:spcPct val="0"/>
+              </a:spcBef>
+              <a:spcAft>
+                <a:spcPct val="0"/>
+              </a:spcAft>
+              <a:buClrTx/>
+              <a:buSzTx/>
+              <a:tabLst/>
+            </a:pPr>
+            <a:r>
+              <a:rPr kumimoji="0" lang="es-MX" altLang="es-PE" b="1" i="0" u="none" strike="noStrike" cap="none" normalizeH="0" baseline="0" dirty="0">
+                <a:ln>
+                  <a:noFill/>
+                </a:ln>
+                <a:solidFill>
+                  <a:schemeClr val="bg1"/>
+                </a:solidFill>
+                <a:effectLst/>
+                <a:latin typeface="Calibri" panose="020F0502020204030204" pitchFamily="34" charset="0"/>
+                <a:cs typeface="Calibri" panose="020F0502020204030204" pitchFamily="34" charset="0"/>
+              </a:rPr>
+              <a:t>2</a:t>
+            </a:r>
+            <a:endParaRPr kumimoji="0" lang="es-PE" altLang="es-PE" b="1" i="0" u="none" strike="noStrike" cap="none" normalizeH="0" baseline="0" dirty="0">
+              <a:ln>
+                <a:noFill/>
+              </a:ln>
+              <a:effectLst/>
+              <a:latin typeface="Calibri" panose="020F0502020204030204" pitchFamily="34" charset="0"/>
+              <a:cs typeface="Calibri" panose="020F0502020204030204" pitchFamily="34" charset="0"/>
+            </a:endParaRPr>
+          </a:p>
+        </p:txBody>
+      </p:sp>
+      <p:sp>
+        <p:nvSpPr>
+          <p:cNvPr id="40" name="CuadroTexto 39">
+            <a:extLst>
+              <a:ext uri="{FF2B5EF4-FFF2-40B4-BE49-F238E27FC236}">
+                <a16:creationId xmlns:a16="http://schemas.microsoft.com/office/drawing/2014/main" id="{84E6319E-3E56-4994-8A84-213CC0AED736}"/>
+              </a:ext>
+            </a:extLst>
+          </p:cNvPr>
+          <p:cNvSpPr txBox="1"/>
+          <p:nvPr/>
+        </p:nvSpPr>
+        <p:spPr>
+          <a:xfrm>
+            <a:off x="963217" y="4535362"/>
+            <a:ext cx="225185" cy="374237"/>
+          </a:xfrm>
+          <a:prstGeom prst="rect">
+            <a:avLst/>
+          </a:prstGeom>
+          <a:solidFill>
+            <a:schemeClr val="tx1"/>
+          </a:solidFill>
+        </p:spPr>
+        <p:txBody>
+          <a:bodyPr wrap="square">
+            <a:spAutoFit/>
+          </a:bodyPr>
+          <a:lstStyle/>
+          <a:p>
+            <a:pPr marR="0" lvl="0" algn="ctr" defTabSz="914400" rtl="0" eaLnBrk="0" fontAlgn="base" latinLnBrk="0" hangingPunct="0">
+              <a:lnSpc>
+                <a:spcPct val="100000"/>
+              </a:lnSpc>
+              <a:spcBef>
+                <a:spcPct val="0"/>
+              </a:spcBef>
+              <a:spcAft>
+                <a:spcPct val="0"/>
+              </a:spcAft>
+              <a:buClrTx/>
+              <a:buSzTx/>
+              <a:tabLst/>
+            </a:pPr>
+            <a:r>
+              <a:rPr lang="es-MX" altLang="es-PE" b="1" dirty="0">
+                <a:solidFill>
+                  <a:schemeClr val="bg1"/>
+                </a:solidFill>
+                <a:latin typeface="Calibri" panose="020F0502020204030204" pitchFamily="34" charset="0"/>
+                <a:cs typeface="Calibri" panose="020F0502020204030204" pitchFamily="34" charset="0"/>
+              </a:rPr>
+              <a:t>3</a:t>
+            </a:r>
+            <a:endParaRPr kumimoji="0" lang="es-PE" altLang="es-PE" b="1" i="0" u="none" strike="noStrike" cap="none" normalizeH="0" baseline="0" dirty="0">
+              <a:ln>
+                <a:noFill/>
+              </a:ln>
+              <a:effectLst/>
+              <a:latin typeface="Calibri" panose="020F0502020204030204" pitchFamily="34" charset="0"/>
+              <a:cs typeface="Calibri" panose="020F0502020204030204" pitchFamily="34" charset="0"/>
+            </a:endParaRPr>
+          </a:p>
+        </p:txBody>
+      </p:sp>
+      <p:sp>
+        <p:nvSpPr>
+          <p:cNvPr id="41" name="CuadroTexto 40">
+            <a:extLst>
+              <a:ext uri="{FF2B5EF4-FFF2-40B4-BE49-F238E27FC236}">
+                <a16:creationId xmlns:a16="http://schemas.microsoft.com/office/drawing/2014/main" id="{DA93B6EA-37D6-4471-A137-F3BEF27F9AAB}"/>
+              </a:ext>
+            </a:extLst>
+          </p:cNvPr>
+          <p:cNvSpPr txBox="1"/>
+          <p:nvPr/>
+        </p:nvSpPr>
+        <p:spPr>
+          <a:xfrm>
+            <a:off x="968650" y="5002761"/>
+            <a:ext cx="225185" cy="374237"/>
+          </a:xfrm>
+          <a:prstGeom prst="rect">
+            <a:avLst/>
+          </a:prstGeom>
+          <a:solidFill>
+            <a:schemeClr val="tx1"/>
+          </a:solidFill>
+        </p:spPr>
+        <p:txBody>
+          <a:bodyPr wrap="square">
+            <a:spAutoFit/>
+          </a:bodyPr>
+          <a:lstStyle/>
+          <a:p>
+            <a:pPr marR="0" lvl="0" algn="ctr" defTabSz="914400" rtl="0" eaLnBrk="0" fontAlgn="base" latinLnBrk="0" hangingPunct="0">
+              <a:lnSpc>
+                <a:spcPct val="100000"/>
+              </a:lnSpc>
+              <a:spcBef>
+                <a:spcPct val="0"/>
+              </a:spcBef>
+              <a:spcAft>
+                <a:spcPct val="0"/>
+              </a:spcAft>
+              <a:buClrTx/>
+              <a:buSzTx/>
+              <a:tabLst/>
+            </a:pPr>
+            <a:r>
+              <a:rPr lang="es-MX" altLang="es-PE" b="1" dirty="0">
+                <a:solidFill>
+                  <a:schemeClr val="bg1"/>
+                </a:solidFill>
+                <a:latin typeface="Calibri" panose="020F0502020204030204" pitchFamily="34" charset="0"/>
+                <a:cs typeface="Calibri" panose="020F0502020204030204" pitchFamily="34" charset="0"/>
+              </a:rPr>
+              <a:t>4</a:t>
+            </a:r>
+            <a:endParaRPr kumimoji="0" lang="es-PE" altLang="es-PE" b="1" i="0" u="none" strike="noStrike" cap="none" normalizeH="0" baseline="0" dirty="0">
+              <a:ln>
+                <a:noFill/>
+              </a:ln>
+              <a:effectLst/>
+              <a:latin typeface="Calibri" panose="020F0502020204030204" pitchFamily="34" charset="0"/>
+              <a:cs typeface="Calibri" panose="020F0502020204030204" pitchFamily="34" charset="0"/>
+            </a:endParaRPr>
+          </a:p>
+        </p:txBody>
+      </p:sp>
+      <p:sp>
+        <p:nvSpPr>
+          <p:cNvPr id="46" name="CuadroTexto 45">
+            <a:extLst>
+              <a:ext uri="{FF2B5EF4-FFF2-40B4-BE49-F238E27FC236}">
+                <a16:creationId xmlns:a16="http://schemas.microsoft.com/office/drawing/2014/main" id="{72E5E3E9-E09F-4490-BC0F-D8053EFE8E68}"/>
+              </a:ext>
+            </a:extLst>
+          </p:cNvPr>
+          <p:cNvSpPr txBox="1"/>
+          <p:nvPr/>
+        </p:nvSpPr>
+        <p:spPr>
+          <a:xfrm>
+            <a:off x="1196791" y="3482154"/>
+            <a:ext cx="4499218" cy="523220"/>
+          </a:xfrm>
+          <a:prstGeom prst="rect">
+            <a:avLst/>
+          </a:prstGeom>
+          <a:noFill/>
+        </p:spPr>
+        <p:txBody>
+          <a:bodyPr wrap="square">
+            <a:spAutoFit/>
+          </a:bodyPr>
+          <a:lstStyle/>
+          <a:p>
+            <a:pPr marL="0" marR="0" lvl="0" indent="0" defTabSz="914400" rtl="0" eaLnBrk="0" fontAlgn="base" latinLnBrk="0" hangingPunct="0">
+              <a:lnSpc>
+                <a:spcPct val="200000"/>
+              </a:lnSpc>
+              <a:spcBef>
+                <a:spcPct val="0"/>
+              </a:spcBef>
+              <a:spcAft>
+                <a:spcPct val="0"/>
+              </a:spcAft>
+              <a:buClrTx/>
+              <a:buSzTx/>
+              <a:buFontTx/>
+              <a:buNone/>
+              <a:tabLst/>
+            </a:pPr>
+            <a:r>
+              <a:rPr kumimoji="0" lang="es-MX" altLang="es-PE" sz="1600" i="0" u="none" strike="noStrike" cap="none" normalizeH="0" baseline="0" dirty="0">
+                <a:ln>
+                  <a:noFill/>
+                </a:ln>
+                <a:solidFill>
+                  <a:schemeClr val="accent1"/>
+                </a:solidFill>
+                <a:effectLst/>
+                <a:latin typeface="Courier New" panose="02070309020205020404" pitchFamily="49" charset="0"/>
+              </a:rPr>
+              <a:t>0.044*"</a:t>
+            </a:r>
+            <a:r>
+              <a:rPr kumimoji="0" lang="es-MX" altLang="es-PE" sz="1600" b="1" i="0" u="none" strike="noStrike" cap="none" normalizeH="0" baseline="0" dirty="0">
+                <a:ln>
+                  <a:noFill/>
+                </a:ln>
+                <a:solidFill>
+                  <a:schemeClr val="accent1"/>
+                </a:solidFill>
+                <a:effectLst/>
+                <a:latin typeface="Courier New" panose="02070309020205020404" pitchFamily="49" charset="0"/>
+              </a:rPr>
+              <a:t>hacer</a:t>
+            </a:r>
+            <a:r>
+              <a:rPr kumimoji="0" lang="es-MX" altLang="es-PE" sz="1600" i="0" u="none" strike="noStrike" cap="none" normalizeH="0" baseline="0" dirty="0">
+                <a:ln>
+                  <a:noFill/>
+                </a:ln>
+                <a:solidFill>
+                  <a:schemeClr val="accent1"/>
+                </a:solidFill>
+                <a:effectLst/>
+                <a:latin typeface="Courier New" panose="02070309020205020404" pitchFamily="49" charset="0"/>
+              </a:rPr>
+              <a:t>" + 0.031*"</a:t>
+            </a:r>
+            <a:r>
+              <a:rPr kumimoji="0" lang="es-MX" altLang="es-PE" sz="1600" b="1" i="0" u="none" strike="noStrike" cap="none" normalizeH="0" baseline="0" dirty="0">
+                <a:ln>
+                  <a:noFill/>
+                </a:ln>
+                <a:solidFill>
+                  <a:schemeClr val="accent1"/>
+                </a:solidFill>
+                <a:effectLst/>
+                <a:latin typeface="Courier New" panose="02070309020205020404" pitchFamily="49" charset="0"/>
+              </a:rPr>
+              <a:t>persona</a:t>
+            </a:r>
+            <a:r>
+              <a:rPr kumimoji="0" lang="es-MX" altLang="es-PE" sz="1600" i="0" u="none" strike="noStrike" cap="none" normalizeH="0" baseline="0" dirty="0">
+                <a:ln>
+                  <a:noFill/>
+                </a:ln>
+                <a:solidFill>
+                  <a:schemeClr val="accent1"/>
+                </a:solidFill>
+                <a:effectLst/>
+                <a:latin typeface="Courier New" panose="02070309020205020404" pitchFamily="49" charset="0"/>
+              </a:rPr>
+              <a:t>" +…</a:t>
+            </a:r>
+          </a:p>
+        </p:txBody>
+      </p:sp>
+      <p:sp>
+        <p:nvSpPr>
+          <p:cNvPr id="47" name="CuadroTexto 46">
+            <a:extLst>
+              <a:ext uri="{FF2B5EF4-FFF2-40B4-BE49-F238E27FC236}">
+                <a16:creationId xmlns:a16="http://schemas.microsoft.com/office/drawing/2014/main" id="{D19F447C-190B-4421-859B-CC3CC4E7F3F6}"/>
+              </a:ext>
+            </a:extLst>
+          </p:cNvPr>
+          <p:cNvSpPr txBox="1"/>
+          <p:nvPr/>
+        </p:nvSpPr>
+        <p:spPr>
+          <a:xfrm>
+            <a:off x="1196791" y="3955495"/>
+            <a:ext cx="4499218" cy="523220"/>
+          </a:xfrm>
+          <a:prstGeom prst="rect">
+            <a:avLst/>
+          </a:prstGeom>
+          <a:noFill/>
+        </p:spPr>
+        <p:txBody>
+          <a:bodyPr wrap="square">
+            <a:spAutoFit/>
+          </a:bodyPr>
+          <a:lstStyle/>
+          <a:p>
+            <a:pPr marL="0" marR="0" lvl="0" indent="0" defTabSz="914400" rtl="0" eaLnBrk="0" fontAlgn="base" latinLnBrk="0" hangingPunct="0">
+              <a:lnSpc>
+                <a:spcPct val="200000"/>
+              </a:lnSpc>
+              <a:spcBef>
+                <a:spcPct val="0"/>
+              </a:spcBef>
+              <a:spcAft>
+                <a:spcPct val="0"/>
+              </a:spcAft>
+              <a:buClrTx/>
+              <a:buSzTx/>
+              <a:buFontTx/>
+              <a:buNone/>
+              <a:tabLst/>
+            </a:pPr>
+            <a:r>
+              <a:rPr kumimoji="0" lang="es-MX" altLang="es-PE" sz="1600" i="0" u="none" strike="noStrike" cap="none" normalizeH="0" baseline="0" dirty="0">
+                <a:ln>
+                  <a:noFill/>
+                </a:ln>
+                <a:solidFill>
+                  <a:schemeClr val="accent1"/>
+                </a:solidFill>
+                <a:effectLst/>
+                <a:latin typeface="Courier New" panose="02070309020205020404" pitchFamily="49" charset="0"/>
+              </a:rPr>
+              <a:t>0.034*"</a:t>
+            </a:r>
+            <a:r>
+              <a:rPr kumimoji="0" lang="es-MX" altLang="es-PE" sz="1600" b="1" i="0" u="none" strike="noStrike" cap="none" normalizeH="0" baseline="0" dirty="0">
+                <a:ln>
+                  <a:noFill/>
+                </a:ln>
+                <a:solidFill>
+                  <a:schemeClr val="accent1"/>
+                </a:solidFill>
+                <a:effectLst/>
+                <a:latin typeface="Courier New" panose="02070309020205020404" pitchFamily="49" charset="0"/>
+              </a:rPr>
+              <a:t>decir</a:t>
+            </a:r>
+            <a:r>
+              <a:rPr kumimoji="0" lang="es-MX" altLang="es-PE" sz="1600" i="0" u="none" strike="noStrike" cap="none" normalizeH="0" baseline="0" dirty="0">
+                <a:ln>
+                  <a:noFill/>
+                </a:ln>
+                <a:solidFill>
+                  <a:schemeClr val="accent1"/>
+                </a:solidFill>
+                <a:effectLst/>
+                <a:latin typeface="Courier New" panose="02070309020205020404" pitchFamily="49" charset="0"/>
+              </a:rPr>
+              <a:t>" + 0.027*"</a:t>
+            </a:r>
+            <a:r>
+              <a:rPr kumimoji="0" lang="es-MX" altLang="es-PE" sz="1600" b="1" i="0" u="none" strike="noStrike" cap="none" normalizeH="0" baseline="0" dirty="0">
+                <a:ln>
+                  <a:noFill/>
+                </a:ln>
+                <a:solidFill>
+                  <a:schemeClr val="accent1"/>
+                </a:solidFill>
+                <a:effectLst/>
+                <a:latin typeface="Courier New" panose="02070309020205020404" pitchFamily="49" charset="0"/>
+              </a:rPr>
+              <a:t>cliente</a:t>
+            </a:r>
+            <a:r>
+              <a:rPr kumimoji="0" lang="es-MX" altLang="es-PE" sz="1600" i="0" u="none" strike="noStrike" cap="none" normalizeH="0" baseline="0" dirty="0">
+                <a:ln>
+                  <a:noFill/>
+                </a:ln>
+                <a:solidFill>
+                  <a:schemeClr val="accent1"/>
+                </a:solidFill>
+                <a:effectLst/>
+                <a:latin typeface="Courier New" panose="02070309020205020404" pitchFamily="49" charset="0"/>
+              </a:rPr>
+              <a:t>" +…</a:t>
+            </a:r>
+          </a:p>
+        </p:txBody>
+      </p:sp>
+      <p:sp>
+        <p:nvSpPr>
+          <p:cNvPr id="48" name="CuadroTexto 47">
+            <a:extLst>
+              <a:ext uri="{FF2B5EF4-FFF2-40B4-BE49-F238E27FC236}">
+                <a16:creationId xmlns:a16="http://schemas.microsoft.com/office/drawing/2014/main" id="{3A62280A-3E6E-4B90-96B1-1A3EE064C7E9}"/>
+              </a:ext>
+            </a:extLst>
+          </p:cNvPr>
+          <p:cNvSpPr txBox="1"/>
+          <p:nvPr/>
+        </p:nvSpPr>
+        <p:spPr>
+          <a:xfrm>
+            <a:off x="1208135" y="4412058"/>
+            <a:ext cx="4499218" cy="523220"/>
+          </a:xfrm>
+          <a:prstGeom prst="rect">
+            <a:avLst/>
+          </a:prstGeom>
+          <a:noFill/>
+        </p:spPr>
+        <p:txBody>
+          <a:bodyPr wrap="square">
+            <a:spAutoFit/>
+          </a:bodyPr>
+          <a:lstStyle/>
+          <a:p>
+            <a:pPr marL="0" marR="0" lvl="0" indent="0" defTabSz="914400" rtl="0" eaLnBrk="0" fontAlgn="base" latinLnBrk="0" hangingPunct="0">
+              <a:lnSpc>
+                <a:spcPct val="200000"/>
+              </a:lnSpc>
+              <a:spcBef>
+                <a:spcPct val="0"/>
+              </a:spcBef>
+              <a:spcAft>
+                <a:spcPct val="0"/>
+              </a:spcAft>
+              <a:buClrTx/>
+              <a:buSzTx/>
+              <a:buFontTx/>
+              <a:buNone/>
+              <a:tabLst/>
+            </a:pPr>
+            <a:r>
+              <a:rPr kumimoji="0" lang="es-MX" altLang="es-PE" sz="1600" i="0" u="none" strike="noStrike" cap="none" normalizeH="0" baseline="0" dirty="0">
+                <a:ln>
+                  <a:noFill/>
+                </a:ln>
+                <a:solidFill>
+                  <a:schemeClr val="accent1"/>
+                </a:solidFill>
+                <a:effectLst/>
+                <a:latin typeface="Courier New" panose="02070309020205020404" pitchFamily="49" charset="0"/>
+              </a:rPr>
+              <a:t>0.033*"</a:t>
+            </a:r>
+            <a:r>
+              <a:rPr kumimoji="0" lang="es-MX" altLang="es-PE" sz="1600" b="1" i="0" u="none" strike="noStrike" cap="none" normalizeH="0" baseline="0" dirty="0">
+                <a:ln>
+                  <a:noFill/>
+                </a:ln>
+                <a:solidFill>
+                  <a:schemeClr val="accent1"/>
+                </a:solidFill>
+                <a:effectLst/>
+                <a:latin typeface="Courier New" panose="02070309020205020404" pitchFamily="49" charset="0"/>
+              </a:rPr>
+              <a:t>pago</a:t>
+            </a:r>
+            <a:r>
+              <a:rPr kumimoji="0" lang="es-MX" altLang="es-PE" sz="1600" i="0" u="none" strike="noStrike" cap="none" normalizeH="0" baseline="0" dirty="0">
+                <a:ln>
+                  <a:noFill/>
+                </a:ln>
+                <a:solidFill>
+                  <a:schemeClr val="accent1"/>
+                </a:solidFill>
+                <a:effectLst/>
+                <a:latin typeface="Courier New" panose="02070309020205020404" pitchFamily="49" charset="0"/>
+              </a:rPr>
+              <a:t>" + 0.029*"</a:t>
+            </a:r>
+            <a:r>
+              <a:rPr kumimoji="0" lang="es-MX" altLang="es-PE" sz="1600" b="1" i="0" u="none" strike="noStrike" cap="none" normalizeH="0" baseline="0" dirty="0">
+                <a:ln>
+                  <a:noFill/>
+                </a:ln>
+                <a:solidFill>
+                  <a:schemeClr val="accent1"/>
+                </a:solidFill>
+                <a:effectLst/>
+                <a:latin typeface="Courier New" panose="02070309020205020404" pitchFamily="49" charset="0"/>
+              </a:rPr>
+              <a:t>tarjeta</a:t>
+            </a:r>
+            <a:r>
+              <a:rPr kumimoji="0" lang="es-MX" altLang="es-PE" sz="1600" i="0" u="none" strike="noStrike" cap="none" normalizeH="0" baseline="0" dirty="0">
+                <a:ln>
+                  <a:noFill/>
+                </a:ln>
+                <a:solidFill>
+                  <a:schemeClr val="accent1"/>
+                </a:solidFill>
+                <a:effectLst/>
+                <a:latin typeface="Courier New" panose="02070309020205020404" pitchFamily="49" charset="0"/>
+              </a:rPr>
+              <a:t>" +…</a:t>
+            </a:r>
+          </a:p>
+        </p:txBody>
+      </p:sp>
+      <p:sp>
+        <p:nvSpPr>
+          <p:cNvPr id="49" name="CuadroTexto 48">
+            <a:extLst>
+              <a:ext uri="{FF2B5EF4-FFF2-40B4-BE49-F238E27FC236}">
+                <a16:creationId xmlns:a16="http://schemas.microsoft.com/office/drawing/2014/main" id="{5FFEDFCF-4A4E-4882-8BD4-3AF7FC179A43}"/>
+              </a:ext>
+            </a:extLst>
+          </p:cNvPr>
+          <p:cNvSpPr txBox="1"/>
+          <p:nvPr/>
+        </p:nvSpPr>
+        <p:spPr>
+          <a:xfrm>
+            <a:off x="1208135" y="4878341"/>
+            <a:ext cx="4499218" cy="523220"/>
+          </a:xfrm>
+          <a:prstGeom prst="rect">
+            <a:avLst/>
+          </a:prstGeom>
+          <a:noFill/>
+        </p:spPr>
+        <p:txBody>
+          <a:bodyPr wrap="square">
+            <a:spAutoFit/>
+          </a:bodyPr>
+          <a:lstStyle/>
+          <a:p>
+            <a:pPr marL="0" marR="0" lvl="0" indent="0" defTabSz="914400" rtl="0" eaLnBrk="0" fontAlgn="base" latinLnBrk="0" hangingPunct="0">
+              <a:lnSpc>
+                <a:spcPct val="200000"/>
+              </a:lnSpc>
+              <a:spcBef>
+                <a:spcPct val="0"/>
+              </a:spcBef>
+              <a:spcAft>
+                <a:spcPct val="0"/>
+              </a:spcAft>
+              <a:buClrTx/>
+              <a:buSzTx/>
+              <a:buFontTx/>
+              <a:buNone/>
+              <a:tabLst/>
+            </a:pPr>
+            <a:r>
+              <a:rPr kumimoji="0" lang="es-MX" altLang="es-PE" sz="1600" i="0" u="none" strike="noStrike" cap="none" normalizeH="0" baseline="0" dirty="0">
+                <a:ln>
+                  <a:noFill/>
+                </a:ln>
+                <a:solidFill>
+                  <a:srgbClr val="C00000"/>
+                </a:solidFill>
+                <a:effectLst/>
+                <a:latin typeface="Courier New" panose="02070309020205020404" pitchFamily="49" charset="0"/>
+              </a:rPr>
+              <a:t>0.023*"</a:t>
+            </a:r>
+            <a:r>
+              <a:rPr kumimoji="0" lang="es-MX" altLang="es-PE" sz="1600" b="1" i="0" u="none" strike="noStrike" cap="none" normalizeH="0" baseline="0" dirty="0">
+                <a:ln>
+                  <a:noFill/>
+                </a:ln>
+                <a:solidFill>
+                  <a:srgbClr val="C00000"/>
+                </a:solidFill>
+                <a:effectLst/>
+                <a:latin typeface="Courier New" panose="02070309020205020404" pitchFamily="49" charset="0"/>
+              </a:rPr>
+              <a:t>fecha</a:t>
+            </a:r>
+            <a:r>
+              <a:rPr kumimoji="0" lang="es-MX" altLang="es-PE" sz="1600" i="0" u="none" strike="noStrike" cap="none" normalizeH="0" baseline="0" dirty="0">
+                <a:ln>
+                  <a:noFill/>
+                </a:ln>
+                <a:solidFill>
+                  <a:srgbClr val="C00000"/>
+                </a:solidFill>
+                <a:effectLst/>
+                <a:latin typeface="Courier New" panose="02070309020205020404" pitchFamily="49" charset="0"/>
+              </a:rPr>
+              <a:t>" + 0.015*"</a:t>
+            </a:r>
+            <a:r>
+              <a:rPr kumimoji="0" lang="es-MX" altLang="es-PE" sz="1600" b="1" i="0" u="none" strike="noStrike" cap="none" normalizeH="0" baseline="0" dirty="0">
+                <a:ln>
+                  <a:noFill/>
+                </a:ln>
+                <a:solidFill>
+                  <a:srgbClr val="C00000"/>
+                </a:solidFill>
+                <a:effectLst/>
+                <a:latin typeface="Courier New" panose="02070309020205020404" pitchFamily="49" charset="0"/>
+              </a:rPr>
+              <a:t>día</a:t>
+            </a:r>
+            <a:r>
+              <a:rPr kumimoji="0" lang="es-MX" altLang="es-PE" sz="1600" i="0" u="none" strike="noStrike" cap="none" normalizeH="0" baseline="0" dirty="0">
+                <a:ln>
+                  <a:noFill/>
+                </a:ln>
+                <a:solidFill>
+                  <a:srgbClr val="C00000"/>
+                </a:solidFill>
+                <a:effectLst/>
+                <a:latin typeface="Courier New" panose="02070309020205020404" pitchFamily="49" charset="0"/>
+              </a:rPr>
+              <a:t>" +…</a:t>
+            </a:r>
+            <a:endParaRPr kumimoji="0" lang="es-MX" altLang="es-PE" sz="1600" i="0" u="none" strike="noStrike" cap="none" normalizeH="0" baseline="0" dirty="0">
+              <a:ln>
+                <a:noFill/>
+              </a:ln>
+              <a:solidFill>
+                <a:schemeClr val="accent1"/>
+              </a:solidFill>
+              <a:effectLst/>
+              <a:latin typeface="Courier New" panose="02070309020205020404" pitchFamily="49" charset="0"/>
+            </a:endParaRPr>
+          </a:p>
+        </p:txBody>
+      </p:sp>
     </p:spTree>
     <p:extLst>
       <p:ext uri="{BB962C8B-B14F-4D97-AF65-F5344CB8AC3E}">
-        <p14:creationId xmlns:p14="http://schemas.microsoft.com/office/powerpoint/2010/main" val="2340975762"/>
+        <p14:creationId xmlns:p14="http://schemas.microsoft.com/office/powerpoint/2010/main" val="1669639385"/>
       </p:ext>
     </p:extLst>
   </p:cSld>
@@ -6726,6 +8528,1444 @@
       </p:grpSpPr>
       <p:sp>
         <p:nvSpPr>
+          <p:cNvPr id="4" name="Rectángulo: esquinas superiores redondeadas 4">
+            <a:extLst>
+              <a:ext uri="{FF2B5EF4-FFF2-40B4-BE49-F238E27FC236}">
+                <a16:creationId xmlns:a16="http://schemas.microsoft.com/office/drawing/2014/main" id="{CF789E0E-816C-4223-84EC-DC9D690B87EA}"/>
+              </a:ext>
+            </a:extLst>
+          </p:cNvPr>
+          <p:cNvSpPr/>
+          <p:nvPr/>
+        </p:nvSpPr>
+        <p:spPr>
+          <a:xfrm rot="10800000">
+            <a:off x="355599" y="0"/>
+            <a:ext cx="7813039" cy="640080"/>
+          </a:xfrm>
+          <a:prstGeom prst="round2SameRect">
+            <a:avLst/>
+          </a:prstGeom>
+          <a:solidFill>
+            <a:schemeClr val="tx2">
+              <a:lumMod val="75000"/>
+            </a:schemeClr>
+          </a:solidFill>
+        </p:spPr>
+        <p:style>
+          <a:lnRef idx="2">
+            <a:schemeClr val="accent1">
+              <a:shade val="50000"/>
+            </a:schemeClr>
+          </a:lnRef>
+          <a:fillRef idx="1">
+            <a:schemeClr val="accent1"/>
+          </a:fillRef>
+          <a:effectRef idx="0">
+            <a:schemeClr val="accent1"/>
+          </a:effectRef>
+          <a:fontRef idx="minor">
+            <a:schemeClr val="lt1"/>
+          </a:fontRef>
+        </p:style>
+        <p:txBody>
+          <a:bodyPr rtlCol="0" anchor="ctr"/>
+          <a:lstStyle/>
+          <a:p>
+            <a:pPr algn="ctr"/>
+            <a:endParaRPr lang="es-PE" dirty="0"/>
+          </a:p>
+        </p:txBody>
+      </p:sp>
+      <p:sp>
+        <p:nvSpPr>
+          <p:cNvPr id="5" name="CuadroTexto 4">
+            <a:extLst>
+              <a:ext uri="{FF2B5EF4-FFF2-40B4-BE49-F238E27FC236}">
+                <a16:creationId xmlns:a16="http://schemas.microsoft.com/office/drawing/2014/main" id="{48D2A9BD-EBF3-4CF7-A61E-49631D4D1DBB}"/>
+              </a:ext>
+            </a:extLst>
+          </p:cNvPr>
+          <p:cNvSpPr txBox="1"/>
+          <p:nvPr/>
+        </p:nvSpPr>
+        <p:spPr>
+          <a:xfrm>
+            <a:off x="558799" y="134927"/>
+            <a:ext cx="6597779" cy="400110"/>
+          </a:xfrm>
+          <a:prstGeom prst="rect">
+            <a:avLst/>
+          </a:prstGeom>
+          <a:noFill/>
+        </p:spPr>
+        <p:txBody>
+          <a:bodyPr wrap="square" rtlCol="0">
+            <a:spAutoFit/>
+          </a:bodyPr>
+          <a:lstStyle/>
+          <a:p>
+            <a:r>
+              <a:rPr lang="es-MX" sz="2000" dirty="0">
+                <a:solidFill>
+                  <a:schemeClr val="bg1"/>
+                </a:solidFill>
+                <a:latin typeface="Open Sans" panose="020B0606030504020204" pitchFamily="34" charset="0"/>
+                <a:ea typeface="Open Sans" panose="020B0606030504020204" pitchFamily="34" charset="0"/>
+                <a:cs typeface="Open Sans" panose="020B0606030504020204" pitchFamily="34" charset="0"/>
+              </a:rPr>
+              <a:t>Verificando de “Atención al Usuario”</a:t>
+            </a:r>
+          </a:p>
+        </p:txBody>
+      </p:sp>
+      <p:sp>
+        <p:nvSpPr>
+          <p:cNvPr id="9" name="Rectángulo 8">
+            <a:extLst>
+              <a:ext uri="{FF2B5EF4-FFF2-40B4-BE49-F238E27FC236}">
+                <a16:creationId xmlns:a16="http://schemas.microsoft.com/office/drawing/2014/main" id="{17D5E67A-13F6-4283-8297-CC8F5E053535}"/>
+              </a:ext>
+            </a:extLst>
+          </p:cNvPr>
+          <p:cNvSpPr/>
+          <p:nvPr/>
+        </p:nvSpPr>
+        <p:spPr>
+          <a:xfrm>
+            <a:off x="355600" y="5943600"/>
+            <a:ext cx="203200" cy="914399"/>
+          </a:xfrm>
+          <a:prstGeom prst="rect">
+            <a:avLst/>
+          </a:prstGeom>
+          <a:solidFill>
+            <a:schemeClr val="tx2">
+              <a:lumMod val="75000"/>
+            </a:schemeClr>
+          </a:solidFill>
+        </p:spPr>
+        <p:style>
+          <a:lnRef idx="2">
+            <a:schemeClr val="dk1">
+              <a:shade val="50000"/>
+            </a:schemeClr>
+          </a:lnRef>
+          <a:fillRef idx="1">
+            <a:schemeClr val="dk1"/>
+          </a:fillRef>
+          <a:effectRef idx="0">
+            <a:schemeClr val="dk1"/>
+          </a:effectRef>
+          <a:fontRef idx="minor">
+            <a:schemeClr val="lt1"/>
+          </a:fontRef>
+        </p:style>
+        <p:txBody>
+          <a:bodyPr rtlCol="0" anchor="ctr"/>
+          <a:lstStyle/>
+          <a:p>
+            <a:pPr algn="ctr"/>
+            <a:endParaRPr lang="es-PE"/>
+          </a:p>
+        </p:txBody>
+      </p:sp>
+      <p:sp>
+        <p:nvSpPr>
+          <p:cNvPr id="10" name="Rectángulo 9">
+            <a:extLst>
+              <a:ext uri="{FF2B5EF4-FFF2-40B4-BE49-F238E27FC236}">
+                <a16:creationId xmlns:a16="http://schemas.microsoft.com/office/drawing/2014/main" id="{54D73149-C250-47CB-B10E-EEADC5D5A38D}"/>
+              </a:ext>
+            </a:extLst>
+          </p:cNvPr>
+          <p:cNvSpPr/>
+          <p:nvPr/>
+        </p:nvSpPr>
+        <p:spPr>
+          <a:xfrm>
+            <a:off x="640234" y="6385364"/>
+            <a:ext cx="203200" cy="472635"/>
+          </a:xfrm>
+          <a:prstGeom prst="rect">
+            <a:avLst/>
+          </a:prstGeom>
+          <a:solidFill>
+            <a:srgbClr val="C00000"/>
+          </a:solidFill>
+          <a:ln>
+            <a:noFill/>
+          </a:ln>
+        </p:spPr>
+        <p:style>
+          <a:lnRef idx="2">
+            <a:schemeClr val="dk1">
+              <a:shade val="50000"/>
+            </a:schemeClr>
+          </a:lnRef>
+          <a:fillRef idx="1">
+            <a:schemeClr val="dk1"/>
+          </a:fillRef>
+          <a:effectRef idx="0">
+            <a:schemeClr val="dk1"/>
+          </a:effectRef>
+          <a:fontRef idx="minor">
+            <a:schemeClr val="lt1"/>
+          </a:fontRef>
+        </p:style>
+        <p:txBody>
+          <a:bodyPr rtlCol="0" anchor="ctr"/>
+          <a:lstStyle/>
+          <a:p>
+            <a:pPr algn="ctr"/>
+            <a:endParaRPr lang="es-PE"/>
+          </a:p>
+        </p:txBody>
+      </p:sp>
+      <p:sp>
+        <p:nvSpPr>
+          <p:cNvPr id="12" name="Google Shape;111;p2">
+            <a:extLst>
+              <a:ext uri="{FF2B5EF4-FFF2-40B4-BE49-F238E27FC236}">
+                <a16:creationId xmlns:a16="http://schemas.microsoft.com/office/drawing/2014/main" id="{002F249E-01CD-4A15-802F-2FC4DE855BEF}"/>
+              </a:ext>
+            </a:extLst>
+          </p:cNvPr>
+          <p:cNvSpPr txBox="1"/>
+          <p:nvPr/>
+        </p:nvSpPr>
+        <p:spPr>
+          <a:xfrm>
+            <a:off x="738222" y="866805"/>
+            <a:ext cx="10779861" cy="1061789"/>
+          </a:xfrm>
+          <a:prstGeom prst="rect">
+            <a:avLst/>
+          </a:prstGeom>
+          <a:noFill/>
+          <a:ln>
+            <a:noFill/>
+          </a:ln>
+        </p:spPr>
+        <p:txBody>
+          <a:bodyPr spcFirstLastPara="1" wrap="square" lIns="91425" tIns="45700" rIns="91425" bIns="45700" anchor="t" anchorCtr="0">
+            <a:spAutoFit/>
+          </a:bodyPr>
+          <a:lstStyle/>
+          <a:p>
+            <a:pPr lvl="0" algn="just" eaLnBrk="0" fontAlgn="base" hangingPunct="0">
+              <a:spcBef>
+                <a:spcPct val="0"/>
+              </a:spcBef>
+              <a:spcAft>
+                <a:spcPct val="0"/>
+              </a:spcAft>
+            </a:pPr>
+            <a:r>
+              <a:rPr lang="es-PE" altLang="es-PE" dirty="0">
+                <a:solidFill>
+                  <a:srgbClr val="000000"/>
+                </a:solidFill>
+                <a:latin typeface="Calibri" panose="020F0502020204030204" pitchFamily="34" charset="0"/>
+                <a:cs typeface="Calibri" panose="020F0502020204030204" pitchFamily="34" charset="0"/>
+              </a:rPr>
+              <a:t>Para verificar si nuestro modelo funciona correctamente, tomamos una muestra de muestra de 1000 reclamos tipo atención al usuario y 1000 reclamos de otros tipos (</a:t>
+            </a:r>
+            <a:r>
+              <a:rPr lang="es-PE" altLang="es-PE" b="1" dirty="0">
+                <a:solidFill>
+                  <a:srgbClr val="000000"/>
+                </a:solidFill>
+                <a:latin typeface="Calibri" panose="020F0502020204030204" pitchFamily="34" charset="0"/>
+                <a:cs typeface="Calibri" panose="020F0502020204030204" pitchFamily="34" charset="0"/>
+              </a:rPr>
+              <a:t>casos</a:t>
+            </a:r>
+            <a:r>
+              <a:rPr lang="es-PE" altLang="es-PE" dirty="0">
+                <a:solidFill>
+                  <a:srgbClr val="000000"/>
+                </a:solidFill>
+                <a:latin typeface="Calibri" panose="020F0502020204030204" pitchFamily="34" charset="0"/>
+                <a:cs typeface="Calibri" panose="020F0502020204030204" pitchFamily="34" charset="0"/>
+              </a:rPr>
+              <a:t>) y lo introdujimos al modelo para medir la probabilidad de similitud con alguno de los tópicos generados.</a:t>
+            </a:r>
+          </a:p>
+          <a:p>
+            <a:pPr lvl="0" eaLnBrk="0" fontAlgn="base" hangingPunct="0">
+              <a:spcBef>
+                <a:spcPct val="0"/>
+              </a:spcBef>
+              <a:spcAft>
+                <a:spcPct val="0"/>
+              </a:spcAft>
+            </a:pPr>
+            <a:endParaRPr kumimoji="0" lang="es-PE" altLang="es-PE" sz="900" i="0" u="none" strike="noStrike" cap="none" normalizeH="0" baseline="0" dirty="0">
+              <a:ln>
+                <a:noFill/>
+              </a:ln>
+              <a:solidFill>
+                <a:schemeClr val="tx1"/>
+              </a:solidFill>
+              <a:effectLst/>
+            </a:endParaRPr>
+          </a:p>
+        </p:txBody>
+      </p:sp>
+      <p:sp>
+        <p:nvSpPr>
+          <p:cNvPr id="15" name="Google Shape;111;p2">
+            <a:extLst>
+              <a:ext uri="{FF2B5EF4-FFF2-40B4-BE49-F238E27FC236}">
+                <a16:creationId xmlns:a16="http://schemas.microsoft.com/office/drawing/2014/main" id="{DA903829-C857-466F-8663-51CF8927D68D}"/>
+              </a:ext>
+            </a:extLst>
+          </p:cNvPr>
+          <p:cNvSpPr txBox="1"/>
+          <p:nvPr/>
+        </p:nvSpPr>
+        <p:spPr>
+          <a:xfrm>
+            <a:off x="1049838" y="6230671"/>
+            <a:ext cx="6364529" cy="492402"/>
+          </a:xfrm>
+          <a:prstGeom prst="rect">
+            <a:avLst/>
+          </a:prstGeom>
+          <a:noFill/>
+          <a:ln>
+            <a:noFill/>
+          </a:ln>
+        </p:spPr>
+        <p:txBody>
+          <a:bodyPr spcFirstLastPara="1" wrap="square" lIns="91425" tIns="45700" rIns="91425" bIns="45700" anchor="t" anchorCtr="0">
+            <a:spAutoFit/>
+          </a:bodyPr>
+          <a:lstStyle/>
+          <a:p>
+            <a:pPr marL="0" marR="0" lvl="0" indent="0" algn="l" defTabSz="914400" rtl="0" eaLnBrk="0" fontAlgn="base" latinLnBrk="0" hangingPunct="0">
+              <a:lnSpc>
+                <a:spcPct val="100000"/>
+              </a:lnSpc>
+              <a:spcBef>
+                <a:spcPct val="0"/>
+              </a:spcBef>
+              <a:spcAft>
+                <a:spcPct val="0"/>
+              </a:spcAft>
+              <a:buClrTx/>
+              <a:buSzTx/>
+              <a:buFontTx/>
+              <a:buNone/>
+              <a:tabLst/>
+            </a:pPr>
+            <a:r>
+              <a:rPr kumimoji="0" lang="es-PE" altLang="es-PE" sz="1300" b="1" i="0" u="none" strike="noStrike" cap="none" normalizeH="0" baseline="0" dirty="0">
+                <a:ln>
+                  <a:noFill/>
+                </a:ln>
+                <a:solidFill>
+                  <a:srgbClr val="000000"/>
+                </a:solidFill>
+                <a:effectLst/>
+                <a:latin typeface="Calibri" panose="020F0502020204030204" pitchFamily="34" charset="0"/>
+                <a:cs typeface="Calibri" panose="020F0502020204030204" pitchFamily="34" charset="0"/>
+              </a:rPr>
+              <a:t>(*) Probaremos algunos métodos mas para medir la similitud (</a:t>
+            </a:r>
+            <a:r>
+              <a:rPr kumimoji="0" lang="es-PE" altLang="es-PE" sz="1300" b="1" i="0" u="none" strike="noStrike" cap="none" normalizeH="0" baseline="0" dirty="0" err="1">
+                <a:ln>
+                  <a:noFill/>
+                </a:ln>
+                <a:solidFill>
+                  <a:srgbClr val="000000"/>
+                </a:solidFill>
+                <a:effectLst/>
+                <a:latin typeface="Calibri" panose="020F0502020204030204" pitchFamily="34" charset="0"/>
+                <a:cs typeface="Calibri" panose="020F0502020204030204" pitchFamily="34" charset="0"/>
+              </a:rPr>
+              <a:t>eg</a:t>
+            </a:r>
+            <a:r>
+              <a:rPr kumimoji="0" lang="es-PE" altLang="es-PE" sz="1300" b="1" i="0" u="none" strike="noStrike" cap="none" normalizeH="0" baseline="0" dirty="0">
+                <a:ln>
+                  <a:noFill/>
+                </a:ln>
+                <a:solidFill>
+                  <a:srgbClr val="000000"/>
+                </a:solidFill>
+                <a:effectLst/>
+                <a:latin typeface="Calibri" panose="020F0502020204030204" pitchFamily="34" charset="0"/>
+                <a:cs typeface="Calibri" panose="020F0502020204030204" pitchFamily="34" charset="0"/>
+              </a:rPr>
+              <a:t>. conteo de palabras top) y elegiremos aquella donde la prueba KDE esta mejor distribuida.</a:t>
+            </a:r>
+            <a:endParaRPr kumimoji="0" lang="es-PE" altLang="es-PE" sz="600" b="0" i="0" u="none" strike="noStrike" cap="none" normalizeH="0" baseline="0" dirty="0">
+              <a:ln>
+                <a:noFill/>
+              </a:ln>
+              <a:solidFill>
+                <a:schemeClr val="tx1"/>
+              </a:solidFill>
+              <a:effectLst/>
+            </a:endParaRPr>
+          </a:p>
+        </p:txBody>
+      </p:sp>
+      <p:sp>
+        <p:nvSpPr>
+          <p:cNvPr id="20" name="Google Shape;111;p2">
+            <a:extLst>
+              <a:ext uri="{FF2B5EF4-FFF2-40B4-BE49-F238E27FC236}">
+                <a16:creationId xmlns:a16="http://schemas.microsoft.com/office/drawing/2014/main" id="{93DBA4B8-87D0-4D67-8235-C991B44331B8}"/>
+              </a:ext>
+            </a:extLst>
+          </p:cNvPr>
+          <p:cNvSpPr txBox="1"/>
+          <p:nvPr/>
+        </p:nvSpPr>
+        <p:spPr>
+          <a:xfrm>
+            <a:off x="1404515" y="2925490"/>
+            <a:ext cx="4906346" cy="2308284"/>
+          </a:xfrm>
+          <a:prstGeom prst="rect">
+            <a:avLst/>
+          </a:prstGeom>
+          <a:noFill/>
+          <a:ln>
+            <a:noFill/>
+          </a:ln>
+        </p:spPr>
+        <p:txBody>
+          <a:bodyPr spcFirstLastPara="1" wrap="square" lIns="91425" tIns="45700" rIns="91425" bIns="45700" anchor="t" anchorCtr="0">
+            <a:spAutoFit/>
+          </a:bodyPr>
+          <a:lstStyle/>
+          <a:p>
+            <a:pPr marR="0" lvl="0" defTabSz="914400" rtl="0" eaLnBrk="0" fontAlgn="base" latinLnBrk="0" hangingPunct="0">
+              <a:lnSpc>
+                <a:spcPct val="100000"/>
+              </a:lnSpc>
+              <a:spcBef>
+                <a:spcPct val="0"/>
+              </a:spcBef>
+              <a:spcAft>
+                <a:spcPct val="0"/>
+              </a:spcAft>
+              <a:buClrTx/>
+              <a:buSzTx/>
+              <a:tabLst/>
+            </a:pPr>
+            <a:r>
+              <a:rPr lang="es-PE" altLang="es-PE" dirty="0">
+                <a:latin typeface="Calibri" panose="020F0502020204030204" pitchFamily="34" charset="0"/>
+                <a:cs typeface="Calibri" panose="020F0502020204030204" pitchFamily="34" charset="0"/>
+              </a:rPr>
+              <a:t>Al graficar las distribuciones de los resultados de ambos </a:t>
+            </a:r>
+            <a:r>
+              <a:rPr lang="es-PE" altLang="es-PE" b="1" dirty="0">
+                <a:latin typeface="Calibri" panose="020F0502020204030204" pitchFamily="34" charset="0"/>
+                <a:cs typeface="Calibri" panose="020F0502020204030204" pitchFamily="34" charset="0"/>
+              </a:rPr>
+              <a:t>casos</a:t>
+            </a:r>
+            <a:r>
+              <a:rPr lang="es-PE" altLang="es-PE" dirty="0">
+                <a:latin typeface="Calibri" panose="020F0502020204030204" pitchFamily="34" charset="0"/>
+                <a:cs typeface="Calibri" panose="020F0502020204030204" pitchFamily="34" charset="0"/>
+              </a:rPr>
+              <a:t> y compararlos (KDE), el modelo siempre da una calificación mas alta a atención al usuario, y esto es lo esperado, </a:t>
+            </a:r>
+          </a:p>
+          <a:p>
+            <a:pPr marR="0" lvl="0" defTabSz="914400" rtl="0" eaLnBrk="0" fontAlgn="base" latinLnBrk="0" hangingPunct="0">
+              <a:lnSpc>
+                <a:spcPct val="100000"/>
+              </a:lnSpc>
+              <a:spcBef>
+                <a:spcPct val="0"/>
+              </a:spcBef>
+              <a:spcAft>
+                <a:spcPct val="0"/>
+              </a:spcAft>
+              <a:buClrTx/>
+              <a:buSzTx/>
+              <a:tabLst/>
+            </a:pPr>
+            <a:endParaRPr lang="es-PE" altLang="es-PE" dirty="0">
+              <a:latin typeface="Calibri" panose="020F0502020204030204" pitchFamily="34" charset="0"/>
+              <a:cs typeface="Calibri" panose="020F0502020204030204" pitchFamily="34" charset="0"/>
+            </a:endParaRPr>
+          </a:p>
+          <a:p>
+            <a:pPr marR="0" lvl="0" defTabSz="914400" rtl="0" eaLnBrk="0" fontAlgn="base" latinLnBrk="0" hangingPunct="0">
+              <a:lnSpc>
+                <a:spcPct val="100000"/>
+              </a:lnSpc>
+              <a:spcBef>
+                <a:spcPct val="0"/>
+              </a:spcBef>
+              <a:spcAft>
+                <a:spcPct val="0"/>
+              </a:spcAft>
+              <a:buClrTx/>
+              <a:buSzTx/>
+              <a:tabLst/>
+            </a:pPr>
+            <a:r>
+              <a:rPr lang="es-PE" altLang="es-PE" dirty="0">
+                <a:latin typeface="Calibri" panose="020F0502020204030204" pitchFamily="34" charset="0"/>
+                <a:cs typeface="Calibri" panose="020F0502020204030204" pitchFamily="34" charset="0"/>
+              </a:rPr>
+              <a:t>Este experimento fue repetido para:</a:t>
+            </a:r>
+          </a:p>
+          <a:p>
+            <a:pPr marL="800100" lvl="1" indent="-342900" eaLnBrk="0" fontAlgn="base" hangingPunct="0">
+              <a:spcBef>
+                <a:spcPct val="0"/>
+              </a:spcBef>
+              <a:spcAft>
+                <a:spcPct val="0"/>
+              </a:spcAft>
+              <a:buFont typeface="+mj-lt"/>
+              <a:buAutoNum type="arabicPeriod"/>
+            </a:pPr>
+            <a:r>
+              <a:rPr lang="es-PE" altLang="es-PE" dirty="0">
+                <a:latin typeface="Calibri" panose="020F0502020204030204" pitchFamily="34" charset="0"/>
+                <a:cs typeface="Calibri" panose="020F0502020204030204" pitchFamily="34" charset="0"/>
+              </a:rPr>
+              <a:t> el escenario </a:t>
+            </a:r>
+          </a:p>
+          <a:p>
+            <a:pPr marL="800100" lvl="1" indent="-342900" eaLnBrk="0" fontAlgn="base" hangingPunct="0">
+              <a:spcBef>
+                <a:spcPct val="0"/>
+              </a:spcBef>
+              <a:spcAft>
+                <a:spcPct val="0"/>
+              </a:spcAft>
+              <a:buFont typeface="+mj-lt"/>
+              <a:buAutoNum type="arabicPeriod"/>
+            </a:pPr>
+            <a:r>
+              <a:rPr lang="es-MX" altLang="es-PE" dirty="0">
+                <a:latin typeface="Calibri" panose="020F0502020204030204" pitchFamily="34" charset="0"/>
+                <a:cs typeface="Calibri" panose="020F0502020204030204" pitchFamily="34" charset="0"/>
+              </a:rPr>
+              <a:t>los mejores casos</a:t>
+            </a:r>
+            <a:endParaRPr kumimoji="0" lang="es-PE" altLang="es-PE" sz="600" b="0" i="0" u="none" strike="noStrike" cap="none" normalizeH="0" baseline="0" dirty="0">
+              <a:ln>
+                <a:noFill/>
+              </a:ln>
+              <a:effectLst/>
+            </a:endParaRPr>
+          </a:p>
+        </p:txBody>
+      </p:sp>
+      <p:pic>
+        <p:nvPicPr>
+          <p:cNvPr id="2050" name="Picture 2">
+            <a:extLst>
+              <a:ext uri="{FF2B5EF4-FFF2-40B4-BE49-F238E27FC236}">
+                <a16:creationId xmlns:a16="http://schemas.microsoft.com/office/drawing/2014/main" id="{2C4CE30B-FE1C-4CBE-89CD-D2E05CA97C93}"/>
+              </a:ext>
+            </a:extLst>
+          </p:cNvPr>
+          <p:cNvPicPr>
+            <a:picLocks noChangeAspect="1" noChangeArrowheads="1"/>
+          </p:cNvPicPr>
+          <p:nvPr/>
+        </p:nvPicPr>
+        <p:blipFill>
+          <a:blip r:embed="rId2">
+            <a:extLst>
+              <a:ext uri="{28A0092B-C50C-407E-A947-70E740481C1C}">
+                <a14:useLocalDpi xmlns:a14="http://schemas.microsoft.com/office/drawing/2010/main" val="0"/>
+              </a:ext>
+            </a:extLst>
+          </a:blip>
+          <a:srcRect/>
+          <a:stretch>
+            <a:fillRect/>
+          </a:stretch>
+        </p:blipFill>
+        <p:spPr bwMode="auto">
+          <a:xfrm>
+            <a:off x="7688504" y="2043934"/>
+            <a:ext cx="2913929" cy="1921953"/>
+          </a:xfrm>
+          <a:prstGeom prst="rect">
+            <a:avLst/>
+          </a:prstGeom>
+          <a:noFill/>
+          <a:extLst>
+            <a:ext uri="{909E8E84-426E-40DD-AFC4-6F175D3DCCD1}">
+              <a14:hiddenFill xmlns:a14="http://schemas.microsoft.com/office/drawing/2010/main">
+                <a:solidFill>
+                  <a:srgbClr val="FFFFFF"/>
+                </a:solidFill>
+              </a14:hiddenFill>
+            </a:ext>
+          </a:extLst>
+        </p:spPr>
+      </p:pic>
+      <p:pic>
+        <p:nvPicPr>
+          <p:cNvPr id="2055" name="Picture 7">
+            <a:extLst>
+              <a:ext uri="{FF2B5EF4-FFF2-40B4-BE49-F238E27FC236}">
+                <a16:creationId xmlns:a16="http://schemas.microsoft.com/office/drawing/2014/main" id="{AFF9ABFF-4FC1-460B-AA43-6F8AAC604AE1}"/>
+              </a:ext>
+            </a:extLst>
+          </p:cNvPr>
+          <p:cNvPicPr>
+            <a:picLocks noChangeAspect="1" noChangeArrowheads="1"/>
+          </p:cNvPicPr>
+          <p:nvPr/>
+        </p:nvPicPr>
+        <p:blipFill>
+          <a:blip r:embed="rId3">
+            <a:extLst>
+              <a:ext uri="{28A0092B-C50C-407E-A947-70E740481C1C}">
+                <a14:useLocalDpi xmlns:a14="http://schemas.microsoft.com/office/drawing/2010/main" val="0"/>
+              </a:ext>
+            </a:extLst>
+          </a:blip>
+          <a:srcRect/>
+          <a:stretch>
+            <a:fillRect/>
+          </a:stretch>
+        </p:blipFill>
+        <p:spPr bwMode="auto">
+          <a:xfrm>
+            <a:off x="7688504" y="4205076"/>
+            <a:ext cx="2913929" cy="1921953"/>
+          </a:xfrm>
+          <a:prstGeom prst="rect">
+            <a:avLst/>
+          </a:prstGeom>
+          <a:noFill/>
+          <a:extLst>
+            <a:ext uri="{909E8E84-426E-40DD-AFC4-6F175D3DCCD1}">
+              <a14:hiddenFill xmlns:a14="http://schemas.microsoft.com/office/drawing/2010/main">
+                <a:solidFill>
+                  <a:srgbClr val="FFFFFF"/>
+                </a:solidFill>
+              </a14:hiddenFill>
+            </a:ext>
+          </a:extLst>
+        </p:spPr>
+      </p:pic>
+      <p:sp>
+        <p:nvSpPr>
+          <p:cNvPr id="22" name="Google Shape;111;p2">
+            <a:extLst>
+              <a:ext uri="{FF2B5EF4-FFF2-40B4-BE49-F238E27FC236}">
+                <a16:creationId xmlns:a16="http://schemas.microsoft.com/office/drawing/2014/main" id="{370D7F95-846D-45CD-8DBC-5032C1F577C6}"/>
+              </a:ext>
+            </a:extLst>
+          </p:cNvPr>
+          <p:cNvSpPr txBox="1"/>
+          <p:nvPr/>
+        </p:nvSpPr>
+        <p:spPr>
+          <a:xfrm>
+            <a:off x="2053853" y="2376064"/>
+            <a:ext cx="3186155" cy="492402"/>
+          </a:xfrm>
+          <a:prstGeom prst="rect">
+            <a:avLst/>
+          </a:prstGeom>
+          <a:noFill/>
+          <a:ln>
+            <a:noFill/>
+          </a:ln>
+        </p:spPr>
+        <p:txBody>
+          <a:bodyPr spcFirstLastPara="1" wrap="square" lIns="91425" tIns="45700" rIns="91425" bIns="45700" anchor="t" anchorCtr="0">
+            <a:spAutoFit/>
+          </a:bodyPr>
+          <a:lstStyle/>
+          <a:p>
+            <a:pPr marL="0" marR="0" lvl="0" indent="0" algn="ctr" defTabSz="914400" rtl="0" eaLnBrk="0" fontAlgn="base" latinLnBrk="0" hangingPunct="0">
+              <a:lnSpc>
+                <a:spcPct val="100000"/>
+              </a:lnSpc>
+              <a:spcBef>
+                <a:spcPct val="0"/>
+              </a:spcBef>
+              <a:spcAft>
+                <a:spcPct val="0"/>
+              </a:spcAft>
+              <a:buClrTx/>
+              <a:buSzTx/>
+              <a:buFontTx/>
+              <a:buNone/>
+              <a:tabLst/>
+            </a:pPr>
+            <a:r>
+              <a:rPr lang="es-PE" altLang="es-PE" sz="2000" b="1" dirty="0">
+                <a:solidFill>
+                  <a:srgbClr val="000000"/>
+                </a:solidFill>
+                <a:latin typeface="Calibri" panose="020F0502020204030204" pitchFamily="34" charset="0"/>
+                <a:cs typeface="Calibri" panose="020F0502020204030204" pitchFamily="34" charset="0"/>
+              </a:rPr>
+              <a:t>Estimación KDE</a:t>
+            </a:r>
+            <a:endParaRPr kumimoji="0" lang="es-PE" altLang="es-PE" sz="2000" b="1" i="0" u="none" strike="noStrike" cap="none" normalizeH="0" baseline="0" dirty="0">
+              <a:ln>
+                <a:noFill/>
+              </a:ln>
+              <a:solidFill>
+                <a:srgbClr val="000000"/>
+              </a:solidFill>
+              <a:effectLst/>
+              <a:latin typeface="Calibri" panose="020F0502020204030204" pitchFamily="34" charset="0"/>
+              <a:cs typeface="Calibri" panose="020F0502020204030204" pitchFamily="34" charset="0"/>
+            </a:endParaRPr>
+          </a:p>
+          <a:p>
+            <a:pPr marL="0" marR="0" lvl="0" indent="0" algn="ctr" defTabSz="914400" rtl="0" eaLnBrk="0" fontAlgn="base" latinLnBrk="0" hangingPunct="0">
+              <a:lnSpc>
+                <a:spcPct val="100000"/>
+              </a:lnSpc>
+              <a:spcBef>
+                <a:spcPct val="0"/>
+              </a:spcBef>
+              <a:spcAft>
+                <a:spcPct val="0"/>
+              </a:spcAft>
+              <a:buClrTx/>
+              <a:buSzTx/>
+              <a:buFontTx/>
+              <a:buNone/>
+              <a:tabLst/>
+            </a:pPr>
+            <a:endParaRPr kumimoji="0" lang="es-PE" altLang="es-PE" sz="600" b="0" i="0" u="none" strike="noStrike" cap="none" normalizeH="0" baseline="0" dirty="0">
+              <a:ln>
+                <a:noFill/>
+              </a:ln>
+              <a:solidFill>
+                <a:schemeClr val="tx1"/>
+              </a:solidFill>
+              <a:effectLst/>
+            </a:endParaRPr>
+          </a:p>
+        </p:txBody>
+      </p:sp>
+      <p:sp>
+        <p:nvSpPr>
+          <p:cNvPr id="23" name="CuadroTexto 22">
+            <a:extLst>
+              <a:ext uri="{FF2B5EF4-FFF2-40B4-BE49-F238E27FC236}">
+                <a16:creationId xmlns:a16="http://schemas.microsoft.com/office/drawing/2014/main" id="{D3BD3F8C-BA50-41C4-8E12-61961F472F72}"/>
+              </a:ext>
+            </a:extLst>
+          </p:cNvPr>
+          <p:cNvSpPr txBox="1"/>
+          <p:nvPr/>
+        </p:nvSpPr>
+        <p:spPr>
+          <a:xfrm>
+            <a:off x="7189182" y="2738371"/>
+            <a:ext cx="225185" cy="374237"/>
+          </a:xfrm>
+          <a:prstGeom prst="rect">
+            <a:avLst/>
+          </a:prstGeom>
+          <a:solidFill>
+            <a:schemeClr val="tx1"/>
+          </a:solidFill>
+        </p:spPr>
+        <p:txBody>
+          <a:bodyPr wrap="square">
+            <a:spAutoFit/>
+          </a:bodyPr>
+          <a:lstStyle/>
+          <a:p>
+            <a:pPr marR="0" lvl="0" algn="ctr" defTabSz="914400" rtl="0" eaLnBrk="0" fontAlgn="base" latinLnBrk="0" hangingPunct="0">
+              <a:lnSpc>
+                <a:spcPct val="100000"/>
+              </a:lnSpc>
+              <a:spcBef>
+                <a:spcPct val="0"/>
+              </a:spcBef>
+              <a:spcAft>
+                <a:spcPct val="0"/>
+              </a:spcAft>
+              <a:buClrTx/>
+              <a:buSzTx/>
+              <a:tabLst/>
+            </a:pPr>
+            <a:r>
+              <a:rPr lang="es-MX" altLang="es-PE" b="1" dirty="0">
+                <a:solidFill>
+                  <a:schemeClr val="bg1"/>
+                </a:solidFill>
+                <a:latin typeface="Calibri" panose="020F0502020204030204" pitchFamily="34" charset="0"/>
+                <a:cs typeface="Calibri" panose="020F0502020204030204" pitchFamily="34" charset="0"/>
+              </a:rPr>
+              <a:t>1</a:t>
+            </a:r>
+            <a:endParaRPr kumimoji="0" lang="es-PE" altLang="es-PE" b="1" i="0" u="none" strike="noStrike" cap="none" normalizeH="0" baseline="0" dirty="0">
+              <a:ln>
+                <a:noFill/>
+              </a:ln>
+              <a:effectLst/>
+              <a:latin typeface="Calibri" panose="020F0502020204030204" pitchFamily="34" charset="0"/>
+              <a:cs typeface="Calibri" panose="020F0502020204030204" pitchFamily="34" charset="0"/>
+            </a:endParaRPr>
+          </a:p>
+        </p:txBody>
+      </p:sp>
+      <p:sp>
+        <p:nvSpPr>
+          <p:cNvPr id="24" name="CuadroTexto 23">
+            <a:extLst>
+              <a:ext uri="{FF2B5EF4-FFF2-40B4-BE49-F238E27FC236}">
+                <a16:creationId xmlns:a16="http://schemas.microsoft.com/office/drawing/2014/main" id="{D1A37AE3-E6EB-4647-A737-64DBB341E37D}"/>
+              </a:ext>
+            </a:extLst>
+          </p:cNvPr>
+          <p:cNvSpPr txBox="1"/>
+          <p:nvPr/>
+        </p:nvSpPr>
+        <p:spPr>
+          <a:xfrm>
+            <a:off x="7194615" y="4922863"/>
+            <a:ext cx="225185" cy="374237"/>
+          </a:xfrm>
+          <a:prstGeom prst="rect">
+            <a:avLst/>
+          </a:prstGeom>
+          <a:solidFill>
+            <a:schemeClr val="tx1"/>
+          </a:solidFill>
+        </p:spPr>
+        <p:txBody>
+          <a:bodyPr wrap="square">
+            <a:spAutoFit/>
+          </a:bodyPr>
+          <a:lstStyle/>
+          <a:p>
+            <a:pPr marR="0" lvl="0" algn="ctr" defTabSz="914400" rtl="0" eaLnBrk="0" fontAlgn="base" latinLnBrk="0" hangingPunct="0">
+              <a:lnSpc>
+                <a:spcPct val="100000"/>
+              </a:lnSpc>
+              <a:spcBef>
+                <a:spcPct val="0"/>
+              </a:spcBef>
+              <a:spcAft>
+                <a:spcPct val="0"/>
+              </a:spcAft>
+              <a:buClrTx/>
+              <a:buSzTx/>
+              <a:tabLst/>
+            </a:pPr>
+            <a:r>
+              <a:rPr kumimoji="0" lang="es-MX" altLang="es-PE" b="1" i="0" u="none" strike="noStrike" cap="none" normalizeH="0" baseline="0" dirty="0">
+                <a:ln>
+                  <a:noFill/>
+                </a:ln>
+                <a:solidFill>
+                  <a:schemeClr val="bg1"/>
+                </a:solidFill>
+                <a:effectLst/>
+                <a:latin typeface="Calibri" panose="020F0502020204030204" pitchFamily="34" charset="0"/>
+                <a:cs typeface="Calibri" panose="020F0502020204030204" pitchFamily="34" charset="0"/>
+              </a:rPr>
+              <a:t>2</a:t>
+            </a:r>
+            <a:endParaRPr kumimoji="0" lang="es-PE" altLang="es-PE" b="1" i="0" u="none" strike="noStrike" cap="none" normalizeH="0" baseline="0" dirty="0">
+              <a:ln>
+                <a:noFill/>
+              </a:ln>
+              <a:effectLst/>
+              <a:latin typeface="Calibri" panose="020F0502020204030204" pitchFamily="34" charset="0"/>
+              <a:cs typeface="Calibri" panose="020F0502020204030204" pitchFamily="34" charset="0"/>
+            </a:endParaRPr>
+          </a:p>
+        </p:txBody>
+      </p:sp>
+    </p:spTree>
+    <p:extLst>
+      <p:ext uri="{BB962C8B-B14F-4D97-AF65-F5344CB8AC3E}">
+        <p14:creationId xmlns:p14="http://schemas.microsoft.com/office/powerpoint/2010/main" val="2882088050"/>
+      </p:ext>
+    </p:extLst>
+  </p:cSld>
+  <p:clrMapOvr>
+    <a:masterClrMapping/>
+  </p:clrMapOvr>
+</p:sld>
+</file>
+
+<file path=ppt/slides/slide13.xml><?xml version="1.0" encoding="utf-8"?>
+<p:sld xmlns:a="http://schemas.openxmlformats.org/drawingml/2006/main" xmlns:r="http://schemas.openxmlformats.org/officeDocument/2006/relationships" xmlns:p="http://schemas.openxmlformats.org/presentationml/2006/main">
+  <p:cSld>
+    <p:spTree>
+      <p:nvGrpSpPr>
+        <p:cNvPr id="1" name=""/>
+        <p:cNvGrpSpPr/>
+        <p:nvPr/>
+      </p:nvGrpSpPr>
+      <p:grpSpPr>
+        <a:xfrm>
+          <a:off x="0" y="0"/>
+          <a:ext cx="0" cy="0"/>
+          <a:chOff x="0" y="0"/>
+          <a:chExt cx="0" cy="0"/>
+        </a:xfrm>
+      </p:grpSpPr>
+      <p:sp>
+        <p:nvSpPr>
+          <p:cNvPr id="4" name="Rectángulo: esquinas superiores redondeadas 4">
+            <a:extLst>
+              <a:ext uri="{FF2B5EF4-FFF2-40B4-BE49-F238E27FC236}">
+                <a16:creationId xmlns:a16="http://schemas.microsoft.com/office/drawing/2014/main" id="{CF789E0E-816C-4223-84EC-DC9D690B87EA}"/>
+              </a:ext>
+            </a:extLst>
+          </p:cNvPr>
+          <p:cNvSpPr/>
+          <p:nvPr/>
+        </p:nvSpPr>
+        <p:spPr>
+          <a:xfrm rot="10800000">
+            <a:off x="355599" y="0"/>
+            <a:ext cx="7813039" cy="640080"/>
+          </a:xfrm>
+          <a:prstGeom prst="round2SameRect">
+            <a:avLst/>
+          </a:prstGeom>
+          <a:solidFill>
+            <a:schemeClr val="tx2">
+              <a:lumMod val="75000"/>
+            </a:schemeClr>
+          </a:solidFill>
+        </p:spPr>
+        <p:style>
+          <a:lnRef idx="2">
+            <a:schemeClr val="accent1">
+              <a:shade val="50000"/>
+            </a:schemeClr>
+          </a:lnRef>
+          <a:fillRef idx="1">
+            <a:schemeClr val="accent1"/>
+          </a:fillRef>
+          <a:effectRef idx="0">
+            <a:schemeClr val="accent1"/>
+          </a:effectRef>
+          <a:fontRef idx="minor">
+            <a:schemeClr val="lt1"/>
+          </a:fontRef>
+        </p:style>
+        <p:txBody>
+          <a:bodyPr rtlCol="0" anchor="ctr"/>
+          <a:lstStyle/>
+          <a:p>
+            <a:pPr algn="ctr"/>
+            <a:endParaRPr lang="es-PE" dirty="0"/>
+          </a:p>
+        </p:txBody>
+      </p:sp>
+      <p:sp>
+        <p:nvSpPr>
+          <p:cNvPr id="5" name="CuadroTexto 4">
+            <a:extLst>
+              <a:ext uri="{FF2B5EF4-FFF2-40B4-BE49-F238E27FC236}">
+                <a16:creationId xmlns:a16="http://schemas.microsoft.com/office/drawing/2014/main" id="{48D2A9BD-EBF3-4CF7-A61E-49631D4D1DBB}"/>
+              </a:ext>
+            </a:extLst>
+          </p:cNvPr>
+          <p:cNvSpPr txBox="1"/>
+          <p:nvPr/>
+        </p:nvSpPr>
+        <p:spPr>
+          <a:xfrm>
+            <a:off x="558799" y="134927"/>
+            <a:ext cx="6597779" cy="400110"/>
+          </a:xfrm>
+          <a:prstGeom prst="rect">
+            <a:avLst/>
+          </a:prstGeom>
+          <a:noFill/>
+        </p:spPr>
+        <p:txBody>
+          <a:bodyPr wrap="square" rtlCol="0">
+            <a:spAutoFit/>
+          </a:bodyPr>
+          <a:lstStyle/>
+          <a:p>
+            <a:r>
+              <a:rPr lang="es-MX" sz="2000" dirty="0">
+                <a:solidFill>
+                  <a:schemeClr val="bg1"/>
+                </a:solidFill>
+                <a:latin typeface="Open Sans" panose="020B0606030504020204" pitchFamily="34" charset="0"/>
+                <a:ea typeface="Open Sans" panose="020B0606030504020204" pitchFamily="34" charset="0"/>
+                <a:cs typeface="Open Sans" panose="020B0606030504020204" pitchFamily="34" charset="0"/>
+              </a:rPr>
+              <a:t>Importante: LIMITACIONES DEL PROYECTO</a:t>
+            </a:r>
+          </a:p>
+        </p:txBody>
+      </p:sp>
+      <p:sp>
+        <p:nvSpPr>
+          <p:cNvPr id="9" name="Rectángulo 8">
+            <a:extLst>
+              <a:ext uri="{FF2B5EF4-FFF2-40B4-BE49-F238E27FC236}">
+                <a16:creationId xmlns:a16="http://schemas.microsoft.com/office/drawing/2014/main" id="{17D5E67A-13F6-4283-8297-CC8F5E053535}"/>
+              </a:ext>
+            </a:extLst>
+          </p:cNvPr>
+          <p:cNvSpPr/>
+          <p:nvPr/>
+        </p:nvSpPr>
+        <p:spPr>
+          <a:xfrm>
+            <a:off x="355600" y="5943600"/>
+            <a:ext cx="203200" cy="914399"/>
+          </a:xfrm>
+          <a:prstGeom prst="rect">
+            <a:avLst/>
+          </a:prstGeom>
+          <a:solidFill>
+            <a:schemeClr val="tx2">
+              <a:lumMod val="75000"/>
+            </a:schemeClr>
+          </a:solidFill>
+        </p:spPr>
+        <p:style>
+          <a:lnRef idx="2">
+            <a:schemeClr val="dk1">
+              <a:shade val="50000"/>
+            </a:schemeClr>
+          </a:lnRef>
+          <a:fillRef idx="1">
+            <a:schemeClr val="dk1"/>
+          </a:fillRef>
+          <a:effectRef idx="0">
+            <a:schemeClr val="dk1"/>
+          </a:effectRef>
+          <a:fontRef idx="minor">
+            <a:schemeClr val="lt1"/>
+          </a:fontRef>
+        </p:style>
+        <p:txBody>
+          <a:bodyPr rtlCol="0" anchor="ctr"/>
+          <a:lstStyle/>
+          <a:p>
+            <a:pPr algn="ctr"/>
+            <a:endParaRPr lang="es-PE"/>
+          </a:p>
+        </p:txBody>
+      </p:sp>
+      <p:sp>
+        <p:nvSpPr>
+          <p:cNvPr id="10" name="Rectángulo 9">
+            <a:extLst>
+              <a:ext uri="{FF2B5EF4-FFF2-40B4-BE49-F238E27FC236}">
+                <a16:creationId xmlns:a16="http://schemas.microsoft.com/office/drawing/2014/main" id="{54D73149-C250-47CB-B10E-EEADC5D5A38D}"/>
+              </a:ext>
+            </a:extLst>
+          </p:cNvPr>
+          <p:cNvSpPr/>
+          <p:nvPr/>
+        </p:nvSpPr>
+        <p:spPr>
+          <a:xfrm>
+            <a:off x="640234" y="6385364"/>
+            <a:ext cx="203200" cy="472635"/>
+          </a:xfrm>
+          <a:prstGeom prst="rect">
+            <a:avLst/>
+          </a:prstGeom>
+          <a:solidFill>
+            <a:srgbClr val="C00000"/>
+          </a:solidFill>
+          <a:ln>
+            <a:noFill/>
+          </a:ln>
+        </p:spPr>
+        <p:style>
+          <a:lnRef idx="2">
+            <a:schemeClr val="dk1">
+              <a:shade val="50000"/>
+            </a:schemeClr>
+          </a:lnRef>
+          <a:fillRef idx="1">
+            <a:schemeClr val="dk1"/>
+          </a:fillRef>
+          <a:effectRef idx="0">
+            <a:schemeClr val="dk1"/>
+          </a:effectRef>
+          <a:fontRef idx="minor">
+            <a:schemeClr val="lt1"/>
+          </a:fontRef>
+        </p:style>
+        <p:txBody>
+          <a:bodyPr rtlCol="0" anchor="ctr"/>
+          <a:lstStyle/>
+          <a:p>
+            <a:pPr algn="ctr"/>
+            <a:endParaRPr lang="es-PE"/>
+          </a:p>
+        </p:txBody>
+      </p:sp>
+      <p:sp>
+        <p:nvSpPr>
+          <p:cNvPr id="12" name="Google Shape;111;p2">
+            <a:extLst>
+              <a:ext uri="{FF2B5EF4-FFF2-40B4-BE49-F238E27FC236}">
+                <a16:creationId xmlns:a16="http://schemas.microsoft.com/office/drawing/2014/main" id="{002F249E-01CD-4A15-802F-2FC4DE855BEF}"/>
+              </a:ext>
+            </a:extLst>
+          </p:cNvPr>
+          <p:cNvSpPr txBox="1"/>
+          <p:nvPr/>
+        </p:nvSpPr>
+        <p:spPr>
+          <a:xfrm>
+            <a:off x="738222" y="866805"/>
+            <a:ext cx="10779861" cy="4662775"/>
+          </a:xfrm>
+          <a:prstGeom prst="rect">
+            <a:avLst/>
+          </a:prstGeom>
+          <a:noFill/>
+          <a:ln>
+            <a:noFill/>
+          </a:ln>
+        </p:spPr>
+        <p:txBody>
+          <a:bodyPr spcFirstLastPara="1" wrap="square" lIns="91425" tIns="45700" rIns="91425" bIns="45700" anchor="t" anchorCtr="0">
+            <a:spAutoFit/>
+          </a:bodyPr>
+          <a:lstStyle/>
+          <a:p>
+            <a:pPr lvl="0" algn="just" eaLnBrk="0" fontAlgn="base" hangingPunct="0">
+              <a:spcBef>
+                <a:spcPct val="0"/>
+              </a:spcBef>
+              <a:spcAft>
+                <a:spcPct val="0"/>
+              </a:spcAft>
+            </a:pPr>
+            <a:r>
+              <a:rPr lang="es-PE" altLang="es-PE" dirty="0">
+                <a:solidFill>
+                  <a:srgbClr val="000000"/>
+                </a:solidFill>
+                <a:latin typeface="Calibri" panose="020F0502020204030204" pitchFamily="34" charset="0"/>
+                <a:cs typeface="Calibri" panose="020F0502020204030204" pitchFamily="34" charset="0"/>
+              </a:rPr>
+              <a:t>Para poder abarcar un 100 % de los reclamos, es necesario que el BN tenga los recursos de sus áreas disponibles para otras áreas, por ejemplo, hay reclamos cuya respuesta depende de otros servicio y/o áreas, y no es posible dar una repuesta sin una previa aprobación o verificación (Transacción no reconocida).</a:t>
+            </a:r>
+          </a:p>
+          <a:p>
+            <a:pPr lvl="0" algn="just" eaLnBrk="0" fontAlgn="base" hangingPunct="0">
+              <a:spcBef>
+                <a:spcPct val="0"/>
+              </a:spcBef>
+              <a:spcAft>
+                <a:spcPct val="0"/>
+              </a:spcAft>
+            </a:pPr>
+            <a:endParaRPr lang="es-PE" altLang="es-PE" dirty="0">
+              <a:solidFill>
+                <a:srgbClr val="000000"/>
+              </a:solidFill>
+              <a:latin typeface="Calibri" panose="020F0502020204030204" pitchFamily="34" charset="0"/>
+              <a:cs typeface="Calibri" panose="020F0502020204030204" pitchFamily="34" charset="0"/>
+            </a:endParaRPr>
+          </a:p>
+          <a:p>
+            <a:pPr lvl="0" algn="just" eaLnBrk="0" fontAlgn="base" hangingPunct="0">
+              <a:spcBef>
+                <a:spcPct val="0"/>
+              </a:spcBef>
+              <a:spcAft>
+                <a:spcPct val="0"/>
+              </a:spcAft>
+            </a:pPr>
+            <a:r>
+              <a:rPr lang="es-PE" altLang="es-PE" dirty="0">
+                <a:solidFill>
+                  <a:srgbClr val="000000"/>
+                </a:solidFill>
+                <a:latin typeface="Calibri" panose="020F0502020204030204" pitchFamily="34" charset="0"/>
+                <a:cs typeface="Calibri" panose="020F0502020204030204" pitchFamily="34" charset="0"/>
+              </a:rPr>
+              <a:t>Esto limita el universo de datos con el que podemos trabajar y solo podemos contestar reclamos cuya respuesta no depende de otras área o servicios financieros.</a:t>
+            </a:r>
+          </a:p>
+          <a:p>
+            <a:pPr lvl="0" algn="just" eaLnBrk="0" fontAlgn="base" hangingPunct="0">
+              <a:spcBef>
+                <a:spcPct val="0"/>
+              </a:spcBef>
+              <a:spcAft>
+                <a:spcPct val="0"/>
+              </a:spcAft>
+            </a:pPr>
+            <a:endParaRPr lang="es-PE" altLang="es-PE" dirty="0">
+              <a:solidFill>
+                <a:srgbClr val="000000"/>
+              </a:solidFill>
+              <a:latin typeface="Calibri" panose="020F0502020204030204" pitchFamily="34" charset="0"/>
+              <a:cs typeface="Calibri" panose="020F0502020204030204" pitchFamily="34" charset="0"/>
+            </a:endParaRPr>
+          </a:p>
+          <a:p>
+            <a:pPr algn="just" eaLnBrk="0" fontAlgn="base" hangingPunct="0">
+              <a:spcBef>
+                <a:spcPct val="0"/>
+              </a:spcBef>
+              <a:spcAft>
+                <a:spcPct val="0"/>
+              </a:spcAft>
+            </a:pPr>
+            <a:r>
+              <a:rPr lang="es-PE" altLang="es-PE" dirty="0">
+                <a:solidFill>
+                  <a:srgbClr val="000000"/>
+                </a:solidFill>
+                <a:latin typeface="Calibri" panose="020F0502020204030204" pitchFamily="34" charset="0"/>
+                <a:cs typeface="Calibri" panose="020F0502020204030204" pitchFamily="34" charset="0"/>
+              </a:rPr>
+              <a:t>De este grupo de reclamos que podemos contestar desde nuestra área, iniciaremos con el MVP, eventualmente este modelo ira adquiriendo mas robustez e incluso se puede incorporar api que </a:t>
+            </a:r>
+            <a:r>
+              <a:rPr lang="es-PE" altLang="es-PE" dirty="0" err="1">
+                <a:solidFill>
+                  <a:srgbClr val="000000"/>
+                </a:solidFill>
+                <a:latin typeface="Calibri" panose="020F0502020204030204" pitchFamily="34" charset="0"/>
+                <a:cs typeface="Calibri" panose="020F0502020204030204" pitchFamily="34" charset="0"/>
+              </a:rPr>
+              <a:t>disponibilicen</a:t>
+            </a:r>
+            <a:r>
+              <a:rPr lang="es-PE" altLang="es-PE" dirty="0">
+                <a:solidFill>
+                  <a:srgbClr val="000000"/>
+                </a:solidFill>
+                <a:latin typeface="Calibri" panose="020F0502020204030204" pitchFamily="34" charset="0"/>
+                <a:cs typeface="Calibri" panose="020F0502020204030204" pitchFamily="34" charset="0"/>
+              </a:rPr>
+              <a:t> las áreas implicadas para poder contestar el reclamo.</a:t>
+            </a:r>
+          </a:p>
+          <a:p>
+            <a:pPr algn="just" eaLnBrk="0" fontAlgn="base" hangingPunct="0">
+              <a:spcBef>
+                <a:spcPct val="0"/>
+              </a:spcBef>
+              <a:spcAft>
+                <a:spcPct val="0"/>
+              </a:spcAft>
+            </a:pPr>
+            <a:endParaRPr lang="es-PE" altLang="es-PE" dirty="0">
+              <a:solidFill>
+                <a:srgbClr val="000000"/>
+              </a:solidFill>
+              <a:latin typeface="Calibri" panose="020F0502020204030204" pitchFamily="34" charset="0"/>
+              <a:cs typeface="Calibri" panose="020F0502020204030204" pitchFamily="34" charset="0"/>
+            </a:endParaRPr>
+          </a:p>
+          <a:p>
+            <a:pPr algn="just" eaLnBrk="0" fontAlgn="base" hangingPunct="0">
+              <a:spcBef>
+                <a:spcPct val="0"/>
+              </a:spcBef>
+              <a:spcAft>
+                <a:spcPct val="0"/>
+              </a:spcAft>
+            </a:pPr>
+            <a:r>
+              <a:rPr lang="es-PE" altLang="es-PE" dirty="0">
+                <a:solidFill>
+                  <a:srgbClr val="000000"/>
+                </a:solidFill>
+                <a:latin typeface="Calibri" panose="020F0502020204030204" pitchFamily="34" charset="0"/>
+                <a:cs typeface="Calibri" panose="020F0502020204030204" pitchFamily="34" charset="0"/>
+              </a:rPr>
+              <a:t>Otro mejor importante que debe ser realizada en la forma en que se recopila la importación, si es por la web estandarizar los reclamos con posibles plantilla, y si es por otro medios estandarizar el diccionario usado por los que digitan los reclamos, además es indispensable que el texto este ortográficamente correcto y si es posibles utilizar marcadores en nombres, códigos, u otros caracteres </a:t>
+            </a:r>
+            <a:r>
+              <a:rPr lang="es-PE" altLang="es-PE" dirty="0" err="1">
+                <a:solidFill>
+                  <a:srgbClr val="000000"/>
+                </a:solidFill>
+                <a:latin typeface="Calibri" panose="020F0502020204030204" pitchFamily="34" charset="0"/>
+                <a:cs typeface="Calibri" panose="020F0502020204030204" pitchFamily="34" charset="0"/>
+              </a:rPr>
+              <a:t>selecionados</a:t>
+            </a:r>
+            <a:r>
+              <a:rPr lang="es-PE" altLang="es-PE" dirty="0">
+                <a:solidFill>
+                  <a:srgbClr val="000000"/>
+                </a:solidFill>
+                <a:latin typeface="Calibri" panose="020F0502020204030204" pitchFamily="34" charset="0"/>
+                <a:cs typeface="Calibri" panose="020F0502020204030204" pitchFamily="34" charset="0"/>
+              </a:rPr>
+              <a:t>.</a:t>
+            </a:r>
+          </a:p>
+          <a:p>
+            <a:pPr lvl="0" algn="just" eaLnBrk="0" fontAlgn="base" hangingPunct="0">
+              <a:spcBef>
+                <a:spcPct val="0"/>
+              </a:spcBef>
+              <a:spcAft>
+                <a:spcPct val="0"/>
+              </a:spcAft>
+            </a:pPr>
+            <a:endParaRPr lang="es-PE" altLang="es-PE" dirty="0">
+              <a:solidFill>
+                <a:srgbClr val="000000"/>
+              </a:solidFill>
+              <a:latin typeface="Calibri" panose="020F0502020204030204" pitchFamily="34" charset="0"/>
+              <a:cs typeface="Calibri" panose="020F0502020204030204" pitchFamily="34" charset="0"/>
+            </a:endParaRPr>
+          </a:p>
+          <a:p>
+            <a:pPr lvl="0" eaLnBrk="0" fontAlgn="base" hangingPunct="0">
+              <a:spcBef>
+                <a:spcPct val="0"/>
+              </a:spcBef>
+              <a:spcAft>
+                <a:spcPct val="0"/>
+              </a:spcAft>
+            </a:pPr>
+            <a:endParaRPr kumimoji="0" lang="es-PE" altLang="es-PE" sz="900" i="0" u="none" strike="noStrike" cap="none" normalizeH="0" baseline="0" dirty="0">
+              <a:ln>
+                <a:noFill/>
+              </a:ln>
+              <a:solidFill>
+                <a:schemeClr val="tx1"/>
+              </a:solidFill>
+              <a:effectLst/>
+            </a:endParaRPr>
+          </a:p>
+        </p:txBody>
+      </p:sp>
+      <p:sp>
+        <p:nvSpPr>
+          <p:cNvPr id="15" name="Google Shape;111;p2">
+            <a:extLst>
+              <a:ext uri="{FF2B5EF4-FFF2-40B4-BE49-F238E27FC236}">
+                <a16:creationId xmlns:a16="http://schemas.microsoft.com/office/drawing/2014/main" id="{DA903829-C857-466F-8663-51CF8927D68D}"/>
+              </a:ext>
+            </a:extLst>
+          </p:cNvPr>
+          <p:cNvSpPr txBox="1"/>
+          <p:nvPr/>
+        </p:nvSpPr>
+        <p:spPr>
+          <a:xfrm>
+            <a:off x="1049838" y="6230671"/>
+            <a:ext cx="6364529" cy="292347"/>
+          </a:xfrm>
+          <a:prstGeom prst="rect">
+            <a:avLst/>
+          </a:prstGeom>
+          <a:noFill/>
+          <a:ln>
+            <a:noFill/>
+          </a:ln>
+        </p:spPr>
+        <p:txBody>
+          <a:bodyPr spcFirstLastPara="1" wrap="square" lIns="91425" tIns="45700" rIns="91425" bIns="45700" anchor="t" anchorCtr="0">
+            <a:spAutoFit/>
+          </a:bodyPr>
+          <a:lstStyle/>
+          <a:p>
+            <a:pPr marL="0" marR="0" lvl="0" indent="0" algn="l" defTabSz="914400" rtl="0" eaLnBrk="0" fontAlgn="base" latinLnBrk="0" hangingPunct="0">
+              <a:lnSpc>
+                <a:spcPct val="100000"/>
+              </a:lnSpc>
+              <a:spcBef>
+                <a:spcPct val="0"/>
+              </a:spcBef>
+              <a:spcAft>
+                <a:spcPct val="0"/>
+              </a:spcAft>
+              <a:buClrTx/>
+              <a:buSzTx/>
+              <a:buFontTx/>
+              <a:buNone/>
+              <a:tabLst/>
+            </a:pPr>
+            <a:r>
+              <a:rPr kumimoji="0" lang="es-PE" altLang="es-PE" sz="1300" b="1" i="0" u="none" strike="noStrike" cap="none" normalizeH="0" baseline="0" dirty="0">
+                <a:ln>
+                  <a:noFill/>
+                </a:ln>
+                <a:solidFill>
+                  <a:srgbClr val="000000"/>
+                </a:solidFill>
+                <a:effectLst/>
+                <a:latin typeface="Calibri" panose="020F0502020204030204" pitchFamily="34" charset="0"/>
+                <a:cs typeface="Calibri" panose="020F0502020204030204" pitchFamily="34" charset="0"/>
+              </a:rPr>
+              <a:t>(*) LIMITACIONES Y POSIBLES MEJORAS</a:t>
+            </a:r>
+            <a:endParaRPr kumimoji="0" lang="es-PE" altLang="es-PE" sz="600" b="0" i="0" u="none" strike="noStrike" cap="none" normalizeH="0" baseline="0" dirty="0">
+              <a:ln>
+                <a:noFill/>
+              </a:ln>
+              <a:solidFill>
+                <a:schemeClr val="tx1"/>
+              </a:solidFill>
+              <a:effectLst/>
+            </a:endParaRPr>
+          </a:p>
+        </p:txBody>
+      </p:sp>
+    </p:spTree>
+    <p:extLst>
+      <p:ext uri="{BB962C8B-B14F-4D97-AF65-F5344CB8AC3E}">
+        <p14:creationId xmlns:p14="http://schemas.microsoft.com/office/powerpoint/2010/main" val="2221495019"/>
+      </p:ext>
+    </p:extLst>
+  </p:cSld>
+  <p:clrMapOvr>
+    <a:masterClrMapping/>
+  </p:clrMapOvr>
+</p:sld>
+</file>
+
+<file path=ppt/slides/slide14.xml><?xml version="1.0" encoding="utf-8"?>
+<p:sld xmlns:a="http://schemas.openxmlformats.org/drawingml/2006/main" xmlns:r="http://schemas.openxmlformats.org/officeDocument/2006/relationships" xmlns:p="http://schemas.openxmlformats.org/presentationml/2006/main">
+  <p:cSld>
+    <p:spTree>
+      <p:nvGrpSpPr>
+        <p:cNvPr id="1" name=""/>
+        <p:cNvGrpSpPr/>
+        <p:nvPr/>
+      </p:nvGrpSpPr>
+      <p:grpSpPr>
+        <a:xfrm>
+          <a:off x="0" y="0"/>
+          <a:ext cx="0" cy="0"/>
+          <a:chOff x="0" y="0"/>
+          <a:chExt cx="0" cy="0"/>
+        </a:xfrm>
+      </p:grpSpPr>
+      <p:sp>
+        <p:nvSpPr>
           <p:cNvPr id="2" name="Título 1">
             <a:extLst>
               <a:ext uri="{FF2B5EF4-FFF2-40B4-BE49-F238E27FC236}">
@@ -6787,7 +10027,7 @@
 </p:sld>
 </file>
 
-<file path=ppt/slides/slide13.xml><?xml version="1.0" encoding="utf-8"?>
+<file path=ppt/slides/slide15.xml><?xml version="1.0" encoding="utf-8"?>
 <p:sld xmlns:a="http://schemas.openxmlformats.org/drawingml/2006/main" xmlns:r="http://schemas.openxmlformats.org/officeDocument/2006/relationships" xmlns:p="http://schemas.openxmlformats.org/presentationml/2006/main">
   <p:cSld>
     <p:spTree>
@@ -7577,7 +10817,7 @@
 </p:sld>
 </file>
 
-<file path=ppt/slides/slide14.xml><?xml version="1.0" encoding="utf-8"?>
+<file path=ppt/slides/slide16.xml><?xml version="1.0" encoding="utf-8"?>
 <p:sld xmlns:a="http://schemas.openxmlformats.org/drawingml/2006/main" xmlns:r="http://schemas.openxmlformats.org/officeDocument/2006/relationships" xmlns:p="http://schemas.openxmlformats.org/presentationml/2006/main">
   <p:cSld>
     <p:spTree>

--- a/BancoNacion/documentos/Reclamos.pptx
+++ b/BancoNacion/documentos/Reclamos.pptx
@@ -5,7 +5,7 @@
     <p:sldMasterId id="2147483660" r:id="rId1"/>
   </p:sldMasterIdLst>
   <p:notesMasterIdLst>
-    <p:notesMasterId r:id="rId18"/>
+    <p:notesMasterId r:id="rId20"/>
   </p:notesMasterIdLst>
   <p:sldIdLst>
     <p:sldId id="371" r:id="rId2"/>
@@ -21,9 +21,11 @@
     <p:sldId id="388" r:id="rId12"/>
     <p:sldId id="389" r:id="rId13"/>
     <p:sldId id="390" r:id="rId14"/>
-    <p:sldId id="384" r:id="rId15"/>
-    <p:sldId id="377" r:id="rId16"/>
-    <p:sldId id="381" r:id="rId17"/>
+    <p:sldId id="393" r:id="rId15"/>
+    <p:sldId id="394" r:id="rId16"/>
+    <p:sldId id="384" r:id="rId17"/>
+    <p:sldId id="377" r:id="rId18"/>
+    <p:sldId id="381" r:id="rId19"/>
   </p:sldIdLst>
   <p:sldSz cx="12192000" cy="6858000"/>
   <p:notesSz cx="6858000" cy="9144000"/>
@@ -135,7 +137,7 @@
   <pc:docChgLst>
     <pc:chgData name="John K. Barrera" userId="ff20ac3aac775278" providerId="LiveId" clId="{D2B16D9E-8DC3-4D4C-927D-0F5AA29F5383}"/>
     <pc:docChg chg="undo redo custSel addSld delSld modSld sldOrd">
-      <pc:chgData name="John K. Barrera" userId="ff20ac3aac775278" providerId="LiveId" clId="{D2B16D9E-8DC3-4D4C-927D-0F5AA29F5383}" dt="2022-03-16T05:49:50.906" v="11212" actId="20577"/>
+      <pc:chgData name="John K. Barrera" userId="ff20ac3aac775278" providerId="LiveId" clId="{D2B16D9E-8DC3-4D4C-927D-0F5AA29F5383}" dt="2022-03-23T04:22:52.910" v="12944" actId="47"/>
       <pc:docMkLst>
         <pc:docMk/>
       </pc:docMkLst>
@@ -1058,7 +1060,7 @@
         </pc:picChg>
       </pc:sldChg>
       <pc:sldChg chg="addSp delSp modSp add del mod ord">
-        <pc:chgData name="John K. Barrera" userId="ff20ac3aac775278" providerId="LiveId" clId="{D2B16D9E-8DC3-4D4C-927D-0F5AA29F5383}" dt="2022-03-02T03:07:37.373" v="5019" actId="20578"/>
+        <pc:chgData name="John K. Barrera" userId="ff20ac3aac775278" providerId="LiveId" clId="{D2B16D9E-8DC3-4D4C-927D-0F5AA29F5383}" dt="2022-03-22T21:09:04.183" v="12396" actId="21"/>
         <pc:sldMkLst>
           <pc:docMk/>
           <pc:sldMk cId="1548355188" sldId="381"/>
@@ -1159,8 +1161,8 @@
             <ac:picMk id="2050" creationId="{A90DCCD8-33D3-4E47-91DD-BF4DD2A91A14}"/>
           </ac:picMkLst>
         </pc:picChg>
-        <pc:picChg chg="add mod">
-          <ac:chgData name="John K. Barrera" userId="ff20ac3aac775278" providerId="LiveId" clId="{D2B16D9E-8DC3-4D4C-927D-0F5AA29F5383}" dt="2022-03-02T02:19:04.398" v="4437" actId="1076"/>
+        <pc:picChg chg="add del mod">
+          <ac:chgData name="John K. Barrera" userId="ff20ac3aac775278" providerId="LiveId" clId="{D2B16D9E-8DC3-4D4C-927D-0F5AA29F5383}" dt="2022-03-22T21:09:04.183" v="12396" actId="21"/>
           <ac:picMkLst>
             <pc:docMk/>
             <pc:sldMk cId="1548355188" sldId="381"/>
@@ -2289,6 +2291,369 @@
             <pc:docMk/>
             <pc:sldMk cId="2221495019" sldId="390"/>
             <ac:picMk id="2055" creationId="{AFF9ABFF-4FC1-460B-AA43-6F8AAC604AE1}"/>
+          </ac:picMkLst>
+        </pc:picChg>
+      </pc:sldChg>
+      <pc:sldChg chg="new del">
+        <pc:chgData name="John K. Barrera" userId="ff20ac3aac775278" providerId="LiveId" clId="{D2B16D9E-8DC3-4D4C-927D-0F5AA29F5383}" dt="2022-03-23T04:22:52.910" v="12944" actId="47"/>
+        <pc:sldMkLst>
+          <pc:docMk/>
+          <pc:sldMk cId="1986916538" sldId="391"/>
+        </pc:sldMkLst>
+      </pc:sldChg>
+      <pc:sldChg chg="add del">
+        <pc:chgData name="John K. Barrera" userId="ff20ac3aac775278" providerId="LiveId" clId="{D2B16D9E-8DC3-4D4C-927D-0F5AA29F5383}" dt="2022-03-22T15:36:37.309" v="11216" actId="47"/>
+        <pc:sldMkLst>
+          <pc:docMk/>
+          <pc:sldMk cId="1591233840" sldId="392"/>
+        </pc:sldMkLst>
+      </pc:sldChg>
+      <pc:sldChg chg="addSp delSp modSp add mod">
+        <pc:chgData name="John K. Barrera" userId="ff20ac3aac775278" providerId="LiveId" clId="{D2B16D9E-8DC3-4D4C-927D-0F5AA29F5383}" dt="2022-03-22T22:29:35.530" v="12663"/>
+        <pc:sldMkLst>
+          <pc:docMk/>
+          <pc:sldMk cId="2785183594" sldId="393"/>
+        </pc:sldMkLst>
+        <pc:spChg chg="mod">
+          <ac:chgData name="John K. Barrera" userId="ff20ac3aac775278" providerId="LiveId" clId="{D2B16D9E-8DC3-4D4C-927D-0F5AA29F5383}" dt="2022-03-22T15:38:08.857" v="11278" actId="313"/>
+          <ac:spMkLst>
+            <pc:docMk/>
+            <pc:sldMk cId="2785183594" sldId="393"/>
+            <ac:spMk id="5" creationId="{48D2A9BD-EBF3-4CF7-A61E-49631D4D1DBB}"/>
+          </ac:spMkLst>
+        </pc:spChg>
+        <pc:spChg chg="add mod">
+          <ac:chgData name="John K. Barrera" userId="ff20ac3aac775278" providerId="LiveId" clId="{D2B16D9E-8DC3-4D4C-927D-0F5AA29F5383}" dt="2022-03-22T21:31:58.237" v="12436" actId="1036"/>
+          <ac:spMkLst>
+            <pc:docMk/>
+            <pc:sldMk cId="2785183594" sldId="393"/>
+            <ac:spMk id="11" creationId="{1C1B5DC6-7884-4239-842A-E1977508A541}"/>
+          </ac:spMkLst>
+        </pc:spChg>
+        <pc:spChg chg="mod">
+          <ac:chgData name="John K. Barrera" userId="ff20ac3aac775278" providerId="LiveId" clId="{D2B16D9E-8DC3-4D4C-927D-0F5AA29F5383}" dt="2022-03-22T21:31:52.117" v="12420" actId="20577"/>
+          <ac:spMkLst>
+            <pc:docMk/>
+            <pc:sldMk cId="2785183594" sldId="393"/>
+            <ac:spMk id="12" creationId="{002F249E-01CD-4A15-802F-2FC4DE855BEF}"/>
+          </ac:spMkLst>
+        </pc:spChg>
+        <pc:spChg chg="add mod">
+          <ac:chgData name="John K. Barrera" userId="ff20ac3aac775278" providerId="LiveId" clId="{D2B16D9E-8DC3-4D4C-927D-0F5AA29F5383}" dt="2022-03-22T21:34:44.511" v="12565" actId="207"/>
+          <ac:spMkLst>
+            <pc:docMk/>
+            <pc:sldMk cId="2785183594" sldId="393"/>
+            <ac:spMk id="13" creationId="{1FA1F099-334C-4905-984A-579B65985B9E}"/>
+          </ac:spMkLst>
+        </pc:spChg>
+        <pc:spChg chg="add mod">
+          <ac:chgData name="John K. Barrera" userId="ff20ac3aac775278" providerId="LiveId" clId="{D2B16D9E-8DC3-4D4C-927D-0F5AA29F5383}" dt="2022-03-22T21:31:58.237" v="12436" actId="1036"/>
+          <ac:spMkLst>
+            <pc:docMk/>
+            <pc:sldMk cId="2785183594" sldId="393"/>
+            <ac:spMk id="14" creationId="{4F81608B-6E3F-4031-8C4E-486210232252}"/>
+          </ac:spMkLst>
+        </pc:spChg>
+        <pc:spChg chg="mod">
+          <ac:chgData name="John K. Barrera" userId="ff20ac3aac775278" providerId="LiveId" clId="{D2B16D9E-8DC3-4D4C-927D-0F5AA29F5383}" dt="2022-03-22T21:33:27.909" v="12560" actId="313"/>
+          <ac:spMkLst>
+            <pc:docMk/>
+            <pc:sldMk cId="2785183594" sldId="393"/>
+            <ac:spMk id="15" creationId="{DA903829-C857-466F-8663-51CF8927D68D}"/>
+          </ac:spMkLst>
+        </pc:spChg>
+        <pc:spChg chg="add mod">
+          <ac:chgData name="John K. Barrera" userId="ff20ac3aac775278" providerId="LiveId" clId="{D2B16D9E-8DC3-4D4C-927D-0F5AA29F5383}" dt="2022-03-22T21:06:52.006" v="12282" actId="1076"/>
+          <ac:spMkLst>
+            <pc:docMk/>
+            <pc:sldMk cId="2785183594" sldId="393"/>
+            <ac:spMk id="16" creationId="{C40DA6B8-AA24-4F48-95DC-4FF5BF5AF7B3}"/>
+          </ac:spMkLst>
+        </pc:spChg>
+        <pc:spChg chg="add mod">
+          <ac:chgData name="John K. Barrera" userId="ff20ac3aac775278" providerId="LiveId" clId="{D2B16D9E-8DC3-4D4C-927D-0F5AA29F5383}" dt="2022-03-22T21:07:14.064" v="12285" actId="1076"/>
+          <ac:spMkLst>
+            <pc:docMk/>
+            <pc:sldMk cId="2785183594" sldId="393"/>
+            <ac:spMk id="17" creationId="{D152D3A7-089B-455E-88E5-609B47B48AFB}"/>
+          </ac:spMkLst>
+        </pc:spChg>
+        <pc:spChg chg="add mod">
+          <ac:chgData name="John K. Barrera" userId="ff20ac3aac775278" providerId="LiveId" clId="{D2B16D9E-8DC3-4D4C-927D-0F5AA29F5383}" dt="2022-03-22T21:31:58.237" v="12436" actId="1036"/>
+          <ac:spMkLst>
+            <pc:docMk/>
+            <pc:sldMk cId="2785183594" sldId="393"/>
+            <ac:spMk id="18" creationId="{07EEEF1D-BA54-4766-8B33-F0DEEA4F9469}"/>
+          </ac:spMkLst>
+        </pc:spChg>
+        <pc:spChg chg="add mod">
+          <ac:chgData name="John K. Barrera" userId="ff20ac3aac775278" providerId="LiveId" clId="{D2B16D9E-8DC3-4D4C-927D-0F5AA29F5383}" dt="2022-03-22T21:32:25.229" v="12446" actId="1076"/>
+          <ac:spMkLst>
+            <pc:docMk/>
+            <pc:sldMk cId="2785183594" sldId="393"/>
+            <ac:spMk id="20" creationId="{3A1C2559-55D4-4F3C-A974-9BE35C72B4C0}"/>
+          </ac:spMkLst>
+        </pc:spChg>
+        <pc:spChg chg="add mod">
+          <ac:chgData name="John K. Barrera" userId="ff20ac3aac775278" providerId="LiveId" clId="{D2B16D9E-8DC3-4D4C-927D-0F5AA29F5383}" dt="2022-03-22T21:32:22.378" v="12445" actId="571"/>
+          <ac:spMkLst>
+            <pc:docMk/>
+            <pc:sldMk cId="2785183594" sldId="393"/>
+            <ac:spMk id="22" creationId="{60D9F8D0-3CD7-4135-B349-E2BA7AC0A49B}"/>
+          </ac:spMkLst>
+        </pc:spChg>
+        <pc:spChg chg="add mod">
+          <ac:chgData name="John K. Barrera" userId="ff20ac3aac775278" providerId="LiveId" clId="{D2B16D9E-8DC3-4D4C-927D-0F5AA29F5383}" dt="2022-03-22T22:05:37.993" v="12622" actId="1036"/>
+          <ac:spMkLst>
+            <pc:docMk/>
+            <pc:sldMk cId="2785183594" sldId="393"/>
+            <ac:spMk id="25" creationId="{1F51B651-3B3B-4328-9AD7-8ECB7F88FE97}"/>
+          </ac:spMkLst>
+        </pc:spChg>
+        <pc:spChg chg="add mod">
+          <ac:chgData name="John K. Barrera" userId="ff20ac3aac775278" providerId="LiveId" clId="{D2B16D9E-8DC3-4D4C-927D-0F5AA29F5383}" dt="2022-03-22T22:08:57.855" v="12624" actId="20577"/>
+          <ac:spMkLst>
+            <pc:docMk/>
+            <pc:sldMk cId="2785183594" sldId="393"/>
+            <ac:spMk id="26" creationId="{68F30F8A-FB7A-4E0E-9CD3-C27322090E71}"/>
+          </ac:spMkLst>
+        </pc:spChg>
+        <pc:spChg chg="add mod">
+          <ac:chgData name="John K. Barrera" userId="ff20ac3aac775278" providerId="LiveId" clId="{D2B16D9E-8DC3-4D4C-927D-0F5AA29F5383}" dt="2022-03-22T22:10:44.161" v="12661" actId="113"/>
+          <ac:spMkLst>
+            <pc:docMk/>
+            <pc:sldMk cId="2785183594" sldId="393"/>
+            <ac:spMk id="27" creationId="{AFE1611D-2D23-4C3A-973C-EDA9E343BAA3}"/>
+          </ac:spMkLst>
+        </pc:spChg>
+        <pc:spChg chg="add del mod">
+          <ac:chgData name="John K. Barrera" userId="ff20ac3aac775278" providerId="LiveId" clId="{D2B16D9E-8DC3-4D4C-927D-0F5AA29F5383}" dt="2022-03-22T22:29:35.530" v="12663"/>
+          <ac:spMkLst>
+            <pc:docMk/>
+            <pc:sldMk cId="2785183594" sldId="393"/>
+            <ac:spMk id="28" creationId="{AEE95120-57A5-4F5E-9E3B-7D8A27271341}"/>
+          </ac:spMkLst>
+        </pc:spChg>
+        <pc:picChg chg="add del mod">
+          <ac:chgData name="John K. Barrera" userId="ff20ac3aac775278" providerId="LiveId" clId="{D2B16D9E-8DC3-4D4C-927D-0F5AA29F5383}" dt="2022-03-22T21:09:41.735" v="12402"/>
+          <ac:picMkLst>
+            <pc:docMk/>
+            <pc:sldMk cId="2785183594" sldId="393"/>
+            <ac:picMk id="19" creationId="{0A06D110-7C0C-4208-84CD-AC9A1E3538B7}"/>
+          </ac:picMkLst>
+        </pc:picChg>
+        <pc:picChg chg="add mod">
+          <ac:chgData name="John K. Barrera" userId="ff20ac3aac775278" providerId="LiveId" clId="{D2B16D9E-8DC3-4D4C-927D-0F5AA29F5383}" dt="2022-03-22T21:32:22.378" v="12445" actId="571"/>
+          <ac:picMkLst>
+            <pc:docMk/>
+            <pc:sldMk cId="2785183594" sldId="393"/>
+            <ac:picMk id="21" creationId="{B94E1CC7-7319-41F6-BB92-46C5AB123A92}"/>
+          </ac:picMkLst>
+        </pc:picChg>
+        <pc:picChg chg="add del mod">
+          <ac:chgData name="John K. Barrera" userId="ff20ac3aac775278" providerId="LiveId" clId="{D2B16D9E-8DC3-4D4C-927D-0F5AA29F5383}" dt="2022-03-22T21:30:39.994" v="12405" actId="478"/>
+          <ac:picMkLst>
+            <pc:docMk/>
+            <pc:sldMk cId="2785183594" sldId="393"/>
+            <ac:picMk id="1026" creationId="{40962639-0514-4ECC-A444-A78FE1508EFB}"/>
+          </ac:picMkLst>
+        </pc:picChg>
+        <pc:picChg chg="add del mod">
+          <ac:chgData name="John K. Barrera" userId="ff20ac3aac775278" providerId="LiveId" clId="{D2B16D9E-8DC3-4D4C-927D-0F5AA29F5383}" dt="2022-03-22T21:31:28.890" v="12410" actId="478"/>
+          <ac:picMkLst>
+            <pc:docMk/>
+            <pc:sldMk cId="2785183594" sldId="393"/>
+            <ac:picMk id="1028" creationId="{A75447C7-08F7-41F9-B31C-548781F831DD}"/>
+          </ac:picMkLst>
+        </pc:picChg>
+        <pc:picChg chg="add del mod">
+          <ac:chgData name="John K. Barrera" userId="ff20ac3aac775278" providerId="LiveId" clId="{D2B16D9E-8DC3-4D4C-927D-0F5AA29F5383}" dt="2022-03-22T22:03:50.140" v="12566" actId="478"/>
+          <ac:picMkLst>
+            <pc:docMk/>
+            <pc:sldMk cId="2785183594" sldId="393"/>
+            <ac:picMk id="1030" creationId="{B5A49549-4A02-490D-8157-65B7049B11D4}"/>
+          </ac:picMkLst>
+        </pc:picChg>
+        <pc:picChg chg="add mod">
+          <ac:chgData name="John K. Barrera" userId="ff20ac3aac775278" providerId="LiveId" clId="{D2B16D9E-8DC3-4D4C-927D-0F5AA29F5383}" dt="2022-03-22T22:05:37.993" v="12622" actId="1036"/>
+          <ac:picMkLst>
+            <pc:docMk/>
+            <pc:sldMk cId="2785183594" sldId="393"/>
+            <ac:picMk id="1032" creationId="{9A58611A-DEA1-4B72-8353-00F6262FE859}"/>
+          </ac:picMkLst>
+        </pc:picChg>
+      </pc:sldChg>
+      <pc:sldChg chg="add del">
+        <pc:chgData name="John K. Barrera" userId="ff20ac3aac775278" providerId="LiveId" clId="{D2B16D9E-8DC3-4D4C-927D-0F5AA29F5383}" dt="2022-03-22T15:37:45.524" v="11269"/>
+        <pc:sldMkLst>
+          <pc:docMk/>
+          <pc:sldMk cId="1135187482" sldId="394"/>
+        </pc:sldMkLst>
+      </pc:sldChg>
+      <pc:sldChg chg="addSp delSp modSp add mod">
+        <pc:chgData name="John K. Barrera" userId="ff20ac3aac775278" providerId="LiveId" clId="{D2B16D9E-8DC3-4D4C-927D-0F5AA29F5383}" dt="2022-03-23T04:21:38.509" v="12943" actId="313"/>
+        <pc:sldMkLst>
+          <pc:docMk/>
+          <pc:sldMk cId="3499516781" sldId="394"/>
+        </pc:sldMkLst>
+        <pc:spChg chg="ord">
+          <ac:chgData name="John K. Barrera" userId="ff20ac3aac775278" providerId="LiveId" clId="{D2B16D9E-8DC3-4D4C-927D-0F5AA29F5383}" dt="2022-03-23T04:09:55.986" v="12681" actId="166"/>
+          <ac:spMkLst>
+            <pc:docMk/>
+            <pc:sldMk cId="3499516781" sldId="394"/>
+            <ac:spMk id="9" creationId="{17D5E67A-13F6-4283-8297-CC8F5E053535}"/>
+          </ac:spMkLst>
+        </pc:spChg>
+        <pc:spChg chg="ord">
+          <ac:chgData name="John K. Barrera" userId="ff20ac3aac775278" providerId="LiveId" clId="{D2B16D9E-8DC3-4D4C-927D-0F5AA29F5383}" dt="2022-03-23T04:09:55.986" v="12681" actId="166"/>
+          <ac:spMkLst>
+            <pc:docMk/>
+            <pc:sldMk cId="3499516781" sldId="394"/>
+            <ac:spMk id="10" creationId="{54D73149-C250-47CB-B10E-EEADC5D5A38D}"/>
+          </ac:spMkLst>
+        </pc:spChg>
+        <pc:spChg chg="del">
+          <ac:chgData name="John K. Barrera" userId="ff20ac3aac775278" providerId="LiveId" clId="{D2B16D9E-8DC3-4D4C-927D-0F5AA29F5383}" dt="2022-03-22T22:33:39.654" v="12665" actId="478"/>
+          <ac:spMkLst>
+            <pc:docMk/>
+            <pc:sldMk cId="3499516781" sldId="394"/>
+            <ac:spMk id="11" creationId="{1C1B5DC6-7884-4239-842A-E1977508A541}"/>
+          </ac:spMkLst>
+        </pc:spChg>
+        <pc:spChg chg="del">
+          <ac:chgData name="John K. Barrera" userId="ff20ac3aac775278" providerId="LiveId" clId="{D2B16D9E-8DC3-4D4C-927D-0F5AA29F5383}" dt="2022-03-22T22:33:49.955" v="12668" actId="478"/>
+          <ac:spMkLst>
+            <pc:docMk/>
+            <pc:sldMk cId="3499516781" sldId="394"/>
+            <ac:spMk id="12" creationId="{002F249E-01CD-4A15-802F-2FC4DE855BEF}"/>
+          </ac:spMkLst>
+        </pc:spChg>
+        <pc:spChg chg="del">
+          <ac:chgData name="John K. Barrera" userId="ff20ac3aac775278" providerId="LiveId" clId="{D2B16D9E-8DC3-4D4C-927D-0F5AA29F5383}" dt="2022-03-22T22:33:43.241" v="12666" actId="478"/>
+          <ac:spMkLst>
+            <pc:docMk/>
+            <pc:sldMk cId="3499516781" sldId="394"/>
+            <ac:spMk id="13" creationId="{1FA1F099-334C-4905-984A-579B65985B9E}"/>
+          </ac:spMkLst>
+        </pc:spChg>
+        <pc:spChg chg="del">
+          <ac:chgData name="John K. Barrera" userId="ff20ac3aac775278" providerId="LiveId" clId="{D2B16D9E-8DC3-4D4C-927D-0F5AA29F5383}" dt="2022-03-22T22:33:39.654" v="12665" actId="478"/>
+          <ac:spMkLst>
+            <pc:docMk/>
+            <pc:sldMk cId="3499516781" sldId="394"/>
+            <ac:spMk id="14" creationId="{4F81608B-6E3F-4031-8C4E-486210232252}"/>
+          </ac:spMkLst>
+        </pc:spChg>
+        <pc:spChg chg="mod ord">
+          <ac:chgData name="John K. Barrera" userId="ff20ac3aac775278" providerId="LiveId" clId="{D2B16D9E-8DC3-4D4C-927D-0F5AA29F5383}" dt="2022-03-23T04:21:38.509" v="12943" actId="313"/>
+          <ac:spMkLst>
+            <pc:docMk/>
+            <pc:sldMk cId="3499516781" sldId="394"/>
+            <ac:spMk id="15" creationId="{DA903829-C857-466F-8663-51CF8927D68D}"/>
+          </ac:spMkLst>
+        </pc:spChg>
+        <pc:spChg chg="del">
+          <ac:chgData name="John K. Barrera" userId="ff20ac3aac775278" providerId="LiveId" clId="{D2B16D9E-8DC3-4D4C-927D-0F5AA29F5383}" dt="2022-03-22T22:33:39.654" v="12665" actId="478"/>
+          <ac:spMkLst>
+            <pc:docMk/>
+            <pc:sldMk cId="3499516781" sldId="394"/>
+            <ac:spMk id="16" creationId="{C40DA6B8-AA24-4F48-95DC-4FF5BF5AF7B3}"/>
+          </ac:spMkLst>
+        </pc:spChg>
+        <pc:spChg chg="del">
+          <ac:chgData name="John K. Barrera" userId="ff20ac3aac775278" providerId="LiveId" clId="{D2B16D9E-8DC3-4D4C-927D-0F5AA29F5383}" dt="2022-03-22T22:33:39.654" v="12665" actId="478"/>
+          <ac:spMkLst>
+            <pc:docMk/>
+            <pc:sldMk cId="3499516781" sldId="394"/>
+            <ac:spMk id="17" creationId="{D152D3A7-089B-455E-88E5-609B47B48AFB}"/>
+          </ac:spMkLst>
+        </pc:spChg>
+        <pc:spChg chg="del">
+          <ac:chgData name="John K. Barrera" userId="ff20ac3aac775278" providerId="LiveId" clId="{D2B16D9E-8DC3-4D4C-927D-0F5AA29F5383}" dt="2022-03-22T22:33:39.654" v="12665" actId="478"/>
+          <ac:spMkLst>
+            <pc:docMk/>
+            <pc:sldMk cId="3499516781" sldId="394"/>
+            <ac:spMk id="18" creationId="{07EEEF1D-BA54-4766-8B33-F0DEEA4F9469}"/>
+          </ac:spMkLst>
+        </pc:spChg>
+        <pc:spChg chg="del">
+          <ac:chgData name="John K. Barrera" userId="ff20ac3aac775278" providerId="LiveId" clId="{D2B16D9E-8DC3-4D4C-927D-0F5AA29F5383}" dt="2022-03-22T22:33:39.654" v="12665" actId="478"/>
+          <ac:spMkLst>
+            <pc:docMk/>
+            <pc:sldMk cId="3499516781" sldId="394"/>
+            <ac:spMk id="20" creationId="{3A1C2559-55D4-4F3C-A974-9BE35C72B4C0}"/>
+          </ac:spMkLst>
+        </pc:spChg>
+        <pc:spChg chg="add mod ord">
+          <ac:chgData name="John K. Barrera" userId="ff20ac3aac775278" providerId="LiveId" clId="{D2B16D9E-8DC3-4D4C-927D-0F5AA29F5383}" dt="2022-03-23T04:15:25.585" v="12750" actId="20577"/>
+          <ac:spMkLst>
+            <pc:docMk/>
+            <pc:sldMk cId="3499516781" sldId="394"/>
+            <ac:spMk id="23" creationId="{42CEDD2E-1C80-488E-A2F9-11F378804ED2}"/>
+          </ac:spMkLst>
+        </pc:spChg>
+        <pc:spChg chg="del">
+          <ac:chgData name="John K. Barrera" userId="ff20ac3aac775278" providerId="LiveId" clId="{D2B16D9E-8DC3-4D4C-927D-0F5AA29F5383}" dt="2022-03-22T22:33:46.289" v="12667" actId="478"/>
+          <ac:spMkLst>
+            <pc:docMk/>
+            <pc:sldMk cId="3499516781" sldId="394"/>
+            <ac:spMk id="25" creationId="{1F51B651-3B3B-4328-9AD7-8ECB7F88FE97}"/>
+          </ac:spMkLst>
+        </pc:spChg>
+        <pc:spChg chg="del">
+          <ac:chgData name="John K. Barrera" userId="ff20ac3aac775278" providerId="LiveId" clId="{D2B16D9E-8DC3-4D4C-927D-0F5AA29F5383}" dt="2022-03-22T22:33:39.654" v="12665" actId="478"/>
+          <ac:spMkLst>
+            <pc:docMk/>
+            <pc:sldMk cId="3499516781" sldId="394"/>
+            <ac:spMk id="26" creationId="{68F30F8A-FB7A-4E0E-9CD3-C27322090E71}"/>
+          </ac:spMkLst>
+        </pc:spChg>
+        <pc:spChg chg="del">
+          <ac:chgData name="John K. Barrera" userId="ff20ac3aac775278" providerId="LiveId" clId="{D2B16D9E-8DC3-4D4C-927D-0F5AA29F5383}" dt="2022-03-22T22:33:39.654" v="12665" actId="478"/>
+          <ac:spMkLst>
+            <pc:docMk/>
+            <pc:sldMk cId="3499516781" sldId="394"/>
+            <ac:spMk id="27" creationId="{AFE1611D-2D23-4C3A-973C-EDA9E343BAA3}"/>
+          </ac:spMkLst>
+        </pc:spChg>
+        <pc:spChg chg="add mod">
+          <ac:chgData name="John K. Barrera" userId="ff20ac3aac775278" providerId="LiveId" clId="{D2B16D9E-8DC3-4D4C-927D-0F5AA29F5383}" dt="2022-03-23T04:20:51.403" v="12840" actId="20577"/>
+          <ac:spMkLst>
+            <pc:docMk/>
+            <pc:sldMk cId="3499516781" sldId="394"/>
+            <ac:spMk id="28" creationId="{E08CD9AD-64C3-4242-8DA1-7DB904BE8A1C}"/>
+          </ac:spMkLst>
+        </pc:spChg>
+        <pc:picChg chg="add del mod">
+          <ac:chgData name="John K. Barrera" userId="ff20ac3aac775278" providerId="LiveId" clId="{D2B16D9E-8DC3-4D4C-927D-0F5AA29F5383}" dt="2022-03-23T04:04:43.931" v="12671" actId="478"/>
+          <ac:picMkLst>
+            <pc:docMk/>
+            <pc:sldMk cId="3499516781" sldId="394"/>
+            <ac:picMk id="3" creationId="{98183918-0BF7-4680-BDD0-FEF7256CD2E5}"/>
+          </ac:picMkLst>
+        </pc:picChg>
+        <pc:picChg chg="add del mod">
+          <ac:chgData name="John K. Barrera" userId="ff20ac3aac775278" providerId="LiveId" clId="{D2B16D9E-8DC3-4D4C-927D-0F5AA29F5383}" dt="2022-03-23T04:09:34.245" v="12677" actId="478"/>
+          <ac:picMkLst>
+            <pc:docMk/>
+            <pc:sldMk cId="3499516781" sldId="394"/>
+            <ac:picMk id="7" creationId="{513EF428-0175-4E22-8C15-A08E6DB1C139}"/>
+          </ac:picMkLst>
+        </pc:picChg>
+        <pc:picChg chg="add mod ord">
+          <ac:chgData name="John K. Barrera" userId="ff20ac3aac775278" providerId="LiveId" clId="{D2B16D9E-8DC3-4D4C-927D-0F5AA29F5383}" dt="2022-03-23T04:09:59.548" v="12682" actId="1076"/>
+          <ac:picMkLst>
+            <pc:docMk/>
+            <pc:sldMk cId="3499516781" sldId="394"/>
+            <ac:picMk id="19" creationId="{317DC10E-8247-47E5-B175-297B15B3888E}"/>
+          </ac:picMkLst>
+        </pc:picChg>
+        <pc:picChg chg="del">
+          <ac:chgData name="John K. Barrera" userId="ff20ac3aac775278" providerId="LiveId" clId="{D2B16D9E-8DC3-4D4C-927D-0F5AA29F5383}" dt="2022-03-22T22:33:39.654" v="12665" actId="478"/>
+          <ac:picMkLst>
+            <pc:docMk/>
+            <pc:sldMk cId="3499516781" sldId="394"/>
+            <ac:picMk id="1032" creationId="{9A58611A-DEA1-4B72-8353-00F6262FE859}"/>
           </ac:picMkLst>
         </pc:picChg>
       </pc:sldChg>
@@ -2379,7 +2744,7 @@
           <a:p>
             <a:fld id="{4AA3995C-CEF4-46C5-822A-4E0ABA58EA45}" type="datetimeFigureOut">
               <a:rPr lang="en-US" smtClean="0"/>
-              <a:t>3/15/2022</a:t>
+              <a:t>3/22/2022</a:t>
             </a:fld>
             <a:endParaRPr lang="en-US"/>
           </a:p>
@@ -2833,7 +3198,7 @@
           <a:p>
             <a:fld id="{903304DD-1A9B-465F-A981-8B6D85F33039}" type="datetimeFigureOut">
               <a:rPr lang="en-US" smtClean="0"/>
-              <a:t>3/15/2022</a:t>
+              <a:t>3/22/2022</a:t>
             </a:fld>
             <a:endParaRPr lang="en-US"/>
           </a:p>
@@ -3136,7 +3501,7 @@
           <a:p>
             <a:fld id="{903304DD-1A9B-465F-A981-8B6D85F33039}" type="datetimeFigureOut">
               <a:rPr lang="en-US" smtClean="0"/>
-              <a:t>3/15/2022</a:t>
+              <a:t>3/22/2022</a:t>
             </a:fld>
             <a:endParaRPr lang="en-US"/>
           </a:p>
@@ -3306,7 +3671,7 @@
           <a:p>
             <a:fld id="{903304DD-1A9B-465F-A981-8B6D85F33039}" type="datetimeFigureOut">
               <a:rPr lang="en-US" smtClean="0"/>
-              <a:t>3/15/2022</a:t>
+              <a:t>3/22/2022</a:t>
             </a:fld>
             <a:endParaRPr lang="en-US"/>
           </a:p>
@@ -3486,7 +3851,7 @@
           <a:p>
             <a:fld id="{903304DD-1A9B-465F-A981-8B6D85F33039}" type="datetimeFigureOut">
               <a:rPr lang="en-US" smtClean="0"/>
-              <a:t>3/15/2022</a:t>
+              <a:t>3/22/2022</a:t>
             </a:fld>
             <a:endParaRPr lang="en-US"/>
           </a:p>
@@ -3720,7 +4085,7 @@
           <a:p>
             <a:fld id="{903304DD-1A9B-465F-A981-8B6D85F33039}" type="datetimeFigureOut">
               <a:rPr lang="en-US" smtClean="0"/>
-              <a:t>3/15/2022</a:t>
+              <a:t>3/22/2022</a:t>
             </a:fld>
             <a:endParaRPr lang="en-US"/>
           </a:p>
@@ -3918,7 +4283,7 @@
           <a:p>
             <a:fld id="{903304DD-1A9B-465F-A981-8B6D85F33039}" type="datetimeFigureOut">
               <a:rPr lang="en-US" smtClean="0"/>
-              <a:t>3/15/2022</a:t>
+              <a:t>3/22/2022</a:t>
             </a:fld>
             <a:endParaRPr lang="en-US"/>
           </a:p>
@@ -4164,7 +4529,7 @@
           <a:p>
             <a:fld id="{903304DD-1A9B-465F-A981-8B6D85F33039}" type="datetimeFigureOut">
               <a:rPr lang="en-US" smtClean="0"/>
-              <a:t>3/15/2022</a:t>
+              <a:t>3/22/2022</a:t>
             </a:fld>
             <a:endParaRPr lang="en-US"/>
           </a:p>
@@ -4396,7 +4761,7 @@
           <a:p>
             <a:fld id="{903304DD-1A9B-465F-A981-8B6D85F33039}" type="datetimeFigureOut">
               <a:rPr lang="en-US" smtClean="0"/>
-              <a:t>3/15/2022</a:t>
+              <a:t>3/22/2022</a:t>
             </a:fld>
             <a:endParaRPr lang="en-US"/>
           </a:p>
@@ -4763,7 +5128,7 @@
           <a:p>
             <a:fld id="{903304DD-1A9B-465F-A981-8B6D85F33039}" type="datetimeFigureOut">
               <a:rPr lang="en-US" smtClean="0"/>
-              <a:t>3/15/2022</a:t>
+              <a:t>3/22/2022</a:t>
             </a:fld>
             <a:endParaRPr lang="en-US"/>
           </a:p>
@@ -4881,7 +5246,7 @@
           <a:p>
             <a:fld id="{903304DD-1A9B-465F-A981-8B6D85F33039}" type="datetimeFigureOut">
               <a:rPr lang="en-US" smtClean="0"/>
-              <a:t>3/15/2022</a:t>
+              <a:t>3/22/2022</a:t>
             </a:fld>
             <a:endParaRPr lang="en-US"/>
           </a:p>
@@ -4976,7 +5341,7 @@
           <a:p>
             <a:fld id="{903304DD-1A9B-465F-A981-8B6D85F33039}" type="datetimeFigureOut">
               <a:rPr lang="en-US" smtClean="0"/>
-              <a:t>3/15/2022</a:t>
+              <a:t>3/22/2022</a:t>
             </a:fld>
             <a:endParaRPr lang="en-US"/>
           </a:p>
@@ -5253,7 +5618,7 @@
           <a:p>
             <a:fld id="{903304DD-1A9B-465F-A981-8B6D85F33039}" type="datetimeFigureOut">
               <a:rPr lang="en-US" smtClean="0"/>
-              <a:t>3/15/2022</a:t>
+              <a:t>3/22/2022</a:t>
             </a:fld>
             <a:endParaRPr lang="en-US"/>
           </a:p>
@@ -5466,7 +5831,7 @@
           <a:p>
             <a:fld id="{903304DD-1A9B-465F-A981-8B6D85F33039}" type="datetimeFigureOut">
               <a:rPr lang="en-US" smtClean="0"/>
-              <a:t>3/15/2022</a:t>
+              <a:t>3/22/2022</a:t>
             </a:fld>
             <a:endParaRPr lang="en-US"/>
           </a:p>
@@ -9966,6 +10331,2245 @@
       </p:grpSpPr>
       <p:sp>
         <p:nvSpPr>
+          <p:cNvPr id="4" name="Rectángulo: esquinas superiores redondeadas 4">
+            <a:extLst>
+              <a:ext uri="{FF2B5EF4-FFF2-40B4-BE49-F238E27FC236}">
+                <a16:creationId xmlns:a16="http://schemas.microsoft.com/office/drawing/2014/main" id="{CF789E0E-816C-4223-84EC-DC9D690B87EA}"/>
+              </a:ext>
+            </a:extLst>
+          </p:cNvPr>
+          <p:cNvSpPr/>
+          <p:nvPr/>
+        </p:nvSpPr>
+        <p:spPr>
+          <a:xfrm rot="10800000">
+            <a:off x="355599" y="0"/>
+            <a:ext cx="7813039" cy="640080"/>
+          </a:xfrm>
+          <a:prstGeom prst="round2SameRect">
+            <a:avLst/>
+          </a:prstGeom>
+          <a:solidFill>
+            <a:schemeClr val="tx2">
+              <a:lumMod val="75000"/>
+            </a:schemeClr>
+          </a:solidFill>
+        </p:spPr>
+        <p:style>
+          <a:lnRef idx="2">
+            <a:schemeClr val="accent1">
+              <a:shade val="50000"/>
+            </a:schemeClr>
+          </a:lnRef>
+          <a:fillRef idx="1">
+            <a:schemeClr val="accent1"/>
+          </a:fillRef>
+          <a:effectRef idx="0">
+            <a:schemeClr val="accent1"/>
+          </a:effectRef>
+          <a:fontRef idx="minor">
+            <a:schemeClr val="lt1"/>
+          </a:fontRef>
+        </p:style>
+        <p:txBody>
+          <a:bodyPr rtlCol="0" anchor="ctr"/>
+          <a:lstStyle/>
+          <a:p>
+            <a:pPr algn="ctr"/>
+            <a:endParaRPr lang="es-PE" dirty="0"/>
+          </a:p>
+        </p:txBody>
+      </p:sp>
+      <p:sp>
+        <p:nvSpPr>
+          <p:cNvPr id="5" name="CuadroTexto 4">
+            <a:extLst>
+              <a:ext uri="{FF2B5EF4-FFF2-40B4-BE49-F238E27FC236}">
+                <a16:creationId xmlns:a16="http://schemas.microsoft.com/office/drawing/2014/main" id="{48D2A9BD-EBF3-4CF7-A61E-49631D4D1DBB}"/>
+              </a:ext>
+            </a:extLst>
+          </p:cNvPr>
+          <p:cNvSpPr txBox="1"/>
+          <p:nvPr/>
+        </p:nvSpPr>
+        <p:spPr>
+          <a:xfrm>
+            <a:off x="558799" y="134927"/>
+            <a:ext cx="6597779" cy="400110"/>
+          </a:xfrm>
+          <a:prstGeom prst="rect">
+            <a:avLst/>
+          </a:prstGeom>
+          <a:noFill/>
+        </p:spPr>
+        <p:txBody>
+          <a:bodyPr wrap="square" rtlCol="0">
+            <a:spAutoFit/>
+          </a:bodyPr>
+          <a:lstStyle/>
+          <a:p>
+            <a:r>
+              <a:rPr lang="es-MX" sz="2000" dirty="0">
+                <a:solidFill>
+                  <a:schemeClr val="bg1"/>
+                </a:solidFill>
+                <a:latin typeface="Open Sans" panose="020B0606030504020204" pitchFamily="34" charset="0"/>
+                <a:ea typeface="Open Sans" panose="020B0606030504020204" pitchFamily="34" charset="0"/>
+                <a:cs typeface="Open Sans" panose="020B0606030504020204" pitchFamily="34" charset="0"/>
+              </a:rPr>
+              <a:t>Manual de Procedimientos</a:t>
+            </a:r>
+          </a:p>
+        </p:txBody>
+      </p:sp>
+      <p:sp>
+        <p:nvSpPr>
+          <p:cNvPr id="9" name="Rectángulo 8">
+            <a:extLst>
+              <a:ext uri="{FF2B5EF4-FFF2-40B4-BE49-F238E27FC236}">
+                <a16:creationId xmlns:a16="http://schemas.microsoft.com/office/drawing/2014/main" id="{17D5E67A-13F6-4283-8297-CC8F5E053535}"/>
+              </a:ext>
+            </a:extLst>
+          </p:cNvPr>
+          <p:cNvSpPr/>
+          <p:nvPr/>
+        </p:nvSpPr>
+        <p:spPr>
+          <a:xfrm>
+            <a:off x="355600" y="5943600"/>
+            <a:ext cx="203200" cy="914399"/>
+          </a:xfrm>
+          <a:prstGeom prst="rect">
+            <a:avLst/>
+          </a:prstGeom>
+          <a:solidFill>
+            <a:schemeClr val="tx2">
+              <a:lumMod val="75000"/>
+            </a:schemeClr>
+          </a:solidFill>
+        </p:spPr>
+        <p:style>
+          <a:lnRef idx="2">
+            <a:schemeClr val="dk1">
+              <a:shade val="50000"/>
+            </a:schemeClr>
+          </a:lnRef>
+          <a:fillRef idx="1">
+            <a:schemeClr val="dk1"/>
+          </a:fillRef>
+          <a:effectRef idx="0">
+            <a:schemeClr val="dk1"/>
+          </a:effectRef>
+          <a:fontRef idx="minor">
+            <a:schemeClr val="lt1"/>
+          </a:fontRef>
+        </p:style>
+        <p:txBody>
+          <a:bodyPr rtlCol="0" anchor="ctr"/>
+          <a:lstStyle/>
+          <a:p>
+            <a:pPr algn="ctr"/>
+            <a:endParaRPr lang="es-PE"/>
+          </a:p>
+        </p:txBody>
+      </p:sp>
+      <p:sp>
+        <p:nvSpPr>
+          <p:cNvPr id="10" name="Rectángulo 9">
+            <a:extLst>
+              <a:ext uri="{FF2B5EF4-FFF2-40B4-BE49-F238E27FC236}">
+                <a16:creationId xmlns:a16="http://schemas.microsoft.com/office/drawing/2014/main" id="{54D73149-C250-47CB-B10E-EEADC5D5A38D}"/>
+              </a:ext>
+            </a:extLst>
+          </p:cNvPr>
+          <p:cNvSpPr/>
+          <p:nvPr/>
+        </p:nvSpPr>
+        <p:spPr>
+          <a:xfrm>
+            <a:off x="640234" y="6385364"/>
+            <a:ext cx="203200" cy="472635"/>
+          </a:xfrm>
+          <a:prstGeom prst="rect">
+            <a:avLst/>
+          </a:prstGeom>
+          <a:solidFill>
+            <a:srgbClr val="C00000"/>
+          </a:solidFill>
+          <a:ln>
+            <a:noFill/>
+          </a:ln>
+        </p:spPr>
+        <p:style>
+          <a:lnRef idx="2">
+            <a:schemeClr val="dk1">
+              <a:shade val="50000"/>
+            </a:schemeClr>
+          </a:lnRef>
+          <a:fillRef idx="1">
+            <a:schemeClr val="dk1"/>
+          </a:fillRef>
+          <a:effectRef idx="0">
+            <a:schemeClr val="dk1"/>
+          </a:effectRef>
+          <a:fontRef idx="minor">
+            <a:schemeClr val="lt1"/>
+          </a:fontRef>
+        </p:style>
+        <p:txBody>
+          <a:bodyPr rtlCol="0" anchor="ctr"/>
+          <a:lstStyle/>
+          <a:p>
+            <a:pPr algn="ctr"/>
+            <a:endParaRPr lang="es-PE"/>
+          </a:p>
+        </p:txBody>
+      </p:sp>
+      <p:sp>
+        <p:nvSpPr>
+          <p:cNvPr id="12" name="Google Shape;111;p2">
+            <a:extLst>
+              <a:ext uri="{FF2B5EF4-FFF2-40B4-BE49-F238E27FC236}">
+                <a16:creationId xmlns:a16="http://schemas.microsoft.com/office/drawing/2014/main" id="{002F249E-01CD-4A15-802F-2FC4DE855BEF}"/>
+              </a:ext>
+            </a:extLst>
+          </p:cNvPr>
+          <p:cNvSpPr txBox="1"/>
+          <p:nvPr/>
+        </p:nvSpPr>
+        <p:spPr>
+          <a:xfrm>
+            <a:off x="741834" y="884057"/>
+            <a:ext cx="10765803" cy="923289"/>
+          </a:xfrm>
+          <a:prstGeom prst="rect">
+            <a:avLst/>
+          </a:prstGeom>
+          <a:noFill/>
+          <a:ln>
+            <a:noFill/>
+          </a:ln>
+        </p:spPr>
+        <p:txBody>
+          <a:bodyPr spcFirstLastPara="1" wrap="square" lIns="91425" tIns="45700" rIns="91425" bIns="45700" anchor="t" anchorCtr="0">
+            <a:spAutoFit/>
+          </a:bodyPr>
+          <a:lstStyle/>
+          <a:p>
+            <a:pPr lvl="0" algn="just" eaLnBrk="0" fontAlgn="base" hangingPunct="0">
+              <a:spcBef>
+                <a:spcPct val="0"/>
+              </a:spcBef>
+              <a:spcAft>
+                <a:spcPct val="0"/>
+              </a:spcAft>
+            </a:pPr>
+            <a:r>
+              <a:rPr lang="es-PE" altLang="es-PE" dirty="0">
+                <a:solidFill>
+                  <a:srgbClr val="000000"/>
+                </a:solidFill>
+                <a:latin typeface="Calibri" panose="020F0502020204030204" pitchFamily="34" charset="0"/>
+                <a:cs typeface="Calibri" panose="020F0502020204030204" pitchFamily="34" charset="0"/>
+              </a:rPr>
+              <a:t>Por qué tomamos atención al usuario como primer caso de estudio para nuestro MVP, usa la aplicación mas básica (1) y no depende de otros servicios (2), además es el segundo reclamo en tipo de reclamos en cuanto a representatividad (3).</a:t>
+            </a:r>
+          </a:p>
+        </p:txBody>
+      </p:sp>
+      <p:sp>
+        <p:nvSpPr>
+          <p:cNvPr id="15" name="Google Shape;111;p2">
+            <a:extLst>
+              <a:ext uri="{FF2B5EF4-FFF2-40B4-BE49-F238E27FC236}">
+                <a16:creationId xmlns:a16="http://schemas.microsoft.com/office/drawing/2014/main" id="{DA903829-C857-466F-8663-51CF8927D68D}"/>
+              </a:ext>
+            </a:extLst>
+          </p:cNvPr>
+          <p:cNvSpPr txBox="1"/>
+          <p:nvPr/>
+        </p:nvSpPr>
+        <p:spPr>
+          <a:xfrm>
+            <a:off x="6223959" y="6475507"/>
+            <a:ext cx="5775834" cy="292347"/>
+          </a:xfrm>
+          <a:prstGeom prst="rect">
+            <a:avLst/>
+          </a:prstGeom>
+          <a:noFill/>
+          <a:ln>
+            <a:noFill/>
+          </a:ln>
+        </p:spPr>
+        <p:txBody>
+          <a:bodyPr spcFirstLastPara="1" wrap="square" lIns="91425" tIns="45700" rIns="91425" bIns="45700" anchor="t" anchorCtr="0">
+            <a:spAutoFit/>
+          </a:bodyPr>
+          <a:lstStyle/>
+          <a:p>
+            <a:pPr marL="0" marR="0" lvl="0" indent="0" algn="l" defTabSz="914400" rtl="0" eaLnBrk="0" fontAlgn="base" latinLnBrk="0" hangingPunct="0">
+              <a:lnSpc>
+                <a:spcPct val="100000"/>
+              </a:lnSpc>
+              <a:spcBef>
+                <a:spcPct val="0"/>
+              </a:spcBef>
+              <a:spcAft>
+                <a:spcPct val="0"/>
+              </a:spcAft>
+              <a:buClrTx/>
+              <a:buSzTx/>
+              <a:buFontTx/>
+              <a:buNone/>
+              <a:tabLst/>
+            </a:pPr>
+            <a:r>
+              <a:rPr kumimoji="0" lang="es-PE" altLang="es-PE" sz="1300" b="1" i="0" u="none" strike="noStrike" cap="none" normalizeH="0" baseline="0" dirty="0">
+                <a:ln>
+                  <a:noFill/>
+                </a:ln>
+                <a:solidFill>
+                  <a:srgbClr val="000000"/>
+                </a:solidFill>
+                <a:effectLst/>
+                <a:latin typeface="Calibri" panose="020F0502020204030204" pitchFamily="34" charset="0"/>
+                <a:cs typeface="Calibri" panose="020F0502020204030204" pitchFamily="34" charset="0"/>
+              </a:rPr>
+              <a:t>(*) Incluir el uso de las aplicación (2), nos sirve para extendernos a mas servicios.</a:t>
+            </a:r>
+            <a:endParaRPr kumimoji="0" lang="es-PE" altLang="es-PE" sz="600" b="0" i="0" u="none" strike="noStrike" cap="none" normalizeH="0" baseline="0" dirty="0">
+              <a:ln>
+                <a:noFill/>
+              </a:ln>
+              <a:solidFill>
+                <a:schemeClr val="tx1"/>
+              </a:solidFill>
+              <a:effectLst/>
+            </a:endParaRPr>
+          </a:p>
+        </p:txBody>
+      </p:sp>
+      <p:sp>
+        <p:nvSpPr>
+          <p:cNvPr id="11" name="CuadroTexto 10">
+            <a:extLst>
+              <a:ext uri="{FF2B5EF4-FFF2-40B4-BE49-F238E27FC236}">
+                <a16:creationId xmlns:a16="http://schemas.microsoft.com/office/drawing/2014/main" id="{1C1B5DC6-7884-4239-842A-E1977508A541}"/>
+              </a:ext>
+            </a:extLst>
+          </p:cNvPr>
+          <p:cNvSpPr txBox="1"/>
+          <p:nvPr/>
+        </p:nvSpPr>
+        <p:spPr>
+          <a:xfrm>
+            <a:off x="1861068" y="1691765"/>
+            <a:ext cx="2862389" cy="1200329"/>
+          </a:xfrm>
+          <a:prstGeom prst="rect">
+            <a:avLst/>
+          </a:prstGeom>
+          <a:noFill/>
+        </p:spPr>
+        <p:txBody>
+          <a:bodyPr wrap="square">
+            <a:spAutoFit/>
+          </a:bodyPr>
+          <a:lstStyle/>
+          <a:p>
+            <a:pPr lvl="0" algn="just" eaLnBrk="0" fontAlgn="base" hangingPunct="0">
+              <a:spcBef>
+                <a:spcPct val="0"/>
+              </a:spcBef>
+              <a:spcAft>
+                <a:spcPct val="0"/>
+              </a:spcAft>
+            </a:pPr>
+            <a:endParaRPr lang="es-PE" altLang="es-PE" dirty="0">
+              <a:solidFill>
+                <a:srgbClr val="000000"/>
+              </a:solidFill>
+              <a:latin typeface="Calibri" panose="020F0502020204030204" pitchFamily="34" charset="0"/>
+              <a:cs typeface="Calibri" panose="020F0502020204030204" pitchFamily="34" charset="0"/>
+            </a:endParaRPr>
+          </a:p>
+          <a:p>
+            <a:pPr lvl="0" algn="ctr" eaLnBrk="0" fontAlgn="base" hangingPunct="0">
+              <a:spcBef>
+                <a:spcPct val="0"/>
+              </a:spcBef>
+              <a:spcAft>
+                <a:spcPct val="0"/>
+              </a:spcAft>
+            </a:pPr>
+            <a:r>
+              <a:rPr lang="es-MX" b="1" dirty="0"/>
+              <a:t>ATENCIÓN DEL RECLAMO Y/O REQUERIMIENTO</a:t>
+            </a:r>
+            <a:endParaRPr lang="es-PE" b="1" dirty="0">
+              <a:solidFill>
+                <a:srgbClr val="000000"/>
+              </a:solidFill>
+              <a:latin typeface="Calibri" panose="020F0502020204030204" pitchFamily="34" charset="0"/>
+              <a:cs typeface="Calibri" panose="020F0502020204030204" pitchFamily="34" charset="0"/>
+            </a:endParaRPr>
+          </a:p>
+          <a:p>
+            <a:pPr lvl="0" algn="just" eaLnBrk="0" fontAlgn="base" hangingPunct="0">
+              <a:spcBef>
+                <a:spcPct val="0"/>
+              </a:spcBef>
+              <a:spcAft>
+                <a:spcPct val="0"/>
+              </a:spcAft>
+            </a:pPr>
+            <a:endParaRPr lang="es-PE" altLang="es-PE" dirty="0">
+              <a:solidFill>
+                <a:srgbClr val="000000"/>
+              </a:solidFill>
+              <a:latin typeface="Calibri" panose="020F0502020204030204" pitchFamily="34" charset="0"/>
+              <a:cs typeface="Calibri" panose="020F0502020204030204" pitchFamily="34" charset="0"/>
+            </a:endParaRPr>
+          </a:p>
+        </p:txBody>
+      </p:sp>
+      <p:sp>
+        <p:nvSpPr>
+          <p:cNvPr id="13" name="CuadroTexto 12">
+            <a:extLst>
+              <a:ext uri="{FF2B5EF4-FFF2-40B4-BE49-F238E27FC236}">
+                <a16:creationId xmlns:a16="http://schemas.microsoft.com/office/drawing/2014/main" id="{1FA1F099-334C-4905-984A-579B65985B9E}"/>
+              </a:ext>
+            </a:extLst>
+          </p:cNvPr>
+          <p:cNvSpPr txBox="1"/>
+          <p:nvPr/>
+        </p:nvSpPr>
+        <p:spPr>
+          <a:xfrm>
+            <a:off x="6325558" y="1828089"/>
+            <a:ext cx="5448728" cy="4524315"/>
+          </a:xfrm>
+          <a:prstGeom prst="rect">
+            <a:avLst/>
+          </a:prstGeom>
+          <a:noFill/>
+        </p:spPr>
+        <p:txBody>
+          <a:bodyPr wrap="square">
+            <a:spAutoFit/>
+          </a:bodyPr>
+          <a:lstStyle/>
+          <a:p>
+            <a:pPr lvl="0" algn="just" eaLnBrk="0" fontAlgn="base" hangingPunct="0">
+              <a:spcBef>
+                <a:spcPct val="0"/>
+              </a:spcBef>
+              <a:spcAft>
+                <a:spcPct val="0"/>
+              </a:spcAft>
+            </a:pPr>
+            <a:endParaRPr lang="es-PE" altLang="es-PE" dirty="0">
+              <a:solidFill>
+                <a:srgbClr val="000000"/>
+              </a:solidFill>
+              <a:latin typeface="Calibri" panose="020F0502020204030204" pitchFamily="34" charset="0"/>
+              <a:cs typeface="Calibri" panose="020F0502020204030204" pitchFamily="34" charset="0"/>
+            </a:endParaRPr>
+          </a:p>
+          <a:p>
+            <a:pPr marL="285750" lvl="0" indent="-285750" algn="just" eaLnBrk="0" fontAlgn="base" hangingPunct="0">
+              <a:spcBef>
+                <a:spcPct val="0"/>
+              </a:spcBef>
+              <a:spcAft>
+                <a:spcPct val="0"/>
+              </a:spcAft>
+              <a:buFont typeface="Arial" panose="020B0604020202020204" pitchFamily="34" charset="0"/>
+              <a:buChar char="•"/>
+            </a:pPr>
+            <a:r>
+              <a:rPr lang="es-PE" altLang="es-PE" dirty="0">
+                <a:solidFill>
+                  <a:schemeClr val="accent4">
+                    <a:lumMod val="75000"/>
+                  </a:schemeClr>
+                </a:solidFill>
+                <a:latin typeface="Calibri" panose="020F0502020204030204" pitchFamily="34" charset="0"/>
+                <a:cs typeface="Calibri" panose="020F0502020204030204" pitchFamily="34" charset="0"/>
+              </a:rPr>
+              <a:t>Reporte aplicativo Visa</a:t>
+            </a:r>
+          </a:p>
+          <a:p>
+            <a:pPr marL="285750" lvl="0" indent="-285750" algn="just" eaLnBrk="0" fontAlgn="base" hangingPunct="0">
+              <a:spcBef>
+                <a:spcPct val="0"/>
+              </a:spcBef>
+              <a:spcAft>
+                <a:spcPct val="0"/>
+              </a:spcAft>
+              <a:buFont typeface="Arial" panose="020B0604020202020204" pitchFamily="34" charset="0"/>
+              <a:buChar char="•"/>
+            </a:pPr>
+            <a:r>
+              <a:rPr lang="es-PE" altLang="es-PE" dirty="0">
+                <a:solidFill>
+                  <a:schemeClr val="accent4">
+                    <a:lumMod val="75000"/>
+                  </a:schemeClr>
+                </a:solidFill>
+                <a:latin typeface="Calibri" panose="020F0502020204030204" pitchFamily="34" charset="0"/>
+                <a:cs typeface="Calibri" panose="020F0502020204030204" pitchFamily="34" charset="0"/>
+              </a:rPr>
+              <a:t>Transacciones Visa online</a:t>
+            </a:r>
+          </a:p>
+          <a:p>
+            <a:pPr marL="285750" lvl="0" indent="-285750" algn="just" eaLnBrk="0" fontAlgn="base" hangingPunct="0">
+              <a:spcBef>
+                <a:spcPct val="0"/>
+              </a:spcBef>
+              <a:spcAft>
+                <a:spcPct val="0"/>
+              </a:spcAft>
+              <a:buFont typeface="Arial" panose="020B0604020202020204" pitchFamily="34" charset="0"/>
+              <a:buChar char="•"/>
+            </a:pPr>
+            <a:r>
+              <a:rPr lang="es-PE" altLang="es-PE" dirty="0">
+                <a:solidFill>
+                  <a:schemeClr val="accent4">
+                    <a:lumMod val="75000"/>
+                  </a:schemeClr>
+                </a:solidFill>
+                <a:latin typeface="Calibri" panose="020F0502020204030204" pitchFamily="34" charset="0"/>
+                <a:cs typeface="Calibri" panose="020F0502020204030204" pitchFamily="34" charset="0"/>
+              </a:rPr>
+              <a:t>Estado de las operaciones (aceptada, confirmada o pendiente)</a:t>
+            </a:r>
+          </a:p>
+          <a:p>
+            <a:pPr marL="285750" lvl="0" indent="-285750" algn="just" eaLnBrk="0" fontAlgn="base" hangingPunct="0">
+              <a:spcBef>
+                <a:spcPct val="0"/>
+              </a:spcBef>
+              <a:spcAft>
+                <a:spcPct val="0"/>
+              </a:spcAft>
+              <a:buFont typeface="Arial" panose="020B0604020202020204" pitchFamily="34" charset="0"/>
+              <a:buChar char="•"/>
+            </a:pPr>
+            <a:r>
+              <a:rPr lang="es-PE" altLang="es-PE" dirty="0">
+                <a:solidFill>
+                  <a:schemeClr val="accent3">
+                    <a:lumMod val="75000"/>
+                  </a:schemeClr>
+                </a:solidFill>
+                <a:latin typeface="Calibri" panose="020F0502020204030204" pitchFamily="34" charset="0"/>
+                <a:cs typeface="Calibri" panose="020F0502020204030204" pitchFamily="34" charset="0"/>
+              </a:rPr>
+              <a:t>Verificar cuenta de ahorros regularizadas</a:t>
+            </a:r>
+          </a:p>
+          <a:p>
+            <a:pPr marL="285750" lvl="0" indent="-285750" algn="just" eaLnBrk="0" fontAlgn="base" hangingPunct="0">
+              <a:spcBef>
+                <a:spcPct val="0"/>
+              </a:spcBef>
+              <a:spcAft>
+                <a:spcPct val="0"/>
+              </a:spcAft>
+              <a:buFont typeface="Arial" panose="020B0604020202020204" pitchFamily="34" charset="0"/>
+              <a:buChar char="•"/>
+            </a:pPr>
+            <a:r>
+              <a:rPr lang="es-PE" altLang="es-PE" dirty="0">
+                <a:solidFill>
+                  <a:schemeClr val="accent3">
+                    <a:lumMod val="75000"/>
+                  </a:schemeClr>
+                </a:solidFill>
+                <a:latin typeface="Calibri" panose="020F0502020204030204" pitchFamily="34" charset="0"/>
+                <a:cs typeface="Calibri" panose="020F0502020204030204" pitchFamily="34" charset="0"/>
+              </a:rPr>
+              <a:t>Accesos a videos de grabación digital</a:t>
+            </a:r>
+          </a:p>
+          <a:p>
+            <a:pPr marL="285750" lvl="0" indent="-285750" algn="just" eaLnBrk="0" fontAlgn="base" hangingPunct="0">
+              <a:spcBef>
+                <a:spcPct val="0"/>
+              </a:spcBef>
+              <a:spcAft>
+                <a:spcPct val="0"/>
+              </a:spcAft>
+              <a:buFont typeface="Arial" panose="020B0604020202020204" pitchFamily="34" charset="0"/>
+              <a:buChar char="•"/>
+            </a:pPr>
+            <a:r>
+              <a:rPr lang="es-PE" altLang="es-PE" dirty="0">
+                <a:solidFill>
+                  <a:schemeClr val="accent3">
+                    <a:lumMod val="75000"/>
+                  </a:schemeClr>
+                </a:solidFill>
+                <a:latin typeface="Calibri" panose="020F0502020204030204" pitchFamily="34" charset="0"/>
+                <a:cs typeface="Calibri" panose="020F0502020204030204" pitchFamily="34" charset="0"/>
+              </a:rPr>
+              <a:t>Accesos  </a:t>
+            </a:r>
+            <a:r>
+              <a:rPr lang="es-PE" altLang="es-PE" dirty="0" err="1">
+                <a:solidFill>
+                  <a:schemeClr val="accent3">
+                    <a:lumMod val="75000"/>
+                  </a:schemeClr>
+                </a:solidFill>
+                <a:latin typeface="Calibri" panose="020F0502020204030204" pitchFamily="34" charset="0"/>
+                <a:cs typeface="Calibri" panose="020F0502020204030204" pitchFamily="34" charset="0"/>
+              </a:rPr>
+              <a:t>Journal</a:t>
+            </a:r>
+            <a:endParaRPr lang="es-PE" altLang="es-PE" dirty="0">
+              <a:solidFill>
+                <a:schemeClr val="accent3">
+                  <a:lumMod val="75000"/>
+                </a:schemeClr>
+              </a:solidFill>
+              <a:latin typeface="Calibri" panose="020F0502020204030204" pitchFamily="34" charset="0"/>
+              <a:cs typeface="Calibri" panose="020F0502020204030204" pitchFamily="34" charset="0"/>
+            </a:endParaRPr>
+          </a:p>
+          <a:p>
+            <a:pPr marL="285750" lvl="0" indent="-285750" algn="just" eaLnBrk="0" fontAlgn="base" hangingPunct="0">
+              <a:spcBef>
+                <a:spcPct val="0"/>
+              </a:spcBef>
+              <a:spcAft>
+                <a:spcPct val="0"/>
+              </a:spcAft>
+              <a:buFont typeface="Arial" panose="020B0604020202020204" pitchFamily="34" charset="0"/>
+              <a:buChar char="•"/>
+            </a:pPr>
+            <a:r>
+              <a:rPr lang="es-PE" altLang="es-PE" dirty="0">
+                <a:solidFill>
+                  <a:schemeClr val="accent6">
+                    <a:lumMod val="75000"/>
+                  </a:schemeClr>
+                </a:solidFill>
+                <a:latin typeface="Calibri" panose="020F0502020204030204" pitchFamily="34" charset="0"/>
+                <a:cs typeface="Calibri" panose="020F0502020204030204" pitchFamily="34" charset="0"/>
+              </a:rPr>
+              <a:t>Consulta del estado de cuenta del cliente</a:t>
+            </a:r>
+          </a:p>
+          <a:p>
+            <a:pPr marL="285750" lvl="0" indent="-285750" algn="just" eaLnBrk="0" fontAlgn="base" hangingPunct="0">
+              <a:spcBef>
+                <a:spcPct val="0"/>
+              </a:spcBef>
+              <a:spcAft>
+                <a:spcPct val="0"/>
+              </a:spcAft>
+              <a:buFont typeface="Arial" panose="020B0604020202020204" pitchFamily="34" charset="0"/>
+              <a:buChar char="•"/>
+            </a:pPr>
+            <a:r>
+              <a:rPr lang="es-PE" altLang="es-PE" dirty="0">
+                <a:solidFill>
+                  <a:schemeClr val="accent6">
+                    <a:lumMod val="75000"/>
+                  </a:schemeClr>
+                </a:solidFill>
+                <a:latin typeface="Calibri" panose="020F0502020204030204" pitchFamily="34" charset="0"/>
+                <a:cs typeface="Calibri" panose="020F0502020204030204" pitchFamily="34" charset="0"/>
+              </a:rPr>
+              <a:t>Accesos de </a:t>
+            </a:r>
+            <a:r>
+              <a:rPr lang="es-MX" altLang="es-PE" dirty="0">
+                <a:solidFill>
+                  <a:schemeClr val="accent6">
+                    <a:lumMod val="75000"/>
+                  </a:schemeClr>
+                </a:solidFill>
+                <a:latin typeface="Calibri" panose="020F0502020204030204" pitchFamily="34" charset="0"/>
+                <a:cs typeface="Calibri" panose="020F0502020204030204" pitchFamily="34" charset="0"/>
+              </a:rPr>
+              <a:t>a</a:t>
+            </a:r>
+            <a:r>
+              <a:rPr lang="es-MX" dirty="0">
+                <a:solidFill>
+                  <a:schemeClr val="accent6">
+                    <a:lumMod val="75000"/>
+                  </a:schemeClr>
+                </a:solidFill>
+              </a:rPr>
+              <a:t>plicativos y reportes en el HOST</a:t>
+            </a:r>
+          </a:p>
+          <a:p>
+            <a:pPr marL="285750" lvl="0" indent="-285750" algn="just" eaLnBrk="0" fontAlgn="base" hangingPunct="0">
+              <a:spcBef>
+                <a:spcPct val="0"/>
+              </a:spcBef>
+              <a:spcAft>
+                <a:spcPct val="0"/>
+              </a:spcAft>
+              <a:buFont typeface="Arial" panose="020B0604020202020204" pitchFamily="34" charset="0"/>
+              <a:buChar char="•"/>
+            </a:pPr>
+            <a:r>
+              <a:rPr lang="es-MX" altLang="es-PE" dirty="0">
+                <a:solidFill>
+                  <a:schemeClr val="accent6">
+                    <a:lumMod val="75000"/>
+                  </a:schemeClr>
+                </a:solidFill>
+                <a:latin typeface="Calibri" panose="020F0502020204030204" pitchFamily="34" charset="0"/>
+                <a:cs typeface="Calibri" panose="020F0502020204030204" pitchFamily="34" charset="0"/>
+              </a:rPr>
+              <a:t>Reporte de </a:t>
+            </a:r>
+            <a:r>
+              <a:rPr lang="es-MX" altLang="es-PE" dirty="0" err="1">
+                <a:solidFill>
+                  <a:schemeClr val="accent6">
+                    <a:lumMod val="75000"/>
+                  </a:schemeClr>
+                </a:solidFill>
+                <a:latin typeface="Calibri" panose="020F0502020204030204" pitchFamily="34" charset="0"/>
+                <a:cs typeface="Calibri" panose="020F0502020204030204" pitchFamily="34" charset="0"/>
+              </a:rPr>
+              <a:t>TRXs</a:t>
+            </a:r>
+            <a:r>
+              <a:rPr lang="es-MX" altLang="es-PE" dirty="0">
+                <a:solidFill>
+                  <a:schemeClr val="accent6">
+                    <a:lumMod val="75000"/>
+                  </a:schemeClr>
+                </a:solidFill>
+                <a:latin typeface="Calibri" panose="020F0502020204030204" pitchFamily="34" charset="0"/>
+                <a:cs typeface="Calibri" panose="020F0502020204030204" pitchFamily="34" charset="0"/>
+              </a:rPr>
+              <a:t> retenidas</a:t>
+            </a:r>
+          </a:p>
+          <a:p>
+            <a:pPr marL="285750" lvl="0" indent="-285750" algn="just" eaLnBrk="0" fontAlgn="base" hangingPunct="0">
+              <a:spcBef>
+                <a:spcPct val="0"/>
+              </a:spcBef>
+              <a:spcAft>
+                <a:spcPct val="0"/>
+              </a:spcAft>
+              <a:buFont typeface="Arial" panose="020B0604020202020204" pitchFamily="34" charset="0"/>
+              <a:buChar char="•"/>
+            </a:pPr>
+            <a:r>
+              <a:rPr lang="es-PE" altLang="es-PE" dirty="0">
+                <a:solidFill>
+                  <a:schemeClr val="accent2">
+                    <a:lumMod val="75000"/>
+                  </a:schemeClr>
+                </a:solidFill>
+                <a:latin typeface="Calibri" panose="020F0502020204030204" pitchFamily="34" charset="0"/>
+                <a:cs typeface="Calibri" panose="020F0502020204030204" pitchFamily="34" charset="0"/>
+              </a:rPr>
+              <a:t>Consulta de diversas aplicaciones (Emulador TC06, MC Center, TMIN 3414 o 3411)</a:t>
+            </a:r>
+          </a:p>
+          <a:p>
+            <a:pPr marL="285750" lvl="0" indent="-285750" algn="just" eaLnBrk="0" fontAlgn="base" hangingPunct="0">
+              <a:spcBef>
+                <a:spcPct val="0"/>
+              </a:spcBef>
+              <a:spcAft>
+                <a:spcPct val="0"/>
+              </a:spcAft>
+              <a:buFont typeface="Arial" panose="020B0604020202020204" pitchFamily="34" charset="0"/>
+              <a:buChar char="•"/>
+            </a:pPr>
+            <a:r>
+              <a:rPr lang="es-PE" altLang="es-PE" dirty="0">
+                <a:solidFill>
+                  <a:schemeClr val="accent1">
+                    <a:lumMod val="75000"/>
+                  </a:schemeClr>
+                </a:solidFill>
+                <a:latin typeface="Calibri" panose="020F0502020204030204" pitchFamily="34" charset="0"/>
+                <a:cs typeface="Calibri" panose="020F0502020204030204" pitchFamily="34" charset="0"/>
+              </a:rPr>
+              <a:t>Consulta a RENIEC</a:t>
+            </a:r>
+          </a:p>
+          <a:p>
+            <a:pPr marL="285750" lvl="0" indent="-285750" algn="just" eaLnBrk="0" fontAlgn="base" hangingPunct="0">
+              <a:spcBef>
+                <a:spcPct val="0"/>
+              </a:spcBef>
+              <a:spcAft>
+                <a:spcPct val="0"/>
+              </a:spcAft>
+              <a:buFont typeface="Arial" panose="020B0604020202020204" pitchFamily="34" charset="0"/>
+              <a:buChar char="•"/>
+            </a:pPr>
+            <a:r>
+              <a:rPr lang="es-PE" altLang="es-PE" dirty="0">
+                <a:solidFill>
+                  <a:schemeClr val="accent1">
+                    <a:lumMod val="75000"/>
+                  </a:schemeClr>
+                </a:solidFill>
+                <a:latin typeface="Calibri" panose="020F0502020204030204" pitchFamily="34" charset="0"/>
+                <a:cs typeface="Calibri" panose="020F0502020204030204" pitchFamily="34" charset="0"/>
+              </a:rPr>
+              <a:t>Reporte Web</a:t>
+            </a:r>
+          </a:p>
+          <a:p>
+            <a:pPr marL="285750" lvl="0" indent="-285750" algn="just" eaLnBrk="0" fontAlgn="base" hangingPunct="0">
+              <a:spcBef>
+                <a:spcPct val="0"/>
+              </a:spcBef>
+              <a:spcAft>
+                <a:spcPct val="0"/>
+              </a:spcAft>
+              <a:buFont typeface="Arial" panose="020B0604020202020204" pitchFamily="34" charset="0"/>
+              <a:buChar char="•"/>
+            </a:pPr>
+            <a:r>
+              <a:rPr lang="es-PE" altLang="es-PE" dirty="0">
+                <a:solidFill>
+                  <a:schemeClr val="accent1">
+                    <a:lumMod val="75000"/>
+                  </a:schemeClr>
+                </a:solidFill>
+                <a:latin typeface="Calibri" panose="020F0502020204030204" pitchFamily="34" charset="0"/>
+                <a:cs typeface="Calibri" panose="020F0502020204030204" pitchFamily="34" charset="0"/>
+              </a:rPr>
+              <a:t>Visión plus</a:t>
+            </a:r>
+          </a:p>
+        </p:txBody>
+      </p:sp>
+      <p:sp>
+        <p:nvSpPr>
+          <p:cNvPr id="14" name="CuadroTexto 13">
+            <a:extLst>
+              <a:ext uri="{FF2B5EF4-FFF2-40B4-BE49-F238E27FC236}">
+                <a16:creationId xmlns:a16="http://schemas.microsoft.com/office/drawing/2014/main" id="{4F81608B-6E3F-4031-8C4E-486210232252}"/>
+              </a:ext>
+            </a:extLst>
+          </p:cNvPr>
+          <p:cNvSpPr txBox="1"/>
+          <p:nvPr/>
+        </p:nvSpPr>
+        <p:spPr>
+          <a:xfrm>
+            <a:off x="1154622" y="2409472"/>
+            <a:ext cx="4345557" cy="1200329"/>
+          </a:xfrm>
+          <a:prstGeom prst="rect">
+            <a:avLst/>
+          </a:prstGeom>
+          <a:noFill/>
+        </p:spPr>
+        <p:txBody>
+          <a:bodyPr wrap="square">
+            <a:spAutoFit/>
+          </a:bodyPr>
+          <a:lstStyle/>
+          <a:p>
+            <a:pPr lvl="0" algn="just" eaLnBrk="0" fontAlgn="base" hangingPunct="0">
+              <a:spcBef>
+                <a:spcPct val="0"/>
+              </a:spcBef>
+              <a:spcAft>
+                <a:spcPct val="0"/>
+              </a:spcAft>
+            </a:pPr>
+            <a:r>
+              <a:rPr lang="es-PE" altLang="es-PE" dirty="0">
+                <a:solidFill>
+                  <a:srgbClr val="000000"/>
+                </a:solidFill>
+                <a:latin typeface="Calibri" panose="020F0502020204030204" pitchFamily="34" charset="0"/>
+                <a:cs typeface="Calibri" panose="020F0502020204030204" pitchFamily="34" charset="0"/>
+              </a:rPr>
+              <a:t>	</a:t>
+            </a:r>
+          </a:p>
+          <a:p>
+            <a:pPr lvl="0" algn="just" eaLnBrk="0" fontAlgn="base" hangingPunct="0">
+              <a:spcBef>
+                <a:spcPct val="0"/>
+              </a:spcBef>
+              <a:spcAft>
+                <a:spcPct val="0"/>
+              </a:spcAft>
+            </a:pPr>
+            <a:r>
+              <a:rPr lang="es-PE" altLang="es-PE" dirty="0">
+                <a:solidFill>
+                  <a:srgbClr val="000000"/>
+                </a:solidFill>
+                <a:latin typeface="Calibri" panose="020F0502020204030204" pitchFamily="34" charset="0"/>
+                <a:cs typeface="Calibri" panose="020F0502020204030204" pitchFamily="34" charset="0"/>
+              </a:rPr>
+              <a:t>Usa el sistema</a:t>
+            </a:r>
+            <a:r>
+              <a:rPr lang="es-MX" dirty="0"/>
+              <a:t> AISR (Libro de Reclamaciones Virtual)  y es</a:t>
+            </a:r>
+            <a:r>
+              <a:rPr lang="es-PE" altLang="es-PE" dirty="0">
+                <a:solidFill>
+                  <a:srgbClr val="000000"/>
+                </a:solidFill>
+                <a:latin typeface="Calibri" panose="020F0502020204030204" pitchFamily="34" charset="0"/>
+                <a:cs typeface="Calibri" panose="020F0502020204030204" pitchFamily="34" charset="0"/>
+              </a:rPr>
+              <a:t> reportado a la Subgerencia de Atención Centralizada de reclamos.</a:t>
+            </a:r>
+          </a:p>
+        </p:txBody>
+      </p:sp>
+      <p:sp>
+        <p:nvSpPr>
+          <p:cNvPr id="16" name="CuadroTexto 15">
+            <a:extLst>
+              <a:ext uri="{FF2B5EF4-FFF2-40B4-BE49-F238E27FC236}">
+                <a16:creationId xmlns:a16="http://schemas.microsoft.com/office/drawing/2014/main" id="{C40DA6B8-AA24-4F48-95DC-4FF5BF5AF7B3}"/>
+              </a:ext>
+            </a:extLst>
+          </p:cNvPr>
+          <p:cNvSpPr txBox="1"/>
+          <p:nvPr/>
+        </p:nvSpPr>
+        <p:spPr>
+          <a:xfrm>
+            <a:off x="6223959" y="1456251"/>
+            <a:ext cx="5192810" cy="954107"/>
+          </a:xfrm>
+          <a:prstGeom prst="rect">
+            <a:avLst/>
+          </a:prstGeom>
+          <a:noFill/>
+        </p:spPr>
+        <p:txBody>
+          <a:bodyPr wrap="square">
+            <a:spAutoFit/>
+          </a:bodyPr>
+          <a:lstStyle/>
+          <a:p>
+            <a:pPr lvl="0" algn="just" eaLnBrk="0" fontAlgn="base" hangingPunct="0">
+              <a:spcBef>
+                <a:spcPct val="0"/>
+              </a:spcBef>
+              <a:spcAft>
+                <a:spcPct val="0"/>
+              </a:spcAft>
+            </a:pPr>
+            <a:endParaRPr lang="es-PE" altLang="es-PE" dirty="0">
+              <a:solidFill>
+                <a:srgbClr val="000000"/>
+              </a:solidFill>
+              <a:latin typeface="Calibri" panose="020F0502020204030204" pitchFamily="34" charset="0"/>
+              <a:cs typeface="Calibri" panose="020F0502020204030204" pitchFamily="34" charset="0"/>
+            </a:endParaRPr>
+          </a:p>
+          <a:p>
+            <a:pPr lvl="0" algn="ctr" eaLnBrk="0" fontAlgn="base" hangingPunct="0">
+              <a:spcBef>
+                <a:spcPct val="0"/>
+              </a:spcBef>
+              <a:spcAft>
+                <a:spcPct val="0"/>
+              </a:spcAft>
+            </a:pPr>
+            <a:r>
+              <a:rPr lang="es-PE" sz="2000" b="1" dirty="0"/>
+              <a:t>Aplicaciones y servicios para resolver reclamos</a:t>
+            </a:r>
+            <a:endParaRPr lang="es-PE" sz="2000" b="1" dirty="0">
+              <a:solidFill>
+                <a:srgbClr val="000000"/>
+              </a:solidFill>
+              <a:latin typeface="Calibri" panose="020F0502020204030204" pitchFamily="34" charset="0"/>
+              <a:cs typeface="Calibri" panose="020F0502020204030204" pitchFamily="34" charset="0"/>
+            </a:endParaRPr>
+          </a:p>
+          <a:p>
+            <a:pPr lvl="0" algn="just" eaLnBrk="0" fontAlgn="base" hangingPunct="0">
+              <a:spcBef>
+                <a:spcPct val="0"/>
+              </a:spcBef>
+              <a:spcAft>
+                <a:spcPct val="0"/>
+              </a:spcAft>
+            </a:pPr>
+            <a:endParaRPr lang="es-PE" altLang="es-PE" dirty="0">
+              <a:solidFill>
+                <a:srgbClr val="000000"/>
+              </a:solidFill>
+              <a:latin typeface="Calibri" panose="020F0502020204030204" pitchFamily="34" charset="0"/>
+              <a:cs typeface="Calibri" panose="020F0502020204030204" pitchFamily="34" charset="0"/>
+            </a:endParaRPr>
+          </a:p>
+        </p:txBody>
+      </p:sp>
+      <p:sp>
+        <p:nvSpPr>
+          <p:cNvPr id="17" name="CuadroTexto 16">
+            <a:extLst>
+              <a:ext uri="{FF2B5EF4-FFF2-40B4-BE49-F238E27FC236}">
+                <a16:creationId xmlns:a16="http://schemas.microsoft.com/office/drawing/2014/main" id="{D152D3A7-089B-455E-88E5-609B47B48AFB}"/>
+              </a:ext>
+            </a:extLst>
+          </p:cNvPr>
+          <p:cNvSpPr txBox="1"/>
+          <p:nvPr/>
+        </p:nvSpPr>
+        <p:spPr>
+          <a:xfrm>
+            <a:off x="5947974" y="2276775"/>
+            <a:ext cx="225185" cy="374237"/>
+          </a:xfrm>
+          <a:prstGeom prst="rect">
+            <a:avLst/>
+          </a:prstGeom>
+          <a:solidFill>
+            <a:schemeClr val="tx1"/>
+          </a:solidFill>
+        </p:spPr>
+        <p:txBody>
+          <a:bodyPr wrap="square">
+            <a:spAutoFit/>
+          </a:bodyPr>
+          <a:lstStyle/>
+          <a:p>
+            <a:pPr marR="0" lvl="0" algn="ctr" defTabSz="914400" rtl="0" eaLnBrk="0" fontAlgn="base" latinLnBrk="0" hangingPunct="0">
+              <a:lnSpc>
+                <a:spcPct val="100000"/>
+              </a:lnSpc>
+              <a:spcBef>
+                <a:spcPct val="0"/>
+              </a:spcBef>
+              <a:spcAft>
+                <a:spcPct val="0"/>
+              </a:spcAft>
+              <a:buClrTx/>
+              <a:buSzTx/>
+              <a:tabLst/>
+            </a:pPr>
+            <a:r>
+              <a:rPr kumimoji="0" lang="es-MX" altLang="es-PE" b="1" i="0" u="none" strike="noStrike" cap="none" normalizeH="0" baseline="0" dirty="0">
+                <a:ln>
+                  <a:noFill/>
+                </a:ln>
+                <a:solidFill>
+                  <a:schemeClr val="bg1"/>
+                </a:solidFill>
+                <a:effectLst/>
+                <a:latin typeface="Calibri" panose="020F0502020204030204" pitchFamily="34" charset="0"/>
+                <a:cs typeface="Calibri" panose="020F0502020204030204" pitchFamily="34" charset="0"/>
+              </a:rPr>
+              <a:t>2</a:t>
+            </a:r>
+            <a:endParaRPr kumimoji="0" lang="es-PE" altLang="es-PE" b="1" i="0" u="none" strike="noStrike" cap="none" normalizeH="0" baseline="0" dirty="0">
+              <a:ln>
+                <a:noFill/>
+              </a:ln>
+              <a:effectLst/>
+              <a:latin typeface="Calibri" panose="020F0502020204030204" pitchFamily="34" charset="0"/>
+              <a:cs typeface="Calibri" panose="020F0502020204030204" pitchFamily="34" charset="0"/>
+            </a:endParaRPr>
+          </a:p>
+        </p:txBody>
+      </p:sp>
+      <p:sp>
+        <p:nvSpPr>
+          <p:cNvPr id="18" name="CuadroTexto 17">
+            <a:extLst>
+              <a:ext uri="{FF2B5EF4-FFF2-40B4-BE49-F238E27FC236}">
+                <a16:creationId xmlns:a16="http://schemas.microsoft.com/office/drawing/2014/main" id="{07EEEF1D-BA54-4766-8B33-F0DEEA4F9469}"/>
+              </a:ext>
+            </a:extLst>
+          </p:cNvPr>
+          <p:cNvSpPr txBox="1"/>
+          <p:nvPr/>
+        </p:nvSpPr>
+        <p:spPr>
+          <a:xfrm>
+            <a:off x="1524578" y="2076836"/>
+            <a:ext cx="225185" cy="374237"/>
+          </a:xfrm>
+          <a:prstGeom prst="rect">
+            <a:avLst/>
+          </a:prstGeom>
+          <a:solidFill>
+            <a:schemeClr val="tx1"/>
+          </a:solidFill>
+        </p:spPr>
+        <p:txBody>
+          <a:bodyPr wrap="square">
+            <a:spAutoFit/>
+          </a:bodyPr>
+          <a:lstStyle/>
+          <a:p>
+            <a:pPr marR="0" lvl="0" algn="ctr" defTabSz="914400" rtl="0" eaLnBrk="0" fontAlgn="base" latinLnBrk="0" hangingPunct="0">
+              <a:lnSpc>
+                <a:spcPct val="100000"/>
+              </a:lnSpc>
+              <a:spcBef>
+                <a:spcPct val="0"/>
+              </a:spcBef>
+              <a:spcAft>
+                <a:spcPct val="0"/>
+              </a:spcAft>
+              <a:buClrTx/>
+              <a:buSzTx/>
+              <a:tabLst/>
+            </a:pPr>
+            <a:r>
+              <a:rPr lang="es-MX" altLang="es-PE" b="1" dirty="0">
+                <a:solidFill>
+                  <a:schemeClr val="bg1"/>
+                </a:solidFill>
+                <a:latin typeface="Calibri" panose="020F0502020204030204" pitchFamily="34" charset="0"/>
+                <a:cs typeface="Calibri" panose="020F0502020204030204" pitchFamily="34" charset="0"/>
+              </a:rPr>
+              <a:t>1</a:t>
+            </a:r>
+            <a:endParaRPr kumimoji="0" lang="es-PE" altLang="es-PE" b="1" i="0" u="none" strike="noStrike" cap="none" normalizeH="0" baseline="0" dirty="0">
+              <a:ln>
+                <a:noFill/>
+              </a:ln>
+              <a:effectLst/>
+              <a:latin typeface="Calibri" panose="020F0502020204030204" pitchFamily="34" charset="0"/>
+              <a:cs typeface="Calibri" panose="020F0502020204030204" pitchFamily="34" charset="0"/>
+            </a:endParaRPr>
+          </a:p>
+        </p:txBody>
+      </p:sp>
+      <p:sp>
+        <p:nvSpPr>
+          <p:cNvPr id="20" name="CuadroTexto 19">
+            <a:extLst>
+              <a:ext uri="{FF2B5EF4-FFF2-40B4-BE49-F238E27FC236}">
+                <a16:creationId xmlns:a16="http://schemas.microsoft.com/office/drawing/2014/main" id="{3A1C2559-55D4-4F3C-A974-9BE35C72B4C0}"/>
+              </a:ext>
+            </a:extLst>
+          </p:cNvPr>
+          <p:cNvSpPr txBox="1"/>
+          <p:nvPr/>
+        </p:nvSpPr>
+        <p:spPr>
+          <a:xfrm>
+            <a:off x="945033" y="4653192"/>
+            <a:ext cx="225185" cy="374237"/>
+          </a:xfrm>
+          <a:prstGeom prst="rect">
+            <a:avLst/>
+          </a:prstGeom>
+          <a:solidFill>
+            <a:schemeClr val="tx1"/>
+          </a:solidFill>
+        </p:spPr>
+        <p:txBody>
+          <a:bodyPr wrap="square">
+            <a:spAutoFit/>
+          </a:bodyPr>
+          <a:lstStyle/>
+          <a:p>
+            <a:pPr marR="0" lvl="0" algn="ctr" defTabSz="914400" rtl="0" eaLnBrk="0" fontAlgn="base" latinLnBrk="0" hangingPunct="0">
+              <a:lnSpc>
+                <a:spcPct val="100000"/>
+              </a:lnSpc>
+              <a:spcBef>
+                <a:spcPct val="0"/>
+              </a:spcBef>
+              <a:spcAft>
+                <a:spcPct val="0"/>
+              </a:spcAft>
+              <a:buClrTx/>
+              <a:buSzTx/>
+              <a:tabLst/>
+            </a:pPr>
+            <a:r>
+              <a:rPr kumimoji="0" lang="es-MX" altLang="es-PE" b="1" i="0" u="none" strike="noStrike" cap="none" normalizeH="0" baseline="0" dirty="0">
+                <a:ln>
+                  <a:noFill/>
+                </a:ln>
+                <a:solidFill>
+                  <a:schemeClr val="bg1"/>
+                </a:solidFill>
+                <a:effectLst/>
+                <a:latin typeface="Calibri" panose="020F0502020204030204" pitchFamily="34" charset="0"/>
+                <a:cs typeface="Calibri" panose="020F0502020204030204" pitchFamily="34" charset="0"/>
+              </a:rPr>
+              <a:t>3</a:t>
+            </a:r>
+            <a:endParaRPr kumimoji="0" lang="es-PE" altLang="es-PE" b="1" i="0" u="none" strike="noStrike" cap="none" normalizeH="0" baseline="0" dirty="0">
+              <a:ln>
+                <a:noFill/>
+              </a:ln>
+              <a:effectLst/>
+              <a:latin typeface="Calibri" panose="020F0502020204030204" pitchFamily="34" charset="0"/>
+              <a:cs typeface="Calibri" panose="020F0502020204030204" pitchFamily="34" charset="0"/>
+            </a:endParaRPr>
+          </a:p>
+        </p:txBody>
+      </p:sp>
+      <p:pic>
+        <p:nvPicPr>
+          <p:cNvPr id="1032" name="Picture 8">
+            <a:extLst>
+              <a:ext uri="{FF2B5EF4-FFF2-40B4-BE49-F238E27FC236}">
+                <a16:creationId xmlns:a16="http://schemas.microsoft.com/office/drawing/2014/main" id="{9A58611A-DEA1-4B72-8353-00F6262FE859}"/>
+              </a:ext>
+            </a:extLst>
+          </p:cNvPr>
+          <p:cNvPicPr>
+            <a:picLocks noChangeAspect="1" noChangeArrowheads="1"/>
+          </p:cNvPicPr>
+          <p:nvPr/>
+        </p:nvPicPr>
+        <p:blipFill>
+          <a:blip r:embed="rId2">
+            <a:extLst>
+              <a:ext uri="{28A0092B-C50C-407E-A947-70E740481C1C}">
+                <a14:useLocalDpi xmlns:a14="http://schemas.microsoft.com/office/drawing/2010/main" val="0"/>
+              </a:ext>
+            </a:extLst>
+          </a:blip>
+          <a:srcRect/>
+          <a:stretch>
+            <a:fillRect/>
+          </a:stretch>
+        </p:blipFill>
+        <p:spPr bwMode="auto">
+          <a:xfrm>
+            <a:off x="1285230" y="4271782"/>
+            <a:ext cx="4229780" cy="1541188"/>
+          </a:xfrm>
+          <a:prstGeom prst="rect">
+            <a:avLst/>
+          </a:prstGeom>
+          <a:noFill/>
+          <a:extLst>
+            <a:ext uri="{909E8E84-426E-40DD-AFC4-6F175D3DCCD1}">
+              <a14:hiddenFill xmlns:a14="http://schemas.microsoft.com/office/drawing/2010/main">
+                <a:solidFill>
+                  <a:srgbClr val="FFFFFF"/>
+                </a:solidFill>
+              </a14:hiddenFill>
+            </a:ext>
+          </a:extLst>
+        </p:spPr>
+      </p:pic>
+      <p:sp>
+        <p:nvSpPr>
+          <p:cNvPr id="25" name="CuadroTexto 24">
+            <a:extLst>
+              <a:ext uri="{FF2B5EF4-FFF2-40B4-BE49-F238E27FC236}">
+                <a16:creationId xmlns:a16="http://schemas.microsoft.com/office/drawing/2014/main" id="{1F51B651-3B3B-4328-9AD7-8ECB7F88FE97}"/>
+              </a:ext>
+            </a:extLst>
+          </p:cNvPr>
+          <p:cNvSpPr txBox="1"/>
+          <p:nvPr/>
+        </p:nvSpPr>
+        <p:spPr>
+          <a:xfrm>
+            <a:off x="3857688" y="5843404"/>
+            <a:ext cx="1323703" cy="461665"/>
+          </a:xfrm>
+          <a:prstGeom prst="rect">
+            <a:avLst/>
+          </a:prstGeom>
+          <a:noFill/>
+        </p:spPr>
+        <p:txBody>
+          <a:bodyPr wrap="square">
+            <a:spAutoFit/>
+          </a:bodyPr>
+          <a:lstStyle/>
+          <a:p>
+            <a:pPr algn="ctr"/>
+            <a:r>
+              <a:rPr lang="es-PE" sz="2400" b="0" i="0" dirty="0">
+                <a:solidFill>
+                  <a:srgbClr val="FF0000"/>
+                </a:solidFill>
+                <a:effectLst/>
+                <a:latin typeface="Helvetica Neue"/>
+              </a:rPr>
+              <a:t>23.95%</a:t>
+            </a:r>
+            <a:endParaRPr lang="es-PE" sz="2400" dirty="0">
+              <a:solidFill>
+                <a:srgbClr val="FF0000"/>
+              </a:solidFill>
+            </a:endParaRPr>
+          </a:p>
+        </p:txBody>
+      </p:sp>
+      <p:sp>
+        <p:nvSpPr>
+          <p:cNvPr id="26" name="CuadroTexto 25">
+            <a:extLst>
+              <a:ext uri="{FF2B5EF4-FFF2-40B4-BE49-F238E27FC236}">
+                <a16:creationId xmlns:a16="http://schemas.microsoft.com/office/drawing/2014/main" id="{68F30F8A-FB7A-4E0E-9CD3-C27322090E71}"/>
+              </a:ext>
+            </a:extLst>
+          </p:cNvPr>
+          <p:cNvSpPr txBox="1"/>
+          <p:nvPr/>
+        </p:nvSpPr>
+        <p:spPr>
+          <a:xfrm>
+            <a:off x="1980766" y="3631473"/>
+            <a:ext cx="2983120" cy="923330"/>
+          </a:xfrm>
+          <a:prstGeom prst="rect">
+            <a:avLst/>
+          </a:prstGeom>
+          <a:noFill/>
+        </p:spPr>
+        <p:txBody>
+          <a:bodyPr wrap="square">
+            <a:spAutoFit/>
+          </a:bodyPr>
+          <a:lstStyle/>
+          <a:p>
+            <a:pPr lvl="0" algn="just" eaLnBrk="0" fontAlgn="base" hangingPunct="0">
+              <a:spcBef>
+                <a:spcPct val="0"/>
+              </a:spcBef>
+              <a:spcAft>
+                <a:spcPct val="0"/>
+              </a:spcAft>
+            </a:pPr>
+            <a:endParaRPr lang="es-PE" altLang="es-PE" dirty="0">
+              <a:solidFill>
+                <a:srgbClr val="000000"/>
+              </a:solidFill>
+              <a:latin typeface="Calibri" panose="020F0502020204030204" pitchFamily="34" charset="0"/>
+              <a:cs typeface="Calibri" panose="020F0502020204030204" pitchFamily="34" charset="0"/>
+            </a:endParaRPr>
+          </a:p>
+          <a:p>
+            <a:pPr lvl="0" algn="ctr" eaLnBrk="0" fontAlgn="base" hangingPunct="0">
+              <a:spcBef>
+                <a:spcPct val="0"/>
+              </a:spcBef>
+              <a:spcAft>
+                <a:spcPct val="0"/>
+              </a:spcAft>
+            </a:pPr>
+            <a:r>
+              <a:rPr lang="es-PE" b="1" dirty="0"/>
+              <a:t>Top 3 - servicios por año (%)</a:t>
+            </a:r>
+            <a:endParaRPr lang="es-PE" b="1" dirty="0">
+              <a:solidFill>
+                <a:srgbClr val="000000"/>
+              </a:solidFill>
+              <a:latin typeface="Calibri" panose="020F0502020204030204" pitchFamily="34" charset="0"/>
+              <a:cs typeface="Calibri" panose="020F0502020204030204" pitchFamily="34" charset="0"/>
+            </a:endParaRPr>
+          </a:p>
+          <a:p>
+            <a:pPr lvl="0" algn="just" eaLnBrk="0" fontAlgn="base" hangingPunct="0">
+              <a:spcBef>
+                <a:spcPct val="0"/>
+              </a:spcBef>
+              <a:spcAft>
+                <a:spcPct val="0"/>
+              </a:spcAft>
+            </a:pPr>
+            <a:endParaRPr lang="es-PE" altLang="es-PE" dirty="0">
+              <a:solidFill>
+                <a:srgbClr val="000000"/>
+              </a:solidFill>
+              <a:latin typeface="Calibri" panose="020F0502020204030204" pitchFamily="34" charset="0"/>
+              <a:cs typeface="Calibri" panose="020F0502020204030204" pitchFamily="34" charset="0"/>
+            </a:endParaRPr>
+          </a:p>
+        </p:txBody>
+      </p:sp>
+      <p:sp>
+        <p:nvSpPr>
+          <p:cNvPr id="27" name="CuadroTexto 26">
+            <a:extLst>
+              <a:ext uri="{FF2B5EF4-FFF2-40B4-BE49-F238E27FC236}">
+                <a16:creationId xmlns:a16="http://schemas.microsoft.com/office/drawing/2014/main" id="{AFE1611D-2D23-4C3A-973C-EDA9E343BAA3}"/>
+              </a:ext>
+            </a:extLst>
+          </p:cNvPr>
+          <p:cNvSpPr txBox="1"/>
+          <p:nvPr/>
+        </p:nvSpPr>
+        <p:spPr>
+          <a:xfrm>
+            <a:off x="9577076" y="5549329"/>
+            <a:ext cx="2318943" cy="646331"/>
+          </a:xfrm>
+          <a:prstGeom prst="rect">
+            <a:avLst/>
+          </a:prstGeom>
+          <a:noFill/>
+        </p:spPr>
+        <p:txBody>
+          <a:bodyPr wrap="square">
+            <a:spAutoFit/>
+          </a:bodyPr>
+          <a:lstStyle/>
+          <a:p>
+            <a:pPr algn="ctr"/>
+            <a:r>
+              <a:rPr lang="es-PE" b="1" i="0" dirty="0">
+                <a:solidFill>
+                  <a:srgbClr val="FF0000"/>
+                </a:solidFill>
+                <a:effectLst/>
+                <a:latin typeface="Helvetica Neue"/>
+              </a:rPr>
+              <a:t>Manual de procedimientos</a:t>
+            </a:r>
+            <a:endParaRPr lang="es-PE" b="1" dirty="0">
+              <a:solidFill>
+                <a:srgbClr val="FF0000"/>
+              </a:solidFill>
+            </a:endParaRPr>
+          </a:p>
+        </p:txBody>
+      </p:sp>
+    </p:spTree>
+    <p:extLst>
+      <p:ext uri="{BB962C8B-B14F-4D97-AF65-F5344CB8AC3E}">
+        <p14:creationId xmlns:p14="http://schemas.microsoft.com/office/powerpoint/2010/main" val="2785183594"/>
+      </p:ext>
+    </p:extLst>
+  </p:cSld>
+  <p:clrMapOvr>
+    <a:masterClrMapping/>
+  </p:clrMapOvr>
+</p:sld>
+</file>
+
+<file path=ppt/slides/slide15.xml><?xml version="1.0" encoding="utf-8"?>
+<p:sld xmlns:a="http://schemas.openxmlformats.org/drawingml/2006/main" xmlns:r="http://schemas.openxmlformats.org/officeDocument/2006/relationships" xmlns:p="http://schemas.openxmlformats.org/presentationml/2006/main">
+  <p:cSld>
+    <p:spTree>
+      <p:nvGrpSpPr>
+        <p:cNvPr id="1" name=""/>
+        <p:cNvGrpSpPr/>
+        <p:nvPr/>
+      </p:nvGrpSpPr>
+      <p:grpSpPr>
+        <a:xfrm>
+          <a:off x="0" y="0"/>
+          <a:ext cx="0" cy="0"/>
+          <a:chOff x="0" y="0"/>
+          <a:chExt cx="0" cy="0"/>
+        </a:xfrm>
+      </p:grpSpPr>
+      <p:sp>
+        <p:nvSpPr>
+          <p:cNvPr id="4" name="Rectángulo: esquinas superiores redondeadas 4">
+            <a:extLst>
+              <a:ext uri="{FF2B5EF4-FFF2-40B4-BE49-F238E27FC236}">
+                <a16:creationId xmlns:a16="http://schemas.microsoft.com/office/drawing/2014/main" id="{CF789E0E-816C-4223-84EC-DC9D690B87EA}"/>
+              </a:ext>
+            </a:extLst>
+          </p:cNvPr>
+          <p:cNvSpPr/>
+          <p:nvPr/>
+        </p:nvSpPr>
+        <p:spPr>
+          <a:xfrm rot="10800000">
+            <a:off x="355599" y="0"/>
+            <a:ext cx="7813039" cy="640080"/>
+          </a:xfrm>
+          <a:prstGeom prst="round2SameRect">
+            <a:avLst/>
+          </a:prstGeom>
+          <a:solidFill>
+            <a:schemeClr val="tx2">
+              <a:lumMod val="75000"/>
+            </a:schemeClr>
+          </a:solidFill>
+        </p:spPr>
+        <p:style>
+          <a:lnRef idx="2">
+            <a:schemeClr val="accent1">
+              <a:shade val="50000"/>
+            </a:schemeClr>
+          </a:lnRef>
+          <a:fillRef idx="1">
+            <a:schemeClr val="accent1"/>
+          </a:fillRef>
+          <a:effectRef idx="0">
+            <a:schemeClr val="accent1"/>
+          </a:effectRef>
+          <a:fontRef idx="minor">
+            <a:schemeClr val="lt1"/>
+          </a:fontRef>
+        </p:style>
+        <p:txBody>
+          <a:bodyPr rtlCol="0" anchor="ctr"/>
+          <a:lstStyle/>
+          <a:p>
+            <a:pPr algn="ctr"/>
+            <a:endParaRPr lang="es-PE" dirty="0"/>
+          </a:p>
+        </p:txBody>
+      </p:sp>
+      <p:sp>
+        <p:nvSpPr>
+          <p:cNvPr id="5" name="CuadroTexto 4">
+            <a:extLst>
+              <a:ext uri="{FF2B5EF4-FFF2-40B4-BE49-F238E27FC236}">
+                <a16:creationId xmlns:a16="http://schemas.microsoft.com/office/drawing/2014/main" id="{48D2A9BD-EBF3-4CF7-A61E-49631D4D1DBB}"/>
+              </a:ext>
+            </a:extLst>
+          </p:cNvPr>
+          <p:cNvSpPr txBox="1"/>
+          <p:nvPr/>
+        </p:nvSpPr>
+        <p:spPr>
+          <a:xfrm>
+            <a:off x="558799" y="134927"/>
+            <a:ext cx="6597779" cy="400110"/>
+          </a:xfrm>
+          <a:prstGeom prst="rect">
+            <a:avLst/>
+          </a:prstGeom>
+          <a:noFill/>
+        </p:spPr>
+        <p:txBody>
+          <a:bodyPr wrap="square" rtlCol="0">
+            <a:spAutoFit/>
+          </a:bodyPr>
+          <a:lstStyle/>
+          <a:p>
+            <a:r>
+              <a:rPr lang="es-MX" sz="2000" dirty="0">
+                <a:solidFill>
+                  <a:schemeClr val="bg1"/>
+                </a:solidFill>
+                <a:latin typeface="Open Sans" panose="020B0606030504020204" pitchFamily="34" charset="0"/>
+                <a:ea typeface="Open Sans" panose="020B0606030504020204" pitchFamily="34" charset="0"/>
+                <a:cs typeface="Open Sans" panose="020B0606030504020204" pitchFamily="34" charset="0"/>
+              </a:rPr>
+              <a:t>Manual de Procedimientos</a:t>
+            </a:r>
+          </a:p>
+        </p:txBody>
+      </p:sp>
+      <p:pic>
+        <p:nvPicPr>
+          <p:cNvPr id="19" name="Imagen 18">
+            <a:extLst>
+              <a:ext uri="{FF2B5EF4-FFF2-40B4-BE49-F238E27FC236}">
+                <a16:creationId xmlns:a16="http://schemas.microsoft.com/office/drawing/2014/main" id="{317DC10E-8247-47E5-B175-297B15B3888E}"/>
+              </a:ext>
+            </a:extLst>
+          </p:cNvPr>
+          <p:cNvPicPr>
+            <a:picLocks noChangeAspect="1"/>
+          </p:cNvPicPr>
+          <p:nvPr/>
+        </p:nvPicPr>
+        <p:blipFill>
+          <a:blip r:embed="rId2">
+            <a:extLst>
+              <a:ext uri="{28A0092B-C50C-407E-A947-70E740481C1C}">
+                <a14:useLocalDpi xmlns:a14="http://schemas.microsoft.com/office/drawing/2010/main" val="0"/>
+              </a:ext>
+            </a:extLst>
+          </a:blip>
+          <a:stretch>
+            <a:fillRect/>
+          </a:stretch>
+        </p:blipFill>
+        <p:spPr>
+          <a:xfrm>
+            <a:off x="192207" y="906680"/>
+            <a:ext cx="6191250" cy="5715000"/>
+          </a:xfrm>
+          <a:prstGeom prst="rect">
+            <a:avLst/>
+          </a:prstGeom>
+        </p:spPr>
+      </p:pic>
+      <p:sp>
+        <p:nvSpPr>
+          <p:cNvPr id="9" name="Rectángulo 8">
+            <a:extLst>
+              <a:ext uri="{FF2B5EF4-FFF2-40B4-BE49-F238E27FC236}">
+                <a16:creationId xmlns:a16="http://schemas.microsoft.com/office/drawing/2014/main" id="{17D5E67A-13F6-4283-8297-CC8F5E053535}"/>
+              </a:ext>
+            </a:extLst>
+          </p:cNvPr>
+          <p:cNvSpPr/>
+          <p:nvPr/>
+        </p:nvSpPr>
+        <p:spPr>
+          <a:xfrm>
+            <a:off x="355600" y="5943600"/>
+            <a:ext cx="203200" cy="914399"/>
+          </a:xfrm>
+          <a:prstGeom prst="rect">
+            <a:avLst/>
+          </a:prstGeom>
+          <a:solidFill>
+            <a:schemeClr val="tx2">
+              <a:lumMod val="75000"/>
+            </a:schemeClr>
+          </a:solidFill>
+        </p:spPr>
+        <p:style>
+          <a:lnRef idx="2">
+            <a:schemeClr val="dk1">
+              <a:shade val="50000"/>
+            </a:schemeClr>
+          </a:lnRef>
+          <a:fillRef idx="1">
+            <a:schemeClr val="dk1"/>
+          </a:fillRef>
+          <a:effectRef idx="0">
+            <a:schemeClr val="dk1"/>
+          </a:effectRef>
+          <a:fontRef idx="minor">
+            <a:schemeClr val="lt1"/>
+          </a:fontRef>
+        </p:style>
+        <p:txBody>
+          <a:bodyPr rtlCol="0" anchor="ctr"/>
+          <a:lstStyle/>
+          <a:p>
+            <a:pPr algn="ctr"/>
+            <a:endParaRPr lang="es-PE"/>
+          </a:p>
+        </p:txBody>
+      </p:sp>
+      <p:sp>
+        <p:nvSpPr>
+          <p:cNvPr id="10" name="Rectángulo 9">
+            <a:extLst>
+              <a:ext uri="{FF2B5EF4-FFF2-40B4-BE49-F238E27FC236}">
+                <a16:creationId xmlns:a16="http://schemas.microsoft.com/office/drawing/2014/main" id="{54D73149-C250-47CB-B10E-EEADC5D5A38D}"/>
+              </a:ext>
+            </a:extLst>
+          </p:cNvPr>
+          <p:cNvSpPr/>
+          <p:nvPr/>
+        </p:nvSpPr>
+        <p:spPr>
+          <a:xfrm>
+            <a:off x="640234" y="6385364"/>
+            <a:ext cx="203200" cy="472635"/>
+          </a:xfrm>
+          <a:prstGeom prst="rect">
+            <a:avLst/>
+          </a:prstGeom>
+          <a:solidFill>
+            <a:srgbClr val="C00000"/>
+          </a:solidFill>
+          <a:ln>
+            <a:noFill/>
+          </a:ln>
+        </p:spPr>
+        <p:style>
+          <a:lnRef idx="2">
+            <a:schemeClr val="dk1">
+              <a:shade val="50000"/>
+            </a:schemeClr>
+          </a:lnRef>
+          <a:fillRef idx="1">
+            <a:schemeClr val="dk1"/>
+          </a:fillRef>
+          <a:effectRef idx="0">
+            <a:schemeClr val="dk1"/>
+          </a:effectRef>
+          <a:fontRef idx="minor">
+            <a:schemeClr val="lt1"/>
+          </a:fontRef>
+        </p:style>
+        <p:txBody>
+          <a:bodyPr rtlCol="0" anchor="ctr"/>
+          <a:lstStyle/>
+          <a:p>
+            <a:pPr algn="ctr"/>
+            <a:endParaRPr lang="es-PE"/>
+          </a:p>
+        </p:txBody>
+      </p:sp>
+      <p:sp>
+        <p:nvSpPr>
+          <p:cNvPr id="23" name="CuadroTexto 22">
+            <a:extLst>
+              <a:ext uri="{FF2B5EF4-FFF2-40B4-BE49-F238E27FC236}">
+                <a16:creationId xmlns:a16="http://schemas.microsoft.com/office/drawing/2014/main" id="{42CEDD2E-1C80-488E-A2F9-11F378804ED2}"/>
+              </a:ext>
+            </a:extLst>
+          </p:cNvPr>
+          <p:cNvSpPr txBox="1"/>
+          <p:nvPr/>
+        </p:nvSpPr>
+        <p:spPr>
+          <a:xfrm>
+            <a:off x="6302337" y="1502022"/>
+            <a:ext cx="5283432" cy="4278094"/>
+          </a:xfrm>
+          <a:prstGeom prst="rect">
+            <a:avLst/>
+          </a:prstGeom>
+          <a:noFill/>
+        </p:spPr>
+        <p:txBody>
+          <a:bodyPr wrap="square">
+            <a:spAutoFit/>
+          </a:bodyPr>
+          <a:lstStyle/>
+          <a:p>
+            <a:pPr lvl="0" algn="just" eaLnBrk="0" fontAlgn="base" hangingPunct="0">
+              <a:spcBef>
+                <a:spcPct val="0"/>
+              </a:spcBef>
+              <a:spcAft>
+                <a:spcPct val="0"/>
+              </a:spcAft>
+            </a:pPr>
+            <a:endParaRPr lang="es-PE" altLang="es-PE" sz="1600" dirty="0">
+              <a:solidFill>
+                <a:srgbClr val="000000"/>
+              </a:solidFill>
+              <a:latin typeface="Calibri" panose="020F0502020204030204" pitchFamily="34" charset="0"/>
+              <a:cs typeface="Calibri" panose="020F0502020204030204" pitchFamily="34" charset="0"/>
+            </a:endParaRPr>
+          </a:p>
+          <a:p>
+            <a:pPr marL="285750" lvl="0" indent="-285750" algn="just" eaLnBrk="0" fontAlgn="base" hangingPunct="0">
+              <a:spcBef>
+                <a:spcPct val="0"/>
+              </a:spcBef>
+              <a:spcAft>
+                <a:spcPct val="0"/>
+              </a:spcAft>
+              <a:buFont typeface="Arial" panose="020B0604020202020204" pitchFamily="34" charset="0"/>
+              <a:buChar char="•"/>
+            </a:pPr>
+            <a:r>
+              <a:rPr lang="es-PE" altLang="es-PE" sz="1600" dirty="0">
+                <a:solidFill>
+                  <a:schemeClr val="accent1">
+                    <a:lumMod val="75000"/>
+                  </a:schemeClr>
+                </a:solidFill>
+                <a:latin typeface="Calibri" panose="020F0502020204030204" pitchFamily="34" charset="0"/>
+                <a:cs typeface="Calibri" panose="020F0502020204030204" pitchFamily="34" charset="0"/>
+              </a:rPr>
+              <a:t>Reporte aplicativo Visa</a:t>
+            </a:r>
+          </a:p>
+          <a:p>
+            <a:pPr marL="285750" lvl="0" indent="-285750" algn="just" eaLnBrk="0" fontAlgn="base" hangingPunct="0">
+              <a:spcBef>
+                <a:spcPct val="0"/>
+              </a:spcBef>
+              <a:spcAft>
+                <a:spcPct val="0"/>
+              </a:spcAft>
+              <a:buFont typeface="Arial" panose="020B0604020202020204" pitchFamily="34" charset="0"/>
+              <a:buChar char="•"/>
+            </a:pPr>
+            <a:r>
+              <a:rPr lang="es-PE" altLang="es-PE" sz="1600" dirty="0">
+                <a:solidFill>
+                  <a:schemeClr val="accent1">
+                    <a:lumMod val="75000"/>
+                  </a:schemeClr>
+                </a:solidFill>
+                <a:latin typeface="Calibri" panose="020F0502020204030204" pitchFamily="34" charset="0"/>
+                <a:cs typeface="Calibri" panose="020F0502020204030204" pitchFamily="34" charset="0"/>
+              </a:rPr>
+              <a:t>Transacciones Visa online</a:t>
+            </a:r>
+          </a:p>
+          <a:p>
+            <a:pPr marL="285750" lvl="0" indent="-285750" algn="just" eaLnBrk="0" fontAlgn="base" hangingPunct="0">
+              <a:spcBef>
+                <a:spcPct val="0"/>
+              </a:spcBef>
+              <a:spcAft>
+                <a:spcPct val="0"/>
+              </a:spcAft>
+              <a:buFont typeface="Arial" panose="020B0604020202020204" pitchFamily="34" charset="0"/>
+              <a:buChar char="•"/>
+            </a:pPr>
+            <a:r>
+              <a:rPr lang="es-PE" altLang="es-PE" sz="1600" dirty="0">
+                <a:solidFill>
+                  <a:schemeClr val="accent1">
+                    <a:lumMod val="75000"/>
+                  </a:schemeClr>
+                </a:solidFill>
+                <a:latin typeface="Calibri" panose="020F0502020204030204" pitchFamily="34" charset="0"/>
+                <a:cs typeface="Calibri" panose="020F0502020204030204" pitchFamily="34" charset="0"/>
+              </a:rPr>
+              <a:t>Estado de las operaciones (aceptada, confirmada o pendiente)</a:t>
+            </a:r>
+          </a:p>
+          <a:p>
+            <a:pPr marL="285750" lvl="0" indent="-285750" algn="just" eaLnBrk="0" fontAlgn="base" hangingPunct="0">
+              <a:spcBef>
+                <a:spcPct val="0"/>
+              </a:spcBef>
+              <a:spcAft>
+                <a:spcPct val="0"/>
+              </a:spcAft>
+              <a:buFont typeface="Arial" panose="020B0604020202020204" pitchFamily="34" charset="0"/>
+              <a:buChar char="•"/>
+            </a:pPr>
+            <a:r>
+              <a:rPr lang="es-PE" altLang="es-PE" sz="1600" dirty="0">
+                <a:solidFill>
+                  <a:schemeClr val="accent1">
+                    <a:lumMod val="75000"/>
+                  </a:schemeClr>
+                </a:solidFill>
+                <a:latin typeface="Calibri" panose="020F0502020204030204" pitchFamily="34" charset="0"/>
+                <a:cs typeface="Calibri" panose="020F0502020204030204" pitchFamily="34" charset="0"/>
+              </a:rPr>
+              <a:t>Sistema AISR: Aplicativo Intranet Sistema de Reclamos</a:t>
+            </a:r>
+          </a:p>
+          <a:p>
+            <a:pPr marL="285750" lvl="0" indent="-285750" algn="just" eaLnBrk="0" fontAlgn="base" hangingPunct="0">
+              <a:spcBef>
+                <a:spcPct val="0"/>
+              </a:spcBef>
+              <a:spcAft>
+                <a:spcPct val="0"/>
+              </a:spcAft>
+              <a:buFont typeface="Arial" panose="020B0604020202020204" pitchFamily="34" charset="0"/>
+              <a:buChar char="•"/>
+            </a:pPr>
+            <a:r>
+              <a:rPr lang="es-PE" altLang="es-PE" sz="1600" dirty="0">
+                <a:solidFill>
+                  <a:schemeClr val="accent4">
+                    <a:lumMod val="75000"/>
+                  </a:schemeClr>
+                </a:solidFill>
+                <a:latin typeface="Calibri" panose="020F0502020204030204" pitchFamily="34" charset="0"/>
+                <a:cs typeface="Calibri" panose="020F0502020204030204" pitchFamily="34" charset="0"/>
+              </a:rPr>
+              <a:t>Reporte aplicativo Visa, Transacciones Visa online</a:t>
+            </a:r>
+          </a:p>
+          <a:p>
+            <a:pPr marL="285750" lvl="0" indent="-285750" algn="just" eaLnBrk="0" fontAlgn="base" hangingPunct="0">
+              <a:spcBef>
+                <a:spcPct val="0"/>
+              </a:spcBef>
+              <a:spcAft>
+                <a:spcPct val="0"/>
+              </a:spcAft>
+              <a:buFont typeface="Arial" panose="020B0604020202020204" pitchFamily="34" charset="0"/>
+              <a:buChar char="•"/>
+            </a:pPr>
+            <a:r>
+              <a:rPr lang="es-PE" altLang="es-PE" sz="1600" dirty="0">
+                <a:solidFill>
+                  <a:schemeClr val="accent4">
+                    <a:lumMod val="75000"/>
+                  </a:schemeClr>
+                </a:solidFill>
+                <a:latin typeface="Calibri" panose="020F0502020204030204" pitchFamily="34" charset="0"/>
+                <a:cs typeface="Calibri" panose="020F0502020204030204" pitchFamily="34" charset="0"/>
+              </a:rPr>
+              <a:t>Estado de las operaciones (aceptada, confirmada o pendiente)</a:t>
+            </a:r>
+            <a:endParaRPr lang="es-MX" altLang="es-PE" sz="1600" dirty="0">
+              <a:solidFill>
+                <a:schemeClr val="accent4">
+                  <a:lumMod val="75000"/>
+                </a:schemeClr>
+              </a:solidFill>
+              <a:latin typeface="Calibri" panose="020F0502020204030204" pitchFamily="34" charset="0"/>
+              <a:cs typeface="Calibri" panose="020F0502020204030204" pitchFamily="34" charset="0"/>
+            </a:endParaRPr>
+          </a:p>
+          <a:p>
+            <a:pPr marL="285750" lvl="0" indent="-285750" algn="just" eaLnBrk="0" fontAlgn="base" hangingPunct="0">
+              <a:spcBef>
+                <a:spcPct val="0"/>
+              </a:spcBef>
+              <a:spcAft>
+                <a:spcPct val="0"/>
+              </a:spcAft>
+              <a:buFont typeface="Arial" panose="020B0604020202020204" pitchFamily="34" charset="0"/>
+              <a:buChar char="•"/>
+            </a:pPr>
+            <a:r>
+              <a:rPr lang="es-MX" altLang="es-PE" sz="1600" dirty="0">
+                <a:solidFill>
+                  <a:schemeClr val="accent4">
+                    <a:lumMod val="75000"/>
+                  </a:schemeClr>
+                </a:solidFill>
+                <a:latin typeface="Calibri" panose="020F0502020204030204" pitchFamily="34" charset="0"/>
+                <a:cs typeface="Calibri" panose="020F0502020204030204" pitchFamily="34" charset="0"/>
+              </a:rPr>
+              <a:t>Verificar cuenta de ahorros regularizadas</a:t>
+            </a:r>
+          </a:p>
+          <a:p>
+            <a:pPr marL="285750" lvl="0" indent="-285750" algn="just" eaLnBrk="0" fontAlgn="base" hangingPunct="0">
+              <a:spcBef>
+                <a:spcPct val="0"/>
+              </a:spcBef>
+              <a:spcAft>
+                <a:spcPct val="0"/>
+              </a:spcAft>
+              <a:buFont typeface="Arial" panose="020B0604020202020204" pitchFamily="34" charset="0"/>
+              <a:buChar char="•"/>
+            </a:pPr>
+            <a:r>
+              <a:rPr lang="es-MX" altLang="es-PE" sz="1600" dirty="0">
+                <a:solidFill>
+                  <a:schemeClr val="accent4">
+                    <a:lumMod val="75000"/>
+                  </a:schemeClr>
+                </a:solidFill>
+                <a:latin typeface="Calibri" panose="020F0502020204030204" pitchFamily="34" charset="0"/>
+                <a:cs typeface="Calibri" panose="020F0502020204030204" pitchFamily="34" charset="0"/>
+              </a:rPr>
+              <a:t>Accesos a videos de grabación digital</a:t>
+            </a:r>
+          </a:p>
+          <a:p>
+            <a:pPr marL="285750" indent="-285750" algn="just" eaLnBrk="0" fontAlgn="base" hangingPunct="0">
+              <a:spcBef>
+                <a:spcPct val="0"/>
+              </a:spcBef>
+              <a:spcAft>
+                <a:spcPct val="0"/>
+              </a:spcAft>
+              <a:buFont typeface="Arial" panose="020B0604020202020204" pitchFamily="34" charset="0"/>
+              <a:buChar char="•"/>
+            </a:pPr>
+            <a:r>
+              <a:rPr lang="es-MX" altLang="es-PE" sz="1600" dirty="0">
+                <a:solidFill>
+                  <a:schemeClr val="accent4">
+                    <a:lumMod val="75000"/>
+                  </a:schemeClr>
+                </a:solidFill>
+                <a:latin typeface="Calibri" panose="020F0502020204030204" pitchFamily="34" charset="0"/>
+                <a:cs typeface="Calibri" panose="020F0502020204030204" pitchFamily="34" charset="0"/>
+              </a:rPr>
+              <a:t>Consulta a RENIEC, </a:t>
+            </a:r>
+          </a:p>
+          <a:p>
+            <a:pPr marL="285750" lvl="0" indent="-285750" algn="just" eaLnBrk="0" fontAlgn="base" hangingPunct="0">
+              <a:spcBef>
+                <a:spcPct val="0"/>
+              </a:spcBef>
+              <a:spcAft>
+                <a:spcPct val="0"/>
+              </a:spcAft>
+              <a:buFont typeface="Arial" panose="020B0604020202020204" pitchFamily="34" charset="0"/>
+              <a:buChar char="•"/>
+            </a:pPr>
+            <a:r>
+              <a:rPr lang="es-MX" altLang="es-PE" sz="1600" dirty="0">
+                <a:solidFill>
+                  <a:schemeClr val="accent4">
+                    <a:lumMod val="75000"/>
+                  </a:schemeClr>
+                </a:solidFill>
+                <a:latin typeface="Calibri" panose="020F0502020204030204" pitchFamily="34" charset="0"/>
+                <a:cs typeface="Calibri" panose="020F0502020204030204" pitchFamily="34" charset="0"/>
+              </a:rPr>
+              <a:t>Consulta de diversas aplicaciones (Emulador TC06, MC Center, TMIN 3414 o 3411, Reporte Web, Visión plus, Accesos  </a:t>
+            </a:r>
+            <a:r>
+              <a:rPr lang="es-MX" altLang="es-PE" sz="1600" dirty="0" err="1">
+                <a:solidFill>
+                  <a:schemeClr val="accent4">
+                    <a:lumMod val="75000"/>
+                  </a:schemeClr>
+                </a:solidFill>
+                <a:latin typeface="Calibri" panose="020F0502020204030204" pitchFamily="34" charset="0"/>
+                <a:cs typeface="Calibri" panose="020F0502020204030204" pitchFamily="34" charset="0"/>
+              </a:rPr>
+              <a:t>Journal</a:t>
+            </a:r>
+            <a:r>
+              <a:rPr lang="es-MX" altLang="es-PE" sz="1600" dirty="0">
+                <a:solidFill>
+                  <a:schemeClr val="accent4">
+                    <a:lumMod val="75000"/>
+                  </a:schemeClr>
+                </a:solidFill>
+                <a:latin typeface="Calibri" panose="020F0502020204030204" pitchFamily="34" charset="0"/>
+                <a:cs typeface="Calibri" panose="020F0502020204030204" pitchFamily="34" charset="0"/>
+              </a:rPr>
+              <a:t>)</a:t>
+            </a:r>
+          </a:p>
+          <a:p>
+            <a:pPr marL="285750" lvl="0" indent="-285750" algn="just" eaLnBrk="0" fontAlgn="base" hangingPunct="0">
+              <a:spcBef>
+                <a:spcPct val="0"/>
+              </a:spcBef>
+              <a:spcAft>
+                <a:spcPct val="0"/>
+              </a:spcAft>
+              <a:buFont typeface="Arial" panose="020B0604020202020204" pitchFamily="34" charset="0"/>
+              <a:buChar char="•"/>
+            </a:pPr>
+            <a:r>
+              <a:rPr lang="es-MX" altLang="es-PE" sz="1600" dirty="0">
+                <a:solidFill>
+                  <a:schemeClr val="accent4">
+                    <a:lumMod val="75000"/>
+                  </a:schemeClr>
+                </a:solidFill>
+                <a:latin typeface="Calibri" panose="020F0502020204030204" pitchFamily="34" charset="0"/>
+                <a:cs typeface="Calibri" panose="020F0502020204030204" pitchFamily="34" charset="0"/>
+              </a:rPr>
+              <a:t>Sistema AISR: Aplicativo Intranet Sistema de Reclamos</a:t>
+            </a:r>
+          </a:p>
+          <a:p>
+            <a:pPr marL="285750" lvl="0" indent="-285750" algn="just" eaLnBrk="0" fontAlgn="base" hangingPunct="0">
+              <a:spcBef>
+                <a:spcPct val="0"/>
+              </a:spcBef>
+              <a:spcAft>
+                <a:spcPct val="0"/>
+              </a:spcAft>
+              <a:buFont typeface="Arial" panose="020B0604020202020204" pitchFamily="34" charset="0"/>
+              <a:buChar char="•"/>
+            </a:pPr>
+            <a:r>
+              <a:rPr lang="es-MX" altLang="es-PE" sz="1600" dirty="0">
+                <a:solidFill>
+                  <a:schemeClr val="accent6"/>
+                </a:solidFill>
+                <a:latin typeface="Calibri" panose="020F0502020204030204" pitchFamily="34" charset="0"/>
+                <a:cs typeface="Calibri" panose="020F0502020204030204" pitchFamily="34" charset="0"/>
+              </a:rPr>
+              <a:t>Sistema AISR: Aplicativo Intranet Sistema de Reclamos</a:t>
+            </a:r>
+          </a:p>
+        </p:txBody>
+      </p:sp>
+      <p:sp>
+        <p:nvSpPr>
+          <p:cNvPr id="28" name="CuadroTexto 27">
+            <a:extLst>
+              <a:ext uri="{FF2B5EF4-FFF2-40B4-BE49-F238E27FC236}">
+                <a16:creationId xmlns:a16="http://schemas.microsoft.com/office/drawing/2014/main" id="{E08CD9AD-64C3-4242-8DA1-7DB904BE8A1C}"/>
+              </a:ext>
+            </a:extLst>
+          </p:cNvPr>
+          <p:cNvSpPr txBox="1"/>
+          <p:nvPr/>
+        </p:nvSpPr>
+        <p:spPr>
+          <a:xfrm>
+            <a:off x="6515471" y="956953"/>
+            <a:ext cx="5192810" cy="954107"/>
+          </a:xfrm>
+          <a:prstGeom prst="rect">
+            <a:avLst/>
+          </a:prstGeom>
+          <a:noFill/>
+        </p:spPr>
+        <p:txBody>
+          <a:bodyPr wrap="square">
+            <a:spAutoFit/>
+          </a:bodyPr>
+          <a:lstStyle/>
+          <a:p>
+            <a:pPr lvl="0" algn="just" eaLnBrk="0" fontAlgn="base" hangingPunct="0">
+              <a:spcBef>
+                <a:spcPct val="0"/>
+              </a:spcBef>
+              <a:spcAft>
+                <a:spcPct val="0"/>
+              </a:spcAft>
+            </a:pPr>
+            <a:endParaRPr lang="es-PE" altLang="es-PE" dirty="0">
+              <a:solidFill>
+                <a:srgbClr val="000000"/>
+              </a:solidFill>
+              <a:latin typeface="Calibri" panose="020F0502020204030204" pitchFamily="34" charset="0"/>
+              <a:cs typeface="Calibri" panose="020F0502020204030204" pitchFamily="34" charset="0"/>
+            </a:endParaRPr>
+          </a:p>
+          <a:p>
+            <a:pPr lvl="0" algn="ctr" eaLnBrk="0" fontAlgn="base" hangingPunct="0">
+              <a:spcBef>
+                <a:spcPct val="0"/>
+              </a:spcBef>
+              <a:spcAft>
+                <a:spcPct val="0"/>
+              </a:spcAft>
+            </a:pPr>
+            <a:r>
+              <a:rPr lang="es-PE" sz="2000" b="1" dirty="0"/>
+              <a:t>Aplicativos que influyen en la complejidad (**)</a:t>
+            </a:r>
+            <a:endParaRPr lang="es-PE" sz="2000" b="1" dirty="0">
+              <a:solidFill>
+                <a:srgbClr val="000000"/>
+              </a:solidFill>
+              <a:latin typeface="Calibri" panose="020F0502020204030204" pitchFamily="34" charset="0"/>
+              <a:cs typeface="Calibri" panose="020F0502020204030204" pitchFamily="34" charset="0"/>
+            </a:endParaRPr>
+          </a:p>
+          <a:p>
+            <a:pPr lvl="0" algn="just" eaLnBrk="0" fontAlgn="base" hangingPunct="0">
+              <a:spcBef>
+                <a:spcPct val="0"/>
+              </a:spcBef>
+              <a:spcAft>
+                <a:spcPct val="0"/>
+              </a:spcAft>
+            </a:pPr>
+            <a:endParaRPr lang="es-PE" altLang="es-PE" dirty="0">
+              <a:solidFill>
+                <a:srgbClr val="000000"/>
+              </a:solidFill>
+              <a:latin typeface="Calibri" panose="020F0502020204030204" pitchFamily="34" charset="0"/>
+              <a:cs typeface="Calibri" panose="020F0502020204030204" pitchFamily="34" charset="0"/>
+            </a:endParaRPr>
+          </a:p>
+        </p:txBody>
+      </p:sp>
+      <p:sp>
+        <p:nvSpPr>
+          <p:cNvPr id="15" name="Google Shape;111;p2">
+            <a:extLst>
+              <a:ext uri="{FF2B5EF4-FFF2-40B4-BE49-F238E27FC236}">
+                <a16:creationId xmlns:a16="http://schemas.microsoft.com/office/drawing/2014/main" id="{DA903829-C857-466F-8663-51CF8927D68D}"/>
+              </a:ext>
+            </a:extLst>
+          </p:cNvPr>
+          <p:cNvSpPr txBox="1"/>
+          <p:nvPr/>
+        </p:nvSpPr>
+        <p:spPr>
+          <a:xfrm>
+            <a:off x="5963048" y="6247438"/>
+            <a:ext cx="6043130" cy="492402"/>
+          </a:xfrm>
+          <a:prstGeom prst="rect">
+            <a:avLst/>
+          </a:prstGeom>
+          <a:noFill/>
+          <a:ln>
+            <a:noFill/>
+          </a:ln>
+        </p:spPr>
+        <p:txBody>
+          <a:bodyPr spcFirstLastPara="1" wrap="square" lIns="91425" tIns="45700" rIns="91425" bIns="45700" anchor="t" anchorCtr="0">
+            <a:spAutoFit/>
+          </a:bodyPr>
+          <a:lstStyle/>
+          <a:p>
+            <a:pPr marL="0" marR="0" lvl="0" indent="0" algn="l" defTabSz="914400" rtl="0" eaLnBrk="0" fontAlgn="base" latinLnBrk="0" hangingPunct="0">
+              <a:lnSpc>
+                <a:spcPct val="100000"/>
+              </a:lnSpc>
+              <a:spcBef>
+                <a:spcPct val="0"/>
+              </a:spcBef>
+              <a:spcAft>
+                <a:spcPct val="0"/>
+              </a:spcAft>
+              <a:buClrTx/>
+              <a:buSzTx/>
+              <a:buFontTx/>
+              <a:buNone/>
+              <a:tabLst/>
+            </a:pPr>
+            <a:r>
+              <a:rPr kumimoji="0" lang="es-PE" altLang="es-PE" sz="1300" b="1" i="0" u="none" strike="noStrike" cap="none" normalizeH="0" baseline="0" dirty="0">
+                <a:ln>
+                  <a:noFill/>
+                </a:ln>
+                <a:solidFill>
+                  <a:srgbClr val="000000"/>
+                </a:solidFill>
+                <a:effectLst/>
+                <a:latin typeface="Calibri" panose="020F0502020204030204" pitchFamily="34" charset="0"/>
+                <a:cs typeface="Calibri" panose="020F0502020204030204" pitchFamily="34" charset="0"/>
+              </a:rPr>
+              <a:t>(**) La complejidad de la solución se incrementa por el numero de aplicativos que involucra su solución.</a:t>
+            </a:r>
+            <a:endParaRPr kumimoji="0" lang="es-PE" altLang="es-PE" sz="600" b="0" i="0" u="none" strike="noStrike" cap="none" normalizeH="0" baseline="0" dirty="0">
+              <a:ln>
+                <a:noFill/>
+              </a:ln>
+              <a:solidFill>
+                <a:schemeClr val="tx1"/>
+              </a:solidFill>
+              <a:effectLst/>
+            </a:endParaRPr>
+          </a:p>
+        </p:txBody>
+      </p:sp>
+    </p:spTree>
+    <p:extLst>
+      <p:ext uri="{BB962C8B-B14F-4D97-AF65-F5344CB8AC3E}">
+        <p14:creationId xmlns:p14="http://schemas.microsoft.com/office/powerpoint/2010/main" val="3499516781"/>
+      </p:ext>
+    </p:extLst>
+  </p:cSld>
+  <p:clrMapOvr>
+    <a:masterClrMapping/>
+  </p:clrMapOvr>
+</p:sld>
+</file>
+
+<file path=ppt/slides/slide16.xml><?xml version="1.0" encoding="utf-8"?>
+<p:sld xmlns:a="http://schemas.openxmlformats.org/drawingml/2006/main" xmlns:r="http://schemas.openxmlformats.org/officeDocument/2006/relationships" xmlns:p="http://schemas.openxmlformats.org/presentationml/2006/main">
+  <p:cSld>
+    <p:spTree>
+      <p:nvGrpSpPr>
+        <p:cNvPr id="1" name=""/>
+        <p:cNvGrpSpPr/>
+        <p:nvPr/>
+      </p:nvGrpSpPr>
+      <p:grpSpPr>
+        <a:xfrm>
+          <a:off x="0" y="0"/>
+          <a:ext cx="0" cy="0"/>
+          <a:chOff x="0" y="0"/>
+          <a:chExt cx="0" cy="0"/>
+        </a:xfrm>
+      </p:grpSpPr>
+      <p:sp>
+        <p:nvSpPr>
           <p:cNvPr id="2" name="Título 1">
             <a:extLst>
               <a:ext uri="{FF2B5EF4-FFF2-40B4-BE49-F238E27FC236}">
@@ -10027,7 +12631,7 @@
 </p:sld>
 </file>
 
-<file path=ppt/slides/slide15.xml><?xml version="1.0" encoding="utf-8"?>
+<file path=ppt/slides/slide17.xml><?xml version="1.0" encoding="utf-8"?>
 <p:sld xmlns:a="http://schemas.openxmlformats.org/drawingml/2006/main" xmlns:r="http://schemas.openxmlformats.org/officeDocument/2006/relationships" xmlns:p="http://schemas.openxmlformats.org/presentationml/2006/main">
   <p:cSld>
     <p:spTree>
@@ -10817,7 +13421,7 @@
 </p:sld>
 </file>
 
-<file path=ppt/slides/slide16.xml><?xml version="1.0" encoding="utf-8"?>
+<file path=ppt/slides/slide18.xml><?xml version="1.0" encoding="utf-8"?>
 <p:sld xmlns:a="http://schemas.openxmlformats.org/drawingml/2006/main" xmlns:r="http://schemas.openxmlformats.org/officeDocument/2006/relationships" xmlns:p="http://schemas.openxmlformats.org/presentationml/2006/main">
   <p:cSld>
     <p:spTree>
@@ -11496,7 +14100,7 @@
         </p:blipFill>
         <p:spPr bwMode="auto">
           <a:xfrm>
-            <a:off x="8160249" y="1291905"/>
+            <a:off x="8148806" y="1526418"/>
             <a:ext cx="3366644" cy="4532822"/>
           </a:xfrm>
           <a:prstGeom prst="rect">

--- a/BancoNacion/documentos/Reclamos.pptx
+++ b/BancoNacion/documentos/Reclamos.pptx
@@ -137,7 +137,7 @@
   <pc:docChgLst>
     <pc:chgData name="John K. Barrera" userId="ff20ac3aac775278" providerId="LiveId" clId="{D2B16D9E-8DC3-4D4C-927D-0F5AA29F5383}"/>
     <pc:docChg chg="undo redo custSel addSld delSld modSld sldOrd">
-      <pc:chgData name="John K. Barrera" userId="ff20ac3aac775278" providerId="LiveId" clId="{D2B16D9E-8DC3-4D4C-927D-0F5AA29F5383}" dt="2022-03-23T04:22:52.910" v="12944" actId="47"/>
+      <pc:chgData name="John K. Barrera" userId="ff20ac3aac775278" providerId="LiveId" clId="{D2B16D9E-8DC3-4D4C-927D-0F5AA29F5383}" dt="2022-03-23T13:30:08.442" v="13027" actId="5793"/>
       <pc:docMkLst>
         <pc:docMk/>
       </pc:docMkLst>
@@ -2491,7 +2491,7 @@
         </pc:sldMkLst>
       </pc:sldChg>
       <pc:sldChg chg="addSp delSp modSp add mod">
-        <pc:chgData name="John K. Barrera" userId="ff20ac3aac775278" providerId="LiveId" clId="{D2B16D9E-8DC3-4D4C-927D-0F5AA29F5383}" dt="2022-03-23T04:21:38.509" v="12943" actId="313"/>
+        <pc:chgData name="John K. Barrera" userId="ff20ac3aac775278" providerId="LiveId" clId="{D2B16D9E-8DC3-4D4C-927D-0F5AA29F5383}" dt="2022-03-23T13:30:08.442" v="13027" actId="5793"/>
         <pc:sldMkLst>
           <pc:docMk/>
           <pc:sldMk cId="3499516781" sldId="394"/>
@@ -2545,7 +2545,7 @@
           </ac:spMkLst>
         </pc:spChg>
         <pc:spChg chg="mod ord">
-          <ac:chgData name="John K. Barrera" userId="ff20ac3aac775278" providerId="LiveId" clId="{D2B16D9E-8DC3-4D4C-927D-0F5AA29F5383}" dt="2022-03-23T04:21:38.509" v="12943" actId="313"/>
+          <ac:chgData name="John K. Barrera" userId="ff20ac3aac775278" providerId="LiveId" clId="{D2B16D9E-8DC3-4D4C-927D-0F5AA29F5383}" dt="2022-03-23T13:30:08.442" v="13027" actId="5793"/>
           <ac:spMkLst>
             <pc:docMk/>
             <pc:sldMk cId="3499516781" sldId="394"/>
@@ -2585,7 +2585,7 @@
           </ac:spMkLst>
         </pc:spChg>
         <pc:spChg chg="add mod ord">
-          <ac:chgData name="John K. Barrera" userId="ff20ac3aac775278" providerId="LiveId" clId="{D2B16D9E-8DC3-4D4C-927D-0F5AA29F5383}" dt="2022-03-23T04:15:25.585" v="12750" actId="20577"/>
+          <ac:chgData name="John K. Barrera" userId="ff20ac3aac775278" providerId="LiveId" clId="{D2B16D9E-8DC3-4D4C-927D-0F5AA29F5383}" dt="2022-03-23T13:29:46.952" v="13000"/>
           <ac:spMkLst>
             <pc:docMk/>
             <pc:sldMk cId="3499516781" sldId="394"/>
@@ -2617,7 +2617,7 @@
           </ac:spMkLst>
         </pc:spChg>
         <pc:spChg chg="add mod">
-          <ac:chgData name="John K. Barrera" userId="ff20ac3aac775278" providerId="LiveId" clId="{D2B16D9E-8DC3-4D4C-927D-0F5AA29F5383}" dt="2022-03-23T04:20:51.403" v="12840" actId="20577"/>
+          <ac:chgData name="John K. Barrera" userId="ff20ac3aac775278" providerId="LiveId" clId="{D2B16D9E-8DC3-4D4C-927D-0F5AA29F5383}" dt="2022-03-23T13:29:12.948" v="12985" actId="1076"/>
           <ac:spMkLst>
             <pc:docMk/>
             <pc:sldMk cId="3499516781" sldId="394"/>
@@ -2744,7 +2744,7 @@
           <a:p>
             <a:fld id="{4AA3995C-CEF4-46C5-822A-4E0ABA58EA45}" type="datetimeFigureOut">
               <a:rPr lang="en-US" smtClean="0"/>
-              <a:t>3/22/2022</a:t>
+              <a:t>3/23/2022</a:t>
             </a:fld>
             <a:endParaRPr lang="en-US"/>
           </a:p>
@@ -3198,7 +3198,7 @@
           <a:p>
             <a:fld id="{903304DD-1A9B-465F-A981-8B6D85F33039}" type="datetimeFigureOut">
               <a:rPr lang="en-US" smtClean="0"/>
-              <a:t>3/22/2022</a:t>
+              <a:t>3/23/2022</a:t>
             </a:fld>
             <a:endParaRPr lang="en-US"/>
           </a:p>
@@ -3501,7 +3501,7 @@
           <a:p>
             <a:fld id="{903304DD-1A9B-465F-A981-8B6D85F33039}" type="datetimeFigureOut">
               <a:rPr lang="en-US" smtClean="0"/>
-              <a:t>3/22/2022</a:t>
+              <a:t>3/23/2022</a:t>
             </a:fld>
             <a:endParaRPr lang="en-US"/>
           </a:p>
@@ -3671,7 +3671,7 @@
           <a:p>
             <a:fld id="{903304DD-1A9B-465F-A981-8B6D85F33039}" type="datetimeFigureOut">
               <a:rPr lang="en-US" smtClean="0"/>
-              <a:t>3/22/2022</a:t>
+              <a:t>3/23/2022</a:t>
             </a:fld>
             <a:endParaRPr lang="en-US"/>
           </a:p>
@@ -3851,7 +3851,7 @@
           <a:p>
             <a:fld id="{903304DD-1A9B-465F-A981-8B6D85F33039}" type="datetimeFigureOut">
               <a:rPr lang="en-US" smtClean="0"/>
-              <a:t>3/22/2022</a:t>
+              <a:t>3/23/2022</a:t>
             </a:fld>
             <a:endParaRPr lang="en-US"/>
           </a:p>
@@ -4085,7 +4085,7 @@
           <a:p>
             <a:fld id="{903304DD-1A9B-465F-A981-8B6D85F33039}" type="datetimeFigureOut">
               <a:rPr lang="en-US" smtClean="0"/>
-              <a:t>3/22/2022</a:t>
+              <a:t>3/23/2022</a:t>
             </a:fld>
             <a:endParaRPr lang="en-US"/>
           </a:p>
@@ -4283,7 +4283,7 @@
           <a:p>
             <a:fld id="{903304DD-1A9B-465F-A981-8B6D85F33039}" type="datetimeFigureOut">
               <a:rPr lang="en-US" smtClean="0"/>
-              <a:t>3/22/2022</a:t>
+              <a:t>3/23/2022</a:t>
             </a:fld>
             <a:endParaRPr lang="en-US"/>
           </a:p>
@@ -4529,7 +4529,7 @@
           <a:p>
             <a:fld id="{903304DD-1A9B-465F-A981-8B6D85F33039}" type="datetimeFigureOut">
               <a:rPr lang="en-US" smtClean="0"/>
-              <a:t>3/22/2022</a:t>
+              <a:t>3/23/2022</a:t>
             </a:fld>
             <a:endParaRPr lang="en-US"/>
           </a:p>
@@ -4761,7 +4761,7 @@
           <a:p>
             <a:fld id="{903304DD-1A9B-465F-A981-8B6D85F33039}" type="datetimeFigureOut">
               <a:rPr lang="en-US" smtClean="0"/>
-              <a:t>3/22/2022</a:t>
+              <a:t>3/23/2022</a:t>
             </a:fld>
             <a:endParaRPr lang="en-US"/>
           </a:p>
@@ -5128,7 +5128,7 @@
           <a:p>
             <a:fld id="{903304DD-1A9B-465F-A981-8B6D85F33039}" type="datetimeFigureOut">
               <a:rPr lang="en-US" smtClean="0"/>
-              <a:t>3/22/2022</a:t>
+              <a:t>3/23/2022</a:t>
             </a:fld>
             <a:endParaRPr lang="en-US"/>
           </a:p>
@@ -5246,7 +5246,7 @@
           <a:p>
             <a:fld id="{903304DD-1A9B-465F-A981-8B6D85F33039}" type="datetimeFigureOut">
               <a:rPr lang="en-US" smtClean="0"/>
-              <a:t>3/22/2022</a:t>
+              <a:t>3/23/2022</a:t>
             </a:fld>
             <a:endParaRPr lang="en-US"/>
           </a:p>
@@ -5341,7 +5341,7 @@
           <a:p>
             <a:fld id="{903304DD-1A9B-465F-A981-8B6D85F33039}" type="datetimeFigureOut">
               <a:rPr lang="en-US" smtClean="0"/>
-              <a:t>3/22/2022</a:t>
+              <a:t>3/23/2022</a:t>
             </a:fld>
             <a:endParaRPr lang="en-US"/>
           </a:p>
@@ -5618,7 +5618,7 @@
           <a:p>
             <a:fld id="{903304DD-1A9B-465F-A981-8B6D85F33039}" type="datetimeFigureOut">
               <a:rPr lang="en-US" smtClean="0"/>
-              <a:t>3/22/2022</a:t>
+              <a:t>3/23/2022</a:t>
             </a:fld>
             <a:endParaRPr lang="en-US"/>
           </a:p>
@@ -5831,7 +5831,7 @@
           <a:p>
             <a:fld id="{903304DD-1A9B-465F-A981-8B6D85F33039}" type="datetimeFigureOut">
               <a:rPr lang="en-US" smtClean="0"/>
-              <a:t>3/22/2022</a:t>
+              <a:t>3/23/2022</a:t>
             </a:fld>
             <a:endParaRPr lang="en-US"/>
           </a:p>
@@ -12081,7 +12081,14 @@
                 <a:latin typeface="Calibri" panose="020F0502020204030204" pitchFamily="34" charset="0"/>
                 <a:cs typeface="Calibri" panose="020F0502020204030204" pitchFamily="34" charset="0"/>
               </a:rPr>
-              <a:t>Reporte aplicativo Visa</a:t>
+              <a:t>Reporte aplicativo Visa </a:t>
+            </a:r>
+            <a:r>
+              <a:rPr lang="es-PE" altLang="es-PE" sz="1600" dirty="0">
+                <a:latin typeface="Calibri" panose="020F0502020204030204" pitchFamily="34" charset="0"/>
+                <a:cs typeface="Calibri" panose="020F0502020204030204" pitchFamily="34" charset="0"/>
+              </a:rPr>
+              <a:t>(*)</a:t>
             </a:r>
           </a:p>
           <a:p>
@@ -12105,8 +12112,24 @@
                 <a:latin typeface="Calibri" panose="020F0502020204030204" pitchFamily="34" charset="0"/>
                 <a:cs typeface="Calibri" panose="020F0502020204030204" pitchFamily="34" charset="0"/>
               </a:rPr>
-              <a:t>Transacciones Visa online</a:t>
-            </a:r>
+              <a:t>Transacciones Visa online </a:t>
+            </a:r>
+            <a:r>
+              <a:rPr lang="es-PE" altLang="es-PE" sz="1600" dirty="0">
+                <a:latin typeface="Calibri" panose="020F0502020204030204" pitchFamily="34" charset="0"/>
+                <a:cs typeface="Calibri" panose="020F0502020204030204" pitchFamily="34" charset="0"/>
+              </a:rPr>
+              <a:t>(*)</a:t>
+            </a:r>
+            <a:endParaRPr lang="es-PE" altLang="es-PE" sz="1600" dirty="0">
+              <a:solidFill>
+                <a:schemeClr val="accent1">
+                  <a:lumMod val="75000"/>
+                </a:schemeClr>
+              </a:solidFill>
+              <a:latin typeface="Calibri" panose="020F0502020204030204" pitchFamily="34" charset="0"/>
+              <a:cs typeface="Calibri" panose="020F0502020204030204" pitchFamily="34" charset="0"/>
+            </a:endParaRPr>
           </a:p>
           <a:p>
             <a:pPr marL="285750" lvl="0" indent="-285750" algn="just" eaLnBrk="0" fontAlgn="base" hangingPunct="0">
@@ -12129,8 +12152,24 @@
                 <a:latin typeface="Calibri" panose="020F0502020204030204" pitchFamily="34" charset="0"/>
                 <a:cs typeface="Calibri" panose="020F0502020204030204" pitchFamily="34" charset="0"/>
               </a:rPr>
-              <a:t>Estado de las operaciones (aceptada, confirmada o pendiente)</a:t>
-            </a:r>
+              <a:t>Estado de las operaciones (aceptada, confirmada o pendiente) </a:t>
+            </a:r>
+            <a:r>
+              <a:rPr lang="es-PE" altLang="es-PE" sz="1600" dirty="0">
+                <a:latin typeface="Calibri" panose="020F0502020204030204" pitchFamily="34" charset="0"/>
+                <a:cs typeface="Calibri" panose="020F0502020204030204" pitchFamily="34" charset="0"/>
+              </a:rPr>
+              <a:t>(*)</a:t>
+            </a:r>
+            <a:endParaRPr lang="es-PE" altLang="es-PE" sz="1600" dirty="0">
+              <a:solidFill>
+                <a:schemeClr val="accent1">
+                  <a:lumMod val="75000"/>
+                </a:schemeClr>
+              </a:solidFill>
+              <a:latin typeface="Calibri" panose="020F0502020204030204" pitchFamily="34" charset="0"/>
+              <a:cs typeface="Calibri" panose="020F0502020204030204" pitchFamily="34" charset="0"/>
+            </a:endParaRPr>
           </a:p>
           <a:p>
             <a:pPr marL="285750" lvl="0" indent="-285750" algn="just" eaLnBrk="0" fontAlgn="base" hangingPunct="0">
@@ -12153,8 +12192,24 @@
                 <a:latin typeface="Calibri" panose="020F0502020204030204" pitchFamily="34" charset="0"/>
                 <a:cs typeface="Calibri" panose="020F0502020204030204" pitchFamily="34" charset="0"/>
               </a:rPr>
-              <a:t>Sistema AISR: Aplicativo Intranet Sistema de Reclamos</a:t>
-            </a:r>
+              <a:t>Sistema AISR: Aplicativo Intranet Sistema de Reclamos </a:t>
+            </a:r>
+            <a:r>
+              <a:rPr lang="es-PE" altLang="es-PE" sz="1600" dirty="0">
+                <a:latin typeface="Calibri" panose="020F0502020204030204" pitchFamily="34" charset="0"/>
+                <a:cs typeface="Calibri" panose="020F0502020204030204" pitchFamily="34" charset="0"/>
+              </a:rPr>
+              <a:t>(*)</a:t>
+            </a:r>
+            <a:endParaRPr lang="es-PE" altLang="es-PE" sz="1600" dirty="0">
+              <a:solidFill>
+                <a:schemeClr val="accent1">
+                  <a:lumMod val="75000"/>
+                </a:schemeClr>
+              </a:solidFill>
+              <a:latin typeface="Calibri" panose="020F0502020204030204" pitchFamily="34" charset="0"/>
+              <a:cs typeface="Calibri" panose="020F0502020204030204" pitchFamily="34" charset="0"/>
+            </a:endParaRPr>
           </a:p>
           <a:p>
             <a:pPr marL="285750" lvl="0" indent="-285750" algn="just" eaLnBrk="0" fontAlgn="base" hangingPunct="0">
@@ -12201,7 +12256,14 @@
                 <a:latin typeface="Calibri" panose="020F0502020204030204" pitchFamily="34" charset="0"/>
                 <a:cs typeface="Calibri" panose="020F0502020204030204" pitchFamily="34" charset="0"/>
               </a:rPr>
-              <a:t>Estado de las operaciones (aceptada, confirmada o pendiente)</a:t>
+              <a:t>Estado de las operaciones (aceptada, confirmada o pendiente) </a:t>
+            </a:r>
+            <a:r>
+              <a:rPr lang="es-PE" altLang="es-PE" sz="1600" dirty="0">
+                <a:latin typeface="Calibri" panose="020F0502020204030204" pitchFamily="34" charset="0"/>
+                <a:cs typeface="Calibri" panose="020F0502020204030204" pitchFamily="34" charset="0"/>
+              </a:rPr>
+              <a:t>(*)</a:t>
             </a:r>
             <a:endParaRPr lang="es-MX" altLang="es-PE" sz="1600" dirty="0">
               <a:solidFill>
@@ -12236,6 +12298,22 @@
               </a:rPr>
               <a:t>Verificar cuenta de ahorros regularizadas</a:t>
             </a:r>
+            <a:r>
+              <a:rPr lang="es-PE" altLang="es-PE" sz="1600" dirty="0">
+                <a:latin typeface="Calibri" panose="020F0502020204030204" pitchFamily="34" charset="0"/>
+                <a:cs typeface="Calibri" panose="020F0502020204030204" pitchFamily="34" charset="0"/>
+              </a:rPr>
+              <a:t> (*)</a:t>
+            </a:r>
+            <a:endParaRPr lang="es-MX" altLang="es-PE" sz="1600" dirty="0">
+              <a:solidFill>
+                <a:schemeClr val="accent4">
+                  <a:lumMod val="75000"/>
+                </a:schemeClr>
+              </a:solidFill>
+              <a:latin typeface="Calibri" panose="020F0502020204030204" pitchFamily="34" charset="0"/>
+              <a:cs typeface="Calibri" panose="020F0502020204030204" pitchFamily="34" charset="0"/>
+            </a:endParaRPr>
           </a:p>
           <a:p>
             <a:pPr marL="285750" lvl="0" indent="-285750" algn="just" eaLnBrk="0" fontAlgn="base" hangingPunct="0">
@@ -12260,6 +12338,22 @@
               </a:rPr>
               <a:t>Accesos a videos de grabación digital</a:t>
             </a:r>
+            <a:r>
+              <a:rPr lang="es-PE" altLang="es-PE" sz="1600" dirty="0">
+                <a:latin typeface="Calibri" panose="020F0502020204030204" pitchFamily="34" charset="0"/>
+                <a:cs typeface="Calibri" panose="020F0502020204030204" pitchFamily="34" charset="0"/>
+              </a:rPr>
+              <a:t> (*)</a:t>
+            </a:r>
+            <a:endParaRPr lang="es-MX" altLang="es-PE" sz="1600" dirty="0">
+              <a:solidFill>
+                <a:schemeClr val="accent4">
+                  <a:lumMod val="75000"/>
+                </a:schemeClr>
+              </a:solidFill>
+              <a:latin typeface="Calibri" panose="020F0502020204030204" pitchFamily="34" charset="0"/>
+              <a:cs typeface="Calibri" panose="020F0502020204030204" pitchFamily="34" charset="0"/>
+            </a:endParaRPr>
           </a:p>
           <a:p>
             <a:pPr marL="285750" indent="-285750" algn="just" eaLnBrk="0" fontAlgn="base" hangingPunct="0">
@@ -12282,8 +12376,24 @@
                 <a:latin typeface="Calibri" panose="020F0502020204030204" pitchFamily="34" charset="0"/>
                 <a:cs typeface="Calibri" panose="020F0502020204030204" pitchFamily="34" charset="0"/>
               </a:rPr>
-              <a:t>Consulta a RENIEC, </a:t>
-            </a:r>
+              <a:t>Consulta a RENIEC </a:t>
+            </a:r>
+            <a:r>
+              <a:rPr lang="es-PE" altLang="es-PE" sz="1600" dirty="0">
+                <a:latin typeface="Calibri" panose="020F0502020204030204" pitchFamily="34" charset="0"/>
+                <a:cs typeface="Calibri" panose="020F0502020204030204" pitchFamily="34" charset="0"/>
+              </a:rPr>
+              <a:t>(*)</a:t>
+            </a:r>
+            <a:endParaRPr lang="es-MX" altLang="es-PE" sz="1600" dirty="0">
+              <a:solidFill>
+                <a:schemeClr val="accent4">
+                  <a:lumMod val="75000"/>
+                </a:schemeClr>
+              </a:solidFill>
+              <a:latin typeface="Calibri" panose="020F0502020204030204" pitchFamily="34" charset="0"/>
+              <a:cs typeface="Calibri" panose="020F0502020204030204" pitchFamily="34" charset="0"/>
+            </a:endParaRPr>
           </a:p>
           <a:p>
             <a:pPr marL="285750" lvl="0" indent="-285750" algn="just" eaLnBrk="0" fontAlgn="base" hangingPunct="0">
@@ -12332,6 +12442,22 @@
               </a:rPr>
               <a:t>)</a:t>
             </a:r>
+            <a:r>
+              <a:rPr lang="es-PE" altLang="es-PE" sz="1600" dirty="0">
+                <a:latin typeface="Calibri" panose="020F0502020204030204" pitchFamily="34" charset="0"/>
+                <a:cs typeface="Calibri" panose="020F0502020204030204" pitchFamily="34" charset="0"/>
+              </a:rPr>
+              <a:t> (*)</a:t>
+            </a:r>
+            <a:endParaRPr lang="es-MX" altLang="es-PE" sz="1600" dirty="0">
+              <a:solidFill>
+                <a:schemeClr val="accent4">
+                  <a:lumMod val="75000"/>
+                </a:schemeClr>
+              </a:solidFill>
+              <a:latin typeface="Calibri" panose="020F0502020204030204" pitchFamily="34" charset="0"/>
+              <a:cs typeface="Calibri" panose="020F0502020204030204" pitchFamily="34" charset="0"/>
+            </a:endParaRPr>
           </a:p>
           <a:p>
             <a:pPr marL="285750" lvl="0" indent="-285750" algn="just" eaLnBrk="0" fontAlgn="base" hangingPunct="0">
@@ -12356,6 +12482,22 @@
               </a:rPr>
               <a:t>Sistema AISR: Aplicativo Intranet Sistema de Reclamos</a:t>
             </a:r>
+            <a:r>
+              <a:rPr lang="es-PE" altLang="es-PE" sz="1600" dirty="0">
+                <a:latin typeface="Calibri" panose="020F0502020204030204" pitchFamily="34" charset="0"/>
+                <a:cs typeface="Calibri" panose="020F0502020204030204" pitchFamily="34" charset="0"/>
+              </a:rPr>
+              <a:t> (*)</a:t>
+            </a:r>
+            <a:endParaRPr lang="es-MX" altLang="es-PE" sz="1600" dirty="0">
+              <a:solidFill>
+                <a:schemeClr val="accent4">
+                  <a:lumMod val="75000"/>
+                </a:schemeClr>
+              </a:solidFill>
+              <a:latin typeface="Calibri" panose="020F0502020204030204" pitchFamily="34" charset="0"/>
+              <a:cs typeface="Calibri" panose="020F0502020204030204" pitchFamily="34" charset="0"/>
+            </a:endParaRPr>
           </a:p>
           <a:p>
             <a:pPr marL="285750" lvl="0" indent="-285750" algn="just" eaLnBrk="0" fontAlgn="base" hangingPunct="0">
@@ -12395,7 +12537,7 @@
         </p:nvSpPr>
         <p:spPr>
           <a:xfrm>
-            <a:off x="6515471" y="956953"/>
+            <a:off x="6575856" y="919924"/>
             <a:ext cx="5192810" cy="954107"/>
           </a:xfrm>
           <a:prstGeom prst="rect">
@@ -12479,8 +12621,8 @@
         </p:nvSpPr>
         <p:spPr>
           <a:xfrm>
-            <a:off x="5963048" y="6247438"/>
-            <a:ext cx="6043130" cy="492402"/>
+            <a:off x="5775587" y="6303859"/>
+            <a:ext cx="6418053" cy="492402"/>
           </a:xfrm>
           <a:prstGeom prst="rect">
             <a:avLst/>
@@ -12524,7 +12666,39 @@
                 <a:latin typeface="Calibri" panose="020F0502020204030204" pitchFamily="34" charset="0"/>
                 <a:cs typeface="Calibri" panose="020F0502020204030204" pitchFamily="34" charset="0"/>
               </a:rPr>
-              <a:t>(**) La complejidad de la solución se incrementa por el numero de aplicativos que involucra su solución.</a:t>
+              <a:t>(*) Servicios no accesibles para nuestra solución.</a:t>
+            </a:r>
+          </a:p>
+          <a:p>
+            <a:pPr marL="0" marR="0" lvl="0" indent="0" algn="l" defTabSz="914400" rtl="0" eaLnBrk="0" fontAlgn="base" latinLnBrk="0" hangingPunct="0">
+              <a:lnSpc>
+                <a:spcPct val="100000"/>
+              </a:lnSpc>
+              <a:spcBef>
+                <a:spcPct val="0"/>
+              </a:spcBef>
+              <a:spcAft>
+                <a:spcPct val="0"/>
+              </a:spcAft>
+              <a:buClrTx/>
+              <a:buSzTx/>
+              <a:buFontTx/>
+              <a:buNone/>
+              <a:tabLst/>
+            </a:pPr>
+            <a:r>
+              <a:rPr kumimoji="0" lang="es-PE" altLang="es-PE" sz="1300" b="1" i="0" u="none" strike="noStrike" cap="none" normalizeH="0" baseline="0" dirty="0">
+                <a:ln>
+                  <a:noFill/>
+                </a:ln>
+                <a:solidFill>
+                  <a:srgbClr val="000000"/>
+                </a:solidFill>
+                <a:effectLst/>
+                <a:latin typeface="Calibri" panose="020F0502020204030204" pitchFamily="34" charset="0"/>
+                <a:cs typeface="Calibri" panose="020F0502020204030204" pitchFamily="34" charset="0"/>
+              </a:rPr>
+              <a:t>(**) La complejidad se incrementa por el numero de aplicativos que involucra su solución. </a:t>
             </a:r>
             <a:endParaRPr kumimoji="0" lang="es-PE" altLang="es-PE" sz="600" b="0" i="0" u="none" strike="noStrike" cap="none" normalizeH="0" baseline="0" dirty="0">
               <a:ln>

--- a/BancoNacion/documentos/Reclamos.pptx
+++ b/BancoNacion/documentos/Reclamos.pptx
@@ -137,7 +137,7 @@
   <pc:docChgLst>
     <pc:chgData name="John K. Barrera" userId="ff20ac3aac775278" providerId="LiveId" clId="{D2B16D9E-8DC3-4D4C-927D-0F5AA29F5383}"/>
     <pc:docChg chg="undo redo custSel addSld delSld modSld sldOrd">
-      <pc:chgData name="John K. Barrera" userId="ff20ac3aac775278" providerId="LiveId" clId="{D2B16D9E-8DC3-4D4C-927D-0F5AA29F5383}" dt="2022-03-23T13:30:08.442" v="13027" actId="5793"/>
+      <pc:chgData name="John K. Barrera" userId="ff20ac3aac775278" providerId="LiveId" clId="{D2B16D9E-8DC3-4D4C-927D-0F5AA29F5383}" dt="2022-03-28T14:26:59.637" v="13035" actId="1038"/>
       <pc:docMkLst>
         <pc:docMk/>
       </pc:docMkLst>
@@ -157,7 +157,7 @@
         </pc:spChg>
       </pc:sldChg>
       <pc:sldChg chg="addSp delSp modSp add del mod">
-        <pc:chgData name="John K. Barrera" userId="ff20ac3aac775278" providerId="LiveId" clId="{D2B16D9E-8DC3-4D4C-927D-0F5AA29F5383}" dt="2022-03-02T03:07:26.095" v="5009" actId="47"/>
+        <pc:chgData name="John K. Barrera" userId="ff20ac3aac775278" providerId="LiveId" clId="{D2B16D9E-8DC3-4D4C-927D-0F5AA29F5383}" dt="2022-03-28T14:26:59.637" v="13035" actId="1038"/>
         <pc:sldMkLst>
           <pc:docMk/>
           <pc:sldMk cId="727295871" sldId="373"/>
@@ -322,6 +322,14 @@
             <ac:graphicFrameMk id="13" creationId="{424EBEB8-B9D1-472E-97CD-81E30D5C965E}"/>
           </ac:graphicFrameMkLst>
         </pc:graphicFrameChg>
+        <pc:picChg chg="add mod">
+          <ac:chgData name="John K. Barrera" userId="ff20ac3aac775278" providerId="LiveId" clId="{D2B16D9E-8DC3-4D4C-927D-0F5AA29F5383}" dt="2022-03-28T14:26:59.637" v="13035" actId="1038"/>
+          <ac:picMkLst>
+            <pc:docMk/>
+            <pc:sldMk cId="727295871" sldId="373"/>
+            <ac:picMk id="3" creationId="{E95FEA8B-9A97-46E6-9152-35A337DEAF37}"/>
+          </ac:picMkLst>
+        </pc:picChg>
         <pc:picChg chg="del mod">
           <ac:chgData name="John K. Barrera" userId="ff20ac3aac775278" providerId="LiveId" clId="{D2B16D9E-8DC3-4D4C-927D-0F5AA29F5383}" dt="2022-02-16T01:10:28.460" v="41" actId="478"/>
           <ac:picMkLst>
@@ -346,8 +354,8 @@
             <ac:picMk id="1028" creationId="{9824C18A-FCD1-4F37-A62E-21CC6A5C55C7}"/>
           </ac:picMkLst>
         </pc:picChg>
-        <pc:picChg chg="add mod">
-          <ac:chgData name="John K. Barrera" userId="ff20ac3aac775278" providerId="LiveId" clId="{D2B16D9E-8DC3-4D4C-927D-0F5AA29F5383}" dt="2022-02-16T01:27:04.126" v="729" actId="1076"/>
+        <pc:picChg chg="add del mod">
+          <ac:chgData name="John K. Barrera" userId="ff20ac3aac775278" providerId="LiveId" clId="{D2B16D9E-8DC3-4D4C-927D-0F5AA29F5383}" dt="2022-03-28T14:26:49.240" v="13028" actId="478"/>
           <ac:picMkLst>
             <pc:docMk/>
             <pc:sldMk cId="727295871" sldId="373"/>
@@ -2744,7 +2752,7 @@
           <a:p>
             <a:fld id="{4AA3995C-CEF4-46C5-822A-4E0ABA58EA45}" type="datetimeFigureOut">
               <a:rPr lang="en-US" smtClean="0"/>
-              <a:t>3/23/2022</a:t>
+              <a:t>3/28/2022</a:t>
             </a:fld>
             <a:endParaRPr lang="en-US"/>
           </a:p>
@@ -3198,7 +3206,7 @@
           <a:p>
             <a:fld id="{903304DD-1A9B-465F-A981-8B6D85F33039}" type="datetimeFigureOut">
               <a:rPr lang="en-US" smtClean="0"/>
-              <a:t>3/23/2022</a:t>
+              <a:t>3/28/2022</a:t>
             </a:fld>
             <a:endParaRPr lang="en-US"/>
           </a:p>
@@ -3501,7 +3509,7 @@
           <a:p>
             <a:fld id="{903304DD-1A9B-465F-A981-8B6D85F33039}" type="datetimeFigureOut">
               <a:rPr lang="en-US" smtClean="0"/>
-              <a:t>3/23/2022</a:t>
+              <a:t>3/28/2022</a:t>
             </a:fld>
             <a:endParaRPr lang="en-US"/>
           </a:p>
@@ -3671,7 +3679,7 @@
           <a:p>
             <a:fld id="{903304DD-1A9B-465F-A981-8B6D85F33039}" type="datetimeFigureOut">
               <a:rPr lang="en-US" smtClean="0"/>
-              <a:t>3/23/2022</a:t>
+              <a:t>3/28/2022</a:t>
             </a:fld>
             <a:endParaRPr lang="en-US"/>
           </a:p>
@@ -3851,7 +3859,7 @@
           <a:p>
             <a:fld id="{903304DD-1A9B-465F-A981-8B6D85F33039}" type="datetimeFigureOut">
               <a:rPr lang="en-US" smtClean="0"/>
-              <a:t>3/23/2022</a:t>
+              <a:t>3/28/2022</a:t>
             </a:fld>
             <a:endParaRPr lang="en-US"/>
           </a:p>
@@ -4085,7 +4093,7 @@
           <a:p>
             <a:fld id="{903304DD-1A9B-465F-A981-8B6D85F33039}" type="datetimeFigureOut">
               <a:rPr lang="en-US" smtClean="0"/>
-              <a:t>3/23/2022</a:t>
+              <a:t>3/28/2022</a:t>
             </a:fld>
             <a:endParaRPr lang="en-US"/>
           </a:p>
@@ -4283,7 +4291,7 @@
           <a:p>
             <a:fld id="{903304DD-1A9B-465F-A981-8B6D85F33039}" type="datetimeFigureOut">
               <a:rPr lang="en-US" smtClean="0"/>
-              <a:t>3/23/2022</a:t>
+              <a:t>3/28/2022</a:t>
             </a:fld>
             <a:endParaRPr lang="en-US"/>
           </a:p>
@@ -4529,7 +4537,7 @@
           <a:p>
             <a:fld id="{903304DD-1A9B-465F-A981-8B6D85F33039}" type="datetimeFigureOut">
               <a:rPr lang="en-US" smtClean="0"/>
-              <a:t>3/23/2022</a:t>
+              <a:t>3/28/2022</a:t>
             </a:fld>
             <a:endParaRPr lang="en-US"/>
           </a:p>
@@ -4761,7 +4769,7 @@
           <a:p>
             <a:fld id="{903304DD-1A9B-465F-A981-8B6D85F33039}" type="datetimeFigureOut">
               <a:rPr lang="en-US" smtClean="0"/>
-              <a:t>3/23/2022</a:t>
+              <a:t>3/28/2022</a:t>
             </a:fld>
             <a:endParaRPr lang="en-US"/>
           </a:p>
@@ -5128,7 +5136,7 @@
           <a:p>
             <a:fld id="{903304DD-1A9B-465F-A981-8B6D85F33039}" type="datetimeFigureOut">
               <a:rPr lang="en-US" smtClean="0"/>
-              <a:t>3/23/2022</a:t>
+              <a:t>3/28/2022</a:t>
             </a:fld>
             <a:endParaRPr lang="en-US"/>
           </a:p>
@@ -5246,7 +5254,7 @@
           <a:p>
             <a:fld id="{903304DD-1A9B-465F-A981-8B6D85F33039}" type="datetimeFigureOut">
               <a:rPr lang="en-US" smtClean="0"/>
-              <a:t>3/23/2022</a:t>
+              <a:t>3/28/2022</a:t>
             </a:fld>
             <a:endParaRPr lang="en-US"/>
           </a:p>
@@ -5341,7 +5349,7 @@
           <a:p>
             <a:fld id="{903304DD-1A9B-465F-A981-8B6D85F33039}" type="datetimeFigureOut">
               <a:rPr lang="en-US" smtClean="0"/>
-              <a:t>3/23/2022</a:t>
+              <a:t>3/28/2022</a:t>
             </a:fld>
             <a:endParaRPr lang="en-US"/>
           </a:p>
@@ -5618,7 +5626,7 @@
           <a:p>
             <a:fld id="{903304DD-1A9B-465F-A981-8B6D85F33039}" type="datetimeFigureOut">
               <a:rPr lang="en-US" smtClean="0"/>
-              <a:t>3/23/2022</a:t>
+              <a:t>3/28/2022</a:t>
             </a:fld>
             <a:endParaRPr lang="en-US"/>
           </a:p>
@@ -5831,7 +5839,7 @@
           <a:p>
             <a:fld id="{903304DD-1A9B-465F-A981-8B6D85F33039}" type="datetimeFigureOut">
               <a:rPr lang="en-US" smtClean="0"/>
-              <a:t>3/23/2022</a:t>
+              <a:t>3/28/2022</a:t>
             </a:fld>
             <a:endParaRPr lang="en-US"/>
           </a:p>
@@ -14764,49 +14772,32 @@
       </p:sp>
       <p:pic>
         <p:nvPicPr>
-          <p:cNvPr id="4098" name="Picture 2">
+          <p:cNvPr id="3" name="Imagen 2">
             <a:extLst>
               <a:ext uri="{FF2B5EF4-FFF2-40B4-BE49-F238E27FC236}">
-                <a16:creationId xmlns:a16="http://schemas.microsoft.com/office/drawing/2014/main" id="{3D438C24-0831-4AAA-A805-48155403694C}"/>
+                <a16:creationId xmlns:a16="http://schemas.microsoft.com/office/drawing/2014/main" id="{E95FEA8B-9A97-46E6-9152-35A337DEAF37}"/>
               </a:ext>
             </a:extLst>
           </p:cNvPr>
           <p:cNvPicPr>
-            <a:picLocks noChangeAspect="1" noChangeArrowheads="1"/>
+            <a:picLocks noChangeAspect="1"/>
           </p:cNvPicPr>
           <p:nvPr/>
         </p:nvPicPr>
         <p:blipFill>
-          <a:blip r:embed="rId2">
-            <a:extLst>
-              <a:ext uri="{28A0092B-C50C-407E-A947-70E740481C1C}">
-                <a14:useLocalDpi xmlns:a14="http://schemas.microsoft.com/office/drawing/2010/main" val="0"/>
-              </a:ext>
-            </a:extLst>
-          </a:blip>
-          <a:srcRect/>
+          <a:blip r:embed="rId2"/>
           <a:stretch>
             <a:fillRect/>
           </a:stretch>
         </p:blipFill>
-        <p:spPr bwMode="auto">
+        <p:spPr>
           <a:xfrm>
-            <a:off x="1002484" y="1468571"/>
-            <a:ext cx="10421923" cy="4410319"/>
+            <a:off x="648860" y="1393506"/>
+            <a:ext cx="11043771" cy="4783326"/>
           </a:xfrm>
           <a:prstGeom prst="rect">
             <a:avLst/>
           </a:prstGeom>
-          <a:noFill/>
-          <a:extLst>
-            <a:ext uri="{909E8E84-426E-40DD-AFC4-6F175D3DCCD1}">
-              <a14:hiddenFill xmlns:a14="http://schemas.microsoft.com/office/drawing/2010/main">
-                <a:solidFill>
-                  <a:srgbClr val="FFFFFF"/>
-                </a:solidFill>
-              </a14:hiddenFill>
-            </a:ext>
-          </a:extLst>
         </p:spPr>
       </p:pic>
     </p:spTree>

--- a/BancoNacion/documentos/Reclamos.pptx
+++ b/BancoNacion/documentos/Reclamos.pptx
@@ -5,7 +5,7 @@
     <p:sldMasterId id="2147483660" r:id="rId1"/>
   </p:sldMasterIdLst>
   <p:notesMasterIdLst>
-    <p:notesMasterId r:id="rId20"/>
+    <p:notesMasterId r:id="rId21"/>
   </p:notesMasterIdLst>
   <p:sldIdLst>
     <p:sldId id="371" r:id="rId2"/>
@@ -23,9 +23,10 @@
     <p:sldId id="390" r:id="rId14"/>
     <p:sldId id="393" r:id="rId15"/>
     <p:sldId id="394" r:id="rId16"/>
-    <p:sldId id="384" r:id="rId17"/>
-    <p:sldId id="377" r:id="rId18"/>
-    <p:sldId id="381" r:id="rId19"/>
+    <p:sldId id="395" r:id="rId17"/>
+    <p:sldId id="384" r:id="rId18"/>
+    <p:sldId id="377" r:id="rId19"/>
+    <p:sldId id="381" r:id="rId20"/>
   </p:sldIdLst>
   <p:sldSz cx="12192000" cy="6858000"/>
   <p:notesSz cx="6858000" cy="9144000"/>
@@ -132,2544 +133,6 @@
 </p:presentation>
 </file>
 
-<file path=ppt/changesInfos/changesInfo1.xml><?xml version="1.0" encoding="utf-8"?>
-<pc:chgInfo xmlns:a="http://schemas.openxmlformats.org/drawingml/2006/main" xmlns:r="http://schemas.openxmlformats.org/officeDocument/2006/relationships" xmlns:ac="http://schemas.microsoft.com/office/drawing/2013/main/command" xmlns:pc="http://schemas.microsoft.com/office/powerpoint/2013/main/command">
-  <pc:docChgLst>
-    <pc:chgData name="John K. Barrera" userId="ff20ac3aac775278" providerId="LiveId" clId="{D2B16D9E-8DC3-4D4C-927D-0F5AA29F5383}"/>
-    <pc:docChg chg="undo redo custSel addSld delSld modSld sldOrd">
-      <pc:chgData name="John K. Barrera" userId="ff20ac3aac775278" providerId="LiveId" clId="{D2B16D9E-8DC3-4D4C-927D-0F5AA29F5383}" dt="2022-03-28T14:26:59.637" v="13035" actId="1038"/>
-      <pc:docMkLst>
-        <pc:docMk/>
-      </pc:docMkLst>
-      <pc:sldChg chg="delSp del mod">
-        <pc:chgData name="John K. Barrera" userId="ff20ac3aac775278" providerId="LiveId" clId="{D2B16D9E-8DC3-4D4C-927D-0F5AA29F5383}" dt="2022-02-16T01:35:42.024" v="1264" actId="47"/>
-        <pc:sldMkLst>
-          <pc:docMk/>
-          <pc:sldMk cId="2813441316" sldId="372"/>
-        </pc:sldMkLst>
-        <pc:spChg chg="del">
-          <ac:chgData name="John K. Barrera" userId="ff20ac3aac775278" providerId="LiveId" clId="{D2B16D9E-8DC3-4D4C-927D-0F5AA29F5383}" dt="2022-02-16T01:35:39.878" v="1263" actId="478"/>
-          <ac:spMkLst>
-            <pc:docMk/>
-            <pc:sldMk cId="2813441316" sldId="372"/>
-            <ac:spMk id="14" creationId="{333371B3-3946-4765-A40E-B7B7F15F4762}"/>
-          </ac:spMkLst>
-        </pc:spChg>
-      </pc:sldChg>
-      <pc:sldChg chg="addSp delSp modSp add del mod">
-        <pc:chgData name="John K. Barrera" userId="ff20ac3aac775278" providerId="LiveId" clId="{D2B16D9E-8DC3-4D4C-927D-0F5AA29F5383}" dt="2022-03-28T14:26:59.637" v="13035" actId="1038"/>
-        <pc:sldMkLst>
-          <pc:docMk/>
-          <pc:sldMk cId="727295871" sldId="373"/>
-        </pc:sldMkLst>
-        <pc:spChg chg="del">
-          <ac:chgData name="John K. Barrera" userId="ff20ac3aac775278" providerId="LiveId" clId="{D2B16D9E-8DC3-4D4C-927D-0F5AA29F5383}" dt="2022-02-16T01:07:35.866" v="4" actId="478"/>
-          <ac:spMkLst>
-            <pc:docMk/>
-            <pc:sldMk cId="727295871" sldId="373"/>
-            <ac:spMk id="2" creationId="{D9814964-1974-4D18-A8A4-11A7089419D5}"/>
-          </ac:spMkLst>
-        </pc:spChg>
-        <pc:spChg chg="add del mod">
-          <ac:chgData name="John K. Barrera" userId="ff20ac3aac775278" providerId="LiveId" clId="{D2B16D9E-8DC3-4D4C-927D-0F5AA29F5383}" dt="2022-02-16T01:08:45.581" v="20" actId="478"/>
-          <ac:spMkLst>
-            <pc:docMk/>
-            <pc:sldMk cId="727295871" sldId="373"/>
-            <ac:spMk id="3" creationId="{B7B6926D-1285-4FB8-81D4-36B4AE105969}"/>
-          </ac:spMkLst>
-        </pc:spChg>
-        <pc:spChg chg="mod">
-          <ac:chgData name="John K. Barrera" userId="ff20ac3aac775278" providerId="LiveId" clId="{D2B16D9E-8DC3-4D4C-927D-0F5AA29F5383}" dt="2022-02-16T01:23:54.545" v="534" actId="20577"/>
-          <ac:spMkLst>
-            <pc:docMk/>
-            <pc:sldMk cId="727295871" sldId="373"/>
-            <ac:spMk id="5" creationId="{48D2A9BD-EBF3-4CF7-A61E-49631D4D1DBB}"/>
-          </ac:spMkLst>
-        </pc:spChg>
-        <pc:spChg chg="mod">
-          <ac:chgData name="John K. Barrera" userId="ff20ac3aac775278" providerId="LiveId" clId="{D2B16D9E-8DC3-4D4C-927D-0F5AA29F5383}" dt="2022-02-16T01:26:20.937" v="723" actId="6549"/>
-          <ac:spMkLst>
-            <pc:docMk/>
-            <pc:sldMk cId="727295871" sldId="373"/>
-            <ac:spMk id="12" creationId="{002F249E-01CD-4A15-802F-2FC4DE855BEF}"/>
-          </ac:spMkLst>
-        </pc:spChg>
-        <pc:spChg chg="mod">
-          <ac:chgData name="John K. Barrera" userId="ff20ac3aac775278" providerId="LiveId" clId="{D2B16D9E-8DC3-4D4C-927D-0F5AA29F5383}" dt="2022-02-16T01:34:02.064" v="1103" actId="14100"/>
-          <ac:spMkLst>
-            <pc:docMk/>
-            <pc:sldMk cId="727295871" sldId="373"/>
-            <ac:spMk id="15" creationId="{DA903829-C857-466F-8663-51CF8927D68D}"/>
-          </ac:spMkLst>
-        </pc:spChg>
-        <pc:spChg chg="del mod">
-          <ac:chgData name="John K. Barrera" userId="ff20ac3aac775278" providerId="LiveId" clId="{D2B16D9E-8DC3-4D4C-927D-0F5AA29F5383}" dt="2022-02-16T01:10:40.508" v="44" actId="478"/>
-          <ac:spMkLst>
-            <pc:docMk/>
-            <pc:sldMk cId="727295871" sldId="373"/>
-            <ac:spMk id="16" creationId="{F88ECDDE-F066-45DC-AF1D-FDB658B6496D}"/>
-          </ac:spMkLst>
-        </pc:spChg>
-        <pc:spChg chg="del mod ord">
-          <ac:chgData name="John K. Barrera" userId="ff20ac3aac775278" providerId="LiveId" clId="{D2B16D9E-8DC3-4D4C-927D-0F5AA29F5383}" dt="2022-02-16T01:23:23.674" v="486" actId="478"/>
-          <ac:spMkLst>
-            <pc:docMk/>
-            <pc:sldMk cId="727295871" sldId="373"/>
-            <ac:spMk id="17" creationId="{D09F57A8-1B92-4628-AEB7-5CB072C0CCC0}"/>
-          </ac:spMkLst>
-        </pc:spChg>
-        <pc:spChg chg="del mod">
-          <ac:chgData name="John K. Barrera" userId="ff20ac3aac775278" providerId="LiveId" clId="{D2B16D9E-8DC3-4D4C-927D-0F5AA29F5383}" dt="2022-02-16T01:23:23.674" v="486" actId="478"/>
-          <ac:spMkLst>
-            <pc:docMk/>
-            <pc:sldMk cId="727295871" sldId="373"/>
-            <ac:spMk id="18" creationId="{7BA70B3A-D28F-4568-B21F-EDEC67C3A51A}"/>
-          </ac:spMkLst>
-        </pc:spChg>
-        <pc:spChg chg="del mod">
-          <ac:chgData name="John K. Barrera" userId="ff20ac3aac775278" providerId="LiveId" clId="{D2B16D9E-8DC3-4D4C-927D-0F5AA29F5383}" dt="2022-02-16T01:23:23.674" v="486" actId="478"/>
-          <ac:spMkLst>
-            <pc:docMk/>
-            <pc:sldMk cId="727295871" sldId="373"/>
-            <ac:spMk id="19" creationId="{98F8ED88-04ED-4DB1-9638-E322BC8F1173}"/>
-          </ac:spMkLst>
-        </pc:spChg>
-        <pc:spChg chg="del mod">
-          <ac:chgData name="John K. Barrera" userId="ff20ac3aac775278" providerId="LiveId" clId="{D2B16D9E-8DC3-4D4C-927D-0F5AA29F5383}" dt="2022-02-16T01:23:23.674" v="486" actId="478"/>
-          <ac:spMkLst>
-            <pc:docMk/>
-            <pc:sldMk cId="727295871" sldId="373"/>
-            <ac:spMk id="20" creationId="{A3A9181E-C296-4283-97D7-B6F12491FAE6}"/>
-          </ac:spMkLst>
-        </pc:spChg>
-        <pc:spChg chg="add del mod">
-          <ac:chgData name="John K. Barrera" userId="ff20ac3aac775278" providerId="LiveId" clId="{D2B16D9E-8DC3-4D4C-927D-0F5AA29F5383}" dt="2022-02-16T01:16:31.672" v="177" actId="478"/>
-          <ac:spMkLst>
-            <pc:docMk/>
-            <pc:sldMk cId="727295871" sldId="373"/>
-            <ac:spMk id="23" creationId="{DE37CD39-4EB0-47F1-A018-B2384E2DBF2B}"/>
-          </ac:spMkLst>
-        </pc:spChg>
-        <pc:spChg chg="add del mod">
-          <ac:chgData name="John K. Barrera" userId="ff20ac3aac775278" providerId="LiveId" clId="{D2B16D9E-8DC3-4D4C-927D-0F5AA29F5383}" dt="2022-02-16T01:23:23.674" v="486" actId="478"/>
-          <ac:spMkLst>
-            <pc:docMk/>
-            <pc:sldMk cId="727295871" sldId="373"/>
-            <ac:spMk id="24" creationId="{C0A27345-298D-4971-8ADA-DAD2DFA91B63}"/>
-          </ac:spMkLst>
-        </pc:spChg>
-        <pc:spChg chg="add del mod">
-          <ac:chgData name="John K. Barrera" userId="ff20ac3aac775278" providerId="LiveId" clId="{D2B16D9E-8DC3-4D4C-927D-0F5AA29F5383}" dt="2022-02-16T01:23:23.674" v="486" actId="478"/>
-          <ac:spMkLst>
-            <pc:docMk/>
-            <pc:sldMk cId="727295871" sldId="373"/>
-            <ac:spMk id="25" creationId="{7DC511A2-8C5B-41E3-96F3-3FFEDB1E688A}"/>
-          </ac:spMkLst>
-        </pc:spChg>
-        <pc:spChg chg="add del mod">
-          <ac:chgData name="John K. Barrera" userId="ff20ac3aac775278" providerId="LiveId" clId="{D2B16D9E-8DC3-4D4C-927D-0F5AA29F5383}" dt="2022-02-16T01:23:23.674" v="486" actId="478"/>
-          <ac:spMkLst>
-            <pc:docMk/>
-            <pc:sldMk cId="727295871" sldId="373"/>
-            <ac:spMk id="32" creationId="{5990BE50-D7B2-47ED-8046-9277499D707B}"/>
-          </ac:spMkLst>
-        </pc:spChg>
-        <pc:spChg chg="add del">
-          <ac:chgData name="John K. Barrera" userId="ff20ac3aac775278" providerId="LiveId" clId="{D2B16D9E-8DC3-4D4C-927D-0F5AA29F5383}" dt="2022-02-16T01:18:52.533" v="281" actId="22"/>
-          <ac:spMkLst>
-            <pc:docMk/>
-            <pc:sldMk cId="727295871" sldId="373"/>
-            <ac:spMk id="35" creationId="{52779F67-24CE-4999-9DBA-B000983D5EFF}"/>
-          </ac:spMkLst>
-        </pc:spChg>
-        <pc:graphicFrameChg chg="add del mod">
-          <ac:chgData name="John K. Barrera" userId="ff20ac3aac775278" providerId="LiveId" clId="{D2B16D9E-8DC3-4D4C-927D-0F5AA29F5383}" dt="2022-02-16T01:08:59.127" v="22" actId="478"/>
-          <ac:graphicFrameMkLst>
-            <pc:docMk/>
-            <pc:sldMk cId="727295871" sldId="373"/>
-            <ac:graphicFrameMk id="6" creationId="{44E5ED59-D040-4365-B12A-308ECF964A81}"/>
-          </ac:graphicFrameMkLst>
-        </pc:graphicFrameChg>
-        <pc:graphicFrameChg chg="add del mod modGraphic">
-          <ac:chgData name="John K. Barrera" userId="ff20ac3aac775278" providerId="LiveId" clId="{D2B16D9E-8DC3-4D4C-927D-0F5AA29F5383}" dt="2022-02-16T01:23:23.674" v="486" actId="478"/>
-          <ac:graphicFrameMkLst>
-            <pc:docMk/>
-            <pc:sldMk cId="727295871" sldId="373"/>
-            <ac:graphicFrameMk id="7" creationId="{7E353892-CDD1-4C23-A4C7-EBB2BF4BAFB3}"/>
-          </ac:graphicFrameMkLst>
-        </pc:graphicFrameChg>
-        <pc:graphicFrameChg chg="add del mod modGraphic">
-          <ac:chgData name="John K. Barrera" userId="ff20ac3aac775278" providerId="LiveId" clId="{D2B16D9E-8DC3-4D4C-927D-0F5AA29F5383}" dt="2022-02-16T01:23:23.674" v="486" actId="478"/>
-          <ac:graphicFrameMkLst>
-            <pc:docMk/>
-            <pc:sldMk cId="727295871" sldId="373"/>
-            <ac:graphicFrameMk id="8" creationId="{0D0C1DFF-4BF8-4EDA-ABC6-89ADBC095558}"/>
-          </ac:graphicFrameMkLst>
-        </pc:graphicFrameChg>
-        <pc:graphicFrameChg chg="add del mod modGraphic">
-          <ac:chgData name="John K. Barrera" userId="ff20ac3aac775278" providerId="LiveId" clId="{D2B16D9E-8DC3-4D4C-927D-0F5AA29F5383}" dt="2022-02-16T01:12:32.410" v="54"/>
-          <ac:graphicFrameMkLst>
-            <pc:docMk/>
-            <pc:sldMk cId="727295871" sldId="373"/>
-            <ac:graphicFrameMk id="11" creationId="{2FD24C9C-9C86-4CC8-8A4D-39459ADBA251}"/>
-          </ac:graphicFrameMkLst>
-        </pc:graphicFrameChg>
-        <pc:graphicFrameChg chg="add del mod modGraphic">
-          <ac:chgData name="John K. Barrera" userId="ff20ac3aac775278" providerId="LiveId" clId="{D2B16D9E-8DC3-4D4C-927D-0F5AA29F5383}" dt="2022-02-16T01:23:23.674" v="486" actId="478"/>
-          <ac:graphicFrameMkLst>
-            <pc:docMk/>
-            <pc:sldMk cId="727295871" sldId="373"/>
-            <ac:graphicFrameMk id="13" creationId="{424EBEB8-B9D1-472E-97CD-81E30D5C965E}"/>
-          </ac:graphicFrameMkLst>
-        </pc:graphicFrameChg>
-        <pc:picChg chg="add mod">
-          <ac:chgData name="John K. Barrera" userId="ff20ac3aac775278" providerId="LiveId" clId="{D2B16D9E-8DC3-4D4C-927D-0F5AA29F5383}" dt="2022-03-28T14:26:59.637" v="13035" actId="1038"/>
-          <ac:picMkLst>
-            <pc:docMk/>
-            <pc:sldMk cId="727295871" sldId="373"/>
-            <ac:picMk id="3" creationId="{E95FEA8B-9A97-46E6-9152-35A337DEAF37}"/>
-          </ac:picMkLst>
-        </pc:picChg>
-        <pc:picChg chg="del mod">
-          <ac:chgData name="John K. Barrera" userId="ff20ac3aac775278" providerId="LiveId" clId="{D2B16D9E-8DC3-4D4C-927D-0F5AA29F5383}" dt="2022-02-16T01:10:28.460" v="41" actId="478"/>
-          <ac:picMkLst>
-            <pc:docMk/>
-            <pc:sldMk cId="727295871" sldId="373"/>
-            <ac:picMk id="1026" creationId="{DE41D511-8C74-4397-9851-0EB46E49B507}"/>
-          </ac:picMkLst>
-        </pc:picChg>
-        <pc:picChg chg="del">
-          <ac:chgData name="John K. Barrera" userId="ff20ac3aac775278" providerId="LiveId" clId="{D2B16D9E-8DC3-4D4C-927D-0F5AA29F5383}" dt="2022-02-16T01:07:34.389" v="3" actId="478"/>
-          <ac:picMkLst>
-            <pc:docMk/>
-            <pc:sldMk cId="727295871" sldId="373"/>
-            <ac:picMk id="1027" creationId="{8561AEC2-ACA8-4BA1-88C0-ED5A59FBF34A}"/>
-          </ac:picMkLst>
-        </pc:picChg>
-        <pc:picChg chg="del">
-          <ac:chgData name="John K. Barrera" userId="ff20ac3aac775278" providerId="LiveId" clId="{D2B16D9E-8DC3-4D4C-927D-0F5AA29F5383}" dt="2022-02-16T01:10:27.556" v="40" actId="478"/>
-          <ac:picMkLst>
-            <pc:docMk/>
-            <pc:sldMk cId="727295871" sldId="373"/>
-            <ac:picMk id="1028" creationId="{9824C18A-FCD1-4F37-A62E-21CC6A5C55C7}"/>
-          </ac:picMkLst>
-        </pc:picChg>
-        <pc:picChg chg="add del mod">
-          <ac:chgData name="John K. Barrera" userId="ff20ac3aac775278" providerId="LiveId" clId="{D2B16D9E-8DC3-4D4C-927D-0F5AA29F5383}" dt="2022-03-28T14:26:49.240" v="13028" actId="478"/>
-          <ac:picMkLst>
-            <pc:docMk/>
-            <pc:sldMk cId="727295871" sldId="373"/>
-            <ac:picMk id="4098" creationId="{3D438C24-0831-4AAA-A805-48155403694C}"/>
-          </ac:picMkLst>
-        </pc:picChg>
-        <pc:cxnChg chg="add del mod">
-          <ac:chgData name="John K. Barrera" userId="ff20ac3aac775278" providerId="LiveId" clId="{D2B16D9E-8DC3-4D4C-927D-0F5AA29F5383}" dt="2022-02-16T01:23:23.674" v="486" actId="478"/>
-          <ac:cxnSpMkLst>
-            <pc:docMk/>
-            <pc:sldMk cId="727295871" sldId="373"/>
-            <ac:cxnSpMk id="21" creationId="{0B26FA66-F660-43C9-8F8A-A9061CAE126F}"/>
-          </ac:cxnSpMkLst>
-        </pc:cxnChg>
-        <pc:cxnChg chg="add del mod">
-          <ac:chgData name="John K. Barrera" userId="ff20ac3aac775278" providerId="LiveId" clId="{D2B16D9E-8DC3-4D4C-927D-0F5AA29F5383}" dt="2022-02-16T01:23:23.674" v="486" actId="478"/>
-          <ac:cxnSpMkLst>
-            <pc:docMk/>
-            <pc:sldMk cId="727295871" sldId="373"/>
-            <ac:cxnSpMk id="29" creationId="{84CE7B66-FC11-4341-949E-E86A14BB2E1C}"/>
-          </ac:cxnSpMkLst>
-        </pc:cxnChg>
-      </pc:sldChg>
-      <pc:sldChg chg="modSp add del mod">
-        <pc:chgData name="John K. Barrera" userId="ff20ac3aac775278" providerId="LiveId" clId="{D2B16D9E-8DC3-4D4C-927D-0F5AA29F5383}" dt="2022-03-02T03:07:26.043" v="5008" actId="47"/>
-        <pc:sldMkLst>
-          <pc:docMk/>
-          <pc:sldMk cId="1743830554" sldId="374"/>
-        </pc:sldMkLst>
-        <pc:spChg chg="mod">
-          <ac:chgData name="John K. Barrera" userId="ff20ac3aac775278" providerId="LiveId" clId="{D2B16D9E-8DC3-4D4C-927D-0F5AA29F5383}" dt="2022-02-16T01:35:18.358" v="1262" actId="20577"/>
-          <ac:spMkLst>
-            <pc:docMk/>
-            <pc:sldMk cId="1743830554" sldId="374"/>
-            <ac:spMk id="15" creationId="{DA903829-C857-466F-8663-51CF8927D68D}"/>
-          </ac:spMkLst>
-        </pc:spChg>
-      </pc:sldChg>
-      <pc:sldChg chg="addSp delSp modSp add del mod">
-        <pc:chgData name="John K. Barrera" userId="ff20ac3aac775278" providerId="LiveId" clId="{D2B16D9E-8DC3-4D4C-927D-0F5AA29F5383}" dt="2022-03-02T03:07:26.006" v="5007" actId="47"/>
-        <pc:sldMkLst>
-          <pc:docMk/>
-          <pc:sldMk cId="3203440581" sldId="375"/>
-        </pc:sldMkLst>
-        <pc:spChg chg="mod">
-          <ac:chgData name="John K. Barrera" userId="ff20ac3aac775278" providerId="LiveId" clId="{D2B16D9E-8DC3-4D4C-927D-0F5AA29F5383}" dt="2022-02-22T18:05:20.915" v="3351" actId="14100"/>
-          <ac:spMkLst>
-            <pc:docMk/>
-            <pc:sldMk cId="3203440581" sldId="375"/>
-            <ac:spMk id="5" creationId="{48D2A9BD-EBF3-4CF7-A61E-49631D4D1DBB}"/>
-          </ac:spMkLst>
-        </pc:spChg>
-        <pc:spChg chg="mod">
-          <ac:chgData name="John K. Barrera" userId="ff20ac3aac775278" providerId="LiveId" clId="{D2B16D9E-8DC3-4D4C-927D-0F5AA29F5383}" dt="2022-02-22T18:06:12.661" v="3370" actId="113"/>
-          <ac:spMkLst>
-            <pc:docMk/>
-            <pc:sldMk cId="3203440581" sldId="375"/>
-            <ac:spMk id="12" creationId="{002F249E-01CD-4A15-802F-2FC4DE855BEF}"/>
-          </ac:spMkLst>
-        </pc:spChg>
-        <pc:spChg chg="mod">
-          <ac:chgData name="John K. Barrera" userId="ff20ac3aac775278" providerId="LiveId" clId="{D2B16D9E-8DC3-4D4C-927D-0F5AA29F5383}" dt="2022-02-22T18:04:26.332" v="3343" actId="1076"/>
-          <ac:spMkLst>
-            <pc:docMk/>
-            <pc:sldMk cId="3203440581" sldId="375"/>
-            <ac:spMk id="15" creationId="{DA903829-C857-466F-8663-51CF8927D68D}"/>
-          </ac:spMkLst>
-        </pc:spChg>
-        <pc:spChg chg="del">
-          <ac:chgData name="John K. Barrera" userId="ff20ac3aac775278" providerId="LiveId" clId="{D2B16D9E-8DC3-4D4C-927D-0F5AA29F5383}" dt="2022-02-22T15:08:03.368" v="1512" actId="478"/>
-          <ac:spMkLst>
-            <pc:docMk/>
-            <pc:sldMk cId="3203440581" sldId="375"/>
-            <ac:spMk id="17" creationId="{D09F57A8-1B92-4628-AEB7-5CB072C0CCC0}"/>
-          </ac:spMkLst>
-        </pc:spChg>
-        <pc:spChg chg="del">
-          <ac:chgData name="John K. Barrera" userId="ff20ac3aac775278" providerId="LiveId" clId="{D2B16D9E-8DC3-4D4C-927D-0F5AA29F5383}" dt="2022-02-22T15:07:58.471" v="1511" actId="478"/>
-          <ac:spMkLst>
-            <pc:docMk/>
-            <pc:sldMk cId="3203440581" sldId="375"/>
-            <ac:spMk id="18" creationId="{7BA70B3A-D28F-4568-B21F-EDEC67C3A51A}"/>
-          </ac:spMkLst>
-        </pc:spChg>
-        <pc:spChg chg="del">
-          <ac:chgData name="John K. Barrera" userId="ff20ac3aac775278" providerId="LiveId" clId="{D2B16D9E-8DC3-4D4C-927D-0F5AA29F5383}" dt="2022-02-22T15:08:06.516" v="1513" actId="478"/>
-          <ac:spMkLst>
-            <pc:docMk/>
-            <pc:sldMk cId="3203440581" sldId="375"/>
-            <ac:spMk id="19" creationId="{98F8ED88-04ED-4DB1-9638-E322BC8F1173}"/>
-          </ac:spMkLst>
-        </pc:spChg>
-        <pc:spChg chg="del">
-          <ac:chgData name="John K. Barrera" userId="ff20ac3aac775278" providerId="LiveId" clId="{D2B16D9E-8DC3-4D4C-927D-0F5AA29F5383}" dt="2022-02-22T15:08:03.368" v="1512" actId="478"/>
-          <ac:spMkLst>
-            <pc:docMk/>
-            <pc:sldMk cId="3203440581" sldId="375"/>
-            <ac:spMk id="20" creationId="{A3A9181E-C296-4283-97D7-B6F12491FAE6}"/>
-          </ac:spMkLst>
-        </pc:spChg>
-        <pc:spChg chg="add mod">
-          <ac:chgData name="John K. Barrera" userId="ff20ac3aac775278" providerId="LiveId" clId="{D2B16D9E-8DC3-4D4C-927D-0F5AA29F5383}" dt="2022-02-22T18:06:22.035" v="3375" actId="1036"/>
-          <ac:spMkLst>
-            <pc:docMk/>
-            <pc:sldMk cId="3203440581" sldId="375"/>
-            <ac:spMk id="22" creationId="{C89DB2A0-1EF6-4E1F-8C52-F1B20078FA77}"/>
-          </ac:spMkLst>
-        </pc:spChg>
-        <pc:spChg chg="del">
-          <ac:chgData name="John K. Barrera" userId="ff20ac3aac775278" providerId="LiveId" clId="{D2B16D9E-8DC3-4D4C-927D-0F5AA29F5383}" dt="2022-02-22T15:08:03.368" v="1512" actId="478"/>
-          <ac:spMkLst>
-            <pc:docMk/>
-            <pc:sldMk cId="3203440581" sldId="375"/>
-            <ac:spMk id="24" creationId="{C0A27345-298D-4971-8ADA-DAD2DFA91B63}"/>
-          </ac:spMkLst>
-        </pc:spChg>
-        <pc:spChg chg="del">
-          <ac:chgData name="John K. Barrera" userId="ff20ac3aac775278" providerId="LiveId" clId="{D2B16D9E-8DC3-4D4C-927D-0F5AA29F5383}" dt="2022-02-22T15:08:03.368" v="1512" actId="478"/>
-          <ac:spMkLst>
-            <pc:docMk/>
-            <pc:sldMk cId="3203440581" sldId="375"/>
-            <ac:spMk id="25" creationId="{7DC511A2-8C5B-41E3-96F3-3FFEDB1E688A}"/>
-          </ac:spMkLst>
-        </pc:spChg>
-        <pc:spChg chg="add mod">
-          <ac:chgData name="John K. Barrera" userId="ff20ac3aac775278" providerId="LiveId" clId="{D2B16D9E-8DC3-4D4C-927D-0F5AA29F5383}" dt="2022-02-22T17:53:56.348" v="2881" actId="1035"/>
-          <ac:spMkLst>
-            <pc:docMk/>
-            <pc:sldMk cId="3203440581" sldId="375"/>
-            <ac:spMk id="26" creationId="{6DD68FDC-BF7A-4FC2-BD9C-CB3E6A95347D}"/>
-          </ac:spMkLst>
-        </pc:spChg>
-        <pc:spChg chg="add mod">
-          <ac:chgData name="John K. Barrera" userId="ff20ac3aac775278" providerId="LiveId" clId="{D2B16D9E-8DC3-4D4C-927D-0F5AA29F5383}" dt="2022-02-22T18:00:40.797" v="3155" actId="20577"/>
-          <ac:spMkLst>
-            <pc:docMk/>
-            <pc:sldMk cId="3203440581" sldId="375"/>
-            <ac:spMk id="28" creationId="{8D66AAF9-8D22-4DDA-A2A4-5A100794DEE7}"/>
-          </ac:spMkLst>
-        </pc:spChg>
-        <pc:spChg chg="mod">
-          <ac:chgData name="John K. Barrera" userId="ff20ac3aac775278" providerId="LiveId" clId="{D2B16D9E-8DC3-4D4C-927D-0F5AA29F5383}" dt="2022-02-22T18:04:00.841" v="3341" actId="20577"/>
-          <ac:spMkLst>
-            <pc:docMk/>
-            <pc:sldMk cId="3203440581" sldId="375"/>
-            <ac:spMk id="32" creationId="{5990BE50-D7B2-47ED-8046-9277499D707B}"/>
-          </ac:spMkLst>
-        </pc:spChg>
-        <pc:graphicFrameChg chg="del">
-          <ac:chgData name="John K. Barrera" userId="ff20ac3aac775278" providerId="LiveId" clId="{D2B16D9E-8DC3-4D4C-927D-0F5AA29F5383}" dt="2022-02-22T15:07:58.471" v="1511" actId="478"/>
-          <ac:graphicFrameMkLst>
-            <pc:docMk/>
-            <pc:sldMk cId="3203440581" sldId="375"/>
-            <ac:graphicFrameMk id="7" creationId="{7E353892-CDD1-4C23-A4C7-EBB2BF4BAFB3}"/>
-          </ac:graphicFrameMkLst>
-        </pc:graphicFrameChg>
-        <pc:graphicFrameChg chg="del">
-          <ac:chgData name="John K. Barrera" userId="ff20ac3aac775278" providerId="LiveId" clId="{D2B16D9E-8DC3-4D4C-927D-0F5AA29F5383}" dt="2022-02-22T15:08:03.368" v="1512" actId="478"/>
-          <ac:graphicFrameMkLst>
-            <pc:docMk/>
-            <pc:sldMk cId="3203440581" sldId="375"/>
-            <ac:graphicFrameMk id="8" creationId="{0D0C1DFF-4BF8-4EDA-ABC6-89ADBC095558}"/>
-          </ac:graphicFrameMkLst>
-        </pc:graphicFrameChg>
-        <pc:graphicFrameChg chg="del">
-          <ac:chgData name="John K. Barrera" userId="ff20ac3aac775278" providerId="LiveId" clId="{D2B16D9E-8DC3-4D4C-927D-0F5AA29F5383}" dt="2022-02-22T15:08:03.368" v="1512" actId="478"/>
-          <ac:graphicFrameMkLst>
-            <pc:docMk/>
-            <pc:sldMk cId="3203440581" sldId="375"/>
-            <ac:graphicFrameMk id="13" creationId="{424EBEB8-B9D1-472E-97CD-81E30D5C965E}"/>
-          </ac:graphicFrameMkLst>
-        </pc:graphicFrameChg>
-        <pc:picChg chg="add del mod">
-          <ac:chgData name="John K. Barrera" userId="ff20ac3aac775278" providerId="LiveId" clId="{D2B16D9E-8DC3-4D4C-927D-0F5AA29F5383}" dt="2022-02-22T17:48:40.788" v="2556" actId="478"/>
-          <ac:picMkLst>
-            <pc:docMk/>
-            <pc:sldMk cId="3203440581" sldId="375"/>
-            <ac:picMk id="1026" creationId="{C6A4AEFC-A5B2-49E8-BF23-40A5A5FB27EA}"/>
-          </ac:picMkLst>
-        </pc:picChg>
-        <pc:picChg chg="add mod">
-          <ac:chgData name="John K. Barrera" userId="ff20ac3aac775278" providerId="LiveId" clId="{D2B16D9E-8DC3-4D4C-927D-0F5AA29F5383}" dt="2022-02-22T17:51:02.582" v="2575" actId="1076"/>
-          <ac:picMkLst>
-            <pc:docMk/>
-            <pc:sldMk cId="3203440581" sldId="375"/>
-            <ac:picMk id="1028" creationId="{3A1B5AFC-66BF-435B-BC84-0C69FB577C92}"/>
-          </ac:picMkLst>
-        </pc:picChg>
-        <pc:picChg chg="add mod">
-          <ac:chgData name="John K. Barrera" userId="ff20ac3aac775278" providerId="LiveId" clId="{D2B16D9E-8DC3-4D4C-927D-0F5AA29F5383}" dt="2022-02-22T18:06:19.368" v="3373" actId="1036"/>
-          <ac:picMkLst>
-            <pc:docMk/>
-            <pc:sldMk cId="3203440581" sldId="375"/>
-            <ac:picMk id="1030" creationId="{18928A40-8883-416D-8694-72B81948718A}"/>
-          </ac:picMkLst>
-        </pc:picChg>
-        <pc:cxnChg chg="add mod">
-          <ac:chgData name="John K. Barrera" userId="ff20ac3aac775278" providerId="LiveId" clId="{D2B16D9E-8DC3-4D4C-927D-0F5AA29F5383}" dt="2022-02-22T17:46:48.119" v="2546" actId="1076"/>
-          <ac:cxnSpMkLst>
-            <pc:docMk/>
-            <pc:sldMk cId="3203440581" sldId="375"/>
-            <ac:cxnSpMk id="3" creationId="{F8C5515E-8B92-449B-9B18-53631E44E942}"/>
-          </ac:cxnSpMkLst>
-        </pc:cxnChg>
-        <pc:cxnChg chg="del">
-          <ac:chgData name="John K. Barrera" userId="ff20ac3aac775278" providerId="LiveId" clId="{D2B16D9E-8DC3-4D4C-927D-0F5AA29F5383}" dt="2022-02-22T15:08:03.368" v="1512" actId="478"/>
-          <ac:cxnSpMkLst>
-            <pc:docMk/>
-            <pc:sldMk cId="3203440581" sldId="375"/>
-            <ac:cxnSpMk id="21" creationId="{0B26FA66-F660-43C9-8F8A-A9061CAE126F}"/>
-          </ac:cxnSpMkLst>
-        </pc:cxnChg>
-        <pc:cxnChg chg="del">
-          <ac:chgData name="John K. Barrera" userId="ff20ac3aac775278" providerId="LiveId" clId="{D2B16D9E-8DC3-4D4C-927D-0F5AA29F5383}" dt="2022-02-22T15:08:03.368" v="1512" actId="478"/>
-          <ac:cxnSpMkLst>
-            <pc:docMk/>
-            <pc:sldMk cId="3203440581" sldId="375"/>
-            <ac:cxnSpMk id="29" creationId="{84CE7B66-FC11-4341-949E-E86A14BB2E1C}"/>
-          </ac:cxnSpMkLst>
-        </pc:cxnChg>
-      </pc:sldChg>
-      <pc:sldChg chg="addSp delSp modSp add del mod">
-        <pc:chgData name="John K. Barrera" userId="ff20ac3aac775278" providerId="LiveId" clId="{D2B16D9E-8DC3-4D4C-927D-0F5AA29F5383}" dt="2022-02-22T15:51:34.910" v="2216" actId="47"/>
-        <pc:sldMkLst>
-          <pc:docMk/>
-          <pc:sldMk cId="828289151" sldId="376"/>
-        </pc:sldMkLst>
-        <pc:spChg chg="mod">
-          <ac:chgData name="John K. Barrera" userId="ff20ac3aac775278" providerId="LiveId" clId="{D2B16D9E-8DC3-4D4C-927D-0F5AA29F5383}" dt="2022-02-22T15:37:49.153" v="1601" actId="20577"/>
-          <ac:spMkLst>
-            <pc:docMk/>
-            <pc:sldMk cId="828289151" sldId="376"/>
-            <ac:spMk id="5" creationId="{48D2A9BD-EBF3-4CF7-A61E-49631D4D1DBB}"/>
-          </ac:spMkLst>
-        </pc:spChg>
-        <pc:spChg chg="del mod">
-          <ac:chgData name="John K. Barrera" userId="ff20ac3aac775278" providerId="LiveId" clId="{D2B16D9E-8DC3-4D4C-927D-0F5AA29F5383}" dt="2022-02-22T15:37:17.500" v="1549" actId="478"/>
-          <ac:spMkLst>
-            <pc:docMk/>
-            <pc:sldMk cId="828289151" sldId="376"/>
-            <ac:spMk id="12" creationId="{002F249E-01CD-4A15-802F-2FC4DE855BEF}"/>
-          </ac:spMkLst>
-        </pc:spChg>
-        <pc:spChg chg="del">
-          <ac:chgData name="John K. Barrera" userId="ff20ac3aac775278" providerId="LiveId" clId="{D2B16D9E-8DC3-4D4C-927D-0F5AA29F5383}" dt="2022-02-22T15:37:15.206" v="1547" actId="478"/>
-          <ac:spMkLst>
-            <pc:docMk/>
-            <pc:sldMk cId="828289151" sldId="376"/>
-            <ac:spMk id="17" creationId="{D09F57A8-1B92-4628-AEB7-5CB072C0CCC0}"/>
-          </ac:spMkLst>
-        </pc:spChg>
-        <pc:spChg chg="del">
-          <ac:chgData name="John K. Barrera" userId="ff20ac3aac775278" providerId="LiveId" clId="{D2B16D9E-8DC3-4D4C-927D-0F5AA29F5383}" dt="2022-02-22T15:37:15.206" v="1547" actId="478"/>
-          <ac:spMkLst>
-            <pc:docMk/>
-            <pc:sldMk cId="828289151" sldId="376"/>
-            <ac:spMk id="18" creationId="{7BA70B3A-D28F-4568-B21F-EDEC67C3A51A}"/>
-          </ac:spMkLst>
-        </pc:spChg>
-        <pc:spChg chg="del">
-          <ac:chgData name="John K. Barrera" userId="ff20ac3aac775278" providerId="LiveId" clId="{D2B16D9E-8DC3-4D4C-927D-0F5AA29F5383}" dt="2022-02-22T15:37:15.206" v="1547" actId="478"/>
-          <ac:spMkLst>
-            <pc:docMk/>
-            <pc:sldMk cId="828289151" sldId="376"/>
-            <ac:spMk id="19" creationId="{98F8ED88-04ED-4DB1-9638-E322BC8F1173}"/>
-          </ac:spMkLst>
-        </pc:spChg>
-        <pc:spChg chg="del">
-          <ac:chgData name="John K. Barrera" userId="ff20ac3aac775278" providerId="LiveId" clId="{D2B16D9E-8DC3-4D4C-927D-0F5AA29F5383}" dt="2022-02-22T15:37:15.206" v="1547" actId="478"/>
-          <ac:spMkLst>
-            <pc:docMk/>
-            <pc:sldMk cId="828289151" sldId="376"/>
-            <ac:spMk id="20" creationId="{A3A9181E-C296-4283-97D7-B6F12491FAE6}"/>
-          </ac:spMkLst>
-        </pc:spChg>
-        <pc:spChg chg="del">
-          <ac:chgData name="John K. Barrera" userId="ff20ac3aac775278" providerId="LiveId" clId="{D2B16D9E-8DC3-4D4C-927D-0F5AA29F5383}" dt="2022-02-22T15:37:15.206" v="1547" actId="478"/>
-          <ac:spMkLst>
-            <pc:docMk/>
-            <pc:sldMk cId="828289151" sldId="376"/>
-            <ac:spMk id="24" creationId="{C0A27345-298D-4971-8ADA-DAD2DFA91B63}"/>
-          </ac:spMkLst>
-        </pc:spChg>
-        <pc:spChg chg="del">
-          <ac:chgData name="John K. Barrera" userId="ff20ac3aac775278" providerId="LiveId" clId="{D2B16D9E-8DC3-4D4C-927D-0F5AA29F5383}" dt="2022-02-22T15:37:15.206" v="1547" actId="478"/>
-          <ac:spMkLst>
-            <pc:docMk/>
-            <pc:sldMk cId="828289151" sldId="376"/>
-            <ac:spMk id="25" creationId="{7DC511A2-8C5B-41E3-96F3-3FFEDB1E688A}"/>
-          </ac:spMkLst>
-        </pc:spChg>
-        <pc:spChg chg="del">
-          <ac:chgData name="John K. Barrera" userId="ff20ac3aac775278" providerId="LiveId" clId="{D2B16D9E-8DC3-4D4C-927D-0F5AA29F5383}" dt="2022-02-22T15:37:15.206" v="1547" actId="478"/>
-          <ac:spMkLst>
-            <pc:docMk/>
-            <pc:sldMk cId="828289151" sldId="376"/>
-            <ac:spMk id="32" creationId="{5990BE50-D7B2-47ED-8046-9277499D707B}"/>
-          </ac:spMkLst>
-        </pc:spChg>
-        <pc:graphicFrameChg chg="del">
-          <ac:chgData name="John K. Barrera" userId="ff20ac3aac775278" providerId="LiveId" clId="{D2B16D9E-8DC3-4D4C-927D-0F5AA29F5383}" dt="2022-02-22T15:37:15.206" v="1547" actId="478"/>
-          <ac:graphicFrameMkLst>
-            <pc:docMk/>
-            <pc:sldMk cId="828289151" sldId="376"/>
-            <ac:graphicFrameMk id="7" creationId="{7E353892-CDD1-4C23-A4C7-EBB2BF4BAFB3}"/>
-          </ac:graphicFrameMkLst>
-        </pc:graphicFrameChg>
-        <pc:graphicFrameChg chg="del">
-          <ac:chgData name="John K. Barrera" userId="ff20ac3aac775278" providerId="LiveId" clId="{D2B16D9E-8DC3-4D4C-927D-0F5AA29F5383}" dt="2022-02-22T15:37:15.206" v="1547" actId="478"/>
-          <ac:graphicFrameMkLst>
-            <pc:docMk/>
-            <pc:sldMk cId="828289151" sldId="376"/>
-            <ac:graphicFrameMk id="8" creationId="{0D0C1DFF-4BF8-4EDA-ABC6-89ADBC095558}"/>
-          </ac:graphicFrameMkLst>
-        </pc:graphicFrameChg>
-        <pc:graphicFrameChg chg="del">
-          <ac:chgData name="John K. Barrera" userId="ff20ac3aac775278" providerId="LiveId" clId="{D2B16D9E-8DC3-4D4C-927D-0F5AA29F5383}" dt="2022-02-22T15:37:15.206" v="1547" actId="478"/>
-          <ac:graphicFrameMkLst>
-            <pc:docMk/>
-            <pc:sldMk cId="828289151" sldId="376"/>
-            <ac:graphicFrameMk id="13" creationId="{424EBEB8-B9D1-472E-97CD-81E30D5C965E}"/>
-          </ac:graphicFrameMkLst>
-        </pc:graphicFrameChg>
-        <pc:picChg chg="add del mod">
-          <ac:chgData name="John K. Barrera" userId="ff20ac3aac775278" providerId="LiveId" clId="{D2B16D9E-8DC3-4D4C-927D-0F5AA29F5383}" dt="2022-02-22T15:40:00.579" v="1611" actId="478"/>
-          <ac:picMkLst>
-            <pc:docMk/>
-            <pc:sldMk cId="828289151" sldId="376"/>
-            <ac:picMk id="3" creationId="{5AC9E645-E6E6-4131-A0F3-A3A66052B847}"/>
-          </ac:picMkLst>
-        </pc:picChg>
-        <pc:picChg chg="add mod">
-          <ac:chgData name="John K. Barrera" userId="ff20ac3aac775278" providerId="LiveId" clId="{D2B16D9E-8DC3-4D4C-927D-0F5AA29F5383}" dt="2022-02-22T15:40:09.034" v="1613" actId="1076"/>
-          <ac:picMkLst>
-            <pc:docMk/>
-            <pc:sldMk cId="828289151" sldId="376"/>
-            <ac:picMk id="11" creationId="{91BBCEA9-6EE8-4DBE-AE12-F826811B3D1F}"/>
-          </ac:picMkLst>
-        </pc:picChg>
-        <pc:picChg chg="add">
-          <ac:chgData name="John K. Barrera" userId="ff20ac3aac775278" providerId="LiveId" clId="{D2B16D9E-8DC3-4D4C-927D-0F5AA29F5383}" dt="2022-02-22T15:41:13.424" v="1614" actId="22"/>
-          <ac:picMkLst>
-            <pc:docMk/>
-            <pc:sldMk cId="828289151" sldId="376"/>
-            <ac:picMk id="16" creationId="{2F5C4631-2155-41E3-AB59-2FA47F7866EB}"/>
-          </ac:picMkLst>
-        </pc:picChg>
-        <pc:cxnChg chg="del">
-          <ac:chgData name="John K. Barrera" userId="ff20ac3aac775278" providerId="LiveId" clId="{D2B16D9E-8DC3-4D4C-927D-0F5AA29F5383}" dt="2022-02-22T15:37:15.206" v="1547" actId="478"/>
-          <ac:cxnSpMkLst>
-            <pc:docMk/>
-            <pc:sldMk cId="828289151" sldId="376"/>
-            <ac:cxnSpMk id="21" creationId="{0B26FA66-F660-43C9-8F8A-A9061CAE126F}"/>
-          </ac:cxnSpMkLst>
-        </pc:cxnChg>
-        <pc:cxnChg chg="del">
-          <ac:chgData name="John K. Barrera" userId="ff20ac3aac775278" providerId="LiveId" clId="{D2B16D9E-8DC3-4D4C-927D-0F5AA29F5383}" dt="2022-02-22T15:37:15.206" v="1547" actId="478"/>
-          <ac:cxnSpMkLst>
-            <pc:docMk/>
-            <pc:sldMk cId="828289151" sldId="376"/>
-            <ac:cxnSpMk id="29" creationId="{84CE7B66-FC11-4341-949E-E86A14BB2E1C}"/>
-          </ac:cxnSpMkLst>
-        </pc:cxnChg>
-      </pc:sldChg>
-      <pc:sldChg chg="addSp delSp modSp add del mod ord">
-        <pc:chgData name="John K. Barrera" userId="ff20ac3aac775278" providerId="LiveId" clId="{D2B16D9E-8DC3-4D4C-927D-0F5AA29F5383}" dt="2022-03-02T03:07:38.751" v="5021" actId="20578"/>
-        <pc:sldMkLst>
-          <pc:docMk/>
-          <pc:sldMk cId="470657544" sldId="377"/>
-        </pc:sldMkLst>
-        <pc:spChg chg="mod">
-          <ac:chgData name="John K. Barrera" userId="ff20ac3aac775278" providerId="LiveId" clId="{D2B16D9E-8DC3-4D4C-927D-0F5AA29F5383}" dt="2022-02-22T17:43:47.359" v="2443" actId="313"/>
-          <ac:spMkLst>
-            <pc:docMk/>
-            <pc:sldMk cId="470657544" sldId="377"/>
-            <ac:spMk id="15" creationId="{DA903829-C857-466F-8663-51CF8927D68D}"/>
-          </ac:spMkLst>
-        </pc:spChg>
-        <pc:spChg chg="add del mod">
-          <ac:chgData name="John K. Barrera" userId="ff20ac3aac775278" providerId="LiveId" clId="{D2B16D9E-8DC3-4D4C-927D-0F5AA29F5383}" dt="2022-02-22T15:50:42.703" v="2190" actId="478"/>
-          <ac:spMkLst>
-            <pc:docMk/>
-            <pc:sldMk cId="470657544" sldId="377"/>
-            <ac:spMk id="21" creationId="{2A47F683-9B0E-4BEF-8762-6F120C5147D7}"/>
-          </ac:spMkLst>
-        </pc:spChg>
-        <pc:spChg chg="add del mod">
-          <ac:chgData name="John K. Barrera" userId="ff20ac3aac775278" providerId="LiveId" clId="{D2B16D9E-8DC3-4D4C-927D-0F5AA29F5383}" dt="2022-02-22T15:51:19.734" v="2213" actId="478"/>
-          <ac:spMkLst>
-            <pc:docMk/>
-            <pc:sldMk cId="470657544" sldId="377"/>
-            <ac:spMk id="22" creationId="{57DED973-F56F-41E9-9015-0D8D54FA0092}"/>
-          </ac:spMkLst>
-        </pc:spChg>
-        <pc:spChg chg="add del mod">
-          <ac:chgData name="John K. Barrera" userId="ff20ac3aac775278" providerId="LiveId" clId="{D2B16D9E-8DC3-4D4C-927D-0F5AA29F5383}" dt="2022-02-22T15:49:35.304" v="2112"/>
-          <ac:spMkLst>
-            <pc:docMk/>
-            <pc:sldMk cId="470657544" sldId="377"/>
-            <ac:spMk id="23" creationId="{5580275E-748B-4286-9324-2E209FF98C37}"/>
-          </ac:spMkLst>
-        </pc:spChg>
-        <pc:spChg chg="add mod">
-          <ac:chgData name="John K. Barrera" userId="ff20ac3aac775278" providerId="LiveId" clId="{D2B16D9E-8DC3-4D4C-927D-0F5AA29F5383}" dt="2022-02-22T17:41:34.441" v="2288" actId="20577"/>
-          <ac:spMkLst>
-            <pc:docMk/>
-            <pc:sldMk cId="470657544" sldId="377"/>
-            <ac:spMk id="24" creationId="{7EC6C5A2-F6A2-4B30-A9C3-E00E11793E4D}"/>
-          </ac:spMkLst>
-        </pc:spChg>
-        <pc:spChg chg="add mod">
-          <ac:chgData name="John K. Barrera" userId="ff20ac3aac775278" providerId="LiveId" clId="{D2B16D9E-8DC3-4D4C-927D-0F5AA29F5383}" dt="2022-02-22T17:41:50.682" v="2294" actId="20577"/>
-          <ac:spMkLst>
-            <pc:docMk/>
-            <pc:sldMk cId="470657544" sldId="377"/>
-            <ac:spMk id="25" creationId="{95899957-ABD2-4F82-9C6D-06FCC5EF10CF}"/>
-          </ac:spMkLst>
-        </pc:spChg>
-        <pc:spChg chg="add mod">
-          <ac:chgData name="John K. Barrera" userId="ff20ac3aac775278" providerId="LiveId" clId="{D2B16D9E-8DC3-4D4C-927D-0F5AA29F5383}" dt="2022-02-22T18:06:49.447" v="3376" actId="6549"/>
-          <ac:spMkLst>
-            <pc:docMk/>
-            <pc:sldMk cId="470657544" sldId="377"/>
-            <ac:spMk id="26" creationId="{A4590AA9-D8B6-4BB8-845B-4503E5C5B24E}"/>
-          </ac:spMkLst>
-        </pc:spChg>
-        <pc:picChg chg="add mod">
-          <ac:chgData name="John K. Barrera" userId="ff20ac3aac775278" providerId="LiveId" clId="{D2B16D9E-8DC3-4D4C-927D-0F5AA29F5383}" dt="2022-02-22T15:47:12.031" v="1999" actId="1036"/>
-          <ac:picMkLst>
-            <pc:docMk/>
-            <pc:sldMk cId="470657544" sldId="377"/>
-            <ac:picMk id="3" creationId="{D4109C8B-B310-40CD-8315-6732F28C33CE}"/>
-          </ac:picMkLst>
-        </pc:picChg>
-        <pc:picChg chg="add mod">
-          <ac:chgData name="John K. Barrera" userId="ff20ac3aac775278" providerId="LiveId" clId="{D2B16D9E-8DC3-4D4C-927D-0F5AA29F5383}" dt="2022-02-22T15:48:32.850" v="2068" actId="1036"/>
-          <ac:picMkLst>
-            <pc:docMk/>
-            <pc:sldMk cId="470657544" sldId="377"/>
-            <ac:picMk id="7" creationId="{B0C5100B-44D5-4660-9729-2978AD4977C4}"/>
-          </ac:picMkLst>
-        </pc:picChg>
-        <pc:picChg chg="del">
-          <ac:chgData name="John K. Barrera" userId="ff20ac3aac775278" providerId="LiveId" clId="{D2B16D9E-8DC3-4D4C-927D-0F5AA29F5383}" dt="2022-02-22T15:41:17.954" v="1616" actId="478"/>
-          <ac:picMkLst>
-            <pc:docMk/>
-            <pc:sldMk cId="470657544" sldId="377"/>
-            <ac:picMk id="11" creationId="{91BBCEA9-6EE8-4DBE-AE12-F826811B3D1F}"/>
-          </ac:picMkLst>
-        </pc:picChg>
-        <pc:picChg chg="add mod">
-          <ac:chgData name="John K. Barrera" userId="ff20ac3aac775278" providerId="LiveId" clId="{D2B16D9E-8DC3-4D4C-927D-0F5AA29F5383}" dt="2022-02-22T15:48:35.807" v="2082" actId="1035"/>
-          <ac:picMkLst>
-            <pc:docMk/>
-            <pc:sldMk cId="470657544" sldId="377"/>
-            <ac:picMk id="12" creationId="{4F24F389-ED42-4971-9654-D72BA63D819F}"/>
-          </ac:picMkLst>
-        </pc:picChg>
-        <pc:picChg chg="add mod">
-          <ac:chgData name="John K. Barrera" userId="ff20ac3aac775278" providerId="LiveId" clId="{D2B16D9E-8DC3-4D4C-927D-0F5AA29F5383}" dt="2022-02-22T15:47:12.031" v="1999" actId="1036"/>
-          <ac:picMkLst>
-            <pc:docMk/>
-            <pc:sldMk cId="470657544" sldId="377"/>
-            <ac:picMk id="14" creationId="{6284143E-8FAE-4FD3-9433-8A9A8A236046}"/>
-          </ac:picMkLst>
-        </pc:picChg>
-        <pc:picChg chg="mod">
-          <ac:chgData name="John K. Barrera" userId="ff20ac3aac775278" providerId="LiveId" clId="{D2B16D9E-8DC3-4D4C-927D-0F5AA29F5383}" dt="2022-02-22T15:47:12.031" v="1999" actId="1036"/>
-          <ac:picMkLst>
-            <pc:docMk/>
-            <pc:sldMk cId="470657544" sldId="377"/>
-            <ac:picMk id="16" creationId="{2F5C4631-2155-41E3-AB59-2FA47F7866EB}"/>
-          </ac:picMkLst>
-        </pc:picChg>
-        <pc:picChg chg="add del">
-          <ac:chgData name="John K. Barrera" userId="ff20ac3aac775278" providerId="LiveId" clId="{D2B16D9E-8DC3-4D4C-927D-0F5AA29F5383}" dt="2022-02-22T15:44:26.840" v="1629" actId="478"/>
-          <ac:picMkLst>
-            <pc:docMk/>
-            <pc:sldMk cId="470657544" sldId="377"/>
-            <ac:picMk id="18" creationId="{69F484B6-6545-4D0E-A951-65E762A8F3E2}"/>
-          </ac:picMkLst>
-        </pc:picChg>
-        <pc:picChg chg="add mod">
-          <ac:chgData name="John K. Barrera" userId="ff20ac3aac775278" providerId="LiveId" clId="{D2B16D9E-8DC3-4D4C-927D-0F5AA29F5383}" dt="2022-02-22T15:47:12.031" v="1999" actId="1036"/>
-          <ac:picMkLst>
-            <pc:docMk/>
-            <pc:sldMk cId="470657544" sldId="377"/>
-            <ac:picMk id="20" creationId="{7CCC1653-66F2-4093-B8CC-0ECC65A1C408}"/>
-          </ac:picMkLst>
-        </pc:picChg>
-      </pc:sldChg>
-      <pc:sldChg chg="addSp delSp modSp add del mod">
-        <pc:chgData name="John K. Barrera" userId="ff20ac3aac775278" providerId="LiveId" clId="{D2B16D9E-8DC3-4D4C-927D-0F5AA29F5383}" dt="2022-03-02T03:07:25.976" v="5006" actId="47"/>
-        <pc:sldMkLst>
-          <pc:docMk/>
-          <pc:sldMk cId="3105899673" sldId="378"/>
-        </pc:sldMkLst>
-        <pc:spChg chg="del">
-          <ac:chgData name="John K. Barrera" userId="ff20ac3aac775278" providerId="LiveId" clId="{D2B16D9E-8DC3-4D4C-927D-0F5AA29F5383}" dt="2022-02-22T18:20:21.355" v="3378" actId="478"/>
-          <ac:spMkLst>
-            <pc:docMk/>
-            <pc:sldMk cId="3105899673" sldId="378"/>
-            <ac:spMk id="24" creationId="{7EC6C5A2-F6A2-4B30-A9C3-E00E11793E4D}"/>
-          </ac:spMkLst>
-        </pc:spChg>
-        <pc:spChg chg="del">
-          <ac:chgData name="John K. Barrera" userId="ff20ac3aac775278" providerId="LiveId" clId="{D2B16D9E-8DC3-4D4C-927D-0F5AA29F5383}" dt="2022-02-22T18:20:21.355" v="3378" actId="478"/>
-          <ac:spMkLst>
-            <pc:docMk/>
-            <pc:sldMk cId="3105899673" sldId="378"/>
-            <ac:spMk id="25" creationId="{95899957-ABD2-4F82-9C6D-06FCC5EF10CF}"/>
-          </ac:spMkLst>
-        </pc:spChg>
-        <pc:spChg chg="del">
-          <ac:chgData name="John K. Barrera" userId="ff20ac3aac775278" providerId="LiveId" clId="{D2B16D9E-8DC3-4D4C-927D-0F5AA29F5383}" dt="2022-02-22T18:20:21.355" v="3378" actId="478"/>
-          <ac:spMkLst>
-            <pc:docMk/>
-            <pc:sldMk cId="3105899673" sldId="378"/>
-            <ac:spMk id="26" creationId="{A4590AA9-D8B6-4BB8-845B-4503E5C5B24E}"/>
-          </ac:spMkLst>
-        </pc:spChg>
-        <pc:graphicFrameChg chg="add mod modGraphic">
-          <ac:chgData name="John K. Barrera" userId="ff20ac3aac775278" providerId="LiveId" clId="{D2B16D9E-8DC3-4D4C-927D-0F5AA29F5383}" dt="2022-02-22T18:22:36.649" v="3394" actId="1076"/>
-          <ac:graphicFrameMkLst>
-            <pc:docMk/>
-            <pc:sldMk cId="3105899673" sldId="378"/>
-            <ac:graphicFrameMk id="2" creationId="{B11E51BD-1BF9-4790-A47A-698303BB48E1}"/>
-          </ac:graphicFrameMkLst>
-        </pc:graphicFrameChg>
-        <pc:graphicFrameChg chg="add mod modGraphic">
-          <ac:chgData name="John K. Barrera" userId="ff20ac3aac775278" providerId="LiveId" clId="{D2B16D9E-8DC3-4D4C-927D-0F5AA29F5383}" dt="2022-02-22T18:27:45.594" v="3400" actId="1076"/>
-          <ac:graphicFrameMkLst>
-            <pc:docMk/>
-            <pc:sldMk cId="3105899673" sldId="378"/>
-            <ac:graphicFrameMk id="6" creationId="{9B0B4ADF-C727-41BA-960E-3845D4E26651}"/>
-          </ac:graphicFrameMkLst>
-        </pc:graphicFrameChg>
-        <pc:graphicFrameChg chg="add mod modGraphic">
-          <ac:chgData name="John K. Barrera" userId="ff20ac3aac775278" providerId="LiveId" clId="{D2B16D9E-8DC3-4D4C-927D-0F5AA29F5383}" dt="2022-02-22T18:28:10.675" v="3401" actId="12385"/>
-          <ac:graphicFrameMkLst>
-            <pc:docMk/>
-            <pc:sldMk cId="3105899673" sldId="378"/>
-            <ac:graphicFrameMk id="8" creationId="{3E82F6D1-22D9-4307-970A-D3974ECDE116}"/>
-          </ac:graphicFrameMkLst>
-        </pc:graphicFrameChg>
-        <pc:picChg chg="del">
-          <ac:chgData name="John K. Barrera" userId="ff20ac3aac775278" providerId="LiveId" clId="{D2B16D9E-8DC3-4D4C-927D-0F5AA29F5383}" dt="2022-02-22T18:21:24.546" v="3384" actId="478"/>
-          <ac:picMkLst>
-            <pc:docMk/>
-            <pc:sldMk cId="3105899673" sldId="378"/>
-            <ac:picMk id="3" creationId="{D4109C8B-B310-40CD-8315-6732F28C33CE}"/>
-          </ac:picMkLst>
-        </pc:picChg>
-        <pc:picChg chg="del">
-          <ac:chgData name="John K. Barrera" userId="ff20ac3aac775278" providerId="LiveId" clId="{D2B16D9E-8DC3-4D4C-927D-0F5AA29F5383}" dt="2022-02-22T18:20:21.355" v="3378" actId="478"/>
-          <ac:picMkLst>
-            <pc:docMk/>
-            <pc:sldMk cId="3105899673" sldId="378"/>
-            <ac:picMk id="7" creationId="{B0C5100B-44D5-4660-9729-2978AD4977C4}"/>
-          </ac:picMkLst>
-        </pc:picChg>
-        <pc:picChg chg="del">
-          <ac:chgData name="John K. Barrera" userId="ff20ac3aac775278" providerId="LiveId" clId="{D2B16D9E-8DC3-4D4C-927D-0F5AA29F5383}" dt="2022-02-22T18:20:21.355" v="3378" actId="478"/>
-          <ac:picMkLst>
-            <pc:docMk/>
-            <pc:sldMk cId="3105899673" sldId="378"/>
-            <ac:picMk id="12" creationId="{4F24F389-ED42-4971-9654-D72BA63D819F}"/>
-          </ac:picMkLst>
-        </pc:picChg>
-        <pc:picChg chg="del">
-          <ac:chgData name="John K. Barrera" userId="ff20ac3aac775278" providerId="LiveId" clId="{D2B16D9E-8DC3-4D4C-927D-0F5AA29F5383}" dt="2022-02-22T18:20:21.355" v="3378" actId="478"/>
-          <ac:picMkLst>
-            <pc:docMk/>
-            <pc:sldMk cId="3105899673" sldId="378"/>
-            <ac:picMk id="14" creationId="{6284143E-8FAE-4FD3-9433-8A9A8A236046}"/>
-          </ac:picMkLst>
-        </pc:picChg>
-        <pc:picChg chg="del">
-          <ac:chgData name="John K. Barrera" userId="ff20ac3aac775278" providerId="LiveId" clId="{D2B16D9E-8DC3-4D4C-927D-0F5AA29F5383}" dt="2022-02-22T18:20:21.355" v="3378" actId="478"/>
-          <ac:picMkLst>
-            <pc:docMk/>
-            <pc:sldMk cId="3105899673" sldId="378"/>
-            <ac:picMk id="16" creationId="{2F5C4631-2155-41E3-AB59-2FA47F7866EB}"/>
-          </ac:picMkLst>
-        </pc:picChg>
-        <pc:picChg chg="del">
-          <ac:chgData name="John K. Barrera" userId="ff20ac3aac775278" providerId="LiveId" clId="{D2B16D9E-8DC3-4D4C-927D-0F5AA29F5383}" dt="2022-02-22T18:21:23.612" v="3383" actId="478"/>
-          <ac:picMkLst>
-            <pc:docMk/>
-            <pc:sldMk cId="3105899673" sldId="378"/>
-            <ac:picMk id="20" creationId="{7CCC1653-66F2-4093-B8CC-0ECC65A1C408}"/>
-          </ac:picMkLst>
-        </pc:picChg>
-      </pc:sldChg>
-      <pc:sldChg chg="addSp delSp modSp add del mod">
-        <pc:chgData name="John K. Barrera" userId="ff20ac3aac775278" providerId="LiveId" clId="{D2B16D9E-8DC3-4D4C-927D-0F5AA29F5383}" dt="2022-03-16T05:23:22.948" v="8508" actId="47"/>
-        <pc:sldMkLst>
-          <pc:docMk/>
-          <pc:sldMk cId="2340975762" sldId="379"/>
-        </pc:sldMkLst>
-        <pc:spChg chg="add mod">
-          <ac:chgData name="John K. Barrera" userId="ff20ac3aac775278" providerId="LiveId" clId="{D2B16D9E-8DC3-4D4C-927D-0F5AA29F5383}" dt="2022-03-16T05:19:41.777" v="8451" actId="108"/>
-          <ac:spMkLst>
-            <pc:docMk/>
-            <pc:sldMk cId="2340975762" sldId="379"/>
-            <ac:spMk id="2" creationId="{90988243-245C-42FF-BBDB-00AC2F18C6D7}"/>
-          </ac:spMkLst>
-        </pc:spChg>
-        <pc:spChg chg="mod">
-          <ac:chgData name="John K. Barrera" userId="ff20ac3aac775278" providerId="LiveId" clId="{D2B16D9E-8DC3-4D4C-927D-0F5AA29F5383}" dt="2022-03-02T02:05:29.866" v="4380" actId="313"/>
-          <ac:spMkLst>
-            <pc:docMk/>
-            <pc:sldMk cId="2340975762" sldId="379"/>
-            <ac:spMk id="5" creationId="{48D2A9BD-EBF3-4CF7-A61E-49631D4D1DBB}"/>
-          </ac:spMkLst>
-        </pc:spChg>
-        <pc:spChg chg="add mod">
-          <ac:chgData name="John K. Barrera" userId="ff20ac3aac775278" providerId="LiveId" clId="{D2B16D9E-8DC3-4D4C-927D-0F5AA29F5383}" dt="2022-03-16T05:19:17.857" v="8446" actId="1076"/>
-          <ac:spMkLst>
-            <pc:docMk/>
-            <pc:sldMk cId="2340975762" sldId="379"/>
-            <ac:spMk id="8" creationId="{10C3885B-09C1-459F-953B-B5EA0721F982}"/>
-          </ac:spMkLst>
-        </pc:spChg>
-        <pc:graphicFrameChg chg="del mod">
-          <ac:chgData name="John K. Barrera" userId="ff20ac3aac775278" providerId="LiveId" clId="{D2B16D9E-8DC3-4D4C-927D-0F5AA29F5383}" dt="2022-03-02T02:06:08.335" v="4393" actId="478"/>
-          <ac:graphicFrameMkLst>
-            <pc:docMk/>
-            <pc:sldMk cId="2340975762" sldId="379"/>
-            <ac:graphicFrameMk id="2" creationId="{B11E51BD-1BF9-4790-A47A-698303BB48E1}"/>
-          </ac:graphicFrameMkLst>
-        </pc:graphicFrameChg>
-        <pc:graphicFrameChg chg="del">
-          <ac:chgData name="John K. Barrera" userId="ff20ac3aac775278" providerId="LiveId" clId="{D2B16D9E-8DC3-4D4C-927D-0F5AA29F5383}" dt="2022-03-02T02:06:08.335" v="4393" actId="478"/>
-          <ac:graphicFrameMkLst>
-            <pc:docMk/>
-            <pc:sldMk cId="2340975762" sldId="379"/>
-            <ac:graphicFrameMk id="6" creationId="{9B0B4ADF-C727-41BA-960E-3845D4E26651}"/>
-          </ac:graphicFrameMkLst>
-        </pc:graphicFrameChg>
-        <pc:graphicFrameChg chg="del">
-          <ac:chgData name="John K. Barrera" userId="ff20ac3aac775278" providerId="LiveId" clId="{D2B16D9E-8DC3-4D4C-927D-0F5AA29F5383}" dt="2022-03-02T02:06:08.335" v="4393" actId="478"/>
-          <ac:graphicFrameMkLst>
-            <pc:docMk/>
-            <pc:sldMk cId="2340975762" sldId="379"/>
-            <ac:graphicFrameMk id="8" creationId="{3E82F6D1-22D9-4307-970A-D3974ECDE116}"/>
-          </ac:graphicFrameMkLst>
-        </pc:graphicFrameChg>
-      </pc:sldChg>
-      <pc:sldChg chg="add del">
-        <pc:chgData name="John K. Barrera" userId="ff20ac3aac775278" providerId="LiveId" clId="{D2B16D9E-8DC3-4D4C-927D-0F5AA29F5383}" dt="2022-02-22T18:20:24.515" v="3380"/>
-        <pc:sldMkLst>
-          <pc:docMk/>
-          <pc:sldMk cId="4021282513" sldId="379"/>
-        </pc:sldMkLst>
-      </pc:sldChg>
-      <pc:sldChg chg="addSp delSp modSp add del mod ord">
-        <pc:chgData name="John K. Barrera" userId="ff20ac3aac775278" providerId="LiveId" clId="{D2B16D9E-8DC3-4D4C-927D-0F5AA29F5383}" dt="2022-03-02T01:43:49.301" v="4303" actId="47"/>
-        <pc:sldMkLst>
-          <pc:docMk/>
-          <pc:sldMk cId="3892891888" sldId="380"/>
-        </pc:sldMkLst>
-        <pc:spChg chg="mod">
-          <ac:chgData name="John K. Barrera" userId="ff20ac3aac775278" providerId="LiveId" clId="{D2B16D9E-8DC3-4D4C-927D-0F5AA29F5383}" dt="2022-03-02T01:29:51.347" v="3480"/>
-          <ac:spMkLst>
-            <pc:docMk/>
-            <pc:sldMk cId="3892891888" sldId="380"/>
-            <ac:spMk id="5" creationId="{48D2A9BD-EBF3-4CF7-A61E-49631D4D1DBB}"/>
-          </ac:spMkLst>
-        </pc:spChg>
-        <pc:spChg chg="mod">
-          <ac:chgData name="John K. Barrera" userId="ff20ac3aac775278" providerId="LiveId" clId="{D2B16D9E-8DC3-4D4C-927D-0F5AA29F5383}" dt="2022-03-02T01:32:59.089" v="3775" actId="313"/>
-          <ac:spMkLst>
-            <pc:docMk/>
-            <pc:sldMk cId="3892891888" sldId="380"/>
-            <ac:spMk id="12" creationId="{002F249E-01CD-4A15-802F-2FC4DE855BEF}"/>
-          </ac:spMkLst>
-        </pc:spChg>
-        <pc:spChg chg="mod">
-          <ac:chgData name="John K. Barrera" userId="ff20ac3aac775278" providerId="LiveId" clId="{D2B16D9E-8DC3-4D4C-927D-0F5AA29F5383}" dt="2022-03-02T01:32:23.009" v="3734" actId="1076"/>
-          <ac:spMkLst>
-            <pc:docMk/>
-            <pc:sldMk cId="3892891888" sldId="380"/>
-            <ac:spMk id="22" creationId="{C89DB2A0-1EF6-4E1F-8C52-F1B20078FA77}"/>
-          </ac:spMkLst>
-        </pc:spChg>
-        <pc:spChg chg="mod">
-          <ac:chgData name="John K. Barrera" userId="ff20ac3aac775278" providerId="LiveId" clId="{D2B16D9E-8DC3-4D4C-927D-0F5AA29F5383}" dt="2022-03-02T01:32:30.852" v="3736" actId="1076"/>
-          <ac:spMkLst>
-            <pc:docMk/>
-            <pc:sldMk cId="3892891888" sldId="380"/>
-            <ac:spMk id="28" creationId="{8D66AAF9-8D22-4DDA-A2A4-5A100794DEE7}"/>
-          </ac:spMkLst>
-        </pc:spChg>
-        <pc:picChg chg="add del mod">
-          <ac:chgData name="John K. Barrera" userId="ff20ac3aac775278" providerId="LiveId" clId="{D2B16D9E-8DC3-4D4C-927D-0F5AA29F5383}" dt="2022-03-02T01:33:48.358" v="3780"/>
-          <ac:picMkLst>
-            <pc:docMk/>
-            <pc:sldMk cId="3892891888" sldId="380"/>
-            <ac:picMk id="1026" creationId="{47845D9E-C749-4DE3-A0AD-0D5025FF4340}"/>
-          </ac:picMkLst>
-        </pc:picChg>
-        <pc:picChg chg="add del">
-          <ac:chgData name="John K. Barrera" userId="ff20ac3aac775278" providerId="LiveId" clId="{D2B16D9E-8DC3-4D4C-927D-0F5AA29F5383}" dt="2022-03-02T01:33:48.817" v="3781" actId="478"/>
-          <ac:picMkLst>
-            <pc:docMk/>
-            <pc:sldMk cId="3892891888" sldId="380"/>
-            <ac:picMk id="1030" creationId="{18928A40-8883-416D-8694-72B81948718A}"/>
-          </ac:picMkLst>
-        </pc:picChg>
-      </pc:sldChg>
-      <pc:sldChg chg="addSp delSp modSp add del mod ord">
-        <pc:chgData name="John K. Barrera" userId="ff20ac3aac775278" providerId="LiveId" clId="{D2B16D9E-8DC3-4D4C-927D-0F5AA29F5383}" dt="2022-03-22T21:09:04.183" v="12396" actId="21"/>
-        <pc:sldMkLst>
-          <pc:docMk/>
-          <pc:sldMk cId="1548355188" sldId="381"/>
-        </pc:sldMkLst>
-        <pc:spChg chg="mod">
-          <ac:chgData name="John K. Barrera" userId="ff20ac3aac775278" providerId="LiveId" clId="{D2B16D9E-8DC3-4D4C-927D-0F5AA29F5383}" dt="2022-03-02T02:05:39.409" v="4391" actId="20577"/>
-          <ac:spMkLst>
-            <pc:docMk/>
-            <pc:sldMk cId="1548355188" sldId="381"/>
-            <ac:spMk id="5" creationId="{48D2A9BD-EBF3-4CF7-A61E-49631D4D1DBB}"/>
-          </ac:spMkLst>
-        </pc:spChg>
-        <pc:spChg chg="mod">
-          <ac:chgData name="John K. Barrera" userId="ff20ac3aac775278" providerId="LiveId" clId="{D2B16D9E-8DC3-4D4C-927D-0F5AA29F5383}" dt="2022-03-02T01:44:20.575" v="4308" actId="1076"/>
-          <ac:spMkLst>
-            <pc:docMk/>
-            <pc:sldMk cId="1548355188" sldId="381"/>
-            <ac:spMk id="12" creationId="{002F249E-01CD-4A15-802F-2FC4DE855BEF}"/>
-          </ac:spMkLst>
-        </pc:spChg>
-        <pc:spChg chg="mod">
-          <ac:chgData name="John K. Barrera" userId="ff20ac3aac775278" providerId="LiveId" clId="{D2B16D9E-8DC3-4D4C-927D-0F5AA29F5383}" dt="2022-03-02T01:40:55.016" v="4252" actId="313"/>
-          <ac:spMkLst>
-            <pc:docMk/>
-            <pc:sldMk cId="1548355188" sldId="381"/>
-            <ac:spMk id="15" creationId="{DA903829-C857-466F-8663-51CF8927D68D}"/>
-          </ac:spMkLst>
-        </pc:spChg>
-        <pc:spChg chg="add del mod">
-          <ac:chgData name="John K. Barrera" userId="ff20ac3aac775278" providerId="LiveId" clId="{D2B16D9E-8DC3-4D4C-927D-0F5AA29F5383}" dt="2022-03-02T01:38:13.569" v="4121" actId="478"/>
-          <ac:spMkLst>
-            <pc:docMk/>
-            <pc:sldMk cId="1548355188" sldId="381"/>
-            <ac:spMk id="16" creationId="{6B7D22E2-9B4B-40DD-BEAC-25A29816812F}"/>
-          </ac:spMkLst>
-        </pc:spChg>
-        <pc:spChg chg="mod">
-          <ac:chgData name="John K. Barrera" userId="ff20ac3aac775278" providerId="LiveId" clId="{D2B16D9E-8DC3-4D4C-927D-0F5AA29F5383}" dt="2022-03-02T01:43:20.914" v="4302" actId="404"/>
-          <ac:spMkLst>
-            <pc:docMk/>
-            <pc:sldMk cId="1548355188" sldId="381"/>
-            <ac:spMk id="22" creationId="{C89DB2A0-1EF6-4E1F-8C52-F1B20078FA77}"/>
-          </ac:spMkLst>
-        </pc:spChg>
-        <pc:spChg chg="add mod">
-          <ac:chgData name="John K. Barrera" userId="ff20ac3aac775278" providerId="LiveId" clId="{D2B16D9E-8DC3-4D4C-927D-0F5AA29F5383}" dt="2022-03-02T02:19:04.510" v="4440" actId="1035"/>
-          <ac:spMkLst>
-            <pc:docMk/>
-            <pc:sldMk cId="1548355188" sldId="381"/>
-            <ac:spMk id="23" creationId="{C4FFAB8F-7156-445F-89D2-7C88F8EAAB32}"/>
-          </ac:spMkLst>
-        </pc:spChg>
-        <pc:spChg chg="del">
-          <ac:chgData name="John K. Barrera" userId="ff20ac3aac775278" providerId="LiveId" clId="{D2B16D9E-8DC3-4D4C-927D-0F5AA29F5383}" dt="2022-03-02T01:33:59.197" v="3786" actId="478"/>
-          <ac:spMkLst>
-            <pc:docMk/>
-            <pc:sldMk cId="1548355188" sldId="381"/>
-            <ac:spMk id="26" creationId="{6DD68FDC-BF7A-4FC2-BD9C-CB3E6A95347D}"/>
-          </ac:spMkLst>
-        </pc:spChg>
-        <pc:spChg chg="mod">
-          <ac:chgData name="John K. Barrera" userId="ff20ac3aac775278" providerId="LiveId" clId="{D2B16D9E-8DC3-4D4C-927D-0F5AA29F5383}" dt="2022-03-02T01:42:57.597" v="4295" actId="1036"/>
-          <ac:spMkLst>
-            <pc:docMk/>
-            <pc:sldMk cId="1548355188" sldId="381"/>
-            <ac:spMk id="28" creationId="{8D66AAF9-8D22-4DDA-A2A4-5A100794DEE7}"/>
-          </ac:spMkLst>
-        </pc:spChg>
-        <pc:spChg chg="del">
-          <ac:chgData name="John K. Barrera" userId="ff20ac3aac775278" providerId="LiveId" clId="{D2B16D9E-8DC3-4D4C-927D-0F5AA29F5383}" dt="2022-03-02T01:34:18.465" v="3791" actId="478"/>
-          <ac:spMkLst>
-            <pc:docMk/>
-            <pc:sldMk cId="1548355188" sldId="381"/>
-            <ac:spMk id="32" creationId="{5990BE50-D7B2-47ED-8046-9277499D707B}"/>
-          </ac:spMkLst>
-        </pc:spChg>
-        <pc:picChg chg="del">
-          <ac:chgData name="John K. Barrera" userId="ff20ac3aac775278" providerId="LiveId" clId="{D2B16D9E-8DC3-4D4C-927D-0F5AA29F5383}" dt="2022-03-02T01:33:57.519" v="3785" actId="478"/>
-          <ac:picMkLst>
-            <pc:docMk/>
-            <pc:sldMk cId="1548355188" sldId="381"/>
-            <ac:picMk id="1028" creationId="{3A1B5AFC-66BF-435B-BC84-0C69FB577C92}"/>
-          </ac:picMkLst>
-        </pc:picChg>
-        <pc:picChg chg="del">
-          <ac:chgData name="John K. Barrera" userId="ff20ac3aac775278" providerId="LiveId" clId="{D2B16D9E-8DC3-4D4C-927D-0F5AA29F5383}" dt="2022-03-02T01:33:52.859" v="3783" actId="478"/>
-          <ac:picMkLst>
-            <pc:docMk/>
-            <pc:sldMk cId="1548355188" sldId="381"/>
-            <ac:picMk id="1030" creationId="{18928A40-8883-416D-8694-72B81948718A}"/>
-          </ac:picMkLst>
-        </pc:picChg>
-        <pc:picChg chg="add mod">
-          <ac:chgData name="John K. Barrera" userId="ff20ac3aac775278" providerId="LiveId" clId="{D2B16D9E-8DC3-4D4C-927D-0F5AA29F5383}" dt="2022-03-02T01:44:03.470" v="4305" actId="1076"/>
-          <ac:picMkLst>
-            <pc:docMk/>
-            <pc:sldMk cId="1548355188" sldId="381"/>
-            <ac:picMk id="2050" creationId="{A90DCCD8-33D3-4E47-91DD-BF4DD2A91A14}"/>
-          </ac:picMkLst>
-        </pc:picChg>
-        <pc:picChg chg="add del mod">
-          <ac:chgData name="John K. Barrera" userId="ff20ac3aac775278" providerId="LiveId" clId="{D2B16D9E-8DC3-4D4C-927D-0F5AA29F5383}" dt="2022-03-22T21:09:04.183" v="12396" actId="21"/>
-          <ac:picMkLst>
-            <pc:docMk/>
-            <pc:sldMk cId="1548355188" sldId="381"/>
-            <ac:picMk id="2052" creationId="{E421684F-753B-4DE1-8DD7-3C0A127CD548}"/>
-          </ac:picMkLst>
-        </pc:picChg>
-        <pc:cxnChg chg="del">
-          <ac:chgData name="John K. Barrera" userId="ff20ac3aac775278" providerId="LiveId" clId="{D2B16D9E-8DC3-4D4C-927D-0F5AA29F5383}" dt="2022-03-02T01:34:15.175" v="3789" actId="478"/>
-          <ac:cxnSpMkLst>
-            <pc:docMk/>
-            <pc:sldMk cId="1548355188" sldId="381"/>
-            <ac:cxnSpMk id="3" creationId="{F8C5515E-8B92-449B-9B18-53631E44E942}"/>
-          </ac:cxnSpMkLst>
-        </pc:cxnChg>
-        <pc:cxnChg chg="add mod">
-          <ac:chgData name="John K. Barrera" userId="ff20ac3aac775278" providerId="LiveId" clId="{D2B16D9E-8DC3-4D4C-927D-0F5AA29F5383}" dt="2022-03-02T01:44:25.753" v="4309" actId="14100"/>
-          <ac:cxnSpMkLst>
-            <pc:docMk/>
-            <pc:sldMk cId="1548355188" sldId="381"/>
-            <ac:cxnSpMk id="17" creationId="{EB6A114C-92DB-4F3A-A3E8-D3DA8DF1AAF8}"/>
-          </ac:cxnSpMkLst>
-        </pc:cxnChg>
-      </pc:sldChg>
-      <pc:sldChg chg="add del">
-        <pc:chgData name="John K. Barrera" userId="ff20ac3aac775278" providerId="LiveId" clId="{D2B16D9E-8DC3-4D4C-927D-0F5AA29F5383}" dt="2022-03-02T02:19:03.862" v="4435"/>
-        <pc:sldMkLst>
-          <pc:docMk/>
-          <pc:sldMk cId="650694490" sldId="382"/>
-        </pc:sldMkLst>
-      </pc:sldChg>
-      <pc:sldChg chg="add del">
-        <pc:chgData name="John K. Barrera" userId="ff20ac3aac775278" providerId="LiveId" clId="{D2B16D9E-8DC3-4D4C-927D-0F5AA29F5383}" dt="2022-03-02T01:34:02.631" v="3788"/>
-        <pc:sldMkLst>
-          <pc:docMk/>
-          <pc:sldMk cId="1043803713" sldId="382"/>
-        </pc:sldMkLst>
-      </pc:sldChg>
-      <pc:sldChg chg="addSp delSp modSp add mod">
-        <pc:chgData name="John K. Barrera" userId="ff20ac3aac775278" providerId="LiveId" clId="{D2B16D9E-8DC3-4D4C-927D-0F5AA29F5383}" dt="2022-03-02T03:07:36.916" v="5018" actId="20577"/>
-        <pc:sldMkLst>
-          <pc:docMk/>
-          <pc:sldMk cId="2191034399" sldId="382"/>
-        </pc:sldMkLst>
-        <pc:spChg chg="mod">
-          <ac:chgData name="John K. Barrera" userId="ff20ac3aac775278" providerId="LiveId" clId="{D2B16D9E-8DC3-4D4C-927D-0F5AA29F5383}" dt="2022-03-02T02:19:40.774" v="4450" actId="313"/>
-          <ac:spMkLst>
-            <pc:docMk/>
-            <pc:sldMk cId="2191034399" sldId="382"/>
-            <ac:spMk id="12" creationId="{002F249E-01CD-4A15-802F-2FC4DE855BEF}"/>
-          </ac:spMkLst>
-        </pc:spChg>
-        <pc:spChg chg="mod">
-          <ac:chgData name="John K. Barrera" userId="ff20ac3aac775278" providerId="LiveId" clId="{D2B16D9E-8DC3-4D4C-927D-0F5AA29F5383}" dt="2022-03-02T03:07:36.916" v="5018" actId="20577"/>
-          <ac:spMkLst>
-            <pc:docMk/>
-            <pc:sldMk cId="2191034399" sldId="382"/>
-            <ac:spMk id="15" creationId="{DA903829-C857-466F-8663-51CF8927D68D}"/>
-          </ac:spMkLst>
-        </pc:spChg>
-        <pc:spChg chg="mod">
-          <ac:chgData name="John K. Barrera" userId="ff20ac3aac775278" providerId="LiveId" clId="{D2B16D9E-8DC3-4D4C-927D-0F5AA29F5383}" dt="2022-03-02T02:31:10.168" v="4493" actId="1035"/>
-          <ac:spMkLst>
-            <pc:docMk/>
-            <pc:sldMk cId="2191034399" sldId="382"/>
-            <ac:spMk id="22" creationId="{C89DB2A0-1EF6-4E1F-8C52-F1B20078FA77}"/>
-          </ac:spMkLst>
-        </pc:spChg>
-        <pc:spChg chg="del">
-          <ac:chgData name="John K. Barrera" userId="ff20ac3aac775278" providerId="LiveId" clId="{D2B16D9E-8DC3-4D4C-927D-0F5AA29F5383}" dt="2022-03-02T02:19:11.921" v="4443" actId="478"/>
-          <ac:spMkLst>
-            <pc:docMk/>
-            <pc:sldMk cId="2191034399" sldId="382"/>
-            <ac:spMk id="23" creationId="{C4FFAB8F-7156-445F-89D2-7C88F8EAAB32}"/>
-          </ac:spMkLst>
-        </pc:spChg>
-        <pc:spChg chg="del">
-          <ac:chgData name="John K. Barrera" userId="ff20ac3aac775278" providerId="LiveId" clId="{D2B16D9E-8DC3-4D4C-927D-0F5AA29F5383}" dt="2022-03-02T02:30:15.237" v="4466" actId="478"/>
-          <ac:spMkLst>
-            <pc:docMk/>
-            <pc:sldMk cId="2191034399" sldId="382"/>
-            <ac:spMk id="28" creationId="{8D66AAF9-8D22-4DDA-A2A4-5A100794DEE7}"/>
-          </ac:spMkLst>
-        </pc:spChg>
-        <pc:picChg chg="del">
-          <ac:chgData name="John K. Barrera" userId="ff20ac3aac775278" providerId="LiveId" clId="{D2B16D9E-8DC3-4D4C-927D-0F5AA29F5383}" dt="2022-03-02T02:19:13.150" v="4444" actId="478"/>
-          <ac:picMkLst>
-            <pc:docMk/>
-            <pc:sldMk cId="2191034399" sldId="382"/>
-            <ac:picMk id="2050" creationId="{A90DCCD8-33D3-4E47-91DD-BF4DD2A91A14}"/>
-          </ac:picMkLst>
-        </pc:picChg>
-        <pc:picChg chg="del">
-          <ac:chgData name="John K. Barrera" userId="ff20ac3aac775278" providerId="LiveId" clId="{D2B16D9E-8DC3-4D4C-927D-0F5AA29F5383}" dt="2022-03-02T02:19:10.008" v="4442" actId="478"/>
-          <ac:picMkLst>
-            <pc:docMk/>
-            <pc:sldMk cId="2191034399" sldId="382"/>
-            <ac:picMk id="2052" creationId="{E421684F-753B-4DE1-8DD7-3C0A127CD548}"/>
-          </ac:picMkLst>
-        </pc:picChg>
-        <pc:picChg chg="add del mod">
-          <ac:chgData name="John K. Barrera" userId="ff20ac3aac775278" providerId="LiveId" clId="{D2B16D9E-8DC3-4D4C-927D-0F5AA29F5383}" dt="2022-03-02T02:27:30.519" v="4454" actId="478"/>
-          <ac:picMkLst>
-            <pc:docMk/>
-            <pc:sldMk cId="2191034399" sldId="382"/>
-            <ac:picMk id="3074" creationId="{F30379C4-477B-4B14-9B92-BB408E1E5F7A}"/>
-          </ac:picMkLst>
-        </pc:picChg>
-        <pc:picChg chg="add del">
-          <ac:chgData name="John K. Barrera" userId="ff20ac3aac775278" providerId="LiveId" clId="{D2B16D9E-8DC3-4D4C-927D-0F5AA29F5383}" dt="2022-03-02T02:28:25.568" v="4456" actId="478"/>
-          <ac:picMkLst>
-            <pc:docMk/>
-            <pc:sldMk cId="2191034399" sldId="382"/>
-            <ac:picMk id="3076" creationId="{262EF73A-C1DB-4499-BC48-EF0A619F4A16}"/>
-          </ac:picMkLst>
-        </pc:picChg>
-        <pc:picChg chg="add mod">
-          <ac:chgData name="John K. Barrera" userId="ff20ac3aac775278" providerId="LiveId" clId="{D2B16D9E-8DC3-4D4C-927D-0F5AA29F5383}" dt="2022-03-02T02:31:12.848" v="4495" actId="1035"/>
-          <ac:picMkLst>
-            <pc:docMk/>
-            <pc:sldMk cId="2191034399" sldId="382"/>
-            <ac:picMk id="3078" creationId="{9AB9DC79-7B15-49F6-802C-2CB88241FD0F}"/>
-          </ac:picMkLst>
-        </pc:picChg>
-        <pc:cxnChg chg="del">
-          <ac:chgData name="John K. Barrera" userId="ff20ac3aac775278" providerId="LiveId" clId="{D2B16D9E-8DC3-4D4C-927D-0F5AA29F5383}" dt="2022-03-02T02:19:14.689" v="4445" actId="478"/>
-          <ac:cxnSpMkLst>
-            <pc:docMk/>
-            <pc:sldMk cId="2191034399" sldId="382"/>
-            <ac:cxnSpMk id="17" creationId="{EB6A114C-92DB-4F3A-A3E8-D3DA8DF1AAF8}"/>
-          </ac:cxnSpMkLst>
-        </pc:cxnChg>
-        <pc:cxnChg chg="add mod">
-          <ac:chgData name="John K. Barrera" userId="ff20ac3aac775278" providerId="LiveId" clId="{D2B16D9E-8DC3-4D4C-927D-0F5AA29F5383}" dt="2022-03-02T03:04:49.399" v="4958" actId="1076"/>
-          <ac:cxnSpMkLst>
-            <pc:docMk/>
-            <pc:sldMk cId="2191034399" sldId="382"/>
-            <ac:cxnSpMk id="18" creationId="{1A4C22F2-7E66-4596-8D99-65F67FE21C94}"/>
-          </ac:cxnSpMkLst>
-        </pc:cxnChg>
-      </pc:sldChg>
-      <pc:sldChg chg="addSp delSp modSp add mod">
-        <pc:chgData name="John K. Barrera" userId="ff20ac3aac775278" providerId="LiveId" clId="{D2B16D9E-8DC3-4D4C-927D-0F5AA29F5383}" dt="2022-03-02T03:04:41.135" v="4956" actId="1076"/>
-        <pc:sldMkLst>
-          <pc:docMk/>
-          <pc:sldMk cId="3453056613" sldId="383"/>
-        </pc:sldMkLst>
-        <pc:spChg chg="mod">
-          <ac:chgData name="John K. Barrera" userId="ff20ac3aac775278" providerId="LiveId" clId="{D2B16D9E-8DC3-4D4C-927D-0F5AA29F5383}" dt="2022-03-02T02:32:52.579" v="4569" actId="20577"/>
-          <ac:spMkLst>
-            <pc:docMk/>
-            <pc:sldMk cId="3453056613" sldId="383"/>
-            <ac:spMk id="5" creationId="{48D2A9BD-EBF3-4CF7-A61E-49631D4D1DBB}"/>
-          </ac:spMkLst>
-        </pc:spChg>
-        <pc:spChg chg="mod">
-          <ac:chgData name="John K. Barrera" userId="ff20ac3aac775278" providerId="LiveId" clId="{D2B16D9E-8DC3-4D4C-927D-0F5AA29F5383}" dt="2022-03-02T03:03:19.918" v="4933" actId="20577"/>
-          <ac:spMkLst>
-            <pc:docMk/>
-            <pc:sldMk cId="3453056613" sldId="383"/>
-            <ac:spMk id="12" creationId="{002F249E-01CD-4A15-802F-2FC4DE855BEF}"/>
-          </ac:spMkLst>
-        </pc:spChg>
-        <pc:spChg chg="del">
-          <ac:chgData name="John K. Barrera" userId="ff20ac3aac775278" providerId="LiveId" clId="{D2B16D9E-8DC3-4D4C-927D-0F5AA29F5383}" dt="2022-03-02T02:33:19.485" v="4577" actId="478"/>
-          <ac:spMkLst>
-            <pc:docMk/>
-            <pc:sldMk cId="3453056613" sldId="383"/>
-            <ac:spMk id="15" creationId="{DA903829-C857-466F-8663-51CF8927D68D}"/>
-          </ac:spMkLst>
-        </pc:spChg>
-        <pc:spChg chg="mod">
-          <ac:chgData name="John K. Barrera" userId="ff20ac3aac775278" providerId="LiveId" clId="{D2B16D9E-8DC3-4D4C-927D-0F5AA29F5383}" dt="2022-03-02T03:03:28.887" v="4950" actId="1036"/>
-          <ac:spMkLst>
-            <pc:docMk/>
-            <pc:sldMk cId="3453056613" sldId="383"/>
-            <ac:spMk id="22" creationId="{C89DB2A0-1EF6-4E1F-8C52-F1B20078FA77}"/>
-          </ac:spMkLst>
-        </pc:spChg>
-        <pc:spChg chg="mod">
-          <ac:chgData name="John K. Barrera" userId="ff20ac3aac775278" providerId="LiveId" clId="{D2B16D9E-8DC3-4D4C-927D-0F5AA29F5383}" dt="2022-03-02T02:33:27.150" v="4579" actId="1076"/>
-          <ac:spMkLst>
-            <pc:docMk/>
-            <pc:sldMk cId="3453056613" sldId="383"/>
-            <ac:spMk id="28" creationId="{8D66AAF9-8D22-4DDA-A2A4-5A100794DEE7}"/>
-          </ac:spMkLst>
-        </pc:spChg>
-        <pc:picChg chg="del">
-          <ac:chgData name="John K. Barrera" userId="ff20ac3aac775278" providerId="LiveId" clId="{D2B16D9E-8DC3-4D4C-927D-0F5AA29F5383}" dt="2022-03-02T02:30:07.034" v="4465" actId="478"/>
-          <ac:picMkLst>
-            <pc:docMk/>
-            <pc:sldMk cId="3453056613" sldId="383"/>
-            <ac:picMk id="3078" creationId="{9AB9DC79-7B15-49F6-802C-2CB88241FD0F}"/>
-          </ac:picMkLst>
-        </pc:picChg>
-        <pc:picChg chg="add mod">
-          <ac:chgData name="John K. Barrera" userId="ff20ac3aac775278" providerId="LiveId" clId="{D2B16D9E-8DC3-4D4C-927D-0F5AA29F5383}" dt="2022-03-02T03:03:25.494" v="4941" actId="1036"/>
-          <ac:picMkLst>
-            <pc:docMk/>
-            <pc:sldMk cId="3453056613" sldId="383"/>
-            <ac:picMk id="4098" creationId="{93E07E0B-F039-4E25-A02A-6779421AC886}"/>
-          </ac:picMkLst>
-        </pc:picChg>
-        <pc:cxnChg chg="add mod">
-          <ac:chgData name="John K. Barrera" userId="ff20ac3aac775278" providerId="LiveId" clId="{D2B16D9E-8DC3-4D4C-927D-0F5AA29F5383}" dt="2022-03-02T03:04:41.135" v="4956" actId="1076"/>
-          <ac:cxnSpMkLst>
-            <pc:docMk/>
-            <pc:sldMk cId="3453056613" sldId="383"/>
-            <ac:cxnSpMk id="3" creationId="{369A2810-35FC-4DA4-A144-7CD453854A7C}"/>
-          </ac:cxnSpMkLst>
-        </pc:cxnChg>
-      </pc:sldChg>
-      <pc:sldChg chg="new add del">
-        <pc:chgData name="John K. Barrera" userId="ff20ac3aac775278" providerId="LiveId" clId="{D2B16D9E-8DC3-4D4C-927D-0F5AA29F5383}" dt="2022-03-02T03:07:37.904" v="5020" actId="680"/>
-        <pc:sldMkLst>
-          <pc:docMk/>
-          <pc:sldMk cId="3414945872" sldId="384"/>
-        </pc:sldMkLst>
-      </pc:sldChg>
-      <pc:sldChg chg="addSp delSp modSp add mod">
-        <pc:chgData name="John K. Barrera" userId="ff20ac3aac775278" providerId="LiveId" clId="{D2B16D9E-8DC3-4D4C-927D-0F5AA29F5383}" dt="2022-03-09T11:37:09.672" v="6013" actId="13822"/>
-        <pc:sldMkLst>
-          <pc:docMk/>
-          <pc:sldMk cId="3879261182" sldId="385"/>
-        </pc:sldMkLst>
-        <pc:spChg chg="mod">
-          <ac:chgData name="John K. Barrera" userId="ff20ac3aac775278" providerId="LiveId" clId="{D2B16D9E-8DC3-4D4C-927D-0F5AA29F5383}" dt="2022-03-09T09:16:08.785" v="5078" actId="313"/>
-          <ac:spMkLst>
-            <pc:docMk/>
-            <pc:sldMk cId="3879261182" sldId="385"/>
-            <ac:spMk id="5" creationId="{48D2A9BD-EBF3-4CF7-A61E-49631D4D1DBB}"/>
-          </ac:spMkLst>
-        </pc:spChg>
-        <pc:spChg chg="add mod">
-          <ac:chgData name="John K. Barrera" userId="ff20ac3aac775278" providerId="LiveId" clId="{D2B16D9E-8DC3-4D4C-927D-0F5AA29F5383}" dt="2022-03-09T11:32:36.571" v="5788" actId="1035"/>
-          <ac:spMkLst>
-            <pc:docMk/>
-            <pc:sldMk cId="3879261182" sldId="385"/>
-            <ac:spMk id="7" creationId="{E16F2D60-BC2C-4C9E-8C34-68F88E2BC9CD}"/>
-          </ac:spMkLst>
-        </pc:spChg>
-        <pc:spChg chg="add del">
-          <ac:chgData name="John K. Barrera" userId="ff20ac3aac775278" providerId="LiveId" clId="{D2B16D9E-8DC3-4D4C-927D-0F5AA29F5383}" dt="2022-03-09T11:15:08.449" v="5550" actId="478"/>
-          <ac:spMkLst>
-            <pc:docMk/>
-            <pc:sldMk cId="3879261182" sldId="385"/>
-            <ac:spMk id="8" creationId="{5B44FD99-58CB-4E65-A069-FDD386EF44F0}"/>
-          </ac:spMkLst>
-        </pc:spChg>
-        <pc:spChg chg="add del mod">
-          <ac:chgData name="John K. Barrera" userId="ff20ac3aac775278" providerId="LiveId" clId="{D2B16D9E-8DC3-4D4C-927D-0F5AA29F5383}" dt="2022-03-09T11:16:12.610" v="5558" actId="478"/>
-          <ac:spMkLst>
-            <pc:docMk/>
-            <pc:sldMk cId="3879261182" sldId="385"/>
-            <ac:spMk id="11" creationId="{01E30A5B-B8B0-4947-84C5-F8EC934B1CE0}"/>
-          </ac:spMkLst>
-        </pc:spChg>
-        <pc:spChg chg="mod">
-          <ac:chgData name="John K. Barrera" userId="ff20ac3aac775278" providerId="LiveId" clId="{D2B16D9E-8DC3-4D4C-927D-0F5AA29F5383}" dt="2022-03-09T11:10:34.288" v="5527" actId="14100"/>
-          <ac:spMkLst>
-            <pc:docMk/>
-            <pc:sldMk cId="3879261182" sldId="385"/>
-            <ac:spMk id="12" creationId="{002F249E-01CD-4A15-802F-2FC4DE855BEF}"/>
-          </ac:spMkLst>
-        </pc:spChg>
-        <pc:spChg chg="add del mod">
-          <ac:chgData name="John K. Barrera" userId="ff20ac3aac775278" providerId="LiveId" clId="{D2B16D9E-8DC3-4D4C-927D-0F5AA29F5383}" dt="2022-03-09T11:24:25.257" v="5663" actId="478"/>
-          <ac:spMkLst>
-            <pc:docMk/>
-            <pc:sldMk cId="3879261182" sldId="385"/>
-            <ac:spMk id="13" creationId="{1C275BC1-19B3-47BB-A7DB-D34B425E4F21}"/>
-          </ac:spMkLst>
-        </pc:spChg>
-        <pc:spChg chg="add del mod">
-          <ac:chgData name="John K. Barrera" userId="ff20ac3aac775278" providerId="LiveId" clId="{D2B16D9E-8DC3-4D4C-927D-0F5AA29F5383}" dt="2022-03-09T11:07:07.517" v="5498" actId="478"/>
-          <ac:spMkLst>
-            <pc:docMk/>
-            <pc:sldMk cId="3879261182" sldId="385"/>
-            <ac:spMk id="14" creationId="{980CBEAB-6C3E-46A8-A6F3-17FEF36A433E}"/>
-          </ac:spMkLst>
-        </pc:spChg>
-        <pc:spChg chg="mod">
-          <ac:chgData name="John K. Barrera" userId="ff20ac3aac775278" providerId="LiveId" clId="{D2B16D9E-8DC3-4D4C-927D-0F5AA29F5383}" dt="2022-03-09T11:35:25.033" v="5981" actId="1076"/>
-          <ac:spMkLst>
-            <pc:docMk/>
-            <pc:sldMk cId="3879261182" sldId="385"/>
-            <ac:spMk id="15" creationId="{DA903829-C857-466F-8663-51CF8927D68D}"/>
-          </ac:spMkLst>
-        </pc:spChg>
-        <pc:spChg chg="add del">
-          <ac:chgData name="John K. Barrera" userId="ff20ac3aac775278" providerId="LiveId" clId="{D2B16D9E-8DC3-4D4C-927D-0F5AA29F5383}" dt="2022-03-09T11:24:13.342" v="5662" actId="478"/>
-          <ac:spMkLst>
-            <pc:docMk/>
-            <pc:sldMk cId="3879261182" sldId="385"/>
-            <ac:spMk id="16" creationId="{94815CAF-429E-42E4-9FA2-F58C51BF96AC}"/>
-          </ac:spMkLst>
-        </pc:spChg>
-        <pc:spChg chg="add mod">
-          <ac:chgData name="John K. Barrera" userId="ff20ac3aac775278" providerId="LiveId" clId="{D2B16D9E-8DC3-4D4C-927D-0F5AA29F5383}" dt="2022-03-09T11:35:39.407" v="6003" actId="1038"/>
-          <ac:spMkLst>
-            <pc:docMk/>
-            <pc:sldMk cId="3879261182" sldId="385"/>
-            <ac:spMk id="17" creationId="{34F8657C-D213-4E11-9EC3-19F8C085075A}"/>
-          </ac:spMkLst>
-        </pc:spChg>
-        <pc:spChg chg="add mod">
-          <ac:chgData name="John K. Barrera" userId="ff20ac3aac775278" providerId="LiveId" clId="{D2B16D9E-8DC3-4D4C-927D-0F5AA29F5383}" dt="2022-03-09T11:35:41.453" v="6004" actId="1038"/>
-          <ac:spMkLst>
-            <pc:docMk/>
-            <pc:sldMk cId="3879261182" sldId="385"/>
-            <ac:spMk id="19" creationId="{15D42EE5-BA93-489A-AF31-A69819F38D9D}"/>
-          </ac:spMkLst>
-        </pc:spChg>
-        <pc:spChg chg="add mod">
-          <ac:chgData name="John K. Barrera" userId="ff20ac3aac775278" providerId="LiveId" clId="{D2B16D9E-8DC3-4D4C-927D-0F5AA29F5383}" dt="2022-03-09T11:32:57.969" v="5794" actId="1076"/>
-          <ac:spMkLst>
-            <pc:docMk/>
-            <pc:sldMk cId="3879261182" sldId="385"/>
-            <ac:spMk id="20" creationId="{93DBA4B8-87D0-4D67-8235-C991B44331B8}"/>
-          </ac:spMkLst>
-        </pc:spChg>
-        <pc:spChg chg="add del mod">
-          <ac:chgData name="John K. Barrera" userId="ff20ac3aac775278" providerId="LiveId" clId="{D2B16D9E-8DC3-4D4C-927D-0F5AA29F5383}" dt="2022-03-09T11:26:07.999" v="5688" actId="478"/>
-          <ac:spMkLst>
-            <pc:docMk/>
-            <pc:sldMk cId="3879261182" sldId="385"/>
-            <ac:spMk id="21" creationId="{4336A14F-1EAD-4234-8DF2-AAF3E2810BBD}"/>
-          </ac:spMkLst>
-        </pc:spChg>
-        <pc:spChg chg="del mod">
-          <ac:chgData name="John K. Barrera" userId="ff20ac3aac775278" providerId="LiveId" clId="{D2B16D9E-8DC3-4D4C-927D-0F5AA29F5383}" dt="2022-03-09T11:07:11.657" v="5500" actId="478"/>
-          <ac:spMkLst>
-            <pc:docMk/>
-            <pc:sldMk cId="3879261182" sldId="385"/>
-            <ac:spMk id="22" creationId="{C89DB2A0-1EF6-4E1F-8C52-F1B20078FA77}"/>
-          </ac:spMkLst>
-        </pc:spChg>
-        <pc:spChg chg="add del mod">
-          <ac:chgData name="John K. Barrera" userId="ff20ac3aac775278" providerId="LiveId" clId="{D2B16D9E-8DC3-4D4C-927D-0F5AA29F5383}" dt="2022-03-09T11:26:09.585" v="5689" actId="478"/>
-          <ac:spMkLst>
-            <pc:docMk/>
-            <pc:sldMk cId="3879261182" sldId="385"/>
-            <ac:spMk id="23" creationId="{99C693C3-DE33-4169-96BF-A23A2759A18D}"/>
-          </ac:spMkLst>
-        </pc:spChg>
-        <pc:spChg chg="add mod">
-          <ac:chgData name="John K. Barrera" userId="ff20ac3aac775278" providerId="LiveId" clId="{D2B16D9E-8DC3-4D4C-927D-0F5AA29F5383}" dt="2022-03-09T11:32:36.571" v="5788" actId="1035"/>
-          <ac:spMkLst>
-            <pc:docMk/>
-            <pc:sldMk cId="3879261182" sldId="385"/>
-            <ac:spMk id="26" creationId="{DD01CE75-A86A-4E88-A6D6-B78F895FFFF1}"/>
-          </ac:spMkLst>
-        </pc:spChg>
-        <pc:spChg chg="add del mod">
-          <ac:chgData name="John K. Barrera" userId="ff20ac3aac775278" providerId="LiveId" clId="{D2B16D9E-8DC3-4D4C-927D-0F5AA29F5383}" dt="2022-03-09T11:27:24.593" v="5708" actId="478"/>
-          <ac:spMkLst>
-            <pc:docMk/>
-            <pc:sldMk cId="3879261182" sldId="385"/>
-            <ac:spMk id="27" creationId="{A6F73388-D048-47E5-956A-08FB23E156E1}"/>
-          </ac:spMkLst>
-        </pc:spChg>
-        <pc:spChg chg="add mod">
-          <ac:chgData name="John K. Barrera" userId="ff20ac3aac775278" providerId="LiveId" clId="{D2B16D9E-8DC3-4D4C-927D-0F5AA29F5383}" dt="2022-03-09T11:32:36.571" v="5788" actId="1035"/>
-          <ac:spMkLst>
-            <pc:docMk/>
-            <pc:sldMk cId="3879261182" sldId="385"/>
-            <ac:spMk id="28" creationId="{314D838B-F93E-4267-94EA-A48F2F11FAA2}"/>
-          </ac:spMkLst>
-        </pc:spChg>
-        <pc:spChg chg="add mod">
-          <ac:chgData name="John K. Barrera" userId="ff20ac3aac775278" providerId="LiveId" clId="{D2B16D9E-8DC3-4D4C-927D-0F5AA29F5383}" dt="2022-03-09T11:35:34.050" v="6001" actId="1038"/>
-          <ac:spMkLst>
-            <pc:docMk/>
-            <pc:sldMk cId="3879261182" sldId="385"/>
-            <ac:spMk id="29" creationId="{6C19B810-4E7C-4992-8FD8-9F45F91FAFD0}"/>
-          </ac:spMkLst>
-        </pc:spChg>
-        <pc:graphicFrameChg chg="add mod modGraphic">
-          <ac:chgData name="John K. Barrera" userId="ff20ac3aac775278" providerId="LiveId" clId="{D2B16D9E-8DC3-4D4C-927D-0F5AA29F5383}" dt="2022-03-09T11:36:00.879" v="6007" actId="12385"/>
-          <ac:graphicFrameMkLst>
-            <pc:docMk/>
-            <pc:sldMk cId="3879261182" sldId="385"/>
-            <ac:graphicFrameMk id="2" creationId="{C3F8EEE8-3856-4109-91B8-5A4B35348EFB}"/>
-          </ac:graphicFrameMkLst>
-        </pc:graphicFrameChg>
-        <pc:picChg chg="add del mod">
-          <ac:chgData name="John K. Barrera" userId="ff20ac3aac775278" providerId="LiveId" clId="{D2B16D9E-8DC3-4D4C-927D-0F5AA29F5383}" dt="2022-03-09T11:07:08.903" v="5499" actId="478"/>
-          <ac:picMkLst>
-            <pc:docMk/>
-            <pc:sldMk cId="3879261182" sldId="385"/>
-            <ac:picMk id="6" creationId="{16E8B1FF-C3C6-440C-80A5-FB6A937B534E}"/>
-          </ac:picMkLst>
-        </pc:picChg>
-        <pc:picChg chg="del">
-          <ac:chgData name="John K. Barrera" userId="ff20ac3aac775278" providerId="LiveId" clId="{D2B16D9E-8DC3-4D4C-927D-0F5AA29F5383}" dt="2022-03-09T09:16:18.162" v="5079" actId="478"/>
-          <ac:picMkLst>
-            <pc:docMk/>
-            <pc:sldMk cId="3879261182" sldId="385"/>
-            <ac:picMk id="3078" creationId="{9AB9DC79-7B15-49F6-802C-2CB88241FD0F}"/>
-          </ac:picMkLst>
-        </pc:picChg>
-        <pc:cxnChg chg="del">
-          <ac:chgData name="John K. Barrera" userId="ff20ac3aac775278" providerId="LiveId" clId="{D2B16D9E-8DC3-4D4C-927D-0F5AA29F5383}" dt="2022-03-09T09:51:54.373" v="5278" actId="478"/>
-          <ac:cxnSpMkLst>
-            <pc:docMk/>
-            <pc:sldMk cId="3879261182" sldId="385"/>
-            <ac:cxnSpMk id="18" creationId="{1A4C22F2-7E66-4596-8D99-65F67FE21C94}"/>
-          </ac:cxnSpMkLst>
-        </pc:cxnChg>
-        <pc:cxnChg chg="add mod">
-          <ac:chgData name="John K. Barrera" userId="ff20ac3aac775278" providerId="LiveId" clId="{D2B16D9E-8DC3-4D4C-927D-0F5AA29F5383}" dt="2022-03-09T11:37:09.672" v="6013" actId="13822"/>
-          <ac:cxnSpMkLst>
-            <pc:docMk/>
-            <pc:sldMk cId="3879261182" sldId="385"/>
-            <ac:cxnSpMk id="30" creationId="{51F1CF5C-3F46-4DE2-8821-8960B7CCFC74}"/>
-          </ac:cxnSpMkLst>
-        </pc:cxnChg>
-      </pc:sldChg>
-      <pc:sldChg chg="addSp delSp modSp add mod">
-        <pc:chgData name="John K. Barrera" userId="ff20ac3aac775278" providerId="LiveId" clId="{D2B16D9E-8DC3-4D4C-927D-0F5AA29F5383}" dt="2022-03-09T17:44:45.888" v="7030" actId="114"/>
-        <pc:sldMkLst>
-          <pc:docMk/>
-          <pc:sldMk cId="589919183" sldId="386"/>
-        </pc:sldMkLst>
-        <pc:spChg chg="del mod">
-          <ac:chgData name="John K. Barrera" userId="ff20ac3aac775278" providerId="LiveId" clId="{D2B16D9E-8DC3-4D4C-927D-0F5AA29F5383}" dt="2022-03-09T11:06:39.580" v="5489" actId="478"/>
-          <ac:spMkLst>
-            <pc:docMk/>
-            <pc:sldMk cId="589919183" sldId="386"/>
-            <ac:spMk id="12" creationId="{002F249E-01CD-4A15-802F-2FC4DE855BEF}"/>
-          </ac:spMkLst>
-        </pc:spChg>
-        <pc:spChg chg="mod">
-          <ac:chgData name="John K. Barrera" userId="ff20ac3aac775278" providerId="LiveId" clId="{D2B16D9E-8DC3-4D4C-927D-0F5AA29F5383}" dt="2022-03-09T12:01:09.823" v="6965" actId="1076"/>
-          <ac:spMkLst>
-            <pc:docMk/>
-            <pc:sldMk cId="589919183" sldId="386"/>
-            <ac:spMk id="14" creationId="{980CBEAB-6C3E-46A8-A6F3-17FEF36A433E}"/>
-          </ac:spMkLst>
-        </pc:spChg>
-        <pc:spChg chg="mod">
-          <ac:chgData name="John K. Barrera" userId="ff20ac3aac775278" providerId="LiveId" clId="{D2B16D9E-8DC3-4D4C-927D-0F5AA29F5383}" dt="2022-03-09T17:44:38.493" v="7028" actId="20577"/>
-          <ac:spMkLst>
-            <pc:docMk/>
-            <pc:sldMk cId="589919183" sldId="386"/>
-            <ac:spMk id="15" creationId="{DA903829-C857-466F-8663-51CF8927D68D}"/>
-          </ac:spMkLst>
-        </pc:spChg>
-        <pc:spChg chg="add mod">
-          <ac:chgData name="John K. Barrera" userId="ff20ac3aac775278" providerId="LiveId" clId="{D2B16D9E-8DC3-4D4C-927D-0F5AA29F5383}" dt="2022-03-09T11:52:55.978" v="6550" actId="1076"/>
-          <ac:spMkLst>
-            <pc:docMk/>
-            <pc:sldMk cId="589919183" sldId="386"/>
-            <ac:spMk id="16" creationId="{9E8C0DFE-F61B-46F0-AF04-DB1400539FFA}"/>
-          </ac:spMkLst>
-        </pc:spChg>
-        <pc:spChg chg="add mod">
-          <ac:chgData name="John K. Barrera" userId="ff20ac3aac775278" providerId="LiveId" clId="{D2B16D9E-8DC3-4D4C-927D-0F5AA29F5383}" dt="2022-03-09T12:00:33.785" v="6940" actId="20577"/>
-          <ac:spMkLst>
-            <pc:docMk/>
-            <pc:sldMk cId="589919183" sldId="386"/>
-            <ac:spMk id="17" creationId="{F0497EF3-586B-4673-B866-730A9F140836}"/>
-          </ac:spMkLst>
-        </pc:spChg>
-        <pc:spChg chg="mod">
-          <ac:chgData name="John K. Barrera" userId="ff20ac3aac775278" providerId="LiveId" clId="{D2B16D9E-8DC3-4D4C-927D-0F5AA29F5383}" dt="2022-03-09T17:44:45.888" v="7030" actId="114"/>
-          <ac:spMkLst>
-            <pc:docMk/>
-            <pc:sldMk cId="589919183" sldId="386"/>
-            <ac:spMk id="22" creationId="{C89DB2A0-1EF6-4E1F-8C52-F1B20078FA77}"/>
-          </ac:spMkLst>
-        </pc:spChg>
-        <pc:graphicFrameChg chg="del mod">
-          <ac:chgData name="John K. Barrera" userId="ff20ac3aac775278" providerId="LiveId" clId="{D2B16D9E-8DC3-4D4C-927D-0F5AA29F5383}" dt="2022-03-09T11:33:44.588" v="5812" actId="478"/>
-          <ac:graphicFrameMkLst>
-            <pc:docMk/>
-            <pc:sldMk cId="589919183" sldId="386"/>
-            <ac:graphicFrameMk id="2" creationId="{C3F8EEE8-3856-4109-91B8-5A4B35348EFB}"/>
-          </ac:graphicFrameMkLst>
-        </pc:graphicFrameChg>
-        <pc:picChg chg="del">
-          <ac:chgData name="John K. Barrera" userId="ff20ac3aac775278" providerId="LiveId" clId="{D2B16D9E-8DC3-4D4C-927D-0F5AA29F5383}" dt="2022-03-09T11:05:20.006" v="5474" actId="478"/>
-          <ac:picMkLst>
-            <pc:docMk/>
-            <pc:sldMk cId="589919183" sldId="386"/>
-            <ac:picMk id="6" creationId="{16E8B1FF-C3C6-440C-80A5-FB6A937B534E}"/>
-          </ac:picMkLst>
-        </pc:picChg>
-        <pc:picChg chg="add mod">
-          <ac:chgData name="John K. Barrera" userId="ff20ac3aac775278" providerId="LiveId" clId="{D2B16D9E-8DC3-4D4C-927D-0F5AA29F5383}" dt="2022-03-09T12:01:53.539" v="6967" actId="1076"/>
-          <ac:picMkLst>
-            <pc:docMk/>
-            <pc:sldMk cId="589919183" sldId="386"/>
-            <ac:picMk id="7" creationId="{5B0AC798-60E9-4734-AEEF-3F600013BA2B}"/>
-          </ac:picMkLst>
-        </pc:picChg>
-      </pc:sldChg>
-      <pc:sldChg chg="add del">
-        <pc:chgData name="John K. Barrera" userId="ff20ac3aac775278" providerId="LiveId" clId="{D2B16D9E-8DC3-4D4C-927D-0F5AA29F5383}" dt="2022-03-09T11:07:02.455" v="5497" actId="47"/>
-        <pc:sldMkLst>
-          <pc:docMk/>
-          <pc:sldMk cId="116468457" sldId="387"/>
-        </pc:sldMkLst>
-      </pc:sldChg>
-      <pc:sldChg chg="addSp modSp add mod">
-        <pc:chgData name="John K. Barrera" userId="ff20ac3aac775278" providerId="LiveId" clId="{D2B16D9E-8DC3-4D4C-927D-0F5AA29F5383}" dt="2022-03-09T11:51:06.013" v="6404" actId="20577"/>
-        <pc:sldMkLst>
-          <pc:docMk/>
-          <pc:sldMk cId="684866759" sldId="387"/>
-        </pc:sldMkLst>
-        <pc:spChg chg="mod">
-          <ac:chgData name="John K. Barrera" userId="ff20ac3aac775278" providerId="LiveId" clId="{D2B16D9E-8DC3-4D4C-927D-0F5AA29F5383}" dt="2022-03-09T11:49:08.401" v="6397" actId="1036"/>
-          <ac:spMkLst>
-            <pc:docMk/>
-            <pc:sldMk cId="684866759" sldId="387"/>
-            <ac:spMk id="7" creationId="{E16F2D60-BC2C-4C9E-8C34-68F88E2BC9CD}"/>
-          </ac:spMkLst>
-        </pc:spChg>
-        <pc:spChg chg="mod">
-          <ac:chgData name="John K. Barrera" userId="ff20ac3aac775278" providerId="LiveId" clId="{D2B16D9E-8DC3-4D4C-927D-0F5AA29F5383}" dt="2022-03-09T11:49:08.401" v="6397" actId="1036"/>
-          <ac:spMkLst>
-            <pc:docMk/>
-            <pc:sldMk cId="684866759" sldId="387"/>
-            <ac:spMk id="17" creationId="{34F8657C-D213-4E11-9EC3-19F8C085075A}"/>
-          </ac:spMkLst>
-        </pc:spChg>
-        <pc:spChg chg="mod">
-          <ac:chgData name="John K. Barrera" userId="ff20ac3aac775278" providerId="LiveId" clId="{D2B16D9E-8DC3-4D4C-927D-0F5AA29F5383}" dt="2022-03-09T11:49:08.401" v="6397" actId="1036"/>
-          <ac:spMkLst>
-            <pc:docMk/>
-            <pc:sldMk cId="684866759" sldId="387"/>
-            <ac:spMk id="19" creationId="{15D42EE5-BA93-489A-AF31-A69819F38D9D}"/>
-          </ac:spMkLst>
-        </pc:spChg>
-        <pc:spChg chg="mod">
-          <ac:chgData name="John K. Barrera" userId="ff20ac3aac775278" providerId="LiveId" clId="{D2B16D9E-8DC3-4D4C-927D-0F5AA29F5383}" dt="2022-03-09T11:42:53.868" v="6308" actId="1076"/>
-          <ac:spMkLst>
-            <pc:docMk/>
-            <pc:sldMk cId="684866759" sldId="387"/>
-            <ac:spMk id="20" creationId="{93DBA4B8-87D0-4D67-8235-C991B44331B8}"/>
-          </ac:spMkLst>
-        </pc:spChg>
-        <pc:spChg chg="add mod">
-          <ac:chgData name="John K. Barrera" userId="ff20ac3aac775278" providerId="LiveId" clId="{D2B16D9E-8DC3-4D4C-927D-0F5AA29F5383}" dt="2022-03-09T11:51:06.013" v="6404" actId="20577"/>
-          <ac:spMkLst>
-            <pc:docMk/>
-            <pc:sldMk cId="684866759" sldId="387"/>
-            <ac:spMk id="21" creationId="{D7E9A53A-254C-4D14-A88F-956665D850C9}"/>
-          </ac:spMkLst>
-        </pc:spChg>
-        <pc:spChg chg="mod">
-          <ac:chgData name="John K. Barrera" userId="ff20ac3aac775278" providerId="LiveId" clId="{D2B16D9E-8DC3-4D4C-927D-0F5AA29F5383}" dt="2022-03-09T11:49:08.401" v="6397" actId="1036"/>
-          <ac:spMkLst>
-            <pc:docMk/>
-            <pc:sldMk cId="684866759" sldId="387"/>
-            <ac:spMk id="26" creationId="{DD01CE75-A86A-4E88-A6D6-B78F895FFFF1}"/>
-          </ac:spMkLst>
-        </pc:spChg>
-        <pc:spChg chg="mod">
-          <ac:chgData name="John K. Barrera" userId="ff20ac3aac775278" providerId="LiveId" clId="{D2B16D9E-8DC3-4D4C-927D-0F5AA29F5383}" dt="2022-03-09T11:49:08.401" v="6397" actId="1036"/>
-          <ac:spMkLst>
-            <pc:docMk/>
-            <pc:sldMk cId="684866759" sldId="387"/>
-            <ac:spMk id="28" creationId="{314D838B-F93E-4267-94EA-A48F2F11FAA2}"/>
-          </ac:spMkLst>
-        </pc:spChg>
-        <pc:spChg chg="mod">
-          <ac:chgData name="John K. Barrera" userId="ff20ac3aac775278" providerId="LiveId" clId="{D2B16D9E-8DC3-4D4C-927D-0F5AA29F5383}" dt="2022-03-09T11:49:08.401" v="6397" actId="1036"/>
-          <ac:spMkLst>
-            <pc:docMk/>
-            <pc:sldMk cId="684866759" sldId="387"/>
-            <ac:spMk id="29" creationId="{6C19B810-4E7C-4992-8FD8-9F45F91FAFD0}"/>
-          </ac:spMkLst>
-        </pc:spChg>
-        <pc:graphicFrameChg chg="mod">
-          <ac:chgData name="John K. Barrera" userId="ff20ac3aac775278" providerId="LiveId" clId="{D2B16D9E-8DC3-4D4C-927D-0F5AA29F5383}" dt="2022-03-09T11:42:51.334" v="6307" actId="1076"/>
-          <ac:graphicFrameMkLst>
-            <pc:docMk/>
-            <pc:sldMk cId="684866759" sldId="387"/>
-            <ac:graphicFrameMk id="2" creationId="{C3F8EEE8-3856-4109-91B8-5A4B35348EFB}"/>
-          </ac:graphicFrameMkLst>
-        </pc:graphicFrameChg>
-        <pc:cxnChg chg="mod">
-          <ac:chgData name="John K. Barrera" userId="ff20ac3aac775278" providerId="LiveId" clId="{D2B16D9E-8DC3-4D4C-927D-0F5AA29F5383}" dt="2022-03-09T11:43:01.685" v="6310" actId="14100"/>
-          <ac:cxnSpMkLst>
-            <pc:docMk/>
-            <pc:sldMk cId="684866759" sldId="387"/>
-            <ac:cxnSpMk id="30" creationId="{51F1CF5C-3F46-4DE2-8821-8960B7CCFC74}"/>
-          </ac:cxnSpMkLst>
-        </pc:cxnChg>
-      </pc:sldChg>
-      <pc:sldChg chg="addSp delSp modSp add mod">
-        <pc:chgData name="John K. Barrera" userId="ff20ac3aac775278" providerId="LiveId" clId="{D2B16D9E-8DC3-4D4C-927D-0F5AA29F5383}" dt="2022-03-16T05:38:03.975" v="9644" actId="14100"/>
-        <pc:sldMkLst>
-          <pc:docMk/>
-          <pc:sldMk cId="1669639385" sldId="388"/>
-        </pc:sldMkLst>
-        <pc:spChg chg="mod">
-          <ac:chgData name="John K. Barrera" userId="ff20ac3aac775278" providerId="LiveId" clId="{D2B16D9E-8DC3-4D4C-927D-0F5AA29F5383}" dt="2022-03-16T05:03:22.887" v="7854" actId="20577"/>
-          <ac:spMkLst>
-            <pc:docMk/>
-            <pc:sldMk cId="1669639385" sldId="388"/>
-            <ac:spMk id="5" creationId="{48D2A9BD-EBF3-4CF7-A61E-49631D4D1DBB}"/>
-          </ac:spMkLst>
-        </pc:spChg>
-        <pc:spChg chg="del">
-          <ac:chgData name="John K. Barrera" userId="ff20ac3aac775278" providerId="LiveId" clId="{D2B16D9E-8DC3-4D4C-927D-0F5AA29F5383}" dt="2022-03-15T21:02:48.428" v="7044" actId="478"/>
-          <ac:spMkLst>
-            <pc:docMk/>
-            <pc:sldMk cId="1669639385" sldId="388"/>
-            <ac:spMk id="7" creationId="{E16F2D60-BC2C-4C9E-8C34-68F88E2BC9CD}"/>
-          </ac:spMkLst>
-        </pc:spChg>
-        <pc:spChg chg="mod">
-          <ac:chgData name="John K. Barrera" userId="ff20ac3aac775278" providerId="LiveId" clId="{D2B16D9E-8DC3-4D4C-927D-0F5AA29F5383}" dt="2022-03-16T05:02:59.850" v="7850" actId="313"/>
-          <ac:spMkLst>
-            <pc:docMk/>
-            <pc:sldMk cId="1669639385" sldId="388"/>
-            <ac:spMk id="12" creationId="{002F249E-01CD-4A15-802F-2FC4DE855BEF}"/>
-          </ac:spMkLst>
-        </pc:spChg>
-        <pc:spChg chg="del">
-          <ac:chgData name="John K. Barrera" userId="ff20ac3aac775278" providerId="LiveId" clId="{D2B16D9E-8DC3-4D4C-927D-0F5AA29F5383}" dt="2022-03-15T21:02:55.112" v="7045" actId="478"/>
-          <ac:spMkLst>
-            <pc:docMk/>
-            <pc:sldMk cId="1669639385" sldId="388"/>
-            <ac:spMk id="15" creationId="{DA903829-C857-466F-8663-51CF8927D68D}"/>
-          </ac:spMkLst>
-        </pc:spChg>
-        <pc:spChg chg="del">
-          <ac:chgData name="John K. Barrera" userId="ff20ac3aac775278" providerId="LiveId" clId="{D2B16D9E-8DC3-4D4C-927D-0F5AA29F5383}" dt="2022-03-15T21:02:48.428" v="7044" actId="478"/>
-          <ac:spMkLst>
-            <pc:docMk/>
-            <pc:sldMk cId="1669639385" sldId="388"/>
-            <ac:spMk id="17" creationId="{34F8657C-D213-4E11-9EC3-19F8C085075A}"/>
-          </ac:spMkLst>
-        </pc:spChg>
-        <pc:spChg chg="del">
-          <ac:chgData name="John K. Barrera" userId="ff20ac3aac775278" providerId="LiveId" clId="{D2B16D9E-8DC3-4D4C-927D-0F5AA29F5383}" dt="2022-03-15T21:02:48.428" v="7044" actId="478"/>
-          <ac:spMkLst>
-            <pc:docMk/>
-            <pc:sldMk cId="1669639385" sldId="388"/>
-            <ac:spMk id="19" creationId="{15D42EE5-BA93-489A-AF31-A69819F38D9D}"/>
-          </ac:spMkLst>
-        </pc:spChg>
-        <pc:spChg chg="del">
-          <ac:chgData name="John K. Barrera" userId="ff20ac3aac775278" providerId="LiveId" clId="{D2B16D9E-8DC3-4D4C-927D-0F5AA29F5383}" dt="2022-03-15T21:02:48.428" v="7044" actId="478"/>
-          <ac:spMkLst>
-            <pc:docMk/>
-            <pc:sldMk cId="1669639385" sldId="388"/>
-            <ac:spMk id="20" creationId="{93DBA4B8-87D0-4D67-8235-C991B44331B8}"/>
-          </ac:spMkLst>
-        </pc:spChg>
-        <pc:spChg chg="del">
-          <ac:chgData name="John K. Barrera" userId="ff20ac3aac775278" providerId="LiveId" clId="{D2B16D9E-8DC3-4D4C-927D-0F5AA29F5383}" dt="2022-03-15T21:02:48.428" v="7044" actId="478"/>
-          <ac:spMkLst>
-            <pc:docMk/>
-            <pc:sldMk cId="1669639385" sldId="388"/>
-            <ac:spMk id="21" creationId="{D7E9A53A-254C-4D14-A88F-956665D850C9}"/>
-          </ac:spMkLst>
-        </pc:spChg>
-        <pc:spChg chg="add mod">
-          <ac:chgData name="John K. Barrera" userId="ff20ac3aac775278" providerId="LiveId" clId="{D2B16D9E-8DC3-4D4C-927D-0F5AA29F5383}" dt="2022-03-16T05:11:26.614" v="8273" actId="1036"/>
-          <ac:spMkLst>
-            <pc:docMk/>
-            <pc:sldMk cId="1669639385" sldId="388"/>
-            <ac:spMk id="23" creationId="{CCA30781-67CE-47BA-B924-CB2F82302D11}"/>
-          </ac:spMkLst>
-        </pc:spChg>
-        <pc:spChg chg="add mod">
-          <ac:chgData name="John K. Barrera" userId="ff20ac3aac775278" providerId="LiveId" clId="{D2B16D9E-8DC3-4D4C-927D-0F5AA29F5383}" dt="2022-03-16T05:11:26.614" v="8273" actId="1036"/>
-          <ac:spMkLst>
-            <pc:docMk/>
-            <pc:sldMk cId="1669639385" sldId="388"/>
-            <ac:spMk id="24" creationId="{471E8434-25FE-4AF5-A8A4-8C34D02A5BC4}"/>
-          </ac:spMkLst>
-        </pc:spChg>
-        <pc:spChg chg="add del mod">
-          <ac:chgData name="John K. Barrera" userId="ff20ac3aac775278" providerId="LiveId" clId="{D2B16D9E-8DC3-4D4C-927D-0F5AA29F5383}" dt="2022-03-16T04:58:46.416" v="7798" actId="478"/>
-          <ac:spMkLst>
-            <pc:docMk/>
-            <pc:sldMk cId="1669639385" sldId="388"/>
-            <ac:spMk id="25" creationId="{58050091-0308-43FA-B045-262CC6FF1131}"/>
-          </ac:spMkLst>
-        </pc:spChg>
-        <pc:spChg chg="del">
-          <ac:chgData name="John K. Barrera" userId="ff20ac3aac775278" providerId="LiveId" clId="{D2B16D9E-8DC3-4D4C-927D-0F5AA29F5383}" dt="2022-03-15T21:02:48.428" v="7044" actId="478"/>
-          <ac:spMkLst>
-            <pc:docMk/>
-            <pc:sldMk cId="1669639385" sldId="388"/>
-            <ac:spMk id="26" creationId="{DD01CE75-A86A-4E88-A6D6-B78F895FFFF1}"/>
-          </ac:spMkLst>
-        </pc:spChg>
-        <pc:spChg chg="add del mod">
-          <ac:chgData name="John K. Barrera" userId="ff20ac3aac775278" providerId="LiveId" clId="{D2B16D9E-8DC3-4D4C-927D-0F5AA29F5383}" dt="2022-03-16T05:22:21.538" v="8499" actId="478"/>
-          <ac:spMkLst>
-            <pc:docMk/>
-            <pc:sldMk cId="1669639385" sldId="388"/>
-            <ac:spMk id="27" creationId="{1D6548EB-17B9-4972-A54E-BDB9D3C1D6D7}"/>
-          </ac:spMkLst>
-        </pc:spChg>
-        <pc:spChg chg="del">
-          <ac:chgData name="John K. Barrera" userId="ff20ac3aac775278" providerId="LiveId" clId="{D2B16D9E-8DC3-4D4C-927D-0F5AA29F5383}" dt="2022-03-15T21:02:48.428" v="7044" actId="478"/>
-          <ac:spMkLst>
-            <pc:docMk/>
-            <pc:sldMk cId="1669639385" sldId="388"/>
-            <ac:spMk id="28" creationId="{314D838B-F93E-4267-94EA-A48F2F11FAA2}"/>
-          </ac:spMkLst>
-        </pc:spChg>
-        <pc:spChg chg="del">
-          <ac:chgData name="John K. Barrera" userId="ff20ac3aac775278" providerId="LiveId" clId="{D2B16D9E-8DC3-4D4C-927D-0F5AA29F5383}" dt="2022-03-15T21:02:48.428" v="7044" actId="478"/>
-          <ac:spMkLst>
-            <pc:docMk/>
-            <pc:sldMk cId="1669639385" sldId="388"/>
-            <ac:spMk id="29" creationId="{6C19B810-4E7C-4992-8FD8-9F45F91FAFD0}"/>
-          </ac:spMkLst>
-        </pc:spChg>
-        <pc:spChg chg="add mod ord">
-          <ac:chgData name="John K. Barrera" userId="ff20ac3aac775278" providerId="LiveId" clId="{D2B16D9E-8DC3-4D4C-927D-0F5AA29F5383}" dt="2022-03-16T05:16:14.842" v="8419" actId="1036"/>
-          <ac:spMkLst>
-            <pc:docMk/>
-            <pc:sldMk cId="1669639385" sldId="388"/>
-            <ac:spMk id="31" creationId="{59E3D736-C75E-4EDE-9010-66ABC0EFAA23}"/>
-          </ac:spMkLst>
-        </pc:spChg>
-        <pc:spChg chg="add mod">
-          <ac:chgData name="John K. Barrera" userId="ff20ac3aac775278" providerId="LiveId" clId="{D2B16D9E-8DC3-4D4C-927D-0F5AA29F5383}" dt="2022-03-16T05:08:10.145" v="8132" actId="1036"/>
-          <ac:spMkLst>
-            <pc:docMk/>
-            <pc:sldMk cId="1669639385" sldId="388"/>
-            <ac:spMk id="32" creationId="{CFB1CFB1-4573-496A-8E39-53AFDF4E9233}"/>
-          </ac:spMkLst>
-        </pc:spChg>
-        <pc:spChg chg="add del mod">
-          <ac:chgData name="John K. Barrera" userId="ff20ac3aac775278" providerId="LiveId" clId="{D2B16D9E-8DC3-4D4C-927D-0F5AA29F5383}" dt="2022-03-16T05:16:20.497" v="8420" actId="1076"/>
-          <ac:spMkLst>
-            <pc:docMk/>
-            <pc:sldMk cId="1669639385" sldId="388"/>
-            <ac:spMk id="33" creationId="{68ACE9AB-A5EC-4A16-8641-13BEDD5770E8}"/>
-          </ac:spMkLst>
-        </pc:spChg>
-        <pc:spChg chg="add mod">
-          <ac:chgData name="John K. Barrera" userId="ff20ac3aac775278" providerId="LiveId" clId="{D2B16D9E-8DC3-4D4C-927D-0F5AA29F5383}" dt="2022-03-16T05:23:03.677" v="8507" actId="1037"/>
-          <ac:spMkLst>
-            <pc:docMk/>
-            <pc:sldMk cId="1669639385" sldId="388"/>
-            <ac:spMk id="38" creationId="{A79F5D43-9288-4BB8-AF51-281F58D97234}"/>
-          </ac:spMkLst>
-        </pc:spChg>
-        <pc:spChg chg="add mod">
-          <ac:chgData name="John K. Barrera" userId="ff20ac3aac775278" providerId="LiveId" clId="{D2B16D9E-8DC3-4D4C-927D-0F5AA29F5383}" dt="2022-03-16T05:23:03.677" v="8507" actId="1037"/>
-          <ac:spMkLst>
-            <pc:docMk/>
-            <pc:sldMk cId="1669639385" sldId="388"/>
-            <ac:spMk id="39" creationId="{69766AD5-AE8E-4AF2-B17B-07E3C147060D}"/>
-          </ac:spMkLst>
-        </pc:spChg>
-        <pc:spChg chg="add mod">
-          <ac:chgData name="John K. Barrera" userId="ff20ac3aac775278" providerId="LiveId" clId="{D2B16D9E-8DC3-4D4C-927D-0F5AA29F5383}" dt="2022-03-16T05:23:03.677" v="8507" actId="1037"/>
-          <ac:spMkLst>
-            <pc:docMk/>
-            <pc:sldMk cId="1669639385" sldId="388"/>
-            <ac:spMk id="40" creationId="{84E6319E-3E56-4994-8A84-213CC0AED736}"/>
-          </ac:spMkLst>
-        </pc:spChg>
-        <pc:spChg chg="add mod">
-          <ac:chgData name="John K. Barrera" userId="ff20ac3aac775278" providerId="LiveId" clId="{D2B16D9E-8DC3-4D4C-927D-0F5AA29F5383}" dt="2022-03-16T05:23:03.677" v="8507" actId="1037"/>
-          <ac:spMkLst>
-            <pc:docMk/>
-            <pc:sldMk cId="1669639385" sldId="388"/>
-            <ac:spMk id="41" creationId="{DA93B6EA-37D6-4471-A137-F3BEF27F9AAB}"/>
-          </ac:spMkLst>
-        </pc:spChg>
-        <pc:spChg chg="add del mod">
-          <ac:chgData name="John K. Barrera" userId="ff20ac3aac775278" providerId="LiveId" clId="{D2B16D9E-8DC3-4D4C-927D-0F5AA29F5383}" dt="2022-03-16T05:19:56.872" v="8453"/>
-          <ac:spMkLst>
-            <pc:docMk/>
-            <pc:sldMk cId="1669639385" sldId="388"/>
-            <ac:spMk id="42" creationId="{98005BE7-91E3-49DC-9E19-8D921F5EE805}"/>
-          </ac:spMkLst>
-        </pc:spChg>
-        <pc:spChg chg="add del mod">
-          <ac:chgData name="John K. Barrera" userId="ff20ac3aac775278" providerId="LiveId" clId="{D2B16D9E-8DC3-4D4C-927D-0F5AA29F5383}" dt="2022-03-16T05:20:26.777" v="8459" actId="478"/>
-          <ac:spMkLst>
-            <pc:docMk/>
-            <pc:sldMk cId="1669639385" sldId="388"/>
-            <ac:spMk id="44" creationId="{08B67099-F48C-4B5E-9EFA-A22D9DC636C2}"/>
-          </ac:spMkLst>
-        </pc:spChg>
-        <pc:spChg chg="add mod">
-          <ac:chgData name="John K. Barrera" userId="ff20ac3aac775278" providerId="LiveId" clId="{D2B16D9E-8DC3-4D4C-927D-0F5AA29F5383}" dt="2022-03-16T05:21:41.421" v="8486" actId="1035"/>
-          <ac:spMkLst>
-            <pc:docMk/>
-            <pc:sldMk cId="1669639385" sldId="388"/>
-            <ac:spMk id="46" creationId="{72E5E3E9-E09F-4490-BC0F-D8053EFE8E68}"/>
-          </ac:spMkLst>
-        </pc:spChg>
-        <pc:spChg chg="add mod">
-          <ac:chgData name="John K. Barrera" userId="ff20ac3aac775278" providerId="LiveId" clId="{D2B16D9E-8DC3-4D4C-927D-0F5AA29F5383}" dt="2022-03-16T05:22:00.619" v="8496"/>
-          <ac:spMkLst>
-            <pc:docMk/>
-            <pc:sldMk cId="1669639385" sldId="388"/>
-            <ac:spMk id="47" creationId="{D19F447C-190B-4421-859B-CC3CC4E7F3F6}"/>
-          </ac:spMkLst>
-        </pc:spChg>
-        <pc:spChg chg="add mod">
-          <ac:chgData name="John K. Barrera" userId="ff20ac3aac775278" providerId="LiveId" clId="{D2B16D9E-8DC3-4D4C-927D-0F5AA29F5383}" dt="2022-03-16T05:22:11.764" v="8497"/>
-          <ac:spMkLst>
-            <pc:docMk/>
-            <pc:sldMk cId="1669639385" sldId="388"/>
-            <ac:spMk id="48" creationId="{3A62280A-3E6E-4B90-96B1-1A3EE064C7E9}"/>
-          </ac:spMkLst>
-        </pc:spChg>
-        <pc:spChg chg="add mod">
-          <ac:chgData name="John K. Barrera" userId="ff20ac3aac775278" providerId="LiveId" clId="{D2B16D9E-8DC3-4D4C-927D-0F5AA29F5383}" dt="2022-03-16T05:22:18.350" v="8498"/>
-          <ac:spMkLst>
-            <pc:docMk/>
-            <pc:sldMk cId="1669639385" sldId="388"/>
-            <ac:spMk id="49" creationId="{5FFEDFCF-4A4E-4882-8BD4-3AF7FC179A43}"/>
-          </ac:spMkLst>
-        </pc:spChg>
-        <pc:graphicFrameChg chg="del">
-          <ac:chgData name="John K. Barrera" userId="ff20ac3aac775278" providerId="LiveId" clId="{D2B16D9E-8DC3-4D4C-927D-0F5AA29F5383}" dt="2022-03-15T21:02:48.428" v="7044" actId="478"/>
-          <ac:graphicFrameMkLst>
-            <pc:docMk/>
-            <pc:sldMk cId="1669639385" sldId="388"/>
-            <ac:graphicFrameMk id="2" creationId="{C3F8EEE8-3856-4109-91B8-5A4B35348EFB}"/>
-          </ac:graphicFrameMkLst>
-        </pc:graphicFrameChg>
-        <pc:picChg chg="add del mod">
-          <ac:chgData name="John K. Barrera" userId="ff20ac3aac775278" providerId="LiveId" clId="{D2B16D9E-8DC3-4D4C-927D-0F5AA29F5383}" dt="2022-03-16T04:58:52.485" v="7799" actId="478"/>
-          <ac:picMkLst>
-            <pc:docMk/>
-            <pc:sldMk cId="1669639385" sldId="388"/>
-            <ac:picMk id="6" creationId="{681D20E0-9172-44F9-9C34-38AC9E5DB10E}"/>
-          </ac:picMkLst>
-        </pc:picChg>
-        <pc:picChg chg="add del mod">
-          <ac:chgData name="John K. Barrera" userId="ff20ac3aac775278" providerId="LiveId" clId="{D2B16D9E-8DC3-4D4C-927D-0F5AA29F5383}" dt="2022-03-16T05:07:47.862" v="8116" actId="478"/>
-          <ac:picMkLst>
-            <pc:docMk/>
-            <pc:sldMk cId="1669639385" sldId="388"/>
-            <ac:picMk id="13" creationId="{345438B7-D98E-438A-BEE6-EA7499FCF323}"/>
-          </ac:picMkLst>
-        </pc:picChg>
-        <pc:picChg chg="add del mod">
-          <ac:chgData name="John K. Barrera" userId="ff20ac3aac775278" providerId="LiveId" clId="{D2B16D9E-8DC3-4D4C-927D-0F5AA29F5383}" dt="2022-03-16T05:13:42.206" v="8379" actId="478"/>
-          <ac:picMkLst>
-            <pc:docMk/>
-            <pc:sldMk cId="1669639385" sldId="388"/>
-            <ac:picMk id="16" creationId="{13D74EAB-9AE7-4422-BC81-6EDAC911B98B}"/>
-          </ac:picMkLst>
-        </pc:picChg>
-        <pc:picChg chg="add mod modCrop">
-          <ac:chgData name="John K. Barrera" userId="ff20ac3aac775278" providerId="LiveId" clId="{D2B16D9E-8DC3-4D4C-927D-0F5AA29F5383}" dt="2022-03-16T05:38:03.975" v="9644" actId="14100"/>
-          <ac:picMkLst>
-            <pc:docMk/>
-            <pc:sldMk cId="1669639385" sldId="388"/>
-            <ac:picMk id="35" creationId="{3A73E00B-BEA5-483F-AADD-1FD0D2E41824}"/>
-          </ac:picMkLst>
-        </pc:picChg>
-        <pc:cxnChg chg="add mod">
-          <ac:chgData name="John K. Barrera" userId="ff20ac3aac775278" providerId="LiveId" clId="{D2B16D9E-8DC3-4D4C-927D-0F5AA29F5383}" dt="2022-03-16T04:54:21.664" v="7462" actId="1076"/>
-          <ac:cxnSpMkLst>
-            <pc:docMk/>
-            <pc:sldMk cId="1669639385" sldId="388"/>
-            <ac:cxnSpMk id="18" creationId="{AA99C8EC-E6F9-4A6B-A599-B4CEB02B5AEC}"/>
-          </ac:cxnSpMkLst>
-        </pc:cxnChg>
-        <pc:cxnChg chg="add del mod">
-          <ac:chgData name="John K. Barrera" userId="ff20ac3aac775278" providerId="LiveId" clId="{D2B16D9E-8DC3-4D4C-927D-0F5AA29F5383}" dt="2022-03-16T04:40:39.942" v="7205"/>
-          <ac:cxnSpMkLst>
-            <pc:docMk/>
-            <pc:sldMk cId="1669639385" sldId="388"/>
-            <ac:cxnSpMk id="22" creationId="{EC5DE0C2-43A9-4BF6-BC73-2F20DEA93381}"/>
-          </ac:cxnSpMkLst>
-        </pc:cxnChg>
-        <pc:cxnChg chg="del">
-          <ac:chgData name="John K. Barrera" userId="ff20ac3aac775278" providerId="LiveId" clId="{D2B16D9E-8DC3-4D4C-927D-0F5AA29F5383}" dt="2022-03-15T21:02:48.428" v="7044" actId="478"/>
-          <ac:cxnSpMkLst>
-            <pc:docMk/>
-            <pc:sldMk cId="1669639385" sldId="388"/>
-            <ac:cxnSpMk id="30" creationId="{51F1CF5C-3F46-4DE2-8821-8960B7CCFC74}"/>
-          </ac:cxnSpMkLst>
-        </pc:cxnChg>
-        <pc:cxnChg chg="add mod">
-          <ac:chgData name="John K. Barrera" userId="ff20ac3aac775278" providerId="LiveId" clId="{D2B16D9E-8DC3-4D4C-927D-0F5AA29F5383}" dt="2022-03-16T05:16:14.842" v="8419" actId="1036"/>
-          <ac:cxnSpMkLst>
-            <pc:docMk/>
-            <pc:sldMk cId="1669639385" sldId="388"/>
-            <ac:cxnSpMk id="36" creationId="{78905DF4-9441-41CE-9AD8-12245A68FEA4}"/>
-          </ac:cxnSpMkLst>
-        </pc:cxnChg>
-      </pc:sldChg>
-      <pc:sldChg chg="addSp delSp modSp add mod">
-        <pc:chgData name="John K. Barrera" userId="ff20ac3aac775278" providerId="LiveId" clId="{D2B16D9E-8DC3-4D4C-927D-0F5AA29F5383}" dt="2022-03-16T05:37:33.051" v="9640" actId="6549"/>
-        <pc:sldMkLst>
-          <pc:docMk/>
-          <pc:sldMk cId="2882088050" sldId="389"/>
-        </pc:sldMkLst>
-        <pc:spChg chg="add del">
-          <ac:chgData name="John K. Barrera" userId="ff20ac3aac775278" providerId="LiveId" clId="{D2B16D9E-8DC3-4D4C-927D-0F5AA29F5383}" dt="2022-03-16T05:27:17.581" v="8839"/>
-          <ac:spMkLst>
-            <pc:docMk/>
-            <pc:sldMk cId="2882088050" sldId="389"/>
-            <ac:spMk id="3" creationId="{E1D5DEDF-540C-4E44-8C4A-B23D2471321F}"/>
-          </ac:spMkLst>
-        </pc:spChg>
-        <pc:spChg chg="del">
-          <ac:chgData name="John K. Barrera" userId="ff20ac3aac775278" providerId="LiveId" clId="{D2B16D9E-8DC3-4D4C-927D-0F5AA29F5383}" dt="2022-03-16T05:25:42.224" v="8829" actId="478"/>
-          <ac:spMkLst>
-            <pc:docMk/>
-            <pc:sldMk cId="2882088050" sldId="389"/>
-            <ac:spMk id="7" creationId="{E16F2D60-BC2C-4C9E-8C34-68F88E2BC9CD}"/>
-          </ac:spMkLst>
-        </pc:spChg>
-        <pc:spChg chg="mod">
-          <ac:chgData name="John K. Barrera" userId="ff20ac3aac775278" providerId="LiveId" clId="{D2B16D9E-8DC3-4D4C-927D-0F5AA29F5383}" dt="2022-03-16T05:29:43.033" v="8979" actId="113"/>
-          <ac:spMkLst>
-            <pc:docMk/>
-            <pc:sldMk cId="2882088050" sldId="389"/>
-            <ac:spMk id="12" creationId="{002F249E-01CD-4A15-802F-2FC4DE855BEF}"/>
-          </ac:spMkLst>
-        </pc:spChg>
-        <pc:spChg chg="mod">
-          <ac:chgData name="John K. Barrera" userId="ff20ac3aac775278" providerId="LiveId" clId="{D2B16D9E-8DC3-4D4C-927D-0F5AA29F5383}" dt="2022-03-16T05:37:33.051" v="9640" actId="6549"/>
-          <ac:spMkLst>
-            <pc:docMk/>
-            <pc:sldMk cId="2882088050" sldId="389"/>
-            <ac:spMk id="15" creationId="{DA903829-C857-466F-8663-51CF8927D68D}"/>
-          </ac:spMkLst>
-        </pc:spChg>
-        <pc:spChg chg="del">
-          <ac:chgData name="John K. Barrera" userId="ff20ac3aac775278" providerId="LiveId" clId="{D2B16D9E-8DC3-4D4C-927D-0F5AA29F5383}" dt="2022-03-16T05:25:42.224" v="8829" actId="478"/>
-          <ac:spMkLst>
-            <pc:docMk/>
-            <pc:sldMk cId="2882088050" sldId="389"/>
-            <ac:spMk id="17" creationId="{34F8657C-D213-4E11-9EC3-19F8C085075A}"/>
-          </ac:spMkLst>
-        </pc:spChg>
-        <pc:spChg chg="del mod">
-          <ac:chgData name="John K. Barrera" userId="ff20ac3aac775278" providerId="LiveId" clId="{D2B16D9E-8DC3-4D4C-927D-0F5AA29F5383}" dt="2022-03-16T05:25:46.188" v="8832" actId="478"/>
-          <ac:spMkLst>
-            <pc:docMk/>
-            <pc:sldMk cId="2882088050" sldId="389"/>
-            <ac:spMk id="19" creationId="{15D42EE5-BA93-489A-AF31-A69819F38D9D}"/>
-          </ac:spMkLst>
-        </pc:spChg>
-        <pc:spChg chg="mod">
-          <ac:chgData name="John K. Barrera" userId="ff20ac3aac775278" providerId="LiveId" clId="{D2B16D9E-8DC3-4D4C-927D-0F5AA29F5383}" dt="2022-03-16T05:34:31.807" v="9339" actId="1076"/>
-          <ac:spMkLst>
-            <pc:docMk/>
-            <pc:sldMk cId="2882088050" sldId="389"/>
-            <ac:spMk id="20" creationId="{93DBA4B8-87D0-4D67-8235-C991B44331B8}"/>
-          </ac:spMkLst>
-        </pc:spChg>
-        <pc:spChg chg="del">
-          <ac:chgData name="John K. Barrera" userId="ff20ac3aac775278" providerId="LiveId" clId="{D2B16D9E-8DC3-4D4C-927D-0F5AA29F5383}" dt="2022-03-16T05:25:39.549" v="8828" actId="478"/>
-          <ac:spMkLst>
-            <pc:docMk/>
-            <pc:sldMk cId="2882088050" sldId="389"/>
-            <ac:spMk id="21" creationId="{D7E9A53A-254C-4D14-A88F-956665D850C9}"/>
-          </ac:spMkLst>
-        </pc:spChg>
-        <pc:spChg chg="add mod">
-          <ac:chgData name="John K. Barrera" userId="ff20ac3aac775278" providerId="LiveId" clId="{D2B16D9E-8DC3-4D4C-927D-0F5AA29F5383}" dt="2022-03-16T05:35:28.305" v="9356" actId="313"/>
-          <ac:spMkLst>
-            <pc:docMk/>
-            <pc:sldMk cId="2882088050" sldId="389"/>
-            <ac:spMk id="22" creationId="{370D7F95-846D-45CD-8DBC-5032C1F577C6}"/>
-          </ac:spMkLst>
-        </pc:spChg>
-        <pc:spChg chg="add mod">
-          <ac:chgData name="John K. Barrera" userId="ff20ac3aac775278" providerId="LiveId" clId="{D2B16D9E-8DC3-4D4C-927D-0F5AA29F5383}" dt="2022-03-16T05:35:50.864" v="9358" actId="1076"/>
-          <ac:spMkLst>
-            <pc:docMk/>
-            <pc:sldMk cId="2882088050" sldId="389"/>
-            <ac:spMk id="23" creationId="{D3BD3F8C-BA50-41C4-8E12-61961F472F72}"/>
-          </ac:spMkLst>
-        </pc:spChg>
-        <pc:spChg chg="add mod">
-          <ac:chgData name="John K. Barrera" userId="ff20ac3aac775278" providerId="LiveId" clId="{D2B16D9E-8DC3-4D4C-927D-0F5AA29F5383}" dt="2022-03-16T05:36:07.329" v="9416" actId="1035"/>
-          <ac:spMkLst>
-            <pc:docMk/>
-            <pc:sldMk cId="2882088050" sldId="389"/>
-            <ac:spMk id="24" creationId="{D1A37AE3-E6EB-4647-A737-64DBB341E37D}"/>
-          </ac:spMkLst>
-        </pc:spChg>
-        <pc:spChg chg="del">
-          <ac:chgData name="John K. Barrera" userId="ff20ac3aac775278" providerId="LiveId" clId="{D2B16D9E-8DC3-4D4C-927D-0F5AA29F5383}" dt="2022-03-16T05:25:42.224" v="8829" actId="478"/>
-          <ac:spMkLst>
-            <pc:docMk/>
-            <pc:sldMk cId="2882088050" sldId="389"/>
-            <ac:spMk id="26" creationId="{DD01CE75-A86A-4E88-A6D6-B78F895FFFF1}"/>
-          </ac:spMkLst>
-        </pc:spChg>
-        <pc:spChg chg="del">
-          <ac:chgData name="John K. Barrera" userId="ff20ac3aac775278" providerId="LiveId" clId="{D2B16D9E-8DC3-4D4C-927D-0F5AA29F5383}" dt="2022-03-16T05:25:42.224" v="8829" actId="478"/>
-          <ac:spMkLst>
-            <pc:docMk/>
-            <pc:sldMk cId="2882088050" sldId="389"/>
-            <ac:spMk id="28" creationId="{314D838B-F93E-4267-94EA-A48F2F11FAA2}"/>
-          </ac:spMkLst>
-        </pc:spChg>
-        <pc:spChg chg="del">
-          <ac:chgData name="John K. Barrera" userId="ff20ac3aac775278" providerId="LiveId" clId="{D2B16D9E-8DC3-4D4C-927D-0F5AA29F5383}" dt="2022-03-16T05:25:42.224" v="8829" actId="478"/>
-          <ac:spMkLst>
-            <pc:docMk/>
-            <pc:sldMk cId="2882088050" sldId="389"/>
-            <ac:spMk id="29" creationId="{6C19B810-4E7C-4992-8FD8-9F45F91FAFD0}"/>
-          </ac:spMkLst>
-        </pc:spChg>
-        <pc:graphicFrameChg chg="del">
-          <ac:chgData name="John K. Barrera" userId="ff20ac3aac775278" providerId="LiveId" clId="{D2B16D9E-8DC3-4D4C-927D-0F5AA29F5383}" dt="2022-03-16T05:16:50.878" v="8421" actId="478"/>
-          <ac:graphicFrameMkLst>
-            <pc:docMk/>
-            <pc:sldMk cId="2882088050" sldId="389"/>
-            <ac:graphicFrameMk id="2" creationId="{C3F8EEE8-3856-4109-91B8-5A4B35348EFB}"/>
-          </ac:graphicFrameMkLst>
-        </pc:graphicFrameChg>
-        <pc:picChg chg="add mod">
-          <ac:chgData name="John K. Barrera" userId="ff20ac3aac775278" providerId="LiveId" clId="{D2B16D9E-8DC3-4D4C-927D-0F5AA29F5383}" dt="2022-03-16T05:30:13.260" v="9008" actId="1076"/>
-          <ac:picMkLst>
-            <pc:docMk/>
-            <pc:sldMk cId="2882088050" sldId="389"/>
-            <ac:picMk id="2050" creationId="{2C4CE30B-FE1C-4CBE-89CD-D2E05CA97C93}"/>
-          </ac:picMkLst>
-        </pc:picChg>
-        <pc:picChg chg="add del mod">
-          <ac:chgData name="John K. Barrera" userId="ff20ac3aac775278" providerId="LiveId" clId="{D2B16D9E-8DC3-4D4C-927D-0F5AA29F5383}" dt="2022-03-16T05:27:58.583" v="8848" actId="478"/>
-          <ac:picMkLst>
-            <pc:docMk/>
-            <pc:sldMk cId="2882088050" sldId="389"/>
-            <ac:picMk id="2053" creationId="{D141E83B-5508-4D55-B90E-3D30B7677E89}"/>
-          </ac:picMkLst>
-        </pc:picChg>
-        <pc:picChg chg="add mod">
-          <ac:chgData name="John K. Barrera" userId="ff20ac3aac775278" providerId="LiveId" clId="{D2B16D9E-8DC3-4D4C-927D-0F5AA29F5383}" dt="2022-03-16T05:30:17.079" v="9009" actId="1076"/>
-          <ac:picMkLst>
-            <pc:docMk/>
-            <pc:sldMk cId="2882088050" sldId="389"/>
-            <ac:picMk id="2055" creationId="{AFF9ABFF-4FC1-460B-AA43-6F8AAC604AE1}"/>
-          </ac:picMkLst>
-        </pc:picChg>
-        <pc:cxnChg chg="del">
-          <ac:chgData name="John K. Barrera" userId="ff20ac3aac775278" providerId="LiveId" clId="{D2B16D9E-8DC3-4D4C-927D-0F5AA29F5383}" dt="2022-03-16T05:25:38.376" v="8827" actId="478"/>
-          <ac:cxnSpMkLst>
-            <pc:docMk/>
-            <pc:sldMk cId="2882088050" sldId="389"/>
-            <ac:cxnSpMk id="30" creationId="{51F1CF5C-3F46-4DE2-8821-8960B7CCFC74}"/>
-          </ac:cxnSpMkLst>
-        </pc:cxnChg>
-      </pc:sldChg>
-      <pc:sldChg chg="delSp modSp add mod">
-        <pc:chgData name="John K. Barrera" userId="ff20ac3aac775278" providerId="LiveId" clId="{D2B16D9E-8DC3-4D4C-927D-0F5AA29F5383}" dt="2022-03-16T05:49:50.906" v="11212" actId="20577"/>
-        <pc:sldMkLst>
-          <pc:docMk/>
-          <pc:sldMk cId="2221495019" sldId="390"/>
-        </pc:sldMkLst>
-        <pc:spChg chg="mod">
-          <ac:chgData name="John K. Barrera" userId="ff20ac3aac775278" providerId="LiveId" clId="{D2B16D9E-8DC3-4D4C-927D-0F5AA29F5383}" dt="2022-03-16T05:38:27.695" v="9686" actId="20577"/>
-          <ac:spMkLst>
-            <pc:docMk/>
-            <pc:sldMk cId="2221495019" sldId="390"/>
-            <ac:spMk id="5" creationId="{48D2A9BD-EBF3-4CF7-A61E-49631D4D1DBB}"/>
-          </ac:spMkLst>
-        </pc:spChg>
-        <pc:spChg chg="mod">
-          <ac:chgData name="John K. Barrera" userId="ff20ac3aac775278" providerId="LiveId" clId="{D2B16D9E-8DC3-4D4C-927D-0F5AA29F5383}" dt="2022-03-16T05:49:50.906" v="11212" actId="20577"/>
-          <ac:spMkLst>
-            <pc:docMk/>
-            <pc:sldMk cId="2221495019" sldId="390"/>
-            <ac:spMk id="12" creationId="{002F249E-01CD-4A15-802F-2FC4DE855BEF}"/>
-          </ac:spMkLst>
-        </pc:spChg>
-        <pc:spChg chg="mod">
-          <ac:chgData name="John K. Barrera" userId="ff20ac3aac775278" providerId="LiveId" clId="{D2B16D9E-8DC3-4D4C-927D-0F5AA29F5383}" dt="2022-03-16T05:42:35.852" v="10281" actId="20577"/>
-          <ac:spMkLst>
-            <pc:docMk/>
-            <pc:sldMk cId="2221495019" sldId="390"/>
-            <ac:spMk id="15" creationId="{DA903829-C857-466F-8663-51CF8927D68D}"/>
-          </ac:spMkLst>
-        </pc:spChg>
-        <pc:spChg chg="del">
-          <ac:chgData name="John K. Barrera" userId="ff20ac3aac775278" providerId="LiveId" clId="{D2B16D9E-8DC3-4D4C-927D-0F5AA29F5383}" dt="2022-03-16T05:42:19.974" v="10242" actId="478"/>
-          <ac:spMkLst>
-            <pc:docMk/>
-            <pc:sldMk cId="2221495019" sldId="390"/>
-            <ac:spMk id="20" creationId="{93DBA4B8-87D0-4D67-8235-C991B44331B8}"/>
-          </ac:spMkLst>
-        </pc:spChg>
-        <pc:spChg chg="del">
-          <ac:chgData name="John K. Barrera" userId="ff20ac3aac775278" providerId="LiveId" clId="{D2B16D9E-8DC3-4D4C-927D-0F5AA29F5383}" dt="2022-03-16T05:41:20.051" v="10055" actId="478"/>
-          <ac:spMkLst>
-            <pc:docMk/>
-            <pc:sldMk cId="2221495019" sldId="390"/>
-            <ac:spMk id="22" creationId="{370D7F95-846D-45CD-8DBC-5032C1F577C6}"/>
-          </ac:spMkLst>
-        </pc:spChg>
-        <pc:spChg chg="del">
-          <ac:chgData name="John K. Barrera" userId="ff20ac3aac775278" providerId="LiveId" clId="{D2B16D9E-8DC3-4D4C-927D-0F5AA29F5383}" dt="2022-03-16T05:41:20.051" v="10055" actId="478"/>
-          <ac:spMkLst>
-            <pc:docMk/>
-            <pc:sldMk cId="2221495019" sldId="390"/>
-            <ac:spMk id="23" creationId="{D3BD3F8C-BA50-41C4-8E12-61961F472F72}"/>
-          </ac:spMkLst>
-        </pc:spChg>
-        <pc:spChg chg="del">
-          <ac:chgData name="John K. Barrera" userId="ff20ac3aac775278" providerId="LiveId" clId="{D2B16D9E-8DC3-4D4C-927D-0F5AA29F5383}" dt="2022-03-16T05:41:20.051" v="10055" actId="478"/>
-          <ac:spMkLst>
-            <pc:docMk/>
-            <pc:sldMk cId="2221495019" sldId="390"/>
-            <ac:spMk id="24" creationId="{D1A37AE3-E6EB-4647-A737-64DBB341E37D}"/>
-          </ac:spMkLst>
-        </pc:spChg>
-        <pc:picChg chg="del mod">
-          <ac:chgData name="John K. Barrera" userId="ff20ac3aac775278" providerId="LiveId" clId="{D2B16D9E-8DC3-4D4C-927D-0F5AA29F5383}" dt="2022-03-16T05:41:20.051" v="10055" actId="478"/>
-          <ac:picMkLst>
-            <pc:docMk/>
-            <pc:sldMk cId="2221495019" sldId="390"/>
-            <ac:picMk id="2050" creationId="{2C4CE30B-FE1C-4CBE-89CD-D2E05CA97C93}"/>
-          </ac:picMkLst>
-        </pc:picChg>
-        <pc:picChg chg="del">
-          <ac:chgData name="John K. Barrera" userId="ff20ac3aac775278" providerId="LiveId" clId="{D2B16D9E-8DC3-4D4C-927D-0F5AA29F5383}" dt="2022-03-16T05:41:20.051" v="10055" actId="478"/>
-          <ac:picMkLst>
-            <pc:docMk/>
-            <pc:sldMk cId="2221495019" sldId="390"/>
-            <ac:picMk id="2055" creationId="{AFF9ABFF-4FC1-460B-AA43-6F8AAC604AE1}"/>
-          </ac:picMkLst>
-        </pc:picChg>
-      </pc:sldChg>
-      <pc:sldChg chg="new del">
-        <pc:chgData name="John K. Barrera" userId="ff20ac3aac775278" providerId="LiveId" clId="{D2B16D9E-8DC3-4D4C-927D-0F5AA29F5383}" dt="2022-03-23T04:22:52.910" v="12944" actId="47"/>
-        <pc:sldMkLst>
-          <pc:docMk/>
-          <pc:sldMk cId="1986916538" sldId="391"/>
-        </pc:sldMkLst>
-      </pc:sldChg>
-      <pc:sldChg chg="add del">
-        <pc:chgData name="John K. Barrera" userId="ff20ac3aac775278" providerId="LiveId" clId="{D2B16D9E-8DC3-4D4C-927D-0F5AA29F5383}" dt="2022-03-22T15:36:37.309" v="11216" actId="47"/>
-        <pc:sldMkLst>
-          <pc:docMk/>
-          <pc:sldMk cId="1591233840" sldId="392"/>
-        </pc:sldMkLst>
-      </pc:sldChg>
-      <pc:sldChg chg="addSp delSp modSp add mod">
-        <pc:chgData name="John K. Barrera" userId="ff20ac3aac775278" providerId="LiveId" clId="{D2B16D9E-8DC3-4D4C-927D-0F5AA29F5383}" dt="2022-03-22T22:29:35.530" v="12663"/>
-        <pc:sldMkLst>
-          <pc:docMk/>
-          <pc:sldMk cId="2785183594" sldId="393"/>
-        </pc:sldMkLst>
-        <pc:spChg chg="mod">
-          <ac:chgData name="John K. Barrera" userId="ff20ac3aac775278" providerId="LiveId" clId="{D2B16D9E-8DC3-4D4C-927D-0F5AA29F5383}" dt="2022-03-22T15:38:08.857" v="11278" actId="313"/>
-          <ac:spMkLst>
-            <pc:docMk/>
-            <pc:sldMk cId="2785183594" sldId="393"/>
-            <ac:spMk id="5" creationId="{48D2A9BD-EBF3-4CF7-A61E-49631D4D1DBB}"/>
-          </ac:spMkLst>
-        </pc:spChg>
-        <pc:spChg chg="add mod">
-          <ac:chgData name="John K. Barrera" userId="ff20ac3aac775278" providerId="LiveId" clId="{D2B16D9E-8DC3-4D4C-927D-0F5AA29F5383}" dt="2022-03-22T21:31:58.237" v="12436" actId="1036"/>
-          <ac:spMkLst>
-            <pc:docMk/>
-            <pc:sldMk cId="2785183594" sldId="393"/>
-            <ac:spMk id="11" creationId="{1C1B5DC6-7884-4239-842A-E1977508A541}"/>
-          </ac:spMkLst>
-        </pc:spChg>
-        <pc:spChg chg="mod">
-          <ac:chgData name="John K. Barrera" userId="ff20ac3aac775278" providerId="LiveId" clId="{D2B16D9E-8DC3-4D4C-927D-0F5AA29F5383}" dt="2022-03-22T21:31:52.117" v="12420" actId="20577"/>
-          <ac:spMkLst>
-            <pc:docMk/>
-            <pc:sldMk cId="2785183594" sldId="393"/>
-            <ac:spMk id="12" creationId="{002F249E-01CD-4A15-802F-2FC4DE855BEF}"/>
-          </ac:spMkLst>
-        </pc:spChg>
-        <pc:spChg chg="add mod">
-          <ac:chgData name="John K. Barrera" userId="ff20ac3aac775278" providerId="LiveId" clId="{D2B16D9E-8DC3-4D4C-927D-0F5AA29F5383}" dt="2022-03-22T21:34:44.511" v="12565" actId="207"/>
-          <ac:spMkLst>
-            <pc:docMk/>
-            <pc:sldMk cId="2785183594" sldId="393"/>
-            <ac:spMk id="13" creationId="{1FA1F099-334C-4905-984A-579B65985B9E}"/>
-          </ac:spMkLst>
-        </pc:spChg>
-        <pc:spChg chg="add mod">
-          <ac:chgData name="John K. Barrera" userId="ff20ac3aac775278" providerId="LiveId" clId="{D2B16D9E-8DC3-4D4C-927D-0F5AA29F5383}" dt="2022-03-22T21:31:58.237" v="12436" actId="1036"/>
-          <ac:spMkLst>
-            <pc:docMk/>
-            <pc:sldMk cId="2785183594" sldId="393"/>
-            <ac:spMk id="14" creationId="{4F81608B-6E3F-4031-8C4E-486210232252}"/>
-          </ac:spMkLst>
-        </pc:spChg>
-        <pc:spChg chg="mod">
-          <ac:chgData name="John K. Barrera" userId="ff20ac3aac775278" providerId="LiveId" clId="{D2B16D9E-8DC3-4D4C-927D-0F5AA29F5383}" dt="2022-03-22T21:33:27.909" v="12560" actId="313"/>
-          <ac:spMkLst>
-            <pc:docMk/>
-            <pc:sldMk cId="2785183594" sldId="393"/>
-            <ac:spMk id="15" creationId="{DA903829-C857-466F-8663-51CF8927D68D}"/>
-          </ac:spMkLst>
-        </pc:spChg>
-        <pc:spChg chg="add mod">
-          <ac:chgData name="John K. Barrera" userId="ff20ac3aac775278" providerId="LiveId" clId="{D2B16D9E-8DC3-4D4C-927D-0F5AA29F5383}" dt="2022-03-22T21:06:52.006" v="12282" actId="1076"/>
-          <ac:spMkLst>
-            <pc:docMk/>
-            <pc:sldMk cId="2785183594" sldId="393"/>
-            <ac:spMk id="16" creationId="{C40DA6B8-AA24-4F48-95DC-4FF5BF5AF7B3}"/>
-          </ac:spMkLst>
-        </pc:spChg>
-        <pc:spChg chg="add mod">
-          <ac:chgData name="John K. Barrera" userId="ff20ac3aac775278" providerId="LiveId" clId="{D2B16D9E-8DC3-4D4C-927D-0F5AA29F5383}" dt="2022-03-22T21:07:14.064" v="12285" actId="1076"/>
-          <ac:spMkLst>
-            <pc:docMk/>
-            <pc:sldMk cId="2785183594" sldId="393"/>
-            <ac:spMk id="17" creationId="{D152D3A7-089B-455E-88E5-609B47B48AFB}"/>
-          </ac:spMkLst>
-        </pc:spChg>
-        <pc:spChg chg="add mod">
-          <ac:chgData name="John K. Barrera" userId="ff20ac3aac775278" providerId="LiveId" clId="{D2B16D9E-8DC3-4D4C-927D-0F5AA29F5383}" dt="2022-03-22T21:31:58.237" v="12436" actId="1036"/>
-          <ac:spMkLst>
-            <pc:docMk/>
-            <pc:sldMk cId="2785183594" sldId="393"/>
-            <ac:spMk id="18" creationId="{07EEEF1D-BA54-4766-8B33-F0DEEA4F9469}"/>
-          </ac:spMkLst>
-        </pc:spChg>
-        <pc:spChg chg="add mod">
-          <ac:chgData name="John K. Barrera" userId="ff20ac3aac775278" providerId="LiveId" clId="{D2B16D9E-8DC3-4D4C-927D-0F5AA29F5383}" dt="2022-03-22T21:32:25.229" v="12446" actId="1076"/>
-          <ac:spMkLst>
-            <pc:docMk/>
-            <pc:sldMk cId="2785183594" sldId="393"/>
-            <ac:spMk id="20" creationId="{3A1C2559-55D4-4F3C-A974-9BE35C72B4C0}"/>
-          </ac:spMkLst>
-        </pc:spChg>
-        <pc:spChg chg="add mod">
-          <ac:chgData name="John K. Barrera" userId="ff20ac3aac775278" providerId="LiveId" clId="{D2B16D9E-8DC3-4D4C-927D-0F5AA29F5383}" dt="2022-03-22T21:32:22.378" v="12445" actId="571"/>
-          <ac:spMkLst>
-            <pc:docMk/>
-            <pc:sldMk cId="2785183594" sldId="393"/>
-            <ac:spMk id="22" creationId="{60D9F8D0-3CD7-4135-B349-E2BA7AC0A49B}"/>
-          </ac:spMkLst>
-        </pc:spChg>
-        <pc:spChg chg="add mod">
-          <ac:chgData name="John K. Barrera" userId="ff20ac3aac775278" providerId="LiveId" clId="{D2B16D9E-8DC3-4D4C-927D-0F5AA29F5383}" dt="2022-03-22T22:05:37.993" v="12622" actId="1036"/>
-          <ac:spMkLst>
-            <pc:docMk/>
-            <pc:sldMk cId="2785183594" sldId="393"/>
-            <ac:spMk id="25" creationId="{1F51B651-3B3B-4328-9AD7-8ECB7F88FE97}"/>
-          </ac:spMkLst>
-        </pc:spChg>
-        <pc:spChg chg="add mod">
-          <ac:chgData name="John K. Barrera" userId="ff20ac3aac775278" providerId="LiveId" clId="{D2B16D9E-8DC3-4D4C-927D-0F5AA29F5383}" dt="2022-03-22T22:08:57.855" v="12624" actId="20577"/>
-          <ac:spMkLst>
-            <pc:docMk/>
-            <pc:sldMk cId="2785183594" sldId="393"/>
-            <ac:spMk id="26" creationId="{68F30F8A-FB7A-4E0E-9CD3-C27322090E71}"/>
-          </ac:spMkLst>
-        </pc:spChg>
-        <pc:spChg chg="add mod">
-          <ac:chgData name="John K. Barrera" userId="ff20ac3aac775278" providerId="LiveId" clId="{D2B16D9E-8DC3-4D4C-927D-0F5AA29F5383}" dt="2022-03-22T22:10:44.161" v="12661" actId="113"/>
-          <ac:spMkLst>
-            <pc:docMk/>
-            <pc:sldMk cId="2785183594" sldId="393"/>
-            <ac:spMk id="27" creationId="{AFE1611D-2D23-4C3A-973C-EDA9E343BAA3}"/>
-          </ac:spMkLst>
-        </pc:spChg>
-        <pc:spChg chg="add del mod">
-          <ac:chgData name="John K. Barrera" userId="ff20ac3aac775278" providerId="LiveId" clId="{D2B16D9E-8DC3-4D4C-927D-0F5AA29F5383}" dt="2022-03-22T22:29:35.530" v="12663"/>
-          <ac:spMkLst>
-            <pc:docMk/>
-            <pc:sldMk cId="2785183594" sldId="393"/>
-            <ac:spMk id="28" creationId="{AEE95120-57A5-4F5E-9E3B-7D8A27271341}"/>
-          </ac:spMkLst>
-        </pc:spChg>
-        <pc:picChg chg="add del mod">
-          <ac:chgData name="John K. Barrera" userId="ff20ac3aac775278" providerId="LiveId" clId="{D2B16D9E-8DC3-4D4C-927D-0F5AA29F5383}" dt="2022-03-22T21:09:41.735" v="12402"/>
-          <ac:picMkLst>
-            <pc:docMk/>
-            <pc:sldMk cId="2785183594" sldId="393"/>
-            <ac:picMk id="19" creationId="{0A06D110-7C0C-4208-84CD-AC9A1E3538B7}"/>
-          </ac:picMkLst>
-        </pc:picChg>
-        <pc:picChg chg="add mod">
-          <ac:chgData name="John K. Barrera" userId="ff20ac3aac775278" providerId="LiveId" clId="{D2B16D9E-8DC3-4D4C-927D-0F5AA29F5383}" dt="2022-03-22T21:32:22.378" v="12445" actId="571"/>
-          <ac:picMkLst>
-            <pc:docMk/>
-            <pc:sldMk cId="2785183594" sldId="393"/>
-            <ac:picMk id="21" creationId="{B94E1CC7-7319-41F6-BB92-46C5AB123A92}"/>
-          </ac:picMkLst>
-        </pc:picChg>
-        <pc:picChg chg="add del mod">
-          <ac:chgData name="John K. Barrera" userId="ff20ac3aac775278" providerId="LiveId" clId="{D2B16D9E-8DC3-4D4C-927D-0F5AA29F5383}" dt="2022-03-22T21:30:39.994" v="12405" actId="478"/>
-          <ac:picMkLst>
-            <pc:docMk/>
-            <pc:sldMk cId="2785183594" sldId="393"/>
-            <ac:picMk id="1026" creationId="{40962639-0514-4ECC-A444-A78FE1508EFB}"/>
-          </ac:picMkLst>
-        </pc:picChg>
-        <pc:picChg chg="add del mod">
-          <ac:chgData name="John K. Barrera" userId="ff20ac3aac775278" providerId="LiveId" clId="{D2B16D9E-8DC3-4D4C-927D-0F5AA29F5383}" dt="2022-03-22T21:31:28.890" v="12410" actId="478"/>
-          <ac:picMkLst>
-            <pc:docMk/>
-            <pc:sldMk cId="2785183594" sldId="393"/>
-            <ac:picMk id="1028" creationId="{A75447C7-08F7-41F9-B31C-548781F831DD}"/>
-          </ac:picMkLst>
-        </pc:picChg>
-        <pc:picChg chg="add del mod">
-          <ac:chgData name="John K. Barrera" userId="ff20ac3aac775278" providerId="LiveId" clId="{D2B16D9E-8DC3-4D4C-927D-0F5AA29F5383}" dt="2022-03-22T22:03:50.140" v="12566" actId="478"/>
-          <ac:picMkLst>
-            <pc:docMk/>
-            <pc:sldMk cId="2785183594" sldId="393"/>
-            <ac:picMk id="1030" creationId="{B5A49549-4A02-490D-8157-65B7049B11D4}"/>
-          </ac:picMkLst>
-        </pc:picChg>
-        <pc:picChg chg="add mod">
-          <ac:chgData name="John K. Barrera" userId="ff20ac3aac775278" providerId="LiveId" clId="{D2B16D9E-8DC3-4D4C-927D-0F5AA29F5383}" dt="2022-03-22T22:05:37.993" v="12622" actId="1036"/>
-          <ac:picMkLst>
-            <pc:docMk/>
-            <pc:sldMk cId="2785183594" sldId="393"/>
-            <ac:picMk id="1032" creationId="{9A58611A-DEA1-4B72-8353-00F6262FE859}"/>
-          </ac:picMkLst>
-        </pc:picChg>
-      </pc:sldChg>
-      <pc:sldChg chg="add del">
-        <pc:chgData name="John K. Barrera" userId="ff20ac3aac775278" providerId="LiveId" clId="{D2B16D9E-8DC3-4D4C-927D-0F5AA29F5383}" dt="2022-03-22T15:37:45.524" v="11269"/>
-        <pc:sldMkLst>
-          <pc:docMk/>
-          <pc:sldMk cId="1135187482" sldId="394"/>
-        </pc:sldMkLst>
-      </pc:sldChg>
-      <pc:sldChg chg="addSp delSp modSp add mod">
-        <pc:chgData name="John K. Barrera" userId="ff20ac3aac775278" providerId="LiveId" clId="{D2B16D9E-8DC3-4D4C-927D-0F5AA29F5383}" dt="2022-03-23T13:30:08.442" v="13027" actId="5793"/>
-        <pc:sldMkLst>
-          <pc:docMk/>
-          <pc:sldMk cId="3499516781" sldId="394"/>
-        </pc:sldMkLst>
-        <pc:spChg chg="ord">
-          <ac:chgData name="John K. Barrera" userId="ff20ac3aac775278" providerId="LiveId" clId="{D2B16D9E-8DC3-4D4C-927D-0F5AA29F5383}" dt="2022-03-23T04:09:55.986" v="12681" actId="166"/>
-          <ac:spMkLst>
-            <pc:docMk/>
-            <pc:sldMk cId="3499516781" sldId="394"/>
-            <ac:spMk id="9" creationId="{17D5E67A-13F6-4283-8297-CC8F5E053535}"/>
-          </ac:spMkLst>
-        </pc:spChg>
-        <pc:spChg chg="ord">
-          <ac:chgData name="John K. Barrera" userId="ff20ac3aac775278" providerId="LiveId" clId="{D2B16D9E-8DC3-4D4C-927D-0F5AA29F5383}" dt="2022-03-23T04:09:55.986" v="12681" actId="166"/>
-          <ac:spMkLst>
-            <pc:docMk/>
-            <pc:sldMk cId="3499516781" sldId="394"/>
-            <ac:spMk id="10" creationId="{54D73149-C250-47CB-B10E-EEADC5D5A38D}"/>
-          </ac:spMkLst>
-        </pc:spChg>
-        <pc:spChg chg="del">
-          <ac:chgData name="John K. Barrera" userId="ff20ac3aac775278" providerId="LiveId" clId="{D2B16D9E-8DC3-4D4C-927D-0F5AA29F5383}" dt="2022-03-22T22:33:39.654" v="12665" actId="478"/>
-          <ac:spMkLst>
-            <pc:docMk/>
-            <pc:sldMk cId="3499516781" sldId="394"/>
-            <ac:spMk id="11" creationId="{1C1B5DC6-7884-4239-842A-E1977508A541}"/>
-          </ac:spMkLst>
-        </pc:spChg>
-        <pc:spChg chg="del">
-          <ac:chgData name="John K. Barrera" userId="ff20ac3aac775278" providerId="LiveId" clId="{D2B16D9E-8DC3-4D4C-927D-0F5AA29F5383}" dt="2022-03-22T22:33:49.955" v="12668" actId="478"/>
-          <ac:spMkLst>
-            <pc:docMk/>
-            <pc:sldMk cId="3499516781" sldId="394"/>
-            <ac:spMk id="12" creationId="{002F249E-01CD-4A15-802F-2FC4DE855BEF}"/>
-          </ac:spMkLst>
-        </pc:spChg>
-        <pc:spChg chg="del">
-          <ac:chgData name="John K. Barrera" userId="ff20ac3aac775278" providerId="LiveId" clId="{D2B16D9E-8DC3-4D4C-927D-0F5AA29F5383}" dt="2022-03-22T22:33:43.241" v="12666" actId="478"/>
-          <ac:spMkLst>
-            <pc:docMk/>
-            <pc:sldMk cId="3499516781" sldId="394"/>
-            <ac:spMk id="13" creationId="{1FA1F099-334C-4905-984A-579B65985B9E}"/>
-          </ac:spMkLst>
-        </pc:spChg>
-        <pc:spChg chg="del">
-          <ac:chgData name="John K. Barrera" userId="ff20ac3aac775278" providerId="LiveId" clId="{D2B16D9E-8DC3-4D4C-927D-0F5AA29F5383}" dt="2022-03-22T22:33:39.654" v="12665" actId="478"/>
-          <ac:spMkLst>
-            <pc:docMk/>
-            <pc:sldMk cId="3499516781" sldId="394"/>
-            <ac:spMk id="14" creationId="{4F81608B-6E3F-4031-8C4E-486210232252}"/>
-          </ac:spMkLst>
-        </pc:spChg>
-        <pc:spChg chg="mod ord">
-          <ac:chgData name="John K. Barrera" userId="ff20ac3aac775278" providerId="LiveId" clId="{D2B16D9E-8DC3-4D4C-927D-0F5AA29F5383}" dt="2022-03-23T13:30:08.442" v="13027" actId="5793"/>
-          <ac:spMkLst>
-            <pc:docMk/>
-            <pc:sldMk cId="3499516781" sldId="394"/>
-            <ac:spMk id="15" creationId="{DA903829-C857-466F-8663-51CF8927D68D}"/>
-          </ac:spMkLst>
-        </pc:spChg>
-        <pc:spChg chg="del">
-          <ac:chgData name="John K. Barrera" userId="ff20ac3aac775278" providerId="LiveId" clId="{D2B16D9E-8DC3-4D4C-927D-0F5AA29F5383}" dt="2022-03-22T22:33:39.654" v="12665" actId="478"/>
-          <ac:spMkLst>
-            <pc:docMk/>
-            <pc:sldMk cId="3499516781" sldId="394"/>
-            <ac:spMk id="16" creationId="{C40DA6B8-AA24-4F48-95DC-4FF5BF5AF7B3}"/>
-          </ac:spMkLst>
-        </pc:spChg>
-        <pc:spChg chg="del">
-          <ac:chgData name="John K. Barrera" userId="ff20ac3aac775278" providerId="LiveId" clId="{D2B16D9E-8DC3-4D4C-927D-0F5AA29F5383}" dt="2022-03-22T22:33:39.654" v="12665" actId="478"/>
-          <ac:spMkLst>
-            <pc:docMk/>
-            <pc:sldMk cId="3499516781" sldId="394"/>
-            <ac:spMk id="17" creationId="{D152D3A7-089B-455E-88E5-609B47B48AFB}"/>
-          </ac:spMkLst>
-        </pc:spChg>
-        <pc:spChg chg="del">
-          <ac:chgData name="John K. Barrera" userId="ff20ac3aac775278" providerId="LiveId" clId="{D2B16D9E-8DC3-4D4C-927D-0F5AA29F5383}" dt="2022-03-22T22:33:39.654" v="12665" actId="478"/>
-          <ac:spMkLst>
-            <pc:docMk/>
-            <pc:sldMk cId="3499516781" sldId="394"/>
-            <ac:spMk id="18" creationId="{07EEEF1D-BA54-4766-8B33-F0DEEA4F9469}"/>
-          </ac:spMkLst>
-        </pc:spChg>
-        <pc:spChg chg="del">
-          <ac:chgData name="John K. Barrera" userId="ff20ac3aac775278" providerId="LiveId" clId="{D2B16D9E-8DC3-4D4C-927D-0F5AA29F5383}" dt="2022-03-22T22:33:39.654" v="12665" actId="478"/>
-          <ac:spMkLst>
-            <pc:docMk/>
-            <pc:sldMk cId="3499516781" sldId="394"/>
-            <ac:spMk id="20" creationId="{3A1C2559-55D4-4F3C-A974-9BE35C72B4C0}"/>
-          </ac:spMkLst>
-        </pc:spChg>
-        <pc:spChg chg="add mod ord">
-          <ac:chgData name="John K. Barrera" userId="ff20ac3aac775278" providerId="LiveId" clId="{D2B16D9E-8DC3-4D4C-927D-0F5AA29F5383}" dt="2022-03-23T13:29:46.952" v="13000"/>
-          <ac:spMkLst>
-            <pc:docMk/>
-            <pc:sldMk cId="3499516781" sldId="394"/>
-            <ac:spMk id="23" creationId="{42CEDD2E-1C80-488E-A2F9-11F378804ED2}"/>
-          </ac:spMkLst>
-        </pc:spChg>
-        <pc:spChg chg="del">
-          <ac:chgData name="John K. Barrera" userId="ff20ac3aac775278" providerId="LiveId" clId="{D2B16D9E-8DC3-4D4C-927D-0F5AA29F5383}" dt="2022-03-22T22:33:46.289" v="12667" actId="478"/>
-          <ac:spMkLst>
-            <pc:docMk/>
-            <pc:sldMk cId="3499516781" sldId="394"/>
-            <ac:spMk id="25" creationId="{1F51B651-3B3B-4328-9AD7-8ECB7F88FE97}"/>
-          </ac:spMkLst>
-        </pc:spChg>
-        <pc:spChg chg="del">
-          <ac:chgData name="John K. Barrera" userId="ff20ac3aac775278" providerId="LiveId" clId="{D2B16D9E-8DC3-4D4C-927D-0F5AA29F5383}" dt="2022-03-22T22:33:39.654" v="12665" actId="478"/>
-          <ac:spMkLst>
-            <pc:docMk/>
-            <pc:sldMk cId="3499516781" sldId="394"/>
-            <ac:spMk id="26" creationId="{68F30F8A-FB7A-4E0E-9CD3-C27322090E71}"/>
-          </ac:spMkLst>
-        </pc:spChg>
-        <pc:spChg chg="del">
-          <ac:chgData name="John K. Barrera" userId="ff20ac3aac775278" providerId="LiveId" clId="{D2B16D9E-8DC3-4D4C-927D-0F5AA29F5383}" dt="2022-03-22T22:33:39.654" v="12665" actId="478"/>
-          <ac:spMkLst>
-            <pc:docMk/>
-            <pc:sldMk cId="3499516781" sldId="394"/>
-            <ac:spMk id="27" creationId="{AFE1611D-2D23-4C3A-973C-EDA9E343BAA3}"/>
-          </ac:spMkLst>
-        </pc:spChg>
-        <pc:spChg chg="add mod">
-          <ac:chgData name="John K. Barrera" userId="ff20ac3aac775278" providerId="LiveId" clId="{D2B16D9E-8DC3-4D4C-927D-0F5AA29F5383}" dt="2022-03-23T13:29:12.948" v="12985" actId="1076"/>
-          <ac:spMkLst>
-            <pc:docMk/>
-            <pc:sldMk cId="3499516781" sldId="394"/>
-            <ac:spMk id="28" creationId="{E08CD9AD-64C3-4242-8DA1-7DB904BE8A1C}"/>
-          </ac:spMkLst>
-        </pc:spChg>
-        <pc:picChg chg="add del mod">
-          <ac:chgData name="John K. Barrera" userId="ff20ac3aac775278" providerId="LiveId" clId="{D2B16D9E-8DC3-4D4C-927D-0F5AA29F5383}" dt="2022-03-23T04:04:43.931" v="12671" actId="478"/>
-          <ac:picMkLst>
-            <pc:docMk/>
-            <pc:sldMk cId="3499516781" sldId="394"/>
-            <ac:picMk id="3" creationId="{98183918-0BF7-4680-BDD0-FEF7256CD2E5}"/>
-          </ac:picMkLst>
-        </pc:picChg>
-        <pc:picChg chg="add del mod">
-          <ac:chgData name="John K. Barrera" userId="ff20ac3aac775278" providerId="LiveId" clId="{D2B16D9E-8DC3-4D4C-927D-0F5AA29F5383}" dt="2022-03-23T04:09:34.245" v="12677" actId="478"/>
-          <ac:picMkLst>
-            <pc:docMk/>
-            <pc:sldMk cId="3499516781" sldId="394"/>
-            <ac:picMk id="7" creationId="{513EF428-0175-4E22-8C15-A08E6DB1C139}"/>
-          </ac:picMkLst>
-        </pc:picChg>
-        <pc:picChg chg="add mod ord">
-          <ac:chgData name="John K. Barrera" userId="ff20ac3aac775278" providerId="LiveId" clId="{D2B16D9E-8DC3-4D4C-927D-0F5AA29F5383}" dt="2022-03-23T04:09:59.548" v="12682" actId="1076"/>
-          <ac:picMkLst>
-            <pc:docMk/>
-            <pc:sldMk cId="3499516781" sldId="394"/>
-            <ac:picMk id="19" creationId="{317DC10E-8247-47E5-B175-297B15B3888E}"/>
-          </ac:picMkLst>
-        </pc:picChg>
-        <pc:picChg chg="del">
-          <ac:chgData name="John K. Barrera" userId="ff20ac3aac775278" providerId="LiveId" clId="{D2B16D9E-8DC3-4D4C-927D-0F5AA29F5383}" dt="2022-03-22T22:33:39.654" v="12665" actId="478"/>
-          <ac:picMkLst>
-            <pc:docMk/>
-            <pc:sldMk cId="3499516781" sldId="394"/>
-            <ac:picMk id="1032" creationId="{9A58611A-DEA1-4B72-8353-00F6262FE859}"/>
-          </ac:picMkLst>
-        </pc:picChg>
-      </pc:sldChg>
-    </pc:docChg>
-  </pc:docChgLst>
-</pc:chgInfo>
-</file>
-
 <file path=ppt/notesMasters/notesMaster1.xml><?xml version="1.0" encoding="utf-8"?>
 <p:notesMaster xmlns:a="http://schemas.openxmlformats.org/drawingml/2006/main" xmlns:r="http://schemas.openxmlformats.org/officeDocument/2006/relationships" xmlns:p="http://schemas.openxmlformats.org/presentationml/2006/main">
   <p:cSld>
@@ -2752,7 +215,7 @@
           <a:p>
             <a:fld id="{4AA3995C-CEF4-46C5-822A-4E0ABA58EA45}" type="datetimeFigureOut">
               <a:rPr lang="en-US" smtClean="0"/>
-              <a:t>3/28/2022</a:t>
+              <a:t>3/30/2022</a:t>
             </a:fld>
             <a:endParaRPr lang="en-US"/>
           </a:p>
@@ -3206,7 +669,7 @@
           <a:p>
             <a:fld id="{903304DD-1A9B-465F-A981-8B6D85F33039}" type="datetimeFigureOut">
               <a:rPr lang="en-US" smtClean="0"/>
-              <a:t>3/28/2022</a:t>
+              <a:t>3/30/2022</a:t>
             </a:fld>
             <a:endParaRPr lang="en-US"/>
           </a:p>
@@ -3509,7 +972,7 @@
           <a:p>
             <a:fld id="{903304DD-1A9B-465F-A981-8B6D85F33039}" type="datetimeFigureOut">
               <a:rPr lang="en-US" smtClean="0"/>
-              <a:t>3/28/2022</a:t>
+              <a:t>3/30/2022</a:t>
             </a:fld>
             <a:endParaRPr lang="en-US"/>
           </a:p>
@@ -3679,7 +1142,7 @@
           <a:p>
             <a:fld id="{903304DD-1A9B-465F-A981-8B6D85F33039}" type="datetimeFigureOut">
               <a:rPr lang="en-US" smtClean="0"/>
-              <a:t>3/28/2022</a:t>
+              <a:t>3/30/2022</a:t>
             </a:fld>
             <a:endParaRPr lang="en-US"/>
           </a:p>
@@ -3859,7 +1322,7 @@
           <a:p>
             <a:fld id="{903304DD-1A9B-465F-A981-8B6D85F33039}" type="datetimeFigureOut">
               <a:rPr lang="en-US" smtClean="0"/>
-              <a:t>3/28/2022</a:t>
+              <a:t>3/30/2022</a:t>
             </a:fld>
             <a:endParaRPr lang="en-US"/>
           </a:p>
@@ -4093,7 +1556,7 @@
           <a:p>
             <a:fld id="{903304DD-1A9B-465F-A981-8B6D85F33039}" type="datetimeFigureOut">
               <a:rPr lang="en-US" smtClean="0"/>
-              <a:t>3/28/2022</a:t>
+              <a:t>3/30/2022</a:t>
             </a:fld>
             <a:endParaRPr lang="en-US"/>
           </a:p>
@@ -4291,7 +1754,7 @@
           <a:p>
             <a:fld id="{903304DD-1A9B-465F-A981-8B6D85F33039}" type="datetimeFigureOut">
               <a:rPr lang="en-US" smtClean="0"/>
-              <a:t>3/28/2022</a:t>
+              <a:t>3/30/2022</a:t>
             </a:fld>
             <a:endParaRPr lang="en-US"/>
           </a:p>
@@ -4537,7 +2000,7 @@
           <a:p>
             <a:fld id="{903304DD-1A9B-465F-A981-8B6D85F33039}" type="datetimeFigureOut">
               <a:rPr lang="en-US" smtClean="0"/>
-              <a:t>3/28/2022</a:t>
+              <a:t>3/30/2022</a:t>
             </a:fld>
             <a:endParaRPr lang="en-US"/>
           </a:p>
@@ -4769,7 +2232,7 @@
           <a:p>
             <a:fld id="{903304DD-1A9B-465F-A981-8B6D85F33039}" type="datetimeFigureOut">
               <a:rPr lang="en-US" smtClean="0"/>
-              <a:t>3/28/2022</a:t>
+              <a:t>3/30/2022</a:t>
             </a:fld>
             <a:endParaRPr lang="en-US"/>
           </a:p>
@@ -5136,7 +2599,7 @@
           <a:p>
             <a:fld id="{903304DD-1A9B-465F-A981-8B6D85F33039}" type="datetimeFigureOut">
               <a:rPr lang="en-US" smtClean="0"/>
-              <a:t>3/28/2022</a:t>
+              <a:t>3/30/2022</a:t>
             </a:fld>
             <a:endParaRPr lang="en-US"/>
           </a:p>
@@ -5254,7 +2717,7 @@
           <a:p>
             <a:fld id="{903304DD-1A9B-465F-A981-8B6D85F33039}" type="datetimeFigureOut">
               <a:rPr lang="en-US" smtClean="0"/>
-              <a:t>3/28/2022</a:t>
+              <a:t>3/30/2022</a:t>
             </a:fld>
             <a:endParaRPr lang="en-US"/>
           </a:p>
@@ -5349,7 +2812,7 @@
           <a:p>
             <a:fld id="{903304DD-1A9B-465F-A981-8B6D85F33039}" type="datetimeFigureOut">
               <a:rPr lang="en-US" smtClean="0"/>
-              <a:t>3/28/2022</a:t>
+              <a:t>3/30/2022</a:t>
             </a:fld>
             <a:endParaRPr lang="en-US"/>
           </a:p>
@@ -5626,7 +3089,7 @@
           <a:p>
             <a:fld id="{903304DD-1A9B-465F-A981-8B6D85F33039}" type="datetimeFigureOut">
               <a:rPr lang="en-US" smtClean="0"/>
-              <a:t>3/28/2022</a:t>
+              <a:t>3/30/2022</a:t>
             </a:fld>
             <a:endParaRPr lang="en-US"/>
           </a:p>
@@ -5839,7 +3302,7 @@
           <a:p>
             <a:fld id="{903304DD-1A9B-465F-A981-8B6D85F33039}" type="datetimeFigureOut">
               <a:rPr lang="en-US" smtClean="0"/>
-              <a:t>3/28/2022</a:t>
+              <a:t>3/30/2022</a:t>
             </a:fld>
             <a:endParaRPr lang="en-US"/>
           </a:p>
@@ -12752,58 +10215,2291 @@
       </p:grpSpPr>
       <p:sp>
         <p:nvSpPr>
-          <p:cNvPr id="2" name="Título 1">
+          <p:cNvPr id="4" name="Rectángulo: esquinas superiores redondeadas 4">
             <a:extLst>
               <a:ext uri="{FF2B5EF4-FFF2-40B4-BE49-F238E27FC236}">
-                <a16:creationId xmlns:a16="http://schemas.microsoft.com/office/drawing/2014/main" id="{6A21EC77-5480-4024-A752-8E19D9151495}"/>
+                <a16:creationId xmlns:a16="http://schemas.microsoft.com/office/drawing/2014/main" id="{CF789E0E-816C-4223-84EC-DC9D690B87EA}"/>
+              </a:ext>
+            </a:extLst>
+          </p:cNvPr>
+          <p:cNvSpPr/>
+          <p:nvPr/>
+        </p:nvSpPr>
+        <p:spPr>
+          <a:xfrm rot="10800000">
+            <a:off x="355599" y="0"/>
+            <a:ext cx="7813039" cy="640080"/>
+          </a:xfrm>
+          <a:prstGeom prst="round2SameRect">
+            <a:avLst/>
+          </a:prstGeom>
+          <a:solidFill>
+            <a:schemeClr val="tx2">
+              <a:lumMod val="75000"/>
+            </a:schemeClr>
+          </a:solidFill>
+        </p:spPr>
+        <p:style>
+          <a:lnRef idx="2">
+            <a:schemeClr val="accent1">
+              <a:shade val="50000"/>
+            </a:schemeClr>
+          </a:lnRef>
+          <a:fillRef idx="1">
+            <a:schemeClr val="accent1"/>
+          </a:fillRef>
+          <a:effectRef idx="0">
+            <a:schemeClr val="accent1"/>
+          </a:effectRef>
+          <a:fontRef idx="minor">
+            <a:schemeClr val="lt1"/>
+          </a:fontRef>
+        </p:style>
+        <p:txBody>
+          <a:bodyPr rtlCol="0" anchor="ctr"/>
+          <a:lstStyle/>
+          <a:p>
+            <a:pPr algn="ctr"/>
+            <a:endParaRPr lang="es-PE" dirty="0"/>
+          </a:p>
+        </p:txBody>
+      </p:sp>
+      <p:sp>
+        <p:nvSpPr>
+          <p:cNvPr id="5" name="CuadroTexto 4">
+            <a:extLst>
+              <a:ext uri="{FF2B5EF4-FFF2-40B4-BE49-F238E27FC236}">
+                <a16:creationId xmlns:a16="http://schemas.microsoft.com/office/drawing/2014/main" id="{48D2A9BD-EBF3-4CF7-A61E-49631D4D1DBB}"/>
+              </a:ext>
+            </a:extLst>
+          </p:cNvPr>
+          <p:cNvSpPr txBox="1"/>
+          <p:nvPr/>
+        </p:nvSpPr>
+        <p:spPr>
+          <a:xfrm>
+            <a:off x="558799" y="134927"/>
+            <a:ext cx="6597779" cy="400110"/>
+          </a:xfrm>
+          <a:prstGeom prst="rect">
+            <a:avLst/>
+          </a:prstGeom>
+          <a:noFill/>
+        </p:spPr>
+        <p:txBody>
+          <a:bodyPr wrap="square" rtlCol="0">
+            <a:spAutoFit/>
+          </a:bodyPr>
+          <a:lstStyle/>
+          <a:p>
+            <a:r>
+              <a:rPr lang="es-MX" sz="2000" dirty="0">
+                <a:solidFill>
+                  <a:schemeClr val="bg1"/>
+                </a:solidFill>
+                <a:latin typeface="Open Sans" panose="020B0606030504020204" pitchFamily="34" charset="0"/>
+                <a:ea typeface="Open Sans" panose="020B0606030504020204" pitchFamily="34" charset="0"/>
+                <a:cs typeface="Open Sans" panose="020B0606030504020204" pitchFamily="34" charset="0"/>
+              </a:rPr>
+              <a:t>Modelo para indicar el Servicio</a:t>
+            </a:r>
+          </a:p>
+        </p:txBody>
+      </p:sp>
+      <p:sp>
+        <p:nvSpPr>
+          <p:cNvPr id="9" name="Rectángulo 8">
+            <a:extLst>
+              <a:ext uri="{FF2B5EF4-FFF2-40B4-BE49-F238E27FC236}">
+                <a16:creationId xmlns:a16="http://schemas.microsoft.com/office/drawing/2014/main" id="{17D5E67A-13F6-4283-8297-CC8F5E053535}"/>
+              </a:ext>
+            </a:extLst>
+          </p:cNvPr>
+          <p:cNvSpPr/>
+          <p:nvPr/>
+        </p:nvSpPr>
+        <p:spPr>
+          <a:xfrm>
+            <a:off x="355600" y="5943600"/>
+            <a:ext cx="203200" cy="914399"/>
+          </a:xfrm>
+          <a:prstGeom prst="rect">
+            <a:avLst/>
+          </a:prstGeom>
+          <a:solidFill>
+            <a:schemeClr val="tx2">
+              <a:lumMod val="75000"/>
+            </a:schemeClr>
+          </a:solidFill>
+        </p:spPr>
+        <p:style>
+          <a:lnRef idx="2">
+            <a:schemeClr val="dk1">
+              <a:shade val="50000"/>
+            </a:schemeClr>
+          </a:lnRef>
+          <a:fillRef idx="1">
+            <a:schemeClr val="dk1"/>
+          </a:fillRef>
+          <a:effectRef idx="0">
+            <a:schemeClr val="dk1"/>
+          </a:effectRef>
+          <a:fontRef idx="minor">
+            <a:schemeClr val="lt1"/>
+          </a:fontRef>
+        </p:style>
+        <p:txBody>
+          <a:bodyPr rtlCol="0" anchor="ctr"/>
+          <a:lstStyle/>
+          <a:p>
+            <a:pPr algn="ctr"/>
+            <a:endParaRPr lang="es-PE"/>
+          </a:p>
+        </p:txBody>
+      </p:sp>
+      <p:sp>
+        <p:nvSpPr>
+          <p:cNvPr id="10" name="Rectángulo 9">
+            <a:extLst>
+              <a:ext uri="{FF2B5EF4-FFF2-40B4-BE49-F238E27FC236}">
+                <a16:creationId xmlns:a16="http://schemas.microsoft.com/office/drawing/2014/main" id="{54D73149-C250-47CB-B10E-EEADC5D5A38D}"/>
+              </a:ext>
+            </a:extLst>
+          </p:cNvPr>
+          <p:cNvSpPr/>
+          <p:nvPr/>
+        </p:nvSpPr>
+        <p:spPr>
+          <a:xfrm>
+            <a:off x="640234" y="6385364"/>
+            <a:ext cx="203200" cy="472635"/>
+          </a:xfrm>
+          <a:prstGeom prst="rect">
+            <a:avLst/>
+          </a:prstGeom>
+          <a:solidFill>
+            <a:srgbClr val="C00000"/>
+          </a:solidFill>
+          <a:ln>
+            <a:noFill/>
+          </a:ln>
+        </p:spPr>
+        <p:style>
+          <a:lnRef idx="2">
+            <a:schemeClr val="dk1">
+              <a:shade val="50000"/>
+            </a:schemeClr>
+          </a:lnRef>
+          <a:fillRef idx="1">
+            <a:schemeClr val="dk1"/>
+          </a:fillRef>
+          <a:effectRef idx="0">
+            <a:schemeClr val="dk1"/>
+          </a:effectRef>
+          <a:fontRef idx="minor">
+            <a:schemeClr val="lt1"/>
+          </a:fontRef>
+        </p:style>
+        <p:txBody>
+          <a:bodyPr rtlCol="0" anchor="ctr"/>
+          <a:lstStyle/>
+          <a:p>
+            <a:pPr algn="ctr"/>
+            <a:endParaRPr lang="es-PE"/>
+          </a:p>
+        </p:txBody>
+      </p:sp>
+      <p:sp>
+        <p:nvSpPr>
+          <p:cNvPr id="15" name="Google Shape;111;p2">
+            <a:extLst>
+              <a:ext uri="{FF2B5EF4-FFF2-40B4-BE49-F238E27FC236}">
+                <a16:creationId xmlns:a16="http://schemas.microsoft.com/office/drawing/2014/main" id="{DA903829-C857-466F-8663-51CF8927D68D}"/>
+              </a:ext>
+            </a:extLst>
+          </p:cNvPr>
+          <p:cNvSpPr txBox="1"/>
+          <p:nvPr/>
+        </p:nvSpPr>
+        <p:spPr>
+          <a:xfrm>
+            <a:off x="1053091" y="6296363"/>
+            <a:ext cx="6418053" cy="492402"/>
+          </a:xfrm>
+          <a:prstGeom prst="rect">
+            <a:avLst/>
+          </a:prstGeom>
+          <a:noFill/>
+          <a:ln>
+            <a:noFill/>
+          </a:ln>
+        </p:spPr>
+        <p:txBody>
+          <a:bodyPr spcFirstLastPara="1" wrap="square" lIns="91425" tIns="45700" rIns="91425" bIns="45700" anchor="t" anchorCtr="0">
+            <a:spAutoFit/>
+          </a:bodyPr>
+          <a:lstStyle/>
+          <a:p>
+            <a:pPr marL="0" marR="0" lvl="0" indent="0" algn="l" defTabSz="914400" rtl="0" eaLnBrk="0" fontAlgn="base" latinLnBrk="0" hangingPunct="0">
+              <a:lnSpc>
+                <a:spcPct val="100000"/>
+              </a:lnSpc>
+              <a:spcBef>
+                <a:spcPct val="0"/>
+              </a:spcBef>
+              <a:spcAft>
+                <a:spcPct val="0"/>
+              </a:spcAft>
+              <a:buClrTx/>
+              <a:buSzTx/>
+              <a:buFontTx/>
+              <a:buNone/>
+              <a:tabLst/>
+            </a:pPr>
+            <a:r>
+              <a:rPr kumimoji="0" lang="es-PE" altLang="es-PE" sz="1300" b="1" i="0" u="none" strike="noStrike" cap="none" normalizeH="0" baseline="0" dirty="0">
+                <a:ln>
+                  <a:noFill/>
+                </a:ln>
+                <a:solidFill>
+                  <a:srgbClr val="000000"/>
+                </a:solidFill>
+                <a:effectLst/>
+                <a:latin typeface="Calibri" panose="020F0502020204030204" pitchFamily="34" charset="0"/>
+                <a:cs typeface="Calibri" panose="020F0502020204030204" pitchFamily="34" charset="0"/>
+              </a:rPr>
+              <a:t>A partir de estos modelos se están adaptado los modelos para empaquetarlos y poder ponerlos en un ambiente productivo</a:t>
+            </a:r>
+            <a:endParaRPr kumimoji="0" lang="es-PE" altLang="es-PE" sz="600" b="0" i="0" u="none" strike="noStrike" cap="none" normalizeH="0" baseline="0" dirty="0">
+              <a:ln>
+                <a:noFill/>
+              </a:ln>
+              <a:solidFill>
+                <a:schemeClr val="tx1"/>
+              </a:solidFill>
+              <a:effectLst/>
+            </a:endParaRPr>
+          </a:p>
+        </p:txBody>
+      </p:sp>
+      <p:graphicFrame>
+        <p:nvGraphicFramePr>
+          <p:cNvPr id="2" name="Tabla 1">
+            <a:extLst>
+              <a:ext uri="{FF2B5EF4-FFF2-40B4-BE49-F238E27FC236}">
+                <a16:creationId xmlns:a16="http://schemas.microsoft.com/office/drawing/2014/main" id="{944C589B-25FA-4CCB-8A13-01E5659EE2BE}"/>
+              </a:ext>
+            </a:extLst>
+          </p:cNvPr>
+          <p:cNvGraphicFramePr>
+            <a:graphicFrameLocks noGrp="1"/>
+          </p:cNvGraphicFramePr>
+          <p:nvPr>
+            <p:extLst>
+              <p:ext uri="{D42A27DB-BD31-4B8C-83A1-F6EECF244321}">
+                <p14:modId xmlns:p14="http://schemas.microsoft.com/office/powerpoint/2010/main" val="175800513"/>
+              </p:ext>
+            </p:extLst>
+          </p:nvPr>
+        </p:nvGraphicFramePr>
+        <p:xfrm>
+          <a:off x="910087" y="2232817"/>
+          <a:ext cx="6538825" cy="1722070"/>
+        </p:xfrm>
+        <a:graphic>
+          <a:graphicData uri="http://schemas.openxmlformats.org/drawingml/2006/table">
+            <a:tbl>
+              <a:tblPr>
+                <a:tableStyleId>{5C22544A-7EE6-4342-B048-85BDC9FD1C3A}</a:tableStyleId>
+              </a:tblPr>
+              <a:tblGrid>
+                <a:gridCol w="1327455">
+                  <a:extLst>
+                    <a:ext uri="{9D8B030D-6E8A-4147-A177-3AD203B41FA5}">
+                      <a16:colId xmlns:a16="http://schemas.microsoft.com/office/drawing/2014/main" val="1782276837"/>
+                    </a:ext>
+                  </a:extLst>
+                </a:gridCol>
+                <a:gridCol w="1042274">
+                  <a:extLst>
+                    <a:ext uri="{9D8B030D-6E8A-4147-A177-3AD203B41FA5}">
+                      <a16:colId xmlns:a16="http://schemas.microsoft.com/office/drawing/2014/main" val="2885780501"/>
+                    </a:ext>
+                  </a:extLst>
+                </a:gridCol>
+                <a:gridCol w="1042274">
+                  <a:extLst>
+                    <a:ext uri="{9D8B030D-6E8A-4147-A177-3AD203B41FA5}">
+                      <a16:colId xmlns:a16="http://schemas.microsoft.com/office/drawing/2014/main" val="1369513759"/>
+                    </a:ext>
+                  </a:extLst>
+                </a:gridCol>
+                <a:gridCol w="1042274">
+                  <a:extLst>
+                    <a:ext uri="{9D8B030D-6E8A-4147-A177-3AD203B41FA5}">
+                      <a16:colId xmlns:a16="http://schemas.microsoft.com/office/drawing/2014/main" val="812382924"/>
+                    </a:ext>
+                  </a:extLst>
+                </a:gridCol>
+                <a:gridCol w="1042274">
+                  <a:extLst>
+                    <a:ext uri="{9D8B030D-6E8A-4147-A177-3AD203B41FA5}">
+                      <a16:colId xmlns:a16="http://schemas.microsoft.com/office/drawing/2014/main" val="2816005843"/>
+                    </a:ext>
+                  </a:extLst>
+                </a:gridCol>
+                <a:gridCol w="1042274">
+                  <a:extLst>
+                    <a:ext uri="{9D8B030D-6E8A-4147-A177-3AD203B41FA5}">
+                      <a16:colId xmlns:a16="http://schemas.microsoft.com/office/drawing/2014/main" val="671324381"/>
+                    </a:ext>
+                  </a:extLst>
+                </a:gridCol>
+              </a:tblGrid>
+              <a:tr h="378595">
+                <a:tc>
+                  <a:txBody>
+                    <a:bodyPr/>
+                    <a:lstStyle/>
+                    <a:p>
+                      <a:pPr marL="0" lvl="0" algn="ctr" defTabSz="914400" rtl="0" eaLnBrk="1" fontAlgn="b" latinLnBrk="0" hangingPunct="1"/>
+                      <a:endParaRPr kumimoji="0" lang="es-PE" sz="1400" b="1" i="0" u="none" strike="noStrike" kern="1200" cap="none" normalizeH="0" baseline="0" dirty="0">
+                        <a:ln>
+                          <a:noFill/>
+                        </a:ln>
+                        <a:solidFill>
+                          <a:schemeClr val="tx1"/>
+                        </a:solidFill>
+                        <a:effectLst/>
+                        <a:latin typeface="Courier New" panose="02070309020205020404" pitchFamily="49" charset="0"/>
+                        <a:ea typeface="+mn-ea"/>
+                        <a:cs typeface="+mn-cs"/>
+                      </a:endParaRPr>
+                    </a:p>
+                  </a:txBody>
+                  <a:tcPr marL="9525" marR="9525" marT="9525" marB="0" anchor="ctr"/>
+                </a:tc>
+                <a:tc>
+                  <a:txBody>
+                    <a:bodyPr/>
+                    <a:lstStyle/>
+                    <a:p>
+                      <a:pPr marL="0" algn="ctr" defTabSz="914400" rtl="0" eaLnBrk="1" fontAlgn="b" latinLnBrk="0" hangingPunct="1"/>
+                      <a:r>
+                        <a:rPr kumimoji="0" lang="es-PE" sz="1400" b="1" i="0" u="none" strike="noStrike" kern="1200" cap="none" normalizeH="0" baseline="0" dirty="0">
+                          <a:ln>
+                            <a:noFill/>
+                          </a:ln>
+                          <a:solidFill>
+                            <a:schemeClr val="tx1"/>
+                          </a:solidFill>
+                          <a:effectLst/>
+                          <a:latin typeface="Courier New" panose="02070309020205020404" pitchFamily="49" charset="0"/>
+                          <a:ea typeface="+mn-ea"/>
+                          <a:cs typeface="+mn-cs"/>
+                        </a:rPr>
+                        <a:t>tópico 1</a:t>
+                      </a:r>
+                    </a:p>
+                  </a:txBody>
+                  <a:tcPr marL="9525" marR="9525" marT="9525" marB="0" anchor="ctr"/>
+                </a:tc>
+                <a:tc>
+                  <a:txBody>
+                    <a:bodyPr/>
+                    <a:lstStyle/>
+                    <a:p>
+                      <a:pPr marL="0" algn="ctr" defTabSz="914400" rtl="0" eaLnBrk="1" fontAlgn="b" latinLnBrk="0" hangingPunct="1"/>
+                      <a:r>
+                        <a:rPr kumimoji="0" lang="es-PE" sz="1400" b="1" i="0" u="none" strike="noStrike" kern="1200" cap="none" normalizeH="0" baseline="0" dirty="0">
+                          <a:ln>
+                            <a:noFill/>
+                          </a:ln>
+                          <a:solidFill>
+                            <a:schemeClr val="tx1"/>
+                          </a:solidFill>
+                          <a:effectLst/>
+                          <a:latin typeface="Courier New" panose="02070309020205020404" pitchFamily="49" charset="0"/>
+                          <a:ea typeface="+mn-ea"/>
+                          <a:cs typeface="+mn-cs"/>
+                        </a:rPr>
+                        <a:t>tópico 2</a:t>
+                      </a:r>
+                    </a:p>
+                  </a:txBody>
+                  <a:tcPr marL="9525" marR="9525" marT="9525" marB="0" anchor="ctr"/>
+                </a:tc>
+                <a:tc>
+                  <a:txBody>
+                    <a:bodyPr/>
+                    <a:lstStyle/>
+                    <a:p>
+                      <a:pPr marL="0" algn="ctr" defTabSz="914400" rtl="0" eaLnBrk="1" fontAlgn="b" latinLnBrk="0" hangingPunct="1"/>
+                      <a:r>
+                        <a:rPr kumimoji="0" lang="es-PE" sz="1400" b="1" i="0" u="none" strike="noStrike" kern="1200" cap="none" normalizeH="0" baseline="0" dirty="0">
+                          <a:ln>
+                            <a:noFill/>
+                          </a:ln>
+                          <a:solidFill>
+                            <a:schemeClr val="tx1"/>
+                          </a:solidFill>
+                          <a:effectLst/>
+                          <a:latin typeface="Courier New" panose="02070309020205020404" pitchFamily="49" charset="0"/>
+                          <a:ea typeface="+mn-ea"/>
+                          <a:cs typeface="+mn-cs"/>
+                        </a:rPr>
+                        <a:t>tópico 3</a:t>
+                      </a:r>
+                    </a:p>
+                  </a:txBody>
+                  <a:tcPr marL="9525" marR="9525" marT="9525" marB="0" anchor="ctr"/>
+                </a:tc>
+                <a:tc>
+                  <a:txBody>
+                    <a:bodyPr/>
+                    <a:lstStyle/>
+                    <a:p>
+                      <a:pPr marL="0" algn="ctr" defTabSz="914400" rtl="0" eaLnBrk="1" fontAlgn="b" latinLnBrk="0" hangingPunct="1"/>
+                      <a:r>
+                        <a:rPr kumimoji="0" lang="es-PE" sz="1400" b="1" i="0" u="none" strike="noStrike" kern="1200" cap="none" normalizeH="0" baseline="0" dirty="0">
+                          <a:ln>
+                            <a:noFill/>
+                          </a:ln>
+                          <a:solidFill>
+                            <a:schemeClr val="tx1"/>
+                          </a:solidFill>
+                          <a:effectLst/>
+                          <a:latin typeface="Courier New" panose="02070309020205020404" pitchFamily="49" charset="0"/>
+                          <a:ea typeface="+mn-ea"/>
+                          <a:cs typeface="+mn-cs"/>
+                        </a:rPr>
+                        <a:t>tópico 4</a:t>
+                      </a:r>
+                    </a:p>
+                  </a:txBody>
+                  <a:tcPr marL="9525" marR="9525" marT="9525" marB="0" anchor="ctr"/>
+                </a:tc>
+                <a:tc>
+                  <a:txBody>
+                    <a:bodyPr/>
+                    <a:lstStyle/>
+                    <a:p>
+                      <a:pPr marL="0" algn="ctr" defTabSz="914400" rtl="0" eaLnBrk="1" fontAlgn="b" latinLnBrk="0" hangingPunct="1"/>
+                      <a:r>
+                        <a:rPr kumimoji="0" lang="es-PE" sz="1400" b="1" i="0" u="none" strike="noStrike" kern="1200" cap="none" normalizeH="0" baseline="0" dirty="0">
+                          <a:ln>
+                            <a:noFill/>
+                          </a:ln>
+                          <a:solidFill>
+                            <a:schemeClr val="tx1"/>
+                          </a:solidFill>
+                          <a:effectLst/>
+                          <a:latin typeface="Courier New" panose="02070309020205020404" pitchFamily="49" charset="0"/>
+                          <a:ea typeface="+mn-ea"/>
+                          <a:cs typeface="+mn-cs"/>
+                        </a:rPr>
+                        <a:t>target</a:t>
+                      </a:r>
+                    </a:p>
+                  </a:txBody>
+                  <a:tcPr marL="9525" marR="9525" marT="9525" marB="0" anchor="ctr"/>
+                </a:tc>
+                <a:extLst>
+                  <a:ext uri="{0D108BD9-81ED-4DB2-BD59-A6C34878D82A}">
+                    <a16:rowId xmlns:a16="http://schemas.microsoft.com/office/drawing/2014/main" val="390059591"/>
+                  </a:ext>
+                </a:extLst>
+              </a:tr>
+              <a:tr h="268695">
+                <a:tc>
+                  <a:txBody>
+                    <a:bodyPr/>
+                    <a:lstStyle/>
+                    <a:p>
+                      <a:pPr marL="0" lvl="0" algn="ctr" defTabSz="914400" rtl="0" eaLnBrk="1" fontAlgn="b" latinLnBrk="0" hangingPunct="1"/>
+                      <a:r>
+                        <a:rPr kumimoji="0" lang="es-PE" sz="1400" b="1" i="0" u="none" strike="noStrike" kern="1200" cap="none" normalizeH="0" baseline="0" dirty="0">
+                          <a:ln>
+                            <a:noFill/>
+                          </a:ln>
+                          <a:solidFill>
+                            <a:schemeClr val="tx1"/>
+                          </a:solidFill>
+                          <a:effectLst/>
+                          <a:latin typeface="Courier New" panose="02070309020205020404" pitchFamily="49" charset="0"/>
+                          <a:ea typeface="+mn-ea"/>
+                          <a:cs typeface="+mn-cs"/>
+                        </a:rPr>
+                        <a:t>reclamo 1</a:t>
+                      </a:r>
+                    </a:p>
+                  </a:txBody>
+                  <a:tcPr marL="9525" marR="9525" marT="9525" marB="0" anchor="ctr"/>
+                </a:tc>
+                <a:tc>
+                  <a:txBody>
+                    <a:bodyPr/>
+                    <a:lstStyle/>
+                    <a:p>
+                      <a:pPr marL="0" algn="ctr" defTabSz="914400" rtl="0" eaLnBrk="1" fontAlgn="b" latinLnBrk="0" hangingPunct="1"/>
+                      <a:r>
+                        <a:rPr kumimoji="0" lang="es-PE" sz="1400" i="0" u="none" strike="noStrike" kern="1200" cap="none" normalizeH="0" baseline="0" dirty="0">
+                          <a:ln>
+                            <a:noFill/>
+                          </a:ln>
+                          <a:solidFill>
+                            <a:schemeClr val="accent1"/>
+                          </a:solidFill>
+                          <a:effectLst/>
+                          <a:latin typeface="Courier New" panose="02070309020205020404" pitchFamily="49" charset="0"/>
+                          <a:ea typeface="+mn-ea"/>
+                          <a:cs typeface="+mn-cs"/>
+                        </a:rPr>
+                        <a:t>0.047343</a:t>
+                      </a:r>
+                    </a:p>
+                  </a:txBody>
+                  <a:tcPr marL="9525" marR="9525" marT="9525" marB="0" anchor="ctr"/>
+                </a:tc>
+                <a:tc>
+                  <a:txBody>
+                    <a:bodyPr/>
+                    <a:lstStyle/>
+                    <a:p>
+                      <a:pPr marL="0" algn="ctr" defTabSz="914400" rtl="0" eaLnBrk="1" fontAlgn="b" latinLnBrk="0" hangingPunct="1"/>
+                      <a:r>
+                        <a:rPr kumimoji="0" lang="es-PE" sz="1400" i="0" u="none" strike="noStrike" kern="1200" cap="none" normalizeH="0" baseline="0" dirty="0">
+                          <a:ln>
+                            <a:noFill/>
+                          </a:ln>
+                          <a:solidFill>
+                            <a:schemeClr val="accent1"/>
+                          </a:solidFill>
+                          <a:effectLst/>
+                          <a:latin typeface="Courier New" panose="02070309020205020404" pitchFamily="49" charset="0"/>
+                          <a:ea typeface="+mn-ea"/>
+                          <a:cs typeface="+mn-cs"/>
+                        </a:rPr>
+                        <a:t>0.384974</a:t>
+                      </a:r>
+                    </a:p>
+                  </a:txBody>
+                  <a:tcPr marL="9525" marR="9525" marT="9525" marB="0" anchor="ctr"/>
+                </a:tc>
+                <a:tc>
+                  <a:txBody>
+                    <a:bodyPr/>
+                    <a:lstStyle/>
+                    <a:p>
+                      <a:pPr marL="0" algn="ctr" defTabSz="914400" rtl="0" eaLnBrk="1" fontAlgn="b" latinLnBrk="0" hangingPunct="1"/>
+                      <a:r>
+                        <a:rPr kumimoji="0" lang="es-PE" sz="1400" i="0" u="none" strike="noStrike" kern="1200" cap="none" normalizeH="0" baseline="0">
+                          <a:ln>
+                            <a:noFill/>
+                          </a:ln>
+                          <a:solidFill>
+                            <a:schemeClr val="accent1"/>
+                          </a:solidFill>
+                          <a:effectLst/>
+                          <a:latin typeface="Courier New" panose="02070309020205020404" pitchFamily="49" charset="0"/>
+                          <a:ea typeface="+mn-ea"/>
+                          <a:cs typeface="+mn-cs"/>
+                        </a:rPr>
+                        <a:t>0.365631</a:t>
+                      </a:r>
+                    </a:p>
+                  </a:txBody>
+                  <a:tcPr marL="9525" marR="9525" marT="9525" marB="0" anchor="ctr"/>
+                </a:tc>
+                <a:tc>
+                  <a:txBody>
+                    <a:bodyPr/>
+                    <a:lstStyle/>
+                    <a:p>
+                      <a:pPr marL="0" algn="ctr" defTabSz="914400" rtl="0" eaLnBrk="1" fontAlgn="b" latinLnBrk="0" hangingPunct="1"/>
+                      <a:r>
+                        <a:rPr kumimoji="0" lang="es-PE" sz="1400" i="0" u="none" strike="noStrike" kern="1200" cap="none" normalizeH="0" baseline="0">
+                          <a:ln>
+                            <a:noFill/>
+                          </a:ln>
+                          <a:solidFill>
+                            <a:schemeClr val="accent1"/>
+                          </a:solidFill>
+                          <a:effectLst/>
+                          <a:latin typeface="Courier New" panose="02070309020205020404" pitchFamily="49" charset="0"/>
+                          <a:ea typeface="+mn-ea"/>
+                          <a:cs typeface="+mn-cs"/>
+                        </a:rPr>
+                        <a:t>0.202052</a:t>
+                      </a:r>
+                    </a:p>
+                  </a:txBody>
+                  <a:tcPr marL="9525" marR="9525" marT="9525" marB="0" anchor="ctr"/>
+                </a:tc>
+                <a:tc>
+                  <a:txBody>
+                    <a:bodyPr/>
+                    <a:lstStyle/>
+                    <a:p>
+                      <a:pPr marL="0" algn="ctr" defTabSz="914400" rtl="0" eaLnBrk="1" fontAlgn="b" latinLnBrk="0" hangingPunct="1"/>
+                      <a:r>
+                        <a:rPr kumimoji="0" lang="es-PE" sz="1400" i="0" u="none" strike="noStrike" kern="1200" cap="none" normalizeH="0" baseline="0" dirty="0">
+                          <a:ln>
+                            <a:noFill/>
+                          </a:ln>
+                          <a:solidFill>
+                            <a:schemeClr val="accent1"/>
+                          </a:solidFill>
+                          <a:effectLst/>
+                          <a:latin typeface="Courier New" panose="02070309020205020404" pitchFamily="49" charset="0"/>
+                          <a:ea typeface="+mn-ea"/>
+                          <a:cs typeface="+mn-cs"/>
+                        </a:rPr>
+                        <a:t>1</a:t>
+                      </a:r>
+                    </a:p>
+                  </a:txBody>
+                  <a:tcPr marL="9525" marR="9525" marT="9525" marB="0" anchor="ctr"/>
+                </a:tc>
+                <a:extLst>
+                  <a:ext uri="{0D108BD9-81ED-4DB2-BD59-A6C34878D82A}">
+                    <a16:rowId xmlns:a16="http://schemas.microsoft.com/office/drawing/2014/main" val="2268331136"/>
+                  </a:ext>
+                </a:extLst>
+              </a:tr>
+              <a:tr h="268695">
+                <a:tc>
+                  <a:txBody>
+                    <a:bodyPr/>
+                    <a:lstStyle/>
+                    <a:p>
+                      <a:pPr marL="0" lvl="0" algn="ctr" defTabSz="914400" rtl="0" eaLnBrk="1" fontAlgn="b" latinLnBrk="0" hangingPunct="1"/>
+                      <a:r>
+                        <a:rPr kumimoji="0" lang="es-PE" sz="1400" b="1" i="0" u="none" strike="noStrike" kern="1200" cap="none" normalizeH="0" baseline="0" dirty="0">
+                          <a:ln>
+                            <a:noFill/>
+                          </a:ln>
+                          <a:solidFill>
+                            <a:schemeClr val="tx1"/>
+                          </a:solidFill>
+                          <a:effectLst/>
+                          <a:latin typeface="Courier New" panose="02070309020205020404" pitchFamily="49" charset="0"/>
+                          <a:ea typeface="+mn-ea"/>
+                          <a:cs typeface="+mn-cs"/>
+                        </a:rPr>
+                        <a:t>reclamo 2</a:t>
+                      </a:r>
+                    </a:p>
+                  </a:txBody>
+                  <a:tcPr marL="9525" marR="9525" marT="9525" marB="0" anchor="ctr"/>
+                </a:tc>
+                <a:tc>
+                  <a:txBody>
+                    <a:bodyPr/>
+                    <a:lstStyle/>
+                    <a:p>
+                      <a:pPr marL="0" algn="ctr" defTabSz="914400" rtl="0" eaLnBrk="1" fontAlgn="b" latinLnBrk="0" hangingPunct="1"/>
+                      <a:r>
+                        <a:rPr kumimoji="0" lang="es-PE" sz="1400" i="0" u="none" strike="noStrike" kern="1200" cap="none" normalizeH="0" baseline="0">
+                          <a:ln>
+                            <a:noFill/>
+                          </a:ln>
+                          <a:solidFill>
+                            <a:schemeClr val="accent1"/>
+                          </a:solidFill>
+                          <a:effectLst/>
+                          <a:latin typeface="Courier New" panose="02070309020205020404" pitchFamily="49" charset="0"/>
+                          <a:ea typeface="+mn-ea"/>
+                          <a:cs typeface="+mn-cs"/>
+                        </a:rPr>
+                        <a:t>0.055009</a:t>
+                      </a:r>
+                    </a:p>
+                  </a:txBody>
+                  <a:tcPr marL="9525" marR="9525" marT="9525" marB="0" anchor="ctr"/>
+                </a:tc>
+                <a:tc>
+                  <a:txBody>
+                    <a:bodyPr/>
+                    <a:lstStyle/>
+                    <a:p>
+                      <a:pPr marL="0" algn="ctr" defTabSz="914400" rtl="0" eaLnBrk="1" fontAlgn="b" latinLnBrk="0" hangingPunct="1"/>
+                      <a:r>
+                        <a:rPr kumimoji="0" lang="es-PE" sz="1400" i="0" u="none" strike="noStrike" kern="1200" cap="none" normalizeH="0" baseline="0">
+                          <a:ln>
+                            <a:noFill/>
+                          </a:ln>
+                          <a:solidFill>
+                            <a:schemeClr val="accent1"/>
+                          </a:solidFill>
+                          <a:effectLst/>
+                          <a:latin typeface="Courier New" panose="02070309020205020404" pitchFamily="49" charset="0"/>
+                          <a:ea typeface="+mn-ea"/>
+                          <a:cs typeface="+mn-cs"/>
+                        </a:rPr>
+                        <a:t>0.646546</a:t>
+                      </a:r>
+                    </a:p>
+                  </a:txBody>
+                  <a:tcPr marL="9525" marR="9525" marT="9525" marB="0" anchor="ctr"/>
+                </a:tc>
+                <a:tc>
+                  <a:txBody>
+                    <a:bodyPr/>
+                    <a:lstStyle/>
+                    <a:p>
+                      <a:pPr marL="0" algn="ctr" defTabSz="914400" rtl="0" eaLnBrk="1" fontAlgn="b" latinLnBrk="0" hangingPunct="1"/>
+                      <a:r>
+                        <a:rPr kumimoji="0" lang="es-PE" sz="1400" i="0" u="none" strike="noStrike" kern="1200" cap="none" normalizeH="0" baseline="0" dirty="0">
+                          <a:ln>
+                            <a:noFill/>
+                          </a:ln>
+                          <a:solidFill>
+                            <a:schemeClr val="accent1"/>
+                          </a:solidFill>
+                          <a:effectLst/>
+                          <a:latin typeface="Courier New" panose="02070309020205020404" pitchFamily="49" charset="0"/>
+                          <a:ea typeface="+mn-ea"/>
+                          <a:cs typeface="+mn-cs"/>
+                        </a:rPr>
+                        <a:t>0.258522</a:t>
+                      </a:r>
+                    </a:p>
+                  </a:txBody>
+                  <a:tcPr marL="9525" marR="9525" marT="9525" marB="0" anchor="ctr"/>
+                </a:tc>
+                <a:tc>
+                  <a:txBody>
+                    <a:bodyPr/>
+                    <a:lstStyle/>
+                    <a:p>
+                      <a:pPr marL="0" algn="ctr" defTabSz="914400" rtl="0" eaLnBrk="1" fontAlgn="b" latinLnBrk="0" hangingPunct="1"/>
+                      <a:r>
+                        <a:rPr kumimoji="0" lang="es-PE" sz="1400" i="0" u="none" strike="noStrike" kern="1200" cap="none" normalizeH="0" baseline="0">
+                          <a:ln>
+                            <a:noFill/>
+                          </a:ln>
+                          <a:solidFill>
+                            <a:schemeClr val="accent1"/>
+                          </a:solidFill>
+                          <a:effectLst/>
+                          <a:latin typeface="Courier New" panose="02070309020205020404" pitchFamily="49" charset="0"/>
+                          <a:ea typeface="+mn-ea"/>
+                          <a:cs typeface="+mn-cs"/>
+                        </a:rPr>
+                        <a:t>0.039922</a:t>
+                      </a:r>
+                    </a:p>
+                  </a:txBody>
+                  <a:tcPr marL="9525" marR="9525" marT="9525" marB="0" anchor="ctr"/>
+                </a:tc>
+                <a:tc>
+                  <a:txBody>
+                    <a:bodyPr/>
+                    <a:lstStyle/>
+                    <a:p>
+                      <a:pPr marL="0" algn="ctr" defTabSz="914400" rtl="0" eaLnBrk="1" fontAlgn="b" latinLnBrk="0" hangingPunct="1"/>
+                      <a:r>
+                        <a:rPr kumimoji="0" lang="es-PE" sz="1400" i="0" u="none" strike="noStrike" kern="1200" cap="none" normalizeH="0" baseline="0" dirty="0">
+                          <a:ln>
+                            <a:noFill/>
+                          </a:ln>
+                          <a:solidFill>
+                            <a:schemeClr val="accent1"/>
+                          </a:solidFill>
+                          <a:effectLst/>
+                          <a:latin typeface="Courier New" panose="02070309020205020404" pitchFamily="49" charset="0"/>
+                          <a:ea typeface="+mn-ea"/>
+                          <a:cs typeface="+mn-cs"/>
+                        </a:rPr>
+                        <a:t>1</a:t>
+                      </a:r>
+                    </a:p>
+                  </a:txBody>
+                  <a:tcPr marL="9525" marR="9525" marT="9525" marB="0" anchor="ctr"/>
+                </a:tc>
+                <a:extLst>
+                  <a:ext uri="{0D108BD9-81ED-4DB2-BD59-A6C34878D82A}">
+                    <a16:rowId xmlns:a16="http://schemas.microsoft.com/office/drawing/2014/main" val="1202487845"/>
+                  </a:ext>
+                </a:extLst>
+              </a:tr>
+              <a:tr h="268695">
+                <a:tc>
+                  <a:txBody>
+                    <a:bodyPr/>
+                    <a:lstStyle/>
+                    <a:p>
+                      <a:pPr marL="0" lvl="0" algn="ctr" defTabSz="914400" rtl="0" eaLnBrk="1" fontAlgn="b" latinLnBrk="0" hangingPunct="1"/>
+                      <a:r>
+                        <a:rPr kumimoji="0" lang="es-PE" sz="1400" b="1" i="0" u="none" strike="noStrike" kern="1200" cap="none" normalizeH="0" baseline="0" dirty="0">
+                          <a:ln>
+                            <a:noFill/>
+                          </a:ln>
+                          <a:solidFill>
+                            <a:schemeClr val="tx1"/>
+                          </a:solidFill>
+                          <a:effectLst/>
+                          <a:latin typeface="Courier New" panose="02070309020205020404" pitchFamily="49" charset="0"/>
+                          <a:ea typeface="+mn-ea"/>
+                          <a:cs typeface="+mn-cs"/>
+                        </a:rPr>
+                        <a:t>…</a:t>
+                      </a:r>
+                    </a:p>
+                  </a:txBody>
+                  <a:tcPr marL="9525" marR="9525" marT="9525" marB="0" vert="wordArtVert" anchor="ctr"/>
+                </a:tc>
+                <a:tc>
+                  <a:txBody>
+                    <a:bodyPr/>
+                    <a:lstStyle/>
+                    <a:p>
+                      <a:pPr marL="0" algn="ctr" defTabSz="914400" rtl="0" eaLnBrk="1" fontAlgn="b" latinLnBrk="0" hangingPunct="1"/>
+                      <a:endParaRPr kumimoji="0" lang="es-PE" sz="1400" i="0" u="none" strike="noStrike" kern="1200" cap="none" normalizeH="0" baseline="0">
+                        <a:ln>
+                          <a:noFill/>
+                        </a:ln>
+                        <a:solidFill>
+                          <a:schemeClr val="accent1"/>
+                        </a:solidFill>
+                        <a:effectLst/>
+                        <a:latin typeface="Courier New" panose="02070309020205020404" pitchFamily="49" charset="0"/>
+                        <a:ea typeface="+mn-ea"/>
+                        <a:cs typeface="+mn-cs"/>
+                      </a:endParaRPr>
+                    </a:p>
+                  </a:txBody>
+                  <a:tcPr marL="9525" marR="9525" marT="9525" marB="0" anchor="ctr"/>
+                </a:tc>
+                <a:tc>
+                  <a:txBody>
+                    <a:bodyPr/>
+                    <a:lstStyle/>
+                    <a:p>
+                      <a:pPr marL="0" algn="ctr" defTabSz="914400" rtl="0" eaLnBrk="1" fontAlgn="b" latinLnBrk="0" hangingPunct="1"/>
+                      <a:endParaRPr kumimoji="0" lang="es-PE" sz="1400" i="0" u="none" strike="noStrike" kern="1200" cap="none" normalizeH="0" baseline="0">
+                        <a:ln>
+                          <a:noFill/>
+                        </a:ln>
+                        <a:solidFill>
+                          <a:schemeClr val="accent1"/>
+                        </a:solidFill>
+                        <a:effectLst/>
+                        <a:latin typeface="Courier New" panose="02070309020205020404" pitchFamily="49" charset="0"/>
+                        <a:ea typeface="+mn-ea"/>
+                        <a:cs typeface="+mn-cs"/>
+                      </a:endParaRPr>
+                    </a:p>
+                  </a:txBody>
+                  <a:tcPr marL="9525" marR="9525" marT="9525" marB="0" anchor="ctr"/>
+                </a:tc>
+                <a:tc>
+                  <a:txBody>
+                    <a:bodyPr/>
+                    <a:lstStyle/>
+                    <a:p>
+                      <a:pPr marL="0" algn="ctr" defTabSz="914400" rtl="0" eaLnBrk="1" fontAlgn="b" latinLnBrk="0" hangingPunct="1"/>
+                      <a:endParaRPr kumimoji="0" lang="es-PE" sz="1400" i="0" u="none" strike="noStrike" kern="1200" cap="none" normalizeH="0" baseline="0">
+                        <a:ln>
+                          <a:noFill/>
+                        </a:ln>
+                        <a:solidFill>
+                          <a:schemeClr val="accent1"/>
+                        </a:solidFill>
+                        <a:effectLst/>
+                        <a:latin typeface="Courier New" panose="02070309020205020404" pitchFamily="49" charset="0"/>
+                        <a:ea typeface="+mn-ea"/>
+                        <a:cs typeface="+mn-cs"/>
+                      </a:endParaRPr>
+                    </a:p>
+                  </a:txBody>
+                  <a:tcPr marL="9525" marR="9525" marT="9525" marB="0" anchor="ctr"/>
+                </a:tc>
+                <a:tc>
+                  <a:txBody>
+                    <a:bodyPr/>
+                    <a:lstStyle/>
+                    <a:p>
+                      <a:pPr marL="0" algn="ctr" defTabSz="914400" rtl="0" eaLnBrk="1" fontAlgn="b" latinLnBrk="0" hangingPunct="1"/>
+                      <a:endParaRPr kumimoji="0" lang="es-PE" sz="1400" i="0" u="none" strike="noStrike" kern="1200" cap="none" normalizeH="0" baseline="0" dirty="0">
+                        <a:ln>
+                          <a:noFill/>
+                        </a:ln>
+                        <a:solidFill>
+                          <a:schemeClr val="accent1"/>
+                        </a:solidFill>
+                        <a:effectLst/>
+                        <a:latin typeface="Courier New" panose="02070309020205020404" pitchFamily="49" charset="0"/>
+                        <a:ea typeface="+mn-ea"/>
+                        <a:cs typeface="+mn-cs"/>
+                      </a:endParaRPr>
+                    </a:p>
+                  </a:txBody>
+                  <a:tcPr marL="9525" marR="9525" marT="9525" marB="0" anchor="ctr"/>
+                </a:tc>
+                <a:tc>
+                  <a:txBody>
+                    <a:bodyPr/>
+                    <a:lstStyle/>
+                    <a:p>
+                      <a:pPr marL="0" algn="ctr" defTabSz="914400" rtl="0" eaLnBrk="1" fontAlgn="b" latinLnBrk="0" hangingPunct="1"/>
+                      <a:r>
+                        <a:rPr kumimoji="0" lang="es-PE" sz="1400" i="0" u="none" strike="noStrike" kern="1200" cap="none" normalizeH="0" baseline="0" dirty="0">
+                          <a:ln>
+                            <a:noFill/>
+                          </a:ln>
+                          <a:solidFill>
+                            <a:schemeClr val="accent1"/>
+                          </a:solidFill>
+                          <a:effectLst/>
+                          <a:latin typeface="Courier New" panose="02070309020205020404" pitchFamily="49" charset="0"/>
+                          <a:ea typeface="+mn-ea"/>
+                          <a:cs typeface="+mn-cs"/>
+                        </a:rPr>
+                        <a:t>…</a:t>
+                      </a:r>
+                    </a:p>
+                  </a:txBody>
+                  <a:tcPr marL="9525" marR="9525" marT="9525" marB="0" vert="wordArtVert" anchor="ctr"/>
+                </a:tc>
+                <a:extLst>
+                  <a:ext uri="{0D108BD9-81ED-4DB2-BD59-A6C34878D82A}">
+                    <a16:rowId xmlns:a16="http://schemas.microsoft.com/office/drawing/2014/main" val="3193227924"/>
+                  </a:ext>
+                </a:extLst>
+              </a:tr>
+              <a:tr h="268695">
+                <a:tc>
+                  <a:txBody>
+                    <a:bodyPr/>
+                    <a:lstStyle/>
+                    <a:p>
+                      <a:pPr marL="0" lvl="0" algn="ctr" defTabSz="914400" rtl="0" eaLnBrk="1" fontAlgn="b" latinLnBrk="0" hangingPunct="1"/>
+                      <a:r>
+                        <a:rPr kumimoji="0" lang="es-PE" sz="1400" b="1" i="0" u="none" strike="noStrike" kern="1200" cap="none" normalizeH="0" baseline="0" dirty="0">
+                          <a:ln>
+                            <a:noFill/>
+                          </a:ln>
+                          <a:solidFill>
+                            <a:schemeClr val="tx1"/>
+                          </a:solidFill>
+                          <a:effectLst/>
+                          <a:latin typeface="Courier New" panose="02070309020205020404" pitchFamily="49" charset="0"/>
+                          <a:ea typeface="+mn-ea"/>
+                          <a:cs typeface="+mn-cs"/>
+                        </a:rPr>
+                        <a:t>reclamo n-1</a:t>
+                      </a:r>
+                    </a:p>
+                  </a:txBody>
+                  <a:tcPr marL="9525" marR="9525" marT="9525" marB="0" anchor="ctr"/>
+                </a:tc>
+                <a:tc>
+                  <a:txBody>
+                    <a:bodyPr/>
+                    <a:lstStyle/>
+                    <a:p>
+                      <a:pPr marL="0" algn="ctr" defTabSz="914400" rtl="0" eaLnBrk="1" fontAlgn="b" latinLnBrk="0" hangingPunct="1"/>
+                      <a:r>
+                        <a:rPr kumimoji="0" lang="es-PE" sz="1400" i="0" u="none" strike="noStrike" kern="1200" cap="none" normalizeH="0" baseline="0">
+                          <a:ln>
+                            <a:noFill/>
+                          </a:ln>
+                          <a:solidFill>
+                            <a:schemeClr val="accent1"/>
+                          </a:solidFill>
+                          <a:effectLst/>
+                          <a:latin typeface="Courier New" panose="02070309020205020404" pitchFamily="49" charset="0"/>
+                          <a:ea typeface="+mn-ea"/>
+                          <a:cs typeface="+mn-cs"/>
+                        </a:rPr>
+                        <a:t>0.051496</a:t>
+                      </a:r>
+                    </a:p>
+                  </a:txBody>
+                  <a:tcPr marL="9525" marR="9525" marT="9525" marB="0" anchor="ctr"/>
+                </a:tc>
+                <a:tc>
+                  <a:txBody>
+                    <a:bodyPr/>
+                    <a:lstStyle/>
+                    <a:p>
+                      <a:pPr marL="0" algn="ctr" defTabSz="914400" rtl="0" eaLnBrk="1" fontAlgn="b" latinLnBrk="0" hangingPunct="1"/>
+                      <a:r>
+                        <a:rPr kumimoji="0" lang="es-PE" sz="1400" i="0" u="none" strike="noStrike" kern="1200" cap="none" normalizeH="0" baseline="0">
+                          <a:ln>
+                            <a:noFill/>
+                          </a:ln>
+                          <a:solidFill>
+                            <a:schemeClr val="accent1"/>
+                          </a:solidFill>
+                          <a:effectLst/>
+                          <a:latin typeface="Courier New" panose="02070309020205020404" pitchFamily="49" charset="0"/>
+                          <a:ea typeface="+mn-ea"/>
+                          <a:cs typeface="+mn-cs"/>
+                        </a:rPr>
+                        <a:t>0.3332</a:t>
+                      </a:r>
+                    </a:p>
+                  </a:txBody>
+                  <a:tcPr marL="9525" marR="9525" marT="9525" marB="0" anchor="ctr"/>
+                </a:tc>
+                <a:tc>
+                  <a:txBody>
+                    <a:bodyPr/>
+                    <a:lstStyle/>
+                    <a:p>
+                      <a:pPr marL="0" algn="ctr" defTabSz="914400" rtl="0" eaLnBrk="1" fontAlgn="b" latinLnBrk="0" hangingPunct="1"/>
+                      <a:r>
+                        <a:rPr kumimoji="0" lang="es-PE" sz="1400" i="0" u="none" strike="noStrike" kern="1200" cap="none" normalizeH="0" baseline="0">
+                          <a:ln>
+                            <a:noFill/>
+                          </a:ln>
+                          <a:solidFill>
+                            <a:schemeClr val="accent1"/>
+                          </a:solidFill>
+                          <a:effectLst/>
+                          <a:latin typeface="Courier New" panose="02070309020205020404" pitchFamily="49" charset="0"/>
+                          <a:ea typeface="+mn-ea"/>
+                          <a:cs typeface="+mn-cs"/>
+                        </a:rPr>
+                        <a:t>0.405048</a:t>
+                      </a:r>
+                    </a:p>
+                  </a:txBody>
+                  <a:tcPr marL="9525" marR="9525" marT="9525" marB="0" anchor="ctr"/>
+                </a:tc>
+                <a:tc>
+                  <a:txBody>
+                    <a:bodyPr/>
+                    <a:lstStyle/>
+                    <a:p>
+                      <a:pPr marL="0" algn="ctr" defTabSz="914400" rtl="0" eaLnBrk="1" fontAlgn="b" latinLnBrk="0" hangingPunct="1"/>
+                      <a:r>
+                        <a:rPr kumimoji="0" lang="es-PE" sz="1400" i="0" u="none" strike="noStrike" kern="1200" cap="none" normalizeH="0" baseline="0" dirty="0">
+                          <a:ln>
+                            <a:noFill/>
+                          </a:ln>
+                          <a:solidFill>
+                            <a:schemeClr val="accent1"/>
+                          </a:solidFill>
+                          <a:effectLst/>
+                          <a:latin typeface="Courier New" panose="02070309020205020404" pitchFamily="49" charset="0"/>
+                          <a:ea typeface="+mn-ea"/>
+                          <a:cs typeface="+mn-cs"/>
+                        </a:rPr>
+                        <a:t>0.210256</a:t>
+                      </a:r>
+                    </a:p>
+                  </a:txBody>
+                  <a:tcPr marL="9525" marR="9525" marT="9525" marB="0" anchor="ctr"/>
+                </a:tc>
+                <a:tc>
+                  <a:txBody>
+                    <a:bodyPr/>
+                    <a:lstStyle/>
+                    <a:p>
+                      <a:pPr marL="0" algn="ctr" defTabSz="914400" rtl="0" eaLnBrk="1" fontAlgn="b" latinLnBrk="0" hangingPunct="1"/>
+                      <a:r>
+                        <a:rPr kumimoji="0" lang="es-PE" sz="1400" i="0" u="none" strike="noStrike" kern="1200" cap="none" normalizeH="0" baseline="0" dirty="0">
+                          <a:ln>
+                            <a:noFill/>
+                          </a:ln>
+                          <a:solidFill>
+                            <a:schemeClr val="accent1"/>
+                          </a:solidFill>
+                          <a:effectLst/>
+                          <a:latin typeface="Courier New" panose="02070309020205020404" pitchFamily="49" charset="0"/>
+                          <a:ea typeface="+mn-ea"/>
+                          <a:cs typeface="+mn-cs"/>
+                        </a:rPr>
+                        <a:t>0</a:t>
+                      </a:r>
+                    </a:p>
+                  </a:txBody>
+                  <a:tcPr marL="9525" marR="9525" marT="9525" marB="0" anchor="ctr"/>
+                </a:tc>
+                <a:extLst>
+                  <a:ext uri="{0D108BD9-81ED-4DB2-BD59-A6C34878D82A}">
+                    <a16:rowId xmlns:a16="http://schemas.microsoft.com/office/drawing/2014/main" val="1695322274"/>
+                  </a:ext>
+                </a:extLst>
+              </a:tr>
+              <a:tr h="268695">
+                <a:tc>
+                  <a:txBody>
+                    <a:bodyPr/>
+                    <a:lstStyle/>
+                    <a:p>
+                      <a:pPr marL="0" lvl="0" algn="ctr" defTabSz="914400" rtl="0" eaLnBrk="1" fontAlgn="b" latinLnBrk="0" hangingPunct="1"/>
+                      <a:r>
+                        <a:rPr kumimoji="0" lang="es-PE" sz="1400" b="1" i="0" u="none" strike="noStrike" kern="1200" cap="none" normalizeH="0" baseline="0" dirty="0">
+                          <a:ln>
+                            <a:noFill/>
+                          </a:ln>
+                          <a:solidFill>
+                            <a:schemeClr val="tx1"/>
+                          </a:solidFill>
+                          <a:effectLst/>
+                          <a:latin typeface="Courier New" panose="02070309020205020404" pitchFamily="49" charset="0"/>
+                          <a:ea typeface="+mn-ea"/>
+                          <a:cs typeface="+mn-cs"/>
+                        </a:rPr>
+                        <a:t>reclamo n</a:t>
+                      </a:r>
+                    </a:p>
+                  </a:txBody>
+                  <a:tcPr marL="9525" marR="9525" marT="9525" marB="0" anchor="ctr"/>
+                </a:tc>
+                <a:tc>
+                  <a:txBody>
+                    <a:bodyPr/>
+                    <a:lstStyle/>
+                    <a:p>
+                      <a:pPr marL="0" algn="ctr" defTabSz="914400" rtl="0" eaLnBrk="1" fontAlgn="b" latinLnBrk="0" hangingPunct="1"/>
+                      <a:r>
+                        <a:rPr kumimoji="0" lang="es-PE" sz="1400" i="0" u="none" strike="noStrike" kern="1200" cap="none" normalizeH="0" baseline="0" dirty="0">
+                          <a:ln>
+                            <a:noFill/>
+                          </a:ln>
+                          <a:solidFill>
+                            <a:schemeClr val="accent1"/>
+                          </a:solidFill>
+                          <a:effectLst/>
+                          <a:latin typeface="Courier New" panose="02070309020205020404" pitchFamily="49" charset="0"/>
+                          <a:ea typeface="+mn-ea"/>
+                          <a:cs typeface="+mn-cs"/>
+                        </a:rPr>
+                        <a:t>0.056023</a:t>
+                      </a:r>
+                    </a:p>
+                  </a:txBody>
+                  <a:tcPr marL="9525" marR="9525" marT="9525" marB="0" anchor="ctr"/>
+                </a:tc>
+                <a:tc>
+                  <a:txBody>
+                    <a:bodyPr/>
+                    <a:lstStyle/>
+                    <a:p>
+                      <a:pPr marL="0" algn="ctr" defTabSz="914400" rtl="0" eaLnBrk="1" fontAlgn="b" latinLnBrk="0" hangingPunct="1"/>
+                      <a:r>
+                        <a:rPr kumimoji="0" lang="es-PE" sz="1400" i="0" u="none" strike="noStrike" kern="1200" cap="none" normalizeH="0" baseline="0">
+                          <a:ln>
+                            <a:noFill/>
+                          </a:ln>
+                          <a:solidFill>
+                            <a:schemeClr val="accent1"/>
+                          </a:solidFill>
+                          <a:effectLst/>
+                          <a:latin typeface="Courier New" panose="02070309020205020404" pitchFamily="49" charset="0"/>
+                          <a:ea typeface="+mn-ea"/>
+                          <a:cs typeface="+mn-cs"/>
+                        </a:rPr>
+                        <a:t>0.219478</a:t>
+                      </a:r>
+                    </a:p>
+                  </a:txBody>
+                  <a:tcPr marL="9525" marR="9525" marT="9525" marB="0" anchor="ctr"/>
+                </a:tc>
+                <a:tc>
+                  <a:txBody>
+                    <a:bodyPr/>
+                    <a:lstStyle/>
+                    <a:p>
+                      <a:pPr marL="0" algn="ctr" defTabSz="914400" rtl="0" eaLnBrk="1" fontAlgn="b" latinLnBrk="0" hangingPunct="1"/>
+                      <a:r>
+                        <a:rPr kumimoji="0" lang="es-PE" sz="1400" i="0" u="none" strike="noStrike" kern="1200" cap="none" normalizeH="0" baseline="0">
+                          <a:ln>
+                            <a:noFill/>
+                          </a:ln>
+                          <a:solidFill>
+                            <a:schemeClr val="accent1"/>
+                          </a:solidFill>
+                          <a:effectLst/>
+                          <a:latin typeface="Courier New" panose="02070309020205020404" pitchFamily="49" charset="0"/>
+                          <a:ea typeface="+mn-ea"/>
+                          <a:cs typeface="+mn-cs"/>
+                        </a:rPr>
+                        <a:t>0.639924</a:t>
+                      </a:r>
+                    </a:p>
+                  </a:txBody>
+                  <a:tcPr marL="9525" marR="9525" marT="9525" marB="0" anchor="ctr"/>
+                </a:tc>
+                <a:tc>
+                  <a:txBody>
+                    <a:bodyPr/>
+                    <a:lstStyle/>
+                    <a:p>
+                      <a:pPr marL="0" algn="ctr" defTabSz="914400" rtl="0" eaLnBrk="1" fontAlgn="b" latinLnBrk="0" hangingPunct="1"/>
+                      <a:r>
+                        <a:rPr kumimoji="0" lang="es-PE" sz="1400" i="0" u="none" strike="noStrike" kern="1200" cap="none" normalizeH="0" baseline="0">
+                          <a:ln>
+                            <a:noFill/>
+                          </a:ln>
+                          <a:solidFill>
+                            <a:schemeClr val="accent1"/>
+                          </a:solidFill>
+                          <a:effectLst/>
+                          <a:latin typeface="Courier New" panose="02070309020205020404" pitchFamily="49" charset="0"/>
+                          <a:ea typeface="+mn-ea"/>
+                          <a:cs typeface="+mn-cs"/>
+                        </a:rPr>
+                        <a:t>0.084576</a:t>
+                      </a:r>
+                    </a:p>
+                  </a:txBody>
+                  <a:tcPr marL="9525" marR="9525" marT="9525" marB="0" anchor="ctr"/>
+                </a:tc>
+                <a:tc>
+                  <a:txBody>
+                    <a:bodyPr/>
+                    <a:lstStyle/>
+                    <a:p>
+                      <a:pPr marL="0" algn="ctr" defTabSz="914400" rtl="0" eaLnBrk="1" fontAlgn="b" latinLnBrk="0" hangingPunct="1"/>
+                      <a:r>
+                        <a:rPr kumimoji="0" lang="es-PE" sz="1400" i="0" u="none" strike="noStrike" kern="1200" cap="none" normalizeH="0" baseline="0" dirty="0">
+                          <a:ln>
+                            <a:noFill/>
+                          </a:ln>
+                          <a:solidFill>
+                            <a:schemeClr val="accent1"/>
+                          </a:solidFill>
+                          <a:effectLst/>
+                          <a:latin typeface="Courier New" panose="02070309020205020404" pitchFamily="49" charset="0"/>
+                          <a:ea typeface="+mn-ea"/>
+                          <a:cs typeface="+mn-cs"/>
+                        </a:rPr>
+                        <a:t>0</a:t>
+                      </a:r>
+                    </a:p>
+                  </a:txBody>
+                  <a:tcPr marL="9525" marR="9525" marT="9525" marB="0" anchor="ctr"/>
+                </a:tc>
+                <a:extLst>
+                  <a:ext uri="{0D108BD9-81ED-4DB2-BD59-A6C34878D82A}">
+                    <a16:rowId xmlns:a16="http://schemas.microsoft.com/office/drawing/2014/main" val="3104394468"/>
+                  </a:ext>
+                </a:extLst>
+              </a:tr>
+            </a:tbl>
+          </a:graphicData>
+        </a:graphic>
+      </p:graphicFrame>
+      <p:pic>
+        <p:nvPicPr>
+          <p:cNvPr id="1026" name="Picture 2" descr="Máquinas de Vectores de Soporte (SVM) - IArtificial.net">
+            <a:extLst>
+              <a:ext uri="{FF2B5EF4-FFF2-40B4-BE49-F238E27FC236}">
+                <a16:creationId xmlns:a16="http://schemas.microsoft.com/office/drawing/2014/main" id="{116D79F8-60CD-485B-A2CA-435E38802BE1}"/>
+              </a:ext>
+            </a:extLst>
+          </p:cNvPr>
+          <p:cNvPicPr>
+            <a:picLocks noChangeAspect="1" noChangeArrowheads="1"/>
+          </p:cNvPicPr>
+          <p:nvPr/>
+        </p:nvPicPr>
+        <p:blipFill>
+          <a:blip r:embed="rId2">
+            <a:extLst>
+              <a:ext uri="{28A0092B-C50C-407E-A947-70E740481C1C}">
+                <a14:useLocalDpi xmlns:a14="http://schemas.microsoft.com/office/drawing/2010/main" val="0"/>
+              </a:ext>
+            </a:extLst>
+          </a:blip>
+          <a:srcRect/>
+          <a:stretch>
+            <a:fillRect/>
+          </a:stretch>
+        </p:blipFill>
+        <p:spPr bwMode="auto">
+          <a:xfrm>
+            <a:off x="1405317" y="4355860"/>
+            <a:ext cx="2714625" cy="1685925"/>
+          </a:xfrm>
+          <a:prstGeom prst="rect">
+            <a:avLst/>
+          </a:prstGeom>
+          <a:noFill/>
+          <a:extLst>
+            <a:ext uri="{909E8E84-426E-40DD-AFC4-6F175D3DCCD1}">
+              <a14:hiddenFill xmlns:a14="http://schemas.microsoft.com/office/drawing/2010/main">
+                <a:solidFill>
+                  <a:srgbClr val="FFFFFF"/>
+                </a:solidFill>
+              </a14:hiddenFill>
+            </a:ext>
+          </a:extLst>
+        </p:spPr>
+      </p:pic>
+      <p:sp>
+        <p:nvSpPr>
+          <p:cNvPr id="11" name="CuadroTexto 10">
+            <a:extLst>
+              <a:ext uri="{FF2B5EF4-FFF2-40B4-BE49-F238E27FC236}">
+                <a16:creationId xmlns:a16="http://schemas.microsoft.com/office/drawing/2014/main" id="{2F375C5B-065C-49A9-ADD9-D04C8B8ECDAD}"/>
+              </a:ext>
+            </a:extLst>
+          </p:cNvPr>
+          <p:cNvSpPr txBox="1"/>
+          <p:nvPr/>
+        </p:nvSpPr>
+        <p:spPr>
+          <a:xfrm>
+            <a:off x="843434" y="957732"/>
+            <a:ext cx="10429374" cy="646331"/>
+          </a:xfrm>
+          <a:prstGeom prst="rect">
+            <a:avLst/>
+          </a:prstGeom>
+          <a:noFill/>
+        </p:spPr>
+        <p:txBody>
+          <a:bodyPr wrap="square">
+            <a:spAutoFit/>
+          </a:bodyPr>
+          <a:lstStyle/>
+          <a:p>
+            <a:pPr lvl="0" algn="just" eaLnBrk="0" fontAlgn="base" hangingPunct="0">
+              <a:spcBef>
+                <a:spcPct val="0"/>
+              </a:spcBef>
+              <a:spcAft>
+                <a:spcPct val="0"/>
+              </a:spcAft>
+            </a:pPr>
+            <a:r>
+              <a:rPr lang="es-PE" altLang="es-PE" dirty="0">
+                <a:solidFill>
+                  <a:srgbClr val="000000"/>
+                </a:solidFill>
+                <a:latin typeface="Calibri" panose="020F0502020204030204" pitchFamily="34" charset="0"/>
+                <a:cs typeface="Calibri" panose="020F0502020204030204" pitchFamily="34" charset="0"/>
+              </a:rPr>
+              <a:t>Con el modelo LDA obtuvimos 4 tópicos, con esos resultados armamos un </a:t>
+            </a:r>
+            <a:r>
+              <a:rPr lang="es-PE" altLang="es-PE" dirty="0" err="1">
+                <a:solidFill>
+                  <a:srgbClr val="000000"/>
+                </a:solidFill>
+                <a:latin typeface="Calibri" panose="020F0502020204030204" pitchFamily="34" charset="0"/>
+                <a:cs typeface="Calibri" panose="020F0502020204030204" pitchFamily="34" charset="0"/>
+              </a:rPr>
+              <a:t>dataset</a:t>
+            </a:r>
+            <a:r>
+              <a:rPr lang="es-PE" altLang="es-PE" dirty="0">
+                <a:solidFill>
+                  <a:srgbClr val="000000"/>
+                </a:solidFill>
+                <a:latin typeface="Calibri" panose="020F0502020204030204" pitchFamily="34" charset="0"/>
+                <a:cs typeface="Calibri" panose="020F0502020204030204" pitchFamily="34" charset="0"/>
+              </a:rPr>
+              <a:t> de 2 mil elementos para entrenar un modelo SVM que nos indicara si un texto puede pertenecer a los tópicos de Atención al usuario.</a:t>
+            </a:r>
+          </a:p>
+        </p:txBody>
+      </p:sp>
+      <p:sp>
+        <p:nvSpPr>
+          <p:cNvPr id="12" name="CuadroTexto 11">
+            <a:extLst>
+              <a:ext uri="{FF2B5EF4-FFF2-40B4-BE49-F238E27FC236}">
+                <a16:creationId xmlns:a16="http://schemas.microsoft.com/office/drawing/2014/main" id="{49657737-134F-40C4-AD04-DF544900FD78}"/>
+              </a:ext>
+            </a:extLst>
+          </p:cNvPr>
+          <p:cNvSpPr txBox="1"/>
+          <p:nvPr/>
+        </p:nvSpPr>
+        <p:spPr>
+          <a:xfrm>
+            <a:off x="4407521" y="1660104"/>
+            <a:ext cx="1915641" cy="523220"/>
+          </a:xfrm>
+          <a:prstGeom prst="rect">
+            <a:avLst/>
+          </a:prstGeom>
+          <a:noFill/>
+        </p:spPr>
+        <p:txBody>
+          <a:bodyPr wrap="square">
+            <a:spAutoFit/>
+          </a:bodyPr>
+          <a:lstStyle/>
+          <a:p>
+            <a:pPr algn="ctr"/>
+            <a:r>
+              <a:rPr lang="es-PE" sz="1400" b="1" i="0" dirty="0">
+                <a:solidFill>
+                  <a:srgbClr val="FF0000"/>
+                </a:solidFill>
+                <a:effectLst/>
+                <a:latin typeface="Helvetica Neue"/>
+              </a:rPr>
+              <a:t>Servicio de atención al usuarios (1)</a:t>
+            </a:r>
+            <a:endParaRPr lang="es-PE" sz="1400" b="1" dirty="0">
+              <a:solidFill>
+                <a:srgbClr val="FF0000"/>
+              </a:solidFill>
+            </a:endParaRPr>
+          </a:p>
+        </p:txBody>
+      </p:sp>
+      <p:cxnSp>
+        <p:nvCxnSpPr>
+          <p:cNvPr id="13" name="Conector recto de flecha 12">
+            <a:extLst>
+              <a:ext uri="{FF2B5EF4-FFF2-40B4-BE49-F238E27FC236}">
+                <a16:creationId xmlns:a16="http://schemas.microsoft.com/office/drawing/2014/main" id="{FA86C051-5F95-4BAE-8A5D-FBC817B3280D}"/>
+              </a:ext>
+            </a:extLst>
+          </p:cNvPr>
+          <p:cNvCxnSpPr>
+            <a:cxnSpLocks/>
+          </p:cNvCxnSpPr>
+          <p:nvPr/>
+        </p:nvCxnSpPr>
+        <p:spPr>
+          <a:xfrm>
+            <a:off x="6239371" y="2069416"/>
+            <a:ext cx="428848" cy="672928"/>
+          </a:xfrm>
+          <a:prstGeom prst="straightConnector1">
+            <a:avLst/>
+          </a:prstGeom>
+          <a:ln>
+            <a:solidFill>
+              <a:srgbClr val="C00000"/>
+            </a:solidFill>
+            <a:tailEnd type="triangle"/>
+          </a:ln>
+        </p:spPr>
+        <p:style>
+          <a:lnRef idx="3">
+            <a:schemeClr val="accent2"/>
+          </a:lnRef>
+          <a:fillRef idx="0">
+            <a:schemeClr val="accent2"/>
+          </a:fillRef>
+          <a:effectRef idx="2">
+            <a:schemeClr val="accent2"/>
+          </a:effectRef>
+          <a:fontRef idx="minor">
+            <a:schemeClr val="tx1"/>
+          </a:fontRef>
+        </p:style>
+      </p:cxnSp>
+      <p:sp>
+        <p:nvSpPr>
+          <p:cNvPr id="8" name="Rectangle 3">
+            <a:extLst>
+              <a:ext uri="{FF2B5EF4-FFF2-40B4-BE49-F238E27FC236}">
+                <a16:creationId xmlns:a16="http://schemas.microsoft.com/office/drawing/2014/main" id="{3295EBC9-80F0-4C59-8967-B9624A379615}"/>
               </a:ext>
             </a:extLst>
           </p:cNvPr>
           <p:cNvSpPr>
-            <a:spLocks noGrp="1"/>
+            <a:spLocks noChangeArrowheads="1"/>
           </p:cNvSpPr>
-          <p:nvPr>
-            <p:ph type="title"/>
-          </p:nvPr>
-        </p:nvSpPr>
-        <p:spPr/>
-        <p:txBody>
-          <a:bodyPr/>
+          <p:nvPr/>
+        </p:nvSpPr>
+        <p:spPr bwMode="auto">
+          <a:xfrm>
+            <a:off x="5186830" y="4928560"/>
+            <a:ext cx="2555335" cy="738664"/>
+          </a:xfrm>
+          <a:prstGeom prst="rect">
+            <a:avLst/>
+          </a:prstGeom>
+          <a:solidFill>
+            <a:srgbClr val="FFFFFF"/>
+          </a:solidFill>
+          <a:ln>
+            <a:noFill/>
+          </a:ln>
+          <a:effectLst/>
+          <a:extLst>
+            <a:ext uri="{91240B29-F687-4F45-9708-019B960494DF}">
+              <a14:hiddenLine xmlns:a14="http://schemas.microsoft.com/office/drawing/2010/main" w="9525">
+                <a:solidFill>
+                  <a:schemeClr val="tx1"/>
+                </a:solidFill>
+                <a:miter lim="800000"/>
+                <a:headEnd/>
+                <a:tailEnd/>
+              </a14:hiddenLine>
+            </a:ext>
+            <a:ext uri="{AF507438-7753-43E0-B8FC-AC1667EBCBE1}">
+              <a14:hiddenEffects xmlns:a14="http://schemas.microsoft.com/office/drawing/2010/main">
+                <a:effectLst>
+                  <a:outerShdw dist="35921" dir="2700000" algn="ctr" rotWithShape="0">
+                    <a:schemeClr val="bg2"/>
+                  </a:outerShdw>
+                </a:effectLst>
+              </a14:hiddenEffects>
+            </a:ext>
+          </a:extLst>
+        </p:spPr>
+        <p:txBody>
+          <a:bodyPr vert="horz" wrap="square" lIns="0" tIns="0" rIns="0" bIns="0" numCol="1" anchor="ctr" anchorCtr="0" compatLnSpc="1">
+            <a:prstTxWarp prst="textNoShape">
+              <a:avLst/>
+            </a:prstTxWarp>
+            <a:spAutoFit/>
+          </a:bodyPr>
           <a:lstStyle/>
           <a:p>
-            <a:endParaRPr lang="es-PE"/>
-          </a:p>
-        </p:txBody>
-      </p:sp>
-      <p:sp>
-        <p:nvSpPr>
-          <p:cNvPr id="3" name="Marcador de texto 2">
+            <a:pPr marL="285750" marR="0" lvl="0" indent="-285750" algn="l" defTabSz="914400" rtl="0" eaLnBrk="0" fontAlgn="base" latinLnBrk="0" hangingPunct="0">
+              <a:lnSpc>
+                <a:spcPct val="100000"/>
+              </a:lnSpc>
+              <a:spcBef>
+                <a:spcPct val="0"/>
+              </a:spcBef>
+              <a:spcAft>
+                <a:spcPct val="0"/>
+              </a:spcAft>
+              <a:buClrTx/>
+              <a:buSzTx/>
+              <a:buFont typeface="Wingdings" panose="05000000000000000000" pitchFamily="2" charset="2"/>
+              <a:buChar char="§"/>
+              <a:tabLst/>
+            </a:pPr>
+            <a:r>
+              <a:rPr lang="es-PE" altLang="es-PE" sz="1600" b="1" dirty="0" err="1">
+                <a:solidFill>
+                  <a:schemeClr val="accent1">
+                    <a:lumMod val="60000"/>
+                    <a:lumOff val="40000"/>
+                  </a:schemeClr>
+                </a:solidFill>
+                <a:latin typeface="Courier New" panose="02070309020205020404" pitchFamily="49" charset="0"/>
+              </a:rPr>
+              <a:t>Accuracy</a:t>
+            </a:r>
+            <a:r>
+              <a:rPr lang="es-PE" altLang="es-PE" sz="1600" dirty="0">
+                <a:solidFill>
+                  <a:schemeClr val="accent1">
+                    <a:lumMod val="60000"/>
+                    <a:lumOff val="40000"/>
+                  </a:schemeClr>
+                </a:solidFill>
+                <a:latin typeface="Courier New" panose="02070309020205020404" pitchFamily="49" charset="0"/>
+              </a:rPr>
+              <a:t>: 0.895 </a:t>
+            </a:r>
+          </a:p>
+          <a:p>
+            <a:pPr marL="285750" marR="0" lvl="0" indent="-285750" algn="l" defTabSz="914400" rtl="0" eaLnBrk="0" fontAlgn="base" latinLnBrk="0" hangingPunct="0">
+              <a:lnSpc>
+                <a:spcPct val="100000"/>
+              </a:lnSpc>
+              <a:spcBef>
+                <a:spcPct val="0"/>
+              </a:spcBef>
+              <a:spcAft>
+                <a:spcPct val="0"/>
+              </a:spcAft>
+              <a:buClrTx/>
+              <a:buSzTx/>
+              <a:buFont typeface="Wingdings" panose="05000000000000000000" pitchFamily="2" charset="2"/>
+              <a:buChar char="§"/>
+              <a:tabLst/>
+            </a:pPr>
+            <a:r>
+              <a:rPr lang="es-PE" altLang="es-PE" sz="1600" b="1" dirty="0" err="1">
+                <a:solidFill>
+                  <a:schemeClr val="accent1">
+                    <a:lumMod val="60000"/>
+                    <a:lumOff val="40000"/>
+                  </a:schemeClr>
+                </a:solidFill>
+                <a:latin typeface="Courier New" panose="02070309020205020404" pitchFamily="49" charset="0"/>
+              </a:rPr>
+              <a:t>Precision</a:t>
+            </a:r>
+            <a:r>
+              <a:rPr lang="es-PE" altLang="es-PE" sz="1600" dirty="0">
+                <a:solidFill>
+                  <a:schemeClr val="accent1">
+                    <a:lumMod val="60000"/>
+                    <a:lumOff val="40000"/>
+                  </a:schemeClr>
+                </a:solidFill>
+                <a:latin typeface="Courier New" panose="02070309020205020404" pitchFamily="49" charset="0"/>
+              </a:rPr>
+              <a:t>: 0.933 </a:t>
+            </a:r>
+          </a:p>
+          <a:p>
+            <a:pPr marL="285750" marR="0" lvl="0" indent="-285750" algn="l" defTabSz="914400" rtl="0" eaLnBrk="0" fontAlgn="base" latinLnBrk="0" hangingPunct="0">
+              <a:lnSpc>
+                <a:spcPct val="100000"/>
+              </a:lnSpc>
+              <a:spcBef>
+                <a:spcPct val="0"/>
+              </a:spcBef>
+              <a:spcAft>
+                <a:spcPct val="0"/>
+              </a:spcAft>
+              <a:buClrTx/>
+              <a:buSzTx/>
+              <a:buFont typeface="Wingdings" panose="05000000000000000000" pitchFamily="2" charset="2"/>
+              <a:buChar char="§"/>
+              <a:tabLst/>
+            </a:pPr>
+            <a:r>
+              <a:rPr lang="es-PE" altLang="es-PE" sz="1600" b="1" dirty="0" err="1">
+                <a:solidFill>
+                  <a:schemeClr val="accent1">
+                    <a:lumMod val="60000"/>
+                    <a:lumOff val="40000"/>
+                  </a:schemeClr>
+                </a:solidFill>
+                <a:latin typeface="Courier New" panose="02070309020205020404" pitchFamily="49" charset="0"/>
+              </a:rPr>
+              <a:t>Recall</a:t>
+            </a:r>
+            <a:r>
+              <a:rPr lang="es-PE" altLang="es-PE" sz="1600" dirty="0">
+                <a:solidFill>
+                  <a:schemeClr val="accent1">
+                    <a:lumMod val="60000"/>
+                    <a:lumOff val="40000"/>
+                  </a:schemeClr>
+                </a:solidFill>
+                <a:latin typeface="Courier New" panose="02070309020205020404" pitchFamily="49" charset="0"/>
+              </a:rPr>
+              <a:t>: 0.861</a:t>
+            </a:r>
+          </a:p>
+        </p:txBody>
+      </p:sp>
+      <p:sp>
+        <p:nvSpPr>
+          <p:cNvPr id="16" name="Google Shape;111;p2">
             <a:extLst>
               <a:ext uri="{FF2B5EF4-FFF2-40B4-BE49-F238E27FC236}">
-                <a16:creationId xmlns:a16="http://schemas.microsoft.com/office/drawing/2014/main" id="{E621A9AA-8F51-4523-A069-A2B30C6D0FF6}"/>
+                <a16:creationId xmlns:a16="http://schemas.microsoft.com/office/drawing/2014/main" id="{38CFCC3C-8947-416A-B591-D9F4B370C2D5}"/>
               </a:ext>
             </a:extLst>
           </p:cNvPr>
-          <p:cNvSpPr>
-            <a:spLocks noGrp="1"/>
-          </p:cNvSpPr>
-          <p:nvPr>
-            <p:ph type="body" idx="1"/>
-          </p:nvPr>
-        </p:nvSpPr>
-        <p:spPr/>
-        <p:txBody>
-          <a:bodyPr/>
+          <p:cNvSpPr txBox="1"/>
+          <p:nvPr/>
+        </p:nvSpPr>
+        <p:spPr>
+          <a:xfrm>
+            <a:off x="5076656" y="4513907"/>
+            <a:ext cx="2325430" cy="461624"/>
+          </a:xfrm>
+          <a:prstGeom prst="rect">
+            <a:avLst/>
+          </a:prstGeom>
+          <a:noFill/>
+          <a:ln>
+            <a:noFill/>
+          </a:ln>
+        </p:spPr>
+        <p:txBody>
+          <a:bodyPr spcFirstLastPara="1" wrap="square" lIns="91425" tIns="45700" rIns="91425" bIns="45700" anchor="t" anchorCtr="0">
+            <a:spAutoFit/>
+          </a:bodyPr>
           <a:lstStyle/>
           <a:p>
-            <a:endParaRPr lang="es-PE"/>
+            <a:pPr marL="0" marR="0" lvl="0" indent="0" algn="ctr" defTabSz="914400" rtl="0" eaLnBrk="0" fontAlgn="base" latinLnBrk="0" hangingPunct="0">
+              <a:lnSpc>
+                <a:spcPct val="100000"/>
+              </a:lnSpc>
+              <a:spcBef>
+                <a:spcPct val="0"/>
+              </a:spcBef>
+              <a:spcAft>
+                <a:spcPct val="0"/>
+              </a:spcAft>
+              <a:buClrTx/>
+              <a:buSzTx/>
+              <a:buFontTx/>
+              <a:buNone/>
+              <a:tabLst/>
+            </a:pPr>
+            <a:r>
+              <a:rPr lang="es-PE" altLang="es-PE" b="1" dirty="0">
+                <a:solidFill>
+                  <a:srgbClr val="000000"/>
+                </a:solidFill>
+                <a:latin typeface="Calibri" panose="020F0502020204030204" pitchFamily="34" charset="0"/>
+                <a:cs typeface="Calibri" panose="020F0502020204030204" pitchFamily="34" charset="0"/>
+              </a:rPr>
+              <a:t>Resultados del MVP</a:t>
+            </a:r>
+            <a:endParaRPr kumimoji="0" lang="es-PE" altLang="es-PE" b="1" i="0" u="none" strike="noStrike" cap="none" normalizeH="0" baseline="0" dirty="0">
+              <a:ln>
+                <a:noFill/>
+              </a:ln>
+              <a:solidFill>
+                <a:srgbClr val="000000"/>
+              </a:solidFill>
+              <a:effectLst/>
+              <a:latin typeface="Calibri" panose="020F0502020204030204" pitchFamily="34" charset="0"/>
+              <a:cs typeface="Calibri" panose="020F0502020204030204" pitchFamily="34" charset="0"/>
+            </a:endParaRPr>
+          </a:p>
+          <a:p>
+            <a:pPr marL="0" marR="0" lvl="0" indent="0" algn="ctr" defTabSz="914400" rtl="0" eaLnBrk="0" fontAlgn="base" latinLnBrk="0" hangingPunct="0">
+              <a:lnSpc>
+                <a:spcPct val="100000"/>
+              </a:lnSpc>
+              <a:spcBef>
+                <a:spcPct val="0"/>
+              </a:spcBef>
+              <a:spcAft>
+                <a:spcPct val="0"/>
+              </a:spcAft>
+              <a:buClrTx/>
+              <a:buSzTx/>
+              <a:buFontTx/>
+              <a:buNone/>
+              <a:tabLst/>
+            </a:pPr>
+            <a:endParaRPr kumimoji="0" lang="es-PE" altLang="es-PE" sz="600" b="0" i="0" u="none" strike="noStrike" cap="none" normalizeH="0" baseline="0" dirty="0">
+              <a:ln>
+                <a:noFill/>
+              </a:ln>
+              <a:solidFill>
+                <a:schemeClr val="tx1"/>
+              </a:solidFill>
+              <a:effectLst/>
+            </a:endParaRPr>
+          </a:p>
+        </p:txBody>
+      </p:sp>
+      <p:sp>
+        <p:nvSpPr>
+          <p:cNvPr id="17" name="CuadroTexto 16">
+            <a:extLst>
+              <a:ext uri="{FF2B5EF4-FFF2-40B4-BE49-F238E27FC236}">
+                <a16:creationId xmlns:a16="http://schemas.microsoft.com/office/drawing/2014/main" id="{6632796C-D9D3-496B-989A-17DCDC7D0EEF}"/>
+              </a:ext>
+            </a:extLst>
+          </p:cNvPr>
+          <p:cNvSpPr txBox="1"/>
+          <p:nvPr/>
+        </p:nvSpPr>
+        <p:spPr>
+          <a:xfrm>
+            <a:off x="4119942" y="1711240"/>
+            <a:ext cx="225185" cy="374237"/>
+          </a:xfrm>
+          <a:prstGeom prst="rect">
+            <a:avLst/>
+          </a:prstGeom>
+          <a:solidFill>
+            <a:schemeClr val="tx1"/>
+          </a:solidFill>
+        </p:spPr>
+        <p:txBody>
+          <a:bodyPr wrap="square">
+            <a:spAutoFit/>
+          </a:bodyPr>
+          <a:lstStyle/>
+          <a:p>
+            <a:pPr marR="0" lvl="0" algn="ctr" defTabSz="914400" rtl="0" eaLnBrk="0" fontAlgn="base" latinLnBrk="0" hangingPunct="0">
+              <a:lnSpc>
+                <a:spcPct val="100000"/>
+              </a:lnSpc>
+              <a:spcBef>
+                <a:spcPct val="0"/>
+              </a:spcBef>
+              <a:spcAft>
+                <a:spcPct val="0"/>
+              </a:spcAft>
+              <a:buClrTx/>
+              <a:buSzTx/>
+              <a:tabLst/>
+            </a:pPr>
+            <a:r>
+              <a:rPr lang="es-MX" altLang="es-PE" b="1" dirty="0">
+                <a:solidFill>
+                  <a:schemeClr val="bg1"/>
+                </a:solidFill>
+                <a:latin typeface="Calibri" panose="020F0502020204030204" pitchFamily="34" charset="0"/>
+                <a:cs typeface="Calibri" panose="020F0502020204030204" pitchFamily="34" charset="0"/>
+              </a:rPr>
+              <a:t>1</a:t>
+            </a:r>
+            <a:endParaRPr kumimoji="0" lang="es-PE" altLang="es-PE" b="1" i="0" u="none" strike="noStrike" cap="none" normalizeH="0" baseline="0" dirty="0">
+              <a:ln>
+                <a:noFill/>
+              </a:ln>
+              <a:effectLst/>
+              <a:latin typeface="Calibri" panose="020F0502020204030204" pitchFamily="34" charset="0"/>
+              <a:cs typeface="Calibri" panose="020F0502020204030204" pitchFamily="34" charset="0"/>
+            </a:endParaRPr>
+          </a:p>
+        </p:txBody>
+      </p:sp>
+      <p:sp>
+        <p:nvSpPr>
+          <p:cNvPr id="18" name="CuadroTexto 17">
+            <a:extLst>
+              <a:ext uri="{FF2B5EF4-FFF2-40B4-BE49-F238E27FC236}">
+                <a16:creationId xmlns:a16="http://schemas.microsoft.com/office/drawing/2014/main" id="{565C0DB8-36FE-4B9E-BF85-9566B72E8D97}"/>
+              </a:ext>
+            </a:extLst>
+          </p:cNvPr>
+          <p:cNvSpPr txBox="1"/>
+          <p:nvPr/>
+        </p:nvSpPr>
+        <p:spPr>
+          <a:xfrm>
+            <a:off x="1229303" y="4663848"/>
+            <a:ext cx="225185" cy="374237"/>
+          </a:xfrm>
+          <a:prstGeom prst="rect">
+            <a:avLst/>
+          </a:prstGeom>
+          <a:solidFill>
+            <a:schemeClr val="tx1"/>
+          </a:solidFill>
+        </p:spPr>
+        <p:txBody>
+          <a:bodyPr wrap="square">
+            <a:spAutoFit/>
+          </a:bodyPr>
+          <a:lstStyle/>
+          <a:p>
+            <a:pPr marR="0" lvl="0" algn="ctr" defTabSz="914400" rtl="0" eaLnBrk="0" fontAlgn="base" latinLnBrk="0" hangingPunct="0">
+              <a:lnSpc>
+                <a:spcPct val="100000"/>
+              </a:lnSpc>
+              <a:spcBef>
+                <a:spcPct val="0"/>
+              </a:spcBef>
+              <a:spcAft>
+                <a:spcPct val="0"/>
+              </a:spcAft>
+              <a:buClrTx/>
+              <a:buSzTx/>
+              <a:tabLst/>
+            </a:pPr>
+            <a:r>
+              <a:rPr kumimoji="0" lang="es-MX" altLang="es-PE" b="1" i="0" u="none" strike="noStrike" cap="none" normalizeH="0" baseline="0" dirty="0">
+                <a:ln>
+                  <a:noFill/>
+                </a:ln>
+                <a:solidFill>
+                  <a:schemeClr val="bg1"/>
+                </a:solidFill>
+                <a:effectLst/>
+                <a:latin typeface="Calibri" panose="020F0502020204030204" pitchFamily="34" charset="0"/>
+                <a:cs typeface="Calibri" panose="020F0502020204030204" pitchFamily="34" charset="0"/>
+              </a:rPr>
+              <a:t>2</a:t>
+            </a:r>
+            <a:endParaRPr kumimoji="0" lang="es-PE" altLang="es-PE" b="1" i="0" u="none" strike="noStrike" cap="none" normalizeH="0" baseline="0" dirty="0">
+              <a:ln>
+                <a:noFill/>
+              </a:ln>
+              <a:effectLst/>
+              <a:latin typeface="Calibri" panose="020F0502020204030204" pitchFamily="34" charset="0"/>
+              <a:cs typeface="Calibri" panose="020F0502020204030204" pitchFamily="34" charset="0"/>
+            </a:endParaRPr>
+          </a:p>
+        </p:txBody>
+      </p:sp>
+      <p:sp>
+        <p:nvSpPr>
+          <p:cNvPr id="19" name="CuadroTexto 18">
+            <a:extLst>
+              <a:ext uri="{FF2B5EF4-FFF2-40B4-BE49-F238E27FC236}">
+                <a16:creationId xmlns:a16="http://schemas.microsoft.com/office/drawing/2014/main" id="{9B69AEA6-15B5-4C6D-B567-09D83F07434E}"/>
+              </a:ext>
+            </a:extLst>
+          </p:cNvPr>
+          <p:cNvSpPr txBox="1"/>
+          <p:nvPr/>
+        </p:nvSpPr>
+        <p:spPr>
+          <a:xfrm>
+            <a:off x="4800100" y="5063223"/>
+            <a:ext cx="225185" cy="374237"/>
+          </a:xfrm>
+          <a:prstGeom prst="rect">
+            <a:avLst/>
+          </a:prstGeom>
+          <a:solidFill>
+            <a:schemeClr val="tx1"/>
+          </a:solidFill>
+        </p:spPr>
+        <p:txBody>
+          <a:bodyPr wrap="square">
+            <a:spAutoFit/>
+          </a:bodyPr>
+          <a:lstStyle/>
+          <a:p>
+            <a:pPr marR="0" lvl="0" algn="ctr" defTabSz="914400" rtl="0" eaLnBrk="0" fontAlgn="base" latinLnBrk="0" hangingPunct="0">
+              <a:lnSpc>
+                <a:spcPct val="100000"/>
+              </a:lnSpc>
+              <a:spcBef>
+                <a:spcPct val="0"/>
+              </a:spcBef>
+              <a:spcAft>
+                <a:spcPct val="0"/>
+              </a:spcAft>
+              <a:buClrTx/>
+              <a:buSzTx/>
+              <a:tabLst/>
+            </a:pPr>
+            <a:r>
+              <a:rPr lang="es-MX" altLang="es-PE" b="1" dirty="0">
+                <a:solidFill>
+                  <a:schemeClr val="bg1"/>
+                </a:solidFill>
+                <a:latin typeface="Calibri" panose="020F0502020204030204" pitchFamily="34" charset="0"/>
+                <a:cs typeface="Calibri" panose="020F0502020204030204" pitchFamily="34" charset="0"/>
+              </a:rPr>
+              <a:t>3</a:t>
+            </a:r>
+            <a:endParaRPr kumimoji="0" lang="es-PE" altLang="es-PE" b="1" i="0" u="none" strike="noStrike" cap="none" normalizeH="0" baseline="0" dirty="0">
+              <a:ln>
+                <a:noFill/>
+              </a:ln>
+              <a:effectLst/>
+              <a:latin typeface="Calibri" panose="020F0502020204030204" pitchFamily="34" charset="0"/>
+              <a:cs typeface="Calibri" panose="020F0502020204030204" pitchFamily="34" charset="0"/>
+            </a:endParaRPr>
+          </a:p>
+        </p:txBody>
+      </p:sp>
+      <p:sp>
+        <p:nvSpPr>
+          <p:cNvPr id="20" name="CuadroTexto 19">
+            <a:extLst>
+              <a:ext uri="{FF2B5EF4-FFF2-40B4-BE49-F238E27FC236}">
+                <a16:creationId xmlns:a16="http://schemas.microsoft.com/office/drawing/2014/main" id="{805A9442-A1C6-458D-B001-87720593D6F4}"/>
+              </a:ext>
+            </a:extLst>
+          </p:cNvPr>
+          <p:cNvSpPr txBox="1"/>
+          <p:nvPr/>
+        </p:nvSpPr>
+        <p:spPr>
+          <a:xfrm>
+            <a:off x="8335584" y="5280777"/>
+            <a:ext cx="225185" cy="374237"/>
+          </a:xfrm>
+          <a:prstGeom prst="rect">
+            <a:avLst/>
+          </a:prstGeom>
+          <a:solidFill>
+            <a:schemeClr val="tx1"/>
+          </a:solidFill>
+        </p:spPr>
+        <p:txBody>
+          <a:bodyPr wrap="square">
+            <a:spAutoFit/>
+          </a:bodyPr>
+          <a:lstStyle/>
+          <a:p>
+            <a:pPr marR="0" lvl="0" algn="ctr" defTabSz="914400" rtl="0" eaLnBrk="0" fontAlgn="base" latinLnBrk="0" hangingPunct="0">
+              <a:lnSpc>
+                <a:spcPct val="100000"/>
+              </a:lnSpc>
+              <a:spcBef>
+                <a:spcPct val="0"/>
+              </a:spcBef>
+              <a:spcAft>
+                <a:spcPct val="0"/>
+              </a:spcAft>
+              <a:buClrTx/>
+              <a:buSzTx/>
+              <a:tabLst/>
+            </a:pPr>
+            <a:r>
+              <a:rPr lang="es-MX" altLang="es-PE" b="1" dirty="0">
+                <a:solidFill>
+                  <a:schemeClr val="bg1"/>
+                </a:solidFill>
+                <a:latin typeface="Calibri" panose="020F0502020204030204" pitchFamily="34" charset="0"/>
+                <a:cs typeface="Calibri" panose="020F0502020204030204" pitchFamily="34" charset="0"/>
+              </a:rPr>
+              <a:t>4</a:t>
+            </a:r>
+            <a:endParaRPr kumimoji="0" lang="es-PE" altLang="es-PE" b="1" i="0" u="none" strike="noStrike" cap="none" normalizeH="0" baseline="0" dirty="0">
+              <a:ln>
+                <a:noFill/>
+              </a:ln>
+              <a:effectLst/>
+              <a:latin typeface="Calibri" panose="020F0502020204030204" pitchFamily="34" charset="0"/>
+              <a:cs typeface="Calibri" panose="020F0502020204030204" pitchFamily="34" charset="0"/>
+            </a:endParaRPr>
+          </a:p>
+        </p:txBody>
+      </p:sp>
+      <p:sp>
+        <p:nvSpPr>
+          <p:cNvPr id="22" name="CuadroTexto 21">
+            <a:extLst>
+              <a:ext uri="{FF2B5EF4-FFF2-40B4-BE49-F238E27FC236}">
+                <a16:creationId xmlns:a16="http://schemas.microsoft.com/office/drawing/2014/main" id="{87E5B1A1-67F0-4EFA-A9A5-59A8E91D79D2}"/>
+              </a:ext>
+            </a:extLst>
+          </p:cNvPr>
+          <p:cNvSpPr txBox="1"/>
+          <p:nvPr/>
+        </p:nvSpPr>
+        <p:spPr>
+          <a:xfrm>
+            <a:off x="8168638" y="2389148"/>
+            <a:ext cx="3817469" cy="1754326"/>
+          </a:xfrm>
+          <a:prstGeom prst="rect">
+            <a:avLst/>
+          </a:prstGeom>
+          <a:noFill/>
+        </p:spPr>
+        <p:txBody>
+          <a:bodyPr wrap="square">
+            <a:spAutoFit/>
+          </a:bodyPr>
+          <a:lstStyle/>
+          <a:p>
+            <a:pPr marL="342900" indent="-342900">
+              <a:buFont typeface="+mj-lt"/>
+              <a:buAutoNum type="arabicPeriod"/>
+            </a:pPr>
+            <a:r>
+              <a:rPr lang="es-PE" altLang="es-PE" dirty="0">
+                <a:solidFill>
+                  <a:srgbClr val="000000"/>
+                </a:solidFill>
+                <a:latin typeface="Calibri" panose="020F0502020204030204" pitchFamily="34" charset="0"/>
+                <a:cs typeface="Calibri" panose="020F0502020204030204" pitchFamily="34" charset="0"/>
+              </a:rPr>
+              <a:t>Creamos </a:t>
+            </a:r>
+            <a:r>
+              <a:rPr lang="es-PE" altLang="es-PE" dirty="0" err="1">
+                <a:solidFill>
+                  <a:srgbClr val="000000"/>
+                </a:solidFill>
+                <a:latin typeface="Calibri" panose="020F0502020204030204" pitchFamily="34" charset="0"/>
+                <a:cs typeface="Calibri" panose="020F0502020204030204" pitchFamily="34" charset="0"/>
+              </a:rPr>
+              <a:t>dataset</a:t>
+            </a:r>
+            <a:r>
+              <a:rPr lang="es-PE" altLang="es-PE" dirty="0">
+                <a:solidFill>
+                  <a:srgbClr val="000000"/>
+                </a:solidFill>
+                <a:latin typeface="Calibri" panose="020F0502020204030204" pitchFamily="34" charset="0"/>
+                <a:cs typeface="Calibri" panose="020F0502020204030204" pitchFamily="34" charset="0"/>
+              </a:rPr>
+              <a:t> de entrenamiento</a:t>
+            </a:r>
+          </a:p>
+          <a:p>
+            <a:pPr marL="342900" indent="-342900">
+              <a:buFont typeface="+mj-lt"/>
+              <a:buAutoNum type="arabicPeriod"/>
+            </a:pPr>
+            <a:r>
+              <a:rPr lang="es-PE" altLang="es-PE" dirty="0">
+                <a:solidFill>
+                  <a:srgbClr val="000000"/>
+                </a:solidFill>
+                <a:latin typeface="Calibri" panose="020F0502020204030204" pitchFamily="34" charset="0"/>
+                <a:cs typeface="Calibri" panose="020F0502020204030204" pitchFamily="34" charset="0"/>
+              </a:rPr>
+              <a:t>Creamos el modelo y lo entrenamos</a:t>
+            </a:r>
+          </a:p>
+          <a:p>
+            <a:pPr marL="342900" indent="-342900">
+              <a:buFont typeface="+mj-lt"/>
+              <a:buAutoNum type="arabicPeriod"/>
+            </a:pPr>
+            <a:r>
+              <a:rPr lang="es-PE" altLang="es-PE" dirty="0">
+                <a:solidFill>
+                  <a:srgbClr val="000000"/>
+                </a:solidFill>
+                <a:latin typeface="Calibri" panose="020F0502020204030204" pitchFamily="34" charset="0"/>
+                <a:cs typeface="Calibri" panose="020F0502020204030204" pitchFamily="34" charset="0"/>
+              </a:rPr>
+              <a:t>Reentrenamos hasta mejorar los resultados</a:t>
+            </a:r>
+          </a:p>
+          <a:p>
+            <a:pPr marL="342900" indent="-342900">
+              <a:buFont typeface="+mj-lt"/>
+              <a:buAutoNum type="arabicPeriod"/>
+            </a:pPr>
+            <a:r>
+              <a:rPr lang="es-PE" altLang="es-PE" dirty="0">
+                <a:solidFill>
+                  <a:srgbClr val="000000"/>
+                </a:solidFill>
+                <a:latin typeface="Calibri" panose="020F0502020204030204" pitchFamily="34" charset="0"/>
+                <a:cs typeface="Calibri" panose="020F0502020204030204" pitchFamily="34" charset="0"/>
+              </a:rPr>
+              <a:t>Adaptamos el modelo</a:t>
+            </a:r>
+          </a:p>
+        </p:txBody>
+      </p:sp>
+      <p:sp>
+        <p:nvSpPr>
+          <p:cNvPr id="26" name="CuadroTexto 25">
+            <a:extLst>
+              <a:ext uri="{FF2B5EF4-FFF2-40B4-BE49-F238E27FC236}">
+                <a16:creationId xmlns:a16="http://schemas.microsoft.com/office/drawing/2014/main" id="{0565B546-9696-4591-A459-ABADED86FADF}"/>
+              </a:ext>
+            </a:extLst>
+          </p:cNvPr>
+          <p:cNvSpPr txBox="1"/>
+          <p:nvPr/>
+        </p:nvSpPr>
+        <p:spPr>
+          <a:xfrm>
+            <a:off x="8809053" y="5006230"/>
+            <a:ext cx="2538557" cy="923330"/>
+          </a:xfrm>
+          <a:prstGeom prst="rect">
+            <a:avLst/>
+          </a:prstGeom>
+          <a:noFill/>
+        </p:spPr>
+        <p:txBody>
+          <a:bodyPr wrap="square">
+            <a:spAutoFit/>
+          </a:bodyPr>
+          <a:lstStyle/>
+          <a:p>
+            <a:r>
+              <a:rPr lang="es-PE" altLang="es-PE" dirty="0">
+                <a:solidFill>
+                  <a:srgbClr val="000000"/>
+                </a:solidFill>
+                <a:latin typeface="Calibri" panose="020F0502020204030204" pitchFamily="34" charset="0"/>
+                <a:cs typeface="Calibri" panose="020F0502020204030204" pitchFamily="34" charset="0"/>
+              </a:rPr>
+              <a:t>Se coordina y adapta de acuerdo a la arquitectura del ambiente productivo</a:t>
+            </a:r>
+            <a:endParaRPr lang="es-PE" dirty="0"/>
+          </a:p>
+        </p:txBody>
+      </p:sp>
+      <p:sp>
+        <p:nvSpPr>
+          <p:cNvPr id="27" name="Google Shape;111;p2">
+            <a:extLst>
+              <a:ext uri="{FF2B5EF4-FFF2-40B4-BE49-F238E27FC236}">
+                <a16:creationId xmlns:a16="http://schemas.microsoft.com/office/drawing/2014/main" id="{4A4F3CF8-99CB-4E03-84F6-5A99D5A8630A}"/>
+              </a:ext>
+            </a:extLst>
+          </p:cNvPr>
+          <p:cNvSpPr txBox="1"/>
+          <p:nvPr/>
+        </p:nvSpPr>
+        <p:spPr>
+          <a:xfrm>
+            <a:off x="8824333" y="1958311"/>
+            <a:ext cx="2325430" cy="461624"/>
+          </a:xfrm>
+          <a:prstGeom prst="rect">
+            <a:avLst/>
+          </a:prstGeom>
+          <a:noFill/>
+          <a:ln>
+            <a:noFill/>
+          </a:ln>
+        </p:spPr>
+        <p:txBody>
+          <a:bodyPr spcFirstLastPara="1" wrap="square" lIns="91425" tIns="45700" rIns="91425" bIns="45700" anchor="t" anchorCtr="0">
+            <a:spAutoFit/>
+          </a:bodyPr>
+          <a:lstStyle/>
+          <a:p>
+            <a:pPr marL="0" marR="0" lvl="0" indent="0" algn="ctr" defTabSz="914400" rtl="0" eaLnBrk="0" fontAlgn="base" latinLnBrk="0" hangingPunct="0">
+              <a:lnSpc>
+                <a:spcPct val="100000"/>
+              </a:lnSpc>
+              <a:spcBef>
+                <a:spcPct val="0"/>
+              </a:spcBef>
+              <a:spcAft>
+                <a:spcPct val="0"/>
+              </a:spcAft>
+              <a:buClrTx/>
+              <a:buSzTx/>
+              <a:buFontTx/>
+              <a:buNone/>
+              <a:tabLst/>
+            </a:pPr>
+            <a:r>
+              <a:rPr lang="es-PE" altLang="es-PE" b="1" dirty="0">
+                <a:solidFill>
+                  <a:srgbClr val="000000"/>
+                </a:solidFill>
+                <a:latin typeface="Calibri" panose="020F0502020204030204" pitchFamily="34" charset="0"/>
+                <a:cs typeface="Calibri" panose="020F0502020204030204" pitchFamily="34" charset="0"/>
+              </a:rPr>
+              <a:t>PoC del MVP</a:t>
+            </a:r>
+            <a:endParaRPr kumimoji="0" lang="es-PE" altLang="es-PE" b="1" i="0" u="none" strike="noStrike" cap="none" normalizeH="0" baseline="0" dirty="0">
+              <a:ln>
+                <a:noFill/>
+              </a:ln>
+              <a:solidFill>
+                <a:srgbClr val="000000"/>
+              </a:solidFill>
+              <a:effectLst/>
+              <a:latin typeface="Calibri" panose="020F0502020204030204" pitchFamily="34" charset="0"/>
+              <a:cs typeface="Calibri" panose="020F0502020204030204" pitchFamily="34" charset="0"/>
+            </a:endParaRPr>
+          </a:p>
+          <a:p>
+            <a:pPr marL="0" marR="0" lvl="0" indent="0" algn="ctr" defTabSz="914400" rtl="0" eaLnBrk="0" fontAlgn="base" latinLnBrk="0" hangingPunct="0">
+              <a:lnSpc>
+                <a:spcPct val="100000"/>
+              </a:lnSpc>
+              <a:spcBef>
+                <a:spcPct val="0"/>
+              </a:spcBef>
+              <a:spcAft>
+                <a:spcPct val="0"/>
+              </a:spcAft>
+              <a:buClrTx/>
+              <a:buSzTx/>
+              <a:buFontTx/>
+              <a:buNone/>
+              <a:tabLst/>
+            </a:pPr>
+            <a:endParaRPr kumimoji="0" lang="es-PE" altLang="es-PE" sz="600" b="0" i="0" u="none" strike="noStrike" cap="none" normalizeH="0" baseline="0" dirty="0">
+              <a:ln>
+                <a:noFill/>
+              </a:ln>
+              <a:solidFill>
+                <a:schemeClr val="tx1"/>
+              </a:solidFill>
+              <a:effectLst/>
+            </a:endParaRPr>
           </a:p>
         </p:txBody>
       </p:sp>
     </p:spTree>
     <p:extLst>
       <p:ext uri="{BB962C8B-B14F-4D97-AF65-F5344CB8AC3E}">
-        <p14:creationId xmlns:p14="http://schemas.microsoft.com/office/powerpoint/2010/main" val="3414945872"/>
+        <p14:creationId xmlns:p14="http://schemas.microsoft.com/office/powerpoint/2010/main" val="76314806"/>
       </p:ext>
     </p:extLst>
   </p:cSld>
@@ -12832,6 +12528,86 @@
       </p:grpSpPr>
       <p:sp>
         <p:nvSpPr>
+          <p:cNvPr id="2" name="Título 1">
+            <a:extLst>
+              <a:ext uri="{FF2B5EF4-FFF2-40B4-BE49-F238E27FC236}">
+                <a16:creationId xmlns:a16="http://schemas.microsoft.com/office/drawing/2014/main" id="{6A21EC77-5480-4024-A752-8E19D9151495}"/>
+              </a:ext>
+            </a:extLst>
+          </p:cNvPr>
+          <p:cNvSpPr>
+            <a:spLocks noGrp="1"/>
+          </p:cNvSpPr>
+          <p:nvPr>
+            <p:ph type="title"/>
+          </p:nvPr>
+        </p:nvSpPr>
+        <p:spPr/>
+        <p:txBody>
+          <a:bodyPr/>
+          <a:lstStyle/>
+          <a:p>
+            <a:endParaRPr lang="es-PE"/>
+          </a:p>
+        </p:txBody>
+      </p:sp>
+      <p:sp>
+        <p:nvSpPr>
+          <p:cNvPr id="3" name="Marcador de texto 2">
+            <a:extLst>
+              <a:ext uri="{FF2B5EF4-FFF2-40B4-BE49-F238E27FC236}">
+                <a16:creationId xmlns:a16="http://schemas.microsoft.com/office/drawing/2014/main" id="{E621A9AA-8F51-4523-A069-A2B30C6D0FF6}"/>
+              </a:ext>
+            </a:extLst>
+          </p:cNvPr>
+          <p:cNvSpPr>
+            <a:spLocks noGrp="1"/>
+          </p:cNvSpPr>
+          <p:nvPr>
+            <p:ph type="body" idx="1"/>
+          </p:nvPr>
+        </p:nvSpPr>
+        <p:spPr/>
+        <p:txBody>
+          <a:bodyPr/>
+          <a:lstStyle/>
+          <a:p>
+            <a:endParaRPr lang="es-PE"/>
+          </a:p>
+        </p:txBody>
+      </p:sp>
+    </p:spTree>
+    <p:extLst>
+      <p:ext uri="{BB962C8B-B14F-4D97-AF65-F5344CB8AC3E}">
+        <p14:creationId xmlns:p14="http://schemas.microsoft.com/office/powerpoint/2010/main" val="3414945872"/>
+      </p:ext>
+    </p:extLst>
+  </p:cSld>
+  <p:clrMapOvr>
+    <a:masterClrMapping/>
+  </p:clrMapOvr>
+</p:sld>
+</file>
+
+<file path=ppt/slides/slide18.xml><?xml version="1.0" encoding="utf-8"?>
+<p:sld xmlns:a="http://schemas.openxmlformats.org/drawingml/2006/main" xmlns:r="http://schemas.openxmlformats.org/officeDocument/2006/relationships" xmlns:p="http://schemas.openxmlformats.org/presentationml/2006/main">
+  <p:cSld>
+    <p:spTree>
+      <p:nvGrpSpPr>
+        <p:cNvPr id="1" name=""/>
+        <p:cNvGrpSpPr/>
+        <p:nvPr/>
+      </p:nvGrpSpPr>
+      <p:grpSpPr>
+        <a:xfrm>
+          <a:off x="0" y="0"/>
+          <a:ext cx="0" cy="0"/>
+          <a:chOff x="0" y="0"/>
+          <a:chExt cx="0" cy="0"/>
+        </a:xfrm>
+      </p:grpSpPr>
+      <p:sp>
+        <p:nvSpPr>
           <p:cNvPr id="4" name="Rectángulo: esquinas superiores redondeadas 4">
             <a:extLst>
               <a:ext uri="{FF2B5EF4-FFF2-40B4-BE49-F238E27FC236}">
@@ -13603,7 +13379,7 @@
 </p:sld>
 </file>
 
-<file path=ppt/slides/slide18.xml><?xml version="1.0" encoding="utf-8"?>
+<file path=ppt/slides/slide19.xml><?xml version="1.0" encoding="utf-8"?>
 <p:sld xmlns:a="http://schemas.openxmlformats.org/drawingml/2006/main" xmlns:r="http://schemas.openxmlformats.org/officeDocument/2006/relationships" xmlns:p="http://schemas.openxmlformats.org/presentationml/2006/main">
   <p:cSld>
     <p:spTree>
